--- a/이형준/my/E-zone.pptx
+++ b/이형준/my/E-zone.pptx
@@ -5,10 +5,10 @@
     <p:sldMasterId id="2147483648" r:id="rId4"/>
   </p:sldMasterIdLst>
   <p:notesMasterIdLst>
-    <p:notesMasterId r:id="rId13"/>
+    <p:notesMasterId r:id="rId20"/>
   </p:notesMasterIdLst>
   <p:handoutMasterIdLst>
-    <p:handoutMasterId r:id="rId14"/>
+    <p:handoutMasterId r:id="rId21"/>
   </p:handoutMasterIdLst>
   <p:sldIdLst>
     <p:sldId id="298" r:id="rId5"/>
@@ -18,7 +18,14 @@
     <p:sldId id="292" r:id="rId9"/>
     <p:sldId id="284" r:id="rId10"/>
     <p:sldId id="300" r:id="rId11"/>
-    <p:sldId id="296" r:id="rId12"/>
+    <p:sldId id="301" r:id="rId12"/>
+    <p:sldId id="302" r:id="rId13"/>
+    <p:sldId id="303" r:id="rId14"/>
+    <p:sldId id="304" r:id="rId15"/>
+    <p:sldId id="305" r:id="rId16"/>
+    <p:sldId id="306" r:id="rId17"/>
+    <p:sldId id="307" r:id="rId18"/>
+    <p:sldId id="296" r:id="rId19"/>
   </p:sldIdLst>
   <p:sldSz cx="12192000" cy="6858000"/>
   <p:notesSz cx="6858000" cy="9144000"/>
@@ -155,7 +162,7 @@
           <p:cNvPr id="2" name="Header Placeholder 1">
             <a:extLst>
               <a:ext uri="{FF2B5EF4-FFF2-40B4-BE49-F238E27FC236}">
-                <a16:creationId xmlns:a16="http://schemas.microsoft.com/office/drawing/2014/main" xmlns="" id="{B76F666D-E0C2-435B-BAA8-9287F9E5D38A}"/>
+                <a16:creationId xmlns="" xmlns:a16="http://schemas.microsoft.com/office/drawing/2014/main" id="{B76F666D-E0C2-435B-BAA8-9287F9E5D38A}"/>
               </a:ext>
             </a:extLst>
           </p:cNvPr>
@@ -192,7 +199,7 @@
           <p:cNvPr id="3" name="Date Placeholder 2">
             <a:extLst>
               <a:ext uri="{FF2B5EF4-FFF2-40B4-BE49-F238E27FC236}">
-                <a16:creationId xmlns:a16="http://schemas.microsoft.com/office/drawing/2014/main" xmlns="" id="{19FEBCAF-CB3F-4928-91AA-D61472F880C0}"/>
+                <a16:creationId xmlns="" xmlns:a16="http://schemas.microsoft.com/office/drawing/2014/main" id="{19FEBCAF-CB3F-4928-91AA-D61472F880C0}"/>
               </a:ext>
             </a:extLst>
           </p:cNvPr>
@@ -233,7 +240,7 @@
           <p:cNvPr id="4" name="Footer Placeholder 3">
             <a:extLst>
               <a:ext uri="{FF2B5EF4-FFF2-40B4-BE49-F238E27FC236}">
-                <a16:creationId xmlns:a16="http://schemas.microsoft.com/office/drawing/2014/main" xmlns="" id="{69256698-63C6-4CCC-81CB-EA5604C30F1E}"/>
+                <a16:creationId xmlns="" xmlns:a16="http://schemas.microsoft.com/office/drawing/2014/main" id="{69256698-63C6-4CCC-81CB-EA5604C30F1E}"/>
               </a:ext>
             </a:extLst>
           </p:cNvPr>
@@ -270,7 +277,7 @@
           <p:cNvPr id="5" name="Slide Number Placeholder 4">
             <a:extLst>
               <a:ext uri="{FF2B5EF4-FFF2-40B4-BE49-F238E27FC236}">
-                <a16:creationId xmlns:a16="http://schemas.microsoft.com/office/drawing/2014/main" xmlns="" id="{B2467FDA-05D7-4760-A373-5D6AEAAF4278}"/>
+                <a16:creationId xmlns="" xmlns:a16="http://schemas.microsoft.com/office/drawing/2014/main" id="{B2467FDA-05D7-4760-A373-5D6AEAAF4278}"/>
               </a:ext>
             </a:extLst>
           </p:cNvPr>
@@ -698,7 +705,7 @@
           <p:cNvPr id="41" name="Picture Placeholder 40">
             <a:extLst>
               <a:ext uri="{FF2B5EF4-FFF2-40B4-BE49-F238E27FC236}">
-                <a16:creationId xmlns:a16="http://schemas.microsoft.com/office/drawing/2014/main" xmlns="" id="{EB7F0EE8-BE52-4A79-8FC8-4A2487FA01FC}"/>
+                <a16:creationId xmlns="" xmlns:a16="http://schemas.microsoft.com/office/drawing/2014/main" id="{EB7F0EE8-BE52-4A79-8FC8-4A2487FA01FC}"/>
               </a:ext>
             </a:extLst>
           </p:cNvPr>
@@ -744,7 +751,7 @@
           <p:cNvPr id="2" name="Title 1">
             <a:extLst>
               <a:ext uri="{FF2B5EF4-FFF2-40B4-BE49-F238E27FC236}">
-                <a16:creationId xmlns:a16="http://schemas.microsoft.com/office/drawing/2014/main" xmlns="" id="{00F23EB7-E336-46EB-A4A0-3DB7A6BF4CE1}"/>
+                <a16:creationId xmlns="" xmlns:a16="http://schemas.microsoft.com/office/drawing/2014/main" id="{00F23EB7-E336-46EB-A4A0-3DB7A6BF4CE1}"/>
               </a:ext>
             </a:extLst>
           </p:cNvPr>
@@ -787,7 +794,7 @@
           <p:cNvPr id="3" name="Subtitle 2">
             <a:extLst>
               <a:ext uri="{FF2B5EF4-FFF2-40B4-BE49-F238E27FC236}">
-                <a16:creationId xmlns:a16="http://schemas.microsoft.com/office/drawing/2014/main" xmlns="" id="{C9980B88-3F4A-4688-9ED0-17EF37E62D93}"/>
+                <a16:creationId xmlns="" xmlns:a16="http://schemas.microsoft.com/office/drawing/2014/main" id="{C9980B88-3F4A-4688-9ED0-17EF37E62D93}"/>
               </a:ext>
             </a:extLst>
           </p:cNvPr>
@@ -838,7 +845,7 @@
           <p:cNvPr id="13" name="Rectangle 12">
             <a:extLst>
               <a:ext uri="{FF2B5EF4-FFF2-40B4-BE49-F238E27FC236}">
-                <a16:creationId xmlns:a16="http://schemas.microsoft.com/office/drawing/2014/main" xmlns="" id="{EC0FBB1B-4F0E-4365-BF27-3150FC6C3B90}"/>
+                <a16:creationId xmlns="" xmlns:a16="http://schemas.microsoft.com/office/drawing/2014/main" id="{EC0FBB1B-4F0E-4365-BF27-3150FC6C3B90}"/>
               </a:ext>
             </a:extLst>
           </p:cNvPr>
@@ -892,7 +899,7 @@
           <p:cNvPr id="14" name="Rectangle 13">
             <a:extLst>
               <a:ext uri="{FF2B5EF4-FFF2-40B4-BE49-F238E27FC236}">
-                <a16:creationId xmlns:a16="http://schemas.microsoft.com/office/drawing/2014/main" xmlns="" id="{7A13D8A8-6C3D-4527-959D-41C3213F7F02}"/>
+                <a16:creationId xmlns="" xmlns:a16="http://schemas.microsoft.com/office/drawing/2014/main" id="{7A13D8A8-6C3D-4527-959D-41C3213F7F02}"/>
               </a:ext>
             </a:extLst>
           </p:cNvPr>
@@ -944,7 +951,7 @@
           <p:cNvPr id="15" name="Rectangle 14">
             <a:extLst>
               <a:ext uri="{FF2B5EF4-FFF2-40B4-BE49-F238E27FC236}">
-                <a16:creationId xmlns:a16="http://schemas.microsoft.com/office/drawing/2014/main" xmlns="" id="{9504A767-1C0B-484E-BF7D-CD42D30A52EE}"/>
+                <a16:creationId xmlns="" xmlns:a16="http://schemas.microsoft.com/office/drawing/2014/main" id="{9504A767-1C0B-484E-BF7D-CD42D30A52EE}"/>
               </a:ext>
             </a:extLst>
           </p:cNvPr>
@@ -1033,7 +1040,7 @@
           <p:cNvPr id="2" name="Title 1">
             <a:extLst>
               <a:ext uri="{FF2B5EF4-FFF2-40B4-BE49-F238E27FC236}">
-                <a16:creationId xmlns:a16="http://schemas.microsoft.com/office/drawing/2014/main" xmlns="" id="{40EE479C-D1F6-4BAC-80D2-90EF74E3261A}"/>
+                <a16:creationId xmlns="" xmlns:a16="http://schemas.microsoft.com/office/drawing/2014/main" id="{40EE479C-D1F6-4BAC-80D2-90EF74E3261A}"/>
               </a:ext>
             </a:extLst>
           </p:cNvPr>
@@ -1077,7 +1084,7 @@
           <p:cNvPr id="7" name="Subtitle 2">
             <a:extLst>
               <a:ext uri="{FF2B5EF4-FFF2-40B4-BE49-F238E27FC236}">
-                <a16:creationId xmlns:a16="http://schemas.microsoft.com/office/drawing/2014/main" xmlns="" id="{7DEBF36F-ADC5-48FF-BFAF-3BED06924FD3}"/>
+                <a16:creationId xmlns="" xmlns:a16="http://schemas.microsoft.com/office/drawing/2014/main" id="{7DEBF36F-ADC5-48FF-BFAF-3BED06924FD3}"/>
               </a:ext>
             </a:extLst>
           </p:cNvPr>
@@ -1132,7 +1139,7 @@
           <p:cNvPr id="3" name="Content Placeholder 2">
             <a:extLst>
               <a:ext uri="{FF2B5EF4-FFF2-40B4-BE49-F238E27FC236}">
-                <a16:creationId xmlns:a16="http://schemas.microsoft.com/office/drawing/2014/main" xmlns="" id="{A22238F2-C6EC-476F-8371-119AECBA5622}"/>
+                <a16:creationId xmlns="" xmlns:a16="http://schemas.microsoft.com/office/drawing/2014/main" id="{A22238F2-C6EC-476F-8371-119AECBA5622}"/>
               </a:ext>
             </a:extLst>
           </p:cNvPr>
@@ -1246,7 +1253,7 @@
           <p:cNvPr id="6" name="Text Placeholder 4">
             <a:extLst>
               <a:ext uri="{FF2B5EF4-FFF2-40B4-BE49-F238E27FC236}">
-                <a16:creationId xmlns:a16="http://schemas.microsoft.com/office/drawing/2014/main" xmlns="" id="{7867C73D-EE16-41D1-B7CE-A35C765E3B8D}"/>
+                <a16:creationId xmlns="" xmlns:a16="http://schemas.microsoft.com/office/drawing/2014/main" id="{7867C73D-EE16-41D1-B7CE-A35C765E3B8D}"/>
               </a:ext>
             </a:extLst>
           </p:cNvPr>
@@ -1309,7 +1316,7 @@
           <p:cNvPr id="4" name="Footer Placeholder 3">
             <a:extLst>
               <a:ext uri="{FF2B5EF4-FFF2-40B4-BE49-F238E27FC236}">
-                <a16:creationId xmlns:a16="http://schemas.microsoft.com/office/drawing/2014/main" xmlns="" id="{57847F90-9DB6-4832-9EB7-393AADAE8B70}"/>
+                <a16:creationId xmlns="" xmlns:a16="http://schemas.microsoft.com/office/drawing/2014/main" id="{57847F90-9DB6-4832-9EB7-393AADAE8B70}"/>
               </a:ext>
             </a:extLst>
           </p:cNvPr>
@@ -1337,7 +1344,7 @@
           <p:cNvPr id="5" name="Slide Number Placeholder 4">
             <a:extLst>
               <a:ext uri="{FF2B5EF4-FFF2-40B4-BE49-F238E27FC236}">
-                <a16:creationId xmlns:a16="http://schemas.microsoft.com/office/drawing/2014/main" xmlns="" id="{F64CFC6C-1D8B-46C9-B0F7-A8BD88D8AB46}"/>
+                <a16:creationId xmlns="" xmlns:a16="http://schemas.microsoft.com/office/drawing/2014/main" id="{F64CFC6C-1D8B-46C9-B0F7-A8BD88D8AB46}"/>
               </a:ext>
             </a:extLst>
           </p:cNvPr>
@@ -1397,7 +1404,7 @@
           <p:cNvPr id="2" name="Title 1">
             <a:extLst>
               <a:ext uri="{FF2B5EF4-FFF2-40B4-BE49-F238E27FC236}">
-                <a16:creationId xmlns:a16="http://schemas.microsoft.com/office/drawing/2014/main" xmlns="" id="{5CFF4C50-933F-41F9-AD11-BD02410AA7D5}"/>
+                <a16:creationId xmlns="" xmlns:a16="http://schemas.microsoft.com/office/drawing/2014/main" id="{5CFF4C50-933F-41F9-AD11-BD02410AA7D5}"/>
               </a:ext>
             </a:extLst>
           </p:cNvPr>
@@ -1441,7 +1448,7 @@
           <p:cNvPr id="9" name="Subtitle 2">
             <a:extLst>
               <a:ext uri="{FF2B5EF4-FFF2-40B4-BE49-F238E27FC236}">
-                <a16:creationId xmlns:a16="http://schemas.microsoft.com/office/drawing/2014/main" xmlns="" id="{F94EB5D3-F8CB-4E76-8D7E-FF441818EECB}"/>
+                <a16:creationId xmlns="" xmlns:a16="http://schemas.microsoft.com/office/drawing/2014/main" id="{F94EB5D3-F8CB-4E76-8D7E-FF441818EECB}"/>
               </a:ext>
             </a:extLst>
           </p:cNvPr>
@@ -1496,7 +1503,7 @@
           <p:cNvPr id="3" name="Content Placeholder 2">
             <a:extLst>
               <a:ext uri="{FF2B5EF4-FFF2-40B4-BE49-F238E27FC236}">
-                <a16:creationId xmlns:a16="http://schemas.microsoft.com/office/drawing/2014/main" xmlns="" id="{B1948E38-8FB0-4E51-A01C-C88794372E50}"/>
+                <a16:creationId xmlns="" xmlns:a16="http://schemas.microsoft.com/office/drawing/2014/main" id="{B1948E38-8FB0-4E51-A01C-C88794372E50}"/>
               </a:ext>
             </a:extLst>
           </p:cNvPr>
@@ -1610,7 +1617,7 @@
           <p:cNvPr id="5" name="Text Placeholder 4">
             <a:extLst>
               <a:ext uri="{FF2B5EF4-FFF2-40B4-BE49-F238E27FC236}">
-                <a16:creationId xmlns:a16="http://schemas.microsoft.com/office/drawing/2014/main" xmlns="" id="{16A38E24-EB1C-472F-B631-5DF32F9C4CF5}"/>
+                <a16:creationId xmlns="" xmlns:a16="http://schemas.microsoft.com/office/drawing/2014/main" id="{16A38E24-EB1C-472F-B631-5DF32F9C4CF5}"/>
               </a:ext>
             </a:extLst>
           </p:cNvPr>
@@ -1673,7 +1680,7 @@
           <p:cNvPr id="11" name="Text Placeholder 5">
             <a:extLst>
               <a:ext uri="{FF2B5EF4-FFF2-40B4-BE49-F238E27FC236}">
-                <a16:creationId xmlns:a16="http://schemas.microsoft.com/office/drawing/2014/main" xmlns="" id="{5B4A252E-78C9-4F76-98A4-A4B580AD072A}"/>
+                <a16:creationId xmlns="" xmlns:a16="http://schemas.microsoft.com/office/drawing/2014/main" id="{5B4A252E-78C9-4F76-98A4-A4B580AD072A}"/>
               </a:ext>
             </a:extLst>
           </p:cNvPr>
@@ -1736,7 +1743,7 @@
           <p:cNvPr id="4" name="Footer Placeholder 3">
             <a:extLst>
               <a:ext uri="{FF2B5EF4-FFF2-40B4-BE49-F238E27FC236}">
-                <a16:creationId xmlns:a16="http://schemas.microsoft.com/office/drawing/2014/main" xmlns="" id="{6D4BCA97-F31B-451D-82F8-6E000DF2118A}"/>
+                <a16:creationId xmlns="" xmlns:a16="http://schemas.microsoft.com/office/drawing/2014/main" id="{6D4BCA97-F31B-451D-82F8-6E000DF2118A}"/>
               </a:ext>
             </a:extLst>
           </p:cNvPr>
@@ -1764,7 +1771,7 @@
           <p:cNvPr id="6" name="Slide Number Placeholder 5">
             <a:extLst>
               <a:ext uri="{FF2B5EF4-FFF2-40B4-BE49-F238E27FC236}">
-                <a16:creationId xmlns:a16="http://schemas.microsoft.com/office/drawing/2014/main" xmlns="" id="{0817AAC4-A657-4D75-A527-0307AFF2B17B}"/>
+                <a16:creationId xmlns="" xmlns:a16="http://schemas.microsoft.com/office/drawing/2014/main" id="{0817AAC4-A657-4D75-A527-0307AFF2B17B}"/>
               </a:ext>
             </a:extLst>
           </p:cNvPr>
@@ -1824,7 +1831,7 @@
           <p:cNvPr id="2" name="Title 1">
             <a:extLst>
               <a:ext uri="{FF2B5EF4-FFF2-40B4-BE49-F238E27FC236}">
-                <a16:creationId xmlns:a16="http://schemas.microsoft.com/office/drawing/2014/main" xmlns="" id="{5CFF4C50-933F-41F9-AD11-BD02410AA7D5}"/>
+                <a16:creationId xmlns="" xmlns:a16="http://schemas.microsoft.com/office/drawing/2014/main" id="{5CFF4C50-933F-41F9-AD11-BD02410AA7D5}"/>
               </a:ext>
             </a:extLst>
           </p:cNvPr>
@@ -1868,7 +1875,7 @@
           <p:cNvPr id="10" name="Subtitle 2">
             <a:extLst>
               <a:ext uri="{FF2B5EF4-FFF2-40B4-BE49-F238E27FC236}">
-                <a16:creationId xmlns:a16="http://schemas.microsoft.com/office/drawing/2014/main" xmlns="" id="{9D7ACCB5-9A86-4F46-89E2-B79F48C9EC1D}"/>
+                <a16:creationId xmlns="" xmlns:a16="http://schemas.microsoft.com/office/drawing/2014/main" id="{9D7ACCB5-9A86-4F46-89E2-B79F48C9EC1D}"/>
               </a:ext>
             </a:extLst>
           </p:cNvPr>
@@ -1923,7 +1930,7 @@
           <p:cNvPr id="3" name="Content Placeholder 2">
             <a:extLst>
               <a:ext uri="{FF2B5EF4-FFF2-40B4-BE49-F238E27FC236}">
-                <a16:creationId xmlns:a16="http://schemas.microsoft.com/office/drawing/2014/main" xmlns="" id="{B1948E38-8FB0-4E51-A01C-C88794372E50}"/>
+                <a16:creationId xmlns="" xmlns:a16="http://schemas.microsoft.com/office/drawing/2014/main" id="{B1948E38-8FB0-4E51-A01C-C88794372E50}"/>
               </a:ext>
             </a:extLst>
           </p:cNvPr>
@@ -2037,7 +2044,7 @@
           <p:cNvPr id="5" name="Text Placeholder 4">
             <a:extLst>
               <a:ext uri="{FF2B5EF4-FFF2-40B4-BE49-F238E27FC236}">
-                <a16:creationId xmlns:a16="http://schemas.microsoft.com/office/drawing/2014/main" xmlns="" id="{1F5B3657-F2AE-455A-BF81-1A0C2ACECD20}"/>
+                <a16:creationId xmlns="" xmlns:a16="http://schemas.microsoft.com/office/drawing/2014/main" id="{1F5B3657-F2AE-455A-BF81-1A0C2ACECD20}"/>
               </a:ext>
             </a:extLst>
           </p:cNvPr>
@@ -2100,7 +2107,7 @@
           <p:cNvPr id="13" name="Text Placeholder 5">
             <a:extLst>
               <a:ext uri="{FF2B5EF4-FFF2-40B4-BE49-F238E27FC236}">
-                <a16:creationId xmlns:a16="http://schemas.microsoft.com/office/drawing/2014/main" xmlns="" id="{6A983D98-E0AB-429A-9EC2-B50D4216D691}"/>
+                <a16:creationId xmlns="" xmlns:a16="http://schemas.microsoft.com/office/drawing/2014/main" id="{6A983D98-E0AB-429A-9EC2-B50D4216D691}"/>
               </a:ext>
             </a:extLst>
           </p:cNvPr>
@@ -2163,7 +2170,7 @@
           <p:cNvPr id="15" name="Text Placeholder 6">
             <a:extLst>
               <a:ext uri="{FF2B5EF4-FFF2-40B4-BE49-F238E27FC236}">
-                <a16:creationId xmlns:a16="http://schemas.microsoft.com/office/drawing/2014/main" xmlns="" id="{755213BF-EF6D-45DC-A01B-DE6C2F23A6D2}"/>
+                <a16:creationId xmlns="" xmlns:a16="http://schemas.microsoft.com/office/drawing/2014/main" id="{755213BF-EF6D-45DC-A01B-DE6C2F23A6D2}"/>
               </a:ext>
             </a:extLst>
           </p:cNvPr>
@@ -2226,7 +2233,7 @@
           <p:cNvPr id="17" name="Text Placeholder 7">
             <a:extLst>
               <a:ext uri="{FF2B5EF4-FFF2-40B4-BE49-F238E27FC236}">
-                <a16:creationId xmlns:a16="http://schemas.microsoft.com/office/drawing/2014/main" xmlns="" id="{77D6BBBA-F4A3-45D4-91BC-A405FFDC7C3D}"/>
+                <a16:creationId xmlns="" xmlns:a16="http://schemas.microsoft.com/office/drawing/2014/main" id="{77D6BBBA-F4A3-45D4-91BC-A405FFDC7C3D}"/>
               </a:ext>
             </a:extLst>
           </p:cNvPr>
@@ -2289,7 +2296,7 @@
           <p:cNvPr id="4" name="Footer Placeholder 3">
             <a:extLst>
               <a:ext uri="{FF2B5EF4-FFF2-40B4-BE49-F238E27FC236}">
-                <a16:creationId xmlns:a16="http://schemas.microsoft.com/office/drawing/2014/main" xmlns="" id="{2D09234E-176D-4BBF-9391-7B6F018C51AB}"/>
+                <a16:creationId xmlns="" xmlns:a16="http://schemas.microsoft.com/office/drawing/2014/main" id="{2D09234E-176D-4BBF-9391-7B6F018C51AB}"/>
               </a:ext>
             </a:extLst>
           </p:cNvPr>
@@ -2317,7 +2324,7 @@
           <p:cNvPr id="6" name="Slide Number Placeholder 5">
             <a:extLst>
               <a:ext uri="{FF2B5EF4-FFF2-40B4-BE49-F238E27FC236}">
-                <a16:creationId xmlns:a16="http://schemas.microsoft.com/office/drawing/2014/main" xmlns="" id="{009ABD5E-B8F1-4246-B167-09138760AD7D}"/>
+                <a16:creationId xmlns="" xmlns:a16="http://schemas.microsoft.com/office/drawing/2014/main" id="{009ABD5E-B8F1-4246-B167-09138760AD7D}"/>
               </a:ext>
             </a:extLst>
           </p:cNvPr>
@@ -2387,7 +2394,7 @@
           <p:cNvPr id="2" name="Title 1">
             <a:extLst>
               <a:ext uri="{FF2B5EF4-FFF2-40B4-BE49-F238E27FC236}">
-                <a16:creationId xmlns:a16="http://schemas.microsoft.com/office/drawing/2014/main" xmlns="" id="{00F23EB7-E336-46EB-A4A0-3DB7A6BF4CE1}"/>
+                <a16:creationId xmlns="" xmlns:a16="http://schemas.microsoft.com/office/drawing/2014/main" id="{00F23EB7-E336-46EB-A4A0-3DB7A6BF4CE1}"/>
               </a:ext>
             </a:extLst>
           </p:cNvPr>
@@ -2430,7 +2437,7 @@
           <p:cNvPr id="3" name="Subtitle 2">
             <a:extLst>
               <a:ext uri="{FF2B5EF4-FFF2-40B4-BE49-F238E27FC236}">
-                <a16:creationId xmlns:a16="http://schemas.microsoft.com/office/drawing/2014/main" xmlns="" id="{C9980B88-3F4A-4688-9ED0-17EF37E62D93}"/>
+                <a16:creationId xmlns="" xmlns:a16="http://schemas.microsoft.com/office/drawing/2014/main" id="{C9980B88-3F4A-4688-9ED0-17EF37E62D93}"/>
               </a:ext>
             </a:extLst>
           </p:cNvPr>
@@ -2481,7 +2488,7 @@
           <p:cNvPr id="13" name="Rectangle 12">
             <a:extLst>
               <a:ext uri="{FF2B5EF4-FFF2-40B4-BE49-F238E27FC236}">
-                <a16:creationId xmlns:a16="http://schemas.microsoft.com/office/drawing/2014/main" xmlns="" id="{EC0FBB1B-4F0E-4365-BF27-3150FC6C3B90}"/>
+                <a16:creationId xmlns="" xmlns:a16="http://schemas.microsoft.com/office/drawing/2014/main" id="{EC0FBB1B-4F0E-4365-BF27-3150FC6C3B90}"/>
               </a:ext>
             </a:extLst>
           </p:cNvPr>
@@ -2535,7 +2542,7 @@
           <p:cNvPr id="14" name="Rectangle 13">
             <a:extLst>
               <a:ext uri="{FF2B5EF4-FFF2-40B4-BE49-F238E27FC236}">
-                <a16:creationId xmlns:a16="http://schemas.microsoft.com/office/drawing/2014/main" xmlns="" id="{7A13D8A8-6C3D-4527-959D-41C3213F7F02}"/>
+                <a16:creationId xmlns="" xmlns:a16="http://schemas.microsoft.com/office/drawing/2014/main" id="{7A13D8A8-6C3D-4527-959D-41C3213F7F02}"/>
               </a:ext>
             </a:extLst>
           </p:cNvPr>
@@ -2587,7 +2594,7 @@
           <p:cNvPr id="15" name="Rectangle 14">
             <a:extLst>
               <a:ext uri="{FF2B5EF4-FFF2-40B4-BE49-F238E27FC236}">
-                <a16:creationId xmlns:a16="http://schemas.microsoft.com/office/drawing/2014/main" xmlns="" id="{9504A767-1C0B-484E-BF7D-CD42D30A52EE}"/>
+                <a16:creationId xmlns="" xmlns:a16="http://schemas.microsoft.com/office/drawing/2014/main" id="{9504A767-1C0B-484E-BF7D-CD42D30A52EE}"/>
               </a:ext>
             </a:extLst>
           </p:cNvPr>
@@ -2639,7 +2646,7 @@
           <p:cNvPr id="8" name="Rectangle 7">
             <a:extLst>
               <a:ext uri="{FF2B5EF4-FFF2-40B4-BE49-F238E27FC236}">
-                <a16:creationId xmlns:a16="http://schemas.microsoft.com/office/drawing/2014/main" xmlns="" id="{51DD44D8-4A8F-4693-B90A-166855B29D25}"/>
+                <a16:creationId xmlns="" xmlns:a16="http://schemas.microsoft.com/office/drawing/2014/main" id="{51DD44D8-4A8F-4693-B90A-166855B29D25}"/>
               </a:ext>
             </a:extLst>
           </p:cNvPr>
@@ -2736,7 +2743,7 @@
           <p:cNvPr id="3" name="Title 1">
             <a:extLst>
               <a:ext uri="{FF2B5EF4-FFF2-40B4-BE49-F238E27FC236}">
-                <a16:creationId xmlns:a16="http://schemas.microsoft.com/office/drawing/2014/main" xmlns="" id="{E473AB13-DFF9-4538-9907-E261659E0E01}"/>
+                <a16:creationId xmlns="" xmlns:a16="http://schemas.microsoft.com/office/drawing/2014/main" id="{E473AB13-DFF9-4538-9907-E261659E0E01}"/>
               </a:ext>
             </a:extLst>
           </p:cNvPr>
@@ -2784,7 +2791,7 @@
           <p:cNvPr id="4" name="Footer Placeholder 3">
             <a:extLst>
               <a:ext uri="{FF2B5EF4-FFF2-40B4-BE49-F238E27FC236}">
-                <a16:creationId xmlns:a16="http://schemas.microsoft.com/office/drawing/2014/main" xmlns="" id="{6816FE98-6A12-44EC-8485-8B5EFABDF9B2}"/>
+                <a16:creationId xmlns="" xmlns:a16="http://schemas.microsoft.com/office/drawing/2014/main" id="{6816FE98-6A12-44EC-8485-8B5EFABDF9B2}"/>
               </a:ext>
             </a:extLst>
           </p:cNvPr>
@@ -2812,7 +2819,7 @@
           <p:cNvPr id="8" name="Rectangle 7">
             <a:extLst>
               <a:ext uri="{FF2B5EF4-FFF2-40B4-BE49-F238E27FC236}">
-                <a16:creationId xmlns:a16="http://schemas.microsoft.com/office/drawing/2014/main" xmlns="" id="{51DD44D8-4A8F-4693-B90A-166855B29D25}"/>
+                <a16:creationId xmlns="" xmlns:a16="http://schemas.microsoft.com/office/drawing/2014/main" id="{51DD44D8-4A8F-4693-B90A-166855B29D25}"/>
               </a:ext>
             </a:extLst>
           </p:cNvPr>
@@ -2864,7 +2871,7 @@
           <p:cNvPr id="13" name="Rectangle 12">
             <a:extLst>
               <a:ext uri="{FF2B5EF4-FFF2-40B4-BE49-F238E27FC236}">
-                <a16:creationId xmlns:a16="http://schemas.microsoft.com/office/drawing/2014/main" xmlns="" id="{EC0FBB1B-4F0E-4365-BF27-3150FC6C3B90}"/>
+                <a16:creationId xmlns="" xmlns:a16="http://schemas.microsoft.com/office/drawing/2014/main" id="{EC0FBB1B-4F0E-4365-BF27-3150FC6C3B90}"/>
               </a:ext>
             </a:extLst>
           </p:cNvPr>
@@ -2918,7 +2925,7 @@
           <p:cNvPr id="14" name="Rectangle 13">
             <a:extLst>
               <a:ext uri="{FF2B5EF4-FFF2-40B4-BE49-F238E27FC236}">
-                <a16:creationId xmlns:a16="http://schemas.microsoft.com/office/drawing/2014/main" xmlns="" id="{7A13D8A8-6C3D-4527-959D-41C3213F7F02}"/>
+                <a16:creationId xmlns="" xmlns:a16="http://schemas.microsoft.com/office/drawing/2014/main" id="{7A13D8A8-6C3D-4527-959D-41C3213F7F02}"/>
               </a:ext>
             </a:extLst>
           </p:cNvPr>
@@ -2970,7 +2977,7 @@
           <p:cNvPr id="15" name="Rectangle 14">
             <a:extLst>
               <a:ext uri="{FF2B5EF4-FFF2-40B4-BE49-F238E27FC236}">
-                <a16:creationId xmlns:a16="http://schemas.microsoft.com/office/drawing/2014/main" xmlns="" id="{9504A767-1C0B-484E-BF7D-CD42D30A52EE}"/>
+                <a16:creationId xmlns="" xmlns:a16="http://schemas.microsoft.com/office/drawing/2014/main" id="{9504A767-1C0B-484E-BF7D-CD42D30A52EE}"/>
               </a:ext>
             </a:extLst>
           </p:cNvPr>
@@ -3022,7 +3029,7 @@
           <p:cNvPr id="5" name="Slide Number Placeholder 4">
             <a:extLst>
               <a:ext uri="{FF2B5EF4-FFF2-40B4-BE49-F238E27FC236}">
-                <a16:creationId xmlns:a16="http://schemas.microsoft.com/office/drawing/2014/main" xmlns="" id="{F50EF489-F21B-4E7C-9A44-D3CC8DC34F5F}"/>
+                <a16:creationId xmlns="" xmlns:a16="http://schemas.microsoft.com/office/drawing/2014/main" id="{F50EF489-F21B-4E7C-9A44-D3CC8DC34F5F}"/>
               </a:ext>
             </a:extLst>
           </p:cNvPr>
@@ -3052,7 +3059,7 @@
           <p:cNvPr id="11" name="Text Placeholder 2">
             <a:extLst>
               <a:ext uri="{FF2B5EF4-FFF2-40B4-BE49-F238E27FC236}">
-                <a16:creationId xmlns:a16="http://schemas.microsoft.com/office/drawing/2014/main" xmlns="" id="{14B95064-E6BF-43CD-ACBD-6363E8D9BF6A}"/>
+                <a16:creationId xmlns="" xmlns:a16="http://schemas.microsoft.com/office/drawing/2014/main" id="{14B95064-E6BF-43CD-ACBD-6363E8D9BF6A}"/>
               </a:ext>
             </a:extLst>
           </p:cNvPr>
@@ -3132,7 +3139,7 @@
           <p:cNvPr id="2" name="Title 1">
             <a:extLst>
               <a:ext uri="{FF2B5EF4-FFF2-40B4-BE49-F238E27FC236}">
-                <a16:creationId xmlns:a16="http://schemas.microsoft.com/office/drawing/2014/main" xmlns="" id="{5CFF4C50-933F-41F9-AD11-BD02410AA7D5}"/>
+                <a16:creationId xmlns="" xmlns:a16="http://schemas.microsoft.com/office/drawing/2014/main" id="{5CFF4C50-933F-41F9-AD11-BD02410AA7D5}"/>
               </a:ext>
             </a:extLst>
           </p:cNvPr>
@@ -3171,7 +3178,7 @@
           <p:cNvPr id="3" name="Content Placeholder 2">
             <a:extLst>
               <a:ext uri="{FF2B5EF4-FFF2-40B4-BE49-F238E27FC236}">
-                <a16:creationId xmlns:a16="http://schemas.microsoft.com/office/drawing/2014/main" xmlns="" id="{B1948E38-8FB0-4E51-A01C-C88794372E50}"/>
+                <a16:creationId xmlns="" xmlns:a16="http://schemas.microsoft.com/office/drawing/2014/main" id="{B1948E38-8FB0-4E51-A01C-C88794372E50}"/>
               </a:ext>
             </a:extLst>
           </p:cNvPr>
@@ -3285,7 +3292,7 @@
           <p:cNvPr id="4" name="Footer Placeholder 3">
             <a:extLst>
               <a:ext uri="{FF2B5EF4-FFF2-40B4-BE49-F238E27FC236}">
-                <a16:creationId xmlns:a16="http://schemas.microsoft.com/office/drawing/2014/main" xmlns="" id="{E8FE0EB3-0FF4-4285-B9D3-90A5751B7BBF}"/>
+                <a16:creationId xmlns="" xmlns:a16="http://schemas.microsoft.com/office/drawing/2014/main" id="{E8FE0EB3-0FF4-4285-B9D3-90A5751B7BBF}"/>
               </a:ext>
             </a:extLst>
           </p:cNvPr>
@@ -3313,7 +3320,7 @@
           <p:cNvPr id="5" name="Slide Number Placeholder 4">
             <a:extLst>
               <a:ext uri="{FF2B5EF4-FFF2-40B4-BE49-F238E27FC236}">
-                <a16:creationId xmlns:a16="http://schemas.microsoft.com/office/drawing/2014/main" xmlns="" id="{C8DE0AAD-6FBD-416B-A91A-21F2B737919E}"/>
+                <a16:creationId xmlns="" xmlns:a16="http://schemas.microsoft.com/office/drawing/2014/main" id="{C8DE0AAD-6FBD-416B-A91A-21F2B737919E}"/>
               </a:ext>
             </a:extLst>
           </p:cNvPr>
@@ -3373,7 +3380,7 @@
           <p:cNvPr id="2" name="Title 1">
             <a:extLst>
               <a:ext uri="{FF2B5EF4-FFF2-40B4-BE49-F238E27FC236}">
-                <a16:creationId xmlns:a16="http://schemas.microsoft.com/office/drawing/2014/main" xmlns="" id="{40EE479C-D1F6-4BAC-80D2-90EF74E3261A}"/>
+                <a16:creationId xmlns="" xmlns:a16="http://schemas.microsoft.com/office/drawing/2014/main" id="{40EE479C-D1F6-4BAC-80D2-90EF74E3261A}"/>
               </a:ext>
             </a:extLst>
           </p:cNvPr>
@@ -3417,7 +3424,7 @@
           <p:cNvPr id="4" name="Footer Placeholder 3">
             <a:extLst>
               <a:ext uri="{FF2B5EF4-FFF2-40B4-BE49-F238E27FC236}">
-                <a16:creationId xmlns:a16="http://schemas.microsoft.com/office/drawing/2014/main" xmlns="" id="{57847F90-9DB6-4832-9EB7-393AADAE8B70}"/>
+                <a16:creationId xmlns="" xmlns:a16="http://schemas.microsoft.com/office/drawing/2014/main" id="{57847F90-9DB6-4832-9EB7-393AADAE8B70}"/>
               </a:ext>
             </a:extLst>
           </p:cNvPr>
@@ -3445,7 +3452,7 @@
           <p:cNvPr id="5" name="Slide Number Placeholder 4">
             <a:extLst>
               <a:ext uri="{FF2B5EF4-FFF2-40B4-BE49-F238E27FC236}">
-                <a16:creationId xmlns:a16="http://schemas.microsoft.com/office/drawing/2014/main" xmlns="" id="{F64CFC6C-1D8B-46C9-B0F7-A8BD88D8AB46}"/>
+                <a16:creationId xmlns="" xmlns:a16="http://schemas.microsoft.com/office/drawing/2014/main" id="{F64CFC6C-1D8B-46C9-B0F7-A8BD88D8AB46}"/>
               </a:ext>
             </a:extLst>
           </p:cNvPr>
@@ -3475,7 +3482,7 @@
           <p:cNvPr id="9" name="Content Placeholder 3">
             <a:extLst>
               <a:ext uri="{FF2B5EF4-FFF2-40B4-BE49-F238E27FC236}">
-                <a16:creationId xmlns:a16="http://schemas.microsoft.com/office/drawing/2014/main" xmlns="" id="{EE1E0B79-3CC8-4DCF-8AEC-AC43BC9A3048}"/>
+                <a16:creationId xmlns="" xmlns:a16="http://schemas.microsoft.com/office/drawing/2014/main" id="{EE1E0B79-3CC8-4DCF-8AEC-AC43BC9A3048}"/>
               </a:ext>
             </a:extLst>
           </p:cNvPr>
@@ -3538,7 +3545,7 @@
           <p:cNvPr id="10" name="Content Placeholder 2">
             <a:extLst>
               <a:ext uri="{FF2B5EF4-FFF2-40B4-BE49-F238E27FC236}">
-                <a16:creationId xmlns:a16="http://schemas.microsoft.com/office/drawing/2014/main" xmlns="" id="{15546508-E26C-46CD-8939-D20E71BF4ED7}"/>
+                <a16:creationId xmlns="" xmlns:a16="http://schemas.microsoft.com/office/drawing/2014/main" id="{15546508-E26C-46CD-8939-D20E71BF4ED7}"/>
               </a:ext>
             </a:extLst>
           </p:cNvPr>
@@ -3631,7 +3638,7 @@
           <p:cNvPr id="2" name="Title 1">
             <a:extLst>
               <a:ext uri="{FF2B5EF4-FFF2-40B4-BE49-F238E27FC236}">
-                <a16:creationId xmlns:a16="http://schemas.microsoft.com/office/drawing/2014/main" xmlns="" id="{40EE479C-D1F6-4BAC-80D2-90EF74E3261A}"/>
+                <a16:creationId xmlns="" xmlns:a16="http://schemas.microsoft.com/office/drawing/2014/main" id="{40EE479C-D1F6-4BAC-80D2-90EF74E3261A}"/>
               </a:ext>
             </a:extLst>
           </p:cNvPr>
@@ -3675,7 +3682,7 @@
           <p:cNvPr id="4" name="Footer Placeholder 3">
             <a:extLst>
               <a:ext uri="{FF2B5EF4-FFF2-40B4-BE49-F238E27FC236}">
-                <a16:creationId xmlns:a16="http://schemas.microsoft.com/office/drawing/2014/main" xmlns="" id="{57847F90-9DB6-4832-9EB7-393AADAE8B70}"/>
+                <a16:creationId xmlns="" xmlns:a16="http://schemas.microsoft.com/office/drawing/2014/main" id="{57847F90-9DB6-4832-9EB7-393AADAE8B70}"/>
               </a:ext>
             </a:extLst>
           </p:cNvPr>
@@ -3703,7 +3710,7 @@
           <p:cNvPr id="5" name="Slide Number Placeholder 4">
             <a:extLst>
               <a:ext uri="{FF2B5EF4-FFF2-40B4-BE49-F238E27FC236}">
-                <a16:creationId xmlns:a16="http://schemas.microsoft.com/office/drawing/2014/main" xmlns="" id="{F64CFC6C-1D8B-46C9-B0F7-A8BD88D8AB46}"/>
+                <a16:creationId xmlns="" xmlns:a16="http://schemas.microsoft.com/office/drawing/2014/main" id="{F64CFC6C-1D8B-46C9-B0F7-A8BD88D8AB46}"/>
               </a:ext>
             </a:extLst>
           </p:cNvPr>
@@ -3733,10 +3740,10 @@
           <p:cNvPr id="11" name="Rectangle 10" descr="Accent block left">
             <a:extLst>
               <a:ext uri="{FF2B5EF4-FFF2-40B4-BE49-F238E27FC236}">
-                <a16:creationId xmlns:a16="http://schemas.microsoft.com/office/drawing/2014/main" xmlns="" id="{48A1A904-FE62-4BE3-BAE9-0EEAE7B1E38C}"/>
+                <a16:creationId xmlns="" xmlns:a16="http://schemas.microsoft.com/office/drawing/2014/main" id="{48A1A904-FE62-4BE3-BAE9-0EEAE7B1E38C}"/>
               </a:ext>
               <a:ext uri="{C183D7F6-B498-43B3-948B-1728B52AA6E4}">
-                <adec:decorative xmlns:adec="http://schemas.microsoft.com/office/drawing/2017/decorative" xmlns="" val="1"/>
+                <adec:decorative xmlns="" xmlns:adec="http://schemas.microsoft.com/office/drawing/2017/decorative" val="1"/>
               </a:ext>
             </a:extLst>
           </p:cNvPr>
@@ -3788,10 +3795,10 @@
           <p:cNvPr id="12" name="Rectangle 11" descr="Accent bar right&#10;">
             <a:extLst>
               <a:ext uri="{FF2B5EF4-FFF2-40B4-BE49-F238E27FC236}">
-                <a16:creationId xmlns:a16="http://schemas.microsoft.com/office/drawing/2014/main" xmlns="" id="{3E8A46E0-47C2-4441-B7DD-F621A80F1FC8}"/>
+                <a16:creationId xmlns="" xmlns:a16="http://schemas.microsoft.com/office/drawing/2014/main" id="{3E8A46E0-47C2-4441-B7DD-F621A80F1FC8}"/>
               </a:ext>
               <a:ext uri="{C183D7F6-B498-43B3-948B-1728B52AA6E4}">
-                <adec:decorative xmlns:adec="http://schemas.microsoft.com/office/drawing/2017/decorative" xmlns="" val="1"/>
+                <adec:decorative xmlns="" xmlns:adec="http://schemas.microsoft.com/office/drawing/2017/decorative" val="1"/>
               </a:ext>
             </a:extLst>
           </p:cNvPr>
@@ -3843,7 +3850,7 @@
           <p:cNvPr id="14" name="Text Placeholder 2">
             <a:extLst>
               <a:ext uri="{FF2B5EF4-FFF2-40B4-BE49-F238E27FC236}">
-                <a16:creationId xmlns:a16="http://schemas.microsoft.com/office/drawing/2014/main" xmlns="" id="{D902C307-6561-4E11-9899-1F34830AE8AB}"/>
+                <a16:creationId xmlns="" xmlns:a16="http://schemas.microsoft.com/office/drawing/2014/main" id="{D902C307-6561-4E11-9899-1F34830AE8AB}"/>
               </a:ext>
             </a:extLst>
           </p:cNvPr>
@@ -3914,7 +3921,7 @@
           <p:cNvPr id="16" name="Text Placeholder 4">
             <a:extLst>
               <a:ext uri="{FF2B5EF4-FFF2-40B4-BE49-F238E27FC236}">
-                <a16:creationId xmlns:a16="http://schemas.microsoft.com/office/drawing/2014/main" xmlns="" id="{CD73439B-6B1B-47C5-B2B0-409015FB3398}"/>
+                <a16:creationId xmlns="" xmlns:a16="http://schemas.microsoft.com/office/drawing/2014/main" id="{CD73439B-6B1B-47C5-B2B0-409015FB3398}"/>
               </a:ext>
             </a:extLst>
           </p:cNvPr>
@@ -3985,7 +3992,7 @@
           <p:cNvPr id="17" name="Content Placeholder 5">
             <a:extLst>
               <a:ext uri="{FF2B5EF4-FFF2-40B4-BE49-F238E27FC236}">
-                <a16:creationId xmlns:a16="http://schemas.microsoft.com/office/drawing/2014/main" xmlns="" id="{12AC6878-44C6-4445-A225-70C0DC482EDF}"/>
+                <a16:creationId xmlns="" xmlns:a16="http://schemas.microsoft.com/office/drawing/2014/main" id="{12AC6878-44C6-4445-A225-70C0DC482EDF}"/>
               </a:ext>
             </a:extLst>
           </p:cNvPr>
@@ -4048,7 +4055,7 @@
           <p:cNvPr id="18" name="Content Placeholder 3">
             <a:extLst>
               <a:ext uri="{FF2B5EF4-FFF2-40B4-BE49-F238E27FC236}">
-                <a16:creationId xmlns:a16="http://schemas.microsoft.com/office/drawing/2014/main" xmlns="" id="{6D675DA8-374F-4915-973A-53612A41FFC1}"/>
+                <a16:creationId xmlns="" xmlns:a16="http://schemas.microsoft.com/office/drawing/2014/main" id="{6D675DA8-374F-4915-973A-53612A41FFC1}"/>
               </a:ext>
             </a:extLst>
           </p:cNvPr>
@@ -4141,7 +4148,7 @@
           <p:cNvPr id="2" name="Title 1">
             <a:extLst>
               <a:ext uri="{FF2B5EF4-FFF2-40B4-BE49-F238E27FC236}">
-                <a16:creationId xmlns:a16="http://schemas.microsoft.com/office/drawing/2014/main" xmlns="" id="{40EE479C-D1F6-4BAC-80D2-90EF74E3261A}"/>
+                <a16:creationId xmlns="" xmlns:a16="http://schemas.microsoft.com/office/drawing/2014/main" id="{40EE479C-D1F6-4BAC-80D2-90EF74E3261A}"/>
               </a:ext>
             </a:extLst>
           </p:cNvPr>
@@ -4185,7 +4192,7 @@
           <p:cNvPr id="4" name="Footer Placeholder 3">
             <a:extLst>
               <a:ext uri="{FF2B5EF4-FFF2-40B4-BE49-F238E27FC236}">
-                <a16:creationId xmlns:a16="http://schemas.microsoft.com/office/drawing/2014/main" xmlns="" id="{57847F90-9DB6-4832-9EB7-393AADAE8B70}"/>
+                <a16:creationId xmlns="" xmlns:a16="http://schemas.microsoft.com/office/drawing/2014/main" id="{57847F90-9DB6-4832-9EB7-393AADAE8B70}"/>
               </a:ext>
             </a:extLst>
           </p:cNvPr>
@@ -4213,7 +4220,7 @@
           <p:cNvPr id="5" name="Slide Number Placeholder 4">
             <a:extLst>
               <a:ext uri="{FF2B5EF4-FFF2-40B4-BE49-F238E27FC236}">
-                <a16:creationId xmlns:a16="http://schemas.microsoft.com/office/drawing/2014/main" xmlns="" id="{F64CFC6C-1D8B-46C9-B0F7-A8BD88D8AB46}"/>
+                <a16:creationId xmlns="" xmlns:a16="http://schemas.microsoft.com/office/drawing/2014/main" id="{F64CFC6C-1D8B-46C9-B0F7-A8BD88D8AB46}"/>
               </a:ext>
             </a:extLst>
           </p:cNvPr>
@@ -4243,10 +4250,10 @@
           <p:cNvPr id="11" name="Rectangle 10" descr="Accent block left">
             <a:extLst>
               <a:ext uri="{FF2B5EF4-FFF2-40B4-BE49-F238E27FC236}">
-                <a16:creationId xmlns:a16="http://schemas.microsoft.com/office/drawing/2014/main" xmlns="" id="{48A1A904-FE62-4BE3-BAE9-0EEAE7B1E38C}"/>
+                <a16:creationId xmlns="" xmlns:a16="http://schemas.microsoft.com/office/drawing/2014/main" id="{48A1A904-FE62-4BE3-BAE9-0EEAE7B1E38C}"/>
               </a:ext>
               <a:ext uri="{C183D7F6-B498-43B3-948B-1728B52AA6E4}">
-                <adec:decorative xmlns:adec="http://schemas.microsoft.com/office/drawing/2017/decorative" xmlns="" val="1"/>
+                <adec:decorative xmlns="" xmlns:adec="http://schemas.microsoft.com/office/drawing/2017/decorative" val="1"/>
               </a:ext>
             </a:extLst>
           </p:cNvPr>
@@ -4298,7 +4305,7 @@
           <p:cNvPr id="14" name="Content Placeholder 2">
             <a:extLst>
               <a:ext uri="{FF2B5EF4-FFF2-40B4-BE49-F238E27FC236}">
-                <a16:creationId xmlns:a16="http://schemas.microsoft.com/office/drawing/2014/main" xmlns="" id="{85B68CA9-AC4C-4D15-9BA1-A9F1AC5606DA}"/>
+                <a16:creationId xmlns="" xmlns:a16="http://schemas.microsoft.com/office/drawing/2014/main" id="{85B68CA9-AC4C-4D15-9BA1-A9F1AC5606DA}"/>
               </a:ext>
             </a:extLst>
           </p:cNvPr>
@@ -4389,7 +4396,7 @@
           <p:cNvPr id="15" name="Text Placeholder 3">
             <a:extLst>
               <a:ext uri="{FF2B5EF4-FFF2-40B4-BE49-F238E27FC236}">
-                <a16:creationId xmlns:a16="http://schemas.microsoft.com/office/drawing/2014/main" xmlns="" id="{29B24D8A-D8A5-4F57-A260-A4CF75FCB3BD}"/>
+                <a16:creationId xmlns="" xmlns:a16="http://schemas.microsoft.com/office/drawing/2014/main" id="{29B24D8A-D8A5-4F57-A260-A4CF75FCB3BD}"/>
               </a:ext>
             </a:extLst>
           </p:cNvPr>
@@ -4497,7 +4504,7 @@
           <p:cNvPr id="2" name="Title 1">
             <a:extLst>
               <a:ext uri="{FF2B5EF4-FFF2-40B4-BE49-F238E27FC236}">
-                <a16:creationId xmlns:a16="http://schemas.microsoft.com/office/drawing/2014/main" xmlns="" id="{40EE479C-D1F6-4BAC-80D2-90EF74E3261A}"/>
+                <a16:creationId xmlns="" xmlns:a16="http://schemas.microsoft.com/office/drawing/2014/main" id="{40EE479C-D1F6-4BAC-80D2-90EF74E3261A}"/>
               </a:ext>
             </a:extLst>
           </p:cNvPr>
@@ -4541,7 +4548,7 @@
           <p:cNvPr id="4" name="Footer Placeholder 3">
             <a:extLst>
               <a:ext uri="{FF2B5EF4-FFF2-40B4-BE49-F238E27FC236}">
-                <a16:creationId xmlns:a16="http://schemas.microsoft.com/office/drawing/2014/main" xmlns="" id="{57847F90-9DB6-4832-9EB7-393AADAE8B70}"/>
+                <a16:creationId xmlns="" xmlns:a16="http://schemas.microsoft.com/office/drawing/2014/main" id="{57847F90-9DB6-4832-9EB7-393AADAE8B70}"/>
               </a:ext>
             </a:extLst>
           </p:cNvPr>
@@ -4569,7 +4576,7 @@
           <p:cNvPr id="5" name="Slide Number Placeholder 4">
             <a:extLst>
               <a:ext uri="{FF2B5EF4-FFF2-40B4-BE49-F238E27FC236}">
-                <a16:creationId xmlns:a16="http://schemas.microsoft.com/office/drawing/2014/main" xmlns="" id="{F64CFC6C-1D8B-46C9-B0F7-A8BD88D8AB46}"/>
+                <a16:creationId xmlns="" xmlns:a16="http://schemas.microsoft.com/office/drawing/2014/main" id="{F64CFC6C-1D8B-46C9-B0F7-A8BD88D8AB46}"/>
               </a:ext>
             </a:extLst>
           </p:cNvPr>
@@ -4599,10 +4606,10 @@
           <p:cNvPr id="11" name="Rectangle 10" descr="Accent block left">
             <a:extLst>
               <a:ext uri="{FF2B5EF4-FFF2-40B4-BE49-F238E27FC236}">
-                <a16:creationId xmlns:a16="http://schemas.microsoft.com/office/drawing/2014/main" xmlns="" id="{48A1A904-FE62-4BE3-BAE9-0EEAE7B1E38C}"/>
+                <a16:creationId xmlns="" xmlns:a16="http://schemas.microsoft.com/office/drawing/2014/main" id="{48A1A904-FE62-4BE3-BAE9-0EEAE7B1E38C}"/>
               </a:ext>
               <a:ext uri="{C183D7F6-B498-43B3-948B-1728B52AA6E4}">
-                <adec:decorative xmlns:adec="http://schemas.microsoft.com/office/drawing/2017/decorative" xmlns="" val="1"/>
+                <adec:decorative xmlns="" xmlns:adec="http://schemas.microsoft.com/office/drawing/2017/decorative" val="1"/>
               </a:ext>
             </a:extLst>
           </p:cNvPr>
@@ -4654,7 +4661,7 @@
           <p:cNvPr id="9" name="Text Placeholder 3">
             <a:extLst>
               <a:ext uri="{FF2B5EF4-FFF2-40B4-BE49-F238E27FC236}">
-                <a16:creationId xmlns:a16="http://schemas.microsoft.com/office/drawing/2014/main" xmlns="" id="{3E50A411-2E68-4F4D-B4BC-62E87C633658}"/>
+                <a16:creationId xmlns="" xmlns:a16="http://schemas.microsoft.com/office/drawing/2014/main" id="{3E50A411-2E68-4F4D-B4BC-62E87C633658}"/>
               </a:ext>
             </a:extLst>
           </p:cNvPr>
@@ -4725,7 +4732,7 @@
           <p:cNvPr id="10" name="Picture Placeholder 2">
             <a:extLst>
               <a:ext uri="{FF2B5EF4-FFF2-40B4-BE49-F238E27FC236}">
-                <a16:creationId xmlns:a16="http://schemas.microsoft.com/office/drawing/2014/main" xmlns="" id="{2FBF39A8-0BD5-48FD-9993-F595D4F727C1}"/>
+                <a16:creationId xmlns="" xmlns:a16="http://schemas.microsoft.com/office/drawing/2014/main" id="{2FBF39A8-0BD5-48FD-9993-F595D4F727C1}"/>
               </a:ext>
             </a:extLst>
           </p:cNvPr>
@@ -4836,7 +4843,7 @@
           <p:cNvPr id="41" name="Picture Placeholder 40">
             <a:extLst>
               <a:ext uri="{FF2B5EF4-FFF2-40B4-BE49-F238E27FC236}">
-                <a16:creationId xmlns:a16="http://schemas.microsoft.com/office/drawing/2014/main" xmlns="" id="{EB7F0EE8-BE52-4A79-8FC8-4A2487FA01FC}"/>
+                <a16:creationId xmlns="" xmlns:a16="http://schemas.microsoft.com/office/drawing/2014/main" id="{EB7F0EE8-BE52-4A79-8FC8-4A2487FA01FC}"/>
               </a:ext>
             </a:extLst>
           </p:cNvPr>
@@ -4889,7 +4896,7 @@
           <p:cNvPr id="2" name="Title 1">
             <a:extLst>
               <a:ext uri="{FF2B5EF4-FFF2-40B4-BE49-F238E27FC236}">
-                <a16:creationId xmlns:a16="http://schemas.microsoft.com/office/drawing/2014/main" xmlns="" id="{00F23EB7-E336-46EB-A4A0-3DB7A6BF4CE1}"/>
+                <a16:creationId xmlns="" xmlns:a16="http://schemas.microsoft.com/office/drawing/2014/main" id="{00F23EB7-E336-46EB-A4A0-3DB7A6BF4CE1}"/>
               </a:ext>
             </a:extLst>
           </p:cNvPr>
@@ -4932,7 +4939,7 @@
           <p:cNvPr id="7" name="Subtitle 2">
             <a:extLst>
               <a:ext uri="{FF2B5EF4-FFF2-40B4-BE49-F238E27FC236}">
-                <a16:creationId xmlns:a16="http://schemas.microsoft.com/office/drawing/2014/main" xmlns="" id="{9E4D4535-D519-40ED-B8A4-2EA1276BB652}"/>
+                <a16:creationId xmlns="" xmlns:a16="http://schemas.microsoft.com/office/drawing/2014/main" id="{9E4D4535-D519-40ED-B8A4-2EA1276BB652}"/>
               </a:ext>
             </a:extLst>
           </p:cNvPr>
@@ -5012,7 +5019,7 @@
           <p:cNvPr id="4" name="Footer Placeholder 3">
             <a:extLst>
               <a:ext uri="{FF2B5EF4-FFF2-40B4-BE49-F238E27FC236}">
-                <a16:creationId xmlns:a16="http://schemas.microsoft.com/office/drawing/2014/main" xmlns="" id="{6816FE98-6A12-44EC-8485-8B5EFABDF9B2}"/>
+                <a16:creationId xmlns="" xmlns:a16="http://schemas.microsoft.com/office/drawing/2014/main" id="{6816FE98-6A12-44EC-8485-8B5EFABDF9B2}"/>
               </a:ext>
             </a:extLst>
           </p:cNvPr>
@@ -5040,7 +5047,7 @@
           <p:cNvPr id="8" name="Rectangle 7">
             <a:extLst>
               <a:ext uri="{FF2B5EF4-FFF2-40B4-BE49-F238E27FC236}">
-                <a16:creationId xmlns:a16="http://schemas.microsoft.com/office/drawing/2014/main" xmlns="" id="{51DD44D8-4A8F-4693-B90A-166855B29D25}"/>
+                <a16:creationId xmlns="" xmlns:a16="http://schemas.microsoft.com/office/drawing/2014/main" id="{51DD44D8-4A8F-4693-B90A-166855B29D25}"/>
               </a:ext>
             </a:extLst>
           </p:cNvPr>
@@ -5089,7 +5096,7 @@
           <p:cNvPr id="13" name="Rectangle 12">
             <a:extLst>
               <a:ext uri="{FF2B5EF4-FFF2-40B4-BE49-F238E27FC236}">
-                <a16:creationId xmlns:a16="http://schemas.microsoft.com/office/drawing/2014/main" xmlns="" id="{EC0FBB1B-4F0E-4365-BF27-3150FC6C3B90}"/>
+                <a16:creationId xmlns="" xmlns:a16="http://schemas.microsoft.com/office/drawing/2014/main" id="{EC0FBB1B-4F0E-4365-BF27-3150FC6C3B90}"/>
               </a:ext>
             </a:extLst>
           </p:cNvPr>
@@ -5143,7 +5150,7 @@
           <p:cNvPr id="14" name="Rectangle 13">
             <a:extLst>
               <a:ext uri="{FF2B5EF4-FFF2-40B4-BE49-F238E27FC236}">
-                <a16:creationId xmlns:a16="http://schemas.microsoft.com/office/drawing/2014/main" xmlns="" id="{7A13D8A8-6C3D-4527-959D-41C3213F7F02}"/>
+                <a16:creationId xmlns="" xmlns:a16="http://schemas.microsoft.com/office/drawing/2014/main" id="{7A13D8A8-6C3D-4527-959D-41C3213F7F02}"/>
               </a:ext>
             </a:extLst>
           </p:cNvPr>
@@ -5195,7 +5202,7 @@
           <p:cNvPr id="15" name="Rectangle 14">
             <a:extLst>
               <a:ext uri="{FF2B5EF4-FFF2-40B4-BE49-F238E27FC236}">
-                <a16:creationId xmlns:a16="http://schemas.microsoft.com/office/drawing/2014/main" xmlns="" id="{9504A767-1C0B-484E-BF7D-CD42D30A52EE}"/>
+                <a16:creationId xmlns="" xmlns:a16="http://schemas.microsoft.com/office/drawing/2014/main" id="{9504A767-1C0B-484E-BF7D-CD42D30A52EE}"/>
               </a:ext>
             </a:extLst>
           </p:cNvPr>
@@ -5247,7 +5254,7 @@
           <p:cNvPr id="5" name="Slide Number Placeholder 4">
             <a:extLst>
               <a:ext uri="{FF2B5EF4-FFF2-40B4-BE49-F238E27FC236}">
-                <a16:creationId xmlns:a16="http://schemas.microsoft.com/office/drawing/2014/main" xmlns="" id="{F50EF489-F21B-4E7C-9A44-D3CC8DC34F5F}"/>
+                <a16:creationId xmlns="" xmlns:a16="http://schemas.microsoft.com/office/drawing/2014/main" id="{F50EF489-F21B-4E7C-9A44-D3CC8DC34F5F}"/>
               </a:ext>
             </a:extLst>
           </p:cNvPr>
@@ -5314,7 +5321,7 @@
           <p:cNvPr id="2" name="Title 1">
             <a:extLst>
               <a:ext uri="{FF2B5EF4-FFF2-40B4-BE49-F238E27FC236}">
-                <a16:creationId xmlns:a16="http://schemas.microsoft.com/office/drawing/2014/main" xmlns="" id="{5FC626A5-4FF6-42BD-858A-AE4B2C23A6BC}"/>
+                <a16:creationId xmlns="" xmlns:a16="http://schemas.microsoft.com/office/drawing/2014/main" id="{5FC626A5-4FF6-42BD-858A-AE4B2C23A6BC}"/>
               </a:ext>
             </a:extLst>
           </p:cNvPr>
@@ -5353,7 +5360,7 @@
           <p:cNvPr id="5" name="Subtitle 2">
             <a:extLst>
               <a:ext uri="{FF2B5EF4-FFF2-40B4-BE49-F238E27FC236}">
-                <a16:creationId xmlns:a16="http://schemas.microsoft.com/office/drawing/2014/main" xmlns="" id="{10727B06-56A8-44A2-B6C2-9ED183D107F3}"/>
+                <a16:creationId xmlns="" xmlns:a16="http://schemas.microsoft.com/office/drawing/2014/main" id="{10727B06-56A8-44A2-B6C2-9ED183D107F3}"/>
               </a:ext>
             </a:extLst>
           </p:cNvPr>
@@ -5408,7 +5415,7 @@
           <p:cNvPr id="3" name="Footer Placeholder 2">
             <a:extLst>
               <a:ext uri="{FF2B5EF4-FFF2-40B4-BE49-F238E27FC236}">
-                <a16:creationId xmlns:a16="http://schemas.microsoft.com/office/drawing/2014/main" xmlns="" id="{08CCB8C2-B6A2-4C69-8D3A-57420A034BA4}"/>
+                <a16:creationId xmlns="" xmlns:a16="http://schemas.microsoft.com/office/drawing/2014/main" id="{08CCB8C2-B6A2-4C69-8D3A-57420A034BA4}"/>
               </a:ext>
             </a:extLst>
           </p:cNvPr>
@@ -5436,7 +5443,7 @@
           <p:cNvPr id="4" name="Slide Number Placeholder 3">
             <a:extLst>
               <a:ext uri="{FF2B5EF4-FFF2-40B4-BE49-F238E27FC236}">
-                <a16:creationId xmlns:a16="http://schemas.microsoft.com/office/drawing/2014/main" xmlns="" id="{853CF994-8B2C-443F-B695-7378DD360DAA}"/>
+                <a16:creationId xmlns="" xmlns:a16="http://schemas.microsoft.com/office/drawing/2014/main" id="{853CF994-8B2C-443F-B695-7378DD360DAA}"/>
               </a:ext>
             </a:extLst>
           </p:cNvPr>
@@ -5496,7 +5503,7 @@
           <p:cNvPr id="2" name="Footer Placeholder 1">
             <a:extLst>
               <a:ext uri="{FF2B5EF4-FFF2-40B4-BE49-F238E27FC236}">
-                <a16:creationId xmlns:a16="http://schemas.microsoft.com/office/drawing/2014/main" xmlns="" id="{16D0504D-4610-4E9E-A2DB-8B701F044BBC}"/>
+                <a16:creationId xmlns="" xmlns:a16="http://schemas.microsoft.com/office/drawing/2014/main" id="{16D0504D-4610-4E9E-A2DB-8B701F044BBC}"/>
               </a:ext>
             </a:extLst>
           </p:cNvPr>
@@ -5524,7 +5531,7 @@
           <p:cNvPr id="3" name="Slide Number Placeholder 2">
             <a:extLst>
               <a:ext uri="{FF2B5EF4-FFF2-40B4-BE49-F238E27FC236}">
-                <a16:creationId xmlns:a16="http://schemas.microsoft.com/office/drawing/2014/main" xmlns="" id="{A95CDFA7-DEA3-4BBE-8D70-0AF654A1E6FF}"/>
+                <a16:creationId xmlns="" xmlns:a16="http://schemas.microsoft.com/office/drawing/2014/main" id="{A95CDFA7-DEA3-4BBE-8D70-0AF654A1E6FF}"/>
               </a:ext>
             </a:extLst>
           </p:cNvPr>
@@ -5554,7 +5561,7 @@
           <p:cNvPr id="4" name="Title 3">
             <a:extLst>
               <a:ext uri="{FF2B5EF4-FFF2-40B4-BE49-F238E27FC236}">
-                <a16:creationId xmlns:a16="http://schemas.microsoft.com/office/drawing/2014/main" xmlns="" id="{90694D9D-C633-4D52-965E-E5BBD9883037}"/>
+                <a16:creationId xmlns="" xmlns:a16="http://schemas.microsoft.com/office/drawing/2014/main" id="{90694D9D-C633-4D52-965E-E5BBD9883037}"/>
               </a:ext>
             </a:extLst>
           </p:cNvPr>
@@ -5613,7 +5620,7 @@
           <p:cNvPr id="2" name="Footer Placeholder 1">
             <a:extLst>
               <a:ext uri="{FF2B5EF4-FFF2-40B4-BE49-F238E27FC236}">
-                <a16:creationId xmlns:a16="http://schemas.microsoft.com/office/drawing/2014/main" xmlns="" id="{16D0504D-4610-4E9E-A2DB-8B701F044BBC}"/>
+                <a16:creationId xmlns="" xmlns:a16="http://schemas.microsoft.com/office/drawing/2014/main" id="{16D0504D-4610-4E9E-A2DB-8B701F044BBC}"/>
               </a:ext>
             </a:extLst>
           </p:cNvPr>
@@ -5641,7 +5648,7 @@
           <p:cNvPr id="3" name="Slide Number Placeholder 2">
             <a:extLst>
               <a:ext uri="{FF2B5EF4-FFF2-40B4-BE49-F238E27FC236}">
-                <a16:creationId xmlns:a16="http://schemas.microsoft.com/office/drawing/2014/main" xmlns="" id="{A95CDFA7-DEA3-4BBE-8D70-0AF654A1E6FF}"/>
+                <a16:creationId xmlns="" xmlns:a16="http://schemas.microsoft.com/office/drawing/2014/main" id="{A95CDFA7-DEA3-4BBE-8D70-0AF654A1E6FF}"/>
               </a:ext>
             </a:extLst>
           </p:cNvPr>
@@ -5671,7 +5678,7 @@
           <p:cNvPr id="4" name="Title 3">
             <a:extLst>
               <a:ext uri="{FF2B5EF4-FFF2-40B4-BE49-F238E27FC236}">
-                <a16:creationId xmlns:a16="http://schemas.microsoft.com/office/drawing/2014/main" xmlns="" id="{90694D9D-C633-4D52-965E-E5BBD9883037}"/>
+                <a16:creationId xmlns="" xmlns:a16="http://schemas.microsoft.com/office/drawing/2014/main" id="{90694D9D-C633-4D52-965E-E5BBD9883037}"/>
               </a:ext>
             </a:extLst>
           </p:cNvPr>
@@ -5700,7 +5707,7 @@
           <p:cNvPr id="6" name="Text Placeholder 5">
             <a:extLst>
               <a:ext uri="{FF2B5EF4-FFF2-40B4-BE49-F238E27FC236}">
-                <a16:creationId xmlns:a16="http://schemas.microsoft.com/office/drawing/2014/main" xmlns="" id="{0DB3A426-6D4A-4D91-ACD6-A2C25BAE44E3}"/>
+                <a16:creationId xmlns="" xmlns:a16="http://schemas.microsoft.com/office/drawing/2014/main" id="{0DB3A426-6D4A-4D91-ACD6-A2C25BAE44E3}"/>
               </a:ext>
             </a:extLst>
           </p:cNvPr>
@@ -5780,7 +5787,7 @@
           <p:cNvPr id="2" name="Footer Placeholder 1">
             <a:extLst>
               <a:ext uri="{FF2B5EF4-FFF2-40B4-BE49-F238E27FC236}">
-                <a16:creationId xmlns:a16="http://schemas.microsoft.com/office/drawing/2014/main" xmlns="" id="{16D0504D-4610-4E9E-A2DB-8B701F044BBC}"/>
+                <a16:creationId xmlns="" xmlns:a16="http://schemas.microsoft.com/office/drawing/2014/main" id="{16D0504D-4610-4E9E-A2DB-8B701F044BBC}"/>
               </a:ext>
             </a:extLst>
           </p:cNvPr>
@@ -5808,7 +5815,7 @@
           <p:cNvPr id="3" name="Slide Number Placeholder 2">
             <a:extLst>
               <a:ext uri="{FF2B5EF4-FFF2-40B4-BE49-F238E27FC236}">
-                <a16:creationId xmlns:a16="http://schemas.microsoft.com/office/drawing/2014/main" xmlns="" id="{A95CDFA7-DEA3-4BBE-8D70-0AF654A1E6FF}"/>
+                <a16:creationId xmlns="" xmlns:a16="http://schemas.microsoft.com/office/drawing/2014/main" id="{A95CDFA7-DEA3-4BBE-8D70-0AF654A1E6FF}"/>
               </a:ext>
             </a:extLst>
           </p:cNvPr>
@@ -5879,7 +5886,7 @@
           <p:cNvPr id="41" name="Picture Placeholder 40">
             <a:extLst>
               <a:ext uri="{FF2B5EF4-FFF2-40B4-BE49-F238E27FC236}">
-                <a16:creationId xmlns:a16="http://schemas.microsoft.com/office/drawing/2014/main" xmlns="" id="{EB7F0EE8-BE52-4A79-8FC8-4A2487FA01FC}"/>
+                <a16:creationId xmlns="" xmlns:a16="http://schemas.microsoft.com/office/drawing/2014/main" id="{EB7F0EE8-BE52-4A79-8FC8-4A2487FA01FC}"/>
               </a:ext>
             </a:extLst>
           </p:cNvPr>
@@ -5932,7 +5939,7 @@
           <p:cNvPr id="3" name="Title 1">
             <a:extLst>
               <a:ext uri="{FF2B5EF4-FFF2-40B4-BE49-F238E27FC236}">
-                <a16:creationId xmlns:a16="http://schemas.microsoft.com/office/drawing/2014/main" xmlns="" id="{E473AB13-DFF9-4538-9907-E261659E0E01}"/>
+                <a16:creationId xmlns="" xmlns:a16="http://schemas.microsoft.com/office/drawing/2014/main" id="{E473AB13-DFF9-4538-9907-E261659E0E01}"/>
               </a:ext>
             </a:extLst>
           </p:cNvPr>
@@ -5980,7 +5987,7 @@
           <p:cNvPr id="7" name="Subtitle 2">
             <a:extLst>
               <a:ext uri="{FF2B5EF4-FFF2-40B4-BE49-F238E27FC236}">
-                <a16:creationId xmlns:a16="http://schemas.microsoft.com/office/drawing/2014/main" xmlns="" id="{9E4D4535-D519-40ED-B8A4-2EA1276BB652}"/>
+                <a16:creationId xmlns="" xmlns:a16="http://schemas.microsoft.com/office/drawing/2014/main" id="{9E4D4535-D519-40ED-B8A4-2EA1276BB652}"/>
               </a:ext>
             </a:extLst>
           </p:cNvPr>
@@ -6060,7 +6067,7 @@
           <p:cNvPr id="4" name="Footer Placeholder 3">
             <a:extLst>
               <a:ext uri="{FF2B5EF4-FFF2-40B4-BE49-F238E27FC236}">
-                <a16:creationId xmlns:a16="http://schemas.microsoft.com/office/drawing/2014/main" xmlns="" id="{6816FE98-6A12-44EC-8485-8B5EFABDF9B2}"/>
+                <a16:creationId xmlns="" xmlns:a16="http://schemas.microsoft.com/office/drawing/2014/main" id="{6816FE98-6A12-44EC-8485-8B5EFABDF9B2}"/>
               </a:ext>
             </a:extLst>
           </p:cNvPr>
@@ -6088,7 +6095,7 @@
           <p:cNvPr id="8" name="Rectangle 7">
             <a:extLst>
               <a:ext uri="{FF2B5EF4-FFF2-40B4-BE49-F238E27FC236}">
-                <a16:creationId xmlns:a16="http://schemas.microsoft.com/office/drawing/2014/main" xmlns="" id="{51DD44D8-4A8F-4693-B90A-166855B29D25}"/>
+                <a16:creationId xmlns="" xmlns:a16="http://schemas.microsoft.com/office/drawing/2014/main" id="{51DD44D8-4A8F-4693-B90A-166855B29D25}"/>
               </a:ext>
             </a:extLst>
           </p:cNvPr>
@@ -6140,7 +6147,7 @@
           <p:cNvPr id="13" name="Rectangle 12">
             <a:extLst>
               <a:ext uri="{FF2B5EF4-FFF2-40B4-BE49-F238E27FC236}">
-                <a16:creationId xmlns:a16="http://schemas.microsoft.com/office/drawing/2014/main" xmlns="" id="{EC0FBB1B-4F0E-4365-BF27-3150FC6C3B90}"/>
+                <a16:creationId xmlns="" xmlns:a16="http://schemas.microsoft.com/office/drawing/2014/main" id="{EC0FBB1B-4F0E-4365-BF27-3150FC6C3B90}"/>
               </a:ext>
             </a:extLst>
           </p:cNvPr>
@@ -6194,7 +6201,7 @@
           <p:cNvPr id="14" name="Rectangle 13">
             <a:extLst>
               <a:ext uri="{FF2B5EF4-FFF2-40B4-BE49-F238E27FC236}">
-                <a16:creationId xmlns:a16="http://schemas.microsoft.com/office/drawing/2014/main" xmlns="" id="{7A13D8A8-6C3D-4527-959D-41C3213F7F02}"/>
+                <a16:creationId xmlns="" xmlns:a16="http://schemas.microsoft.com/office/drawing/2014/main" id="{7A13D8A8-6C3D-4527-959D-41C3213F7F02}"/>
               </a:ext>
             </a:extLst>
           </p:cNvPr>
@@ -6246,7 +6253,7 @@
           <p:cNvPr id="15" name="Rectangle 14">
             <a:extLst>
               <a:ext uri="{FF2B5EF4-FFF2-40B4-BE49-F238E27FC236}">
-                <a16:creationId xmlns:a16="http://schemas.microsoft.com/office/drawing/2014/main" xmlns="" id="{9504A767-1C0B-484E-BF7D-CD42D30A52EE}"/>
+                <a16:creationId xmlns="" xmlns:a16="http://schemas.microsoft.com/office/drawing/2014/main" id="{9504A767-1C0B-484E-BF7D-CD42D30A52EE}"/>
               </a:ext>
             </a:extLst>
           </p:cNvPr>
@@ -6298,7 +6305,7 @@
           <p:cNvPr id="5" name="Slide Number Placeholder 4">
             <a:extLst>
               <a:ext uri="{FF2B5EF4-FFF2-40B4-BE49-F238E27FC236}">
-                <a16:creationId xmlns:a16="http://schemas.microsoft.com/office/drawing/2014/main" xmlns="" id="{F50EF489-F21B-4E7C-9A44-D3CC8DC34F5F}"/>
+                <a16:creationId xmlns="" xmlns:a16="http://schemas.microsoft.com/office/drawing/2014/main" id="{F50EF489-F21B-4E7C-9A44-D3CC8DC34F5F}"/>
               </a:ext>
             </a:extLst>
           </p:cNvPr>
@@ -6365,7 +6372,7 @@
           <p:cNvPr id="7" name="Picture Placeholder 6">
             <a:extLst>
               <a:ext uri="{FF2B5EF4-FFF2-40B4-BE49-F238E27FC236}">
-                <a16:creationId xmlns:a16="http://schemas.microsoft.com/office/drawing/2014/main" xmlns="" id="{890ED7CE-A9D2-4D19-B978-56BFB74E657C}"/>
+                <a16:creationId xmlns="" xmlns:a16="http://schemas.microsoft.com/office/drawing/2014/main" id="{890ED7CE-A9D2-4D19-B978-56BFB74E657C}"/>
               </a:ext>
             </a:extLst>
           </p:cNvPr>
@@ -6411,7 +6418,7 @@
           <p:cNvPr id="2" name="Title 1">
             <a:extLst>
               <a:ext uri="{FF2B5EF4-FFF2-40B4-BE49-F238E27FC236}">
-                <a16:creationId xmlns:a16="http://schemas.microsoft.com/office/drawing/2014/main" xmlns="" id="{40EE479C-D1F6-4BAC-80D2-90EF74E3261A}"/>
+                <a16:creationId xmlns="" xmlns:a16="http://schemas.microsoft.com/office/drawing/2014/main" id="{40EE479C-D1F6-4BAC-80D2-90EF74E3261A}"/>
               </a:ext>
             </a:extLst>
           </p:cNvPr>
@@ -6458,7 +6465,7 @@
           <p:cNvPr id="10" name="Subtitle 2">
             <a:extLst>
               <a:ext uri="{FF2B5EF4-FFF2-40B4-BE49-F238E27FC236}">
-                <a16:creationId xmlns:a16="http://schemas.microsoft.com/office/drawing/2014/main" xmlns="" id="{3FAEED1D-0E66-4F74-9455-675F5CB7EAD4}"/>
+                <a16:creationId xmlns="" xmlns:a16="http://schemas.microsoft.com/office/drawing/2014/main" id="{3FAEED1D-0E66-4F74-9455-675F5CB7EAD4}"/>
               </a:ext>
             </a:extLst>
           </p:cNvPr>
@@ -6522,7 +6529,7 @@
           <p:cNvPr id="3" name="Content Placeholder 2">
             <a:extLst>
               <a:ext uri="{FF2B5EF4-FFF2-40B4-BE49-F238E27FC236}">
-                <a16:creationId xmlns:a16="http://schemas.microsoft.com/office/drawing/2014/main" xmlns="" id="{A22238F2-C6EC-476F-8371-119AECBA5622}"/>
+                <a16:creationId xmlns="" xmlns:a16="http://schemas.microsoft.com/office/drawing/2014/main" id="{A22238F2-C6EC-476F-8371-119AECBA5622}"/>
               </a:ext>
             </a:extLst>
           </p:cNvPr>
@@ -6636,7 +6643,7 @@
           <p:cNvPr id="4" name="Footer Placeholder 3">
             <a:extLst>
               <a:ext uri="{FF2B5EF4-FFF2-40B4-BE49-F238E27FC236}">
-                <a16:creationId xmlns:a16="http://schemas.microsoft.com/office/drawing/2014/main" xmlns="" id="{57847F90-9DB6-4832-9EB7-393AADAE8B70}"/>
+                <a16:creationId xmlns="" xmlns:a16="http://schemas.microsoft.com/office/drawing/2014/main" id="{57847F90-9DB6-4832-9EB7-393AADAE8B70}"/>
               </a:ext>
             </a:extLst>
           </p:cNvPr>
@@ -6664,7 +6671,7 @@
           <p:cNvPr id="5" name="Slide Number Placeholder 4">
             <a:extLst>
               <a:ext uri="{FF2B5EF4-FFF2-40B4-BE49-F238E27FC236}">
-                <a16:creationId xmlns:a16="http://schemas.microsoft.com/office/drawing/2014/main" xmlns="" id="{0505ED12-A431-4761-87A4-F05164BE0221}"/>
+                <a16:creationId xmlns="" xmlns:a16="http://schemas.microsoft.com/office/drawing/2014/main" id="{0505ED12-A431-4761-87A4-F05164BE0221}"/>
               </a:ext>
             </a:extLst>
           </p:cNvPr>
@@ -6694,7 +6701,7 @@
           <p:cNvPr id="8" name="Rectangle 7">
             <a:extLst>
               <a:ext uri="{FF2B5EF4-FFF2-40B4-BE49-F238E27FC236}">
-                <a16:creationId xmlns:a16="http://schemas.microsoft.com/office/drawing/2014/main" xmlns="" id="{1508F53F-6AA2-4060-904A-BC90211DC043}"/>
+                <a16:creationId xmlns="" xmlns:a16="http://schemas.microsoft.com/office/drawing/2014/main" id="{1508F53F-6AA2-4060-904A-BC90211DC043}"/>
               </a:ext>
             </a:extLst>
           </p:cNvPr>
@@ -6783,7 +6790,7 @@
           <p:cNvPr id="7" name="Picture Placeholder 6">
             <a:extLst>
               <a:ext uri="{FF2B5EF4-FFF2-40B4-BE49-F238E27FC236}">
-                <a16:creationId xmlns:a16="http://schemas.microsoft.com/office/drawing/2014/main" xmlns="" id="{890ED7CE-A9D2-4D19-B978-56BFB74E657C}"/>
+                <a16:creationId xmlns="" xmlns:a16="http://schemas.microsoft.com/office/drawing/2014/main" id="{890ED7CE-A9D2-4D19-B978-56BFB74E657C}"/>
               </a:ext>
             </a:extLst>
           </p:cNvPr>
@@ -6829,7 +6836,7 @@
           <p:cNvPr id="3" name="Content Placeholder 2">
             <a:extLst>
               <a:ext uri="{FF2B5EF4-FFF2-40B4-BE49-F238E27FC236}">
-                <a16:creationId xmlns:a16="http://schemas.microsoft.com/office/drawing/2014/main" xmlns="" id="{A22238F2-C6EC-476F-8371-119AECBA5622}"/>
+                <a16:creationId xmlns="" xmlns:a16="http://schemas.microsoft.com/office/drawing/2014/main" id="{A22238F2-C6EC-476F-8371-119AECBA5622}"/>
               </a:ext>
             </a:extLst>
           </p:cNvPr>
@@ -6943,7 +6950,7 @@
           <p:cNvPr id="4" name="Footer Placeholder 3">
             <a:extLst>
               <a:ext uri="{FF2B5EF4-FFF2-40B4-BE49-F238E27FC236}">
-                <a16:creationId xmlns:a16="http://schemas.microsoft.com/office/drawing/2014/main" xmlns="" id="{57847F90-9DB6-4832-9EB7-393AADAE8B70}"/>
+                <a16:creationId xmlns="" xmlns:a16="http://schemas.microsoft.com/office/drawing/2014/main" id="{57847F90-9DB6-4832-9EB7-393AADAE8B70}"/>
               </a:ext>
             </a:extLst>
           </p:cNvPr>
@@ -6971,7 +6978,7 @@
           <p:cNvPr id="5" name="Slide Number Placeholder 4">
             <a:extLst>
               <a:ext uri="{FF2B5EF4-FFF2-40B4-BE49-F238E27FC236}">
-                <a16:creationId xmlns:a16="http://schemas.microsoft.com/office/drawing/2014/main" xmlns="" id="{0505ED12-A431-4761-87A4-F05164BE0221}"/>
+                <a16:creationId xmlns="" xmlns:a16="http://schemas.microsoft.com/office/drawing/2014/main" id="{0505ED12-A431-4761-87A4-F05164BE0221}"/>
               </a:ext>
             </a:extLst>
           </p:cNvPr>
@@ -7038,7 +7045,7 @@
           <p:cNvPr id="2" name="Title 1">
             <a:extLst>
               <a:ext uri="{FF2B5EF4-FFF2-40B4-BE49-F238E27FC236}">
-                <a16:creationId xmlns:a16="http://schemas.microsoft.com/office/drawing/2014/main" xmlns="" id="{3F288DD7-6DAF-436D-B04A-EBCCAA36917C}"/>
+                <a16:creationId xmlns="" xmlns:a16="http://schemas.microsoft.com/office/drawing/2014/main" id="{3F288DD7-6DAF-436D-B04A-EBCCAA36917C}"/>
               </a:ext>
             </a:extLst>
           </p:cNvPr>
@@ -7082,7 +7089,7 @@
           <p:cNvPr id="9" name="Subtitle 2">
             <a:extLst>
               <a:ext uri="{FF2B5EF4-FFF2-40B4-BE49-F238E27FC236}">
-                <a16:creationId xmlns:a16="http://schemas.microsoft.com/office/drawing/2014/main" xmlns="" id="{E4633398-8EC3-417B-BEA6-101D8F224678}"/>
+                <a16:creationId xmlns="" xmlns:a16="http://schemas.microsoft.com/office/drawing/2014/main" id="{E4633398-8EC3-417B-BEA6-101D8F224678}"/>
               </a:ext>
             </a:extLst>
           </p:cNvPr>
@@ -7137,7 +7144,7 @@
           <p:cNvPr id="3" name="Comparison Left Placeholder 1">
             <a:extLst>
               <a:ext uri="{FF2B5EF4-FFF2-40B4-BE49-F238E27FC236}">
-                <a16:creationId xmlns:a16="http://schemas.microsoft.com/office/drawing/2014/main" xmlns="" id="{9322B50D-6A7D-41C6-BA57-613BC231DF36}"/>
+                <a16:creationId xmlns="" xmlns:a16="http://schemas.microsoft.com/office/drawing/2014/main" id="{9322B50D-6A7D-41C6-BA57-613BC231DF36}"/>
               </a:ext>
             </a:extLst>
           </p:cNvPr>
@@ -7215,7 +7222,7 @@
           <p:cNvPr id="4" name="Content Placeholder 2">
             <a:extLst>
               <a:ext uri="{FF2B5EF4-FFF2-40B4-BE49-F238E27FC236}">
-                <a16:creationId xmlns:a16="http://schemas.microsoft.com/office/drawing/2014/main" xmlns="" id="{9FD584DA-F775-47B8-A1D7-6556AD5FCBD2}"/>
+                <a16:creationId xmlns="" xmlns:a16="http://schemas.microsoft.com/office/drawing/2014/main" id="{9FD584DA-F775-47B8-A1D7-6556AD5FCBD2}"/>
               </a:ext>
             </a:extLst>
           </p:cNvPr>
@@ -7329,7 +7336,7 @@
           <p:cNvPr id="12" name="Comparison Left Placeholder 2">
             <a:extLst>
               <a:ext uri="{FF2B5EF4-FFF2-40B4-BE49-F238E27FC236}">
-                <a16:creationId xmlns:a16="http://schemas.microsoft.com/office/drawing/2014/main" xmlns="" id="{78A963F8-6F6E-440E-B3B3-DDE13C083A36}"/>
+                <a16:creationId xmlns="" xmlns:a16="http://schemas.microsoft.com/office/drawing/2014/main" id="{78A963F8-6F6E-440E-B3B3-DDE13C083A36}"/>
               </a:ext>
             </a:extLst>
           </p:cNvPr>
@@ -7368,7 +7375,7 @@
           <p:cNvPr id="8" name="Text Placeholder 4">
             <a:extLst>
               <a:ext uri="{FF2B5EF4-FFF2-40B4-BE49-F238E27FC236}">
-                <a16:creationId xmlns:a16="http://schemas.microsoft.com/office/drawing/2014/main" xmlns="" id="{DF0A5256-B267-47DA-858A-0F3867CB6139}"/>
+                <a16:creationId xmlns="" xmlns:a16="http://schemas.microsoft.com/office/drawing/2014/main" id="{DF0A5256-B267-47DA-858A-0F3867CB6139}"/>
               </a:ext>
             </a:extLst>
           </p:cNvPr>
@@ -7431,7 +7438,7 @@
           <p:cNvPr id="5" name="Footer Placeholder 4">
             <a:extLst>
               <a:ext uri="{FF2B5EF4-FFF2-40B4-BE49-F238E27FC236}">
-                <a16:creationId xmlns:a16="http://schemas.microsoft.com/office/drawing/2014/main" xmlns="" id="{646B8F99-FAB0-4B33-87ED-9FF46D11A907}"/>
+                <a16:creationId xmlns="" xmlns:a16="http://schemas.microsoft.com/office/drawing/2014/main" id="{646B8F99-FAB0-4B33-87ED-9FF46D11A907}"/>
               </a:ext>
             </a:extLst>
           </p:cNvPr>
@@ -7459,7 +7466,7 @@
           <p:cNvPr id="6" name="Slide Number Placeholder 5">
             <a:extLst>
               <a:ext uri="{FF2B5EF4-FFF2-40B4-BE49-F238E27FC236}">
-                <a16:creationId xmlns:a16="http://schemas.microsoft.com/office/drawing/2014/main" xmlns="" id="{18733E7E-50D2-4F6C-9DF2-CF4C98C4B847}"/>
+                <a16:creationId xmlns="" xmlns:a16="http://schemas.microsoft.com/office/drawing/2014/main" id="{18733E7E-50D2-4F6C-9DF2-CF4C98C4B847}"/>
               </a:ext>
             </a:extLst>
           </p:cNvPr>
@@ -7526,7 +7533,7 @@
           <p:cNvPr id="7" name="Picture Placeholder 6">
             <a:extLst>
               <a:ext uri="{FF2B5EF4-FFF2-40B4-BE49-F238E27FC236}">
-                <a16:creationId xmlns:a16="http://schemas.microsoft.com/office/drawing/2014/main" xmlns="" id="{890ED7CE-A9D2-4D19-B978-56BFB74E657C}"/>
+                <a16:creationId xmlns="" xmlns:a16="http://schemas.microsoft.com/office/drawing/2014/main" id="{890ED7CE-A9D2-4D19-B978-56BFB74E657C}"/>
               </a:ext>
             </a:extLst>
           </p:cNvPr>
@@ -7572,7 +7579,7 @@
           <p:cNvPr id="3" name="Content Placeholder 2">
             <a:extLst>
               <a:ext uri="{FF2B5EF4-FFF2-40B4-BE49-F238E27FC236}">
-                <a16:creationId xmlns:a16="http://schemas.microsoft.com/office/drawing/2014/main" xmlns="" id="{A22238F2-C6EC-476F-8371-119AECBA5622}"/>
+                <a16:creationId xmlns="" xmlns:a16="http://schemas.microsoft.com/office/drawing/2014/main" id="{A22238F2-C6EC-476F-8371-119AECBA5622}"/>
               </a:ext>
             </a:extLst>
           </p:cNvPr>
@@ -7658,7 +7665,7 @@
           <p:cNvPr id="4" name="Footer Placeholder 3">
             <a:extLst>
               <a:ext uri="{FF2B5EF4-FFF2-40B4-BE49-F238E27FC236}">
-                <a16:creationId xmlns:a16="http://schemas.microsoft.com/office/drawing/2014/main" xmlns="" id="{57847F90-9DB6-4832-9EB7-393AADAE8B70}"/>
+                <a16:creationId xmlns="" xmlns:a16="http://schemas.microsoft.com/office/drawing/2014/main" id="{57847F90-9DB6-4832-9EB7-393AADAE8B70}"/>
               </a:ext>
             </a:extLst>
           </p:cNvPr>
@@ -7686,7 +7693,7 @@
           <p:cNvPr id="2" name="Slide Number Placeholder 1">
             <a:extLst>
               <a:ext uri="{FF2B5EF4-FFF2-40B4-BE49-F238E27FC236}">
-                <a16:creationId xmlns:a16="http://schemas.microsoft.com/office/drawing/2014/main" xmlns="" id="{8B3D119C-DBF5-4B4F-BE38-7BD7B5C8A5D0}"/>
+                <a16:creationId xmlns="" xmlns:a16="http://schemas.microsoft.com/office/drawing/2014/main" id="{8B3D119C-DBF5-4B4F-BE38-7BD7B5C8A5D0}"/>
               </a:ext>
             </a:extLst>
           </p:cNvPr>
@@ -7716,7 +7723,7 @@
           <p:cNvPr id="5" name="Title 4">
             <a:extLst>
               <a:ext uri="{FF2B5EF4-FFF2-40B4-BE49-F238E27FC236}">
-                <a16:creationId xmlns:a16="http://schemas.microsoft.com/office/drawing/2014/main" xmlns="" id="{7F8E7C83-06D7-4C5B-85B7-0E5713B4FAB3}"/>
+                <a16:creationId xmlns="" xmlns:a16="http://schemas.microsoft.com/office/drawing/2014/main" id="{7F8E7C83-06D7-4C5B-85B7-0E5713B4FAB3}"/>
               </a:ext>
             </a:extLst>
           </p:cNvPr>
@@ -7792,7 +7799,7 @@
           <p:cNvPr id="41" name="Picture Placeholder 40">
             <a:extLst>
               <a:ext uri="{FF2B5EF4-FFF2-40B4-BE49-F238E27FC236}">
-                <a16:creationId xmlns:a16="http://schemas.microsoft.com/office/drawing/2014/main" xmlns="" id="{EB7F0EE8-BE52-4A79-8FC8-4A2487FA01FC}"/>
+                <a16:creationId xmlns="" xmlns:a16="http://schemas.microsoft.com/office/drawing/2014/main" id="{EB7F0EE8-BE52-4A79-8FC8-4A2487FA01FC}"/>
               </a:ext>
             </a:extLst>
           </p:cNvPr>
@@ -7838,7 +7845,7 @@
           <p:cNvPr id="2" name="Title 1">
             <a:extLst>
               <a:ext uri="{FF2B5EF4-FFF2-40B4-BE49-F238E27FC236}">
-                <a16:creationId xmlns:a16="http://schemas.microsoft.com/office/drawing/2014/main" xmlns="" id="{00F23EB7-E336-46EB-A4A0-3DB7A6BF4CE1}"/>
+                <a16:creationId xmlns="" xmlns:a16="http://schemas.microsoft.com/office/drawing/2014/main" id="{00F23EB7-E336-46EB-A4A0-3DB7A6BF4CE1}"/>
               </a:ext>
             </a:extLst>
           </p:cNvPr>
@@ -7881,7 +7888,7 @@
           <p:cNvPr id="9" name="Text Placeholder 5">
             <a:extLst>
               <a:ext uri="{FF2B5EF4-FFF2-40B4-BE49-F238E27FC236}">
-                <a16:creationId xmlns:a16="http://schemas.microsoft.com/office/drawing/2014/main" xmlns="" id="{52FA7FC9-E40E-4144-84E4-34E3722E9A6D}"/>
+                <a16:creationId xmlns="" xmlns:a16="http://schemas.microsoft.com/office/drawing/2014/main" id="{52FA7FC9-E40E-4144-84E4-34E3722E9A6D}"/>
               </a:ext>
             </a:extLst>
           </p:cNvPr>
@@ -7946,7 +7953,7 @@
           <p:cNvPr id="10" name="Text Placeholder 6">
             <a:extLst>
               <a:ext uri="{FF2B5EF4-FFF2-40B4-BE49-F238E27FC236}">
-                <a16:creationId xmlns:a16="http://schemas.microsoft.com/office/drawing/2014/main" xmlns="" id="{97289182-4FE6-4A18-9775-4588D5801CF6}"/>
+                <a16:creationId xmlns="" xmlns:a16="http://schemas.microsoft.com/office/drawing/2014/main" id="{97289182-4FE6-4A18-9775-4588D5801CF6}"/>
               </a:ext>
             </a:extLst>
           </p:cNvPr>
@@ -8011,7 +8018,7 @@
           <p:cNvPr id="11" name="Text Placeholder 7">
             <a:extLst>
               <a:ext uri="{FF2B5EF4-FFF2-40B4-BE49-F238E27FC236}">
-                <a16:creationId xmlns:a16="http://schemas.microsoft.com/office/drawing/2014/main" xmlns="" id="{BD4E94C7-6CAF-4FEE-9E02-D3D3A2AC5EAF}"/>
+                <a16:creationId xmlns="" xmlns:a16="http://schemas.microsoft.com/office/drawing/2014/main" id="{BD4E94C7-6CAF-4FEE-9E02-D3D3A2AC5EAF}"/>
               </a:ext>
             </a:extLst>
           </p:cNvPr>
@@ -8076,7 +8083,7 @@
           <p:cNvPr id="12" name="Text Placeholder 8">
             <a:extLst>
               <a:ext uri="{FF2B5EF4-FFF2-40B4-BE49-F238E27FC236}">
-                <a16:creationId xmlns:a16="http://schemas.microsoft.com/office/drawing/2014/main" xmlns="" id="{0DE421A3-3C59-48FC-BC3B-007ADFBEB4FE}"/>
+                <a16:creationId xmlns="" xmlns:a16="http://schemas.microsoft.com/office/drawing/2014/main" id="{0DE421A3-3C59-48FC-BC3B-007ADFBEB4FE}"/>
               </a:ext>
             </a:extLst>
           </p:cNvPr>
@@ -8141,7 +8148,7 @@
           <p:cNvPr id="15" name="Rectangle 14">
             <a:extLst>
               <a:ext uri="{FF2B5EF4-FFF2-40B4-BE49-F238E27FC236}">
-                <a16:creationId xmlns:a16="http://schemas.microsoft.com/office/drawing/2014/main" xmlns="" id="{9504A767-1C0B-484E-BF7D-CD42D30A52EE}"/>
+                <a16:creationId xmlns="" xmlns:a16="http://schemas.microsoft.com/office/drawing/2014/main" id="{9504A767-1C0B-484E-BF7D-CD42D30A52EE}"/>
               </a:ext>
             </a:extLst>
           </p:cNvPr>
@@ -8193,7 +8200,7 @@
           <p:cNvPr id="14" name="Rectangle 13">
             <a:extLst>
               <a:ext uri="{FF2B5EF4-FFF2-40B4-BE49-F238E27FC236}">
-                <a16:creationId xmlns:a16="http://schemas.microsoft.com/office/drawing/2014/main" xmlns="" id="{7A13D8A8-6C3D-4527-959D-41C3213F7F02}"/>
+                <a16:creationId xmlns="" xmlns:a16="http://schemas.microsoft.com/office/drawing/2014/main" id="{7A13D8A8-6C3D-4527-959D-41C3213F7F02}"/>
               </a:ext>
             </a:extLst>
           </p:cNvPr>
@@ -8245,7 +8252,7 @@
           <p:cNvPr id="13" name="Rectangle 12">
             <a:extLst>
               <a:ext uri="{FF2B5EF4-FFF2-40B4-BE49-F238E27FC236}">
-                <a16:creationId xmlns:a16="http://schemas.microsoft.com/office/drawing/2014/main" xmlns="" id="{EC0FBB1B-4F0E-4365-BF27-3150FC6C3B90}"/>
+                <a16:creationId xmlns="" xmlns:a16="http://schemas.microsoft.com/office/drawing/2014/main" id="{EC0FBB1B-4F0E-4365-BF27-3150FC6C3B90}"/>
               </a:ext>
             </a:extLst>
           </p:cNvPr>
@@ -8299,7 +8306,7 @@
           <p:cNvPr id="8" name="Rectangle 7">
             <a:extLst>
               <a:ext uri="{FF2B5EF4-FFF2-40B4-BE49-F238E27FC236}">
-                <a16:creationId xmlns:a16="http://schemas.microsoft.com/office/drawing/2014/main" xmlns="" id="{51DD44D8-4A8F-4693-B90A-166855B29D25}"/>
+                <a16:creationId xmlns="" xmlns:a16="http://schemas.microsoft.com/office/drawing/2014/main" id="{51DD44D8-4A8F-4693-B90A-166855B29D25}"/>
               </a:ext>
             </a:extLst>
           </p:cNvPr>
@@ -8348,7 +8355,7 @@
           <p:cNvPr id="5" name="Slide Number Placeholder 4">
             <a:extLst>
               <a:ext uri="{FF2B5EF4-FFF2-40B4-BE49-F238E27FC236}">
-                <a16:creationId xmlns:a16="http://schemas.microsoft.com/office/drawing/2014/main" xmlns="" id="{222FB6A7-1E80-487C-93E6-DCAA8751EF21}"/>
+                <a16:creationId xmlns="" xmlns:a16="http://schemas.microsoft.com/office/drawing/2014/main" id="{222FB6A7-1E80-487C-93E6-DCAA8751EF21}"/>
               </a:ext>
             </a:extLst>
           </p:cNvPr>
@@ -8408,7 +8415,7 @@
           <p:cNvPr id="2" name="Title 1">
             <a:extLst>
               <a:ext uri="{FF2B5EF4-FFF2-40B4-BE49-F238E27FC236}">
-                <a16:creationId xmlns:a16="http://schemas.microsoft.com/office/drawing/2014/main" xmlns="" id="{5CFF4C50-933F-41F9-AD11-BD02410AA7D5}"/>
+                <a16:creationId xmlns="" xmlns:a16="http://schemas.microsoft.com/office/drawing/2014/main" id="{5CFF4C50-933F-41F9-AD11-BD02410AA7D5}"/>
               </a:ext>
             </a:extLst>
           </p:cNvPr>
@@ -8447,7 +8454,7 @@
           <p:cNvPr id="7" name="Subtitle 2">
             <a:extLst>
               <a:ext uri="{FF2B5EF4-FFF2-40B4-BE49-F238E27FC236}">
-                <a16:creationId xmlns:a16="http://schemas.microsoft.com/office/drawing/2014/main" xmlns="" id="{E97A9A62-1AA6-47A9-A1A0-54196823744C}"/>
+                <a16:creationId xmlns="" xmlns:a16="http://schemas.microsoft.com/office/drawing/2014/main" id="{E97A9A62-1AA6-47A9-A1A0-54196823744C}"/>
               </a:ext>
             </a:extLst>
           </p:cNvPr>
@@ -8502,7 +8509,7 @@
           <p:cNvPr id="3" name="Content Placeholder 2">
             <a:extLst>
               <a:ext uri="{FF2B5EF4-FFF2-40B4-BE49-F238E27FC236}">
-                <a16:creationId xmlns:a16="http://schemas.microsoft.com/office/drawing/2014/main" xmlns="" id="{B1948E38-8FB0-4E51-A01C-C88794372E50}"/>
+                <a16:creationId xmlns="" xmlns:a16="http://schemas.microsoft.com/office/drawing/2014/main" id="{B1948E38-8FB0-4E51-A01C-C88794372E50}"/>
               </a:ext>
             </a:extLst>
           </p:cNvPr>
@@ -8611,7 +8618,7 @@
           <p:cNvPr id="4" name="Footer Placeholder 3">
             <a:extLst>
               <a:ext uri="{FF2B5EF4-FFF2-40B4-BE49-F238E27FC236}">
-                <a16:creationId xmlns:a16="http://schemas.microsoft.com/office/drawing/2014/main" xmlns="" id="{E8FE0EB3-0FF4-4285-B9D3-90A5751B7BBF}"/>
+                <a16:creationId xmlns="" xmlns:a16="http://schemas.microsoft.com/office/drawing/2014/main" id="{E8FE0EB3-0FF4-4285-B9D3-90A5751B7BBF}"/>
               </a:ext>
             </a:extLst>
           </p:cNvPr>
@@ -8639,7 +8646,7 @@
           <p:cNvPr id="5" name="Slide Number Placeholder 4">
             <a:extLst>
               <a:ext uri="{FF2B5EF4-FFF2-40B4-BE49-F238E27FC236}">
-                <a16:creationId xmlns:a16="http://schemas.microsoft.com/office/drawing/2014/main" xmlns="" id="{C8DE0AAD-6FBD-416B-A91A-21F2B737919E}"/>
+                <a16:creationId xmlns="" xmlns:a16="http://schemas.microsoft.com/office/drawing/2014/main" id="{C8DE0AAD-6FBD-416B-A91A-21F2B737919E}"/>
               </a:ext>
             </a:extLst>
           </p:cNvPr>
@@ -8711,7 +8718,7 @@
           <p:cNvPr id="7" name="Rectangle 6">
             <a:extLst>
               <a:ext uri="{FF2B5EF4-FFF2-40B4-BE49-F238E27FC236}">
-                <a16:creationId xmlns:a16="http://schemas.microsoft.com/office/drawing/2014/main" xmlns="" id="{3EB0D177-9AA4-42F4-9CD7-CD206217CA6D}"/>
+                <a16:creationId xmlns="" xmlns:a16="http://schemas.microsoft.com/office/drawing/2014/main" id="{3EB0D177-9AA4-42F4-9CD7-CD206217CA6D}"/>
               </a:ext>
             </a:extLst>
           </p:cNvPr>
@@ -8763,7 +8770,7 @@
           <p:cNvPr id="28" name="Rectangle 27">
             <a:extLst>
               <a:ext uri="{FF2B5EF4-FFF2-40B4-BE49-F238E27FC236}">
-                <a16:creationId xmlns:a16="http://schemas.microsoft.com/office/drawing/2014/main" xmlns="" id="{C825DB53-D610-4A40-AFDC-EBC47DB613CE}"/>
+                <a16:creationId xmlns="" xmlns:a16="http://schemas.microsoft.com/office/drawing/2014/main" id="{C825DB53-D610-4A40-AFDC-EBC47DB613CE}"/>
               </a:ext>
             </a:extLst>
           </p:cNvPr>
@@ -8817,7 +8824,7 @@
           <p:cNvPr id="31" name="Freeform: Shape 30">
             <a:extLst>
               <a:ext uri="{FF2B5EF4-FFF2-40B4-BE49-F238E27FC236}">
-                <a16:creationId xmlns:a16="http://schemas.microsoft.com/office/drawing/2014/main" xmlns="" id="{C2B9A6A4-83D0-40B1-8B15-964C84BF0705}"/>
+                <a16:creationId xmlns="" xmlns:a16="http://schemas.microsoft.com/office/drawing/2014/main" id="{C2B9A6A4-83D0-40B1-8B15-964C84BF0705}"/>
               </a:ext>
             </a:extLst>
           </p:cNvPr>
@@ -8914,7 +8921,7 @@
           <p:cNvPr id="2" name="Title Placeholder 1">
             <a:extLst>
               <a:ext uri="{FF2B5EF4-FFF2-40B4-BE49-F238E27FC236}">
-                <a16:creationId xmlns:a16="http://schemas.microsoft.com/office/drawing/2014/main" xmlns="" id="{090F41A2-6535-4CA6-81E4-026A5B56D9D7}"/>
+                <a16:creationId xmlns="" xmlns:a16="http://schemas.microsoft.com/office/drawing/2014/main" id="{090F41A2-6535-4CA6-81E4-026A5B56D9D7}"/>
               </a:ext>
             </a:extLst>
           </p:cNvPr>
@@ -8952,7 +8959,7 @@
           <p:cNvPr id="3" name="Text Placeholder 2">
             <a:extLst>
               <a:ext uri="{FF2B5EF4-FFF2-40B4-BE49-F238E27FC236}">
-                <a16:creationId xmlns:a16="http://schemas.microsoft.com/office/drawing/2014/main" xmlns="" id="{213AB95C-7DD4-4796-80E4-1B7466A2A037}"/>
+                <a16:creationId xmlns="" xmlns:a16="http://schemas.microsoft.com/office/drawing/2014/main" id="{213AB95C-7DD4-4796-80E4-1B7466A2A037}"/>
               </a:ext>
             </a:extLst>
           </p:cNvPr>
@@ -9020,7 +9027,7 @@
           <p:cNvPr id="5" name="Footer Placeholder 4">
             <a:extLst>
               <a:ext uri="{FF2B5EF4-FFF2-40B4-BE49-F238E27FC236}">
-                <a16:creationId xmlns:a16="http://schemas.microsoft.com/office/drawing/2014/main" xmlns="" id="{58879C91-B77F-4273-9A27-A3535FB889DB}"/>
+                <a16:creationId xmlns="" xmlns:a16="http://schemas.microsoft.com/office/drawing/2014/main" id="{58879C91-B77F-4273-9A27-A3535FB889DB}"/>
               </a:ext>
             </a:extLst>
           </p:cNvPr>
@@ -9068,7 +9075,7 @@
           <p:cNvPr id="6" name="Slide Number Placeholder 5">
             <a:extLst>
               <a:ext uri="{FF2B5EF4-FFF2-40B4-BE49-F238E27FC236}">
-                <a16:creationId xmlns:a16="http://schemas.microsoft.com/office/drawing/2014/main" xmlns="" id="{5ECA3099-A94F-4C3E-BC29-780EDD38F722}"/>
+                <a16:creationId xmlns="" xmlns:a16="http://schemas.microsoft.com/office/drawing/2014/main" id="{5ECA3099-A94F-4C3E-BC29-780EDD38F722}"/>
               </a:ext>
             </a:extLst>
           </p:cNvPr>
@@ -9121,7 +9128,7 @@
           <p:cNvPr id="9" name="Rectangle 8">
             <a:extLst>
               <a:ext uri="{FF2B5EF4-FFF2-40B4-BE49-F238E27FC236}">
-                <a16:creationId xmlns:a16="http://schemas.microsoft.com/office/drawing/2014/main" xmlns="" id="{4BC39664-EB8B-4A32-915A-D4308F792772}"/>
+                <a16:creationId xmlns="" xmlns:a16="http://schemas.microsoft.com/office/drawing/2014/main" id="{4BC39664-EB8B-4A32-915A-D4308F792772}"/>
               </a:ext>
             </a:extLst>
           </p:cNvPr>
@@ -9173,7 +9180,7 @@
           <p:cNvPr id="29" name="Rectangle 28">
             <a:extLst>
               <a:ext uri="{FF2B5EF4-FFF2-40B4-BE49-F238E27FC236}">
-                <a16:creationId xmlns:a16="http://schemas.microsoft.com/office/drawing/2014/main" xmlns="" id="{9B49670D-8F18-44A8-B217-67B412095C0D}"/>
+                <a16:creationId xmlns="" xmlns:a16="http://schemas.microsoft.com/office/drawing/2014/main" id="{9B49670D-8F18-44A8-B217-67B412095C0D}"/>
               </a:ext>
             </a:extLst>
           </p:cNvPr>
@@ -9225,7 +9232,7 @@
           <p:cNvPr id="18" name="Straight Connector 17">
             <a:extLst>
               <a:ext uri="{FF2B5EF4-FFF2-40B4-BE49-F238E27FC236}">
-                <a16:creationId xmlns:a16="http://schemas.microsoft.com/office/drawing/2014/main" xmlns="" id="{030FA059-EC32-4FFF-9673-48849B2FA43A}"/>
+                <a16:creationId xmlns="" xmlns:a16="http://schemas.microsoft.com/office/drawing/2014/main" id="{030FA059-EC32-4FFF-9673-48849B2FA43A}"/>
               </a:ext>
             </a:extLst>
           </p:cNvPr>
@@ -9629,7 +9636,7 @@
           <p:cNvPr id="12" name="Picture Placeholder 11" descr="Hands coming together in circle">
             <a:extLst>
               <a:ext uri="{FF2B5EF4-FFF2-40B4-BE49-F238E27FC236}">
-                <a16:creationId xmlns:a16="http://schemas.microsoft.com/office/drawing/2014/main" xmlns="" id="{AA8A1CBA-9BB5-2246-9F4B-98EAD7C90158}"/>
+                <a16:creationId xmlns="" xmlns:a16="http://schemas.microsoft.com/office/drawing/2014/main" id="{AA8A1CBA-9BB5-2246-9F4B-98EAD7C90158}"/>
               </a:ext>
             </a:extLst>
           </p:cNvPr>
@@ -9660,7 +9667,7 @@
           <p:cNvPr id="3" name="Title 2">
             <a:extLst>
               <a:ext uri="{FF2B5EF4-FFF2-40B4-BE49-F238E27FC236}">
-                <a16:creationId xmlns:a16="http://schemas.microsoft.com/office/drawing/2014/main" xmlns="" id="{200B3D2B-613A-41BE-987D-E6A1324B456D}"/>
+                <a16:creationId xmlns="" xmlns:a16="http://schemas.microsoft.com/office/drawing/2014/main" id="{200B3D2B-613A-41BE-987D-E6A1324B456D}"/>
               </a:ext>
             </a:extLst>
           </p:cNvPr>
@@ -9694,7 +9701,7 @@
           <p:cNvPr id="4" name="Subtitle 3">
             <a:extLst>
               <a:ext uri="{FF2B5EF4-FFF2-40B4-BE49-F238E27FC236}">
-                <a16:creationId xmlns:a16="http://schemas.microsoft.com/office/drawing/2014/main" xmlns="" id="{4772945D-CA91-4CFE-8EB7-941C7618C994}"/>
+                <a16:creationId xmlns="" xmlns:a16="http://schemas.microsoft.com/office/drawing/2014/main" id="{4772945D-CA91-4CFE-8EB7-941C7618C994}"/>
               </a:ext>
             </a:extLst>
           </p:cNvPr>
@@ -9728,7 +9735,7 @@
           <p:cNvPr id="10" name="Slide Number Placeholder 5">
             <a:extLst>
               <a:ext uri="{FF2B5EF4-FFF2-40B4-BE49-F238E27FC236}">
-                <a16:creationId xmlns:a16="http://schemas.microsoft.com/office/drawing/2014/main" xmlns="" id="{1C554D9F-1895-486E-BFBA-905BB2D29E08}"/>
+                <a16:creationId xmlns="" xmlns:a16="http://schemas.microsoft.com/office/drawing/2014/main" id="{1C554D9F-1895-486E-BFBA-905BB2D29E08}"/>
               </a:ext>
             </a:extLst>
           </p:cNvPr>
@@ -9882,6 +9889,2614 @@
 </p:sld>
 </file>
 
+<file path=ppt/slides/slide10.xml><?xml version="1.0" encoding="utf-8"?>
+<p:sld xmlns:a="http://schemas.openxmlformats.org/drawingml/2006/main" xmlns:r="http://schemas.openxmlformats.org/officeDocument/2006/relationships" xmlns:p="http://schemas.openxmlformats.org/presentationml/2006/main">
+  <p:cSld>
+    <p:spTree>
+      <p:nvGrpSpPr>
+        <p:cNvPr id="1" name=""/>
+        <p:cNvGrpSpPr/>
+        <p:nvPr/>
+      </p:nvGrpSpPr>
+      <p:grpSpPr>
+        <a:xfrm>
+          <a:off x="0" y="0"/>
+          <a:ext cx="0" cy="0"/>
+          <a:chOff x="0" y="0"/>
+          <a:chExt cx="0" cy="0"/>
+        </a:xfrm>
+      </p:grpSpPr>
+      <p:sp>
+        <p:nvSpPr>
+          <p:cNvPr id="2" name="Title 1">
+            <a:extLst>
+              <a:ext uri="{FF2B5EF4-FFF2-40B4-BE49-F238E27FC236}">
+                <a16:creationId xmlns="" xmlns:a16="http://schemas.microsoft.com/office/drawing/2014/main" id="{19304E83-A4F0-49C5-BB01-F5773509A2B3}"/>
+              </a:ext>
+            </a:extLst>
+          </p:cNvPr>
+          <p:cNvSpPr>
+            <a:spLocks noGrp="1"/>
+          </p:cNvSpPr>
+          <p:nvPr>
+            <p:ph type="title"/>
+          </p:nvPr>
+        </p:nvSpPr>
+        <p:spPr>
+          <a:xfrm>
+            <a:off x="117701" y="260049"/>
+            <a:ext cx="11340000" cy="432000"/>
+          </a:xfrm>
+        </p:spPr>
+        <p:txBody>
+          <a:bodyPr/>
+          <a:lstStyle/>
+          <a:p>
+            <a:r>
+              <a:rPr lang="ko-KR" altLang="en-US" dirty="0" err="1" smtClean="0"/>
+              <a:t>마이페이지</a:t>
+            </a:r>
+            <a:r>
+              <a:rPr lang="en-US" altLang="ko-KR" dirty="0" smtClean="0"/>
+              <a:t>(</a:t>
+            </a:r>
+            <a:r>
+              <a:rPr lang="ko-KR" altLang="en-US" dirty="0" smtClean="0"/>
+              <a:t>세미나 예약리스트</a:t>
+            </a:r>
+            <a:r>
+              <a:rPr lang="en-US" altLang="ko-KR" dirty="0" smtClean="0"/>
+              <a:t>)</a:t>
+            </a:r>
+            <a:endParaRPr lang="en-US" dirty="0"/>
+          </a:p>
+        </p:txBody>
+      </p:sp>
+      <p:sp>
+        <p:nvSpPr>
+          <p:cNvPr id="8" name="Slide Number Placeholder 7">
+            <a:extLst>
+              <a:ext uri="{FF2B5EF4-FFF2-40B4-BE49-F238E27FC236}">
+                <a16:creationId xmlns="" xmlns:a16="http://schemas.microsoft.com/office/drawing/2014/main" id="{E6AC9832-FB01-464A-9824-61887B77997E}"/>
+              </a:ext>
+            </a:extLst>
+          </p:cNvPr>
+          <p:cNvSpPr>
+            <a:spLocks noGrp="1"/>
+          </p:cNvSpPr>
+          <p:nvPr>
+            <p:ph type="sldNum" sz="quarter" idx="33"/>
+          </p:nvPr>
+        </p:nvSpPr>
+        <p:spPr>
+          <a:xfrm>
+            <a:off x="11760000" y="6371351"/>
+            <a:ext cx="432000" cy="432000"/>
+          </a:xfrm>
+          <a:solidFill>
+            <a:schemeClr val="tx1">
+              <a:lumMod val="95000"/>
+              <a:lumOff val="5000"/>
+            </a:schemeClr>
+          </a:solidFill>
+        </p:spPr>
+        <p:txBody>
+          <a:bodyPr/>
+          <a:lstStyle/>
+          <a:p>
+            <a:fld id="{19B51A1E-902D-48AF-9020-955120F399B6}" type="slidenum">
+              <a:rPr lang="en-US" smtClean="0"/>
+              <a:pPr/>
+              <a:t>10</a:t>
+            </a:fld>
+            <a:endParaRPr lang="en-US" dirty="0"/>
+          </a:p>
+        </p:txBody>
+      </p:sp>
+      <p:sp>
+        <p:nvSpPr>
+          <p:cNvPr id="14" name="Rectangle 19">
+            <a:extLst>
+              <a:ext uri="{FF2B5EF4-FFF2-40B4-BE49-F238E27FC236}">
+                <a16:creationId xmlns="" xmlns:a16="http://schemas.microsoft.com/office/drawing/2014/main" id="{EFA08948-2B6F-46B1-9D2D-8D7B2B3FBD56}"/>
+              </a:ext>
+              <a:ext uri="{C183D7F6-B498-43B3-948B-1728B52AA6E4}">
+                <adec:decorative xmlns="" xmlns:adec="http://schemas.microsoft.com/office/drawing/2017/decorative" val="1"/>
+              </a:ext>
+            </a:extLst>
+          </p:cNvPr>
+          <p:cNvSpPr/>
+          <p:nvPr/>
+        </p:nvSpPr>
+        <p:spPr>
+          <a:xfrm>
+            <a:off x="9053" y="0"/>
+            <a:ext cx="1984175" cy="114824"/>
+          </a:xfrm>
+          <a:prstGeom prst="rect">
+            <a:avLst/>
+          </a:prstGeom>
+          <a:solidFill>
+            <a:schemeClr val="accent1"/>
+          </a:solidFill>
+          <a:ln>
+            <a:noFill/>
+          </a:ln>
+        </p:spPr>
+        <p:style>
+          <a:lnRef idx="2">
+            <a:schemeClr val="accent1">
+              <a:shade val="50000"/>
+            </a:schemeClr>
+          </a:lnRef>
+          <a:fillRef idx="1">
+            <a:schemeClr val="accent1"/>
+          </a:fillRef>
+          <a:effectRef idx="0">
+            <a:schemeClr val="accent1"/>
+          </a:effectRef>
+          <a:fontRef idx="minor">
+            <a:schemeClr val="lt1"/>
+          </a:fontRef>
+        </p:style>
+        <p:txBody>
+          <a:bodyPr rtlCol="0" anchor="ctr"/>
+          <a:lstStyle/>
+          <a:p>
+            <a:pPr algn="l"/>
+            <a:endParaRPr lang="en-US" dirty="0"/>
+          </a:p>
+        </p:txBody>
+      </p:sp>
+      <p:sp>
+        <p:nvSpPr>
+          <p:cNvPr id="6" name="Rectangle 12">
+            <a:extLst>
+              <a:ext uri="{FF2B5EF4-FFF2-40B4-BE49-F238E27FC236}">
+                <a16:creationId xmlns="" xmlns:a16="http://schemas.microsoft.com/office/drawing/2014/main" id="{A7CD04AE-9A8B-4DED-855D-F51B510D0B69}"/>
+              </a:ext>
+              <a:ext uri="{C183D7F6-B498-43B3-948B-1728B52AA6E4}">
+                <adec:decorative xmlns="" xmlns:adec="http://schemas.microsoft.com/office/drawing/2017/decorative" val="1"/>
+              </a:ext>
+            </a:extLst>
+          </p:cNvPr>
+          <p:cNvSpPr/>
+          <p:nvPr/>
+        </p:nvSpPr>
+        <p:spPr>
+          <a:xfrm>
+            <a:off x="6928425" y="815767"/>
+            <a:ext cx="1774936" cy="114824"/>
+          </a:xfrm>
+          <a:prstGeom prst="rect">
+            <a:avLst/>
+          </a:prstGeom>
+          <a:solidFill>
+            <a:schemeClr val="accent3"/>
+          </a:solidFill>
+          <a:ln>
+            <a:noFill/>
+          </a:ln>
+        </p:spPr>
+        <p:style>
+          <a:lnRef idx="2">
+            <a:schemeClr val="accent1">
+              <a:shade val="50000"/>
+            </a:schemeClr>
+          </a:lnRef>
+          <a:fillRef idx="1">
+            <a:schemeClr val="accent1"/>
+          </a:fillRef>
+          <a:effectRef idx="0">
+            <a:schemeClr val="accent1"/>
+          </a:effectRef>
+          <a:fontRef idx="minor">
+            <a:schemeClr val="lt1"/>
+          </a:fontRef>
+        </p:style>
+        <p:txBody>
+          <a:bodyPr rtlCol="0" anchor="ctr"/>
+          <a:lstStyle/>
+          <a:p>
+            <a:pPr algn="l"/>
+            <a:endParaRPr lang="en-US" dirty="0"/>
+          </a:p>
+        </p:txBody>
+      </p:sp>
+      <p:sp>
+        <p:nvSpPr>
+          <p:cNvPr id="7" name="Text Placeholder 5">
+            <a:extLst>
+              <a:ext uri="{FF2B5EF4-FFF2-40B4-BE49-F238E27FC236}">
+                <a16:creationId xmlns="" xmlns:a16="http://schemas.microsoft.com/office/drawing/2014/main" id="{B237D1CA-B91A-410E-A968-D017BBE99F99}"/>
+              </a:ext>
+            </a:extLst>
+          </p:cNvPr>
+          <p:cNvSpPr>
+            <a:spLocks noGrp="1"/>
+          </p:cNvSpPr>
+          <p:nvPr>
+            <p:ph type="body" sz="quarter" idx="13"/>
+          </p:nvPr>
+        </p:nvSpPr>
+        <p:spPr>
+          <a:xfrm>
+            <a:off x="6928424" y="1054309"/>
+            <a:ext cx="4894956" cy="358775"/>
+          </a:xfrm>
+        </p:spPr>
+        <p:txBody>
+          <a:bodyPr/>
+          <a:lstStyle/>
+          <a:p>
+            <a:r>
+              <a:rPr lang="ko-KR" altLang="en-US" dirty="0" smtClean="0"/>
+              <a:t>구현 내용</a:t>
+            </a:r>
+            <a:endParaRPr lang="en-US" dirty="0"/>
+          </a:p>
+        </p:txBody>
+      </p:sp>
+      <p:sp>
+        <p:nvSpPr>
+          <p:cNvPr id="9" name="Text Placeholder 6">
+            <a:extLst>
+              <a:ext uri="{FF2B5EF4-FFF2-40B4-BE49-F238E27FC236}">
+                <a16:creationId xmlns="" xmlns:a16="http://schemas.microsoft.com/office/drawing/2014/main" id="{26A87885-D672-4CF9-A78D-CFE98385B03A}"/>
+              </a:ext>
+            </a:extLst>
+          </p:cNvPr>
+          <p:cNvSpPr>
+            <a:spLocks noGrp="1"/>
+          </p:cNvSpPr>
+          <p:nvPr>
+            <p:ph type="body" sz="quarter" idx="12"/>
+          </p:nvPr>
+        </p:nvSpPr>
+        <p:spPr>
+          <a:xfrm>
+            <a:off x="6928311" y="1536802"/>
+            <a:ext cx="4895057" cy="4510913"/>
+          </a:xfrm>
+        </p:spPr>
+        <p:txBody>
+          <a:bodyPr/>
+          <a:lstStyle/>
+          <a:p>
+            <a:r>
+              <a:rPr lang="ko-KR" altLang="en-US" dirty="0" smtClean="0"/>
+              <a:t>페이지 이동 없는 리스트 페이지 구현</a:t>
+            </a:r>
+            <a:endParaRPr lang="en-US" altLang="ko-KR" dirty="0" smtClean="0"/>
+          </a:p>
+          <a:p>
+            <a:pPr lvl="1"/>
+            <a:r>
+              <a:rPr lang="ko-KR" altLang="en-US" dirty="0" smtClean="0"/>
+              <a:t>자바스크립트 내 </a:t>
+            </a:r>
+            <a:r>
+              <a:rPr lang="en-US" altLang="ko-KR" dirty="0" err="1" smtClean="0"/>
+              <a:t>XMLHttpRequest</a:t>
+            </a:r>
+            <a:r>
+              <a:rPr lang="en-US" altLang="ko-KR" dirty="0" smtClean="0"/>
+              <a:t> </a:t>
+            </a:r>
+            <a:r>
+              <a:rPr lang="ko-KR" altLang="en-US" dirty="0" smtClean="0"/>
+              <a:t>객체를 사용하여 </a:t>
+            </a:r>
+            <a:r>
+              <a:rPr lang="ko-KR" altLang="en-US" dirty="0" err="1" smtClean="0"/>
+              <a:t>비동기</a:t>
+            </a:r>
+            <a:r>
+              <a:rPr lang="ko-KR" altLang="en-US" dirty="0" smtClean="0"/>
+              <a:t> 통신으로 </a:t>
+            </a:r>
+            <a:r>
+              <a:rPr lang="en-US" altLang="ko-KR" dirty="0" smtClean="0"/>
+              <a:t>Controller </a:t>
+            </a:r>
+            <a:r>
+              <a:rPr lang="ko-KR" altLang="en-US" dirty="0" smtClean="0"/>
+              <a:t>단에 접근</a:t>
+            </a:r>
+            <a:r>
+              <a:rPr lang="en-US" altLang="ko-KR" dirty="0" smtClean="0"/>
+              <a:t>, </a:t>
+            </a:r>
+            <a:r>
+              <a:rPr lang="ko-KR" altLang="en-US" dirty="0" smtClean="0"/>
+              <a:t>데이터 베이스로 부터 </a:t>
+            </a:r>
+            <a:r>
+              <a:rPr lang="en-US" altLang="ko-KR" dirty="0" smtClean="0"/>
+              <a:t>JSON </a:t>
+            </a:r>
+            <a:r>
+              <a:rPr lang="ko-KR" altLang="en-US" dirty="0" smtClean="0"/>
+              <a:t>정보를 받아온 후</a:t>
+            </a:r>
+            <a:r>
+              <a:rPr lang="en-US" altLang="ko-KR" dirty="0" smtClean="0"/>
+              <a:t>, </a:t>
+            </a:r>
+            <a:r>
+              <a:rPr lang="ko-KR" altLang="en-US" dirty="0" err="1" smtClean="0"/>
+              <a:t>파싱하여</a:t>
+            </a:r>
+            <a:r>
+              <a:rPr lang="ko-KR" altLang="en-US" dirty="0" smtClean="0"/>
+              <a:t> 리스트로 표시</a:t>
+            </a:r>
+            <a:endParaRPr lang="en-US" altLang="ko-KR" dirty="0" smtClean="0"/>
+          </a:p>
+          <a:p>
+            <a:pPr lvl="1"/>
+            <a:r>
+              <a:rPr lang="ko-KR" altLang="en-US" dirty="0" smtClean="0"/>
+              <a:t>동일하게 총 데이터 개수를 받아와서 페이지 </a:t>
+            </a:r>
+            <a:r>
+              <a:rPr lang="ko-KR" altLang="en-US" dirty="0" err="1" smtClean="0"/>
+              <a:t>네이션</a:t>
+            </a:r>
+            <a:r>
+              <a:rPr lang="ko-KR" altLang="en-US" dirty="0" smtClean="0"/>
+              <a:t> 구현</a:t>
+            </a:r>
+            <a:endParaRPr lang="en-US" altLang="ko-KR" dirty="0"/>
+          </a:p>
+          <a:p>
+            <a:pPr lvl="1"/>
+            <a:r>
+              <a:rPr lang="ko-KR" altLang="en-US" dirty="0" smtClean="0"/>
+              <a:t>페이지 버튼 클릭 시</a:t>
+            </a:r>
+            <a:r>
+              <a:rPr lang="en-US" altLang="ko-KR" dirty="0" smtClean="0"/>
+              <a:t>, </a:t>
+            </a:r>
+            <a:r>
+              <a:rPr lang="ko-KR" altLang="en-US" dirty="0" smtClean="0"/>
+              <a:t>새로 페이지를 로딩하지 않고 </a:t>
+            </a:r>
+            <a:r>
+              <a:rPr lang="en-US" altLang="ko-KR" dirty="0" err="1" smtClean="0"/>
+              <a:t>XMLHttpRequest</a:t>
+            </a:r>
+            <a:r>
+              <a:rPr lang="en-US" altLang="ko-KR" dirty="0" smtClean="0"/>
+              <a:t> </a:t>
+            </a:r>
+            <a:r>
+              <a:rPr lang="ko-KR" altLang="en-US" dirty="0" smtClean="0"/>
+              <a:t>객체를 이용하여</a:t>
+            </a:r>
+            <a:r>
+              <a:rPr lang="en-US" altLang="ko-KR" dirty="0" smtClean="0"/>
+              <a:t>, </a:t>
+            </a:r>
+            <a:r>
+              <a:rPr lang="ko-KR" altLang="en-US" dirty="0" smtClean="0"/>
+              <a:t>해당 리스트 변경</a:t>
+            </a:r>
+            <a:endParaRPr lang="en-US" altLang="ko-KR" dirty="0"/>
+          </a:p>
+          <a:p>
+            <a:pPr lvl="1"/>
+            <a:r>
+              <a:rPr lang="ko-KR" altLang="en-US" dirty="0" smtClean="0"/>
+              <a:t>리스트 구현 시 상세정보를 </a:t>
+            </a:r>
+            <a:r>
+              <a:rPr lang="ko-KR" altLang="en-US" dirty="0" err="1" smtClean="0"/>
+              <a:t>클로저</a:t>
+            </a:r>
+            <a:r>
+              <a:rPr lang="ko-KR" altLang="en-US" dirty="0" smtClean="0"/>
+              <a:t> 환경에 저장하여</a:t>
+            </a:r>
+            <a:r>
+              <a:rPr lang="en-US" altLang="ko-KR" dirty="0" smtClean="0"/>
+              <a:t>, </a:t>
+            </a:r>
+            <a:r>
+              <a:rPr lang="ko-KR" altLang="en-US" dirty="0" smtClean="0"/>
+              <a:t>클릭 시 </a:t>
+            </a:r>
+            <a:r>
+              <a:rPr lang="ko-KR" altLang="en-US" dirty="0" err="1" smtClean="0"/>
+              <a:t>모달창을</a:t>
+            </a:r>
+            <a:r>
+              <a:rPr lang="ko-KR" altLang="en-US" dirty="0" smtClean="0"/>
+              <a:t> 통해 상세정보 표시</a:t>
+            </a:r>
+            <a:endParaRPr lang="en-US" altLang="ko-KR" dirty="0" smtClean="0"/>
+          </a:p>
+          <a:p>
+            <a:pPr marL="266700" lvl="1" indent="0">
+              <a:buNone/>
+            </a:pPr>
+            <a:endParaRPr lang="en-US" altLang="ko-KR" dirty="0" smtClean="0"/>
+          </a:p>
+          <a:p>
+            <a:pPr marL="266700" lvl="1" indent="0">
+              <a:buNone/>
+            </a:pPr>
+            <a:endParaRPr lang="en-US" altLang="ko-KR" dirty="0" smtClean="0"/>
+          </a:p>
+          <a:p>
+            <a:pPr marL="266700" lvl="1" indent="0">
+              <a:buNone/>
+            </a:pPr>
+            <a:endParaRPr lang="en-US" altLang="ko-KR" dirty="0"/>
+          </a:p>
+          <a:p>
+            <a:pPr lvl="1"/>
+            <a:endParaRPr lang="en-US" altLang="ko-KR" dirty="0"/>
+          </a:p>
+          <a:p>
+            <a:pPr marL="266700" lvl="1" indent="0">
+              <a:buNone/>
+            </a:pPr>
+            <a:endParaRPr lang="en-US" dirty="0" smtClean="0"/>
+          </a:p>
+        </p:txBody>
+      </p:sp>
+      <p:pic>
+        <p:nvPicPr>
+          <p:cNvPr id="4" name="그림 3"/>
+          <p:cNvPicPr>
+            <a:picLocks noChangeAspect="1"/>
+          </p:cNvPicPr>
+          <p:nvPr/>
+        </p:nvPicPr>
+        <p:blipFill>
+          <a:blip r:embed="rId2">
+            <a:extLst>
+              <a:ext uri="{28A0092B-C50C-407E-A947-70E740481C1C}">
+                <a14:useLocalDpi xmlns:a14="http://schemas.microsoft.com/office/drawing/2010/main" val="0"/>
+              </a:ext>
+            </a:extLst>
+          </a:blip>
+          <a:stretch>
+            <a:fillRect/>
+          </a:stretch>
+        </p:blipFill>
+        <p:spPr>
+          <a:xfrm>
+            <a:off x="117701" y="815767"/>
+            <a:ext cx="6506536" cy="3845069"/>
+          </a:xfrm>
+          <a:prstGeom prst="rect">
+            <a:avLst/>
+          </a:prstGeom>
+          <a:ln>
+            <a:solidFill>
+              <a:schemeClr val="tx1"/>
+            </a:solidFill>
+          </a:ln>
+        </p:spPr>
+      </p:pic>
+    </p:spTree>
+    <p:extLst>
+      <p:ext uri="{BB962C8B-B14F-4D97-AF65-F5344CB8AC3E}">
+        <p14:creationId xmlns:p14="http://schemas.microsoft.com/office/powerpoint/2010/main" val="1673970748"/>
+      </p:ext>
+    </p:extLst>
+  </p:cSld>
+  <p:clrMapOvr>
+    <a:masterClrMapping/>
+  </p:clrMapOvr>
+  <p:timing>
+    <p:tnLst>
+      <p:par>
+        <p:cTn id="1" dur="indefinite" restart="never" nodeType="tmRoot"/>
+      </p:par>
+    </p:tnLst>
+  </p:timing>
+</p:sld>
+</file>
+
+<file path=ppt/slides/slide11.xml><?xml version="1.0" encoding="utf-8"?>
+<p:sld xmlns:a="http://schemas.openxmlformats.org/drawingml/2006/main" xmlns:r="http://schemas.openxmlformats.org/officeDocument/2006/relationships" xmlns:p="http://schemas.openxmlformats.org/presentationml/2006/main">
+  <p:cSld>
+    <p:spTree>
+      <p:nvGrpSpPr>
+        <p:cNvPr id="1" name=""/>
+        <p:cNvGrpSpPr/>
+        <p:nvPr/>
+      </p:nvGrpSpPr>
+      <p:grpSpPr>
+        <a:xfrm>
+          <a:off x="0" y="0"/>
+          <a:ext cx="0" cy="0"/>
+          <a:chOff x="0" y="0"/>
+          <a:chExt cx="0" cy="0"/>
+        </a:xfrm>
+      </p:grpSpPr>
+      <p:sp>
+        <p:nvSpPr>
+          <p:cNvPr id="2" name="Title 1">
+            <a:extLst>
+              <a:ext uri="{FF2B5EF4-FFF2-40B4-BE49-F238E27FC236}">
+                <a16:creationId xmlns="" xmlns:a16="http://schemas.microsoft.com/office/drawing/2014/main" id="{19304E83-A4F0-49C5-BB01-F5773509A2B3}"/>
+              </a:ext>
+            </a:extLst>
+          </p:cNvPr>
+          <p:cNvSpPr>
+            <a:spLocks noGrp="1"/>
+          </p:cNvSpPr>
+          <p:nvPr>
+            <p:ph type="title"/>
+          </p:nvPr>
+        </p:nvSpPr>
+        <p:spPr>
+          <a:xfrm>
+            <a:off x="117701" y="260049"/>
+            <a:ext cx="11340000" cy="432000"/>
+          </a:xfrm>
+        </p:spPr>
+        <p:txBody>
+          <a:bodyPr/>
+          <a:lstStyle/>
+          <a:p>
+            <a:r>
+              <a:rPr lang="ko-KR" altLang="en-US" dirty="0" err="1" smtClean="0"/>
+              <a:t>마이페이지</a:t>
+            </a:r>
+            <a:r>
+              <a:rPr lang="en-US" altLang="ko-KR" dirty="0" smtClean="0"/>
+              <a:t>(</a:t>
+            </a:r>
+            <a:r>
+              <a:rPr lang="ko-KR" altLang="en-US" dirty="0" smtClean="0"/>
+              <a:t>세미나 예약리스트</a:t>
+            </a:r>
+            <a:r>
+              <a:rPr lang="en-US" altLang="ko-KR" dirty="0" smtClean="0"/>
+              <a:t>)</a:t>
+            </a:r>
+            <a:endParaRPr lang="en-US" dirty="0"/>
+          </a:p>
+        </p:txBody>
+      </p:sp>
+      <p:sp>
+        <p:nvSpPr>
+          <p:cNvPr id="8" name="Slide Number Placeholder 7">
+            <a:extLst>
+              <a:ext uri="{FF2B5EF4-FFF2-40B4-BE49-F238E27FC236}">
+                <a16:creationId xmlns="" xmlns:a16="http://schemas.microsoft.com/office/drawing/2014/main" id="{E6AC9832-FB01-464A-9824-61887B77997E}"/>
+              </a:ext>
+            </a:extLst>
+          </p:cNvPr>
+          <p:cNvSpPr>
+            <a:spLocks noGrp="1"/>
+          </p:cNvSpPr>
+          <p:nvPr>
+            <p:ph type="sldNum" sz="quarter" idx="33"/>
+          </p:nvPr>
+        </p:nvSpPr>
+        <p:spPr>
+          <a:xfrm>
+            <a:off x="11760000" y="6371351"/>
+            <a:ext cx="432000" cy="432000"/>
+          </a:xfrm>
+          <a:solidFill>
+            <a:schemeClr val="tx1">
+              <a:lumMod val="95000"/>
+              <a:lumOff val="5000"/>
+            </a:schemeClr>
+          </a:solidFill>
+        </p:spPr>
+        <p:txBody>
+          <a:bodyPr/>
+          <a:lstStyle/>
+          <a:p>
+            <a:fld id="{19B51A1E-902D-48AF-9020-955120F399B6}" type="slidenum">
+              <a:rPr lang="en-US" smtClean="0"/>
+              <a:pPr/>
+              <a:t>11</a:t>
+            </a:fld>
+            <a:endParaRPr lang="en-US" dirty="0"/>
+          </a:p>
+        </p:txBody>
+      </p:sp>
+      <p:sp>
+        <p:nvSpPr>
+          <p:cNvPr id="14" name="Rectangle 19">
+            <a:extLst>
+              <a:ext uri="{FF2B5EF4-FFF2-40B4-BE49-F238E27FC236}">
+                <a16:creationId xmlns="" xmlns:a16="http://schemas.microsoft.com/office/drawing/2014/main" id="{EFA08948-2B6F-46B1-9D2D-8D7B2B3FBD56}"/>
+              </a:ext>
+              <a:ext uri="{C183D7F6-B498-43B3-948B-1728B52AA6E4}">
+                <adec:decorative xmlns="" xmlns:adec="http://schemas.microsoft.com/office/drawing/2017/decorative" val="1"/>
+              </a:ext>
+            </a:extLst>
+          </p:cNvPr>
+          <p:cNvSpPr/>
+          <p:nvPr/>
+        </p:nvSpPr>
+        <p:spPr>
+          <a:xfrm>
+            <a:off x="9053" y="0"/>
+            <a:ext cx="1984175" cy="114824"/>
+          </a:xfrm>
+          <a:prstGeom prst="rect">
+            <a:avLst/>
+          </a:prstGeom>
+          <a:solidFill>
+            <a:schemeClr val="accent1"/>
+          </a:solidFill>
+          <a:ln>
+            <a:noFill/>
+          </a:ln>
+        </p:spPr>
+        <p:style>
+          <a:lnRef idx="2">
+            <a:schemeClr val="accent1">
+              <a:shade val="50000"/>
+            </a:schemeClr>
+          </a:lnRef>
+          <a:fillRef idx="1">
+            <a:schemeClr val="accent1"/>
+          </a:fillRef>
+          <a:effectRef idx="0">
+            <a:schemeClr val="accent1"/>
+          </a:effectRef>
+          <a:fontRef idx="minor">
+            <a:schemeClr val="lt1"/>
+          </a:fontRef>
+        </p:style>
+        <p:txBody>
+          <a:bodyPr rtlCol="0" anchor="ctr"/>
+          <a:lstStyle/>
+          <a:p>
+            <a:pPr algn="l"/>
+            <a:endParaRPr lang="en-US" dirty="0"/>
+          </a:p>
+        </p:txBody>
+      </p:sp>
+      <p:sp>
+        <p:nvSpPr>
+          <p:cNvPr id="6" name="Rectangle 12">
+            <a:extLst>
+              <a:ext uri="{FF2B5EF4-FFF2-40B4-BE49-F238E27FC236}">
+                <a16:creationId xmlns="" xmlns:a16="http://schemas.microsoft.com/office/drawing/2014/main" id="{A7CD04AE-9A8B-4DED-855D-F51B510D0B69}"/>
+              </a:ext>
+              <a:ext uri="{C183D7F6-B498-43B3-948B-1728B52AA6E4}">
+                <adec:decorative xmlns="" xmlns:adec="http://schemas.microsoft.com/office/drawing/2017/decorative" val="1"/>
+              </a:ext>
+            </a:extLst>
+          </p:cNvPr>
+          <p:cNvSpPr/>
+          <p:nvPr/>
+        </p:nvSpPr>
+        <p:spPr>
+          <a:xfrm>
+            <a:off x="6928425" y="815767"/>
+            <a:ext cx="1774936" cy="114824"/>
+          </a:xfrm>
+          <a:prstGeom prst="rect">
+            <a:avLst/>
+          </a:prstGeom>
+          <a:solidFill>
+            <a:schemeClr val="accent3"/>
+          </a:solidFill>
+          <a:ln>
+            <a:noFill/>
+          </a:ln>
+        </p:spPr>
+        <p:style>
+          <a:lnRef idx="2">
+            <a:schemeClr val="accent1">
+              <a:shade val="50000"/>
+            </a:schemeClr>
+          </a:lnRef>
+          <a:fillRef idx="1">
+            <a:schemeClr val="accent1"/>
+          </a:fillRef>
+          <a:effectRef idx="0">
+            <a:schemeClr val="accent1"/>
+          </a:effectRef>
+          <a:fontRef idx="minor">
+            <a:schemeClr val="lt1"/>
+          </a:fontRef>
+        </p:style>
+        <p:txBody>
+          <a:bodyPr rtlCol="0" anchor="ctr"/>
+          <a:lstStyle/>
+          <a:p>
+            <a:pPr algn="l"/>
+            <a:endParaRPr lang="en-US" dirty="0"/>
+          </a:p>
+        </p:txBody>
+      </p:sp>
+      <p:sp>
+        <p:nvSpPr>
+          <p:cNvPr id="7" name="Text Placeholder 5">
+            <a:extLst>
+              <a:ext uri="{FF2B5EF4-FFF2-40B4-BE49-F238E27FC236}">
+                <a16:creationId xmlns="" xmlns:a16="http://schemas.microsoft.com/office/drawing/2014/main" id="{B237D1CA-B91A-410E-A968-D017BBE99F99}"/>
+              </a:ext>
+            </a:extLst>
+          </p:cNvPr>
+          <p:cNvSpPr>
+            <a:spLocks noGrp="1"/>
+          </p:cNvSpPr>
+          <p:nvPr>
+            <p:ph type="body" sz="quarter" idx="13"/>
+          </p:nvPr>
+        </p:nvSpPr>
+        <p:spPr>
+          <a:xfrm>
+            <a:off x="6928424" y="1054309"/>
+            <a:ext cx="4894956" cy="358775"/>
+          </a:xfrm>
+        </p:spPr>
+        <p:txBody>
+          <a:bodyPr/>
+          <a:lstStyle/>
+          <a:p>
+            <a:r>
+              <a:rPr lang="ko-KR" altLang="en-US" dirty="0" smtClean="0"/>
+              <a:t>구현 내용</a:t>
+            </a:r>
+            <a:endParaRPr lang="en-US" dirty="0"/>
+          </a:p>
+        </p:txBody>
+      </p:sp>
+      <p:sp>
+        <p:nvSpPr>
+          <p:cNvPr id="9" name="Text Placeholder 6">
+            <a:extLst>
+              <a:ext uri="{FF2B5EF4-FFF2-40B4-BE49-F238E27FC236}">
+                <a16:creationId xmlns="" xmlns:a16="http://schemas.microsoft.com/office/drawing/2014/main" id="{26A87885-D672-4CF9-A78D-CFE98385B03A}"/>
+              </a:ext>
+            </a:extLst>
+          </p:cNvPr>
+          <p:cNvSpPr>
+            <a:spLocks noGrp="1"/>
+          </p:cNvSpPr>
+          <p:nvPr>
+            <p:ph type="body" sz="quarter" idx="12"/>
+          </p:nvPr>
+        </p:nvSpPr>
+        <p:spPr>
+          <a:xfrm>
+            <a:off x="6928311" y="1536802"/>
+            <a:ext cx="4895057" cy="4510913"/>
+          </a:xfrm>
+        </p:spPr>
+        <p:txBody>
+          <a:bodyPr/>
+          <a:lstStyle/>
+          <a:p>
+            <a:r>
+              <a:rPr lang="ko-KR" altLang="en-US" dirty="0" err="1" smtClean="0"/>
+              <a:t>모달창을</a:t>
+            </a:r>
+            <a:r>
+              <a:rPr lang="ko-KR" altLang="en-US" dirty="0" smtClean="0"/>
+              <a:t> 통한 상세페이지 로드</a:t>
+            </a:r>
+            <a:endParaRPr lang="en-US" altLang="ko-KR" dirty="0" smtClean="0"/>
+          </a:p>
+          <a:p>
+            <a:pPr lvl="1"/>
+            <a:r>
+              <a:rPr lang="ko-KR" altLang="en-US" dirty="0" smtClean="0"/>
+              <a:t>기존에 리스트를 구성하며 </a:t>
+            </a:r>
+            <a:r>
+              <a:rPr lang="ko-KR" altLang="en-US" dirty="0" err="1" smtClean="0"/>
+              <a:t>클로저</a:t>
+            </a:r>
+            <a:r>
+              <a:rPr lang="ko-KR" altLang="en-US" dirty="0" smtClean="0"/>
+              <a:t> 환경에 저장한 상세 데이터를 표시하여 상세페이지 구현</a:t>
+            </a:r>
+            <a:endParaRPr lang="en-US" altLang="ko-KR" dirty="0" smtClean="0"/>
+          </a:p>
+          <a:p>
+            <a:pPr lvl="1"/>
+            <a:r>
+              <a:rPr lang="ko-KR" altLang="en-US" dirty="0" smtClean="0"/>
+              <a:t>수정</a:t>
+            </a:r>
+            <a:r>
+              <a:rPr lang="en-US" altLang="ko-KR" dirty="0" smtClean="0"/>
+              <a:t>, </a:t>
+            </a:r>
+            <a:r>
+              <a:rPr lang="ko-KR" altLang="en-US" dirty="0" smtClean="0"/>
+              <a:t>삭제 버튼을 클릭하여 해당 데이터 삭제 기능 구현</a:t>
+            </a:r>
+            <a:r>
+              <a:rPr lang="en-US" altLang="ko-KR" dirty="0" smtClean="0"/>
+              <a:t>.</a:t>
+            </a:r>
+            <a:endParaRPr lang="en-US" altLang="ko-KR" dirty="0" smtClean="0"/>
+          </a:p>
+          <a:p>
+            <a:pPr marL="266700" lvl="1" indent="0">
+              <a:buNone/>
+            </a:pPr>
+            <a:endParaRPr lang="en-US" altLang="ko-KR" dirty="0"/>
+          </a:p>
+          <a:p>
+            <a:pPr lvl="1"/>
+            <a:endParaRPr lang="en-US" altLang="ko-KR" dirty="0"/>
+          </a:p>
+          <a:p>
+            <a:pPr marL="266700" lvl="1" indent="0">
+              <a:buNone/>
+            </a:pPr>
+            <a:endParaRPr lang="en-US" dirty="0" smtClean="0"/>
+          </a:p>
+        </p:txBody>
+      </p:sp>
+      <p:pic>
+        <p:nvPicPr>
+          <p:cNvPr id="3" name="그림 2"/>
+          <p:cNvPicPr>
+            <a:picLocks noChangeAspect="1"/>
+          </p:cNvPicPr>
+          <p:nvPr/>
+        </p:nvPicPr>
+        <p:blipFill>
+          <a:blip r:embed="rId2">
+            <a:extLst>
+              <a:ext uri="{28A0092B-C50C-407E-A947-70E740481C1C}">
+                <a14:useLocalDpi xmlns:a14="http://schemas.microsoft.com/office/drawing/2010/main" val="0"/>
+              </a:ext>
+            </a:extLst>
+          </a:blip>
+          <a:stretch>
+            <a:fillRect/>
+          </a:stretch>
+        </p:blipFill>
+        <p:spPr>
+          <a:xfrm>
+            <a:off x="117701" y="815767"/>
+            <a:ext cx="6113766" cy="5133837"/>
+          </a:xfrm>
+          <a:prstGeom prst="rect">
+            <a:avLst/>
+          </a:prstGeom>
+          <a:ln>
+            <a:solidFill>
+              <a:schemeClr val="tx1"/>
+            </a:solidFill>
+          </a:ln>
+        </p:spPr>
+      </p:pic>
+    </p:spTree>
+    <p:extLst>
+      <p:ext uri="{BB962C8B-B14F-4D97-AF65-F5344CB8AC3E}">
+        <p14:creationId xmlns:p14="http://schemas.microsoft.com/office/powerpoint/2010/main" val="1606825888"/>
+      </p:ext>
+    </p:extLst>
+  </p:cSld>
+  <p:clrMapOvr>
+    <a:masterClrMapping/>
+  </p:clrMapOvr>
+  <p:timing>
+    <p:tnLst>
+      <p:par>
+        <p:cTn id="1" dur="indefinite" restart="never" nodeType="tmRoot"/>
+      </p:par>
+    </p:tnLst>
+  </p:timing>
+</p:sld>
+</file>
+
+<file path=ppt/slides/slide12.xml><?xml version="1.0" encoding="utf-8"?>
+<p:sld xmlns:a="http://schemas.openxmlformats.org/drawingml/2006/main" xmlns:r="http://schemas.openxmlformats.org/officeDocument/2006/relationships" xmlns:p="http://schemas.openxmlformats.org/presentationml/2006/main">
+  <p:cSld>
+    <p:spTree>
+      <p:nvGrpSpPr>
+        <p:cNvPr id="1" name=""/>
+        <p:cNvGrpSpPr/>
+        <p:nvPr/>
+      </p:nvGrpSpPr>
+      <p:grpSpPr>
+        <a:xfrm>
+          <a:off x="0" y="0"/>
+          <a:ext cx="0" cy="0"/>
+          <a:chOff x="0" y="0"/>
+          <a:chExt cx="0" cy="0"/>
+        </a:xfrm>
+      </p:grpSpPr>
+      <p:sp>
+        <p:nvSpPr>
+          <p:cNvPr id="2" name="Title 1">
+            <a:extLst>
+              <a:ext uri="{FF2B5EF4-FFF2-40B4-BE49-F238E27FC236}">
+                <a16:creationId xmlns="" xmlns:a16="http://schemas.microsoft.com/office/drawing/2014/main" id="{19304E83-A4F0-49C5-BB01-F5773509A2B3}"/>
+              </a:ext>
+            </a:extLst>
+          </p:cNvPr>
+          <p:cNvSpPr>
+            <a:spLocks noGrp="1"/>
+          </p:cNvSpPr>
+          <p:nvPr>
+            <p:ph type="title"/>
+          </p:nvPr>
+        </p:nvSpPr>
+        <p:spPr>
+          <a:xfrm>
+            <a:off x="117701" y="260049"/>
+            <a:ext cx="11340000" cy="432000"/>
+          </a:xfrm>
+        </p:spPr>
+        <p:txBody>
+          <a:bodyPr/>
+          <a:lstStyle/>
+          <a:p>
+            <a:r>
+              <a:rPr lang="ko-KR" altLang="en-US" dirty="0" smtClean="0"/>
+              <a:t>세미나 예약</a:t>
+            </a:r>
+            <a:endParaRPr lang="en-US" dirty="0"/>
+          </a:p>
+        </p:txBody>
+      </p:sp>
+      <p:sp>
+        <p:nvSpPr>
+          <p:cNvPr id="8" name="Slide Number Placeholder 7">
+            <a:extLst>
+              <a:ext uri="{FF2B5EF4-FFF2-40B4-BE49-F238E27FC236}">
+                <a16:creationId xmlns="" xmlns:a16="http://schemas.microsoft.com/office/drawing/2014/main" id="{E6AC9832-FB01-464A-9824-61887B77997E}"/>
+              </a:ext>
+            </a:extLst>
+          </p:cNvPr>
+          <p:cNvSpPr>
+            <a:spLocks noGrp="1"/>
+          </p:cNvSpPr>
+          <p:nvPr>
+            <p:ph type="sldNum" sz="quarter" idx="33"/>
+          </p:nvPr>
+        </p:nvSpPr>
+        <p:spPr>
+          <a:xfrm>
+            <a:off x="11760000" y="6371351"/>
+            <a:ext cx="432000" cy="432000"/>
+          </a:xfrm>
+          <a:solidFill>
+            <a:schemeClr val="tx1">
+              <a:lumMod val="95000"/>
+              <a:lumOff val="5000"/>
+            </a:schemeClr>
+          </a:solidFill>
+        </p:spPr>
+        <p:txBody>
+          <a:bodyPr/>
+          <a:lstStyle/>
+          <a:p>
+            <a:fld id="{19B51A1E-902D-48AF-9020-955120F399B6}" type="slidenum">
+              <a:rPr lang="en-US" smtClean="0"/>
+              <a:pPr/>
+              <a:t>12</a:t>
+            </a:fld>
+            <a:endParaRPr lang="en-US" dirty="0"/>
+          </a:p>
+        </p:txBody>
+      </p:sp>
+      <p:sp>
+        <p:nvSpPr>
+          <p:cNvPr id="14" name="Rectangle 19">
+            <a:extLst>
+              <a:ext uri="{FF2B5EF4-FFF2-40B4-BE49-F238E27FC236}">
+                <a16:creationId xmlns="" xmlns:a16="http://schemas.microsoft.com/office/drawing/2014/main" id="{EFA08948-2B6F-46B1-9D2D-8D7B2B3FBD56}"/>
+              </a:ext>
+              <a:ext uri="{C183D7F6-B498-43B3-948B-1728B52AA6E4}">
+                <adec:decorative xmlns="" xmlns:adec="http://schemas.microsoft.com/office/drawing/2017/decorative" val="1"/>
+              </a:ext>
+            </a:extLst>
+          </p:cNvPr>
+          <p:cNvSpPr/>
+          <p:nvPr/>
+        </p:nvSpPr>
+        <p:spPr>
+          <a:xfrm>
+            <a:off x="9053" y="0"/>
+            <a:ext cx="1984175" cy="114824"/>
+          </a:xfrm>
+          <a:prstGeom prst="rect">
+            <a:avLst/>
+          </a:prstGeom>
+          <a:solidFill>
+            <a:schemeClr val="accent1"/>
+          </a:solidFill>
+          <a:ln>
+            <a:noFill/>
+          </a:ln>
+        </p:spPr>
+        <p:style>
+          <a:lnRef idx="2">
+            <a:schemeClr val="accent1">
+              <a:shade val="50000"/>
+            </a:schemeClr>
+          </a:lnRef>
+          <a:fillRef idx="1">
+            <a:schemeClr val="accent1"/>
+          </a:fillRef>
+          <a:effectRef idx="0">
+            <a:schemeClr val="accent1"/>
+          </a:effectRef>
+          <a:fontRef idx="minor">
+            <a:schemeClr val="lt1"/>
+          </a:fontRef>
+        </p:style>
+        <p:txBody>
+          <a:bodyPr rtlCol="0" anchor="ctr"/>
+          <a:lstStyle/>
+          <a:p>
+            <a:pPr algn="l"/>
+            <a:endParaRPr lang="en-US" dirty="0"/>
+          </a:p>
+        </p:txBody>
+      </p:sp>
+      <p:sp>
+        <p:nvSpPr>
+          <p:cNvPr id="6" name="Rectangle 12">
+            <a:extLst>
+              <a:ext uri="{FF2B5EF4-FFF2-40B4-BE49-F238E27FC236}">
+                <a16:creationId xmlns="" xmlns:a16="http://schemas.microsoft.com/office/drawing/2014/main" id="{A7CD04AE-9A8B-4DED-855D-F51B510D0B69}"/>
+              </a:ext>
+              <a:ext uri="{C183D7F6-B498-43B3-948B-1728B52AA6E4}">
+                <adec:decorative xmlns="" xmlns:adec="http://schemas.microsoft.com/office/drawing/2017/decorative" val="1"/>
+              </a:ext>
+            </a:extLst>
+          </p:cNvPr>
+          <p:cNvSpPr/>
+          <p:nvPr/>
+        </p:nvSpPr>
+        <p:spPr>
+          <a:xfrm>
+            <a:off x="6928425" y="815767"/>
+            <a:ext cx="1774936" cy="114824"/>
+          </a:xfrm>
+          <a:prstGeom prst="rect">
+            <a:avLst/>
+          </a:prstGeom>
+          <a:solidFill>
+            <a:schemeClr val="accent3"/>
+          </a:solidFill>
+          <a:ln>
+            <a:noFill/>
+          </a:ln>
+        </p:spPr>
+        <p:style>
+          <a:lnRef idx="2">
+            <a:schemeClr val="accent1">
+              <a:shade val="50000"/>
+            </a:schemeClr>
+          </a:lnRef>
+          <a:fillRef idx="1">
+            <a:schemeClr val="accent1"/>
+          </a:fillRef>
+          <a:effectRef idx="0">
+            <a:schemeClr val="accent1"/>
+          </a:effectRef>
+          <a:fontRef idx="minor">
+            <a:schemeClr val="lt1"/>
+          </a:fontRef>
+        </p:style>
+        <p:txBody>
+          <a:bodyPr rtlCol="0" anchor="ctr"/>
+          <a:lstStyle/>
+          <a:p>
+            <a:pPr algn="l"/>
+            <a:endParaRPr lang="en-US" dirty="0"/>
+          </a:p>
+        </p:txBody>
+      </p:sp>
+      <p:sp>
+        <p:nvSpPr>
+          <p:cNvPr id="7" name="Text Placeholder 5">
+            <a:extLst>
+              <a:ext uri="{FF2B5EF4-FFF2-40B4-BE49-F238E27FC236}">
+                <a16:creationId xmlns="" xmlns:a16="http://schemas.microsoft.com/office/drawing/2014/main" id="{B237D1CA-B91A-410E-A968-D017BBE99F99}"/>
+              </a:ext>
+            </a:extLst>
+          </p:cNvPr>
+          <p:cNvSpPr>
+            <a:spLocks noGrp="1"/>
+          </p:cNvSpPr>
+          <p:nvPr>
+            <p:ph type="body" sz="quarter" idx="13"/>
+          </p:nvPr>
+        </p:nvSpPr>
+        <p:spPr>
+          <a:xfrm>
+            <a:off x="6928424" y="1054309"/>
+            <a:ext cx="4894956" cy="358775"/>
+          </a:xfrm>
+        </p:spPr>
+        <p:txBody>
+          <a:bodyPr/>
+          <a:lstStyle/>
+          <a:p>
+            <a:r>
+              <a:rPr lang="ko-KR" altLang="en-US" dirty="0" smtClean="0"/>
+              <a:t>구현 내용</a:t>
+            </a:r>
+            <a:endParaRPr lang="en-US" dirty="0"/>
+          </a:p>
+        </p:txBody>
+      </p:sp>
+      <p:sp>
+        <p:nvSpPr>
+          <p:cNvPr id="9" name="Text Placeholder 6">
+            <a:extLst>
+              <a:ext uri="{FF2B5EF4-FFF2-40B4-BE49-F238E27FC236}">
+                <a16:creationId xmlns="" xmlns:a16="http://schemas.microsoft.com/office/drawing/2014/main" id="{26A87885-D672-4CF9-A78D-CFE98385B03A}"/>
+              </a:ext>
+            </a:extLst>
+          </p:cNvPr>
+          <p:cNvSpPr>
+            <a:spLocks noGrp="1"/>
+          </p:cNvSpPr>
+          <p:nvPr>
+            <p:ph type="body" sz="quarter" idx="12"/>
+          </p:nvPr>
+        </p:nvSpPr>
+        <p:spPr>
+          <a:xfrm>
+            <a:off x="6928311" y="1536802"/>
+            <a:ext cx="4895057" cy="4510913"/>
+          </a:xfrm>
+        </p:spPr>
+        <p:txBody>
+          <a:bodyPr/>
+          <a:lstStyle/>
+          <a:p>
+            <a:r>
+              <a:rPr lang="ko-KR" altLang="en-US" dirty="0" smtClean="0"/>
+              <a:t>세미나 예약페이지</a:t>
+            </a:r>
+            <a:endParaRPr lang="en-US" altLang="ko-KR" dirty="0" smtClean="0"/>
+          </a:p>
+          <a:p>
+            <a:pPr lvl="1"/>
+            <a:r>
+              <a:rPr lang="ko-KR" altLang="en-US" dirty="0" smtClean="0"/>
+              <a:t>장소와 날짜를 선택 시 해당 날짜에 예약된 시간을 타임 테이블에 표시</a:t>
+            </a:r>
+            <a:endParaRPr lang="en-US" altLang="ko-KR" dirty="0" smtClean="0"/>
+          </a:p>
+          <a:p>
+            <a:pPr lvl="1"/>
+            <a:r>
+              <a:rPr lang="ko-KR" altLang="en-US" dirty="0"/>
+              <a:t>시간을 클릭하여 예약하고 싶은 시간 </a:t>
+            </a:r>
+            <a:r>
+              <a:rPr lang="ko-KR" altLang="en-US" dirty="0" smtClean="0"/>
+              <a:t>선택</a:t>
+            </a:r>
+            <a:endParaRPr lang="en-US" altLang="ko-KR" dirty="0" smtClean="0"/>
+          </a:p>
+          <a:p>
+            <a:pPr lvl="1"/>
+            <a:r>
+              <a:rPr lang="ko-KR" altLang="en-US" dirty="0" smtClean="0"/>
+              <a:t>이미 예약된 시간을 선택 시</a:t>
+            </a:r>
+            <a:r>
+              <a:rPr lang="en-US" altLang="ko-KR" dirty="0" smtClean="0"/>
+              <a:t>, </a:t>
+            </a:r>
+            <a:r>
+              <a:rPr lang="ko-KR" altLang="en-US" dirty="0" smtClean="0"/>
+              <a:t>겹치는 시간이 존재한다는 </a:t>
+            </a:r>
+            <a:r>
+              <a:rPr lang="ko-KR" altLang="en-US" dirty="0" err="1" smtClean="0"/>
+              <a:t>알림창</a:t>
+            </a:r>
+            <a:r>
+              <a:rPr lang="ko-KR" altLang="en-US" dirty="0" smtClean="0"/>
+              <a:t> 호출</a:t>
+            </a:r>
+            <a:endParaRPr lang="en-US" altLang="ko-KR" dirty="0" smtClean="0"/>
+          </a:p>
+          <a:p>
+            <a:pPr lvl="1"/>
+            <a:r>
+              <a:rPr lang="ko-KR" altLang="en-US" dirty="0" smtClean="0"/>
+              <a:t>세미나를 등록하는 도중에 해당 시간대가 예약되어 중복 예약되어 버리는 경우를 방지하기 위해 등록 바로 직전에 </a:t>
+            </a:r>
+            <a:r>
+              <a:rPr lang="en-US" altLang="ko-KR" dirty="0" smtClean="0"/>
+              <a:t>AJAX</a:t>
+            </a:r>
+            <a:r>
+              <a:rPr lang="ko-KR" altLang="en-US" dirty="0" smtClean="0"/>
+              <a:t>를 통해 시간 정보 비교</a:t>
+            </a:r>
+            <a:endParaRPr lang="en-US" altLang="ko-KR" dirty="0"/>
+          </a:p>
+          <a:p>
+            <a:pPr marL="266700" lvl="1" indent="0">
+              <a:buNone/>
+            </a:pPr>
+            <a:endParaRPr lang="en-US" altLang="ko-KR" dirty="0"/>
+          </a:p>
+          <a:p>
+            <a:pPr lvl="1"/>
+            <a:endParaRPr lang="en-US" altLang="ko-KR" dirty="0"/>
+          </a:p>
+          <a:p>
+            <a:pPr marL="266700" lvl="1" indent="0">
+              <a:buNone/>
+            </a:pPr>
+            <a:endParaRPr lang="en-US" dirty="0" smtClean="0"/>
+          </a:p>
+        </p:txBody>
+      </p:sp>
+      <p:pic>
+        <p:nvPicPr>
+          <p:cNvPr id="4" name="그림 3"/>
+          <p:cNvPicPr>
+            <a:picLocks noChangeAspect="1"/>
+          </p:cNvPicPr>
+          <p:nvPr/>
+        </p:nvPicPr>
+        <p:blipFill>
+          <a:blip r:embed="rId2">
+            <a:extLst>
+              <a:ext uri="{28A0092B-C50C-407E-A947-70E740481C1C}">
+                <a14:useLocalDpi xmlns:a14="http://schemas.microsoft.com/office/drawing/2010/main" val="0"/>
+              </a:ext>
+            </a:extLst>
+          </a:blip>
+          <a:stretch>
+            <a:fillRect/>
+          </a:stretch>
+        </p:blipFill>
+        <p:spPr>
+          <a:xfrm>
+            <a:off x="343479" y="815767"/>
+            <a:ext cx="4996166" cy="5539884"/>
+          </a:xfrm>
+          <a:prstGeom prst="rect">
+            <a:avLst/>
+          </a:prstGeom>
+          <a:ln>
+            <a:solidFill>
+              <a:schemeClr val="tx1"/>
+            </a:solidFill>
+          </a:ln>
+        </p:spPr>
+      </p:pic>
+    </p:spTree>
+    <p:extLst>
+      <p:ext uri="{BB962C8B-B14F-4D97-AF65-F5344CB8AC3E}">
+        <p14:creationId xmlns:p14="http://schemas.microsoft.com/office/powerpoint/2010/main" val="618433011"/>
+      </p:ext>
+    </p:extLst>
+  </p:cSld>
+  <p:clrMapOvr>
+    <a:masterClrMapping/>
+  </p:clrMapOvr>
+  <p:timing>
+    <p:tnLst>
+      <p:par>
+        <p:cTn id="1" dur="indefinite" restart="never" nodeType="tmRoot"/>
+      </p:par>
+    </p:tnLst>
+  </p:timing>
+</p:sld>
+</file>
+
+<file path=ppt/slides/slide13.xml><?xml version="1.0" encoding="utf-8"?>
+<p:sld xmlns:a="http://schemas.openxmlformats.org/drawingml/2006/main" xmlns:r="http://schemas.openxmlformats.org/officeDocument/2006/relationships" xmlns:p="http://schemas.openxmlformats.org/presentationml/2006/main">
+  <p:cSld>
+    <p:spTree>
+      <p:nvGrpSpPr>
+        <p:cNvPr id="1" name=""/>
+        <p:cNvGrpSpPr/>
+        <p:nvPr/>
+      </p:nvGrpSpPr>
+      <p:grpSpPr>
+        <a:xfrm>
+          <a:off x="0" y="0"/>
+          <a:ext cx="0" cy="0"/>
+          <a:chOff x="0" y="0"/>
+          <a:chExt cx="0" cy="0"/>
+        </a:xfrm>
+      </p:grpSpPr>
+      <p:sp>
+        <p:nvSpPr>
+          <p:cNvPr id="2" name="Title 1">
+            <a:extLst>
+              <a:ext uri="{FF2B5EF4-FFF2-40B4-BE49-F238E27FC236}">
+                <a16:creationId xmlns="" xmlns:a16="http://schemas.microsoft.com/office/drawing/2014/main" id="{19304E83-A4F0-49C5-BB01-F5773509A2B3}"/>
+              </a:ext>
+            </a:extLst>
+          </p:cNvPr>
+          <p:cNvSpPr>
+            <a:spLocks noGrp="1"/>
+          </p:cNvSpPr>
+          <p:nvPr>
+            <p:ph type="title"/>
+          </p:nvPr>
+        </p:nvSpPr>
+        <p:spPr>
+          <a:xfrm>
+            <a:off x="117701" y="260049"/>
+            <a:ext cx="11340000" cy="432000"/>
+          </a:xfrm>
+        </p:spPr>
+        <p:txBody>
+          <a:bodyPr/>
+          <a:lstStyle/>
+          <a:p>
+            <a:r>
+              <a:rPr lang="ko-KR" altLang="en-US" dirty="0" smtClean="0"/>
+              <a:t>세미나 예약</a:t>
+            </a:r>
+            <a:endParaRPr lang="en-US" dirty="0"/>
+          </a:p>
+        </p:txBody>
+      </p:sp>
+      <p:sp>
+        <p:nvSpPr>
+          <p:cNvPr id="8" name="Slide Number Placeholder 7">
+            <a:extLst>
+              <a:ext uri="{FF2B5EF4-FFF2-40B4-BE49-F238E27FC236}">
+                <a16:creationId xmlns="" xmlns:a16="http://schemas.microsoft.com/office/drawing/2014/main" id="{E6AC9832-FB01-464A-9824-61887B77997E}"/>
+              </a:ext>
+            </a:extLst>
+          </p:cNvPr>
+          <p:cNvSpPr>
+            <a:spLocks noGrp="1"/>
+          </p:cNvSpPr>
+          <p:nvPr>
+            <p:ph type="sldNum" sz="quarter" idx="33"/>
+          </p:nvPr>
+        </p:nvSpPr>
+        <p:spPr>
+          <a:xfrm>
+            <a:off x="11760000" y="6371351"/>
+            <a:ext cx="432000" cy="432000"/>
+          </a:xfrm>
+          <a:solidFill>
+            <a:schemeClr val="tx1">
+              <a:lumMod val="95000"/>
+              <a:lumOff val="5000"/>
+            </a:schemeClr>
+          </a:solidFill>
+        </p:spPr>
+        <p:txBody>
+          <a:bodyPr/>
+          <a:lstStyle/>
+          <a:p>
+            <a:fld id="{19B51A1E-902D-48AF-9020-955120F399B6}" type="slidenum">
+              <a:rPr lang="en-US" smtClean="0"/>
+              <a:pPr/>
+              <a:t>13</a:t>
+            </a:fld>
+            <a:endParaRPr lang="en-US" dirty="0"/>
+          </a:p>
+        </p:txBody>
+      </p:sp>
+      <p:sp>
+        <p:nvSpPr>
+          <p:cNvPr id="14" name="Rectangle 19">
+            <a:extLst>
+              <a:ext uri="{FF2B5EF4-FFF2-40B4-BE49-F238E27FC236}">
+                <a16:creationId xmlns="" xmlns:a16="http://schemas.microsoft.com/office/drawing/2014/main" id="{EFA08948-2B6F-46B1-9D2D-8D7B2B3FBD56}"/>
+              </a:ext>
+              <a:ext uri="{C183D7F6-B498-43B3-948B-1728B52AA6E4}">
+                <adec:decorative xmlns="" xmlns:adec="http://schemas.microsoft.com/office/drawing/2017/decorative" val="1"/>
+              </a:ext>
+            </a:extLst>
+          </p:cNvPr>
+          <p:cNvSpPr/>
+          <p:nvPr/>
+        </p:nvSpPr>
+        <p:spPr>
+          <a:xfrm>
+            <a:off x="9053" y="0"/>
+            <a:ext cx="1984175" cy="114824"/>
+          </a:xfrm>
+          <a:prstGeom prst="rect">
+            <a:avLst/>
+          </a:prstGeom>
+          <a:solidFill>
+            <a:schemeClr val="accent1"/>
+          </a:solidFill>
+          <a:ln>
+            <a:noFill/>
+          </a:ln>
+        </p:spPr>
+        <p:style>
+          <a:lnRef idx="2">
+            <a:schemeClr val="accent1">
+              <a:shade val="50000"/>
+            </a:schemeClr>
+          </a:lnRef>
+          <a:fillRef idx="1">
+            <a:schemeClr val="accent1"/>
+          </a:fillRef>
+          <a:effectRef idx="0">
+            <a:schemeClr val="accent1"/>
+          </a:effectRef>
+          <a:fontRef idx="minor">
+            <a:schemeClr val="lt1"/>
+          </a:fontRef>
+        </p:style>
+        <p:txBody>
+          <a:bodyPr rtlCol="0" anchor="ctr"/>
+          <a:lstStyle/>
+          <a:p>
+            <a:pPr algn="l"/>
+            <a:endParaRPr lang="en-US" dirty="0"/>
+          </a:p>
+        </p:txBody>
+      </p:sp>
+      <p:sp>
+        <p:nvSpPr>
+          <p:cNvPr id="6" name="Rectangle 12">
+            <a:extLst>
+              <a:ext uri="{FF2B5EF4-FFF2-40B4-BE49-F238E27FC236}">
+                <a16:creationId xmlns="" xmlns:a16="http://schemas.microsoft.com/office/drawing/2014/main" id="{A7CD04AE-9A8B-4DED-855D-F51B510D0B69}"/>
+              </a:ext>
+              <a:ext uri="{C183D7F6-B498-43B3-948B-1728B52AA6E4}">
+                <adec:decorative xmlns="" xmlns:adec="http://schemas.microsoft.com/office/drawing/2017/decorative" val="1"/>
+              </a:ext>
+            </a:extLst>
+          </p:cNvPr>
+          <p:cNvSpPr/>
+          <p:nvPr/>
+        </p:nvSpPr>
+        <p:spPr>
+          <a:xfrm>
+            <a:off x="6928425" y="815767"/>
+            <a:ext cx="1774936" cy="114824"/>
+          </a:xfrm>
+          <a:prstGeom prst="rect">
+            <a:avLst/>
+          </a:prstGeom>
+          <a:solidFill>
+            <a:schemeClr val="accent3"/>
+          </a:solidFill>
+          <a:ln>
+            <a:noFill/>
+          </a:ln>
+        </p:spPr>
+        <p:style>
+          <a:lnRef idx="2">
+            <a:schemeClr val="accent1">
+              <a:shade val="50000"/>
+            </a:schemeClr>
+          </a:lnRef>
+          <a:fillRef idx="1">
+            <a:schemeClr val="accent1"/>
+          </a:fillRef>
+          <a:effectRef idx="0">
+            <a:schemeClr val="accent1"/>
+          </a:effectRef>
+          <a:fontRef idx="minor">
+            <a:schemeClr val="lt1"/>
+          </a:fontRef>
+        </p:style>
+        <p:txBody>
+          <a:bodyPr rtlCol="0" anchor="ctr"/>
+          <a:lstStyle/>
+          <a:p>
+            <a:pPr algn="l"/>
+            <a:endParaRPr lang="en-US" dirty="0"/>
+          </a:p>
+        </p:txBody>
+      </p:sp>
+      <p:sp>
+        <p:nvSpPr>
+          <p:cNvPr id="7" name="Text Placeholder 5">
+            <a:extLst>
+              <a:ext uri="{FF2B5EF4-FFF2-40B4-BE49-F238E27FC236}">
+                <a16:creationId xmlns="" xmlns:a16="http://schemas.microsoft.com/office/drawing/2014/main" id="{B237D1CA-B91A-410E-A968-D017BBE99F99}"/>
+              </a:ext>
+            </a:extLst>
+          </p:cNvPr>
+          <p:cNvSpPr>
+            <a:spLocks noGrp="1"/>
+          </p:cNvSpPr>
+          <p:nvPr>
+            <p:ph type="body" sz="quarter" idx="13"/>
+          </p:nvPr>
+        </p:nvSpPr>
+        <p:spPr>
+          <a:xfrm>
+            <a:off x="6928424" y="1054309"/>
+            <a:ext cx="4894956" cy="358775"/>
+          </a:xfrm>
+        </p:spPr>
+        <p:txBody>
+          <a:bodyPr/>
+          <a:lstStyle/>
+          <a:p>
+            <a:r>
+              <a:rPr lang="ko-KR" altLang="en-US" dirty="0" smtClean="0"/>
+              <a:t>구현 내용</a:t>
+            </a:r>
+            <a:endParaRPr lang="en-US" dirty="0"/>
+          </a:p>
+        </p:txBody>
+      </p:sp>
+      <p:sp>
+        <p:nvSpPr>
+          <p:cNvPr id="9" name="Text Placeholder 6">
+            <a:extLst>
+              <a:ext uri="{FF2B5EF4-FFF2-40B4-BE49-F238E27FC236}">
+                <a16:creationId xmlns="" xmlns:a16="http://schemas.microsoft.com/office/drawing/2014/main" id="{26A87885-D672-4CF9-A78D-CFE98385B03A}"/>
+              </a:ext>
+            </a:extLst>
+          </p:cNvPr>
+          <p:cNvSpPr>
+            <a:spLocks noGrp="1"/>
+          </p:cNvSpPr>
+          <p:nvPr>
+            <p:ph type="body" sz="quarter" idx="12"/>
+          </p:nvPr>
+        </p:nvSpPr>
+        <p:spPr>
+          <a:xfrm>
+            <a:off x="6928311" y="1536802"/>
+            <a:ext cx="4895057" cy="4510913"/>
+          </a:xfrm>
+        </p:spPr>
+        <p:txBody>
+          <a:bodyPr/>
+          <a:lstStyle/>
+          <a:p>
+            <a:r>
+              <a:rPr lang="ko-KR" altLang="en-US" dirty="0" smtClean="0"/>
+              <a:t>장소</a:t>
+            </a:r>
+            <a:r>
+              <a:rPr lang="en-US" altLang="ko-KR" dirty="0" smtClean="0"/>
+              <a:t>, </a:t>
+            </a:r>
+            <a:r>
+              <a:rPr lang="ko-KR" altLang="en-US" dirty="0" smtClean="0"/>
+              <a:t>날짜 선택하여 시간정보 호출</a:t>
+            </a:r>
+            <a:endParaRPr lang="en-US" altLang="ko-KR" dirty="0" smtClean="0"/>
+          </a:p>
+          <a:p>
+            <a:pPr lvl="1"/>
+            <a:r>
+              <a:rPr lang="ko-KR" altLang="en-US" dirty="0" smtClean="0"/>
+              <a:t>장소와 날짜를 선택 시 해당 날짜에 예약된 시간을 타임 테이블에 표시</a:t>
+            </a:r>
+            <a:endParaRPr lang="en-US" altLang="ko-KR" dirty="0"/>
+          </a:p>
+          <a:p>
+            <a:pPr lvl="1"/>
+            <a:r>
+              <a:rPr lang="ko-KR" altLang="en-US" dirty="0" smtClean="0"/>
+              <a:t>페이지 이동 없이 해당 시간정보를 불러와야 하므로 </a:t>
+            </a:r>
+            <a:r>
+              <a:rPr lang="en-US" altLang="ko-KR" dirty="0" smtClean="0"/>
+              <a:t>AJAX</a:t>
+            </a:r>
+            <a:r>
+              <a:rPr lang="ko-KR" altLang="en-US" dirty="0" smtClean="0"/>
+              <a:t>를 통해 시간정보 호출</a:t>
+            </a:r>
+            <a:endParaRPr lang="en-US" altLang="ko-KR" dirty="0" smtClean="0"/>
+          </a:p>
+          <a:p>
+            <a:pPr lvl="1"/>
+            <a:r>
+              <a:rPr lang="ko-KR" altLang="en-US" dirty="0" smtClean="0"/>
+              <a:t>원하는 시간대를 마우스로 클릭하여 시간 선택</a:t>
+            </a:r>
+            <a:r>
+              <a:rPr lang="en-US" altLang="ko-KR" dirty="0" smtClean="0"/>
+              <a:t>,</a:t>
+            </a:r>
+            <a:r>
+              <a:rPr lang="ko-KR" altLang="en-US" dirty="0" smtClean="0"/>
+              <a:t> 자바스크립트를 통해 구현</a:t>
+            </a:r>
+            <a:r>
+              <a:rPr lang="en-US" altLang="ko-KR" dirty="0" smtClean="0"/>
+              <a:t>.</a:t>
+            </a:r>
+            <a:endParaRPr lang="en-US" altLang="ko-KR" dirty="0"/>
+          </a:p>
+          <a:p>
+            <a:pPr lvl="1"/>
+            <a:endParaRPr lang="en-US" altLang="ko-KR" dirty="0"/>
+          </a:p>
+          <a:p>
+            <a:pPr marL="266700" lvl="1" indent="0">
+              <a:buNone/>
+            </a:pPr>
+            <a:endParaRPr lang="en-US" dirty="0" smtClean="0"/>
+          </a:p>
+        </p:txBody>
+      </p:sp>
+      <p:pic>
+        <p:nvPicPr>
+          <p:cNvPr id="3" name="그림 2"/>
+          <p:cNvPicPr>
+            <a:picLocks noChangeAspect="1"/>
+          </p:cNvPicPr>
+          <p:nvPr/>
+        </p:nvPicPr>
+        <p:blipFill>
+          <a:blip r:embed="rId2">
+            <a:extLst>
+              <a:ext uri="{28A0092B-C50C-407E-A947-70E740481C1C}">
+                <a14:useLocalDpi xmlns:a14="http://schemas.microsoft.com/office/drawing/2010/main" val="0"/>
+              </a:ext>
+            </a:extLst>
+          </a:blip>
+          <a:stretch>
+            <a:fillRect/>
+          </a:stretch>
+        </p:blipFill>
+        <p:spPr>
+          <a:xfrm>
+            <a:off x="117701" y="815767"/>
+            <a:ext cx="6113766" cy="2977390"/>
+          </a:xfrm>
+          <a:prstGeom prst="rect">
+            <a:avLst/>
+          </a:prstGeom>
+          <a:ln>
+            <a:solidFill>
+              <a:schemeClr val="tx1"/>
+            </a:solidFill>
+          </a:ln>
+        </p:spPr>
+      </p:pic>
+      <p:pic>
+        <p:nvPicPr>
+          <p:cNvPr id="5" name="그림 4"/>
+          <p:cNvPicPr>
+            <a:picLocks noChangeAspect="1"/>
+          </p:cNvPicPr>
+          <p:nvPr/>
+        </p:nvPicPr>
+        <p:blipFill>
+          <a:blip r:embed="rId3">
+            <a:extLst>
+              <a:ext uri="{28A0092B-C50C-407E-A947-70E740481C1C}">
+                <a14:useLocalDpi xmlns:a14="http://schemas.microsoft.com/office/drawing/2010/main" val="0"/>
+              </a:ext>
+            </a:extLst>
+          </a:blip>
+          <a:stretch>
+            <a:fillRect/>
+          </a:stretch>
+        </p:blipFill>
+        <p:spPr>
+          <a:xfrm>
+            <a:off x="117701" y="3307643"/>
+            <a:ext cx="6230190" cy="3063707"/>
+          </a:xfrm>
+          <a:prstGeom prst="rect">
+            <a:avLst/>
+          </a:prstGeom>
+          <a:ln>
+            <a:solidFill>
+              <a:schemeClr val="tx1"/>
+            </a:solidFill>
+          </a:ln>
+        </p:spPr>
+      </p:pic>
+    </p:spTree>
+    <p:extLst>
+      <p:ext uri="{BB962C8B-B14F-4D97-AF65-F5344CB8AC3E}">
+        <p14:creationId xmlns:p14="http://schemas.microsoft.com/office/powerpoint/2010/main" val="1990587997"/>
+      </p:ext>
+    </p:extLst>
+  </p:cSld>
+  <p:clrMapOvr>
+    <a:masterClrMapping/>
+  </p:clrMapOvr>
+  <p:timing>
+    <p:tnLst>
+      <p:par>
+        <p:cTn id="1" dur="indefinite" restart="never" nodeType="tmRoot"/>
+      </p:par>
+    </p:tnLst>
+  </p:timing>
+</p:sld>
+</file>
+
+<file path=ppt/slides/slide14.xml><?xml version="1.0" encoding="utf-8"?>
+<p:sld xmlns:a="http://schemas.openxmlformats.org/drawingml/2006/main" xmlns:r="http://schemas.openxmlformats.org/officeDocument/2006/relationships" xmlns:p="http://schemas.openxmlformats.org/presentationml/2006/main">
+  <p:cSld>
+    <p:spTree>
+      <p:nvGrpSpPr>
+        <p:cNvPr id="1" name=""/>
+        <p:cNvGrpSpPr/>
+        <p:nvPr/>
+      </p:nvGrpSpPr>
+      <p:grpSpPr>
+        <a:xfrm>
+          <a:off x="0" y="0"/>
+          <a:ext cx="0" cy="0"/>
+          <a:chOff x="0" y="0"/>
+          <a:chExt cx="0" cy="0"/>
+        </a:xfrm>
+      </p:grpSpPr>
+      <p:sp>
+        <p:nvSpPr>
+          <p:cNvPr id="2" name="Title 1">
+            <a:extLst>
+              <a:ext uri="{FF2B5EF4-FFF2-40B4-BE49-F238E27FC236}">
+                <a16:creationId xmlns="" xmlns:a16="http://schemas.microsoft.com/office/drawing/2014/main" id="{19304E83-A4F0-49C5-BB01-F5773509A2B3}"/>
+              </a:ext>
+            </a:extLst>
+          </p:cNvPr>
+          <p:cNvSpPr>
+            <a:spLocks noGrp="1"/>
+          </p:cNvSpPr>
+          <p:nvPr>
+            <p:ph type="title"/>
+          </p:nvPr>
+        </p:nvSpPr>
+        <p:spPr>
+          <a:xfrm>
+            <a:off x="117701" y="260049"/>
+            <a:ext cx="11340000" cy="432000"/>
+          </a:xfrm>
+        </p:spPr>
+        <p:txBody>
+          <a:bodyPr/>
+          <a:lstStyle/>
+          <a:p>
+            <a:r>
+              <a:rPr lang="ko-KR" altLang="en-US" dirty="0" smtClean="0"/>
+              <a:t>세미나 예약</a:t>
+            </a:r>
+            <a:endParaRPr lang="en-US" dirty="0"/>
+          </a:p>
+        </p:txBody>
+      </p:sp>
+      <p:sp>
+        <p:nvSpPr>
+          <p:cNvPr id="8" name="Slide Number Placeholder 7">
+            <a:extLst>
+              <a:ext uri="{FF2B5EF4-FFF2-40B4-BE49-F238E27FC236}">
+                <a16:creationId xmlns="" xmlns:a16="http://schemas.microsoft.com/office/drawing/2014/main" id="{E6AC9832-FB01-464A-9824-61887B77997E}"/>
+              </a:ext>
+            </a:extLst>
+          </p:cNvPr>
+          <p:cNvSpPr>
+            <a:spLocks noGrp="1"/>
+          </p:cNvSpPr>
+          <p:nvPr>
+            <p:ph type="sldNum" sz="quarter" idx="33"/>
+          </p:nvPr>
+        </p:nvSpPr>
+        <p:spPr>
+          <a:xfrm>
+            <a:off x="11760000" y="6371351"/>
+            <a:ext cx="432000" cy="432000"/>
+          </a:xfrm>
+          <a:solidFill>
+            <a:schemeClr val="tx1">
+              <a:lumMod val="95000"/>
+              <a:lumOff val="5000"/>
+            </a:schemeClr>
+          </a:solidFill>
+        </p:spPr>
+        <p:txBody>
+          <a:bodyPr/>
+          <a:lstStyle/>
+          <a:p>
+            <a:fld id="{19B51A1E-902D-48AF-9020-955120F399B6}" type="slidenum">
+              <a:rPr lang="en-US" smtClean="0"/>
+              <a:pPr/>
+              <a:t>14</a:t>
+            </a:fld>
+            <a:endParaRPr lang="en-US" dirty="0"/>
+          </a:p>
+        </p:txBody>
+      </p:sp>
+      <p:sp>
+        <p:nvSpPr>
+          <p:cNvPr id="14" name="Rectangle 19">
+            <a:extLst>
+              <a:ext uri="{FF2B5EF4-FFF2-40B4-BE49-F238E27FC236}">
+                <a16:creationId xmlns="" xmlns:a16="http://schemas.microsoft.com/office/drawing/2014/main" id="{EFA08948-2B6F-46B1-9D2D-8D7B2B3FBD56}"/>
+              </a:ext>
+              <a:ext uri="{C183D7F6-B498-43B3-948B-1728B52AA6E4}">
+                <adec:decorative xmlns="" xmlns:adec="http://schemas.microsoft.com/office/drawing/2017/decorative" val="1"/>
+              </a:ext>
+            </a:extLst>
+          </p:cNvPr>
+          <p:cNvSpPr/>
+          <p:nvPr/>
+        </p:nvSpPr>
+        <p:spPr>
+          <a:xfrm>
+            <a:off x="9053" y="0"/>
+            <a:ext cx="1984175" cy="114824"/>
+          </a:xfrm>
+          <a:prstGeom prst="rect">
+            <a:avLst/>
+          </a:prstGeom>
+          <a:solidFill>
+            <a:schemeClr val="accent1"/>
+          </a:solidFill>
+          <a:ln>
+            <a:noFill/>
+          </a:ln>
+        </p:spPr>
+        <p:style>
+          <a:lnRef idx="2">
+            <a:schemeClr val="accent1">
+              <a:shade val="50000"/>
+            </a:schemeClr>
+          </a:lnRef>
+          <a:fillRef idx="1">
+            <a:schemeClr val="accent1"/>
+          </a:fillRef>
+          <a:effectRef idx="0">
+            <a:schemeClr val="accent1"/>
+          </a:effectRef>
+          <a:fontRef idx="minor">
+            <a:schemeClr val="lt1"/>
+          </a:fontRef>
+        </p:style>
+        <p:txBody>
+          <a:bodyPr rtlCol="0" anchor="ctr"/>
+          <a:lstStyle/>
+          <a:p>
+            <a:pPr algn="l"/>
+            <a:endParaRPr lang="en-US" dirty="0"/>
+          </a:p>
+        </p:txBody>
+      </p:sp>
+      <p:sp>
+        <p:nvSpPr>
+          <p:cNvPr id="6" name="Rectangle 12">
+            <a:extLst>
+              <a:ext uri="{FF2B5EF4-FFF2-40B4-BE49-F238E27FC236}">
+                <a16:creationId xmlns="" xmlns:a16="http://schemas.microsoft.com/office/drawing/2014/main" id="{A7CD04AE-9A8B-4DED-855D-F51B510D0B69}"/>
+              </a:ext>
+              <a:ext uri="{C183D7F6-B498-43B3-948B-1728B52AA6E4}">
+                <adec:decorative xmlns="" xmlns:adec="http://schemas.microsoft.com/office/drawing/2017/decorative" val="1"/>
+              </a:ext>
+            </a:extLst>
+          </p:cNvPr>
+          <p:cNvSpPr/>
+          <p:nvPr/>
+        </p:nvSpPr>
+        <p:spPr>
+          <a:xfrm>
+            <a:off x="6928425" y="815767"/>
+            <a:ext cx="1774936" cy="114824"/>
+          </a:xfrm>
+          <a:prstGeom prst="rect">
+            <a:avLst/>
+          </a:prstGeom>
+          <a:solidFill>
+            <a:schemeClr val="accent3"/>
+          </a:solidFill>
+          <a:ln>
+            <a:noFill/>
+          </a:ln>
+        </p:spPr>
+        <p:style>
+          <a:lnRef idx="2">
+            <a:schemeClr val="accent1">
+              <a:shade val="50000"/>
+            </a:schemeClr>
+          </a:lnRef>
+          <a:fillRef idx="1">
+            <a:schemeClr val="accent1"/>
+          </a:fillRef>
+          <a:effectRef idx="0">
+            <a:schemeClr val="accent1"/>
+          </a:effectRef>
+          <a:fontRef idx="minor">
+            <a:schemeClr val="lt1"/>
+          </a:fontRef>
+        </p:style>
+        <p:txBody>
+          <a:bodyPr rtlCol="0" anchor="ctr"/>
+          <a:lstStyle/>
+          <a:p>
+            <a:pPr algn="l"/>
+            <a:endParaRPr lang="en-US" dirty="0"/>
+          </a:p>
+        </p:txBody>
+      </p:sp>
+      <p:sp>
+        <p:nvSpPr>
+          <p:cNvPr id="7" name="Text Placeholder 5">
+            <a:extLst>
+              <a:ext uri="{FF2B5EF4-FFF2-40B4-BE49-F238E27FC236}">
+                <a16:creationId xmlns="" xmlns:a16="http://schemas.microsoft.com/office/drawing/2014/main" id="{B237D1CA-B91A-410E-A968-D017BBE99F99}"/>
+              </a:ext>
+            </a:extLst>
+          </p:cNvPr>
+          <p:cNvSpPr>
+            <a:spLocks noGrp="1"/>
+          </p:cNvSpPr>
+          <p:nvPr>
+            <p:ph type="body" sz="quarter" idx="13"/>
+          </p:nvPr>
+        </p:nvSpPr>
+        <p:spPr>
+          <a:xfrm>
+            <a:off x="6928424" y="1054309"/>
+            <a:ext cx="4894956" cy="358775"/>
+          </a:xfrm>
+        </p:spPr>
+        <p:txBody>
+          <a:bodyPr/>
+          <a:lstStyle/>
+          <a:p>
+            <a:r>
+              <a:rPr lang="ko-KR" altLang="en-US" dirty="0" smtClean="0"/>
+              <a:t>구현 내용</a:t>
+            </a:r>
+            <a:endParaRPr lang="en-US" dirty="0"/>
+          </a:p>
+        </p:txBody>
+      </p:sp>
+      <p:sp>
+        <p:nvSpPr>
+          <p:cNvPr id="9" name="Text Placeholder 6">
+            <a:extLst>
+              <a:ext uri="{FF2B5EF4-FFF2-40B4-BE49-F238E27FC236}">
+                <a16:creationId xmlns="" xmlns:a16="http://schemas.microsoft.com/office/drawing/2014/main" id="{26A87885-D672-4CF9-A78D-CFE98385B03A}"/>
+              </a:ext>
+            </a:extLst>
+          </p:cNvPr>
+          <p:cNvSpPr>
+            <a:spLocks noGrp="1"/>
+          </p:cNvSpPr>
+          <p:nvPr>
+            <p:ph type="body" sz="quarter" idx="12"/>
+          </p:nvPr>
+        </p:nvSpPr>
+        <p:spPr>
+          <a:xfrm>
+            <a:off x="6928311" y="1536802"/>
+            <a:ext cx="4895057" cy="4510913"/>
+          </a:xfrm>
+        </p:spPr>
+        <p:txBody>
+          <a:bodyPr/>
+          <a:lstStyle/>
+          <a:p>
+            <a:r>
+              <a:rPr lang="ko-KR" altLang="en-US" dirty="0" smtClean="0"/>
+              <a:t>중복된 시간 선택 시</a:t>
+            </a:r>
+            <a:r>
+              <a:rPr lang="en-US" altLang="ko-KR" dirty="0"/>
+              <a:t> </a:t>
+            </a:r>
+            <a:r>
+              <a:rPr lang="ko-KR" altLang="en-US" dirty="0" smtClean="0"/>
+              <a:t>알림</a:t>
+            </a:r>
+            <a:endParaRPr lang="en-US" altLang="ko-KR" dirty="0" smtClean="0"/>
+          </a:p>
+          <a:p>
+            <a:pPr lvl="1"/>
+            <a:r>
+              <a:rPr lang="ko-KR" altLang="en-US" dirty="0" smtClean="0"/>
+              <a:t>이미 등록된 시간을 선택 시</a:t>
+            </a:r>
+            <a:r>
+              <a:rPr lang="en-US" altLang="ko-KR" dirty="0" smtClean="0"/>
+              <a:t>, </a:t>
+            </a:r>
+            <a:r>
+              <a:rPr lang="ko-KR" altLang="en-US" dirty="0" smtClean="0"/>
+              <a:t>겹치는 시간이 존재한다는 </a:t>
+            </a:r>
+            <a:r>
+              <a:rPr lang="ko-KR" altLang="en-US" dirty="0" err="1" smtClean="0"/>
+              <a:t>알림창을</a:t>
+            </a:r>
+            <a:r>
+              <a:rPr lang="ko-KR" altLang="en-US" dirty="0" smtClean="0"/>
+              <a:t> 표시하며</a:t>
+            </a:r>
+            <a:r>
+              <a:rPr lang="en-US" altLang="ko-KR" dirty="0" smtClean="0"/>
+              <a:t>, </a:t>
+            </a:r>
+            <a:r>
+              <a:rPr lang="ko-KR" altLang="en-US" dirty="0" smtClean="0"/>
+              <a:t>선택했던 시간정보를 초기화</a:t>
+            </a:r>
+            <a:r>
+              <a:rPr lang="en-US" altLang="ko-KR" dirty="0" smtClean="0"/>
+              <a:t>, </a:t>
+            </a:r>
+            <a:r>
+              <a:rPr lang="ko-KR" altLang="en-US" dirty="0" smtClean="0"/>
+              <a:t>미리 가져온 시간정보와 선택한 시간정보를 자바스크립트를 통해 비교하여 구현</a:t>
+            </a:r>
+            <a:r>
+              <a:rPr lang="en-US" altLang="ko-KR" dirty="0" smtClean="0"/>
+              <a:t>.</a:t>
+            </a:r>
+          </a:p>
+          <a:p>
+            <a:pPr marL="266700" lvl="1" indent="0">
+              <a:buNone/>
+            </a:pPr>
+            <a:endParaRPr lang="en-US" altLang="ko-KR" dirty="0" smtClean="0"/>
+          </a:p>
+          <a:p>
+            <a:r>
+              <a:rPr lang="ko-KR" altLang="en-US" dirty="0" smtClean="0"/>
+              <a:t>정보를 입력하고 등록하는 도중에 다른 사용자에 의해 해당 시간이 예약된 경우 처리</a:t>
+            </a:r>
+            <a:endParaRPr lang="en-US" altLang="ko-KR" dirty="0" smtClean="0"/>
+          </a:p>
+          <a:p>
+            <a:pPr lvl="1"/>
+            <a:r>
+              <a:rPr lang="ko-KR" altLang="en-US" dirty="0" smtClean="0"/>
+              <a:t>등록버튼 클릭 시 이전에 받아온 시간정보와 새로 받아온 시간 정보를 자바스크립트를 통해 비교하여 시간 정보가 변경되었으면 시간을 재설정해달라는 </a:t>
+            </a:r>
+            <a:r>
+              <a:rPr lang="ko-KR" altLang="en-US" dirty="0" err="1" smtClean="0"/>
+              <a:t>알람</a:t>
+            </a:r>
+            <a:r>
+              <a:rPr lang="ko-KR" altLang="en-US" dirty="0" smtClean="0"/>
+              <a:t> 호출 및 선택한 시간정보 초기화</a:t>
+            </a:r>
+            <a:endParaRPr lang="en-US" altLang="ko-KR" dirty="0"/>
+          </a:p>
+          <a:p>
+            <a:pPr lvl="1"/>
+            <a:endParaRPr lang="en-US" altLang="ko-KR" dirty="0"/>
+          </a:p>
+          <a:p>
+            <a:pPr marL="266700" lvl="1" indent="0">
+              <a:buNone/>
+            </a:pPr>
+            <a:endParaRPr lang="en-US" dirty="0" smtClean="0"/>
+          </a:p>
+        </p:txBody>
+      </p:sp>
+      <p:pic>
+        <p:nvPicPr>
+          <p:cNvPr id="4" name="그림 3"/>
+          <p:cNvPicPr>
+            <a:picLocks noChangeAspect="1"/>
+          </p:cNvPicPr>
+          <p:nvPr/>
+        </p:nvPicPr>
+        <p:blipFill>
+          <a:blip r:embed="rId2">
+            <a:extLst>
+              <a:ext uri="{28A0092B-C50C-407E-A947-70E740481C1C}">
+                <a14:useLocalDpi xmlns:a14="http://schemas.microsoft.com/office/drawing/2010/main" val="0"/>
+              </a:ext>
+            </a:extLst>
+          </a:blip>
+          <a:stretch>
+            <a:fillRect/>
+          </a:stretch>
+        </p:blipFill>
+        <p:spPr>
+          <a:xfrm>
+            <a:off x="117701" y="815766"/>
+            <a:ext cx="6526460" cy="3677211"/>
+          </a:xfrm>
+          <a:prstGeom prst="rect">
+            <a:avLst/>
+          </a:prstGeom>
+          <a:ln>
+            <a:solidFill>
+              <a:schemeClr val="tx1"/>
+            </a:solidFill>
+          </a:ln>
+        </p:spPr>
+      </p:pic>
+      <p:pic>
+        <p:nvPicPr>
+          <p:cNvPr id="10" name="그림 9"/>
+          <p:cNvPicPr>
+            <a:picLocks noChangeAspect="1"/>
+          </p:cNvPicPr>
+          <p:nvPr/>
+        </p:nvPicPr>
+        <p:blipFill>
+          <a:blip r:embed="rId3">
+            <a:extLst>
+              <a:ext uri="{28A0092B-C50C-407E-A947-70E740481C1C}">
+                <a14:useLocalDpi xmlns:a14="http://schemas.microsoft.com/office/drawing/2010/main" val="0"/>
+              </a:ext>
+            </a:extLst>
+          </a:blip>
+          <a:stretch>
+            <a:fillRect/>
+          </a:stretch>
+        </p:blipFill>
+        <p:spPr>
+          <a:xfrm>
+            <a:off x="117701" y="3328084"/>
+            <a:ext cx="6526460" cy="3043267"/>
+          </a:xfrm>
+          <a:prstGeom prst="rect">
+            <a:avLst/>
+          </a:prstGeom>
+          <a:ln>
+            <a:solidFill>
+              <a:schemeClr val="tx1"/>
+            </a:solidFill>
+          </a:ln>
+        </p:spPr>
+      </p:pic>
+    </p:spTree>
+    <p:extLst>
+      <p:ext uri="{BB962C8B-B14F-4D97-AF65-F5344CB8AC3E}">
+        <p14:creationId xmlns:p14="http://schemas.microsoft.com/office/powerpoint/2010/main" val="3604621002"/>
+      </p:ext>
+    </p:extLst>
+  </p:cSld>
+  <p:clrMapOvr>
+    <a:masterClrMapping/>
+  </p:clrMapOvr>
+  <p:timing>
+    <p:tnLst>
+      <p:par>
+        <p:cTn id="1" dur="indefinite" restart="never" nodeType="tmRoot"/>
+      </p:par>
+    </p:tnLst>
+  </p:timing>
+</p:sld>
+</file>
+
+<file path=ppt/slides/slide15.xml><?xml version="1.0" encoding="utf-8"?>
+<p:sld xmlns:a="http://schemas.openxmlformats.org/drawingml/2006/main" xmlns:r="http://schemas.openxmlformats.org/officeDocument/2006/relationships" xmlns:p="http://schemas.openxmlformats.org/presentationml/2006/main">
+  <p:cSld>
+    <p:spTree>
+      <p:nvGrpSpPr>
+        <p:cNvPr id="1" name=""/>
+        <p:cNvGrpSpPr/>
+        <p:nvPr/>
+      </p:nvGrpSpPr>
+      <p:grpSpPr>
+        <a:xfrm>
+          <a:off x="0" y="0"/>
+          <a:ext cx="0" cy="0"/>
+          <a:chOff x="0" y="0"/>
+          <a:chExt cx="0" cy="0"/>
+        </a:xfrm>
+      </p:grpSpPr>
+      <p:pic>
+        <p:nvPicPr>
+          <p:cNvPr id="32" name="Picture Placeholder 31" descr="hand clapping">
+            <a:extLst>
+              <a:ext uri="{FF2B5EF4-FFF2-40B4-BE49-F238E27FC236}">
+                <a16:creationId xmlns="" xmlns:a16="http://schemas.microsoft.com/office/drawing/2014/main" id="{AAB6EE12-FEF8-FB41-A909-0DA61D7725C7}"/>
+              </a:ext>
+            </a:extLst>
+          </p:cNvPr>
+          <p:cNvPicPr>
+            <a:picLocks noGrp="1" noChangeAspect="1"/>
+          </p:cNvPicPr>
+          <p:nvPr>
+            <p:ph type="pic" sz="quarter" idx="10"/>
+          </p:nvPr>
+        </p:nvPicPr>
+        <p:blipFill>
+          <a:blip r:embed="rId2" cstate="screen">
+            <a:extLst>
+              <a:ext uri="{28A0092B-C50C-407E-A947-70E740481C1C}">
+                <a14:useLocalDpi xmlns:a14="http://schemas.microsoft.com/office/drawing/2010/main"/>
+              </a:ext>
+            </a:extLst>
+          </a:blip>
+          <a:srcRect/>
+          <a:stretch>
+            <a:fillRect/>
+          </a:stretch>
+        </p:blipFill>
+        <p:spPr/>
+      </p:pic>
+      <p:sp>
+        <p:nvSpPr>
+          <p:cNvPr id="14" name="Title 13">
+            <a:extLst>
+              <a:ext uri="{FF2B5EF4-FFF2-40B4-BE49-F238E27FC236}">
+                <a16:creationId xmlns="" xmlns:a16="http://schemas.microsoft.com/office/drawing/2014/main" id="{6C38D7A9-9299-4108-BB08-026F4B9CAE7B}"/>
+              </a:ext>
+            </a:extLst>
+          </p:cNvPr>
+          <p:cNvSpPr>
+            <a:spLocks noGrp="1"/>
+          </p:cNvSpPr>
+          <p:nvPr>
+            <p:ph type="ctrTitle"/>
+          </p:nvPr>
+        </p:nvSpPr>
+        <p:spPr/>
+        <p:txBody>
+          <a:bodyPr/>
+          <a:lstStyle/>
+          <a:p>
+            <a:r>
+              <a:rPr lang="en-US" dirty="0"/>
+              <a:t>Thank You</a:t>
+            </a:r>
+          </a:p>
+        </p:txBody>
+      </p:sp>
+      <p:sp>
+        <p:nvSpPr>
+          <p:cNvPr id="4" name="Text Placeholder 3">
+            <a:extLst>
+              <a:ext uri="{FF2B5EF4-FFF2-40B4-BE49-F238E27FC236}">
+                <a16:creationId xmlns="" xmlns:a16="http://schemas.microsoft.com/office/drawing/2014/main" id="{60828E04-9C2A-4859-8050-C2DF67A249CB}"/>
+              </a:ext>
+            </a:extLst>
+          </p:cNvPr>
+          <p:cNvSpPr>
+            <a:spLocks noGrp="1"/>
+          </p:cNvSpPr>
+          <p:nvPr>
+            <p:ph type="body" sz="quarter" idx="15"/>
+          </p:nvPr>
+        </p:nvSpPr>
+        <p:spPr>
+          <a:solidFill>
+            <a:schemeClr val="tx1">
+              <a:lumMod val="75000"/>
+              <a:lumOff val="25000"/>
+            </a:schemeClr>
+          </a:solidFill>
+        </p:spPr>
+        <p:txBody>
+          <a:bodyPr/>
+          <a:lstStyle/>
+          <a:p>
+            <a:r>
+              <a:rPr lang="en-US" dirty="0"/>
+              <a:t>April Hansson</a:t>
+            </a:r>
+          </a:p>
+        </p:txBody>
+      </p:sp>
+      <p:pic>
+        <p:nvPicPr>
+          <p:cNvPr id="8" name="Graphic 7" descr="User" title="Icon - Presenter Name">
+            <a:extLst>
+              <a:ext uri="{FF2B5EF4-FFF2-40B4-BE49-F238E27FC236}">
+                <a16:creationId xmlns="" xmlns:a16="http://schemas.microsoft.com/office/drawing/2014/main" id="{111541C4-DB03-4E53-994D-499C7D73C4DF}"/>
+              </a:ext>
+            </a:extLst>
+          </p:cNvPr>
+          <p:cNvPicPr>
+            <a:picLocks noChangeAspect="1"/>
+          </p:cNvPicPr>
+          <p:nvPr/>
+        </p:nvPicPr>
+        <p:blipFill>
+          <a:blip r:embed="rId3" cstate="screen">
+            <a:extLst>
+              <a:ext uri="{28A0092B-C50C-407E-A947-70E740481C1C}">
+                <a14:useLocalDpi xmlns:a14="http://schemas.microsoft.com/office/drawing/2010/main"/>
+              </a:ext>
+              <a:ext uri="{96DAC541-7B7A-43D3-8B79-37D633B846F1}">
+                <asvg:svgBlip xmlns="" xmlns:asvg="http://schemas.microsoft.com/office/drawing/2016/SVG/main" r:embed="rId4"/>
+              </a:ext>
+            </a:extLst>
+          </a:blip>
+          <a:stretch>
+            <a:fillRect/>
+          </a:stretch>
+        </p:blipFill>
+        <p:spPr>
+          <a:xfrm>
+            <a:off x="11485495" y="4006655"/>
+            <a:ext cx="218900" cy="218900"/>
+          </a:xfrm>
+          <a:prstGeom prst="rect">
+            <a:avLst/>
+          </a:prstGeom>
+        </p:spPr>
+      </p:pic>
+      <p:sp>
+        <p:nvSpPr>
+          <p:cNvPr id="5" name="Text Placeholder 4">
+            <a:extLst>
+              <a:ext uri="{FF2B5EF4-FFF2-40B4-BE49-F238E27FC236}">
+                <a16:creationId xmlns="" xmlns:a16="http://schemas.microsoft.com/office/drawing/2014/main" id="{11265965-2271-4C1C-BD0A-6F85F80FF9A6}"/>
+              </a:ext>
+            </a:extLst>
+          </p:cNvPr>
+          <p:cNvSpPr>
+            <a:spLocks noGrp="1"/>
+          </p:cNvSpPr>
+          <p:nvPr>
+            <p:ph type="body" sz="quarter" idx="16"/>
+          </p:nvPr>
+        </p:nvSpPr>
+        <p:spPr>
+          <a:solidFill>
+            <a:schemeClr val="tx1">
+              <a:lumMod val="75000"/>
+              <a:lumOff val="25000"/>
+            </a:schemeClr>
+          </a:solidFill>
+        </p:spPr>
+        <p:txBody>
+          <a:bodyPr/>
+          <a:lstStyle/>
+          <a:p>
+            <a:r>
+              <a:rPr lang="en-US" dirty="0"/>
+              <a:t>+1 23 987 6554</a:t>
+            </a:r>
+          </a:p>
+        </p:txBody>
+      </p:sp>
+      <p:pic>
+        <p:nvPicPr>
+          <p:cNvPr id="10" name="Graphic 9" descr="Smart Phone" title="Icon - Presenter Phone Number">
+            <a:extLst>
+              <a:ext uri="{FF2B5EF4-FFF2-40B4-BE49-F238E27FC236}">
+                <a16:creationId xmlns="" xmlns:a16="http://schemas.microsoft.com/office/drawing/2014/main" id="{A29DE31C-E099-4579-BB03-675E0A40C5F2}"/>
+              </a:ext>
+            </a:extLst>
+          </p:cNvPr>
+          <p:cNvPicPr>
+            <a:picLocks noChangeAspect="1"/>
+          </p:cNvPicPr>
+          <p:nvPr/>
+        </p:nvPicPr>
+        <p:blipFill>
+          <a:blip r:embed="rId5" cstate="screen">
+            <a:extLst>
+              <a:ext uri="{28A0092B-C50C-407E-A947-70E740481C1C}">
+                <a14:useLocalDpi xmlns:a14="http://schemas.microsoft.com/office/drawing/2010/main"/>
+              </a:ext>
+              <a:ext uri="{96DAC541-7B7A-43D3-8B79-37D633B846F1}">
+                <asvg:svgBlip xmlns="" xmlns:asvg="http://schemas.microsoft.com/office/drawing/2016/SVG/main" r:embed="rId6"/>
+              </a:ext>
+            </a:extLst>
+          </a:blip>
+          <a:stretch>
+            <a:fillRect/>
+          </a:stretch>
+        </p:blipFill>
+        <p:spPr>
+          <a:xfrm>
+            <a:off x="11485495" y="4355103"/>
+            <a:ext cx="218900" cy="218900"/>
+          </a:xfrm>
+          <a:prstGeom prst="rect">
+            <a:avLst/>
+          </a:prstGeom>
+        </p:spPr>
+      </p:pic>
+      <p:sp>
+        <p:nvSpPr>
+          <p:cNvPr id="6" name="Text Placeholder 5">
+            <a:extLst>
+              <a:ext uri="{FF2B5EF4-FFF2-40B4-BE49-F238E27FC236}">
+                <a16:creationId xmlns="" xmlns:a16="http://schemas.microsoft.com/office/drawing/2014/main" id="{50A3BCC3-A277-4C0B-9EBA-EB53990D8EBD}"/>
+              </a:ext>
+            </a:extLst>
+          </p:cNvPr>
+          <p:cNvSpPr>
+            <a:spLocks noGrp="1"/>
+          </p:cNvSpPr>
+          <p:nvPr>
+            <p:ph type="body" sz="quarter" idx="17"/>
+          </p:nvPr>
+        </p:nvSpPr>
+        <p:spPr>
+          <a:solidFill>
+            <a:schemeClr val="tx1">
+              <a:lumMod val="75000"/>
+              <a:lumOff val="25000"/>
+            </a:schemeClr>
+          </a:solidFill>
+        </p:spPr>
+        <p:txBody>
+          <a:bodyPr/>
+          <a:lstStyle/>
+          <a:p>
+            <a:r>
+              <a:rPr lang="en-US" dirty="0"/>
+              <a:t>april@treyresearch.com</a:t>
+            </a:r>
+          </a:p>
+        </p:txBody>
+      </p:sp>
+      <p:pic>
+        <p:nvPicPr>
+          <p:cNvPr id="9" name="Graphic 8" descr="Envelope" title="Icon Presenter Email">
+            <a:extLst>
+              <a:ext uri="{FF2B5EF4-FFF2-40B4-BE49-F238E27FC236}">
+                <a16:creationId xmlns="" xmlns:a16="http://schemas.microsoft.com/office/drawing/2014/main" id="{773C1382-ACE1-460F-A1B6-AB761A7D2E6B}"/>
+              </a:ext>
+            </a:extLst>
+          </p:cNvPr>
+          <p:cNvPicPr>
+            <a:picLocks noChangeAspect="1"/>
+          </p:cNvPicPr>
+          <p:nvPr/>
+        </p:nvPicPr>
+        <p:blipFill>
+          <a:blip r:embed="rId7" cstate="screen">
+            <a:extLst>
+              <a:ext uri="{28A0092B-C50C-407E-A947-70E740481C1C}">
+                <a14:useLocalDpi xmlns:a14="http://schemas.microsoft.com/office/drawing/2010/main"/>
+              </a:ext>
+              <a:ext uri="{96DAC541-7B7A-43D3-8B79-37D633B846F1}">
+                <asvg:svgBlip xmlns="" xmlns:asvg="http://schemas.microsoft.com/office/drawing/2016/SVG/main" r:embed="rId8"/>
+              </a:ext>
+            </a:extLst>
+          </a:blip>
+          <a:stretch>
+            <a:fillRect/>
+          </a:stretch>
+        </p:blipFill>
+        <p:spPr>
+          <a:xfrm>
+            <a:off x="11485495" y="4703551"/>
+            <a:ext cx="218900" cy="218900"/>
+          </a:xfrm>
+          <a:prstGeom prst="rect">
+            <a:avLst/>
+          </a:prstGeom>
+        </p:spPr>
+      </p:pic>
+      <p:sp>
+        <p:nvSpPr>
+          <p:cNvPr id="16" name="Text Placeholder 15">
+            <a:extLst>
+              <a:ext uri="{FF2B5EF4-FFF2-40B4-BE49-F238E27FC236}">
+                <a16:creationId xmlns="" xmlns:a16="http://schemas.microsoft.com/office/drawing/2014/main" id="{FD8A1232-50A8-4535-AAF9-7F4180EAA0DD}"/>
+              </a:ext>
+            </a:extLst>
+          </p:cNvPr>
+          <p:cNvSpPr>
+            <a:spLocks noGrp="1"/>
+          </p:cNvSpPr>
+          <p:nvPr>
+            <p:ph type="body" sz="quarter" idx="18"/>
+          </p:nvPr>
+        </p:nvSpPr>
+        <p:spPr>
+          <a:solidFill>
+            <a:schemeClr val="tx1">
+              <a:lumMod val="75000"/>
+              <a:lumOff val="25000"/>
+            </a:schemeClr>
+          </a:solidFill>
+        </p:spPr>
+        <p:txBody>
+          <a:bodyPr/>
+          <a:lstStyle/>
+          <a:p>
+            <a:r>
+              <a:rPr lang="en-US" dirty="0"/>
+              <a:t>Trey Research</a:t>
+            </a:r>
+          </a:p>
+        </p:txBody>
+      </p:sp>
+      <p:pic>
+        <p:nvPicPr>
+          <p:cNvPr id="11" name="Graphic 10" descr="Link">
+            <a:extLst>
+              <a:ext uri="{FF2B5EF4-FFF2-40B4-BE49-F238E27FC236}">
+                <a16:creationId xmlns="" xmlns:a16="http://schemas.microsoft.com/office/drawing/2014/main" id="{0718E6E0-05A2-479C-AEA8-1A385EB73474}"/>
+              </a:ext>
+            </a:extLst>
+          </p:cNvPr>
+          <p:cNvPicPr>
+            <a:picLocks noChangeAspect="1"/>
+          </p:cNvPicPr>
+          <p:nvPr/>
+        </p:nvPicPr>
+        <p:blipFill>
+          <a:blip r:embed="rId9" cstate="screen">
+            <a:extLst>
+              <a:ext uri="{28A0092B-C50C-407E-A947-70E740481C1C}">
+                <a14:useLocalDpi xmlns:a14="http://schemas.microsoft.com/office/drawing/2010/main"/>
+              </a:ext>
+              <a:ext uri="{96DAC541-7B7A-43D3-8B79-37D633B846F1}">
+                <asvg:svgBlip xmlns="" xmlns:asvg="http://schemas.microsoft.com/office/drawing/2016/SVG/main" r:embed="rId10"/>
+              </a:ext>
+            </a:extLst>
+          </a:blip>
+          <a:stretch>
+            <a:fillRect/>
+          </a:stretch>
+        </p:blipFill>
+        <p:spPr>
+          <a:xfrm>
+            <a:off x="11472552" y="5040763"/>
+            <a:ext cx="244786" cy="244786"/>
+          </a:xfrm>
+          <a:prstGeom prst="rect">
+            <a:avLst/>
+          </a:prstGeom>
+        </p:spPr>
+      </p:pic>
+      <p:sp>
+        <p:nvSpPr>
+          <p:cNvPr id="12" name="Slide Number Placeholder 11">
+            <a:extLst>
+              <a:ext uri="{FF2B5EF4-FFF2-40B4-BE49-F238E27FC236}">
+                <a16:creationId xmlns="" xmlns:a16="http://schemas.microsoft.com/office/drawing/2014/main" id="{91814EC9-246A-4C6E-941E-5774FE72F08E}"/>
+              </a:ext>
+            </a:extLst>
+          </p:cNvPr>
+          <p:cNvSpPr>
+            <a:spLocks noGrp="1"/>
+          </p:cNvSpPr>
+          <p:nvPr>
+            <p:ph type="sldNum" sz="quarter" idx="20"/>
+          </p:nvPr>
+        </p:nvSpPr>
+        <p:spPr>
+          <a:solidFill>
+            <a:schemeClr val="tx1">
+              <a:lumMod val="95000"/>
+              <a:lumOff val="5000"/>
+            </a:schemeClr>
+          </a:solidFill>
+        </p:spPr>
+        <p:txBody>
+          <a:bodyPr/>
+          <a:lstStyle/>
+          <a:p>
+            <a:fld id="{19B51A1E-902D-48AF-9020-955120F399B6}" type="slidenum">
+              <a:rPr lang="en-US" smtClean="0"/>
+              <a:pPr/>
+              <a:t>15</a:t>
+            </a:fld>
+            <a:endParaRPr lang="en-US" dirty="0"/>
+          </a:p>
+        </p:txBody>
+      </p:sp>
+    </p:spTree>
+    <p:extLst>
+      <p:ext uri="{BB962C8B-B14F-4D97-AF65-F5344CB8AC3E}">
+        <p14:creationId xmlns:p14="http://schemas.microsoft.com/office/powerpoint/2010/main" val="4153678306"/>
+      </p:ext>
+    </p:extLst>
+  </p:cSld>
+  <p:clrMapOvr>
+    <a:masterClrMapping/>
+  </p:clrMapOvr>
+  <p:timing>
+    <p:tnLst>
+      <p:par>
+        <p:cTn id="1" dur="indefinite" restart="never" nodeType="tmRoot"/>
+      </p:par>
+    </p:tnLst>
+  </p:timing>
+</p:sld>
+</file>
+
 <file path=ppt/slides/slide2.xml><?xml version="1.0" encoding="utf-8"?>
 <p:sld xmlns:a="http://schemas.openxmlformats.org/drawingml/2006/main" xmlns:r="http://schemas.openxmlformats.org/officeDocument/2006/relationships" xmlns:p="http://schemas.openxmlformats.org/presentationml/2006/main">
   <p:cSld>
@@ -9904,7 +12519,7 @@
           <p:cNvPr id="4" name="Content Placeholder 3">
             <a:extLst>
               <a:ext uri="{FF2B5EF4-FFF2-40B4-BE49-F238E27FC236}">
-                <a16:creationId xmlns:a16="http://schemas.microsoft.com/office/drawing/2014/main" xmlns="" id="{D355C61F-C8F1-4977-8E1F-F16C0D9EA88C}"/>
+                <a16:creationId xmlns="" xmlns:a16="http://schemas.microsoft.com/office/drawing/2014/main" id="{D355C61F-C8F1-4977-8E1F-F16C0D9EA88C}"/>
               </a:ext>
             </a:extLst>
           </p:cNvPr>
@@ -9969,7 +12584,7 @@
           <p:cNvPr id="9" name="Picture Placeholder 8" descr="Handing touching mobile phone">
             <a:extLst>
               <a:ext uri="{FF2B5EF4-FFF2-40B4-BE49-F238E27FC236}">
-                <a16:creationId xmlns:a16="http://schemas.microsoft.com/office/drawing/2014/main" xmlns="" id="{A9A75888-22E3-1D43-9112-DA02186070B5}"/>
+                <a16:creationId xmlns="" xmlns:a16="http://schemas.microsoft.com/office/drawing/2014/main" id="{A9A75888-22E3-1D43-9112-DA02186070B5}"/>
               </a:ext>
             </a:extLst>
           </p:cNvPr>
@@ -10000,10 +12615,10 @@
           <p:cNvPr id="20" name="Rectangle 19">
             <a:extLst>
               <a:ext uri="{FF2B5EF4-FFF2-40B4-BE49-F238E27FC236}">
-                <a16:creationId xmlns:a16="http://schemas.microsoft.com/office/drawing/2014/main" xmlns="" id="{EFA08948-2B6F-46B1-9D2D-8D7B2B3FBD56}"/>
+                <a16:creationId xmlns="" xmlns:a16="http://schemas.microsoft.com/office/drawing/2014/main" id="{EFA08948-2B6F-46B1-9D2D-8D7B2B3FBD56}"/>
               </a:ext>
               <a:ext uri="{C183D7F6-B498-43B3-948B-1728B52AA6E4}">
-                <adec:decorative xmlns:adec="http://schemas.microsoft.com/office/drawing/2017/decorative" xmlns="" val="1"/>
+                <adec:decorative xmlns="" xmlns:adec="http://schemas.microsoft.com/office/drawing/2017/decorative" val="1"/>
               </a:ext>
             </a:extLst>
           </p:cNvPr>
@@ -10055,7 +12670,7 @@
           <p:cNvPr id="2" name="Title 1">
             <a:extLst>
               <a:ext uri="{FF2B5EF4-FFF2-40B4-BE49-F238E27FC236}">
-                <a16:creationId xmlns:a16="http://schemas.microsoft.com/office/drawing/2014/main" xmlns="" id="{3560F281-4FF6-4617-A809-AC9C15ECF18A}"/>
+                <a16:creationId xmlns="" xmlns:a16="http://schemas.microsoft.com/office/drawing/2014/main" id="{3560F281-4FF6-4617-A809-AC9C15ECF18A}"/>
               </a:ext>
             </a:extLst>
           </p:cNvPr>
@@ -10084,7 +12699,7 @@
           <p:cNvPr id="3" name="Text Placeholder 2">
             <a:extLst>
               <a:ext uri="{FF2B5EF4-FFF2-40B4-BE49-F238E27FC236}">
-                <a16:creationId xmlns:a16="http://schemas.microsoft.com/office/drawing/2014/main" xmlns="" id="{611DC577-0A95-47D0-95D9-5F8DA763D46B}"/>
+                <a16:creationId xmlns="" xmlns:a16="http://schemas.microsoft.com/office/drawing/2014/main" id="{611DC577-0A95-47D0-95D9-5F8DA763D46B}"/>
               </a:ext>
             </a:extLst>
           </p:cNvPr>
@@ -10132,7 +12747,7 @@
           <p:cNvPr id="6" name="Slide Number Placeholder 5">
             <a:extLst>
               <a:ext uri="{FF2B5EF4-FFF2-40B4-BE49-F238E27FC236}">
-                <a16:creationId xmlns:a16="http://schemas.microsoft.com/office/drawing/2014/main" xmlns="" id="{1C554D9F-1895-486E-BFBA-905BB2D29E08}"/>
+                <a16:creationId xmlns="" xmlns:a16="http://schemas.microsoft.com/office/drawing/2014/main" id="{1C554D9F-1895-486E-BFBA-905BB2D29E08}"/>
               </a:ext>
             </a:extLst>
           </p:cNvPr>
@@ -10205,10 +12820,10 @@
           <p:cNvPr id="15" name="Rectangle 19">
             <a:extLst>
               <a:ext uri="{FF2B5EF4-FFF2-40B4-BE49-F238E27FC236}">
-                <a16:creationId xmlns:a16="http://schemas.microsoft.com/office/drawing/2014/main" xmlns="" id="{EFA08948-2B6F-46B1-9D2D-8D7B2B3FBD56}"/>
+                <a16:creationId xmlns="" xmlns:a16="http://schemas.microsoft.com/office/drawing/2014/main" id="{EFA08948-2B6F-46B1-9D2D-8D7B2B3FBD56}"/>
               </a:ext>
               <a:ext uri="{C183D7F6-B498-43B3-948B-1728B52AA6E4}">
-                <adec:decorative xmlns:adec="http://schemas.microsoft.com/office/drawing/2017/decorative" xmlns="" val="1"/>
+                <adec:decorative xmlns="" xmlns:adec="http://schemas.microsoft.com/office/drawing/2017/decorative" val="1"/>
               </a:ext>
             </a:extLst>
           </p:cNvPr>
@@ -10260,7 +12875,7 @@
           <p:cNvPr id="16" name="Title 1">
             <a:extLst>
               <a:ext uri="{FF2B5EF4-FFF2-40B4-BE49-F238E27FC236}">
-                <a16:creationId xmlns:a16="http://schemas.microsoft.com/office/drawing/2014/main" xmlns="" id="{3560F281-4FF6-4617-A809-AC9C15ECF18A}"/>
+                <a16:creationId xmlns="" xmlns:a16="http://schemas.microsoft.com/office/drawing/2014/main" id="{3560F281-4FF6-4617-A809-AC9C15ECF18A}"/>
               </a:ext>
             </a:extLst>
           </p:cNvPr>
@@ -10316,7 +12931,7 @@
           <p:cNvPr id="18" name="Slide Number Placeholder 5">
             <a:extLst>
               <a:ext uri="{FF2B5EF4-FFF2-40B4-BE49-F238E27FC236}">
-                <a16:creationId xmlns:a16="http://schemas.microsoft.com/office/drawing/2014/main" xmlns="" id="{1C554D9F-1895-486E-BFBA-905BB2D29E08}"/>
+                <a16:creationId xmlns="" xmlns:a16="http://schemas.microsoft.com/office/drawing/2014/main" id="{1C554D9F-1895-486E-BFBA-905BB2D29E08}"/>
               </a:ext>
             </a:extLst>
           </p:cNvPr>
@@ -10880,10 +13495,10 @@
           <p:cNvPr id="15" name="Rectangle 19">
             <a:extLst>
               <a:ext uri="{FF2B5EF4-FFF2-40B4-BE49-F238E27FC236}">
-                <a16:creationId xmlns:a16="http://schemas.microsoft.com/office/drawing/2014/main" xmlns="" id="{EFA08948-2B6F-46B1-9D2D-8D7B2B3FBD56}"/>
+                <a16:creationId xmlns="" xmlns:a16="http://schemas.microsoft.com/office/drawing/2014/main" id="{EFA08948-2B6F-46B1-9D2D-8D7B2B3FBD56}"/>
               </a:ext>
               <a:ext uri="{C183D7F6-B498-43B3-948B-1728B52AA6E4}">
-                <adec:decorative xmlns:adec="http://schemas.microsoft.com/office/drawing/2017/decorative" xmlns="" val="1"/>
+                <adec:decorative xmlns="" xmlns:adec="http://schemas.microsoft.com/office/drawing/2017/decorative" val="1"/>
               </a:ext>
             </a:extLst>
           </p:cNvPr>
@@ -10935,7 +13550,7 @@
           <p:cNvPr id="16" name="Title 1">
             <a:extLst>
               <a:ext uri="{FF2B5EF4-FFF2-40B4-BE49-F238E27FC236}">
-                <a16:creationId xmlns:a16="http://schemas.microsoft.com/office/drawing/2014/main" xmlns="" id="{3560F281-4FF6-4617-A809-AC9C15ECF18A}"/>
+                <a16:creationId xmlns="" xmlns:a16="http://schemas.microsoft.com/office/drawing/2014/main" id="{3560F281-4FF6-4617-A809-AC9C15ECF18A}"/>
               </a:ext>
             </a:extLst>
           </p:cNvPr>
@@ -10991,7 +13606,7 @@
           <p:cNvPr id="18" name="Slide Number Placeholder 5">
             <a:extLst>
               <a:ext uri="{FF2B5EF4-FFF2-40B4-BE49-F238E27FC236}">
-                <a16:creationId xmlns:a16="http://schemas.microsoft.com/office/drawing/2014/main" xmlns="" id="{1C554D9F-1895-486E-BFBA-905BB2D29E08}"/>
+                <a16:creationId xmlns="" xmlns:a16="http://schemas.microsoft.com/office/drawing/2014/main" id="{1C554D9F-1895-486E-BFBA-905BB2D29E08}"/>
               </a:ext>
             </a:extLst>
           </p:cNvPr>
@@ -11092,7 +13707,7 @@
           <p:cNvPr id="11" name="Picture Placeholder 10" descr="Desk with computer, phone, books, etc.">
             <a:extLst>
               <a:ext uri="{FF2B5EF4-FFF2-40B4-BE49-F238E27FC236}">
-                <a16:creationId xmlns:a16="http://schemas.microsoft.com/office/drawing/2014/main" xmlns="" id="{2E7ADBC3-DECA-9F4C-9289-9E43C727592F}"/>
+                <a16:creationId xmlns="" xmlns:a16="http://schemas.microsoft.com/office/drawing/2014/main" id="{2E7ADBC3-DECA-9F4C-9289-9E43C727592F}"/>
               </a:ext>
             </a:extLst>
           </p:cNvPr>
@@ -11123,7 +13738,7 @@
           <p:cNvPr id="3" name="Title 2">
             <a:extLst>
               <a:ext uri="{FF2B5EF4-FFF2-40B4-BE49-F238E27FC236}">
-                <a16:creationId xmlns:a16="http://schemas.microsoft.com/office/drawing/2014/main" xmlns="" id="{200B3D2B-613A-41BE-987D-E6A1324B456D}"/>
+                <a16:creationId xmlns="" xmlns:a16="http://schemas.microsoft.com/office/drawing/2014/main" id="{200B3D2B-613A-41BE-987D-E6A1324B456D}"/>
               </a:ext>
             </a:extLst>
           </p:cNvPr>
@@ -11159,7 +13774,7 @@
           <p:cNvPr id="14" name="Text Placeholder 13">
             <a:extLst>
               <a:ext uri="{FF2B5EF4-FFF2-40B4-BE49-F238E27FC236}">
-                <a16:creationId xmlns:a16="http://schemas.microsoft.com/office/drawing/2014/main" xmlns="" id="{F278402B-CA7D-4F5B-B3FA-ED74AB3CFB6C}"/>
+                <a16:creationId xmlns="" xmlns:a16="http://schemas.microsoft.com/office/drawing/2014/main" id="{F278402B-CA7D-4F5B-B3FA-ED74AB3CFB6C}"/>
               </a:ext>
             </a:extLst>
           </p:cNvPr>
@@ -11188,7 +13803,7 @@
           <p:cNvPr id="5" name="Slide Number Placeholder 4">
             <a:extLst>
               <a:ext uri="{FF2B5EF4-FFF2-40B4-BE49-F238E27FC236}">
-                <a16:creationId xmlns:a16="http://schemas.microsoft.com/office/drawing/2014/main" xmlns="" id="{BDD5A594-D852-43BB-B591-E9D9027253BD}"/>
+                <a16:creationId xmlns="" xmlns:a16="http://schemas.microsoft.com/office/drawing/2014/main" id="{BDD5A594-D852-43BB-B591-E9D9027253BD}"/>
               </a:ext>
             </a:extLst>
           </p:cNvPr>
@@ -11262,7 +13877,7 @@
           <p:cNvPr id="2" name="Title 1">
             <a:extLst>
               <a:ext uri="{FF2B5EF4-FFF2-40B4-BE49-F238E27FC236}">
-                <a16:creationId xmlns:a16="http://schemas.microsoft.com/office/drawing/2014/main" xmlns="" id="{19304E83-A4F0-49C5-BB01-F5773509A2B3}"/>
+                <a16:creationId xmlns="" xmlns:a16="http://schemas.microsoft.com/office/drawing/2014/main" id="{19304E83-A4F0-49C5-BB01-F5773509A2B3}"/>
               </a:ext>
             </a:extLst>
           </p:cNvPr>
@@ -11275,7 +13890,7 @@
         </p:nvSpPr>
         <p:spPr>
           <a:xfrm>
-            <a:off x="0" y="260049"/>
+            <a:off x="90532" y="260049"/>
             <a:ext cx="11340000" cy="432000"/>
           </a:xfrm>
         </p:spPr>
@@ -11296,10 +13911,10 @@
           <p:cNvPr id="12" name="Rectangle 11">
             <a:extLst>
               <a:ext uri="{FF2B5EF4-FFF2-40B4-BE49-F238E27FC236}">
-                <a16:creationId xmlns:a16="http://schemas.microsoft.com/office/drawing/2014/main" xmlns="" id="{7F65E93D-09FF-42EE-B9DD-750638966686}"/>
+                <a16:creationId xmlns="" xmlns:a16="http://schemas.microsoft.com/office/drawing/2014/main" id="{7F65E93D-09FF-42EE-B9DD-750638966686}"/>
               </a:ext>
               <a:ext uri="{C183D7F6-B498-43B3-948B-1728B52AA6E4}">
-                <adec:decorative xmlns:adec="http://schemas.microsoft.com/office/drawing/2017/decorative" xmlns="" val="1"/>
+                <adec:decorative xmlns="" xmlns:adec="http://schemas.microsoft.com/office/drawing/2017/decorative" val="1"/>
               </a:ext>
             </a:extLst>
           </p:cNvPr>
@@ -11351,7 +13966,7 @@
           <p:cNvPr id="4" name="Text Placeholder 3">
             <a:extLst>
               <a:ext uri="{FF2B5EF4-FFF2-40B4-BE49-F238E27FC236}">
-                <a16:creationId xmlns:a16="http://schemas.microsoft.com/office/drawing/2014/main" xmlns="" id="{6AB259A0-0017-492F-A0DC-4B70C7052AE0}"/>
+                <a16:creationId xmlns="" xmlns:a16="http://schemas.microsoft.com/office/drawing/2014/main" id="{6AB259A0-0017-492F-A0DC-4B70C7052AE0}"/>
               </a:ext>
             </a:extLst>
           </p:cNvPr>
@@ -11385,7 +14000,7 @@
           <p:cNvPr id="5" name="Content Placeholder 4">
             <a:extLst>
               <a:ext uri="{FF2B5EF4-FFF2-40B4-BE49-F238E27FC236}">
-                <a16:creationId xmlns:a16="http://schemas.microsoft.com/office/drawing/2014/main" xmlns="" id="{CEEB3BAE-C0B2-447C-B8BE-96C6BD84D658}"/>
+                <a16:creationId xmlns="" xmlns:a16="http://schemas.microsoft.com/office/drawing/2014/main" id="{CEEB3BAE-C0B2-447C-B8BE-96C6BD84D658}"/>
               </a:ext>
             </a:extLst>
           </p:cNvPr>
@@ -11473,10 +14088,10 @@
           <p:cNvPr id="11" name="Straight Connector 10">
             <a:extLst>
               <a:ext uri="{FF2B5EF4-FFF2-40B4-BE49-F238E27FC236}">
-                <a16:creationId xmlns:a16="http://schemas.microsoft.com/office/drawing/2014/main" xmlns="" id="{5A563457-1EC8-4978-BCCB-AFD88C9ED04C}"/>
+                <a16:creationId xmlns="" xmlns:a16="http://schemas.microsoft.com/office/drawing/2014/main" id="{5A563457-1EC8-4978-BCCB-AFD88C9ED04C}"/>
               </a:ext>
               <a:ext uri="{C183D7F6-B498-43B3-948B-1728B52AA6E4}">
-                <adec:decorative xmlns:adec="http://schemas.microsoft.com/office/drawing/2017/decorative" xmlns="" val="1"/>
+                <adec:decorative xmlns="" xmlns:adec="http://schemas.microsoft.com/office/drawing/2017/decorative" val="1"/>
               </a:ext>
             </a:extLst>
           </p:cNvPr>
@@ -11519,10 +14134,10 @@
           <p:cNvPr id="13" name="Rectangle 12">
             <a:extLst>
               <a:ext uri="{FF2B5EF4-FFF2-40B4-BE49-F238E27FC236}">
-                <a16:creationId xmlns:a16="http://schemas.microsoft.com/office/drawing/2014/main" xmlns="" id="{A7CD04AE-9A8B-4DED-855D-F51B510D0B69}"/>
+                <a16:creationId xmlns="" xmlns:a16="http://schemas.microsoft.com/office/drawing/2014/main" id="{A7CD04AE-9A8B-4DED-855D-F51B510D0B69}"/>
               </a:ext>
               <a:ext uri="{C183D7F6-B498-43B3-948B-1728B52AA6E4}">
-                <adec:decorative xmlns:adec="http://schemas.microsoft.com/office/drawing/2017/decorative" xmlns="" val="1"/>
+                <adec:decorative xmlns="" xmlns:adec="http://schemas.microsoft.com/office/drawing/2017/decorative" val="1"/>
               </a:ext>
             </a:extLst>
           </p:cNvPr>
@@ -11574,7 +14189,7 @@
           <p:cNvPr id="6" name="Text Placeholder 5">
             <a:extLst>
               <a:ext uri="{FF2B5EF4-FFF2-40B4-BE49-F238E27FC236}">
-                <a16:creationId xmlns:a16="http://schemas.microsoft.com/office/drawing/2014/main" xmlns="" id="{B237D1CA-B91A-410E-A968-D017BBE99F99}"/>
+                <a16:creationId xmlns="" xmlns:a16="http://schemas.microsoft.com/office/drawing/2014/main" id="{B237D1CA-B91A-410E-A968-D017BBE99F99}"/>
               </a:ext>
             </a:extLst>
           </p:cNvPr>
@@ -11608,7 +14223,7 @@
           <p:cNvPr id="7" name="Text Placeholder 6">
             <a:extLst>
               <a:ext uri="{FF2B5EF4-FFF2-40B4-BE49-F238E27FC236}">
-                <a16:creationId xmlns:a16="http://schemas.microsoft.com/office/drawing/2014/main" xmlns="" id="{26A87885-D672-4CF9-A78D-CFE98385B03A}"/>
+                <a16:creationId xmlns="" xmlns:a16="http://schemas.microsoft.com/office/drawing/2014/main" id="{26A87885-D672-4CF9-A78D-CFE98385B03A}"/>
               </a:ext>
             </a:extLst>
           </p:cNvPr>
@@ -11805,7 +14420,7 @@
           <p:cNvPr id="8" name="Slide Number Placeholder 7">
             <a:extLst>
               <a:ext uri="{FF2B5EF4-FFF2-40B4-BE49-F238E27FC236}">
-                <a16:creationId xmlns:a16="http://schemas.microsoft.com/office/drawing/2014/main" xmlns="" id="{E6AC9832-FB01-464A-9824-61887B77997E}"/>
+                <a16:creationId xmlns="" xmlns:a16="http://schemas.microsoft.com/office/drawing/2014/main" id="{E6AC9832-FB01-464A-9824-61887B77997E}"/>
               </a:ext>
             </a:extLst>
           </p:cNvPr>
@@ -11846,10 +14461,10 @@
           <p:cNvPr id="14" name="Rectangle 19">
             <a:extLst>
               <a:ext uri="{FF2B5EF4-FFF2-40B4-BE49-F238E27FC236}">
-                <a16:creationId xmlns:a16="http://schemas.microsoft.com/office/drawing/2014/main" xmlns="" id="{EFA08948-2B6F-46B1-9D2D-8D7B2B3FBD56}"/>
+                <a16:creationId xmlns="" xmlns:a16="http://schemas.microsoft.com/office/drawing/2014/main" id="{EFA08948-2B6F-46B1-9D2D-8D7B2B3FBD56}"/>
               </a:ext>
               <a:ext uri="{C183D7F6-B498-43B3-948B-1728B52AA6E4}">
-                <adec:decorative xmlns:adec="http://schemas.microsoft.com/office/drawing/2017/decorative" xmlns="" val="1"/>
+                <adec:decorative xmlns="" xmlns:adec="http://schemas.microsoft.com/office/drawing/2017/decorative" val="1"/>
               </a:ext>
             </a:extLst>
           </p:cNvPr>
@@ -11938,7 +14553,7 @@
           <p:cNvPr id="2" name="Title 1">
             <a:extLst>
               <a:ext uri="{FF2B5EF4-FFF2-40B4-BE49-F238E27FC236}">
-                <a16:creationId xmlns:a16="http://schemas.microsoft.com/office/drawing/2014/main" xmlns="" id="{19304E83-A4F0-49C5-BB01-F5773509A2B3}"/>
+                <a16:creationId xmlns="" xmlns:a16="http://schemas.microsoft.com/office/drawing/2014/main" id="{19304E83-A4F0-49C5-BB01-F5773509A2B3}"/>
               </a:ext>
             </a:extLst>
           </p:cNvPr>
@@ -11951,7 +14566,7 @@
         </p:nvSpPr>
         <p:spPr>
           <a:xfrm>
-            <a:off x="0" y="260049"/>
+            <a:off x="117701" y="260049"/>
             <a:ext cx="11340000" cy="432000"/>
           </a:xfrm>
         </p:spPr>
@@ -11972,7 +14587,7 @@
           <p:cNvPr id="8" name="Slide Number Placeholder 7">
             <a:extLst>
               <a:ext uri="{FF2B5EF4-FFF2-40B4-BE49-F238E27FC236}">
-                <a16:creationId xmlns:a16="http://schemas.microsoft.com/office/drawing/2014/main" xmlns="" id="{E6AC9832-FB01-464A-9824-61887B77997E}"/>
+                <a16:creationId xmlns="" xmlns:a16="http://schemas.microsoft.com/office/drawing/2014/main" id="{E6AC9832-FB01-464A-9824-61887B77997E}"/>
               </a:ext>
             </a:extLst>
           </p:cNvPr>
@@ -12013,10 +14628,10 @@
           <p:cNvPr id="14" name="Rectangle 19">
             <a:extLst>
               <a:ext uri="{FF2B5EF4-FFF2-40B4-BE49-F238E27FC236}">
-                <a16:creationId xmlns:a16="http://schemas.microsoft.com/office/drawing/2014/main" xmlns="" id="{EFA08948-2B6F-46B1-9D2D-8D7B2B3FBD56}"/>
+                <a16:creationId xmlns="" xmlns:a16="http://schemas.microsoft.com/office/drawing/2014/main" id="{EFA08948-2B6F-46B1-9D2D-8D7B2B3FBD56}"/>
               </a:ext>
               <a:ext uri="{C183D7F6-B498-43B3-948B-1728B52AA6E4}">
-                <adec:decorative xmlns:adec="http://schemas.microsoft.com/office/drawing/2017/decorative" xmlns="" val="1"/>
+                <adec:decorative xmlns="" xmlns:adec="http://schemas.microsoft.com/office/drawing/2017/decorative" val="1"/>
               </a:ext>
             </a:extLst>
           </p:cNvPr>
@@ -12025,7 +14640,7 @@
         </p:nvSpPr>
         <p:spPr>
           <a:xfrm>
-            <a:off x="0" y="0"/>
+            <a:off x="9053" y="0"/>
             <a:ext cx="1984175" cy="114824"/>
           </a:xfrm>
           <a:prstGeom prst="rect">
@@ -12063,6 +14678,423 @@
           </a:p>
         </p:txBody>
       </p:sp>
+      <p:pic>
+        <p:nvPicPr>
+          <p:cNvPr id="3" name="그림 2"/>
+          <p:cNvPicPr>
+            <a:picLocks noChangeAspect="1"/>
+          </p:cNvPicPr>
+          <p:nvPr/>
+        </p:nvPicPr>
+        <p:blipFill>
+          <a:blip r:embed="rId2">
+            <a:extLst>
+              <a:ext uri="{28A0092B-C50C-407E-A947-70E740481C1C}">
+                <a14:useLocalDpi xmlns:a14="http://schemas.microsoft.com/office/drawing/2010/main" val="0"/>
+              </a:ext>
+            </a:extLst>
+          </a:blip>
+          <a:stretch>
+            <a:fillRect/>
+          </a:stretch>
+        </p:blipFill>
+        <p:spPr>
+          <a:xfrm>
+            <a:off x="321924" y="815767"/>
+            <a:ext cx="3506135" cy="5555584"/>
+          </a:xfrm>
+          <a:prstGeom prst="rect">
+            <a:avLst/>
+          </a:prstGeom>
+          <a:ln>
+            <a:solidFill>
+              <a:schemeClr val="tx1"/>
+            </a:solidFill>
+          </a:ln>
+        </p:spPr>
+      </p:pic>
+      <p:sp>
+        <p:nvSpPr>
+          <p:cNvPr id="6" name="Rectangle 12">
+            <a:extLst>
+              <a:ext uri="{FF2B5EF4-FFF2-40B4-BE49-F238E27FC236}">
+                <a16:creationId xmlns="" xmlns:a16="http://schemas.microsoft.com/office/drawing/2014/main" id="{A7CD04AE-9A8B-4DED-855D-F51B510D0B69}"/>
+              </a:ext>
+              <a:ext uri="{C183D7F6-B498-43B3-948B-1728B52AA6E4}">
+                <adec:decorative xmlns="" xmlns:adec="http://schemas.microsoft.com/office/drawing/2017/decorative" val="1"/>
+              </a:ext>
+            </a:extLst>
+          </p:cNvPr>
+          <p:cNvSpPr/>
+          <p:nvPr/>
+        </p:nvSpPr>
+        <p:spPr>
+          <a:xfrm>
+            <a:off x="6928425" y="815767"/>
+            <a:ext cx="1774936" cy="114824"/>
+          </a:xfrm>
+          <a:prstGeom prst="rect">
+            <a:avLst/>
+          </a:prstGeom>
+          <a:solidFill>
+            <a:schemeClr val="accent3"/>
+          </a:solidFill>
+          <a:ln>
+            <a:noFill/>
+          </a:ln>
+        </p:spPr>
+        <p:style>
+          <a:lnRef idx="2">
+            <a:schemeClr val="accent1">
+              <a:shade val="50000"/>
+            </a:schemeClr>
+          </a:lnRef>
+          <a:fillRef idx="1">
+            <a:schemeClr val="accent1"/>
+          </a:fillRef>
+          <a:effectRef idx="0">
+            <a:schemeClr val="accent1"/>
+          </a:effectRef>
+          <a:fontRef idx="minor">
+            <a:schemeClr val="lt1"/>
+          </a:fontRef>
+        </p:style>
+        <p:txBody>
+          <a:bodyPr rtlCol="0" anchor="ctr"/>
+          <a:lstStyle/>
+          <a:p>
+            <a:pPr algn="l"/>
+            <a:endParaRPr lang="en-US" dirty="0"/>
+          </a:p>
+        </p:txBody>
+      </p:sp>
+      <p:sp>
+        <p:nvSpPr>
+          <p:cNvPr id="7" name="Text Placeholder 5">
+            <a:extLst>
+              <a:ext uri="{FF2B5EF4-FFF2-40B4-BE49-F238E27FC236}">
+                <a16:creationId xmlns="" xmlns:a16="http://schemas.microsoft.com/office/drawing/2014/main" id="{B237D1CA-B91A-410E-A968-D017BBE99F99}"/>
+              </a:ext>
+            </a:extLst>
+          </p:cNvPr>
+          <p:cNvSpPr>
+            <a:spLocks noGrp="1"/>
+          </p:cNvSpPr>
+          <p:nvPr>
+            <p:ph type="body" sz="quarter" idx="13"/>
+          </p:nvPr>
+        </p:nvSpPr>
+        <p:spPr>
+          <a:xfrm>
+            <a:off x="6928424" y="1054309"/>
+            <a:ext cx="4894956" cy="358775"/>
+          </a:xfrm>
+        </p:spPr>
+        <p:txBody>
+          <a:bodyPr/>
+          <a:lstStyle/>
+          <a:p>
+            <a:r>
+              <a:rPr lang="ko-KR" altLang="en-US" dirty="0" smtClean="0"/>
+              <a:t>구현 내용</a:t>
+            </a:r>
+            <a:endParaRPr lang="en-US" dirty="0"/>
+          </a:p>
+        </p:txBody>
+      </p:sp>
+      <p:sp>
+        <p:nvSpPr>
+          <p:cNvPr id="9" name="Text Placeholder 6">
+            <a:extLst>
+              <a:ext uri="{FF2B5EF4-FFF2-40B4-BE49-F238E27FC236}">
+                <a16:creationId xmlns="" xmlns:a16="http://schemas.microsoft.com/office/drawing/2014/main" id="{26A87885-D672-4CF9-A78D-CFE98385B03A}"/>
+              </a:ext>
+            </a:extLst>
+          </p:cNvPr>
+          <p:cNvSpPr>
+            <a:spLocks noGrp="1"/>
+          </p:cNvSpPr>
+          <p:nvPr>
+            <p:ph type="body" sz="quarter" idx="12"/>
+          </p:nvPr>
+        </p:nvSpPr>
+        <p:spPr>
+          <a:xfrm>
+            <a:off x="6928311" y="1536802"/>
+            <a:ext cx="4895057" cy="4510913"/>
+          </a:xfrm>
+        </p:spPr>
+        <p:txBody>
+          <a:bodyPr/>
+          <a:lstStyle/>
+          <a:p>
+            <a:r>
+              <a:rPr lang="ko-KR" altLang="en-US" dirty="0" smtClean="0"/>
+              <a:t>아이디 중복 확인</a:t>
+            </a:r>
+            <a:endParaRPr lang="en-US" dirty="0" smtClean="0"/>
+          </a:p>
+          <a:p>
+            <a:pPr lvl="1"/>
+            <a:r>
+              <a:rPr lang="ko-KR" altLang="en-US" dirty="0" smtClean="0"/>
+              <a:t>아이디 </a:t>
+            </a:r>
+            <a:r>
+              <a:rPr lang="ko-KR" altLang="en-US" dirty="0" err="1" smtClean="0"/>
+              <a:t>입력창</a:t>
+            </a:r>
+            <a:r>
+              <a:rPr lang="ko-KR" altLang="en-US" dirty="0" smtClean="0"/>
+              <a:t> </a:t>
+            </a:r>
+            <a:r>
+              <a:rPr lang="en-US" altLang="ko-KR" dirty="0" err="1" smtClean="0"/>
+              <a:t>FocusOut</a:t>
+            </a:r>
+            <a:r>
+              <a:rPr lang="en-US" altLang="ko-KR" dirty="0" smtClean="0"/>
+              <a:t> </a:t>
+            </a:r>
+            <a:r>
+              <a:rPr lang="ko-KR" altLang="en-US" dirty="0" smtClean="0"/>
+              <a:t>시 </a:t>
+            </a:r>
+            <a:r>
+              <a:rPr lang="en-US" altLang="ko-KR" dirty="0" smtClean="0"/>
+              <a:t>AJAX</a:t>
+            </a:r>
+            <a:r>
+              <a:rPr lang="ko-KR" altLang="en-US" dirty="0" smtClean="0"/>
+              <a:t>를 통하여 데이터베이스에 접근하여 </a:t>
+            </a:r>
+            <a:r>
+              <a:rPr lang="ko-KR" altLang="en-US" dirty="0" smtClean="0"/>
+              <a:t>사용 가능한 아이디인지</a:t>
+            </a:r>
+            <a:r>
+              <a:rPr lang="en-US" altLang="ko-KR" dirty="0" smtClean="0"/>
+              <a:t>, </a:t>
+            </a:r>
+            <a:r>
+              <a:rPr lang="ko-KR" altLang="en-US" dirty="0" smtClean="0"/>
+              <a:t>이미 등록된 아이디인지 알림</a:t>
+            </a:r>
+            <a:r>
+              <a:rPr lang="en-US" altLang="ko-KR" dirty="0" smtClean="0"/>
+              <a:t>.</a:t>
+            </a:r>
+            <a:endParaRPr lang="en-US" dirty="0"/>
+          </a:p>
+          <a:p>
+            <a:r>
+              <a:rPr lang="ko-KR" altLang="en-US" dirty="0" smtClean="0"/>
+              <a:t>비밀번호</a:t>
+            </a:r>
+            <a:r>
+              <a:rPr lang="en-US" altLang="ko-KR" dirty="0" smtClean="0"/>
+              <a:t>, </a:t>
+            </a:r>
+            <a:r>
+              <a:rPr lang="ko-KR" altLang="en-US" dirty="0" err="1" smtClean="0"/>
+              <a:t>이메일</a:t>
+            </a:r>
+            <a:r>
+              <a:rPr lang="en-US" altLang="ko-KR" dirty="0" smtClean="0"/>
+              <a:t>, </a:t>
+            </a:r>
+            <a:r>
+              <a:rPr lang="ko-KR" altLang="en-US" dirty="0" smtClean="0"/>
+              <a:t>전화번호 형식 검증</a:t>
+            </a:r>
+            <a:endParaRPr lang="en-US" altLang="ko-KR" dirty="0" smtClean="0"/>
+          </a:p>
+          <a:p>
+            <a:pPr lvl="1"/>
+            <a:r>
+              <a:rPr lang="ko-KR" altLang="en-US" dirty="0" smtClean="0"/>
+              <a:t>정규 </a:t>
+            </a:r>
+            <a:r>
+              <a:rPr lang="ko-KR" altLang="en-US" dirty="0" err="1" smtClean="0"/>
+              <a:t>표현식</a:t>
+            </a:r>
+            <a:r>
+              <a:rPr lang="ko-KR" altLang="en-US" dirty="0" smtClean="0"/>
+              <a:t> 및 자바스크립트를 통하여 비밀번호</a:t>
+            </a:r>
+            <a:r>
+              <a:rPr lang="en-US" altLang="ko-KR" dirty="0" smtClean="0"/>
+              <a:t>, </a:t>
+            </a:r>
+            <a:r>
+              <a:rPr lang="ko-KR" altLang="en-US" dirty="0" err="1" smtClean="0"/>
+              <a:t>이메일</a:t>
+            </a:r>
+            <a:r>
+              <a:rPr lang="en-US" altLang="ko-KR" dirty="0" smtClean="0"/>
+              <a:t>, </a:t>
+            </a:r>
+            <a:r>
+              <a:rPr lang="ko-KR" altLang="en-US" dirty="0" smtClean="0"/>
+              <a:t>전화번호가 올바른 형식인지 검증</a:t>
+            </a:r>
+            <a:r>
+              <a:rPr lang="en-US" altLang="ko-KR" dirty="0" smtClean="0"/>
+              <a:t>.</a:t>
+            </a:r>
+          </a:p>
+          <a:p>
+            <a:pPr lvl="1"/>
+            <a:endParaRPr lang="en-US" altLang="ko-KR" dirty="0"/>
+          </a:p>
+          <a:p>
+            <a:r>
+              <a:rPr lang="en-US" altLang="ko-KR" dirty="0" smtClean="0"/>
+              <a:t>Juso.go.kr API</a:t>
+            </a:r>
+            <a:r>
+              <a:rPr lang="ko-KR" altLang="en-US" dirty="0"/>
+              <a:t> </a:t>
+            </a:r>
+            <a:r>
+              <a:rPr lang="ko-KR" altLang="en-US" dirty="0" smtClean="0"/>
+              <a:t>사용한 주소 정보 입력</a:t>
+            </a:r>
+            <a:endParaRPr lang="en-US" altLang="ko-KR" dirty="0" smtClean="0"/>
+          </a:p>
+          <a:p>
+            <a:pPr lvl="1"/>
+            <a:r>
+              <a:rPr lang="en-US" altLang="ko-KR" dirty="0" smtClean="0"/>
+              <a:t>Juso.go.kr</a:t>
+            </a:r>
+            <a:r>
+              <a:rPr lang="ko-KR" altLang="en-US" dirty="0" smtClean="0"/>
+              <a:t>의 </a:t>
+            </a:r>
+            <a:r>
+              <a:rPr lang="en-US" altLang="ko-KR" dirty="0" err="1" smtClean="0"/>
+              <a:t>api</a:t>
+            </a:r>
+            <a:r>
+              <a:rPr lang="ko-KR" altLang="en-US" dirty="0" err="1" smtClean="0"/>
+              <a:t>를</a:t>
+            </a:r>
+            <a:r>
+              <a:rPr lang="ko-KR" altLang="en-US" dirty="0" smtClean="0"/>
+              <a:t> 사용하여 실제 주소 정보 받아서 입력</a:t>
+            </a:r>
+            <a:endParaRPr lang="en-US" altLang="ko-KR" dirty="0" smtClean="0"/>
+          </a:p>
+          <a:p>
+            <a:r>
+              <a:rPr lang="ko-KR" altLang="en-US" dirty="0" smtClean="0"/>
+              <a:t>회원정보 등록</a:t>
+            </a:r>
+            <a:endParaRPr lang="en-US" altLang="ko-KR" dirty="0"/>
+          </a:p>
+          <a:p>
+            <a:pPr lvl="1"/>
+            <a:r>
+              <a:rPr lang="en-US" altLang="ko-KR" dirty="0" err="1"/>
+              <a:t>Jdbc</a:t>
+            </a:r>
+            <a:r>
+              <a:rPr lang="ko-KR" altLang="en-US" dirty="0"/>
+              <a:t>를 통하여 구현한 </a:t>
+            </a:r>
+            <a:r>
+              <a:rPr lang="en-US" altLang="ko-KR" dirty="0"/>
+              <a:t>DAO</a:t>
+            </a:r>
+            <a:r>
+              <a:rPr lang="ko-KR" altLang="en-US" dirty="0"/>
+              <a:t>를 </a:t>
+            </a:r>
+            <a:r>
+              <a:rPr lang="ko-KR" altLang="en-US" dirty="0" smtClean="0"/>
+              <a:t>통해 회원정보 등록</a:t>
+            </a:r>
+            <a:endParaRPr lang="en-US" altLang="ko-KR" dirty="0"/>
+          </a:p>
+          <a:p>
+            <a:pPr marL="266700" lvl="1" indent="0">
+              <a:buNone/>
+            </a:pPr>
+            <a:endParaRPr lang="en-US" altLang="ko-KR" dirty="0" smtClean="0"/>
+          </a:p>
+          <a:p>
+            <a:pPr marL="266700" lvl="1" indent="0">
+              <a:buNone/>
+            </a:pPr>
+            <a:endParaRPr lang="en-US" altLang="ko-KR" dirty="0" smtClean="0"/>
+          </a:p>
+          <a:p>
+            <a:pPr marL="266700" lvl="1" indent="0">
+              <a:buNone/>
+            </a:pPr>
+            <a:endParaRPr lang="en-US" altLang="ko-KR" dirty="0" smtClean="0"/>
+          </a:p>
+          <a:p>
+            <a:pPr marL="266700" lvl="1" indent="0">
+              <a:buNone/>
+            </a:pPr>
+            <a:endParaRPr lang="en-US" altLang="ko-KR" dirty="0" smtClean="0"/>
+          </a:p>
+          <a:p>
+            <a:pPr marL="266700" lvl="1" indent="0">
+              <a:buNone/>
+            </a:pPr>
+            <a:endParaRPr lang="en-US" altLang="ko-KR" dirty="0"/>
+          </a:p>
+          <a:p>
+            <a:pPr lvl="1"/>
+            <a:endParaRPr lang="en-US" altLang="ko-KR" dirty="0"/>
+          </a:p>
+          <a:p>
+            <a:pPr marL="266700" lvl="1" indent="0">
+              <a:buNone/>
+            </a:pPr>
+            <a:endParaRPr lang="en-US" dirty="0" smtClean="0"/>
+          </a:p>
+        </p:txBody>
+      </p:sp>
+      <p:pic>
+        <p:nvPicPr>
+          <p:cNvPr id="5" name="그림 4"/>
+          <p:cNvPicPr>
+            <a:picLocks noChangeAspect="1"/>
+          </p:cNvPicPr>
+          <p:nvPr/>
+        </p:nvPicPr>
+        <p:blipFill>
+          <a:blip r:embed="rId3">
+            <a:extLst>
+              <a:ext uri="{28A0092B-C50C-407E-A947-70E740481C1C}">
+                <a14:useLocalDpi xmlns:a14="http://schemas.microsoft.com/office/drawing/2010/main" val="0"/>
+              </a:ext>
+            </a:extLst>
+          </a:blip>
+          <a:stretch>
+            <a:fillRect/>
+          </a:stretch>
+        </p:blipFill>
+        <p:spPr>
+          <a:xfrm>
+            <a:off x="2880972" y="815767"/>
+            <a:ext cx="3567506" cy="5555584"/>
+          </a:xfrm>
+          <a:prstGeom prst="rect">
+            <a:avLst/>
+          </a:prstGeom>
+          <a:ln>
+            <a:solidFill>
+              <a:schemeClr val="tx1"/>
+            </a:solidFill>
+          </a:ln>
+        </p:spPr>
+      </p:pic>
     </p:spTree>
     <p:extLst>
       <p:ext uri="{BB962C8B-B14F-4D97-AF65-F5344CB8AC3E}">
@@ -12100,122 +15132,373 @@
           <a:chExt cx="0" cy="0"/>
         </a:xfrm>
       </p:grpSpPr>
+      <p:sp>
+        <p:nvSpPr>
+          <p:cNvPr id="2" name="Title 1">
+            <a:extLst>
+              <a:ext uri="{FF2B5EF4-FFF2-40B4-BE49-F238E27FC236}">
+                <a16:creationId xmlns="" xmlns:a16="http://schemas.microsoft.com/office/drawing/2014/main" id="{19304E83-A4F0-49C5-BB01-F5773509A2B3}"/>
+              </a:ext>
+            </a:extLst>
+          </p:cNvPr>
+          <p:cNvSpPr>
+            <a:spLocks noGrp="1"/>
+          </p:cNvSpPr>
+          <p:nvPr>
+            <p:ph type="title"/>
+          </p:nvPr>
+        </p:nvSpPr>
+        <p:spPr>
+          <a:xfrm>
+            <a:off x="117701" y="260049"/>
+            <a:ext cx="11340000" cy="432000"/>
+          </a:xfrm>
+        </p:spPr>
+        <p:txBody>
+          <a:bodyPr/>
+          <a:lstStyle/>
+          <a:p>
+            <a:r>
+              <a:rPr lang="ko-KR" altLang="en-US" dirty="0" err="1" smtClean="0"/>
+              <a:t>마이페이지</a:t>
+            </a:r>
+            <a:endParaRPr lang="en-US" dirty="0"/>
+          </a:p>
+        </p:txBody>
+      </p:sp>
+      <p:sp>
+        <p:nvSpPr>
+          <p:cNvPr id="8" name="Slide Number Placeholder 7">
+            <a:extLst>
+              <a:ext uri="{FF2B5EF4-FFF2-40B4-BE49-F238E27FC236}">
+                <a16:creationId xmlns="" xmlns:a16="http://schemas.microsoft.com/office/drawing/2014/main" id="{E6AC9832-FB01-464A-9824-61887B77997E}"/>
+              </a:ext>
+            </a:extLst>
+          </p:cNvPr>
+          <p:cNvSpPr>
+            <a:spLocks noGrp="1"/>
+          </p:cNvSpPr>
+          <p:nvPr>
+            <p:ph type="sldNum" sz="quarter" idx="33"/>
+          </p:nvPr>
+        </p:nvSpPr>
+        <p:spPr>
+          <a:xfrm>
+            <a:off x="11760000" y="6371351"/>
+            <a:ext cx="432000" cy="432000"/>
+          </a:xfrm>
+          <a:solidFill>
+            <a:schemeClr val="tx1">
+              <a:lumMod val="95000"/>
+              <a:lumOff val="5000"/>
+            </a:schemeClr>
+          </a:solidFill>
+        </p:spPr>
+        <p:txBody>
+          <a:bodyPr/>
+          <a:lstStyle/>
+          <a:p>
+            <a:fld id="{19B51A1E-902D-48AF-9020-955120F399B6}" type="slidenum">
+              <a:rPr lang="en-US" smtClean="0"/>
+              <a:pPr/>
+              <a:t>8</a:t>
+            </a:fld>
+            <a:endParaRPr lang="en-US" dirty="0"/>
+          </a:p>
+        </p:txBody>
+      </p:sp>
+      <p:sp>
+        <p:nvSpPr>
+          <p:cNvPr id="14" name="Rectangle 19">
+            <a:extLst>
+              <a:ext uri="{FF2B5EF4-FFF2-40B4-BE49-F238E27FC236}">
+                <a16:creationId xmlns="" xmlns:a16="http://schemas.microsoft.com/office/drawing/2014/main" id="{EFA08948-2B6F-46B1-9D2D-8D7B2B3FBD56}"/>
+              </a:ext>
+              <a:ext uri="{C183D7F6-B498-43B3-948B-1728B52AA6E4}">
+                <adec:decorative xmlns="" xmlns:adec="http://schemas.microsoft.com/office/drawing/2017/decorative" val="1"/>
+              </a:ext>
+            </a:extLst>
+          </p:cNvPr>
+          <p:cNvSpPr/>
+          <p:nvPr/>
+        </p:nvSpPr>
+        <p:spPr>
+          <a:xfrm>
+            <a:off x="9053" y="0"/>
+            <a:ext cx="1984175" cy="114824"/>
+          </a:xfrm>
+          <a:prstGeom prst="rect">
+            <a:avLst/>
+          </a:prstGeom>
+          <a:solidFill>
+            <a:schemeClr val="accent1"/>
+          </a:solidFill>
+          <a:ln>
+            <a:noFill/>
+          </a:ln>
+        </p:spPr>
+        <p:style>
+          <a:lnRef idx="2">
+            <a:schemeClr val="accent1">
+              <a:shade val="50000"/>
+            </a:schemeClr>
+          </a:lnRef>
+          <a:fillRef idx="1">
+            <a:schemeClr val="accent1"/>
+          </a:fillRef>
+          <a:effectRef idx="0">
+            <a:schemeClr val="accent1"/>
+          </a:effectRef>
+          <a:fontRef idx="minor">
+            <a:schemeClr val="lt1"/>
+          </a:fontRef>
+        </p:style>
+        <p:txBody>
+          <a:bodyPr rtlCol="0" anchor="ctr"/>
+          <a:lstStyle/>
+          <a:p>
+            <a:pPr algn="l"/>
+            <a:endParaRPr lang="en-US" dirty="0"/>
+          </a:p>
+        </p:txBody>
+      </p:sp>
+      <p:sp>
+        <p:nvSpPr>
+          <p:cNvPr id="6" name="Rectangle 12">
+            <a:extLst>
+              <a:ext uri="{FF2B5EF4-FFF2-40B4-BE49-F238E27FC236}">
+                <a16:creationId xmlns="" xmlns:a16="http://schemas.microsoft.com/office/drawing/2014/main" id="{A7CD04AE-9A8B-4DED-855D-F51B510D0B69}"/>
+              </a:ext>
+              <a:ext uri="{C183D7F6-B498-43B3-948B-1728B52AA6E4}">
+                <adec:decorative xmlns="" xmlns:adec="http://schemas.microsoft.com/office/drawing/2017/decorative" val="1"/>
+              </a:ext>
+            </a:extLst>
+          </p:cNvPr>
+          <p:cNvSpPr/>
+          <p:nvPr/>
+        </p:nvSpPr>
+        <p:spPr>
+          <a:xfrm>
+            <a:off x="6928425" y="815767"/>
+            <a:ext cx="1774936" cy="114824"/>
+          </a:xfrm>
+          <a:prstGeom prst="rect">
+            <a:avLst/>
+          </a:prstGeom>
+          <a:solidFill>
+            <a:schemeClr val="accent3"/>
+          </a:solidFill>
+          <a:ln>
+            <a:noFill/>
+          </a:ln>
+        </p:spPr>
+        <p:style>
+          <a:lnRef idx="2">
+            <a:schemeClr val="accent1">
+              <a:shade val="50000"/>
+            </a:schemeClr>
+          </a:lnRef>
+          <a:fillRef idx="1">
+            <a:schemeClr val="accent1"/>
+          </a:fillRef>
+          <a:effectRef idx="0">
+            <a:schemeClr val="accent1"/>
+          </a:effectRef>
+          <a:fontRef idx="minor">
+            <a:schemeClr val="lt1"/>
+          </a:fontRef>
+        </p:style>
+        <p:txBody>
+          <a:bodyPr rtlCol="0" anchor="ctr"/>
+          <a:lstStyle/>
+          <a:p>
+            <a:pPr algn="l"/>
+            <a:endParaRPr lang="en-US" dirty="0"/>
+          </a:p>
+        </p:txBody>
+      </p:sp>
+      <p:sp>
+        <p:nvSpPr>
+          <p:cNvPr id="7" name="Text Placeholder 5">
+            <a:extLst>
+              <a:ext uri="{FF2B5EF4-FFF2-40B4-BE49-F238E27FC236}">
+                <a16:creationId xmlns="" xmlns:a16="http://schemas.microsoft.com/office/drawing/2014/main" id="{B237D1CA-B91A-410E-A968-D017BBE99F99}"/>
+              </a:ext>
+            </a:extLst>
+          </p:cNvPr>
+          <p:cNvSpPr>
+            <a:spLocks noGrp="1"/>
+          </p:cNvSpPr>
+          <p:nvPr>
+            <p:ph type="body" sz="quarter" idx="13"/>
+          </p:nvPr>
+        </p:nvSpPr>
+        <p:spPr>
+          <a:xfrm>
+            <a:off x="6928424" y="1054309"/>
+            <a:ext cx="4894956" cy="358775"/>
+          </a:xfrm>
+        </p:spPr>
+        <p:txBody>
+          <a:bodyPr/>
+          <a:lstStyle/>
+          <a:p>
+            <a:r>
+              <a:rPr lang="ko-KR" altLang="en-US" dirty="0" smtClean="0"/>
+              <a:t>구현 내용</a:t>
+            </a:r>
+            <a:endParaRPr lang="en-US" dirty="0"/>
+          </a:p>
+        </p:txBody>
+      </p:sp>
+      <p:sp>
+        <p:nvSpPr>
+          <p:cNvPr id="9" name="Text Placeholder 6">
+            <a:extLst>
+              <a:ext uri="{FF2B5EF4-FFF2-40B4-BE49-F238E27FC236}">
+                <a16:creationId xmlns="" xmlns:a16="http://schemas.microsoft.com/office/drawing/2014/main" id="{26A87885-D672-4CF9-A78D-CFE98385B03A}"/>
+              </a:ext>
+            </a:extLst>
+          </p:cNvPr>
+          <p:cNvSpPr>
+            <a:spLocks noGrp="1"/>
+          </p:cNvSpPr>
+          <p:nvPr>
+            <p:ph type="body" sz="quarter" idx="12"/>
+          </p:nvPr>
+        </p:nvSpPr>
+        <p:spPr>
+          <a:xfrm>
+            <a:off x="6928311" y="1536802"/>
+            <a:ext cx="4895057" cy="4510913"/>
+          </a:xfrm>
+        </p:spPr>
+        <p:txBody>
+          <a:bodyPr/>
+          <a:lstStyle/>
+          <a:p>
+            <a:r>
+              <a:rPr lang="ko-KR" altLang="en-US" dirty="0" smtClean="0"/>
+              <a:t>세션 객체를 이용하여 로그인 정보 사용</a:t>
+            </a:r>
+            <a:endParaRPr lang="en-US" dirty="0" smtClean="0"/>
+          </a:p>
+          <a:p>
+            <a:pPr lvl="1"/>
+            <a:r>
+              <a:rPr lang="ko-KR" altLang="en-US" dirty="0" smtClean="0"/>
+              <a:t>세션 객체에 로그인 정보를 저장하여</a:t>
+            </a:r>
+            <a:r>
+              <a:rPr lang="en-US" altLang="ko-KR" dirty="0" smtClean="0"/>
+              <a:t>, </a:t>
+            </a:r>
+            <a:r>
+              <a:rPr lang="ko-KR" altLang="en-US" dirty="0" smtClean="0"/>
+              <a:t>해당하는 회원의 </a:t>
+            </a:r>
+            <a:r>
+              <a:rPr lang="ko-KR" altLang="en-US" dirty="0" err="1" smtClean="0"/>
+              <a:t>마이페이지를</a:t>
+            </a:r>
+            <a:r>
+              <a:rPr lang="ko-KR" altLang="en-US" dirty="0" smtClean="0"/>
+              <a:t> 표시</a:t>
+            </a:r>
+            <a:r>
+              <a:rPr lang="en-US" altLang="ko-KR" dirty="0" smtClean="0"/>
+              <a:t>.</a:t>
+            </a:r>
+          </a:p>
+          <a:p>
+            <a:pPr lvl="1"/>
+            <a:r>
+              <a:rPr lang="ko-KR" altLang="en-US" dirty="0" smtClean="0"/>
+              <a:t>동일하게 로그인 정보를 사용하여 프로필 관리</a:t>
+            </a:r>
+            <a:r>
+              <a:rPr lang="en-US" altLang="ko-KR" dirty="0" smtClean="0"/>
+              <a:t>(</a:t>
+            </a:r>
+            <a:r>
+              <a:rPr lang="ko-KR" altLang="en-US" dirty="0" smtClean="0"/>
+              <a:t>회원정보수정</a:t>
+            </a:r>
+            <a:r>
+              <a:rPr lang="en-US" altLang="ko-KR" dirty="0" smtClean="0"/>
+              <a:t>) </a:t>
+            </a:r>
+            <a:r>
+              <a:rPr lang="ko-KR" altLang="en-US" dirty="0" smtClean="0"/>
+              <a:t>페이지 구현</a:t>
+            </a:r>
+            <a:endParaRPr lang="en-US" altLang="ko-KR" dirty="0"/>
+          </a:p>
+          <a:p>
+            <a:pPr lvl="1"/>
+            <a:r>
+              <a:rPr lang="ko-KR" altLang="en-US" dirty="0" smtClean="0"/>
+              <a:t>해당 회원의 세미나 예약리스트</a:t>
+            </a:r>
+            <a:r>
+              <a:rPr lang="en-US" altLang="ko-KR" dirty="0" smtClean="0"/>
+              <a:t>, </a:t>
+            </a:r>
+            <a:r>
+              <a:rPr lang="ko-KR" altLang="en-US" dirty="0" smtClean="0"/>
+              <a:t>문의사항 등의 페이지 구현</a:t>
+            </a:r>
+            <a:endParaRPr lang="en-US" altLang="ko-KR" dirty="0" smtClean="0"/>
+          </a:p>
+          <a:p>
+            <a:pPr marL="266700" lvl="1" indent="0">
+              <a:buNone/>
+            </a:pPr>
+            <a:endParaRPr lang="en-US" altLang="ko-KR" dirty="0" smtClean="0"/>
+          </a:p>
+          <a:p>
+            <a:pPr marL="266700" lvl="1" indent="0">
+              <a:buNone/>
+            </a:pPr>
+            <a:endParaRPr lang="en-US" altLang="ko-KR" dirty="0" smtClean="0"/>
+          </a:p>
+          <a:p>
+            <a:pPr marL="266700" lvl="1" indent="0">
+              <a:buNone/>
+            </a:pPr>
+            <a:endParaRPr lang="en-US" altLang="ko-KR" dirty="0" smtClean="0"/>
+          </a:p>
+          <a:p>
+            <a:pPr marL="266700" lvl="1" indent="0">
+              <a:buNone/>
+            </a:pPr>
+            <a:endParaRPr lang="en-US" altLang="ko-KR" dirty="0"/>
+          </a:p>
+          <a:p>
+            <a:pPr lvl="1"/>
+            <a:endParaRPr lang="en-US" altLang="ko-KR" dirty="0"/>
+          </a:p>
+          <a:p>
+            <a:pPr marL="266700" lvl="1" indent="0">
+              <a:buNone/>
+            </a:pPr>
+            <a:endParaRPr lang="en-US" dirty="0" smtClean="0"/>
+          </a:p>
+        </p:txBody>
+      </p:sp>
       <p:pic>
         <p:nvPicPr>
-          <p:cNvPr id="32" name="Picture Placeholder 31" descr="hand clapping">
-            <a:extLst>
-              <a:ext uri="{FF2B5EF4-FFF2-40B4-BE49-F238E27FC236}">
-                <a16:creationId xmlns:a16="http://schemas.microsoft.com/office/drawing/2014/main" xmlns="" id="{AAB6EE12-FEF8-FB41-A909-0DA61D7725C7}"/>
-              </a:ext>
-            </a:extLst>
-          </p:cNvPr>
-          <p:cNvPicPr>
-            <a:picLocks noGrp="1" noChangeAspect="1"/>
-          </p:cNvPicPr>
-          <p:nvPr>
-            <p:ph type="pic" sz="quarter" idx="10"/>
-          </p:nvPr>
-        </p:nvPicPr>
-        <p:blipFill>
-          <a:blip r:embed="rId2" cstate="screen">
-            <a:extLst>
-              <a:ext uri="{28A0092B-C50C-407E-A947-70E740481C1C}">
-                <a14:useLocalDpi xmlns:a14="http://schemas.microsoft.com/office/drawing/2010/main"/>
-              </a:ext>
-            </a:extLst>
-          </a:blip>
-          <a:srcRect/>
-          <a:stretch>
-            <a:fillRect/>
-          </a:stretch>
-        </p:blipFill>
-        <p:spPr/>
-      </p:pic>
-      <p:sp>
-        <p:nvSpPr>
-          <p:cNvPr id="14" name="Title 13">
-            <a:extLst>
-              <a:ext uri="{FF2B5EF4-FFF2-40B4-BE49-F238E27FC236}">
-                <a16:creationId xmlns:a16="http://schemas.microsoft.com/office/drawing/2014/main" xmlns="" id="{6C38D7A9-9299-4108-BB08-026F4B9CAE7B}"/>
-              </a:ext>
-            </a:extLst>
-          </p:cNvPr>
-          <p:cNvSpPr>
-            <a:spLocks noGrp="1"/>
-          </p:cNvSpPr>
-          <p:nvPr>
-            <p:ph type="ctrTitle"/>
-          </p:nvPr>
-        </p:nvSpPr>
-        <p:spPr/>
-        <p:txBody>
-          <a:bodyPr/>
-          <a:lstStyle/>
-          <a:p>
-            <a:r>
-              <a:rPr lang="en-US" dirty="0"/>
-              <a:t>Thank You</a:t>
-            </a:r>
-          </a:p>
-        </p:txBody>
-      </p:sp>
-      <p:sp>
-        <p:nvSpPr>
-          <p:cNvPr id="4" name="Text Placeholder 3">
-            <a:extLst>
-              <a:ext uri="{FF2B5EF4-FFF2-40B4-BE49-F238E27FC236}">
-                <a16:creationId xmlns:a16="http://schemas.microsoft.com/office/drawing/2014/main" xmlns="" id="{60828E04-9C2A-4859-8050-C2DF67A249CB}"/>
-              </a:ext>
-            </a:extLst>
-          </p:cNvPr>
-          <p:cNvSpPr>
-            <a:spLocks noGrp="1"/>
-          </p:cNvSpPr>
-          <p:nvPr>
-            <p:ph type="body" sz="quarter" idx="15"/>
-          </p:nvPr>
-        </p:nvSpPr>
-        <p:spPr>
-          <a:solidFill>
-            <a:schemeClr val="tx1">
-              <a:lumMod val="75000"/>
-              <a:lumOff val="25000"/>
-            </a:schemeClr>
-          </a:solidFill>
-        </p:spPr>
-        <p:txBody>
-          <a:bodyPr/>
-          <a:lstStyle/>
-          <a:p>
-            <a:r>
-              <a:rPr lang="en-US" dirty="0"/>
-              <a:t>April Hansson</a:t>
-            </a:r>
-          </a:p>
-        </p:txBody>
-      </p:sp>
-      <p:pic>
-        <p:nvPicPr>
-          <p:cNvPr id="8" name="Graphic 7" descr="User" title="Icon - Presenter Name">
-            <a:extLst>
-              <a:ext uri="{FF2B5EF4-FFF2-40B4-BE49-F238E27FC236}">
-                <a16:creationId xmlns:a16="http://schemas.microsoft.com/office/drawing/2014/main" xmlns="" id="{111541C4-DB03-4E53-994D-499C7D73C4DF}"/>
-              </a:ext>
-            </a:extLst>
-          </p:cNvPr>
+          <p:cNvPr id="10" name="그림 9"/>
           <p:cNvPicPr>
             <a:picLocks noChangeAspect="1"/>
           </p:cNvPicPr>
           <p:nvPr/>
         </p:nvPicPr>
         <p:blipFill>
-          <a:blip r:embed="rId3" cstate="screen">
+          <a:blip r:embed="rId2">
             <a:extLst>
               <a:ext uri="{28A0092B-C50C-407E-A947-70E740481C1C}">
-                <a14:useLocalDpi xmlns:a14="http://schemas.microsoft.com/office/drawing/2010/main"/>
-              </a:ext>
-              <a:ext uri="{96DAC541-7B7A-43D3-8B79-37D633B846F1}">
-                <asvg:svgBlip xmlns:asvg="http://schemas.microsoft.com/office/drawing/2016/SVG/main" xmlns="" r:embed="rId4"/>
+                <a14:useLocalDpi xmlns:a14="http://schemas.microsoft.com/office/drawing/2010/main" val="0"/>
               </a:ext>
             </a:extLst>
           </a:blip>
@@ -12225,35 +15508,127 @@
         </p:blipFill>
         <p:spPr>
           <a:xfrm>
-            <a:off x="11485495" y="4006655"/>
-            <a:ext cx="218900" cy="218900"/>
+            <a:off x="117701" y="837274"/>
+            <a:ext cx="6640630" cy="3134377"/>
           </a:xfrm>
           <a:prstGeom prst="rect">
             <a:avLst/>
           </a:prstGeom>
+          <a:ln>
+            <a:solidFill>
+              <a:schemeClr val="tx1"/>
+            </a:solidFill>
+          </a:ln>
         </p:spPr>
       </p:pic>
-      <p:sp>
-        <p:nvSpPr>
-          <p:cNvPr id="5" name="Text Placeholder 4">
-            <a:extLst>
-              <a:ext uri="{FF2B5EF4-FFF2-40B4-BE49-F238E27FC236}">
-                <a16:creationId xmlns:a16="http://schemas.microsoft.com/office/drawing/2014/main" xmlns="" id="{11265965-2271-4C1C-BD0A-6F85F80FF9A6}"/>
-              </a:ext>
-            </a:extLst>
-          </p:cNvPr>
-          <p:cNvSpPr>
-            <a:spLocks noGrp="1"/>
-          </p:cNvSpPr>
-          <p:nvPr>
-            <p:ph type="body" sz="quarter" idx="16"/>
-          </p:nvPr>
-        </p:nvSpPr>
-        <p:spPr>
+    </p:spTree>
+    <p:extLst>
+      <p:ext uri="{BB962C8B-B14F-4D97-AF65-F5344CB8AC3E}">
+        <p14:creationId xmlns:p14="http://schemas.microsoft.com/office/powerpoint/2010/main" val="3625691663"/>
+      </p:ext>
+    </p:extLst>
+  </p:cSld>
+  <p:clrMapOvr>
+    <a:masterClrMapping/>
+  </p:clrMapOvr>
+  <p:timing>
+    <p:tnLst>
+      <p:par>
+        <p:cTn id="1" dur="indefinite" restart="never" nodeType="tmRoot"/>
+      </p:par>
+    </p:tnLst>
+  </p:timing>
+</p:sld>
+</file>
+
+<file path=ppt/slides/slide9.xml><?xml version="1.0" encoding="utf-8"?>
+<p:sld xmlns:a="http://schemas.openxmlformats.org/drawingml/2006/main" xmlns:r="http://schemas.openxmlformats.org/officeDocument/2006/relationships" xmlns:p="http://schemas.openxmlformats.org/presentationml/2006/main">
+  <p:cSld>
+    <p:spTree>
+      <p:nvGrpSpPr>
+        <p:cNvPr id="1" name=""/>
+        <p:cNvGrpSpPr/>
+        <p:nvPr/>
+      </p:nvGrpSpPr>
+      <p:grpSpPr>
+        <a:xfrm>
+          <a:off x="0" y="0"/>
+          <a:ext cx="0" cy="0"/>
+          <a:chOff x="0" y="0"/>
+          <a:chExt cx="0" cy="0"/>
+        </a:xfrm>
+      </p:grpSpPr>
+      <p:sp>
+        <p:nvSpPr>
+          <p:cNvPr id="2" name="Title 1">
+            <a:extLst>
+              <a:ext uri="{FF2B5EF4-FFF2-40B4-BE49-F238E27FC236}">
+                <a16:creationId xmlns="" xmlns:a16="http://schemas.microsoft.com/office/drawing/2014/main" id="{19304E83-A4F0-49C5-BB01-F5773509A2B3}"/>
+              </a:ext>
+            </a:extLst>
+          </p:cNvPr>
+          <p:cNvSpPr>
+            <a:spLocks noGrp="1"/>
+          </p:cNvSpPr>
+          <p:nvPr>
+            <p:ph type="title"/>
+          </p:nvPr>
+        </p:nvSpPr>
+        <p:spPr>
+          <a:xfrm>
+            <a:off x="117701" y="260049"/>
+            <a:ext cx="11340000" cy="432000"/>
+          </a:xfrm>
+        </p:spPr>
+        <p:txBody>
+          <a:bodyPr/>
+          <a:lstStyle/>
+          <a:p>
+            <a:r>
+              <a:rPr lang="ko-KR" altLang="en-US" dirty="0" err="1" smtClean="0"/>
+              <a:t>마이페이지</a:t>
+            </a:r>
+            <a:r>
+              <a:rPr lang="en-US" altLang="ko-KR" dirty="0" smtClean="0"/>
+              <a:t>(</a:t>
+            </a:r>
+            <a:r>
+              <a:rPr lang="ko-KR" altLang="en-US" dirty="0" smtClean="0"/>
+              <a:t>회원정보수정</a:t>
+            </a:r>
+            <a:r>
+              <a:rPr lang="en-US" altLang="ko-KR" dirty="0" smtClean="0"/>
+              <a:t>)</a:t>
+            </a:r>
+            <a:endParaRPr lang="en-US" dirty="0"/>
+          </a:p>
+        </p:txBody>
+      </p:sp>
+      <p:sp>
+        <p:nvSpPr>
+          <p:cNvPr id="8" name="Slide Number Placeholder 7">
+            <a:extLst>
+              <a:ext uri="{FF2B5EF4-FFF2-40B4-BE49-F238E27FC236}">
+                <a16:creationId xmlns="" xmlns:a16="http://schemas.microsoft.com/office/drawing/2014/main" id="{E6AC9832-FB01-464A-9824-61887B77997E}"/>
+              </a:ext>
+            </a:extLst>
+          </p:cNvPr>
+          <p:cNvSpPr>
+            <a:spLocks noGrp="1"/>
+          </p:cNvSpPr>
+          <p:nvPr>
+            <p:ph type="sldNum" sz="quarter" idx="33"/>
+          </p:nvPr>
+        </p:nvSpPr>
+        <p:spPr>
+          <a:xfrm>
+            <a:off x="11760000" y="6371351"/>
+            <a:ext cx="432000" cy="432000"/>
+          </a:xfrm>
           <a:solidFill>
             <a:schemeClr val="tx1">
-              <a:lumMod val="75000"/>
-              <a:lumOff val="25000"/>
+              <a:lumMod val="95000"/>
+              <a:lumOff val="5000"/>
             </a:schemeClr>
           </a:solidFill>
         </p:spPr>
@@ -12261,35 +15636,308 @@
           <a:bodyPr/>
           <a:lstStyle/>
           <a:p>
-            <a:r>
-              <a:rPr lang="en-US" dirty="0"/>
-              <a:t>+1 23 987 6554</a:t>
-            </a:r>
+            <a:fld id="{19B51A1E-902D-48AF-9020-955120F399B6}" type="slidenum">
+              <a:rPr lang="en-US" smtClean="0"/>
+              <a:pPr/>
+              <a:t>9</a:t>
+            </a:fld>
+            <a:endParaRPr lang="en-US" dirty="0"/>
+          </a:p>
+        </p:txBody>
+      </p:sp>
+      <p:sp>
+        <p:nvSpPr>
+          <p:cNvPr id="14" name="Rectangle 19">
+            <a:extLst>
+              <a:ext uri="{FF2B5EF4-FFF2-40B4-BE49-F238E27FC236}">
+                <a16:creationId xmlns="" xmlns:a16="http://schemas.microsoft.com/office/drawing/2014/main" id="{EFA08948-2B6F-46B1-9D2D-8D7B2B3FBD56}"/>
+              </a:ext>
+              <a:ext uri="{C183D7F6-B498-43B3-948B-1728B52AA6E4}">
+                <adec:decorative xmlns="" xmlns:adec="http://schemas.microsoft.com/office/drawing/2017/decorative" val="1"/>
+              </a:ext>
+            </a:extLst>
+          </p:cNvPr>
+          <p:cNvSpPr/>
+          <p:nvPr/>
+        </p:nvSpPr>
+        <p:spPr>
+          <a:xfrm>
+            <a:off x="9053" y="0"/>
+            <a:ext cx="1984175" cy="114824"/>
+          </a:xfrm>
+          <a:prstGeom prst="rect">
+            <a:avLst/>
+          </a:prstGeom>
+          <a:solidFill>
+            <a:schemeClr val="accent1"/>
+          </a:solidFill>
+          <a:ln>
+            <a:noFill/>
+          </a:ln>
+        </p:spPr>
+        <p:style>
+          <a:lnRef idx="2">
+            <a:schemeClr val="accent1">
+              <a:shade val="50000"/>
+            </a:schemeClr>
+          </a:lnRef>
+          <a:fillRef idx="1">
+            <a:schemeClr val="accent1"/>
+          </a:fillRef>
+          <a:effectRef idx="0">
+            <a:schemeClr val="accent1"/>
+          </a:effectRef>
+          <a:fontRef idx="minor">
+            <a:schemeClr val="lt1"/>
+          </a:fontRef>
+        </p:style>
+        <p:txBody>
+          <a:bodyPr rtlCol="0" anchor="ctr"/>
+          <a:lstStyle/>
+          <a:p>
+            <a:pPr algn="l"/>
+            <a:endParaRPr lang="en-US" dirty="0"/>
+          </a:p>
+        </p:txBody>
+      </p:sp>
+      <p:sp>
+        <p:nvSpPr>
+          <p:cNvPr id="6" name="Rectangle 12">
+            <a:extLst>
+              <a:ext uri="{FF2B5EF4-FFF2-40B4-BE49-F238E27FC236}">
+                <a16:creationId xmlns="" xmlns:a16="http://schemas.microsoft.com/office/drawing/2014/main" id="{A7CD04AE-9A8B-4DED-855D-F51B510D0B69}"/>
+              </a:ext>
+              <a:ext uri="{C183D7F6-B498-43B3-948B-1728B52AA6E4}">
+                <adec:decorative xmlns="" xmlns:adec="http://schemas.microsoft.com/office/drawing/2017/decorative" val="1"/>
+              </a:ext>
+            </a:extLst>
+          </p:cNvPr>
+          <p:cNvSpPr/>
+          <p:nvPr/>
+        </p:nvSpPr>
+        <p:spPr>
+          <a:xfrm>
+            <a:off x="6928425" y="815767"/>
+            <a:ext cx="1774936" cy="114824"/>
+          </a:xfrm>
+          <a:prstGeom prst="rect">
+            <a:avLst/>
+          </a:prstGeom>
+          <a:solidFill>
+            <a:schemeClr val="accent3"/>
+          </a:solidFill>
+          <a:ln>
+            <a:noFill/>
+          </a:ln>
+        </p:spPr>
+        <p:style>
+          <a:lnRef idx="2">
+            <a:schemeClr val="accent1">
+              <a:shade val="50000"/>
+            </a:schemeClr>
+          </a:lnRef>
+          <a:fillRef idx="1">
+            <a:schemeClr val="accent1"/>
+          </a:fillRef>
+          <a:effectRef idx="0">
+            <a:schemeClr val="accent1"/>
+          </a:effectRef>
+          <a:fontRef idx="minor">
+            <a:schemeClr val="lt1"/>
+          </a:fontRef>
+        </p:style>
+        <p:txBody>
+          <a:bodyPr rtlCol="0" anchor="ctr"/>
+          <a:lstStyle/>
+          <a:p>
+            <a:pPr algn="l"/>
+            <a:endParaRPr lang="en-US" dirty="0"/>
+          </a:p>
+        </p:txBody>
+      </p:sp>
+      <p:sp>
+        <p:nvSpPr>
+          <p:cNvPr id="7" name="Text Placeholder 5">
+            <a:extLst>
+              <a:ext uri="{FF2B5EF4-FFF2-40B4-BE49-F238E27FC236}">
+                <a16:creationId xmlns="" xmlns:a16="http://schemas.microsoft.com/office/drawing/2014/main" id="{B237D1CA-B91A-410E-A968-D017BBE99F99}"/>
+              </a:ext>
+            </a:extLst>
+          </p:cNvPr>
+          <p:cNvSpPr>
+            <a:spLocks noGrp="1"/>
+          </p:cNvSpPr>
+          <p:nvPr>
+            <p:ph type="body" sz="quarter" idx="13"/>
+          </p:nvPr>
+        </p:nvSpPr>
+        <p:spPr>
+          <a:xfrm>
+            <a:off x="6928424" y="1054309"/>
+            <a:ext cx="4894956" cy="358775"/>
+          </a:xfrm>
+        </p:spPr>
+        <p:txBody>
+          <a:bodyPr/>
+          <a:lstStyle/>
+          <a:p>
+            <a:r>
+              <a:rPr lang="ko-KR" altLang="en-US" dirty="0" smtClean="0"/>
+              <a:t>구현 내용</a:t>
+            </a:r>
+            <a:endParaRPr lang="en-US" dirty="0"/>
+          </a:p>
+        </p:txBody>
+      </p:sp>
+      <p:sp>
+        <p:nvSpPr>
+          <p:cNvPr id="9" name="Text Placeholder 6">
+            <a:extLst>
+              <a:ext uri="{FF2B5EF4-FFF2-40B4-BE49-F238E27FC236}">
+                <a16:creationId xmlns="" xmlns:a16="http://schemas.microsoft.com/office/drawing/2014/main" id="{26A87885-D672-4CF9-A78D-CFE98385B03A}"/>
+              </a:ext>
+            </a:extLst>
+          </p:cNvPr>
+          <p:cNvSpPr>
+            <a:spLocks noGrp="1"/>
+          </p:cNvSpPr>
+          <p:nvPr>
+            <p:ph type="body" sz="quarter" idx="12"/>
+          </p:nvPr>
+        </p:nvSpPr>
+        <p:spPr>
+          <a:xfrm>
+            <a:off x="6928311" y="1536802"/>
+            <a:ext cx="4895057" cy="4510913"/>
+          </a:xfrm>
+        </p:spPr>
+        <p:txBody>
+          <a:bodyPr/>
+          <a:lstStyle/>
+          <a:p>
+            <a:r>
+              <a:rPr lang="ko-KR" altLang="en-US" dirty="0" smtClean="0"/>
+              <a:t>회원정보수정</a:t>
+            </a:r>
+            <a:endParaRPr lang="en-US" altLang="ko-KR" dirty="0" smtClean="0"/>
+          </a:p>
+          <a:p>
+            <a:pPr lvl="1"/>
+            <a:r>
+              <a:rPr lang="ko-KR" altLang="en-US" dirty="0" smtClean="0"/>
+              <a:t>회원 정보를 </a:t>
+            </a:r>
+            <a:r>
+              <a:rPr lang="en-US" altLang="ko-KR" dirty="0" smtClean="0"/>
+              <a:t>Controller </a:t>
+            </a:r>
+            <a:r>
+              <a:rPr lang="ko-KR" altLang="en-US" dirty="0" smtClean="0"/>
+              <a:t>단에서 불러와 </a:t>
+            </a:r>
+            <a:r>
+              <a:rPr lang="en-US" altLang="ko-KR" dirty="0"/>
+              <a:t> </a:t>
+            </a:r>
+            <a:r>
+              <a:rPr lang="en-US" altLang="ko-KR" dirty="0" smtClean="0"/>
+              <a:t>Request</a:t>
+            </a:r>
+            <a:r>
+              <a:rPr lang="ko-KR" altLang="en-US" dirty="0" smtClean="0"/>
+              <a:t>객체 속성에 저장하여</a:t>
+            </a:r>
+            <a:r>
+              <a:rPr lang="en-US" altLang="ko-KR" dirty="0" smtClean="0"/>
+              <a:t>, JSP</a:t>
+            </a:r>
+            <a:r>
+              <a:rPr lang="ko-KR" altLang="en-US" dirty="0" smtClean="0"/>
+              <a:t>페이지 내에서 </a:t>
+            </a:r>
+            <a:r>
+              <a:rPr lang="en-US" altLang="ko-KR" dirty="0" smtClean="0"/>
+              <a:t>EL</a:t>
+            </a:r>
+            <a:r>
+              <a:rPr lang="ko-KR" altLang="en-US" dirty="0" smtClean="0"/>
+              <a:t>태그를 통해서 표시</a:t>
+            </a:r>
+            <a:endParaRPr lang="en-US" altLang="ko-KR" dirty="0" smtClean="0"/>
+          </a:p>
+          <a:p>
+            <a:pPr lvl="1"/>
+            <a:r>
+              <a:rPr lang="ko-KR" altLang="en-US" dirty="0" smtClean="0"/>
+              <a:t>수정버튼 클릭 시 </a:t>
+            </a:r>
+            <a:r>
+              <a:rPr lang="en-US" altLang="ko-KR" dirty="0" smtClean="0"/>
+              <a:t>Controller </a:t>
+            </a:r>
+            <a:r>
+              <a:rPr lang="ko-KR" altLang="en-US" dirty="0" smtClean="0"/>
+              <a:t>단에서 </a:t>
+            </a:r>
+            <a:r>
+              <a:rPr lang="en-US" altLang="ko-KR" dirty="0" smtClean="0"/>
+              <a:t>DAO</a:t>
+            </a:r>
+            <a:r>
+              <a:rPr lang="ko-KR" altLang="en-US" dirty="0" smtClean="0"/>
+              <a:t>를 호출하여 업데이트 실행</a:t>
+            </a:r>
+            <a:endParaRPr lang="en-US" altLang="ko-KR" dirty="0" smtClean="0"/>
+          </a:p>
+          <a:p>
+            <a:pPr marL="266700" lvl="1" indent="0">
+              <a:buNone/>
+            </a:pPr>
+            <a:endParaRPr lang="en-US" altLang="ko-KR" dirty="0" smtClean="0"/>
+          </a:p>
+          <a:p>
+            <a:pPr marL="266700" lvl="1" indent="0">
+              <a:buNone/>
+            </a:pPr>
+            <a:endParaRPr lang="en-US" altLang="ko-KR" dirty="0" smtClean="0"/>
+          </a:p>
+          <a:p>
+            <a:pPr marL="266700" lvl="1" indent="0">
+              <a:buNone/>
+            </a:pPr>
+            <a:endParaRPr lang="en-US" altLang="ko-KR" dirty="0" smtClean="0"/>
+          </a:p>
+          <a:p>
+            <a:pPr marL="266700" lvl="1" indent="0">
+              <a:buNone/>
+            </a:pPr>
+            <a:endParaRPr lang="en-US" altLang="ko-KR" dirty="0"/>
+          </a:p>
+          <a:p>
+            <a:pPr lvl="1"/>
+            <a:endParaRPr lang="en-US" altLang="ko-KR" dirty="0"/>
+          </a:p>
+          <a:p>
+            <a:pPr marL="266700" lvl="1" indent="0">
+              <a:buNone/>
+            </a:pPr>
+            <a:endParaRPr lang="en-US" dirty="0" smtClean="0"/>
           </a:p>
         </p:txBody>
       </p:sp>
       <p:pic>
         <p:nvPicPr>
-          <p:cNvPr id="10" name="Graphic 9" descr="Smart Phone" title="Icon - Presenter Phone Number">
-            <a:extLst>
-              <a:ext uri="{FF2B5EF4-FFF2-40B4-BE49-F238E27FC236}">
-                <a16:creationId xmlns:a16="http://schemas.microsoft.com/office/drawing/2014/main" xmlns="" id="{A29DE31C-E099-4579-BB03-675E0A40C5F2}"/>
-              </a:ext>
-            </a:extLst>
-          </p:cNvPr>
+          <p:cNvPr id="3" name="그림 2"/>
           <p:cNvPicPr>
             <a:picLocks noChangeAspect="1"/>
           </p:cNvPicPr>
           <p:nvPr/>
         </p:nvPicPr>
         <p:blipFill>
-          <a:blip r:embed="rId5" cstate="screen">
+          <a:blip r:embed="rId2">
             <a:extLst>
               <a:ext uri="{28A0092B-C50C-407E-A947-70E740481C1C}">
-                <a14:useLocalDpi xmlns:a14="http://schemas.microsoft.com/office/drawing/2010/main"/>
-              </a:ext>
-              <a:ext uri="{96DAC541-7B7A-43D3-8B79-37D633B846F1}">
-                <asvg:svgBlip xmlns:asvg="http://schemas.microsoft.com/office/drawing/2016/SVG/main" xmlns="" r:embed="rId6"/>
+                <a14:useLocalDpi xmlns:a14="http://schemas.microsoft.com/office/drawing/2010/main" val="0"/>
               </a:ext>
             </a:extLst>
           </a:blip>
@@ -12299,203 +15947,23 @@
         </p:blipFill>
         <p:spPr>
           <a:xfrm>
-            <a:off x="11485495" y="4355103"/>
-            <a:ext cx="218900" cy="218900"/>
+            <a:off x="556266" y="815767"/>
+            <a:ext cx="3634670" cy="5555584"/>
           </a:xfrm>
           <a:prstGeom prst="rect">
             <a:avLst/>
           </a:prstGeom>
+          <a:ln>
+            <a:solidFill>
+              <a:schemeClr val="tx1"/>
+            </a:solidFill>
+          </a:ln>
         </p:spPr>
       </p:pic>
-      <p:sp>
-        <p:nvSpPr>
-          <p:cNvPr id="6" name="Text Placeholder 5">
-            <a:extLst>
-              <a:ext uri="{FF2B5EF4-FFF2-40B4-BE49-F238E27FC236}">
-                <a16:creationId xmlns:a16="http://schemas.microsoft.com/office/drawing/2014/main" xmlns="" id="{50A3BCC3-A277-4C0B-9EBA-EB53990D8EBD}"/>
-              </a:ext>
-            </a:extLst>
-          </p:cNvPr>
-          <p:cNvSpPr>
-            <a:spLocks noGrp="1"/>
-          </p:cNvSpPr>
-          <p:nvPr>
-            <p:ph type="body" sz="quarter" idx="17"/>
-          </p:nvPr>
-        </p:nvSpPr>
-        <p:spPr>
-          <a:solidFill>
-            <a:schemeClr val="tx1">
-              <a:lumMod val="75000"/>
-              <a:lumOff val="25000"/>
-            </a:schemeClr>
-          </a:solidFill>
-        </p:spPr>
-        <p:txBody>
-          <a:bodyPr/>
-          <a:lstStyle/>
-          <a:p>
-            <a:r>
-              <a:rPr lang="en-US" dirty="0"/>
-              <a:t>april@treyresearch.com</a:t>
-            </a:r>
-          </a:p>
-        </p:txBody>
-      </p:sp>
-      <p:pic>
-        <p:nvPicPr>
-          <p:cNvPr id="9" name="Graphic 8" descr="Envelope" title="Icon Presenter Email">
-            <a:extLst>
-              <a:ext uri="{FF2B5EF4-FFF2-40B4-BE49-F238E27FC236}">
-                <a16:creationId xmlns:a16="http://schemas.microsoft.com/office/drawing/2014/main" xmlns="" id="{773C1382-ACE1-460F-A1B6-AB761A7D2E6B}"/>
-              </a:ext>
-            </a:extLst>
-          </p:cNvPr>
-          <p:cNvPicPr>
-            <a:picLocks noChangeAspect="1"/>
-          </p:cNvPicPr>
-          <p:nvPr/>
-        </p:nvPicPr>
-        <p:blipFill>
-          <a:blip r:embed="rId7" cstate="screen">
-            <a:extLst>
-              <a:ext uri="{28A0092B-C50C-407E-A947-70E740481C1C}">
-                <a14:useLocalDpi xmlns:a14="http://schemas.microsoft.com/office/drawing/2010/main"/>
-              </a:ext>
-              <a:ext uri="{96DAC541-7B7A-43D3-8B79-37D633B846F1}">
-                <asvg:svgBlip xmlns:asvg="http://schemas.microsoft.com/office/drawing/2016/SVG/main" xmlns="" r:embed="rId8"/>
-              </a:ext>
-            </a:extLst>
-          </a:blip>
-          <a:stretch>
-            <a:fillRect/>
-          </a:stretch>
-        </p:blipFill>
-        <p:spPr>
-          <a:xfrm>
-            <a:off x="11485495" y="4703551"/>
-            <a:ext cx="218900" cy="218900"/>
-          </a:xfrm>
-          <a:prstGeom prst="rect">
-            <a:avLst/>
-          </a:prstGeom>
-        </p:spPr>
-      </p:pic>
-      <p:sp>
-        <p:nvSpPr>
-          <p:cNvPr id="16" name="Text Placeholder 15">
-            <a:extLst>
-              <a:ext uri="{FF2B5EF4-FFF2-40B4-BE49-F238E27FC236}">
-                <a16:creationId xmlns:a16="http://schemas.microsoft.com/office/drawing/2014/main" xmlns="" id="{FD8A1232-50A8-4535-AAF9-7F4180EAA0DD}"/>
-              </a:ext>
-            </a:extLst>
-          </p:cNvPr>
-          <p:cNvSpPr>
-            <a:spLocks noGrp="1"/>
-          </p:cNvSpPr>
-          <p:nvPr>
-            <p:ph type="body" sz="quarter" idx="18"/>
-          </p:nvPr>
-        </p:nvSpPr>
-        <p:spPr>
-          <a:solidFill>
-            <a:schemeClr val="tx1">
-              <a:lumMod val="75000"/>
-              <a:lumOff val="25000"/>
-            </a:schemeClr>
-          </a:solidFill>
-        </p:spPr>
-        <p:txBody>
-          <a:bodyPr/>
-          <a:lstStyle/>
-          <a:p>
-            <a:r>
-              <a:rPr lang="en-US" dirty="0"/>
-              <a:t>Trey Research</a:t>
-            </a:r>
-          </a:p>
-        </p:txBody>
-      </p:sp>
-      <p:pic>
-        <p:nvPicPr>
-          <p:cNvPr id="11" name="Graphic 10" descr="Link">
-            <a:extLst>
-              <a:ext uri="{FF2B5EF4-FFF2-40B4-BE49-F238E27FC236}">
-                <a16:creationId xmlns:a16="http://schemas.microsoft.com/office/drawing/2014/main" xmlns="" id="{0718E6E0-05A2-479C-AEA8-1A385EB73474}"/>
-              </a:ext>
-            </a:extLst>
-          </p:cNvPr>
-          <p:cNvPicPr>
-            <a:picLocks noChangeAspect="1"/>
-          </p:cNvPicPr>
-          <p:nvPr/>
-        </p:nvPicPr>
-        <p:blipFill>
-          <a:blip r:embed="rId9" cstate="screen">
-            <a:extLst>
-              <a:ext uri="{28A0092B-C50C-407E-A947-70E740481C1C}">
-                <a14:useLocalDpi xmlns:a14="http://schemas.microsoft.com/office/drawing/2010/main"/>
-              </a:ext>
-              <a:ext uri="{96DAC541-7B7A-43D3-8B79-37D633B846F1}">
-                <asvg:svgBlip xmlns:asvg="http://schemas.microsoft.com/office/drawing/2016/SVG/main" xmlns="" r:embed="rId10"/>
-              </a:ext>
-            </a:extLst>
-          </a:blip>
-          <a:stretch>
-            <a:fillRect/>
-          </a:stretch>
-        </p:blipFill>
-        <p:spPr>
-          <a:xfrm>
-            <a:off x="11472552" y="5040763"/>
-            <a:ext cx="244786" cy="244786"/>
-          </a:xfrm>
-          <a:prstGeom prst="rect">
-            <a:avLst/>
-          </a:prstGeom>
-        </p:spPr>
-      </p:pic>
-      <p:sp>
-        <p:nvSpPr>
-          <p:cNvPr id="12" name="Slide Number Placeholder 11">
-            <a:extLst>
-              <a:ext uri="{FF2B5EF4-FFF2-40B4-BE49-F238E27FC236}">
-                <a16:creationId xmlns:a16="http://schemas.microsoft.com/office/drawing/2014/main" xmlns="" id="{91814EC9-246A-4C6E-941E-5774FE72F08E}"/>
-              </a:ext>
-            </a:extLst>
-          </p:cNvPr>
-          <p:cNvSpPr>
-            <a:spLocks noGrp="1"/>
-          </p:cNvSpPr>
-          <p:nvPr>
-            <p:ph type="sldNum" sz="quarter" idx="20"/>
-          </p:nvPr>
-        </p:nvSpPr>
-        <p:spPr>
-          <a:solidFill>
-            <a:schemeClr val="tx1">
-              <a:lumMod val="95000"/>
-              <a:lumOff val="5000"/>
-            </a:schemeClr>
-          </a:solidFill>
-        </p:spPr>
-        <p:txBody>
-          <a:bodyPr/>
-          <a:lstStyle/>
-          <a:p>
-            <a:fld id="{19B51A1E-902D-48AF-9020-955120F399B6}" type="slidenum">
-              <a:rPr lang="en-US" smtClean="0"/>
-              <a:pPr/>
-              <a:t>8</a:t>
-            </a:fld>
-            <a:endParaRPr lang="en-US" dirty="0"/>
-          </a:p>
-        </p:txBody>
-      </p:sp>
     </p:spTree>
     <p:extLst>
       <p:ext uri="{BB962C8B-B14F-4D97-AF65-F5344CB8AC3E}">
-        <p14:creationId xmlns:p14="http://schemas.microsoft.com/office/powerpoint/2010/main" val="4153678306"/>
+        <p14:creationId xmlns:p14="http://schemas.microsoft.com/office/powerpoint/2010/main" val="1087001110"/>
       </p:ext>
     </p:extLst>
   </p:cSld>
@@ -13545,20 +17013,20 @@
 </file>
 
 <file path=customXml/item2.xml><?xml version="1.0" encoding="utf-8"?>
-<p:properties xmlns:p="http://schemas.microsoft.com/office/2006/metadata/properties" xmlns:xsi="http://www.w3.org/2001/XMLSchema-instance" xmlns:pc="http://schemas.microsoft.com/office/infopath/2007/PartnerControls">
-  <documentManagement>
-    <MediaServiceKeyPoints xmlns="71af3243-3dd4-4a8d-8c0d-dd76da1f02a5" xsi:nil="true"/>
-  </documentManagement>
-</p:properties>
-</file>
-
-<file path=customXml/item3.xml><?xml version="1.0" encoding="utf-8"?>
 <?mso-contentType ?>
 <FormTemplates xmlns="http://schemas.microsoft.com/sharepoint/v3/contenttype/forms">
   <Display>DocumentLibraryForm</Display>
   <Edit>DocumentLibraryForm</Edit>
   <New>DocumentLibraryForm</New>
 </FormTemplates>
+</file>
+
+<file path=customXml/item3.xml><?xml version="1.0" encoding="utf-8"?>
+<p:properties xmlns:p="http://schemas.microsoft.com/office/2006/metadata/properties" xmlns:xsi="http://www.w3.org/2001/XMLSchema-instance" xmlns:pc="http://schemas.microsoft.com/office/infopath/2007/PartnerControls">
+  <documentManagement>
+    <MediaServiceKeyPoints xmlns="71af3243-3dd4-4a8d-8c0d-dd76da1f02a5" xsi:nil="true"/>
+  </documentManagement>
+</p:properties>
 </file>
 
 <file path=customXml/itemProps1.xml><?xml version="1.0" encoding="utf-8"?>
@@ -13581,6 +17049,14 @@
 </file>
 
 <file path=customXml/itemProps2.xml><?xml version="1.0" encoding="utf-8"?>
+<ds:datastoreItem xmlns:ds="http://schemas.openxmlformats.org/officeDocument/2006/customXml" ds:itemID="{B8E15EA0-2F38-456B-B156-038699A5D17F}">
+  <ds:schemaRefs>
+    <ds:schemaRef ds:uri="http://schemas.microsoft.com/sharepoint/v3/contenttype/forms"/>
+  </ds:schemaRefs>
+</ds:datastoreItem>
+</file>
+
+<file path=customXml/itemProps3.xml><?xml version="1.0" encoding="utf-8"?>
 <ds:datastoreItem xmlns:ds="http://schemas.openxmlformats.org/officeDocument/2006/customXml" ds:itemID="{BF90D0D0-7C1D-47FF-A2F0-9937AA567A3D}">
   <ds:schemaRefs>
     <ds:schemaRef ds:uri="http://schemas.microsoft.com/office/2006/metadata/properties"/>
@@ -13588,12 +17064,4 @@
     <ds:schemaRef ds:uri="71af3243-3dd4-4a8d-8c0d-dd76da1f02a5"/>
   </ds:schemaRefs>
 </ds:datastoreItem>
-</file>
-
-<file path=customXml/itemProps3.xml><?xml version="1.0" encoding="utf-8"?>
-<ds:datastoreItem xmlns:ds="http://schemas.openxmlformats.org/officeDocument/2006/customXml" ds:itemID="{B8E15EA0-2F38-456B-B156-038699A5D17F}">
-  <ds:schemaRefs>
-    <ds:schemaRef ds:uri="http://schemas.microsoft.com/sharepoint/v3/contenttype/forms"/>
-  </ds:schemaRefs>
-</ds:datastoreItem>
 </file>
--- a/이형준/my/E-zone.pptx
+++ b/이형준/my/E-zone.pptx
@@ -162,7 +162,7 @@
           <p:cNvPr id="2" name="Header Placeholder 1">
             <a:extLst>
               <a:ext uri="{FF2B5EF4-FFF2-40B4-BE49-F238E27FC236}">
-                <a16:creationId xmlns="" xmlns:a16="http://schemas.microsoft.com/office/drawing/2014/main" id="{B76F666D-E0C2-435B-BAA8-9287F9E5D38A}"/>
+                <a16:creationId xmlns:a16="http://schemas.microsoft.com/office/drawing/2014/main" id="{B76F666D-E0C2-435B-BAA8-9287F9E5D38A}"/>
               </a:ext>
             </a:extLst>
           </p:cNvPr>
@@ -199,7 +199,7 @@
           <p:cNvPr id="3" name="Date Placeholder 2">
             <a:extLst>
               <a:ext uri="{FF2B5EF4-FFF2-40B4-BE49-F238E27FC236}">
-                <a16:creationId xmlns="" xmlns:a16="http://schemas.microsoft.com/office/drawing/2014/main" id="{19FEBCAF-CB3F-4928-91AA-D61472F880C0}"/>
+                <a16:creationId xmlns:a16="http://schemas.microsoft.com/office/drawing/2014/main" id="{19FEBCAF-CB3F-4928-91AA-D61472F880C0}"/>
               </a:ext>
             </a:extLst>
           </p:cNvPr>
@@ -229,7 +229,7 @@
           <a:p>
             <a:fld id="{EF1077DB-935E-4A0A-947A-D283B9F9F452}" type="datetimeFigureOut">
               <a:rPr lang="en-US" smtClean="0"/>
-              <a:t>5/8/2020</a:t>
+              <a:t>5/10/2020</a:t>
             </a:fld>
             <a:endParaRPr lang="en-US"/>
           </a:p>
@@ -240,7 +240,7 @@
           <p:cNvPr id="4" name="Footer Placeholder 3">
             <a:extLst>
               <a:ext uri="{FF2B5EF4-FFF2-40B4-BE49-F238E27FC236}">
-                <a16:creationId xmlns="" xmlns:a16="http://schemas.microsoft.com/office/drawing/2014/main" id="{69256698-63C6-4CCC-81CB-EA5604C30F1E}"/>
+                <a16:creationId xmlns:a16="http://schemas.microsoft.com/office/drawing/2014/main" id="{69256698-63C6-4CCC-81CB-EA5604C30F1E}"/>
               </a:ext>
             </a:extLst>
           </p:cNvPr>
@@ -277,7 +277,7 @@
           <p:cNvPr id="5" name="Slide Number Placeholder 4">
             <a:extLst>
               <a:ext uri="{FF2B5EF4-FFF2-40B4-BE49-F238E27FC236}">
-                <a16:creationId xmlns="" xmlns:a16="http://schemas.microsoft.com/office/drawing/2014/main" id="{B2467FDA-05D7-4760-A373-5D6AEAAF4278}"/>
+                <a16:creationId xmlns:a16="http://schemas.microsoft.com/office/drawing/2014/main" id="{B2467FDA-05D7-4760-A373-5D6AEAAF4278}"/>
               </a:ext>
             </a:extLst>
           </p:cNvPr>
@@ -406,7 +406,7 @@
           <a:p>
             <a:fld id="{2D9EC30E-1A71-4188-9BE7-E2A64929A436}" type="datetimeFigureOut">
               <a:rPr lang="en-US" noProof="0" smtClean="0"/>
-              <a:t>5/8/2020</a:t>
+              <a:t>5/10/2020</a:t>
             </a:fld>
             <a:endParaRPr lang="en-US" noProof="0"/>
           </a:p>
@@ -705,7 +705,7 @@
           <p:cNvPr id="41" name="Picture Placeholder 40">
             <a:extLst>
               <a:ext uri="{FF2B5EF4-FFF2-40B4-BE49-F238E27FC236}">
-                <a16:creationId xmlns="" xmlns:a16="http://schemas.microsoft.com/office/drawing/2014/main" id="{EB7F0EE8-BE52-4A79-8FC8-4A2487FA01FC}"/>
+                <a16:creationId xmlns:a16="http://schemas.microsoft.com/office/drawing/2014/main" id="{EB7F0EE8-BE52-4A79-8FC8-4A2487FA01FC}"/>
               </a:ext>
             </a:extLst>
           </p:cNvPr>
@@ -751,7 +751,7 @@
           <p:cNvPr id="2" name="Title 1">
             <a:extLst>
               <a:ext uri="{FF2B5EF4-FFF2-40B4-BE49-F238E27FC236}">
-                <a16:creationId xmlns="" xmlns:a16="http://schemas.microsoft.com/office/drawing/2014/main" id="{00F23EB7-E336-46EB-A4A0-3DB7A6BF4CE1}"/>
+                <a16:creationId xmlns:a16="http://schemas.microsoft.com/office/drawing/2014/main" id="{00F23EB7-E336-46EB-A4A0-3DB7A6BF4CE1}"/>
               </a:ext>
             </a:extLst>
           </p:cNvPr>
@@ -794,7 +794,7 @@
           <p:cNvPr id="3" name="Subtitle 2">
             <a:extLst>
               <a:ext uri="{FF2B5EF4-FFF2-40B4-BE49-F238E27FC236}">
-                <a16:creationId xmlns="" xmlns:a16="http://schemas.microsoft.com/office/drawing/2014/main" id="{C9980B88-3F4A-4688-9ED0-17EF37E62D93}"/>
+                <a16:creationId xmlns:a16="http://schemas.microsoft.com/office/drawing/2014/main" id="{C9980B88-3F4A-4688-9ED0-17EF37E62D93}"/>
               </a:ext>
             </a:extLst>
           </p:cNvPr>
@@ -833,7 +833,7 @@
           <a:p>
             <a:pPr marL="266700" lvl="0" indent="-266700" algn="ctr"/>
             <a:r>
-              <a:rPr lang="ko-KR" altLang="en-US" noProof="0" smtClean="0"/>
+              <a:rPr lang="ko-KR" altLang="en-US" noProof="0"/>
               <a:t>마스터 부제목 스타일 편집</a:t>
             </a:r>
             <a:endParaRPr lang="en-US" noProof="0"/>
@@ -845,7 +845,7 @@
           <p:cNvPr id="13" name="Rectangle 12">
             <a:extLst>
               <a:ext uri="{FF2B5EF4-FFF2-40B4-BE49-F238E27FC236}">
-                <a16:creationId xmlns="" xmlns:a16="http://schemas.microsoft.com/office/drawing/2014/main" id="{EC0FBB1B-4F0E-4365-BF27-3150FC6C3B90}"/>
+                <a16:creationId xmlns:a16="http://schemas.microsoft.com/office/drawing/2014/main" id="{EC0FBB1B-4F0E-4365-BF27-3150FC6C3B90}"/>
               </a:ext>
             </a:extLst>
           </p:cNvPr>
@@ -899,7 +899,7 @@
           <p:cNvPr id="14" name="Rectangle 13">
             <a:extLst>
               <a:ext uri="{FF2B5EF4-FFF2-40B4-BE49-F238E27FC236}">
-                <a16:creationId xmlns="" xmlns:a16="http://schemas.microsoft.com/office/drawing/2014/main" id="{7A13D8A8-6C3D-4527-959D-41C3213F7F02}"/>
+                <a16:creationId xmlns:a16="http://schemas.microsoft.com/office/drawing/2014/main" id="{7A13D8A8-6C3D-4527-959D-41C3213F7F02}"/>
               </a:ext>
             </a:extLst>
           </p:cNvPr>
@@ -951,7 +951,7 @@
           <p:cNvPr id="15" name="Rectangle 14">
             <a:extLst>
               <a:ext uri="{FF2B5EF4-FFF2-40B4-BE49-F238E27FC236}">
-                <a16:creationId xmlns="" xmlns:a16="http://schemas.microsoft.com/office/drawing/2014/main" id="{9504A767-1C0B-484E-BF7D-CD42D30A52EE}"/>
+                <a16:creationId xmlns:a16="http://schemas.microsoft.com/office/drawing/2014/main" id="{9504A767-1C0B-484E-BF7D-CD42D30A52EE}"/>
               </a:ext>
             </a:extLst>
           </p:cNvPr>
@@ -1008,13 +1008,6 @@
   <p:clrMapOvr>
     <a:masterClrMapping/>
   </p:clrMapOvr>
-  <p:timing>
-    <p:tnLst>
-      <p:par>
-        <p:cTn id="1" dur="indefinite" restart="never" nodeType="tmRoot"/>
-      </p:par>
-    </p:tnLst>
-  </p:timing>
 </p:sldLayout>
 </file>
 
@@ -1040,7 +1033,7 @@
           <p:cNvPr id="2" name="Title 1">
             <a:extLst>
               <a:ext uri="{FF2B5EF4-FFF2-40B4-BE49-F238E27FC236}">
-                <a16:creationId xmlns="" xmlns:a16="http://schemas.microsoft.com/office/drawing/2014/main" id="{40EE479C-D1F6-4BAC-80D2-90EF74E3261A}"/>
+                <a16:creationId xmlns:a16="http://schemas.microsoft.com/office/drawing/2014/main" id="{40EE479C-D1F6-4BAC-80D2-90EF74E3261A}"/>
               </a:ext>
             </a:extLst>
           </p:cNvPr>
@@ -1084,7 +1077,7 @@
           <p:cNvPr id="7" name="Subtitle 2">
             <a:extLst>
               <a:ext uri="{FF2B5EF4-FFF2-40B4-BE49-F238E27FC236}">
-                <a16:creationId xmlns="" xmlns:a16="http://schemas.microsoft.com/office/drawing/2014/main" id="{7DEBF36F-ADC5-48FF-BFAF-3BED06924FD3}"/>
+                <a16:creationId xmlns:a16="http://schemas.microsoft.com/office/drawing/2014/main" id="{7DEBF36F-ADC5-48FF-BFAF-3BED06924FD3}"/>
               </a:ext>
             </a:extLst>
           </p:cNvPr>
@@ -1139,7 +1132,7 @@
           <p:cNvPr id="3" name="Content Placeholder 2">
             <a:extLst>
               <a:ext uri="{FF2B5EF4-FFF2-40B4-BE49-F238E27FC236}">
-                <a16:creationId xmlns="" xmlns:a16="http://schemas.microsoft.com/office/drawing/2014/main" id="{A22238F2-C6EC-476F-8371-119AECBA5622}"/>
+                <a16:creationId xmlns:a16="http://schemas.microsoft.com/office/drawing/2014/main" id="{A22238F2-C6EC-476F-8371-119AECBA5622}"/>
               </a:ext>
             </a:extLst>
           </p:cNvPr>
@@ -1213,35 +1206,35 @@
           <a:p>
             <a:pPr lvl="0"/>
             <a:r>
-              <a:rPr lang="ko-KR" altLang="en-US" noProof="0" smtClean="0"/>
+              <a:rPr lang="ko-KR" altLang="en-US" noProof="0"/>
               <a:t>마스터 텍스트 스타일을 편집합니다</a:t>
             </a:r>
           </a:p>
           <a:p>
             <a:pPr lvl="1"/>
             <a:r>
-              <a:rPr lang="ko-KR" altLang="en-US" noProof="0" smtClean="0"/>
+              <a:rPr lang="ko-KR" altLang="en-US" noProof="0"/>
               <a:t>둘째 수준</a:t>
             </a:r>
           </a:p>
           <a:p>
             <a:pPr lvl="2"/>
             <a:r>
-              <a:rPr lang="ko-KR" altLang="en-US" noProof="0" smtClean="0"/>
+              <a:rPr lang="ko-KR" altLang="en-US" noProof="0"/>
               <a:t>셋째 수준</a:t>
             </a:r>
           </a:p>
           <a:p>
             <a:pPr lvl="3"/>
             <a:r>
-              <a:rPr lang="ko-KR" altLang="en-US" noProof="0" smtClean="0"/>
+              <a:rPr lang="ko-KR" altLang="en-US" noProof="0"/>
               <a:t>넷째 수준</a:t>
             </a:r>
           </a:p>
           <a:p>
             <a:pPr lvl="4"/>
             <a:r>
-              <a:rPr lang="ko-KR" altLang="en-US" noProof="0" smtClean="0"/>
+              <a:rPr lang="ko-KR" altLang="en-US" noProof="0"/>
               <a:t>다섯째 수준</a:t>
             </a:r>
             <a:endParaRPr lang="en-US" noProof="0"/>
@@ -1253,7 +1246,7 @@
           <p:cNvPr id="6" name="Text Placeholder 4">
             <a:extLst>
               <a:ext uri="{FF2B5EF4-FFF2-40B4-BE49-F238E27FC236}">
-                <a16:creationId xmlns="" xmlns:a16="http://schemas.microsoft.com/office/drawing/2014/main" id="{7867C73D-EE16-41D1-B7CE-A35C765E3B8D}"/>
+                <a16:creationId xmlns:a16="http://schemas.microsoft.com/office/drawing/2014/main" id="{7867C73D-EE16-41D1-B7CE-A35C765E3B8D}"/>
               </a:ext>
             </a:extLst>
           </p:cNvPr>
@@ -1276,35 +1269,35 @@
           <a:p>
             <a:pPr lvl="0"/>
             <a:r>
-              <a:rPr lang="ko-KR" altLang="en-US" noProof="0" smtClean="0"/>
+              <a:rPr lang="ko-KR" altLang="en-US" noProof="0"/>
               <a:t>마스터 텍스트 스타일을 편집합니다</a:t>
             </a:r>
           </a:p>
           <a:p>
             <a:pPr lvl="1"/>
             <a:r>
-              <a:rPr lang="ko-KR" altLang="en-US" noProof="0" smtClean="0"/>
+              <a:rPr lang="ko-KR" altLang="en-US" noProof="0"/>
               <a:t>둘째 수준</a:t>
             </a:r>
           </a:p>
           <a:p>
             <a:pPr lvl="2"/>
             <a:r>
-              <a:rPr lang="ko-KR" altLang="en-US" noProof="0" smtClean="0"/>
+              <a:rPr lang="ko-KR" altLang="en-US" noProof="0"/>
               <a:t>셋째 수준</a:t>
             </a:r>
           </a:p>
           <a:p>
             <a:pPr lvl="3"/>
             <a:r>
-              <a:rPr lang="ko-KR" altLang="en-US" noProof="0" smtClean="0"/>
+              <a:rPr lang="ko-KR" altLang="en-US" noProof="0"/>
               <a:t>넷째 수준</a:t>
             </a:r>
           </a:p>
           <a:p>
             <a:pPr lvl="4"/>
             <a:r>
-              <a:rPr lang="ko-KR" altLang="en-US" noProof="0" smtClean="0"/>
+              <a:rPr lang="ko-KR" altLang="en-US" noProof="0"/>
               <a:t>다섯째 수준</a:t>
             </a:r>
             <a:endParaRPr lang="en-US" noProof="0"/>
@@ -1316,7 +1309,7 @@
           <p:cNvPr id="4" name="Footer Placeholder 3">
             <a:extLst>
               <a:ext uri="{FF2B5EF4-FFF2-40B4-BE49-F238E27FC236}">
-                <a16:creationId xmlns="" xmlns:a16="http://schemas.microsoft.com/office/drawing/2014/main" id="{57847F90-9DB6-4832-9EB7-393AADAE8B70}"/>
+                <a16:creationId xmlns:a16="http://schemas.microsoft.com/office/drawing/2014/main" id="{57847F90-9DB6-4832-9EB7-393AADAE8B70}"/>
               </a:ext>
             </a:extLst>
           </p:cNvPr>
@@ -1344,7 +1337,7 @@
           <p:cNvPr id="5" name="Slide Number Placeholder 4">
             <a:extLst>
               <a:ext uri="{FF2B5EF4-FFF2-40B4-BE49-F238E27FC236}">
-                <a16:creationId xmlns="" xmlns:a16="http://schemas.microsoft.com/office/drawing/2014/main" id="{F64CFC6C-1D8B-46C9-B0F7-A8BD88D8AB46}"/>
+                <a16:creationId xmlns:a16="http://schemas.microsoft.com/office/drawing/2014/main" id="{F64CFC6C-1D8B-46C9-B0F7-A8BD88D8AB46}"/>
               </a:ext>
             </a:extLst>
           </p:cNvPr>
@@ -1404,7 +1397,7 @@
           <p:cNvPr id="2" name="Title 1">
             <a:extLst>
               <a:ext uri="{FF2B5EF4-FFF2-40B4-BE49-F238E27FC236}">
-                <a16:creationId xmlns="" xmlns:a16="http://schemas.microsoft.com/office/drawing/2014/main" id="{5CFF4C50-933F-41F9-AD11-BD02410AA7D5}"/>
+                <a16:creationId xmlns:a16="http://schemas.microsoft.com/office/drawing/2014/main" id="{5CFF4C50-933F-41F9-AD11-BD02410AA7D5}"/>
               </a:ext>
             </a:extLst>
           </p:cNvPr>
@@ -1448,7 +1441,7 @@
           <p:cNvPr id="9" name="Subtitle 2">
             <a:extLst>
               <a:ext uri="{FF2B5EF4-FFF2-40B4-BE49-F238E27FC236}">
-                <a16:creationId xmlns="" xmlns:a16="http://schemas.microsoft.com/office/drawing/2014/main" id="{F94EB5D3-F8CB-4E76-8D7E-FF441818EECB}"/>
+                <a16:creationId xmlns:a16="http://schemas.microsoft.com/office/drawing/2014/main" id="{F94EB5D3-F8CB-4E76-8D7E-FF441818EECB}"/>
               </a:ext>
             </a:extLst>
           </p:cNvPr>
@@ -1503,7 +1496,7 @@
           <p:cNvPr id="3" name="Content Placeholder 2">
             <a:extLst>
               <a:ext uri="{FF2B5EF4-FFF2-40B4-BE49-F238E27FC236}">
-                <a16:creationId xmlns="" xmlns:a16="http://schemas.microsoft.com/office/drawing/2014/main" id="{B1948E38-8FB0-4E51-A01C-C88794372E50}"/>
+                <a16:creationId xmlns:a16="http://schemas.microsoft.com/office/drawing/2014/main" id="{B1948E38-8FB0-4E51-A01C-C88794372E50}"/>
               </a:ext>
             </a:extLst>
           </p:cNvPr>
@@ -1577,35 +1570,35 @@
           <a:p>
             <a:pPr lvl="0"/>
             <a:r>
-              <a:rPr lang="ko-KR" altLang="en-US" noProof="0" smtClean="0"/>
+              <a:rPr lang="ko-KR" altLang="en-US" noProof="0"/>
               <a:t>마스터 텍스트 스타일을 편집합니다</a:t>
             </a:r>
           </a:p>
           <a:p>
             <a:pPr lvl="1"/>
             <a:r>
-              <a:rPr lang="ko-KR" altLang="en-US" noProof="0" smtClean="0"/>
+              <a:rPr lang="ko-KR" altLang="en-US" noProof="0"/>
               <a:t>둘째 수준</a:t>
             </a:r>
           </a:p>
           <a:p>
             <a:pPr lvl="2"/>
             <a:r>
-              <a:rPr lang="ko-KR" altLang="en-US" noProof="0" smtClean="0"/>
+              <a:rPr lang="ko-KR" altLang="en-US" noProof="0"/>
               <a:t>셋째 수준</a:t>
             </a:r>
           </a:p>
           <a:p>
             <a:pPr lvl="3"/>
             <a:r>
-              <a:rPr lang="ko-KR" altLang="en-US" noProof="0" smtClean="0"/>
+              <a:rPr lang="ko-KR" altLang="en-US" noProof="0"/>
               <a:t>넷째 수준</a:t>
             </a:r>
           </a:p>
           <a:p>
             <a:pPr lvl="4"/>
             <a:r>
-              <a:rPr lang="ko-KR" altLang="en-US" noProof="0" smtClean="0"/>
+              <a:rPr lang="ko-KR" altLang="en-US" noProof="0"/>
               <a:t>다섯째 수준</a:t>
             </a:r>
             <a:endParaRPr lang="en-US" noProof="0"/>
@@ -1617,7 +1610,7 @@
           <p:cNvPr id="5" name="Text Placeholder 4">
             <a:extLst>
               <a:ext uri="{FF2B5EF4-FFF2-40B4-BE49-F238E27FC236}">
-                <a16:creationId xmlns="" xmlns:a16="http://schemas.microsoft.com/office/drawing/2014/main" id="{16A38E24-EB1C-472F-B631-5DF32F9C4CF5}"/>
+                <a16:creationId xmlns:a16="http://schemas.microsoft.com/office/drawing/2014/main" id="{16A38E24-EB1C-472F-B631-5DF32F9C4CF5}"/>
               </a:ext>
             </a:extLst>
           </p:cNvPr>
@@ -1640,35 +1633,35 @@
           <a:p>
             <a:pPr lvl="0"/>
             <a:r>
-              <a:rPr lang="ko-KR" altLang="en-US" noProof="0" smtClean="0"/>
+              <a:rPr lang="ko-KR" altLang="en-US" noProof="0"/>
               <a:t>마스터 텍스트 스타일을 편집합니다</a:t>
             </a:r>
           </a:p>
           <a:p>
             <a:pPr lvl="1"/>
             <a:r>
-              <a:rPr lang="ko-KR" altLang="en-US" noProof="0" smtClean="0"/>
+              <a:rPr lang="ko-KR" altLang="en-US" noProof="0"/>
               <a:t>둘째 수준</a:t>
             </a:r>
           </a:p>
           <a:p>
             <a:pPr lvl="2"/>
             <a:r>
-              <a:rPr lang="ko-KR" altLang="en-US" noProof="0" smtClean="0"/>
+              <a:rPr lang="ko-KR" altLang="en-US" noProof="0"/>
               <a:t>셋째 수준</a:t>
             </a:r>
           </a:p>
           <a:p>
             <a:pPr lvl="3"/>
             <a:r>
-              <a:rPr lang="ko-KR" altLang="en-US" noProof="0" smtClean="0"/>
+              <a:rPr lang="ko-KR" altLang="en-US" noProof="0"/>
               <a:t>넷째 수준</a:t>
             </a:r>
           </a:p>
           <a:p>
             <a:pPr lvl="4"/>
             <a:r>
-              <a:rPr lang="ko-KR" altLang="en-US" noProof="0" smtClean="0"/>
+              <a:rPr lang="ko-KR" altLang="en-US" noProof="0"/>
               <a:t>다섯째 수준</a:t>
             </a:r>
             <a:endParaRPr lang="en-US" noProof="0"/>
@@ -1680,7 +1673,7 @@
           <p:cNvPr id="11" name="Text Placeholder 5">
             <a:extLst>
               <a:ext uri="{FF2B5EF4-FFF2-40B4-BE49-F238E27FC236}">
-                <a16:creationId xmlns="" xmlns:a16="http://schemas.microsoft.com/office/drawing/2014/main" id="{5B4A252E-78C9-4F76-98A4-A4B580AD072A}"/>
+                <a16:creationId xmlns:a16="http://schemas.microsoft.com/office/drawing/2014/main" id="{5B4A252E-78C9-4F76-98A4-A4B580AD072A}"/>
               </a:ext>
             </a:extLst>
           </p:cNvPr>
@@ -1703,35 +1696,35 @@
           <a:p>
             <a:pPr lvl="0"/>
             <a:r>
-              <a:rPr lang="ko-KR" altLang="en-US" noProof="0" smtClean="0"/>
+              <a:rPr lang="ko-KR" altLang="en-US" noProof="0"/>
               <a:t>마스터 텍스트 스타일을 편집합니다</a:t>
             </a:r>
           </a:p>
           <a:p>
             <a:pPr lvl="1"/>
             <a:r>
-              <a:rPr lang="ko-KR" altLang="en-US" noProof="0" smtClean="0"/>
+              <a:rPr lang="ko-KR" altLang="en-US" noProof="0"/>
               <a:t>둘째 수준</a:t>
             </a:r>
           </a:p>
           <a:p>
             <a:pPr lvl="2"/>
             <a:r>
-              <a:rPr lang="ko-KR" altLang="en-US" noProof="0" smtClean="0"/>
+              <a:rPr lang="ko-KR" altLang="en-US" noProof="0"/>
               <a:t>셋째 수준</a:t>
             </a:r>
           </a:p>
           <a:p>
             <a:pPr lvl="3"/>
             <a:r>
-              <a:rPr lang="ko-KR" altLang="en-US" noProof="0" smtClean="0"/>
+              <a:rPr lang="ko-KR" altLang="en-US" noProof="0"/>
               <a:t>넷째 수준</a:t>
             </a:r>
           </a:p>
           <a:p>
             <a:pPr lvl="4"/>
             <a:r>
-              <a:rPr lang="ko-KR" altLang="en-US" noProof="0" smtClean="0"/>
+              <a:rPr lang="ko-KR" altLang="en-US" noProof="0"/>
               <a:t>다섯째 수준</a:t>
             </a:r>
             <a:endParaRPr lang="en-US" noProof="0"/>
@@ -1743,7 +1736,7 @@
           <p:cNvPr id="4" name="Footer Placeholder 3">
             <a:extLst>
               <a:ext uri="{FF2B5EF4-FFF2-40B4-BE49-F238E27FC236}">
-                <a16:creationId xmlns="" xmlns:a16="http://schemas.microsoft.com/office/drawing/2014/main" id="{6D4BCA97-F31B-451D-82F8-6E000DF2118A}"/>
+                <a16:creationId xmlns:a16="http://schemas.microsoft.com/office/drawing/2014/main" id="{6D4BCA97-F31B-451D-82F8-6E000DF2118A}"/>
               </a:ext>
             </a:extLst>
           </p:cNvPr>
@@ -1771,7 +1764,7 @@
           <p:cNvPr id="6" name="Slide Number Placeholder 5">
             <a:extLst>
               <a:ext uri="{FF2B5EF4-FFF2-40B4-BE49-F238E27FC236}">
-                <a16:creationId xmlns="" xmlns:a16="http://schemas.microsoft.com/office/drawing/2014/main" id="{0817AAC4-A657-4D75-A527-0307AFF2B17B}"/>
+                <a16:creationId xmlns:a16="http://schemas.microsoft.com/office/drawing/2014/main" id="{0817AAC4-A657-4D75-A527-0307AFF2B17B}"/>
               </a:ext>
             </a:extLst>
           </p:cNvPr>
@@ -1831,7 +1824,7 @@
           <p:cNvPr id="2" name="Title 1">
             <a:extLst>
               <a:ext uri="{FF2B5EF4-FFF2-40B4-BE49-F238E27FC236}">
-                <a16:creationId xmlns="" xmlns:a16="http://schemas.microsoft.com/office/drawing/2014/main" id="{5CFF4C50-933F-41F9-AD11-BD02410AA7D5}"/>
+                <a16:creationId xmlns:a16="http://schemas.microsoft.com/office/drawing/2014/main" id="{5CFF4C50-933F-41F9-AD11-BD02410AA7D5}"/>
               </a:ext>
             </a:extLst>
           </p:cNvPr>
@@ -1875,7 +1868,7 @@
           <p:cNvPr id="10" name="Subtitle 2">
             <a:extLst>
               <a:ext uri="{FF2B5EF4-FFF2-40B4-BE49-F238E27FC236}">
-                <a16:creationId xmlns="" xmlns:a16="http://schemas.microsoft.com/office/drawing/2014/main" id="{9D7ACCB5-9A86-4F46-89E2-B79F48C9EC1D}"/>
+                <a16:creationId xmlns:a16="http://schemas.microsoft.com/office/drawing/2014/main" id="{9D7ACCB5-9A86-4F46-89E2-B79F48C9EC1D}"/>
               </a:ext>
             </a:extLst>
           </p:cNvPr>
@@ -1930,7 +1923,7 @@
           <p:cNvPr id="3" name="Content Placeholder 2">
             <a:extLst>
               <a:ext uri="{FF2B5EF4-FFF2-40B4-BE49-F238E27FC236}">
-                <a16:creationId xmlns="" xmlns:a16="http://schemas.microsoft.com/office/drawing/2014/main" id="{B1948E38-8FB0-4E51-A01C-C88794372E50}"/>
+                <a16:creationId xmlns:a16="http://schemas.microsoft.com/office/drawing/2014/main" id="{B1948E38-8FB0-4E51-A01C-C88794372E50}"/>
               </a:ext>
             </a:extLst>
           </p:cNvPr>
@@ -2004,35 +1997,35 @@
           <a:p>
             <a:pPr lvl="0"/>
             <a:r>
-              <a:rPr lang="ko-KR" altLang="en-US" noProof="0" smtClean="0"/>
+              <a:rPr lang="ko-KR" altLang="en-US" noProof="0"/>
               <a:t>마스터 텍스트 스타일을 편집합니다</a:t>
             </a:r>
           </a:p>
           <a:p>
             <a:pPr lvl="1"/>
             <a:r>
-              <a:rPr lang="ko-KR" altLang="en-US" noProof="0" smtClean="0"/>
+              <a:rPr lang="ko-KR" altLang="en-US" noProof="0"/>
               <a:t>둘째 수준</a:t>
             </a:r>
           </a:p>
           <a:p>
             <a:pPr lvl="2"/>
             <a:r>
-              <a:rPr lang="ko-KR" altLang="en-US" noProof="0" smtClean="0"/>
+              <a:rPr lang="ko-KR" altLang="en-US" noProof="0"/>
               <a:t>셋째 수준</a:t>
             </a:r>
           </a:p>
           <a:p>
             <a:pPr lvl="3"/>
             <a:r>
-              <a:rPr lang="ko-KR" altLang="en-US" noProof="0" smtClean="0"/>
+              <a:rPr lang="ko-KR" altLang="en-US" noProof="0"/>
               <a:t>넷째 수준</a:t>
             </a:r>
           </a:p>
           <a:p>
             <a:pPr lvl="4"/>
             <a:r>
-              <a:rPr lang="ko-KR" altLang="en-US" noProof="0" smtClean="0"/>
+              <a:rPr lang="ko-KR" altLang="en-US" noProof="0"/>
               <a:t>다섯째 수준</a:t>
             </a:r>
             <a:endParaRPr lang="en-US" noProof="0"/>
@@ -2044,7 +2037,7 @@
           <p:cNvPr id="5" name="Text Placeholder 4">
             <a:extLst>
               <a:ext uri="{FF2B5EF4-FFF2-40B4-BE49-F238E27FC236}">
-                <a16:creationId xmlns="" xmlns:a16="http://schemas.microsoft.com/office/drawing/2014/main" id="{1F5B3657-F2AE-455A-BF81-1A0C2ACECD20}"/>
+                <a16:creationId xmlns:a16="http://schemas.microsoft.com/office/drawing/2014/main" id="{1F5B3657-F2AE-455A-BF81-1A0C2ACECD20}"/>
               </a:ext>
             </a:extLst>
           </p:cNvPr>
@@ -2067,35 +2060,35 @@
           <a:p>
             <a:pPr lvl="0"/>
             <a:r>
-              <a:rPr lang="ko-KR" altLang="en-US" noProof="0" smtClean="0"/>
+              <a:rPr lang="ko-KR" altLang="en-US" noProof="0"/>
               <a:t>마스터 텍스트 스타일을 편집합니다</a:t>
             </a:r>
           </a:p>
           <a:p>
             <a:pPr lvl="1"/>
             <a:r>
-              <a:rPr lang="ko-KR" altLang="en-US" noProof="0" smtClean="0"/>
+              <a:rPr lang="ko-KR" altLang="en-US" noProof="0"/>
               <a:t>둘째 수준</a:t>
             </a:r>
           </a:p>
           <a:p>
             <a:pPr lvl="2"/>
             <a:r>
-              <a:rPr lang="ko-KR" altLang="en-US" noProof="0" smtClean="0"/>
+              <a:rPr lang="ko-KR" altLang="en-US" noProof="0"/>
               <a:t>셋째 수준</a:t>
             </a:r>
           </a:p>
           <a:p>
             <a:pPr lvl="3"/>
             <a:r>
-              <a:rPr lang="ko-KR" altLang="en-US" noProof="0" smtClean="0"/>
+              <a:rPr lang="ko-KR" altLang="en-US" noProof="0"/>
               <a:t>넷째 수준</a:t>
             </a:r>
           </a:p>
           <a:p>
             <a:pPr lvl="4"/>
             <a:r>
-              <a:rPr lang="ko-KR" altLang="en-US" noProof="0" smtClean="0"/>
+              <a:rPr lang="ko-KR" altLang="en-US" noProof="0"/>
               <a:t>다섯째 수준</a:t>
             </a:r>
             <a:endParaRPr lang="en-US" noProof="0"/>
@@ -2107,7 +2100,7 @@
           <p:cNvPr id="13" name="Text Placeholder 5">
             <a:extLst>
               <a:ext uri="{FF2B5EF4-FFF2-40B4-BE49-F238E27FC236}">
-                <a16:creationId xmlns="" xmlns:a16="http://schemas.microsoft.com/office/drawing/2014/main" id="{6A983D98-E0AB-429A-9EC2-B50D4216D691}"/>
+                <a16:creationId xmlns:a16="http://schemas.microsoft.com/office/drawing/2014/main" id="{6A983D98-E0AB-429A-9EC2-B50D4216D691}"/>
               </a:ext>
             </a:extLst>
           </p:cNvPr>
@@ -2130,35 +2123,35 @@
           <a:p>
             <a:pPr lvl="0"/>
             <a:r>
-              <a:rPr lang="ko-KR" altLang="en-US" noProof="0" smtClean="0"/>
+              <a:rPr lang="ko-KR" altLang="en-US" noProof="0"/>
               <a:t>마스터 텍스트 스타일을 편집합니다</a:t>
             </a:r>
           </a:p>
           <a:p>
             <a:pPr lvl="1"/>
             <a:r>
-              <a:rPr lang="ko-KR" altLang="en-US" noProof="0" smtClean="0"/>
+              <a:rPr lang="ko-KR" altLang="en-US" noProof="0"/>
               <a:t>둘째 수준</a:t>
             </a:r>
           </a:p>
           <a:p>
             <a:pPr lvl="2"/>
             <a:r>
-              <a:rPr lang="ko-KR" altLang="en-US" noProof="0" smtClean="0"/>
+              <a:rPr lang="ko-KR" altLang="en-US" noProof="0"/>
               <a:t>셋째 수준</a:t>
             </a:r>
           </a:p>
           <a:p>
             <a:pPr lvl="3"/>
             <a:r>
-              <a:rPr lang="ko-KR" altLang="en-US" noProof="0" smtClean="0"/>
+              <a:rPr lang="ko-KR" altLang="en-US" noProof="0"/>
               <a:t>넷째 수준</a:t>
             </a:r>
           </a:p>
           <a:p>
             <a:pPr lvl="4"/>
             <a:r>
-              <a:rPr lang="ko-KR" altLang="en-US" noProof="0" smtClean="0"/>
+              <a:rPr lang="ko-KR" altLang="en-US" noProof="0"/>
               <a:t>다섯째 수준</a:t>
             </a:r>
             <a:endParaRPr lang="en-US" noProof="0"/>
@@ -2170,7 +2163,7 @@
           <p:cNvPr id="15" name="Text Placeholder 6">
             <a:extLst>
               <a:ext uri="{FF2B5EF4-FFF2-40B4-BE49-F238E27FC236}">
-                <a16:creationId xmlns="" xmlns:a16="http://schemas.microsoft.com/office/drawing/2014/main" id="{755213BF-EF6D-45DC-A01B-DE6C2F23A6D2}"/>
+                <a16:creationId xmlns:a16="http://schemas.microsoft.com/office/drawing/2014/main" id="{755213BF-EF6D-45DC-A01B-DE6C2F23A6D2}"/>
               </a:ext>
             </a:extLst>
           </p:cNvPr>
@@ -2193,35 +2186,35 @@
           <a:p>
             <a:pPr lvl="0"/>
             <a:r>
-              <a:rPr lang="ko-KR" altLang="en-US" noProof="0" smtClean="0"/>
+              <a:rPr lang="ko-KR" altLang="en-US" noProof="0"/>
               <a:t>마스터 텍스트 스타일을 편집합니다</a:t>
             </a:r>
           </a:p>
           <a:p>
             <a:pPr lvl="1"/>
             <a:r>
-              <a:rPr lang="ko-KR" altLang="en-US" noProof="0" smtClean="0"/>
+              <a:rPr lang="ko-KR" altLang="en-US" noProof="0"/>
               <a:t>둘째 수준</a:t>
             </a:r>
           </a:p>
           <a:p>
             <a:pPr lvl="2"/>
             <a:r>
-              <a:rPr lang="ko-KR" altLang="en-US" noProof="0" smtClean="0"/>
+              <a:rPr lang="ko-KR" altLang="en-US" noProof="0"/>
               <a:t>셋째 수준</a:t>
             </a:r>
           </a:p>
           <a:p>
             <a:pPr lvl="3"/>
             <a:r>
-              <a:rPr lang="ko-KR" altLang="en-US" noProof="0" smtClean="0"/>
+              <a:rPr lang="ko-KR" altLang="en-US" noProof="0"/>
               <a:t>넷째 수준</a:t>
             </a:r>
           </a:p>
           <a:p>
             <a:pPr lvl="4"/>
             <a:r>
-              <a:rPr lang="ko-KR" altLang="en-US" noProof="0" smtClean="0"/>
+              <a:rPr lang="ko-KR" altLang="en-US" noProof="0"/>
               <a:t>다섯째 수준</a:t>
             </a:r>
             <a:endParaRPr lang="en-US" noProof="0"/>
@@ -2233,7 +2226,7 @@
           <p:cNvPr id="17" name="Text Placeholder 7">
             <a:extLst>
               <a:ext uri="{FF2B5EF4-FFF2-40B4-BE49-F238E27FC236}">
-                <a16:creationId xmlns="" xmlns:a16="http://schemas.microsoft.com/office/drawing/2014/main" id="{77D6BBBA-F4A3-45D4-91BC-A405FFDC7C3D}"/>
+                <a16:creationId xmlns:a16="http://schemas.microsoft.com/office/drawing/2014/main" id="{77D6BBBA-F4A3-45D4-91BC-A405FFDC7C3D}"/>
               </a:ext>
             </a:extLst>
           </p:cNvPr>
@@ -2256,35 +2249,35 @@
           <a:p>
             <a:pPr lvl="0"/>
             <a:r>
-              <a:rPr lang="ko-KR" altLang="en-US" noProof="0" smtClean="0"/>
+              <a:rPr lang="ko-KR" altLang="en-US" noProof="0"/>
               <a:t>마스터 텍스트 스타일을 편집합니다</a:t>
             </a:r>
           </a:p>
           <a:p>
             <a:pPr lvl="1"/>
             <a:r>
-              <a:rPr lang="ko-KR" altLang="en-US" noProof="0" smtClean="0"/>
+              <a:rPr lang="ko-KR" altLang="en-US" noProof="0"/>
               <a:t>둘째 수준</a:t>
             </a:r>
           </a:p>
           <a:p>
             <a:pPr lvl="2"/>
             <a:r>
-              <a:rPr lang="ko-KR" altLang="en-US" noProof="0" smtClean="0"/>
+              <a:rPr lang="ko-KR" altLang="en-US" noProof="0"/>
               <a:t>셋째 수준</a:t>
             </a:r>
           </a:p>
           <a:p>
             <a:pPr lvl="3"/>
             <a:r>
-              <a:rPr lang="ko-KR" altLang="en-US" noProof="0" smtClean="0"/>
+              <a:rPr lang="ko-KR" altLang="en-US" noProof="0"/>
               <a:t>넷째 수준</a:t>
             </a:r>
           </a:p>
           <a:p>
             <a:pPr lvl="4"/>
             <a:r>
-              <a:rPr lang="ko-KR" altLang="en-US" noProof="0" smtClean="0"/>
+              <a:rPr lang="ko-KR" altLang="en-US" noProof="0"/>
               <a:t>다섯째 수준</a:t>
             </a:r>
             <a:endParaRPr lang="en-US" noProof="0"/>
@@ -2296,7 +2289,7 @@
           <p:cNvPr id="4" name="Footer Placeholder 3">
             <a:extLst>
               <a:ext uri="{FF2B5EF4-FFF2-40B4-BE49-F238E27FC236}">
-                <a16:creationId xmlns="" xmlns:a16="http://schemas.microsoft.com/office/drawing/2014/main" id="{2D09234E-176D-4BBF-9391-7B6F018C51AB}"/>
+                <a16:creationId xmlns:a16="http://schemas.microsoft.com/office/drawing/2014/main" id="{2D09234E-176D-4BBF-9391-7B6F018C51AB}"/>
               </a:ext>
             </a:extLst>
           </p:cNvPr>
@@ -2324,7 +2317,7 @@
           <p:cNvPr id="6" name="Slide Number Placeholder 5">
             <a:extLst>
               <a:ext uri="{FF2B5EF4-FFF2-40B4-BE49-F238E27FC236}">
-                <a16:creationId xmlns="" xmlns:a16="http://schemas.microsoft.com/office/drawing/2014/main" id="{009ABD5E-B8F1-4246-B167-09138760AD7D}"/>
+                <a16:creationId xmlns:a16="http://schemas.microsoft.com/office/drawing/2014/main" id="{009ABD5E-B8F1-4246-B167-09138760AD7D}"/>
               </a:ext>
             </a:extLst>
           </p:cNvPr>
@@ -2394,7 +2387,7 @@
           <p:cNvPr id="2" name="Title 1">
             <a:extLst>
               <a:ext uri="{FF2B5EF4-FFF2-40B4-BE49-F238E27FC236}">
-                <a16:creationId xmlns="" xmlns:a16="http://schemas.microsoft.com/office/drawing/2014/main" id="{00F23EB7-E336-46EB-A4A0-3DB7A6BF4CE1}"/>
+                <a16:creationId xmlns:a16="http://schemas.microsoft.com/office/drawing/2014/main" id="{00F23EB7-E336-46EB-A4A0-3DB7A6BF4CE1}"/>
               </a:ext>
             </a:extLst>
           </p:cNvPr>
@@ -2437,7 +2430,7 @@
           <p:cNvPr id="3" name="Subtitle 2">
             <a:extLst>
               <a:ext uri="{FF2B5EF4-FFF2-40B4-BE49-F238E27FC236}">
-                <a16:creationId xmlns="" xmlns:a16="http://schemas.microsoft.com/office/drawing/2014/main" id="{C9980B88-3F4A-4688-9ED0-17EF37E62D93}"/>
+                <a16:creationId xmlns:a16="http://schemas.microsoft.com/office/drawing/2014/main" id="{C9980B88-3F4A-4688-9ED0-17EF37E62D93}"/>
               </a:ext>
             </a:extLst>
           </p:cNvPr>
@@ -2476,7 +2469,7 @@
           <a:p>
             <a:pPr marL="266700" lvl="0" indent="-266700" algn="ctr"/>
             <a:r>
-              <a:rPr lang="ko-KR" altLang="en-US" noProof="0" smtClean="0"/>
+              <a:rPr lang="ko-KR" altLang="en-US" noProof="0"/>
               <a:t>마스터 부제목 스타일 편집</a:t>
             </a:r>
             <a:endParaRPr lang="en-US" noProof="0"/>
@@ -2488,7 +2481,7 @@
           <p:cNvPr id="13" name="Rectangle 12">
             <a:extLst>
               <a:ext uri="{FF2B5EF4-FFF2-40B4-BE49-F238E27FC236}">
-                <a16:creationId xmlns="" xmlns:a16="http://schemas.microsoft.com/office/drawing/2014/main" id="{EC0FBB1B-4F0E-4365-BF27-3150FC6C3B90}"/>
+                <a16:creationId xmlns:a16="http://schemas.microsoft.com/office/drawing/2014/main" id="{EC0FBB1B-4F0E-4365-BF27-3150FC6C3B90}"/>
               </a:ext>
             </a:extLst>
           </p:cNvPr>
@@ -2542,7 +2535,7 @@
           <p:cNvPr id="14" name="Rectangle 13">
             <a:extLst>
               <a:ext uri="{FF2B5EF4-FFF2-40B4-BE49-F238E27FC236}">
-                <a16:creationId xmlns="" xmlns:a16="http://schemas.microsoft.com/office/drawing/2014/main" id="{7A13D8A8-6C3D-4527-959D-41C3213F7F02}"/>
+                <a16:creationId xmlns:a16="http://schemas.microsoft.com/office/drawing/2014/main" id="{7A13D8A8-6C3D-4527-959D-41C3213F7F02}"/>
               </a:ext>
             </a:extLst>
           </p:cNvPr>
@@ -2594,7 +2587,7 @@
           <p:cNvPr id="15" name="Rectangle 14">
             <a:extLst>
               <a:ext uri="{FF2B5EF4-FFF2-40B4-BE49-F238E27FC236}">
-                <a16:creationId xmlns="" xmlns:a16="http://schemas.microsoft.com/office/drawing/2014/main" id="{9504A767-1C0B-484E-BF7D-CD42D30A52EE}"/>
+                <a16:creationId xmlns:a16="http://schemas.microsoft.com/office/drawing/2014/main" id="{9504A767-1C0B-484E-BF7D-CD42D30A52EE}"/>
               </a:ext>
             </a:extLst>
           </p:cNvPr>
@@ -2646,7 +2639,7 @@
           <p:cNvPr id="8" name="Rectangle 7">
             <a:extLst>
               <a:ext uri="{FF2B5EF4-FFF2-40B4-BE49-F238E27FC236}">
-                <a16:creationId xmlns="" xmlns:a16="http://schemas.microsoft.com/office/drawing/2014/main" id="{51DD44D8-4A8F-4693-B90A-166855B29D25}"/>
+                <a16:creationId xmlns:a16="http://schemas.microsoft.com/office/drawing/2014/main" id="{51DD44D8-4A8F-4693-B90A-166855B29D25}"/>
               </a:ext>
             </a:extLst>
           </p:cNvPr>
@@ -2700,13 +2693,6 @@
   <p:clrMapOvr>
     <a:masterClrMapping/>
   </p:clrMapOvr>
-  <p:timing>
-    <p:tnLst>
-      <p:par>
-        <p:cTn id="1" dur="indefinite" restart="never" nodeType="tmRoot"/>
-      </p:par>
-    </p:tnLst>
-  </p:timing>
 </p:sldLayout>
 </file>
 
@@ -2743,7 +2729,7 @@
           <p:cNvPr id="3" name="Title 1">
             <a:extLst>
               <a:ext uri="{FF2B5EF4-FFF2-40B4-BE49-F238E27FC236}">
-                <a16:creationId xmlns="" xmlns:a16="http://schemas.microsoft.com/office/drawing/2014/main" id="{E473AB13-DFF9-4538-9907-E261659E0E01}"/>
+                <a16:creationId xmlns:a16="http://schemas.microsoft.com/office/drawing/2014/main" id="{E473AB13-DFF9-4538-9907-E261659E0E01}"/>
               </a:ext>
             </a:extLst>
           </p:cNvPr>
@@ -2791,7 +2777,7 @@
           <p:cNvPr id="4" name="Footer Placeholder 3">
             <a:extLst>
               <a:ext uri="{FF2B5EF4-FFF2-40B4-BE49-F238E27FC236}">
-                <a16:creationId xmlns="" xmlns:a16="http://schemas.microsoft.com/office/drawing/2014/main" id="{6816FE98-6A12-44EC-8485-8B5EFABDF9B2}"/>
+                <a16:creationId xmlns:a16="http://schemas.microsoft.com/office/drawing/2014/main" id="{6816FE98-6A12-44EC-8485-8B5EFABDF9B2}"/>
               </a:ext>
             </a:extLst>
           </p:cNvPr>
@@ -2819,7 +2805,7 @@
           <p:cNvPr id="8" name="Rectangle 7">
             <a:extLst>
               <a:ext uri="{FF2B5EF4-FFF2-40B4-BE49-F238E27FC236}">
-                <a16:creationId xmlns="" xmlns:a16="http://schemas.microsoft.com/office/drawing/2014/main" id="{51DD44D8-4A8F-4693-B90A-166855B29D25}"/>
+                <a16:creationId xmlns:a16="http://schemas.microsoft.com/office/drawing/2014/main" id="{51DD44D8-4A8F-4693-B90A-166855B29D25}"/>
               </a:ext>
             </a:extLst>
           </p:cNvPr>
@@ -2871,7 +2857,7 @@
           <p:cNvPr id="13" name="Rectangle 12">
             <a:extLst>
               <a:ext uri="{FF2B5EF4-FFF2-40B4-BE49-F238E27FC236}">
-                <a16:creationId xmlns="" xmlns:a16="http://schemas.microsoft.com/office/drawing/2014/main" id="{EC0FBB1B-4F0E-4365-BF27-3150FC6C3B90}"/>
+                <a16:creationId xmlns:a16="http://schemas.microsoft.com/office/drawing/2014/main" id="{EC0FBB1B-4F0E-4365-BF27-3150FC6C3B90}"/>
               </a:ext>
             </a:extLst>
           </p:cNvPr>
@@ -2925,7 +2911,7 @@
           <p:cNvPr id="14" name="Rectangle 13">
             <a:extLst>
               <a:ext uri="{FF2B5EF4-FFF2-40B4-BE49-F238E27FC236}">
-                <a16:creationId xmlns="" xmlns:a16="http://schemas.microsoft.com/office/drawing/2014/main" id="{7A13D8A8-6C3D-4527-959D-41C3213F7F02}"/>
+                <a16:creationId xmlns:a16="http://schemas.microsoft.com/office/drawing/2014/main" id="{7A13D8A8-6C3D-4527-959D-41C3213F7F02}"/>
               </a:ext>
             </a:extLst>
           </p:cNvPr>
@@ -2977,7 +2963,7 @@
           <p:cNvPr id="15" name="Rectangle 14">
             <a:extLst>
               <a:ext uri="{FF2B5EF4-FFF2-40B4-BE49-F238E27FC236}">
-                <a16:creationId xmlns="" xmlns:a16="http://schemas.microsoft.com/office/drawing/2014/main" id="{9504A767-1C0B-484E-BF7D-CD42D30A52EE}"/>
+                <a16:creationId xmlns:a16="http://schemas.microsoft.com/office/drawing/2014/main" id="{9504A767-1C0B-484E-BF7D-CD42D30A52EE}"/>
               </a:ext>
             </a:extLst>
           </p:cNvPr>
@@ -3029,7 +3015,7 @@
           <p:cNvPr id="5" name="Slide Number Placeholder 4">
             <a:extLst>
               <a:ext uri="{FF2B5EF4-FFF2-40B4-BE49-F238E27FC236}">
-                <a16:creationId xmlns="" xmlns:a16="http://schemas.microsoft.com/office/drawing/2014/main" id="{F50EF489-F21B-4E7C-9A44-D3CC8DC34F5F}"/>
+                <a16:creationId xmlns:a16="http://schemas.microsoft.com/office/drawing/2014/main" id="{F50EF489-F21B-4E7C-9A44-D3CC8DC34F5F}"/>
               </a:ext>
             </a:extLst>
           </p:cNvPr>
@@ -3059,7 +3045,7 @@
           <p:cNvPr id="11" name="Text Placeholder 2">
             <a:extLst>
               <a:ext uri="{FF2B5EF4-FFF2-40B4-BE49-F238E27FC236}">
-                <a16:creationId xmlns="" xmlns:a16="http://schemas.microsoft.com/office/drawing/2014/main" id="{14B95064-E6BF-43CD-ACBD-6363E8D9BF6A}"/>
+                <a16:creationId xmlns:a16="http://schemas.microsoft.com/office/drawing/2014/main" id="{14B95064-E6BF-43CD-ACBD-6363E8D9BF6A}"/>
               </a:ext>
             </a:extLst>
           </p:cNvPr>
@@ -3098,7 +3084,7 @@
           <a:p>
             <a:pPr marL="266700" lvl="0" indent="-266700"/>
             <a:r>
-              <a:rPr lang="ko-KR" altLang="en-US" noProof="0" smtClean="0"/>
+              <a:rPr lang="ko-KR" altLang="en-US" noProof="0"/>
               <a:t>마스터 텍스트 스타일을 편집합니다</a:t>
             </a:r>
           </a:p>
@@ -3139,7 +3125,7 @@
           <p:cNvPr id="2" name="Title 1">
             <a:extLst>
               <a:ext uri="{FF2B5EF4-FFF2-40B4-BE49-F238E27FC236}">
-                <a16:creationId xmlns="" xmlns:a16="http://schemas.microsoft.com/office/drawing/2014/main" id="{5CFF4C50-933F-41F9-AD11-BD02410AA7D5}"/>
+                <a16:creationId xmlns:a16="http://schemas.microsoft.com/office/drawing/2014/main" id="{5CFF4C50-933F-41F9-AD11-BD02410AA7D5}"/>
               </a:ext>
             </a:extLst>
           </p:cNvPr>
@@ -3178,7 +3164,7 @@
           <p:cNvPr id="3" name="Content Placeholder 2">
             <a:extLst>
               <a:ext uri="{FF2B5EF4-FFF2-40B4-BE49-F238E27FC236}">
-                <a16:creationId xmlns="" xmlns:a16="http://schemas.microsoft.com/office/drawing/2014/main" id="{B1948E38-8FB0-4E51-A01C-C88794372E50}"/>
+                <a16:creationId xmlns:a16="http://schemas.microsoft.com/office/drawing/2014/main" id="{B1948E38-8FB0-4E51-A01C-C88794372E50}"/>
               </a:ext>
             </a:extLst>
           </p:cNvPr>
@@ -3252,35 +3238,35 @@
           <a:p>
             <a:pPr lvl="0"/>
             <a:r>
-              <a:rPr lang="ko-KR" altLang="en-US" noProof="0" smtClean="0"/>
+              <a:rPr lang="ko-KR" altLang="en-US" noProof="0"/>
               <a:t>마스터 텍스트 스타일을 편집합니다</a:t>
             </a:r>
           </a:p>
           <a:p>
             <a:pPr lvl="1"/>
             <a:r>
-              <a:rPr lang="ko-KR" altLang="en-US" noProof="0" smtClean="0"/>
+              <a:rPr lang="ko-KR" altLang="en-US" noProof="0"/>
               <a:t>둘째 수준</a:t>
             </a:r>
           </a:p>
           <a:p>
             <a:pPr lvl="2"/>
             <a:r>
-              <a:rPr lang="ko-KR" altLang="en-US" noProof="0" smtClean="0"/>
+              <a:rPr lang="ko-KR" altLang="en-US" noProof="0"/>
               <a:t>셋째 수준</a:t>
             </a:r>
           </a:p>
           <a:p>
             <a:pPr lvl="3"/>
             <a:r>
-              <a:rPr lang="ko-KR" altLang="en-US" noProof="0" smtClean="0"/>
+              <a:rPr lang="ko-KR" altLang="en-US" noProof="0"/>
               <a:t>넷째 수준</a:t>
             </a:r>
           </a:p>
           <a:p>
             <a:pPr lvl="4"/>
             <a:r>
-              <a:rPr lang="ko-KR" altLang="en-US" noProof="0" smtClean="0"/>
+              <a:rPr lang="ko-KR" altLang="en-US" noProof="0"/>
               <a:t>다섯째 수준</a:t>
             </a:r>
             <a:endParaRPr lang="en-US" noProof="0"/>
@@ -3292,7 +3278,7 @@
           <p:cNvPr id="4" name="Footer Placeholder 3">
             <a:extLst>
               <a:ext uri="{FF2B5EF4-FFF2-40B4-BE49-F238E27FC236}">
-                <a16:creationId xmlns="" xmlns:a16="http://schemas.microsoft.com/office/drawing/2014/main" id="{E8FE0EB3-0FF4-4285-B9D3-90A5751B7BBF}"/>
+                <a16:creationId xmlns:a16="http://schemas.microsoft.com/office/drawing/2014/main" id="{E8FE0EB3-0FF4-4285-B9D3-90A5751B7BBF}"/>
               </a:ext>
             </a:extLst>
           </p:cNvPr>
@@ -3320,7 +3306,7 @@
           <p:cNvPr id="5" name="Slide Number Placeholder 4">
             <a:extLst>
               <a:ext uri="{FF2B5EF4-FFF2-40B4-BE49-F238E27FC236}">
-                <a16:creationId xmlns="" xmlns:a16="http://schemas.microsoft.com/office/drawing/2014/main" id="{C8DE0AAD-6FBD-416B-A91A-21F2B737919E}"/>
+                <a16:creationId xmlns:a16="http://schemas.microsoft.com/office/drawing/2014/main" id="{C8DE0AAD-6FBD-416B-A91A-21F2B737919E}"/>
               </a:ext>
             </a:extLst>
           </p:cNvPr>
@@ -3380,7 +3366,7 @@
           <p:cNvPr id="2" name="Title 1">
             <a:extLst>
               <a:ext uri="{FF2B5EF4-FFF2-40B4-BE49-F238E27FC236}">
-                <a16:creationId xmlns="" xmlns:a16="http://schemas.microsoft.com/office/drawing/2014/main" id="{40EE479C-D1F6-4BAC-80D2-90EF74E3261A}"/>
+                <a16:creationId xmlns:a16="http://schemas.microsoft.com/office/drawing/2014/main" id="{40EE479C-D1F6-4BAC-80D2-90EF74E3261A}"/>
               </a:ext>
             </a:extLst>
           </p:cNvPr>
@@ -3424,7 +3410,7 @@
           <p:cNvPr id="4" name="Footer Placeholder 3">
             <a:extLst>
               <a:ext uri="{FF2B5EF4-FFF2-40B4-BE49-F238E27FC236}">
-                <a16:creationId xmlns="" xmlns:a16="http://schemas.microsoft.com/office/drawing/2014/main" id="{57847F90-9DB6-4832-9EB7-393AADAE8B70}"/>
+                <a16:creationId xmlns:a16="http://schemas.microsoft.com/office/drawing/2014/main" id="{57847F90-9DB6-4832-9EB7-393AADAE8B70}"/>
               </a:ext>
             </a:extLst>
           </p:cNvPr>
@@ -3452,7 +3438,7 @@
           <p:cNvPr id="5" name="Slide Number Placeholder 4">
             <a:extLst>
               <a:ext uri="{FF2B5EF4-FFF2-40B4-BE49-F238E27FC236}">
-                <a16:creationId xmlns="" xmlns:a16="http://schemas.microsoft.com/office/drawing/2014/main" id="{F64CFC6C-1D8B-46C9-B0F7-A8BD88D8AB46}"/>
+                <a16:creationId xmlns:a16="http://schemas.microsoft.com/office/drawing/2014/main" id="{F64CFC6C-1D8B-46C9-B0F7-A8BD88D8AB46}"/>
               </a:ext>
             </a:extLst>
           </p:cNvPr>
@@ -3482,7 +3468,7 @@
           <p:cNvPr id="9" name="Content Placeholder 3">
             <a:extLst>
               <a:ext uri="{FF2B5EF4-FFF2-40B4-BE49-F238E27FC236}">
-                <a16:creationId xmlns="" xmlns:a16="http://schemas.microsoft.com/office/drawing/2014/main" id="{EE1E0B79-3CC8-4DCF-8AEC-AC43BC9A3048}"/>
+                <a16:creationId xmlns:a16="http://schemas.microsoft.com/office/drawing/2014/main" id="{EE1E0B79-3CC8-4DCF-8AEC-AC43BC9A3048}"/>
               </a:ext>
             </a:extLst>
           </p:cNvPr>
@@ -3505,35 +3491,35 @@
           <a:p>
             <a:pPr lvl="0"/>
             <a:r>
-              <a:rPr lang="ko-KR" altLang="en-US" noProof="0" smtClean="0"/>
+              <a:rPr lang="ko-KR" altLang="en-US" noProof="0"/>
               <a:t>마스터 텍스트 스타일을 편집합니다</a:t>
             </a:r>
           </a:p>
           <a:p>
             <a:pPr lvl="1"/>
             <a:r>
-              <a:rPr lang="ko-KR" altLang="en-US" noProof="0" smtClean="0"/>
+              <a:rPr lang="ko-KR" altLang="en-US" noProof="0"/>
               <a:t>둘째 수준</a:t>
             </a:r>
           </a:p>
           <a:p>
             <a:pPr lvl="2"/>
             <a:r>
-              <a:rPr lang="ko-KR" altLang="en-US" noProof="0" smtClean="0"/>
+              <a:rPr lang="ko-KR" altLang="en-US" noProof="0"/>
               <a:t>셋째 수준</a:t>
             </a:r>
           </a:p>
           <a:p>
             <a:pPr lvl="3"/>
             <a:r>
-              <a:rPr lang="ko-KR" altLang="en-US" noProof="0" smtClean="0"/>
+              <a:rPr lang="ko-KR" altLang="en-US" noProof="0"/>
               <a:t>넷째 수준</a:t>
             </a:r>
           </a:p>
           <a:p>
             <a:pPr lvl="4"/>
             <a:r>
-              <a:rPr lang="ko-KR" altLang="en-US" noProof="0" smtClean="0"/>
+              <a:rPr lang="ko-KR" altLang="en-US" noProof="0"/>
               <a:t>다섯째 수준</a:t>
             </a:r>
             <a:endParaRPr lang="en-US" noProof="0"/>
@@ -3545,7 +3531,7 @@
           <p:cNvPr id="10" name="Content Placeholder 2">
             <a:extLst>
               <a:ext uri="{FF2B5EF4-FFF2-40B4-BE49-F238E27FC236}">
-                <a16:creationId xmlns="" xmlns:a16="http://schemas.microsoft.com/office/drawing/2014/main" id="{15546508-E26C-46CD-8939-D20E71BF4ED7}"/>
+                <a16:creationId xmlns:a16="http://schemas.microsoft.com/office/drawing/2014/main" id="{15546508-E26C-46CD-8939-D20E71BF4ED7}"/>
               </a:ext>
             </a:extLst>
           </p:cNvPr>
@@ -3568,35 +3554,35 @@
           <a:p>
             <a:pPr lvl="0"/>
             <a:r>
-              <a:rPr lang="ko-KR" altLang="en-US" noProof="0" smtClean="0"/>
+              <a:rPr lang="ko-KR" altLang="en-US" noProof="0"/>
               <a:t>마스터 텍스트 스타일을 편집합니다</a:t>
             </a:r>
           </a:p>
           <a:p>
             <a:pPr lvl="1"/>
             <a:r>
-              <a:rPr lang="ko-KR" altLang="en-US" noProof="0" smtClean="0"/>
+              <a:rPr lang="ko-KR" altLang="en-US" noProof="0"/>
               <a:t>둘째 수준</a:t>
             </a:r>
           </a:p>
           <a:p>
             <a:pPr lvl="2"/>
             <a:r>
-              <a:rPr lang="ko-KR" altLang="en-US" noProof="0" smtClean="0"/>
+              <a:rPr lang="ko-KR" altLang="en-US" noProof="0"/>
               <a:t>셋째 수준</a:t>
             </a:r>
           </a:p>
           <a:p>
             <a:pPr lvl="3"/>
             <a:r>
-              <a:rPr lang="ko-KR" altLang="en-US" noProof="0" smtClean="0"/>
+              <a:rPr lang="ko-KR" altLang="en-US" noProof="0"/>
               <a:t>넷째 수준</a:t>
             </a:r>
           </a:p>
           <a:p>
             <a:pPr lvl="4"/>
             <a:r>
-              <a:rPr lang="ko-KR" altLang="en-US" noProof="0" smtClean="0"/>
+              <a:rPr lang="ko-KR" altLang="en-US" noProof="0"/>
               <a:t>다섯째 수준</a:t>
             </a:r>
             <a:endParaRPr lang="en-US" noProof="0"/>
@@ -3638,7 +3624,7 @@
           <p:cNvPr id="2" name="Title 1">
             <a:extLst>
               <a:ext uri="{FF2B5EF4-FFF2-40B4-BE49-F238E27FC236}">
-                <a16:creationId xmlns="" xmlns:a16="http://schemas.microsoft.com/office/drawing/2014/main" id="{40EE479C-D1F6-4BAC-80D2-90EF74E3261A}"/>
+                <a16:creationId xmlns:a16="http://schemas.microsoft.com/office/drawing/2014/main" id="{40EE479C-D1F6-4BAC-80D2-90EF74E3261A}"/>
               </a:ext>
             </a:extLst>
           </p:cNvPr>
@@ -3682,7 +3668,7 @@
           <p:cNvPr id="4" name="Footer Placeholder 3">
             <a:extLst>
               <a:ext uri="{FF2B5EF4-FFF2-40B4-BE49-F238E27FC236}">
-                <a16:creationId xmlns="" xmlns:a16="http://schemas.microsoft.com/office/drawing/2014/main" id="{57847F90-9DB6-4832-9EB7-393AADAE8B70}"/>
+                <a16:creationId xmlns:a16="http://schemas.microsoft.com/office/drawing/2014/main" id="{57847F90-9DB6-4832-9EB7-393AADAE8B70}"/>
               </a:ext>
             </a:extLst>
           </p:cNvPr>
@@ -3710,7 +3696,7 @@
           <p:cNvPr id="5" name="Slide Number Placeholder 4">
             <a:extLst>
               <a:ext uri="{FF2B5EF4-FFF2-40B4-BE49-F238E27FC236}">
-                <a16:creationId xmlns="" xmlns:a16="http://schemas.microsoft.com/office/drawing/2014/main" id="{F64CFC6C-1D8B-46C9-B0F7-A8BD88D8AB46}"/>
+                <a16:creationId xmlns:a16="http://schemas.microsoft.com/office/drawing/2014/main" id="{F64CFC6C-1D8B-46C9-B0F7-A8BD88D8AB46}"/>
               </a:ext>
             </a:extLst>
           </p:cNvPr>
@@ -3740,10 +3726,10 @@
           <p:cNvPr id="11" name="Rectangle 10" descr="Accent block left">
             <a:extLst>
               <a:ext uri="{FF2B5EF4-FFF2-40B4-BE49-F238E27FC236}">
-                <a16:creationId xmlns="" xmlns:a16="http://schemas.microsoft.com/office/drawing/2014/main" id="{48A1A904-FE62-4BE3-BAE9-0EEAE7B1E38C}"/>
+                <a16:creationId xmlns:a16="http://schemas.microsoft.com/office/drawing/2014/main" id="{48A1A904-FE62-4BE3-BAE9-0EEAE7B1E38C}"/>
               </a:ext>
               <a:ext uri="{C183D7F6-B498-43B3-948B-1728B52AA6E4}">
-                <adec:decorative xmlns="" xmlns:adec="http://schemas.microsoft.com/office/drawing/2017/decorative" val="1"/>
+                <adec:decorative xmlns:adec="http://schemas.microsoft.com/office/drawing/2017/decorative" val="1"/>
               </a:ext>
             </a:extLst>
           </p:cNvPr>
@@ -3795,10 +3781,10 @@
           <p:cNvPr id="12" name="Rectangle 11" descr="Accent bar right&#10;">
             <a:extLst>
               <a:ext uri="{FF2B5EF4-FFF2-40B4-BE49-F238E27FC236}">
-                <a16:creationId xmlns="" xmlns:a16="http://schemas.microsoft.com/office/drawing/2014/main" id="{3E8A46E0-47C2-4441-B7DD-F621A80F1FC8}"/>
+                <a16:creationId xmlns:a16="http://schemas.microsoft.com/office/drawing/2014/main" id="{3E8A46E0-47C2-4441-B7DD-F621A80F1FC8}"/>
               </a:ext>
               <a:ext uri="{C183D7F6-B498-43B3-948B-1728B52AA6E4}">
-                <adec:decorative xmlns="" xmlns:adec="http://schemas.microsoft.com/office/drawing/2017/decorative" val="1"/>
+                <adec:decorative xmlns:adec="http://schemas.microsoft.com/office/drawing/2017/decorative" val="1"/>
               </a:ext>
             </a:extLst>
           </p:cNvPr>
@@ -3850,7 +3836,7 @@
           <p:cNvPr id="14" name="Text Placeholder 2">
             <a:extLst>
               <a:ext uri="{FF2B5EF4-FFF2-40B4-BE49-F238E27FC236}">
-                <a16:creationId xmlns="" xmlns:a16="http://schemas.microsoft.com/office/drawing/2014/main" id="{D902C307-6561-4E11-9899-1F34830AE8AB}"/>
+                <a16:creationId xmlns:a16="http://schemas.microsoft.com/office/drawing/2014/main" id="{D902C307-6561-4E11-9899-1F34830AE8AB}"/>
               </a:ext>
             </a:extLst>
           </p:cNvPr>
@@ -3910,7 +3896,7 @@
           <a:p>
             <a:pPr lvl="0"/>
             <a:r>
-              <a:rPr lang="ko-KR" altLang="en-US" noProof="0" smtClean="0"/>
+              <a:rPr lang="ko-KR" altLang="en-US" noProof="0"/>
               <a:t>마스터 텍스트 스타일을 편집합니다</a:t>
             </a:r>
           </a:p>
@@ -3921,7 +3907,7 @@
           <p:cNvPr id="16" name="Text Placeholder 4">
             <a:extLst>
               <a:ext uri="{FF2B5EF4-FFF2-40B4-BE49-F238E27FC236}">
-                <a16:creationId xmlns="" xmlns:a16="http://schemas.microsoft.com/office/drawing/2014/main" id="{CD73439B-6B1B-47C5-B2B0-409015FB3398}"/>
+                <a16:creationId xmlns:a16="http://schemas.microsoft.com/office/drawing/2014/main" id="{CD73439B-6B1B-47C5-B2B0-409015FB3398}"/>
               </a:ext>
             </a:extLst>
           </p:cNvPr>
@@ -3981,7 +3967,7 @@
           <a:p>
             <a:pPr lvl="0"/>
             <a:r>
-              <a:rPr lang="ko-KR" altLang="en-US" noProof="0" smtClean="0"/>
+              <a:rPr lang="ko-KR" altLang="en-US" noProof="0"/>
               <a:t>마스터 텍스트 스타일을 편집합니다</a:t>
             </a:r>
           </a:p>
@@ -3992,7 +3978,7 @@
           <p:cNvPr id="17" name="Content Placeholder 5">
             <a:extLst>
               <a:ext uri="{FF2B5EF4-FFF2-40B4-BE49-F238E27FC236}">
-                <a16:creationId xmlns="" xmlns:a16="http://schemas.microsoft.com/office/drawing/2014/main" id="{12AC6878-44C6-4445-A225-70C0DC482EDF}"/>
+                <a16:creationId xmlns:a16="http://schemas.microsoft.com/office/drawing/2014/main" id="{12AC6878-44C6-4445-A225-70C0DC482EDF}"/>
               </a:ext>
             </a:extLst>
           </p:cNvPr>
@@ -4015,35 +4001,35 @@
           <a:p>
             <a:pPr lvl="0"/>
             <a:r>
-              <a:rPr lang="ko-KR" altLang="en-US" noProof="0" smtClean="0"/>
+              <a:rPr lang="ko-KR" altLang="en-US" noProof="0"/>
               <a:t>마스터 텍스트 스타일을 편집합니다</a:t>
             </a:r>
           </a:p>
           <a:p>
             <a:pPr lvl="1"/>
             <a:r>
-              <a:rPr lang="ko-KR" altLang="en-US" noProof="0" smtClean="0"/>
+              <a:rPr lang="ko-KR" altLang="en-US" noProof="0"/>
               <a:t>둘째 수준</a:t>
             </a:r>
           </a:p>
           <a:p>
             <a:pPr lvl="2"/>
             <a:r>
-              <a:rPr lang="ko-KR" altLang="en-US" noProof="0" smtClean="0"/>
+              <a:rPr lang="ko-KR" altLang="en-US" noProof="0"/>
               <a:t>셋째 수준</a:t>
             </a:r>
           </a:p>
           <a:p>
             <a:pPr lvl="3"/>
             <a:r>
-              <a:rPr lang="ko-KR" altLang="en-US" noProof="0" smtClean="0"/>
+              <a:rPr lang="ko-KR" altLang="en-US" noProof="0"/>
               <a:t>넷째 수준</a:t>
             </a:r>
           </a:p>
           <a:p>
             <a:pPr lvl="4"/>
             <a:r>
-              <a:rPr lang="ko-KR" altLang="en-US" noProof="0" smtClean="0"/>
+              <a:rPr lang="ko-KR" altLang="en-US" noProof="0"/>
               <a:t>다섯째 수준</a:t>
             </a:r>
             <a:endParaRPr lang="en-US" noProof="0"/>
@@ -4055,7 +4041,7 @@
           <p:cNvPr id="18" name="Content Placeholder 3">
             <a:extLst>
               <a:ext uri="{FF2B5EF4-FFF2-40B4-BE49-F238E27FC236}">
-                <a16:creationId xmlns="" xmlns:a16="http://schemas.microsoft.com/office/drawing/2014/main" id="{6D675DA8-374F-4915-973A-53612A41FFC1}"/>
+                <a16:creationId xmlns:a16="http://schemas.microsoft.com/office/drawing/2014/main" id="{6D675DA8-374F-4915-973A-53612A41FFC1}"/>
               </a:ext>
             </a:extLst>
           </p:cNvPr>
@@ -4078,35 +4064,35 @@
           <a:p>
             <a:pPr lvl="0"/>
             <a:r>
-              <a:rPr lang="ko-KR" altLang="en-US" noProof="0" smtClean="0"/>
+              <a:rPr lang="ko-KR" altLang="en-US" noProof="0"/>
               <a:t>마스터 텍스트 스타일을 편집합니다</a:t>
             </a:r>
           </a:p>
           <a:p>
             <a:pPr lvl="1"/>
             <a:r>
-              <a:rPr lang="ko-KR" altLang="en-US" noProof="0" smtClean="0"/>
+              <a:rPr lang="ko-KR" altLang="en-US" noProof="0"/>
               <a:t>둘째 수준</a:t>
             </a:r>
           </a:p>
           <a:p>
             <a:pPr lvl="2"/>
             <a:r>
-              <a:rPr lang="ko-KR" altLang="en-US" noProof="0" smtClean="0"/>
+              <a:rPr lang="ko-KR" altLang="en-US" noProof="0"/>
               <a:t>셋째 수준</a:t>
             </a:r>
           </a:p>
           <a:p>
             <a:pPr lvl="3"/>
             <a:r>
-              <a:rPr lang="ko-KR" altLang="en-US" noProof="0" smtClean="0"/>
+              <a:rPr lang="ko-KR" altLang="en-US" noProof="0"/>
               <a:t>넷째 수준</a:t>
             </a:r>
           </a:p>
           <a:p>
             <a:pPr lvl="4"/>
             <a:r>
-              <a:rPr lang="ko-KR" altLang="en-US" noProof="0" smtClean="0"/>
+              <a:rPr lang="ko-KR" altLang="en-US" noProof="0"/>
               <a:t>다섯째 수준</a:t>
             </a:r>
             <a:endParaRPr lang="en-US" noProof="0"/>
@@ -4148,7 +4134,7 @@
           <p:cNvPr id="2" name="Title 1">
             <a:extLst>
               <a:ext uri="{FF2B5EF4-FFF2-40B4-BE49-F238E27FC236}">
-                <a16:creationId xmlns="" xmlns:a16="http://schemas.microsoft.com/office/drawing/2014/main" id="{40EE479C-D1F6-4BAC-80D2-90EF74E3261A}"/>
+                <a16:creationId xmlns:a16="http://schemas.microsoft.com/office/drawing/2014/main" id="{40EE479C-D1F6-4BAC-80D2-90EF74E3261A}"/>
               </a:ext>
             </a:extLst>
           </p:cNvPr>
@@ -4192,7 +4178,7 @@
           <p:cNvPr id="4" name="Footer Placeholder 3">
             <a:extLst>
               <a:ext uri="{FF2B5EF4-FFF2-40B4-BE49-F238E27FC236}">
-                <a16:creationId xmlns="" xmlns:a16="http://schemas.microsoft.com/office/drawing/2014/main" id="{57847F90-9DB6-4832-9EB7-393AADAE8B70}"/>
+                <a16:creationId xmlns:a16="http://schemas.microsoft.com/office/drawing/2014/main" id="{57847F90-9DB6-4832-9EB7-393AADAE8B70}"/>
               </a:ext>
             </a:extLst>
           </p:cNvPr>
@@ -4220,7 +4206,7 @@
           <p:cNvPr id="5" name="Slide Number Placeholder 4">
             <a:extLst>
               <a:ext uri="{FF2B5EF4-FFF2-40B4-BE49-F238E27FC236}">
-                <a16:creationId xmlns="" xmlns:a16="http://schemas.microsoft.com/office/drawing/2014/main" id="{F64CFC6C-1D8B-46C9-B0F7-A8BD88D8AB46}"/>
+                <a16:creationId xmlns:a16="http://schemas.microsoft.com/office/drawing/2014/main" id="{F64CFC6C-1D8B-46C9-B0F7-A8BD88D8AB46}"/>
               </a:ext>
             </a:extLst>
           </p:cNvPr>
@@ -4250,10 +4236,10 @@
           <p:cNvPr id="11" name="Rectangle 10" descr="Accent block left">
             <a:extLst>
               <a:ext uri="{FF2B5EF4-FFF2-40B4-BE49-F238E27FC236}">
-                <a16:creationId xmlns="" xmlns:a16="http://schemas.microsoft.com/office/drawing/2014/main" id="{48A1A904-FE62-4BE3-BAE9-0EEAE7B1E38C}"/>
+                <a16:creationId xmlns:a16="http://schemas.microsoft.com/office/drawing/2014/main" id="{48A1A904-FE62-4BE3-BAE9-0EEAE7B1E38C}"/>
               </a:ext>
               <a:ext uri="{C183D7F6-B498-43B3-948B-1728B52AA6E4}">
-                <adec:decorative xmlns="" xmlns:adec="http://schemas.microsoft.com/office/drawing/2017/decorative" val="1"/>
+                <adec:decorative xmlns:adec="http://schemas.microsoft.com/office/drawing/2017/decorative" val="1"/>
               </a:ext>
             </a:extLst>
           </p:cNvPr>
@@ -4305,7 +4291,7 @@
           <p:cNvPr id="14" name="Content Placeholder 2">
             <a:extLst>
               <a:ext uri="{FF2B5EF4-FFF2-40B4-BE49-F238E27FC236}">
-                <a16:creationId xmlns="" xmlns:a16="http://schemas.microsoft.com/office/drawing/2014/main" id="{85B68CA9-AC4C-4D15-9BA1-A9F1AC5606DA}"/>
+                <a16:creationId xmlns:a16="http://schemas.microsoft.com/office/drawing/2014/main" id="{85B68CA9-AC4C-4D15-9BA1-A9F1AC5606DA}"/>
               </a:ext>
             </a:extLst>
           </p:cNvPr>
@@ -4356,35 +4342,35 @@
           <a:p>
             <a:pPr lvl="0"/>
             <a:r>
-              <a:rPr lang="ko-KR" altLang="en-US" noProof="0" smtClean="0"/>
+              <a:rPr lang="ko-KR" altLang="en-US" noProof="0"/>
               <a:t>마스터 텍스트 스타일을 편집합니다</a:t>
             </a:r>
           </a:p>
           <a:p>
             <a:pPr lvl="1"/>
             <a:r>
-              <a:rPr lang="ko-KR" altLang="en-US" noProof="0" smtClean="0"/>
+              <a:rPr lang="ko-KR" altLang="en-US" noProof="0"/>
               <a:t>둘째 수준</a:t>
             </a:r>
           </a:p>
           <a:p>
             <a:pPr lvl="2"/>
             <a:r>
-              <a:rPr lang="ko-KR" altLang="en-US" noProof="0" smtClean="0"/>
+              <a:rPr lang="ko-KR" altLang="en-US" noProof="0"/>
               <a:t>셋째 수준</a:t>
             </a:r>
           </a:p>
           <a:p>
             <a:pPr lvl="3"/>
             <a:r>
-              <a:rPr lang="ko-KR" altLang="en-US" noProof="0" smtClean="0"/>
+              <a:rPr lang="ko-KR" altLang="en-US" noProof="0"/>
               <a:t>넷째 수준</a:t>
             </a:r>
           </a:p>
           <a:p>
             <a:pPr lvl="4"/>
             <a:r>
-              <a:rPr lang="ko-KR" altLang="en-US" noProof="0" smtClean="0"/>
+              <a:rPr lang="ko-KR" altLang="en-US" noProof="0"/>
               <a:t>다섯째 수준</a:t>
             </a:r>
             <a:endParaRPr lang="en-US" noProof="0"/>
@@ -4396,7 +4382,7 @@
           <p:cNvPr id="15" name="Text Placeholder 3">
             <a:extLst>
               <a:ext uri="{FF2B5EF4-FFF2-40B4-BE49-F238E27FC236}">
-                <a16:creationId xmlns="" xmlns:a16="http://schemas.microsoft.com/office/drawing/2014/main" id="{29B24D8A-D8A5-4F57-A260-A4CF75FCB3BD}"/>
+                <a16:creationId xmlns:a16="http://schemas.microsoft.com/office/drawing/2014/main" id="{29B24D8A-D8A5-4F57-A260-A4CF75FCB3BD}"/>
               </a:ext>
             </a:extLst>
           </p:cNvPr>
@@ -4456,7 +4442,7 @@
           <a:p>
             <a:pPr lvl="0"/>
             <a:r>
-              <a:rPr lang="ko-KR" altLang="en-US" noProof="0" smtClean="0"/>
+              <a:rPr lang="ko-KR" altLang="en-US" noProof="0"/>
               <a:t>마스터 텍스트 스타일을 편집합니다</a:t>
             </a:r>
           </a:p>
@@ -4472,13 +4458,6 @@
   <p:clrMapOvr>
     <a:masterClrMapping/>
   </p:clrMapOvr>
-  <p:timing>
-    <p:tnLst>
-      <p:par>
-        <p:cTn id="1" dur="indefinite" restart="never" nodeType="tmRoot"/>
-      </p:par>
-    </p:tnLst>
-  </p:timing>
 </p:sldLayout>
 </file>
 
@@ -4504,7 +4483,7 @@
           <p:cNvPr id="2" name="Title 1">
             <a:extLst>
               <a:ext uri="{FF2B5EF4-FFF2-40B4-BE49-F238E27FC236}">
-                <a16:creationId xmlns="" xmlns:a16="http://schemas.microsoft.com/office/drawing/2014/main" id="{40EE479C-D1F6-4BAC-80D2-90EF74E3261A}"/>
+                <a16:creationId xmlns:a16="http://schemas.microsoft.com/office/drawing/2014/main" id="{40EE479C-D1F6-4BAC-80D2-90EF74E3261A}"/>
               </a:ext>
             </a:extLst>
           </p:cNvPr>
@@ -4548,7 +4527,7 @@
           <p:cNvPr id="4" name="Footer Placeholder 3">
             <a:extLst>
               <a:ext uri="{FF2B5EF4-FFF2-40B4-BE49-F238E27FC236}">
-                <a16:creationId xmlns="" xmlns:a16="http://schemas.microsoft.com/office/drawing/2014/main" id="{57847F90-9DB6-4832-9EB7-393AADAE8B70}"/>
+                <a16:creationId xmlns:a16="http://schemas.microsoft.com/office/drawing/2014/main" id="{57847F90-9DB6-4832-9EB7-393AADAE8B70}"/>
               </a:ext>
             </a:extLst>
           </p:cNvPr>
@@ -4576,7 +4555,7 @@
           <p:cNvPr id="5" name="Slide Number Placeholder 4">
             <a:extLst>
               <a:ext uri="{FF2B5EF4-FFF2-40B4-BE49-F238E27FC236}">
-                <a16:creationId xmlns="" xmlns:a16="http://schemas.microsoft.com/office/drawing/2014/main" id="{F64CFC6C-1D8B-46C9-B0F7-A8BD88D8AB46}"/>
+                <a16:creationId xmlns:a16="http://schemas.microsoft.com/office/drawing/2014/main" id="{F64CFC6C-1D8B-46C9-B0F7-A8BD88D8AB46}"/>
               </a:ext>
             </a:extLst>
           </p:cNvPr>
@@ -4606,10 +4585,10 @@
           <p:cNvPr id="11" name="Rectangle 10" descr="Accent block left">
             <a:extLst>
               <a:ext uri="{FF2B5EF4-FFF2-40B4-BE49-F238E27FC236}">
-                <a16:creationId xmlns="" xmlns:a16="http://schemas.microsoft.com/office/drawing/2014/main" id="{48A1A904-FE62-4BE3-BAE9-0EEAE7B1E38C}"/>
+                <a16:creationId xmlns:a16="http://schemas.microsoft.com/office/drawing/2014/main" id="{48A1A904-FE62-4BE3-BAE9-0EEAE7B1E38C}"/>
               </a:ext>
               <a:ext uri="{C183D7F6-B498-43B3-948B-1728B52AA6E4}">
-                <adec:decorative xmlns="" xmlns:adec="http://schemas.microsoft.com/office/drawing/2017/decorative" val="1"/>
+                <adec:decorative xmlns:adec="http://schemas.microsoft.com/office/drawing/2017/decorative" val="1"/>
               </a:ext>
             </a:extLst>
           </p:cNvPr>
@@ -4661,7 +4640,7 @@
           <p:cNvPr id="9" name="Text Placeholder 3">
             <a:extLst>
               <a:ext uri="{FF2B5EF4-FFF2-40B4-BE49-F238E27FC236}">
-                <a16:creationId xmlns="" xmlns:a16="http://schemas.microsoft.com/office/drawing/2014/main" id="{3E50A411-2E68-4F4D-B4BC-62E87C633658}"/>
+                <a16:creationId xmlns:a16="http://schemas.microsoft.com/office/drawing/2014/main" id="{3E50A411-2E68-4F4D-B4BC-62E87C633658}"/>
               </a:ext>
             </a:extLst>
           </p:cNvPr>
@@ -4721,7 +4700,7 @@
           <a:p>
             <a:pPr lvl="0"/>
             <a:r>
-              <a:rPr lang="ko-KR" altLang="en-US" noProof="0" smtClean="0"/>
+              <a:rPr lang="ko-KR" altLang="en-US" noProof="0"/>
               <a:t>마스터 텍스트 스타일을 편집합니다</a:t>
             </a:r>
           </a:p>
@@ -4732,7 +4711,7 @@
           <p:cNvPr id="10" name="Picture Placeholder 2">
             <a:extLst>
               <a:ext uri="{FF2B5EF4-FFF2-40B4-BE49-F238E27FC236}">
-                <a16:creationId xmlns="" xmlns:a16="http://schemas.microsoft.com/office/drawing/2014/main" id="{2FBF39A8-0BD5-48FD-9993-F595D4F727C1}"/>
+                <a16:creationId xmlns:a16="http://schemas.microsoft.com/office/drawing/2014/main" id="{2FBF39A8-0BD5-48FD-9993-F595D4F727C1}"/>
               </a:ext>
             </a:extLst>
           </p:cNvPr>
@@ -4791,7 +4770,7 @@
           </a:lstStyle>
           <a:p>
             <a:r>
-              <a:rPr lang="ko-KR" altLang="en-US" noProof="0" smtClean="0"/>
+              <a:rPr lang="ko-KR" altLang="en-US" noProof="0"/>
               <a:t>그림을 추가하려면 아이콘을 클릭하십시오</a:t>
             </a:r>
             <a:endParaRPr lang="en-US" noProof="0" dirty="0"/>
@@ -4843,7 +4822,7 @@
           <p:cNvPr id="41" name="Picture Placeholder 40">
             <a:extLst>
               <a:ext uri="{FF2B5EF4-FFF2-40B4-BE49-F238E27FC236}">
-                <a16:creationId xmlns="" xmlns:a16="http://schemas.microsoft.com/office/drawing/2014/main" id="{EB7F0EE8-BE52-4A79-8FC8-4A2487FA01FC}"/>
+                <a16:creationId xmlns:a16="http://schemas.microsoft.com/office/drawing/2014/main" id="{EB7F0EE8-BE52-4A79-8FC8-4A2487FA01FC}"/>
               </a:ext>
             </a:extLst>
           </p:cNvPr>
@@ -4896,7 +4875,7 @@
           <p:cNvPr id="2" name="Title 1">
             <a:extLst>
               <a:ext uri="{FF2B5EF4-FFF2-40B4-BE49-F238E27FC236}">
-                <a16:creationId xmlns="" xmlns:a16="http://schemas.microsoft.com/office/drawing/2014/main" id="{00F23EB7-E336-46EB-A4A0-3DB7A6BF4CE1}"/>
+                <a16:creationId xmlns:a16="http://schemas.microsoft.com/office/drawing/2014/main" id="{00F23EB7-E336-46EB-A4A0-3DB7A6BF4CE1}"/>
               </a:ext>
             </a:extLst>
           </p:cNvPr>
@@ -4939,7 +4918,7 @@
           <p:cNvPr id="7" name="Subtitle 2">
             <a:extLst>
               <a:ext uri="{FF2B5EF4-FFF2-40B4-BE49-F238E27FC236}">
-                <a16:creationId xmlns="" xmlns:a16="http://schemas.microsoft.com/office/drawing/2014/main" id="{9E4D4535-D519-40ED-B8A4-2EA1276BB652}"/>
+                <a16:creationId xmlns:a16="http://schemas.microsoft.com/office/drawing/2014/main" id="{9E4D4535-D519-40ED-B8A4-2EA1276BB652}"/>
               </a:ext>
             </a:extLst>
           </p:cNvPr>
@@ -5019,7 +4998,7 @@
           <p:cNvPr id="4" name="Footer Placeholder 3">
             <a:extLst>
               <a:ext uri="{FF2B5EF4-FFF2-40B4-BE49-F238E27FC236}">
-                <a16:creationId xmlns="" xmlns:a16="http://schemas.microsoft.com/office/drawing/2014/main" id="{6816FE98-6A12-44EC-8485-8B5EFABDF9B2}"/>
+                <a16:creationId xmlns:a16="http://schemas.microsoft.com/office/drawing/2014/main" id="{6816FE98-6A12-44EC-8485-8B5EFABDF9B2}"/>
               </a:ext>
             </a:extLst>
           </p:cNvPr>
@@ -5047,7 +5026,7 @@
           <p:cNvPr id="8" name="Rectangle 7">
             <a:extLst>
               <a:ext uri="{FF2B5EF4-FFF2-40B4-BE49-F238E27FC236}">
-                <a16:creationId xmlns="" xmlns:a16="http://schemas.microsoft.com/office/drawing/2014/main" id="{51DD44D8-4A8F-4693-B90A-166855B29D25}"/>
+                <a16:creationId xmlns:a16="http://schemas.microsoft.com/office/drawing/2014/main" id="{51DD44D8-4A8F-4693-B90A-166855B29D25}"/>
               </a:ext>
             </a:extLst>
           </p:cNvPr>
@@ -5096,7 +5075,7 @@
           <p:cNvPr id="13" name="Rectangle 12">
             <a:extLst>
               <a:ext uri="{FF2B5EF4-FFF2-40B4-BE49-F238E27FC236}">
-                <a16:creationId xmlns="" xmlns:a16="http://schemas.microsoft.com/office/drawing/2014/main" id="{EC0FBB1B-4F0E-4365-BF27-3150FC6C3B90}"/>
+                <a16:creationId xmlns:a16="http://schemas.microsoft.com/office/drawing/2014/main" id="{EC0FBB1B-4F0E-4365-BF27-3150FC6C3B90}"/>
               </a:ext>
             </a:extLst>
           </p:cNvPr>
@@ -5150,7 +5129,7 @@
           <p:cNvPr id="14" name="Rectangle 13">
             <a:extLst>
               <a:ext uri="{FF2B5EF4-FFF2-40B4-BE49-F238E27FC236}">
-                <a16:creationId xmlns="" xmlns:a16="http://schemas.microsoft.com/office/drawing/2014/main" id="{7A13D8A8-6C3D-4527-959D-41C3213F7F02}"/>
+                <a16:creationId xmlns:a16="http://schemas.microsoft.com/office/drawing/2014/main" id="{7A13D8A8-6C3D-4527-959D-41C3213F7F02}"/>
               </a:ext>
             </a:extLst>
           </p:cNvPr>
@@ -5202,7 +5181,7 @@
           <p:cNvPr id="15" name="Rectangle 14">
             <a:extLst>
               <a:ext uri="{FF2B5EF4-FFF2-40B4-BE49-F238E27FC236}">
-                <a16:creationId xmlns="" xmlns:a16="http://schemas.microsoft.com/office/drawing/2014/main" id="{9504A767-1C0B-484E-BF7D-CD42D30A52EE}"/>
+                <a16:creationId xmlns:a16="http://schemas.microsoft.com/office/drawing/2014/main" id="{9504A767-1C0B-484E-BF7D-CD42D30A52EE}"/>
               </a:ext>
             </a:extLst>
           </p:cNvPr>
@@ -5254,7 +5233,7 @@
           <p:cNvPr id="5" name="Slide Number Placeholder 4">
             <a:extLst>
               <a:ext uri="{FF2B5EF4-FFF2-40B4-BE49-F238E27FC236}">
-                <a16:creationId xmlns="" xmlns:a16="http://schemas.microsoft.com/office/drawing/2014/main" id="{F50EF489-F21B-4E7C-9A44-D3CC8DC34F5F}"/>
+                <a16:creationId xmlns:a16="http://schemas.microsoft.com/office/drawing/2014/main" id="{F50EF489-F21B-4E7C-9A44-D3CC8DC34F5F}"/>
               </a:ext>
             </a:extLst>
           </p:cNvPr>
@@ -5289,13 +5268,6 @@
   <p:clrMapOvr>
     <a:masterClrMapping/>
   </p:clrMapOvr>
-  <p:timing>
-    <p:tnLst>
-      <p:par>
-        <p:cTn id="1" dur="indefinite" restart="never" nodeType="tmRoot"/>
-      </p:par>
-    </p:tnLst>
-  </p:timing>
 </p:sldLayout>
 </file>
 
@@ -5321,7 +5293,7 @@
           <p:cNvPr id="2" name="Title 1">
             <a:extLst>
               <a:ext uri="{FF2B5EF4-FFF2-40B4-BE49-F238E27FC236}">
-                <a16:creationId xmlns="" xmlns:a16="http://schemas.microsoft.com/office/drawing/2014/main" id="{5FC626A5-4FF6-42BD-858A-AE4B2C23A6BC}"/>
+                <a16:creationId xmlns:a16="http://schemas.microsoft.com/office/drawing/2014/main" id="{5FC626A5-4FF6-42BD-858A-AE4B2C23A6BC}"/>
               </a:ext>
             </a:extLst>
           </p:cNvPr>
@@ -5360,7 +5332,7 @@
           <p:cNvPr id="5" name="Subtitle 2">
             <a:extLst>
               <a:ext uri="{FF2B5EF4-FFF2-40B4-BE49-F238E27FC236}">
-                <a16:creationId xmlns="" xmlns:a16="http://schemas.microsoft.com/office/drawing/2014/main" id="{10727B06-56A8-44A2-B6C2-9ED183D107F3}"/>
+                <a16:creationId xmlns:a16="http://schemas.microsoft.com/office/drawing/2014/main" id="{10727B06-56A8-44A2-B6C2-9ED183D107F3}"/>
               </a:ext>
             </a:extLst>
           </p:cNvPr>
@@ -5415,7 +5387,7 @@
           <p:cNvPr id="3" name="Footer Placeholder 2">
             <a:extLst>
               <a:ext uri="{FF2B5EF4-FFF2-40B4-BE49-F238E27FC236}">
-                <a16:creationId xmlns="" xmlns:a16="http://schemas.microsoft.com/office/drawing/2014/main" id="{08CCB8C2-B6A2-4C69-8D3A-57420A034BA4}"/>
+                <a16:creationId xmlns:a16="http://schemas.microsoft.com/office/drawing/2014/main" id="{08CCB8C2-B6A2-4C69-8D3A-57420A034BA4}"/>
               </a:ext>
             </a:extLst>
           </p:cNvPr>
@@ -5443,7 +5415,7 @@
           <p:cNvPr id="4" name="Slide Number Placeholder 3">
             <a:extLst>
               <a:ext uri="{FF2B5EF4-FFF2-40B4-BE49-F238E27FC236}">
-                <a16:creationId xmlns="" xmlns:a16="http://schemas.microsoft.com/office/drawing/2014/main" id="{853CF994-8B2C-443F-B695-7378DD360DAA}"/>
+                <a16:creationId xmlns:a16="http://schemas.microsoft.com/office/drawing/2014/main" id="{853CF994-8B2C-443F-B695-7378DD360DAA}"/>
               </a:ext>
             </a:extLst>
           </p:cNvPr>
@@ -5503,7 +5475,7 @@
           <p:cNvPr id="2" name="Footer Placeholder 1">
             <a:extLst>
               <a:ext uri="{FF2B5EF4-FFF2-40B4-BE49-F238E27FC236}">
-                <a16:creationId xmlns="" xmlns:a16="http://schemas.microsoft.com/office/drawing/2014/main" id="{16D0504D-4610-4E9E-A2DB-8B701F044BBC}"/>
+                <a16:creationId xmlns:a16="http://schemas.microsoft.com/office/drawing/2014/main" id="{16D0504D-4610-4E9E-A2DB-8B701F044BBC}"/>
               </a:ext>
             </a:extLst>
           </p:cNvPr>
@@ -5531,7 +5503,7 @@
           <p:cNvPr id="3" name="Slide Number Placeholder 2">
             <a:extLst>
               <a:ext uri="{FF2B5EF4-FFF2-40B4-BE49-F238E27FC236}">
-                <a16:creationId xmlns="" xmlns:a16="http://schemas.microsoft.com/office/drawing/2014/main" id="{A95CDFA7-DEA3-4BBE-8D70-0AF654A1E6FF}"/>
+                <a16:creationId xmlns:a16="http://schemas.microsoft.com/office/drawing/2014/main" id="{A95CDFA7-DEA3-4BBE-8D70-0AF654A1E6FF}"/>
               </a:ext>
             </a:extLst>
           </p:cNvPr>
@@ -5561,7 +5533,7 @@
           <p:cNvPr id="4" name="Title 3">
             <a:extLst>
               <a:ext uri="{FF2B5EF4-FFF2-40B4-BE49-F238E27FC236}">
-                <a16:creationId xmlns="" xmlns:a16="http://schemas.microsoft.com/office/drawing/2014/main" id="{90694D9D-C633-4D52-965E-E5BBD9883037}"/>
+                <a16:creationId xmlns:a16="http://schemas.microsoft.com/office/drawing/2014/main" id="{90694D9D-C633-4D52-965E-E5BBD9883037}"/>
               </a:ext>
             </a:extLst>
           </p:cNvPr>
@@ -5578,7 +5550,7 @@
           <a:lstStyle/>
           <a:p>
             <a:r>
-              <a:rPr lang="ko-KR" altLang="en-US" noProof="0" smtClean="0"/>
+              <a:rPr lang="ko-KR" altLang="en-US" noProof="0"/>
               <a:t>마스터 제목 스타일 편집</a:t>
             </a:r>
             <a:endParaRPr lang="en-US" noProof="0"/>
@@ -5620,7 +5592,7 @@
           <p:cNvPr id="2" name="Footer Placeholder 1">
             <a:extLst>
               <a:ext uri="{FF2B5EF4-FFF2-40B4-BE49-F238E27FC236}">
-                <a16:creationId xmlns="" xmlns:a16="http://schemas.microsoft.com/office/drawing/2014/main" id="{16D0504D-4610-4E9E-A2DB-8B701F044BBC}"/>
+                <a16:creationId xmlns:a16="http://schemas.microsoft.com/office/drawing/2014/main" id="{16D0504D-4610-4E9E-A2DB-8B701F044BBC}"/>
               </a:ext>
             </a:extLst>
           </p:cNvPr>
@@ -5648,7 +5620,7 @@
           <p:cNvPr id="3" name="Slide Number Placeholder 2">
             <a:extLst>
               <a:ext uri="{FF2B5EF4-FFF2-40B4-BE49-F238E27FC236}">
-                <a16:creationId xmlns="" xmlns:a16="http://schemas.microsoft.com/office/drawing/2014/main" id="{A95CDFA7-DEA3-4BBE-8D70-0AF654A1E6FF}"/>
+                <a16:creationId xmlns:a16="http://schemas.microsoft.com/office/drawing/2014/main" id="{A95CDFA7-DEA3-4BBE-8D70-0AF654A1E6FF}"/>
               </a:ext>
             </a:extLst>
           </p:cNvPr>
@@ -5678,7 +5650,7 @@
           <p:cNvPr id="4" name="Title 3">
             <a:extLst>
               <a:ext uri="{FF2B5EF4-FFF2-40B4-BE49-F238E27FC236}">
-                <a16:creationId xmlns="" xmlns:a16="http://schemas.microsoft.com/office/drawing/2014/main" id="{90694D9D-C633-4D52-965E-E5BBD9883037}"/>
+                <a16:creationId xmlns:a16="http://schemas.microsoft.com/office/drawing/2014/main" id="{90694D9D-C633-4D52-965E-E5BBD9883037}"/>
               </a:ext>
             </a:extLst>
           </p:cNvPr>
@@ -5695,7 +5667,7 @@
           <a:lstStyle/>
           <a:p>
             <a:r>
-              <a:rPr lang="ko-KR" altLang="en-US" noProof="0" smtClean="0"/>
+              <a:rPr lang="ko-KR" altLang="en-US" noProof="0"/>
               <a:t>마스터 제목 스타일 편집</a:t>
             </a:r>
             <a:endParaRPr lang="en-US" noProof="0"/>
@@ -5707,7 +5679,7 @@
           <p:cNvPr id="6" name="Text Placeholder 5">
             <a:extLst>
               <a:ext uri="{FF2B5EF4-FFF2-40B4-BE49-F238E27FC236}">
-                <a16:creationId xmlns="" xmlns:a16="http://schemas.microsoft.com/office/drawing/2014/main" id="{0DB3A426-6D4A-4D91-ACD6-A2C25BAE44E3}"/>
+                <a16:creationId xmlns:a16="http://schemas.microsoft.com/office/drawing/2014/main" id="{0DB3A426-6D4A-4D91-ACD6-A2C25BAE44E3}"/>
               </a:ext>
             </a:extLst>
           </p:cNvPr>
@@ -5739,7 +5711,7 @@
           <a:p>
             <a:pPr lvl="0"/>
             <a:r>
-              <a:rPr lang="ko-KR" altLang="en-US" noProof="0" smtClean="0"/>
+              <a:rPr lang="ko-KR" altLang="en-US" noProof="0"/>
               <a:t>마스터 텍스트 스타일을 편집합니다</a:t>
             </a:r>
           </a:p>
@@ -5755,13 +5727,6 @@
   <p:clrMapOvr>
     <a:masterClrMapping/>
   </p:clrMapOvr>
-  <p:timing>
-    <p:tnLst>
-      <p:par>
-        <p:cTn id="1" dur="indefinite" restart="never" nodeType="tmRoot"/>
-      </p:par>
-    </p:tnLst>
-  </p:timing>
 </p:sldLayout>
 </file>
 
@@ -5787,7 +5752,7 @@
           <p:cNvPr id="2" name="Footer Placeholder 1">
             <a:extLst>
               <a:ext uri="{FF2B5EF4-FFF2-40B4-BE49-F238E27FC236}">
-                <a16:creationId xmlns="" xmlns:a16="http://schemas.microsoft.com/office/drawing/2014/main" id="{16D0504D-4610-4E9E-A2DB-8B701F044BBC}"/>
+                <a16:creationId xmlns:a16="http://schemas.microsoft.com/office/drawing/2014/main" id="{16D0504D-4610-4E9E-A2DB-8B701F044BBC}"/>
               </a:ext>
             </a:extLst>
           </p:cNvPr>
@@ -5815,7 +5780,7 @@
           <p:cNvPr id="3" name="Slide Number Placeholder 2">
             <a:extLst>
               <a:ext uri="{FF2B5EF4-FFF2-40B4-BE49-F238E27FC236}">
-                <a16:creationId xmlns="" xmlns:a16="http://schemas.microsoft.com/office/drawing/2014/main" id="{A95CDFA7-DEA3-4BBE-8D70-0AF654A1E6FF}"/>
+                <a16:creationId xmlns:a16="http://schemas.microsoft.com/office/drawing/2014/main" id="{A95CDFA7-DEA3-4BBE-8D70-0AF654A1E6FF}"/>
               </a:ext>
             </a:extLst>
           </p:cNvPr>
@@ -5886,7 +5851,7 @@
           <p:cNvPr id="41" name="Picture Placeholder 40">
             <a:extLst>
               <a:ext uri="{FF2B5EF4-FFF2-40B4-BE49-F238E27FC236}">
-                <a16:creationId xmlns="" xmlns:a16="http://schemas.microsoft.com/office/drawing/2014/main" id="{EB7F0EE8-BE52-4A79-8FC8-4A2487FA01FC}"/>
+                <a16:creationId xmlns:a16="http://schemas.microsoft.com/office/drawing/2014/main" id="{EB7F0EE8-BE52-4A79-8FC8-4A2487FA01FC}"/>
               </a:ext>
             </a:extLst>
           </p:cNvPr>
@@ -5939,7 +5904,7 @@
           <p:cNvPr id="3" name="Title 1">
             <a:extLst>
               <a:ext uri="{FF2B5EF4-FFF2-40B4-BE49-F238E27FC236}">
-                <a16:creationId xmlns="" xmlns:a16="http://schemas.microsoft.com/office/drawing/2014/main" id="{E473AB13-DFF9-4538-9907-E261659E0E01}"/>
+                <a16:creationId xmlns:a16="http://schemas.microsoft.com/office/drawing/2014/main" id="{E473AB13-DFF9-4538-9907-E261659E0E01}"/>
               </a:ext>
             </a:extLst>
           </p:cNvPr>
@@ -5987,7 +5952,7 @@
           <p:cNvPr id="7" name="Subtitle 2">
             <a:extLst>
               <a:ext uri="{FF2B5EF4-FFF2-40B4-BE49-F238E27FC236}">
-                <a16:creationId xmlns="" xmlns:a16="http://schemas.microsoft.com/office/drawing/2014/main" id="{9E4D4535-D519-40ED-B8A4-2EA1276BB652}"/>
+                <a16:creationId xmlns:a16="http://schemas.microsoft.com/office/drawing/2014/main" id="{9E4D4535-D519-40ED-B8A4-2EA1276BB652}"/>
               </a:ext>
             </a:extLst>
           </p:cNvPr>
@@ -6067,7 +6032,7 @@
           <p:cNvPr id="4" name="Footer Placeholder 3">
             <a:extLst>
               <a:ext uri="{FF2B5EF4-FFF2-40B4-BE49-F238E27FC236}">
-                <a16:creationId xmlns="" xmlns:a16="http://schemas.microsoft.com/office/drawing/2014/main" id="{6816FE98-6A12-44EC-8485-8B5EFABDF9B2}"/>
+                <a16:creationId xmlns:a16="http://schemas.microsoft.com/office/drawing/2014/main" id="{6816FE98-6A12-44EC-8485-8B5EFABDF9B2}"/>
               </a:ext>
             </a:extLst>
           </p:cNvPr>
@@ -6095,7 +6060,7 @@
           <p:cNvPr id="8" name="Rectangle 7">
             <a:extLst>
               <a:ext uri="{FF2B5EF4-FFF2-40B4-BE49-F238E27FC236}">
-                <a16:creationId xmlns="" xmlns:a16="http://schemas.microsoft.com/office/drawing/2014/main" id="{51DD44D8-4A8F-4693-B90A-166855B29D25}"/>
+                <a16:creationId xmlns:a16="http://schemas.microsoft.com/office/drawing/2014/main" id="{51DD44D8-4A8F-4693-B90A-166855B29D25}"/>
               </a:ext>
             </a:extLst>
           </p:cNvPr>
@@ -6147,7 +6112,7 @@
           <p:cNvPr id="13" name="Rectangle 12">
             <a:extLst>
               <a:ext uri="{FF2B5EF4-FFF2-40B4-BE49-F238E27FC236}">
-                <a16:creationId xmlns="" xmlns:a16="http://schemas.microsoft.com/office/drawing/2014/main" id="{EC0FBB1B-4F0E-4365-BF27-3150FC6C3B90}"/>
+                <a16:creationId xmlns:a16="http://schemas.microsoft.com/office/drawing/2014/main" id="{EC0FBB1B-4F0E-4365-BF27-3150FC6C3B90}"/>
               </a:ext>
             </a:extLst>
           </p:cNvPr>
@@ -6201,7 +6166,7 @@
           <p:cNvPr id="14" name="Rectangle 13">
             <a:extLst>
               <a:ext uri="{FF2B5EF4-FFF2-40B4-BE49-F238E27FC236}">
-                <a16:creationId xmlns="" xmlns:a16="http://schemas.microsoft.com/office/drawing/2014/main" id="{7A13D8A8-6C3D-4527-959D-41C3213F7F02}"/>
+                <a16:creationId xmlns:a16="http://schemas.microsoft.com/office/drawing/2014/main" id="{7A13D8A8-6C3D-4527-959D-41C3213F7F02}"/>
               </a:ext>
             </a:extLst>
           </p:cNvPr>
@@ -6253,7 +6218,7 @@
           <p:cNvPr id="15" name="Rectangle 14">
             <a:extLst>
               <a:ext uri="{FF2B5EF4-FFF2-40B4-BE49-F238E27FC236}">
-                <a16:creationId xmlns="" xmlns:a16="http://schemas.microsoft.com/office/drawing/2014/main" id="{9504A767-1C0B-484E-BF7D-CD42D30A52EE}"/>
+                <a16:creationId xmlns:a16="http://schemas.microsoft.com/office/drawing/2014/main" id="{9504A767-1C0B-484E-BF7D-CD42D30A52EE}"/>
               </a:ext>
             </a:extLst>
           </p:cNvPr>
@@ -6305,7 +6270,7 @@
           <p:cNvPr id="5" name="Slide Number Placeholder 4">
             <a:extLst>
               <a:ext uri="{FF2B5EF4-FFF2-40B4-BE49-F238E27FC236}">
-                <a16:creationId xmlns="" xmlns:a16="http://schemas.microsoft.com/office/drawing/2014/main" id="{F50EF489-F21B-4E7C-9A44-D3CC8DC34F5F}"/>
+                <a16:creationId xmlns:a16="http://schemas.microsoft.com/office/drawing/2014/main" id="{F50EF489-F21B-4E7C-9A44-D3CC8DC34F5F}"/>
               </a:ext>
             </a:extLst>
           </p:cNvPr>
@@ -6340,13 +6305,6 @@
   <p:clrMapOvr>
     <a:masterClrMapping/>
   </p:clrMapOvr>
-  <p:timing>
-    <p:tnLst>
-      <p:par>
-        <p:cTn id="1" dur="indefinite" restart="never" nodeType="tmRoot"/>
-      </p:par>
-    </p:tnLst>
-  </p:timing>
 </p:sldLayout>
 </file>
 
@@ -6372,7 +6330,7 @@
           <p:cNvPr id="7" name="Picture Placeholder 6">
             <a:extLst>
               <a:ext uri="{FF2B5EF4-FFF2-40B4-BE49-F238E27FC236}">
-                <a16:creationId xmlns="" xmlns:a16="http://schemas.microsoft.com/office/drawing/2014/main" id="{890ED7CE-A9D2-4D19-B978-56BFB74E657C}"/>
+                <a16:creationId xmlns:a16="http://schemas.microsoft.com/office/drawing/2014/main" id="{890ED7CE-A9D2-4D19-B978-56BFB74E657C}"/>
               </a:ext>
             </a:extLst>
           </p:cNvPr>
@@ -6418,7 +6376,7 @@
           <p:cNvPr id="2" name="Title 1">
             <a:extLst>
               <a:ext uri="{FF2B5EF4-FFF2-40B4-BE49-F238E27FC236}">
-                <a16:creationId xmlns="" xmlns:a16="http://schemas.microsoft.com/office/drawing/2014/main" id="{40EE479C-D1F6-4BAC-80D2-90EF74E3261A}"/>
+                <a16:creationId xmlns:a16="http://schemas.microsoft.com/office/drawing/2014/main" id="{40EE479C-D1F6-4BAC-80D2-90EF74E3261A}"/>
               </a:ext>
             </a:extLst>
           </p:cNvPr>
@@ -6465,7 +6423,7 @@
           <p:cNvPr id="10" name="Subtitle 2">
             <a:extLst>
               <a:ext uri="{FF2B5EF4-FFF2-40B4-BE49-F238E27FC236}">
-                <a16:creationId xmlns="" xmlns:a16="http://schemas.microsoft.com/office/drawing/2014/main" id="{3FAEED1D-0E66-4F74-9455-675F5CB7EAD4}"/>
+                <a16:creationId xmlns:a16="http://schemas.microsoft.com/office/drawing/2014/main" id="{3FAEED1D-0E66-4F74-9455-675F5CB7EAD4}"/>
               </a:ext>
             </a:extLst>
           </p:cNvPr>
@@ -6529,7 +6487,7 @@
           <p:cNvPr id="3" name="Content Placeholder 2">
             <a:extLst>
               <a:ext uri="{FF2B5EF4-FFF2-40B4-BE49-F238E27FC236}">
-                <a16:creationId xmlns="" xmlns:a16="http://schemas.microsoft.com/office/drawing/2014/main" id="{A22238F2-C6EC-476F-8371-119AECBA5622}"/>
+                <a16:creationId xmlns:a16="http://schemas.microsoft.com/office/drawing/2014/main" id="{A22238F2-C6EC-476F-8371-119AECBA5622}"/>
               </a:ext>
             </a:extLst>
           </p:cNvPr>
@@ -6603,35 +6561,35 @@
           <a:p>
             <a:pPr lvl="0"/>
             <a:r>
-              <a:rPr lang="ko-KR" altLang="en-US" noProof="0" smtClean="0"/>
+              <a:rPr lang="ko-KR" altLang="en-US" noProof="0"/>
               <a:t>마스터 텍스트 스타일을 편집합니다</a:t>
             </a:r>
           </a:p>
           <a:p>
             <a:pPr lvl="1"/>
             <a:r>
-              <a:rPr lang="ko-KR" altLang="en-US" noProof="0" smtClean="0"/>
+              <a:rPr lang="ko-KR" altLang="en-US" noProof="0"/>
               <a:t>둘째 수준</a:t>
             </a:r>
           </a:p>
           <a:p>
             <a:pPr lvl="2"/>
             <a:r>
-              <a:rPr lang="ko-KR" altLang="en-US" noProof="0" smtClean="0"/>
+              <a:rPr lang="ko-KR" altLang="en-US" noProof="0"/>
               <a:t>셋째 수준</a:t>
             </a:r>
           </a:p>
           <a:p>
             <a:pPr lvl="3"/>
             <a:r>
-              <a:rPr lang="ko-KR" altLang="en-US" noProof="0" smtClean="0"/>
+              <a:rPr lang="ko-KR" altLang="en-US" noProof="0"/>
               <a:t>넷째 수준</a:t>
             </a:r>
           </a:p>
           <a:p>
             <a:pPr lvl="4"/>
             <a:r>
-              <a:rPr lang="ko-KR" altLang="en-US" noProof="0" smtClean="0"/>
+              <a:rPr lang="ko-KR" altLang="en-US" noProof="0"/>
               <a:t>다섯째 수준</a:t>
             </a:r>
             <a:endParaRPr lang="en-US" noProof="0"/>
@@ -6643,7 +6601,7 @@
           <p:cNvPr id="4" name="Footer Placeholder 3">
             <a:extLst>
               <a:ext uri="{FF2B5EF4-FFF2-40B4-BE49-F238E27FC236}">
-                <a16:creationId xmlns="" xmlns:a16="http://schemas.microsoft.com/office/drawing/2014/main" id="{57847F90-9DB6-4832-9EB7-393AADAE8B70}"/>
+                <a16:creationId xmlns:a16="http://schemas.microsoft.com/office/drawing/2014/main" id="{57847F90-9DB6-4832-9EB7-393AADAE8B70}"/>
               </a:ext>
             </a:extLst>
           </p:cNvPr>
@@ -6671,7 +6629,7 @@
           <p:cNvPr id="5" name="Slide Number Placeholder 4">
             <a:extLst>
               <a:ext uri="{FF2B5EF4-FFF2-40B4-BE49-F238E27FC236}">
-                <a16:creationId xmlns="" xmlns:a16="http://schemas.microsoft.com/office/drawing/2014/main" id="{0505ED12-A431-4761-87A4-F05164BE0221}"/>
+                <a16:creationId xmlns:a16="http://schemas.microsoft.com/office/drawing/2014/main" id="{0505ED12-A431-4761-87A4-F05164BE0221}"/>
               </a:ext>
             </a:extLst>
           </p:cNvPr>
@@ -6701,7 +6659,7 @@
           <p:cNvPr id="8" name="Rectangle 7">
             <a:extLst>
               <a:ext uri="{FF2B5EF4-FFF2-40B4-BE49-F238E27FC236}">
-                <a16:creationId xmlns="" xmlns:a16="http://schemas.microsoft.com/office/drawing/2014/main" id="{1508F53F-6AA2-4060-904A-BC90211DC043}"/>
+                <a16:creationId xmlns:a16="http://schemas.microsoft.com/office/drawing/2014/main" id="{1508F53F-6AA2-4060-904A-BC90211DC043}"/>
               </a:ext>
             </a:extLst>
           </p:cNvPr>
@@ -6758,13 +6716,6 @@
   <p:clrMapOvr>
     <a:masterClrMapping/>
   </p:clrMapOvr>
-  <p:timing>
-    <p:tnLst>
-      <p:par>
-        <p:cTn id="1" dur="indefinite" restart="never" nodeType="tmRoot"/>
-      </p:par>
-    </p:tnLst>
-  </p:timing>
 </p:sldLayout>
 </file>
 
@@ -6790,7 +6741,7 @@
           <p:cNvPr id="7" name="Picture Placeholder 6">
             <a:extLst>
               <a:ext uri="{FF2B5EF4-FFF2-40B4-BE49-F238E27FC236}">
-                <a16:creationId xmlns="" xmlns:a16="http://schemas.microsoft.com/office/drawing/2014/main" id="{890ED7CE-A9D2-4D19-B978-56BFB74E657C}"/>
+                <a16:creationId xmlns:a16="http://schemas.microsoft.com/office/drawing/2014/main" id="{890ED7CE-A9D2-4D19-B978-56BFB74E657C}"/>
               </a:ext>
             </a:extLst>
           </p:cNvPr>
@@ -6836,7 +6787,7 @@
           <p:cNvPr id="3" name="Content Placeholder 2">
             <a:extLst>
               <a:ext uri="{FF2B5EF4-FFF2-40B4-BE49-F238E27FC236}">
-                <a16:creationId xmlns="" xmlns:a16="http://schemas.microsoft.com/office/drawing/2014/main" id="{A22238F2-C6EC-476F-8371-119AECBA5622}"/>
+                <a16:creationId xmlns:a16="http://schemas.microsoft.com/office/drawing/2014/main" id="{A22238F2-C6EC-476F-8371-119AECBA5622}"/>
               </a:ext>
             </a:extLst>
           </p:cNvPr>
@@ -6910,35 +6861,35 @@
           <a:p>
             <a:pPr lvl="0"/>
             <a:r>
-              <a:rPr lang="ko-KR" altLang="en-US" noProof="0" smtClean="0"/>
+              <a:rPr lang="ko-KR" altLang="en-US" noProof="0"/>
               <a:t>마스터 텍스트 스타일을 편집합니다</a:t>
             </a:r>
           </a:p>
           <a:p>
             <a:pPr lvl="1"/>
             <a:r>
-              <a:rPr lang="ko-KR" altLang="en-US" noProof="0" smtClean="0"/>
+              <a:rPr lang="ko-KR" altLang="en-US" noProof="0"/>
               <a:t>둘째 수준</a:t>
             </a:r>
           </a:p>
           <a:p>
             <a:pPr lvl="2"/>
             <a:r>
-              <a:rPr lang="ko-KR" altLang="en-US" noProof="0" smtClean="0"/>
+              <a:rPr lang="ko-KR" altLang="en-US" noProof="0"/>
               <a:t>셋째 수준</a:t>
             </a:r>
           </a:p>
           <a:p>
             <a:pPr lvl="3"/>
             <a:r>
-              <a:rPr lang="ko-KR" altLang="en-US" noProof="0" smtClean="0"/>
+              <a:rPr lang="ko-KR" altLang="en-US" noProof="0"/>
               <a:t>넷째 수준</a:t>
             </a:r>
           </a:p>
           <a:p>
             <a:pPr lvl="4"/>
             <a:r>
-              <a:rPr lang="ko-KR" altLang="en-US" noProof="0" smtClean="0"/>
+              <a:rPr lang="ko-KR" altLang="en-US" noProof="0"/>
               <a:t>다섯째 수준</a:t>
             </a:r>
             <a:endParaRPr lang="en-US" noProof="0"/>
@@ -6950,7 +6901,7 @@
           <p:cNvPr id="4" name="Footer Placeholder 3">
             <a:extLst>
               <a:ext uri="{FF2B5EF4-FFF2-40B4-BE49-F238E27FC236}">
-                <a16:creationId xmlns="" xmlns:a16="http://schemas.microsoft.com/office/drawing/2014/main" id="{57847F90-9DB6-4832-9EB7-393AADAE8B70}"/>
+                <a16:creationId xmlns:a16="http://schemas.microsoft.com/office/drawing/2014/main" id="{57847F90-9DB6-4832-9EB7-393AADAE8B70}"/>
               </a:ext>
             </a:extLst>
           </p:cNvPr>
@@ -6978,7 +6929,7 @@
           <p:cNvPr id="5" name="Slide Number Placeholder 4">
             <a:extLst>
               <a:ext uri="{FF2B5EF4-FFF2-40B4-BE49-F238E27FC236}">
-                <a16:creationId xmlns="" xmlns:a16="http://schemas.microsoft.com/office/drawing/2014/main" id="{0505ED12-A431-4761-87A4-F05164BE0221}"/>
+                <a16:creationId xmlns:a16="http://schemas.microsoft.com/office/drawing/2014/main" id="{0505ED12-A431-4761-87A4-F05164BE0221}"/>
               </a:ext>
             </a:extLst>
           </p:cNvPr>
@@ -7013,13 +6964,6 @@
   <p:clrMapOvr>
     <a:masterClrMapping/>
   </p:clrMapOvr>
-  <p:timing>
-    <p:tnLst>
-      <p:par>
-        <p:cTn id="1" dur="indefinite" restart="never" nodeType="tmRoot"/>
-      </p:par>
-    </p:tnLst>
-  </p:timing>
 </p:sldLayout>
 </file>
 
@@ -7045,7 +6989,7 @@
           <p:cNvPr id="2" name="Title 1">
             <a:extLst>
               <a:ext uri="{FF2B5EF4-FFF2-40B4-BE49-F238E27FC236}">
-                <a16:creationId xmlns="" xmlns:a16="http://schemas.microsoft.com/office/drawing/2014/main" id="{3F288DD7-6DAF-436D-B04A-EBCCAA36917C}"/>
+                <a16:creationId xmlns:a16="http://schemas.microsoft.com/office/drawing/2014/main" id="{3F288DD7-6DAF-436D-B04A-EBCCAA36917C}"/>
               </a:ext>
             </a:extLst>
           </p:cNvPr>
@@ -7089,7 +7033,7 @@
           <p:cNvPr id="9" name="Subtitle 2">
             <a:extLst>
               <a:ext uri="{FF2B5EF4-FFF2-40B4-BE49-F238E27FC236}">
-                <a16:creationId xmlns="" xmlns:a16="http://schemas.microsoft.com/office/drawing/2014/main" id="{E4633398-8EC3-417B-BEA6-101D8F224678}"/>
+                <a16:creationId xmlns:a16="http://schemas.microsoft.com/office/drawing/2014/main" id="{E4633398-8EC3-417B-BEA6-101D8F224678}"/>
               </a:ext>
             </a:extLst>
           </p:cNvPr>
@@ -7144,7 +7088,7 @@
           <p:cNvPr id="3" name="Comparison Left Placeholder 1">
             <a:extLst>
               <a:ext uri="{FF2B5EF4-FFF2-40B4-BE49-F238E27FC236}">
-                <a16:creationId xmlns="" xmlns:a16="http://schemas.microsoft.com/office/drawing/2014/main" id="{9322B50D-6A7D-41C6-BA57-613BC231DF36}"/>
+                <a16:creationId xmlns:a16="http://schemas.microsoft.com/office/drawing/2014/main" id="{9322B50D-6A7D-41C6-BA57-613BC231DF36}"/>
               </a:ext>
             </a:extLst>
           </p:cNvPr>
@@ -7211,7 +7155,7 @@
           <a:p>
             <a:pPr lvl="0"/>
             <a:r>
-              <a:rPr lang="ko-KR" altLang="en-US" noProof="0" smtClean="0"/>
+              <a:rPr lang="ko-KR" altLang="en-US" noProof="0"/>
               <a:t>마스터 텍스트 스타일을 편집합니다</a:t>
             </a:r>
           </a:p>
@@ -7222,7 +7166,7 @@
           <p:cNvPr id="4" name="Content Placeholder 2">
             <a:extLst>
               <a:ext uri="{FF2B5EF4-FFF2-40B4-BE49-F238E27FC236}">
-                <a16:creationId xmlns="" xmlns:a16="http://schemas.microsoft.com/office/drawing/2014/main" id="{9FD584DA-F775-47B8-A1D7-6556AD5FCBD2}"/>
+                <a16:creationId xmlns:a16="http://schemas.microsoft.com/office/drawing/2014/main" id="{9FD584DA-F775-47B8-A1D7-6556AD5FCBD2}"/>
               </a:ext>
             </a:extLst>
           </p:cNvPr>
@@ -7296,35 +7240,35 @@
           <a:p>
             <a:pPr lvl="0"/>
             <a:r>
-              <a:rPr lang="ko-KR" altLang="en-US" noProof="0" smtClean="0"/>
+              <a:rPr lang="ko-KR" altLang="en-US" noProof="0"/>
               <a:t>마스터 텍스트 스타일을 편집합니다</a:t>
             </a:r>
           </a:p>
           <a:p>
             <a:pPr lvl="1"/>
             <a:r>
-              <a:rPr lang="ko-KR" altLang="en-US" noProof="0" smtClean="0"/>
+              <a:rPr lang="ko-KR" altLang="en-US" noProof="0"/>
               <a:t>둘째 수준</a:t>
             </a:r>
           </a:p>
           <a:p>
             <a:pPr lvl="2"/>
             <a:r>
-              <a:rPr lang="ko-KR" altLang="en-US" noProof="0" smtClean="0"/>
+              <a:rPr lang="ko-KR" altLang="en-US" noProof="0"/>
               <a:t>셋째 수준</a:t>
             </a:r>
           </a:p>
           <a:p>
             <a:pPr lvl="3"/>
             <a:r>
-              <a:rPr lang="ko-KR" altLang="en-US" noProof="0" smtClean="0"/>
+              <a:rPr lang="ko-KR" altLang="en-US" noProof="0"/>
               <a:t>넷째 수준</a:t>
             </a:r>
           </a:p>
           <a:p>
             <a:pPr lvl="4"/>
             <a:r>
-              <a:rPr lang="ko-KR" altLang="en-US" noProof="0" smtClean="0"/>
+              <a:rPr lang="ko-KR" altLang="en-US" noProof="0"/>
               <a:t>다섯째 수준</a:t>
             </a:r>
             <a:endParaRPr lang="en-US" noProof="0"/>
@@ -7336,7 +7280,7 @@
           <p:cNvPr id="12" name="Comparison Left Placeholder 2">
             <a:extLst>
               <a:ext uri="{FF2B5EF4-FFF2-40B4-BE49-F238E27FC236}">
-                <a16:creationId xmlns="" xmlns:a16="http://schemas.microsoft.com/office/drawing/2014/main" id="{78A963F8-6F6E-440E-B3B3-DDE13C083A36}"/>
+                <a16:creationId xmlns:a16="http://schemas.microsoft.com/office/drawing/2014/main" id="{78A963F8-6F6E-440E-B3B3-DDE13C083A36}"/>
               </a:ext>
             </a:extLst>
           </p:cNvPr>
@@ -7364,7 +7308,7 @@
           <a:p>
             <a:pPr lvl="0"/>
             <a:r>
-              <a:rPr lang="ko-KR" altLang="en-US" noProof="0" smtClean="0"/>
+              <a:rPr lang="ko-KR" altLang="en-US" noProof="0"/>
               <a:t>마스터 텍스트 스타일을 편집합니다</a:t>
             </a:r>
           </a:p>
@@ -7375,7 +7319,7 @@
           <p:cNvPr id="8" name="Text Placeholder 4">
             <a:extLst>
               <a:ext uri="{FF2B5EF4-FFF2-40B4-BE49-F238E27FC236}">
-                <a16:creationId xmlns="" xmlns:a16="http://schemas.microsoft.com/office/drawing/2014/main" id="{DF0A5256-B267-47DA-858A-0F3867CB6139}"/>
+                <a16:creationId xmlns:a16="http://schemas.microsoft.com/office/drawing/2014/main" id="{DF0A5256-B267-47DA-858A-0F3867CB6139}"/>
               </a:ext>
             </a:extLst>
           </p:cNvPr>
@@ -7398,35 +7342,35 @@
           <a:p>
             <a:pPr lvl="0"/>
             <a:r>
-              <a:rPr lang="ko-KR" altLang="en-US" noProof="0" smtClean="0"/>
+              <a:rPr lang="ko-KR" altLang="en-US" noProof="0"/>
               <a:t>마스터 텍스트 스타일을 편집합니다</a:t>
             </a:r>
           </a:p>
           <a:p>
             <a:pPr lvl="1"/>
             <a:r>
-              <a:rPr lang="ko-KR" altLang="en-US" noProof="0" smtClean="0"/>
+              <a:rPr lang="ko-KR" altLang="en-US" noProof="0"/>
               <a:t>둘째 수준</a:t>
             </a:r>
           </a:p>
           <a:p>
             <a:pPr lvl="2"/>
             <a:r>
-              <a:rPr lang="ko-KR" altLang="en-US" noProof="0" smtClean="0"/>
+              <a:rPr lang="ko-KR" altLang="en-US" noProof="0"/>
               <a:t>셋째 수준</a:t>
             </a:r>
           </a:p>
           <a:p>
             <a:pPr lvl="3"/>
             <a:r>
-              <a:rPr lang="ko-KR" altLang="en-US" noProof="0" smtClean="0"/>
+              <a:rPr lang="ko-KR" altLang="en-US" noProof="0"/>
               <a:t>넷째 수준</a:t>
             </a:r>
           </a:p>
           <a:p>
             <a:pPr lvl="4"/>
             <a:r>
-              <a:rPr lang="ko-KR" altLang="en-US" noProof="0" smtClean="0"/>
+              <a:rPr lang="ko-KR" altLang="en-US" noProof="0"/>
               <a:t>다섯째 수준</a:t>
             </a:r>
             <a:endParaRPr lang="en-US" noProof="0"/>
@@ -7438,7 +7382,7 @@
           <p:cNvPr id="5" name="Footer Placeholder 4">
             <a:extLst>
               <a:ext uri="{FF2B5EF4-FFF2-40B4-BE49-F238E27FC236}">
-                <a16:creationId xmlns="" xmlns:a16="http://schemas.microsoft.com/office/drawing/2014/main" id="{646B8F99-FAB0-4B33-87ED-9FF46D11A907}"/>
+                <a16:creationId xmlns:a16="http://schemas.microsoft.com/office/drawing/2014/main" id="{646B8F99-FAB0-4B33-87ED-9FF46D11A907}"/>
               </a:ext>
             </a:extLst>
           </p:cNvPr>
@@ -7466,7 +7410,7 @@
           <p:cNvPr id="6" name="Slide Number Placeholder 5">
             <a:extLst>
               <a:ext uri="{FF2B5EF4-FFF2-40B4-BE49-F238E27FC236}">
-                <a16:creationId xmlns="" xmlns:a16="http://schemas.microsoft.com/office/drawing/2014/main" id="{18733E7E-50D2-4F6C-9DF2-CF4C98C4B847}"/>
+                <a16:creationId xmlns:a16="http://schemas.microsoft.com/office/drawing/2014/main" id="{18733E7E-50D2-4F6C-9DF2-CF4C98C4B847}"/>
               </a:ext>
             </a:extLst>
           </p:cNvPr>
@@ -7501,13 +7445,6 @@
   <p:clrMapOvr>
     <a:masterClrMapping/>
   </p:clrMapOvr>
-  <p:timing>
-    <p:tnLst>
-      <p:par>
-        <p:cTn id="1" dur="indefinite" restart="never" nodeType="tmRoot"/>
-      </p:par>
-    </p:tnLst>
-  </p:timing>
 </p:sldLayout>
 </file>
 
@@ -7533,7 +7470,7 @@
           <p:cNvPr id="7" name="Picture Placeholder 6">
             <a:extLst>
               <a:ext uri="{FF2B5EF4-FFF2-40B4-BE49-F238E27FC236}">
-                <a16:creationId xmlns="" xmlns:a16="http://schemas.microsoft.com/office/drawing/2014/main" id="{890ED7CE-A9D2-4D19-B978-56BFB74E657C}"/>
+                <a16:creationId xmlns:a16="http://schemas.microsoft.com/office/drawing/2014/main" id="{890ED7CE-A9D2-4D19-B978-56BFB74E657C}"/>
               </a:ext>
             </a:extLst>
           </p:cNvPr>
@@ -7579,7 +7516,7 @@
           <p:cNvPr id="3" name="Content Placeholder 2">
             <a:extLst>
               <a:ext uri="{FF2B5EF4-FFF2-40B4-BE49-F238E27FC236}">
-                <a16:creationId xmlns="" xmlns:a16="http://schemas.microsoft.com/office/drawing/2014/main" id="{A22238F2-C6EC-476F-8371-119AECBA5622}"/>
+                <a16:creationId xmlns:a16="http://schemas.microsoft.com/office/drawing/2014/main" id="{A22238F2-C6EC-476F-8371-119AECBA5622}"/>
               </a:ext>
             </a:extLst>
           </p:cNvPr>
@@ -7665,7 +7602,7 @@
           <p:cNvPr id="4" name="Footer Placeholder 3">
             <a:extLst>
               <a:ext uri="{FF2B5EF4-FFF2-40B4-BE49-F238E27FC236}">
-                <a16:creationId xmlns="" xmlns:a16="http://schemas.microsoft.com/office/drawing/2014/main" id="{57847F90-9DB6-4832-9EB7-393AADAE8B70}"/>
+                <a16:creationId xmlns:a16="http://schemas.microsoft.com/office/drawing/2014/main" id="{57847F90-9DB6-4832-9EB7-393AADAE8B70}"/>
               </a:ext>
             </a:extLst>
           </p:cNvPr>
@@ -7693,7 +7630,7 @@
           <p:cNvPr id="2" name="Slide Number Placeholder 1">
             <a:extLst>
               <a:ext uri="{FF2B5EF4-FFF2-40B4-BE49-F238E27FC236}">
-                <a16:creationId xmlns="" xmlns:a16="http://schemas.microsoft.com/office/drawing/2014/main" id="{8B3D119C-DBF5-4B4F-BE38-7BD7B5C8A5D0}"/>
+                <a16:creationId xmlns:a16="http://schemas.microsoft.com/office/drawing/2014/main" id="{8B3D119C-DBF5-4B4F-BE38-7BD7B5C8A5D0}"/>
               </a:ext>
             </a:extLst>
           </p:cNvPr>
@@ -7723,7 +7660,7 @@
           <p:cNvPr id="5" name="Title 4">
             <a:extLst>
               <a:ext uri="{FF2B5EF4-FFF2-40B4-BE49-F238E27FC236}">
-                <a16:creationId xmlns="" xmlns:a16="http://schemas.microsoft.com/office/drawing/2014/main" id="{7F8E7C83-06D7-4C5B-85B7-0E5713B4FAB3}"/>
+                <a16:creationId xmlns:a16="http://schemas.microsoft.com/office/drawing/2014/main" id="{7F8E7C83-06D7-4C5B-85B7-0E5713B4FAB3}"/>
               </a:ext>
             </a:extLst>
           </p:cNvPr>
@@ -7740,7 +7677,7 @@
           <a:lstStyle/>
           <a:p>
             <a:r>
-              <a:rPr lang="ko-KR" altLang="en-US" noProof="0" smtClean="0"/>
+              <a:rPr lang="ko-KR" altLang="en-US" noProof="0"/>
               <a:t>마스터 제목 스타일 편집</a:t>
             </a:r>
             <a:endParaRPr lang="en-US" noProof="0"/>
@@ -7757,13 +7694,6 @@
   <p:clrMapOvr>
     <a:masterClrMapping/>
   </p:clrMapOvr>
-  <p:timing>
-    <p:tnLst>
-      <p:par>
-        <p:cTn id="1" dur="indefinite" restart="never" nodeType="tmRoot"/>
-      </p:par>
-    </p:tnLst>
-  </p:timing>
 </p:sldLayout>
 </file>
 
@@ -7799,7 +7729,7 @@
           <p:cNvPr id="41" name="Picture Placeholder 40">
             <a:extLst>
               <a:ext uri="{FF2B5EF4-FFF2-40B4-BE49-F238E27FC236}">
-                <a16:creationId xmlns="" xmlns:a16="http://schemas.microsoft.com/office/drawing/2014/main" id="{EB7F0EE8-BE52-4A79-8FC8-4A2487FA01FC}"/>
+                <a16:creationId xmlns:a16="http://schemas.microsoft.com/office/drawing/2014/main" id="{EB7F0EE8-BE52-4A79-8FC8-4A2487FA01FC}"/>
               </a:ext>
             </a:extLst>
           </p:cNvPr>
@@ -7845,7 +7775,7 @@
           <p:cNvPr id="2" name="Title 1">
             <a:extLst>
               <a:ext uri="{FF2B5EF4-FFF2-40B4-BE49-F238E27FC236}">
-                <a16:creationId xmlns="" xmlns:a16="http://schemas.microsoft.com/office/drawing/2014/main" id="{00F23EB7-E336-46EB-A4A0-3DB7A6BF4CE1}"/>
+                <a16:creationId xmlns:a16="http://schemas.microsoft.com/office/drawing/2014/main" id="{00F23EB7-E336-46EB-A4A0-3DB7A6BF4CE1}"/>
               </a:ext>
             </a:extLst>
           </p:cNvPr>
@@ -7888,7 +7818,7 @@
           <p:cNvPr id="9" name="Text Placeholder 5">
             <a:extLst>
               <a:ext uri="{FF2B5EF4-FFF2-40B4-BE49-F238E27FC236}">
-                <a16:creationId xmlns="" xmlns:a16="http://schemas.microsoft.com/office/drawing/2014/main" id="{52FA7FC9-E40E-4144-84E4-34E3722E9A6D}"/>
+                <a16:creationId xmlns:a16="http://schemas.microsoft.com/office/drawing/2014/main" id="{52FA7FC9-E40E-4144-84E4-34E3722E9A6D}"/>
               </a:ext>
             </a:extLst>
           </p:cNvPr>
@@ -7953,7 +7883,7 @@
           <p:cNvPr id="10" name="Text Placeholder 6">
             <a:extLst>
               <a:ext uri="{FF2B5EF4-FFF2-40B4-BE49-F238E27FC236}">
-                <a16:creationId xmlns="" xmlns:a16="http://schemas.microsoft.com/office/drawing/2014/main" id="{97289182-4FE6-4A18-9775-4588D5801CF6}"/>
+                <a16:creationId xmlns:a16="http://schemas.microsoft.com/office/drawing/2014/main" id="{97289182-4FE6-4A18-9775-4588D5801CF6}"/>
               </a:ext>
             </a:extLst>
           </p:cNvPr>
@@ -8018,7 +7948,7 @@
           <p:cNvPr id="11" name="Text Placeholder 7">
             <a:extLst>
               <a:ext uri="{FF2B5EF4-FFF2-40B4-BE49-F238E27FC236}">
-                <a16:creationId xmlns="" xmlns:a16="http://schemas.microsoft.com/office/drawing/2014/main" id="{BD4E94C7-6CAF-4FEE-9E02-D3D3A2AC5EAF}"/>
+                <a16:creationId xmlns:a16="http://schemas.microsoft.com/office/drawing/2014/main" id="{BD4E94C7-6CAF-4FEE-9E02-D3D3A2AC5EAF}"/>
               </a:ext>
             </a:extLst>
           </p:cNvPr>
@@ -8083,7 +8013,7 @@
           <p:cNvPr id="12" name="Text Placeholder 8">
             <a:extLst>
               <a:ext uri="{FF2B5EF4-FFF2-40B4-BE49-F238E27FC236}">
-                <a16:creationId xmlns="" xmlns:a16="http://schemas.microsoft.com/office/drawing/2014/main" id="{0DE421A3-3C59-48FC-BC3B-007ADFBEB4FE}"/>
+                <a16:creationId xmlns:a16="http://schemas.microsoft.com/office/drawing/2014/main" id="{0DE421A3-3C59-48FC-BC3B-007ADFBEB4FE}"/>
               </a:ext>
             </a:extLst>
           </p:cNvPr>
@@ -8148,7 +8078,7 @@
           <p:cNvPr id="15" name="Rectangle 14">
             <a:extLst>
               <a:ext uri="{FF2B5EF4-FFF2-40B4-BE49-F238E27FC236}">
-                <a16:creationId xmlns="" xmlns:a16="http://schemas.microsoft.com/office/drawing/2014/main" id="{9504A767-1C0B-484E-BF7D-CD42D30A52EE}"/>
+                <a16:creationId xmlns:a16="http://schemas.microsoft.com/office/drawing/2014/main" id="{9504A767-1C0B-484E-BF7D-CD42D30A52EE}"/>
               </a:ext>
             </a:extLst>
           </p:cNvPr>
@@ -8200,7 +8130,7 @@
           <p:cNvPr id="14" name="Rectangle 13">
             <a:extLst>
               <a:ext uri="{FF2B5EF4-FFF2-40B4-BE49-F238E27FC236}">
-                <a16:creationId xmlns="" xmlns:a16="http://schemas.microsoft.com/office/drawing/2014/main" id="{7A13D8A8-6C3D-4527-959D-41C3213F7F02}"/>
+                <a16:creationId xmlns:a16="http://schemas.microsoft.com/office/drawing/2014/main" id="{7A13D8A8-6C3D-4527-959D-41C3213F7F02}"/>
               </a:ext>
             </a:extLst>
           </p:cNvPr>
@@ -8252,7 +8182,7 @@
           <p:cNvPr id="13" name="Rectangle 12">
             <a:extLst>
               <a:ext uri="{FF2B5EF4-FFF2-40B4-BE49-F238E27FC236}">
-                <a16:creationId xmlns="" xmlns:a16="http://schemas.microsoft.com/office/drawing/2014/main" id="{EC0FBB1B-4F0E-4365-BF27-3150FC6C3B90}"/>
+                <a16:creationId xmlns:a16="http://schemas.microsoft.com/office/drawing/2014/main" id="{EC0FBB1B-4F0E-4365-BF27-3150FC6C3B90}"/>
               </a:ext>
             </a:extLst>
           </p:cNvPr>
@@ -8306,7 +8236,7 @@
           <p:cNvPr id="8" name="Rectangle 7">
             <a:extLst>
               <a:ext uri="{FF2B5EF4-FFF2-40B4-BE49-F238E27FC236}">
-                <a16:creationId xmlns="" xmlns:a16="http://schemas.microsoft.com/office/drawing/2014/main" id="{51DD44D8-4A8F-4693-B90A-166855B29D25}"/>
+                <a16:creationId xmlns:a16="http://schemas.microsoft.com/office/drawing/2014/main" id="{51DD44D8-4A8F-4693-B90A-166855B29D25}"/>
               </a:ext>
             </a:extLst>
           </p:cNvPr>
@@ -8355,7 +8285,7 @@
           <p:cNvPr id="5" name="Slide Number Placeholder 4">
             <a:extLst>
               <a:ext uri="{FF2B5EF4-FFF2-40B4-BE49-F238E27FC236}">
-                <a16:creationId xmlns="" xmlns:a16="http://schemas.microsoft.com/office/drawing/2014/main" id="{222FB6A7-1E80-487C-93E6-DCAA8751EF21}"/>
+                <a16:creationId xmlns:a16="http://schemas.microsoft.com/office/drawing/2014/main" id="{222FB6A7-1E80-487C-93E6-DCAA8751EF21}"/>
               </a:ext>
             </a:extLst>
           </p:cNvPr>
@@ -8415,7 +8345,7 @@
           <p:cNvPr id="2" name="Title 1">
             <a:extLst>
               <a:ext uri="{FF2B5EF4-FFF2-40B4-BE49-F238E27FC236}">
-                <a16:creationId xmlns="" xmlns:a16="http://schemas.microsoft.com/office/drawing/2014/main" id="{5CFF4C50-933F-41F9-AD11-BD02410AA7D5}"/>
+                <a16:creationId xmlns:a16="http://schemas.microsoft.com/office/drawing/2014/main" id="{5CFF4C50-933F-41F9-AD11-BD02410AA7D5}"/>
               </a:ext>
             </a:extLst>
           </p:cNvPr>
@@ -8454,7 +8384,7 @@
           <p:cNvPr id="7" name="Subtitle 2">
             <a:extLst>
               <a:ext uri="{FF2B5EF4-FFF2-40B4-BE49-F238E27FC236}">
-                <a16:creationId xmlns="" xmlns:a16="http://schemas.microsoft.com/office/drawing/2014/main" id="{E97A9A62-1AA6-47A9-A1A0-54196823744C}"/>
+                <a16:creationId xmlns:a16="http://schemas.microsoft.com/office/drawing/2014/main" id="{E97A9A62-1AA6-47A9-A1A0-54196823744C}"/>
               </a:ext>
             </a:extLst>
           </p:cNvPr>
@@ -8509,7 +8439,7 @@
           <p:cNvPr id="3" name="Content Placeholder 2">
             <a:extLst>
               <a:ext uri="{FF2B5EF4-FFF2-40B4-BE49-F238E27FC236}">
-                <a16:creationId xmlns="" xmlns:a16="http://schemas.microsoft.com/office/drawing/2014/main" id="{B1948E38-8FB0-4E51-A01C-C88794372E50}"/>
+                <a16:creationId xmlns:a16="http://schemas.microsoft.com/office/drawing/2014/main" id="{B1948E38-8FB0-4E51-A01C-C88794372E50}"/>
               </a:ext>
             </a:extLst>
           </p:cNvPr>
@@ -8578,35 +8508,35 @@
           <a:p>
             <a:pPr lvl="0"/>
             <a:r>
-              <a:rPr lang="ko-KR" altLang="en-US" noProof="0" smtClean="0"/>
+              <a:rPr lang="ko-KR" altLang="en-US" noProof="0"/>
               <a:t>마스터 텍스트 스타일을 편집합니다</a:t>
             </a:r>
           </a:p>
           <a:p>
             <a:pPr lvl="1"/>
             <a:r>
-              <a:rPr lang="ko-KR" altLang="en-US" noProof="0" smtClean="0"/>
+              <a:rPr lang="ko-KR" altLang="en-US" noProof="0"/>
               <a:t>둘째 수준</a:t>
             </a:r>
           </a:p>
           <a:p>
             <a:pPr lvl="2"/>
             <a:r>
-              <a:rPr lang="ko-KR" altLang="en-US" noProof="0" smtClean="0"/>
+              <a:rPr lang="ko-KR" altLang="en-US" noProof="0"/>
               <a:t>셋째 수준</a:t>
             </a:r>
           </a:p>
           <a:p>
             <a:pPr lvl="3"/>
             <a:r>
-              <a:rPr lang="ko-KR" altLang="en-US" noProof="0" smtClean="0"/>
+              <a:rPr lang="ko-KR" altLang="en-US" noProof="0"/>
               <a:t>넷째 수준</a:t>
             </a:r>
           </a:p>
           <a:p>
             <a:pPr lvl="4"/>
             <a:r>
-              <a:rPr lang="ko-KR" altLang="en-US" noProof="0" smtClean="0"/>
+              <a:rPr lang="ko-KR" altLang="en-US" noProof="0"/>
               <a:t>다섯째 수준</a:t>
             </a:r>
             <a:endParaRPr lang="en-US" noProof="0"/>
@@ -8618,7 +8548,7 @@
           <p:cNvPr id="4" name="Footer Placeholder 3">
             <a:extLst>
               <a:ext uri="{FF2B5EF4-FFF2-40B4-BE49-F238E27FC236}">
-                <a16:creationId xmlns="" xmlns:a16="http://schemas.microsoft.com/office/drawing/2014/main" id="{E8FE0EB3-0FF4-4285-B9D3-90A5751B7BBF}"/>
+                <a16:creationId xmlns:a16="http://schemas.microsoft.com/office/drawing/2014/main" id="{E8FE0EB3-0FF4-4285-B9D3-90A5751B7BBF}"/>
               </a:ext>
             </a:extLst>
           </p:cNvPr>
@@ -8646,7 +8576,7 @@
           <p:cNvPr id="5" name="Slide Number Placeholder 4">
             <a:extLst>
               <a:ext uri="{FF2B5EF4-FFF2-40B4-BE49-F238E27FC236}">
-                <a16:creationId xmlns="" xmlns:a16="http://schemas.microsoft.com/office/drawing/2014/main" id="{C8DE0AAD-6FBD-416B-A91A-21F2B737919E}"/>
+                <a16:creationId xmlns:a16="http://schemas.microsoft.com/office/drawing/2014/main" id="{C8DE0AAD-6FBD-416B-A91A-21F2B737919E}"/>
               </a:ext>
             </a:extLst>
           </p:cNvPr>
@@ -8681,13 +8611,6 @@
   <p:clrMapOvr>
     <a:masterClrMapping/>
   </p:clrMapOvr>
-  <p:timing>
-    <p:tnLst>
-      <p:par>
-        <p:cTn id="1" dur="indefinite" restart="never" nodeType="tmRoot"/>
-      </p:par>
-    </p:tnLst>
-  </p:timing>
 </p:sldLayout>
 </file>
 
@@ -8718,7 +8641,7 @@
           <p:cNvPr id="7" name="Rectangle 6">
             <a:extLst>
               <a:ext uri="{FF2B5EF4-FFF2-40B4-BE49-F238E27FC236}">
-                <a16:creationId xmlns="" xmlns:a16="http://schemas.microsoft.com/office/drawing/2014/main" id="{3EB0D177-9AA4-42F4-9CD7-CD206217CA6D}"/>
+                <a16:creationId xmlns:a16="http://schemas.microsoft.com/office/drawing/2014/main" id="{3EB0D177-9AA4-42F4-9CD7-CD206217CA6D}"/>
               </a:ext>
             </a:extLst>
           </p:cNvPr>
@@ -8770,7 +8693,7 @@
           <p:cNvPr id="28" name="Rectangle 27">
             <a:extLst>
               <a:ext uri="{FF2B5EF4-FFF2-40B4-BE49-F238E27FC236}">
-                <a16:creationId xmlns="" xmlns:a16="http://schemas.microsoft.com/office/drawing/2014/main" id="{C825DB53-D610-4A40-AFDC-EBC47DB613CE}"/>
+                <a16:creationId xmlns:a16="http://schemas.microsoft.com/office/drawing/2014/main" id="{C825DB53-D610-4A40-AFDC-EBC47DB613CE}"/>
               </a:ext>
             </a:extLst>
           </p:cNvPr>
@@ -8824,7 +8747,7 @@
           <p:cNvPr id="31" name="Freeform: Shape 30">
             <a:extLst>
               <a:ext uri="{FF2B5EF4-FFF2-40B4-BE49-F238E27FC236}">
-                <a16:creationId xmlns="" xmlns:a16="http://schemas.microsoft.com/office/drawing/2014/main" id="{C2B9A6A4-83D0-40B1-8B15-964C84BF0705}"/>
+                <a16:creationId xmlns:a16="http://schemas.microsoft.com/office/drawing/2014/main" id="{C2B9A6A4-83D0-40B1-8B15-964C84BF0705}"/>
               </a:ext>
             </a:extLst>
           </p:cNvPr>
@@ -8921,7 +8844,7 @@
           <p:cNvPr id="2" name="Title Placeholder 1">
             <a:extLst>
               <a:ext uri="{FF2B5EF4-FFF2-40B4-BE49-F238E27FC236}">
-                <a16:creationId xmlns="" xmlns:a16="http://schemas.microsoft.com/office/drawing/2014/main" id="{090F41A2-6535-4CA6-81E4-026A5B56D9D7}"/>
+                <a16:creationId xmlns:a16="http://schemas.microsoft.com/office/drawing/2014/main" id="{090F41A2-6535-4CA6-81E4-026A5B56D9D7}"/>
               </a:ext>
             </a:extLst>
           </p:cNvPr>
@@ -8959,7 +8882,7 @@
           <p:cNvPr id="3" name="Text Placeholder 2">
             <a:extLst>
               <a:ext uri="{FF2B5EF4-FFF2-40B4-BE49-F238E27FC236}">
-                <a16:creationId xmlns="" xmlns:a16="http://schemas.microsoft.com/office/drawing/2014/main" id="{213AB95C-7DD4-4796-80E4-1B7466A2A037}"/>
+                <a16:creationId xmlns:a16="http://schemas.microsoft.com/office/drawing/2014/main" id="{213AB95C-7DD4-4796-80E4-1B7466A2A037}"/>
               </a:ext>
             </a:extLst>
           </p:cNvPr>
@@ -8987,35 +8910,35 @@
           <a:p>
             <a:pPr lvl="0"/>
             <a:r>
-              <a:rPr lang="ko-KR" altLang="en-US" noProof="0" smtClean="0"/>
+              <a:rPr lang="ko-KR" altLang="en-US" noProof="0"/>
               <a:t>마스터 텍스트 스타일을 편집합니다</a:t>
             </a:r>
           </a:p>
           <a:p>
             <a:pPr lvl="1"/>
             <a:r>
-              <a:rPr lang="ko-KR" altLang="en-US" noProof="0" smtClean="0"/>
+              <a:rPr lang="ko-KR" altLang="en-US" noProof="0"/>
               <a:t>둘째 수준</a:t>
             </a:r>
           </a:p>
           <a:p>
             <a:pPr lvl="2"/>
             <a:r>
-              <a:rPr lang="ko-KR" altLang="en-US" noProof="0" smtClean="0"/>
+              <a:rPr lang="ko-KR" altLang="en-US" noProof="0"/>
               <a:t>셋째 수준</a:t>
             </a:r>
           </a:p>
           <a:p>
             <a:pPr lvl="3"/>
             <a:r>
-              <a:rPr lang="ko-KR" altLang="en-US" noProof="0" smtClean="0"/>
+              <a:rPr lang="ko-KR" altLang="en-US" noProof="0"/>
               <a:t>넷째 수준</a:t>
             </a:r>
           </a:p>
           <a:p>
             <a:pPr lvl="4"/>
             <a:r>
-              <a:rPr lang="ko-KR" altLang="en-US" noProof="0" smtClean="0"/>
+              <a:rPr lang="ko-KR" altLang="en-US" noProof="0"/>
               <a:t>다섯째 수준</a:t>
             </a:r>
             <a:endParaRPr lang="en-US" noProof="0"/>
@@ -9027,7 +8950,7 @@
           <p:cNvPr id="5" name="Footer Placeholder 4">
             <a:extLst>
               <a:ext uri="{FF2B5EF4-FFF2-40B4-BE49-F238E27FC236}">
-                <a16:creationId xmlns="" xmlns:a16="http://schemas.microsoft.com/office/drawing/2014/main" id="{58879C91-B77F-4273-9A27-A3535FB889DB}"/>
+                <a16:creationId xmlns:a16="http://schemas.microsoft.com/office/drawing/2014/main" id="{58879C91-B77F-4273-9A27-A3535FB889DB}"/>
               </a:ext>
             </a:extLst>
           </p:cNvPr>
@@ -9075,7 +8998,7 @@
           <p:cNvPr id="6" name="Slide Number Placeholder 5">
             <a:extLst>
               <a:ext uri="{FF2B5EF4-FFF2-40B4-BE49-F238E27FC236}">
-                <a16:creationId xmlns="" xmlns:a16="http://schemas.microsoft.com/office/drawing/2014/main" id="{5ECA3099-A94F-4C3E-BC29-780EDD38F722}"/>
+                <a16:creationId xmlns:a16="http://schemas.microsoft.com/office/drawing/2014/main" id="{5ECA3099-A94F-4C3E-BC29-780EDD38F722}"/>
               </a:ext>
             </a:extLst>
           </p:cNvPr>
@@ -9128,7 +9051,7 @@
           <p:cNvPr id="9" name="Rectangle 8">
             <a:extLst>
               <a:ext uri="{FF2B5EF4-FFF2-40B4-BE49-F238E27FC236}">
-                <a16:creationId xmlns="" xmlns:a16="http://schemas.microsoft.com/office/drawing/2014/main" id="{4BC39664-EB8B-4A32-915A-D4308F792772}"/>
+                <a16:creationId xmlns:a16="http://schemas.microsoft.com/office/drawing/2014/main" id="{4BC39664-EB8B-4A32-915A-D4308F792772}"/>
               </a:ext>
             </a:extLst>
           </p:cNvPr>
@@ -9180,7 +9103,7 @@
           <p:cNvPr id="29" name="Rectangle 28">
             <a:extLst>
               <a:ext uri="{FF2B5EF4-FFF2-40B4-BE49-F238E27FC236}">
-                <a16:creationId xmlns="" xmlns:a16="http://schemas.microsoft.com/office/drawing/2014/main" id="{9B49670D-8F18-44A8-B217-67B412095C0D}"/>
+                <a16:creationId xmlns:a16="http://schemas.microsoft.com/office/drawing/2014/main" id="{9B49670D-8F18-44A8-B217-67B412095C0D}"/>
               </a:ext>
             </a:extLst>
           </p:cNvPr>
@@ -9232,7 +9155,7 @@
           <p:cNvPr id="18" name="Straight Connector 17">
             <a:extLst>
               <a:ext uri="{FF2B5EF4-FFF2-40B4-BE49-F238E27FC236}">
-                <a16:creationId xmlns="" xmlns:a16="http://schemas.microsoft.com/office/drawing/2014/main" id="{030FA059-EC32-4FFF-9673-48849B2FA43A}"/>
+                <a16:creationId xmlns:a16="http://schemas.microsoft.com/office/drawing/2014/main" id="{030FA059-EC32-4FFF-9673-48849B2FA43A}"/>
               </a:ext>
             </a:extLst>
           </p:cNvPr>
@@ -9305,13 +9228,6 @@
     <p:sldLayoutId id="2147483675" r:id="rId22"/>
     <p:sldLayoutId id="2147483672" r:id="rId23"/>
   </p:sldLayoutIdLst>
-  <p:timing>
-    <p:tnLst>
-      <p:par>
-        <p:cTn id="1" dur="indefinite" restart="never" nodeType="tmRoot"/>
-      </p:par>
-    </p:tnLst>
-  </p:timing>
   <p:hf hdr="0" dt="0"/>
   <p:txStyles>
     <p:titleStyle>
@@ -9636,7 +9552,7 @@
           <p:cNvPr id="12" name="Picture Placeholder 11" descr="Hands coming together in circle">
             <a:extLst>
               <a:ext uri="{FF2B5EF4-FFF2-40B4-BE49-F238E27FC236}">
-                <a16:creationId xmlns="" xmlns:a16="http://schemas.microsoft.com/office/drawing/2014/main" id="{AA8A1CBA-9BB5-2246-9F4B-98EAD7C90158}"/>
+                <a16:creationId xmlns:a16="http://schemas.microsoft.com/office/drawing/2014/main" id="{AA8A1CBA-9BB5-2246-9F4B-98EAD7C90158}"/>
               </a:ext>
             </a:extLst>
           </p:cNvPr>
@@ -9667,7 +9583,7 @@
           <p:cNvPr id="3" name="Title 2">
             <a:extLst>
               <a:ext uri="{FF2B5EF4-FFF2-40B4-BE49-F238E27FC236}">
-                <a16:creationId xmlns="" xmlns:a16="http://schemas.microsoft.com/office/drawing/2014/main" id="{200B3D2B-613A-41BE-987D-E6A1324B456D}"/>
+                <a16:creationId xmlns:a16="http://schemas.microsoft.com/office/drawing/2014/main" id="{200B3D2B-613A-41BE-987D-E6A1324B456D}"/>
               </a:ext>
             </a:extLst>
           </p:cNvPr>
@@ -9689,10 +9605,9 @@
           <a:lstStyle/>
           <a:p>
             <a:r>
-              <a:rPr lang="en-US" dirty="0" smtClean="0"/>
+              <a:rPr lang="en-US" dirty="0"/>
               <a:t>E-zone</a:t>
             </a:r>
-            <a:endParaRPr lang="en-US" dirty="0"/>
           </a:p>
         </p:txBody>
       </p:sp>
@@ -9701,7 +9616,7 @@
           <p:cNvPr id="4" name="Subtitle 3">
             <a:extLst>
               <a:ext uri="{FF2B5EF4-FFF2-40B4-BE49-F238E27FC236}">
-                <a16:creationId xmlns="" xmlns:a16="http://schemas.microsoft.com/office/drawing/2014/main" id="{4772945D-CA91-4CFE-8EB7-941C7618C994}"/>
+                <a16:creationId xmlns:a16="http://schemas.microsoft.com/office/drawing/2014/main" id="{4772945D-CA91-4CFE-8EB7-941C7618C994}"/>
               </a:ext>
             </a:extLst>
           </p:cNvPr>
@@ -9723,7 +9638,7 @@
           <a:lstStyle/>
           <a:p>
             <a:r>
-              <a:rPr lang="ko-KR" altLang="en-US" dirty="0" smtClean="0"/>
+              <a:rPr lang="ko-KR" altLang="en-US" dirty="0"/>
               <a:t>장소공유 기반 지식공유 플랫폼</a:t>
             </a:r>
             <a:endParaRPr lang="en-US" dirty="0"/>
@@ -9735,7 +9650,7 @@
           <p:cNvPr id="10" name="Slide Number Placeholder 5">
             <a:extLst>
               <a:ext uri="{FF2B5EF4-FFF2-40B4-BE49-F238E27FC236}">
-                <a16:creationId xmlns="" xmlns:a16="http://schemas.microsoft.com/office/drawing/2014/main" id="{1C554D9F-1895-486E-BFBA-905BB2D29E08}"/>
+                <a16:creationId xmlns:a16="http://schemas.microsoft.com/office/drawing/2014/main" id="{1C554D9F-1895-486E-BFBA-905BB2D29E08}"/>
               </a:ext>
             </a:extLst>
           </p:cNvPr>
@@ -9879,13 +9794,6 @@
   <p:clrMapOvr>
     <a:masterClrMapping/>
   </p:clrMapOvr>
-  <p:timing>
-    <p:tnLst>
-      <p:par>
-        <p:cTn id="1" dur="indefinite" restart="never" nodeType="tmRoot"/>
-      </p:par>
-    </p:tnLst>
-  </p:timing>
 </p:sld>
 </file>
 
@@ -9911,7 +9819,7 @@
           <p:cNvPr id="2" name="Title 1">
             <a:extLst>
               <a:ext uri="{FF2B5EF4-FFF2-40B4-BE49-F238E27FC236}">
-                <a16:creationId xmlns="" xmlns:a16="http://schemas.microsoft.com/office/drawing/2014/main" id="{19304E83-A4F0-49C5-BB01-F5773509A2B3}"/>
+                <a16:creationId xmlns:a16="http://schemas.microsoft.com/office/drawing/2014/main" id="{19304E83-A4F0-49C5-BB01-F5773509A2B3}"/>
               </a:ext>
             </a:extLst>
           </p:cNvPr>
@@ -9933,19 +9841,19 @@
           <a:lstStyle/>
           <a:p>
             <a:r>
-              <a:rPr lang="ko-KR" altLang="en-US" dirty="0" err="1" smtClean="0"/>
+              <a:rPr lang="ko-KR" altLang="en-US" dirty="0" err="1"/>
               <a:t>마이페이지</a:t>
             </a:r>
             <a:r>
-              <a:rPr lang="en-US" altLang="ko-KR" dirty="0" smtClean="0"/>
+              <a:rPr lang="en-US" altLang="ko-KR" dirty="0"/>
               <a:t>(</a:t>
             </a:r>
             <a:r>
-              <a:rPr lang="ko-KR" altLang="en-US" dirty="0" smtClean="0"/>
+              <a:rPr lang="ko-KR" altLang="en-US" dirty="0"/>
               <a:t>세미나 예약리스트</a:t>
             </a:r>
             <a:r>
-              <a:rPr lang="en-US" altLang="ko-KR" dirty="0" smtClean="0"/>
+              <a:rPr lang="en-US" altLang="ko-KR" dirty="0"/>
               <a:t>)</a:t>
             </a:r>
             <a:endParaRPr lang="en-US" dirty="0"/>
@@ -9957,7 +9865,7 @@
           <p:cNvPr id="8" name="Slide Number Placeholder 7">
             <a:extLst>
               <a:ext uri="{FF2B5EF4-FFF2-40B4-BE49-F238E27FC236}">
-                <a16:creationId xmlns="" xmlns:a16="http://schemas.microsoft.com/office/drawing/2014/main" id="{E6AC9832-FB01-464A-9824-61887B77997E}"/>
+                <a16:creationId xmlns:a16="http://schemas.microsoft.com/office/drawing/2014/main" id="{E6AC9832-FB01-464A-9824-61887B77997E}"/>
               </a:ext>
             </a:extLst>
           </p:cNvPr>
@@ -9998,10 +9906,10 @@
           <p:cNvPr id="14" name="Rectangle 19">
             <a:extLst>
               <a:ext uri="{FF2B5EF4-FFF2-40B4-BE49-F238E27FC236}">
-                <a16:creationId xmlns="" xmlns:a16="http://schemas.microsoft.com/office/drawing/2014/main" id="{EFA08948-2B6F-46B1-9D2D-8D7B2B3FBD56}"/>
+                <a16:creationId xmlns:a16="http://schemas.microsoft.com/office/drawing/2014/main" id="{EFA08948-2B6F-46B1-9D2D-8D7B2B3FBD56}"/>
               </a:ext>
               <a:ext uri="{C183D7F6-B498-43B3-948B-1728B52AA6E4}">
-                <adec:decorative xmlns="" xmlns:adec="http://schemas.microsoft.com/office/drawing/2017/decorative" val="1"/>
+                <adec:decorative xmlns:adec="http://schemas.microsoft.com/office/drawing/2017/decorative" val="1"/>
               </a:ext>
             </a:extLst>
           </p:cNvPr>
@@ -10053,10 +9961,10 @@
           <p:cNvPr id="6" name="Rectangle 12">
             <a:extLst>
               <a:ext uri="{FF2B5EF4-FFF2-40B4-BE49-F238E27FC236}">
-                <a16:creationId xmlns="" xmlns:a16="http://schemas.microsoft.com/office/drawing/2014/main" id="{A7CD04AE-9A8B-4DED-855D-F51B510D0B69}"/>
+                <a16:creationId xmlns:a16="http://schemas.microsoft.com/office/drawing/2014/main" id="{A7CD04AE-9A8B-4DED-855D-F51B510D0B69}"/>
               </a:ext>
               <a:ext uri="{C183D7F6-B498-43B3-948B-1728B52AA6E4}">
-                <adec:decorative xmlns="" xmlns:adec="http://schemas.microsoft.com/office/drawing/2017/decorative" val="1"/>
+                <adec:decorative xmlns:adec="http://schemas.microsoft.com/office/drawing/2017/decorative" val="1"/>
               </a:ext>
             </a:extLst>
           </p:cNvPr>
@@ -10108,7 +10016,7 @@
           <p:cNvPr id="7" name="Text Placeholder 5">
             <a:extLst>
               <a:ext uri="{FF2B5EF4-FFF2-40B4-BE49-F238E27FC236}">
-                <a16:creationId xmlns="" xmlns:a16="http://schemas.microsoft.com/office/drawing/2014/main" id="{B237D1CA-B91A-410E-A968-D017BBE99F99}"/>
+                <a16:creationId xmlns:a16="http://schemas.microsoft.com/office/drawing/2014/main" id="{B237D1CA-B91A-410E-A968-D017BBE99F99}"/>
               </a:ext>
             </a:extLst>
           </p:cNvPr>
@@ -10130,7 +10038,7 @@
           <a:lstStyle/>
           <a:p>
             <a:r>
-              <a:rPr lang="ko-KR" altLang="en-US" dirty="0" smtClean="0"/>
+              <a:rPr lang="ko-KR" altLang="en-US" dirty="0"/>
               <a:t>구현 내용</a:t>
             </a:r>
             <a:endParaRPr lang="en-US" dirty="0"/>
@@ -10142,7 +10050,7 @@
           <p:cNvPr id="9" name="Text Placeholder 6">
             <a:extLst>
               <a:ext uri="{FF2B5EF4-FFF2-40B4-BE49-F238E27FC236}">
-                <a16:creationId xmlns="" xmlns:a16="http://schemas.microsoft.com/office/drawing/2014/main" id="{26A87885-D672-4CF9-A78D-CFE98385B03A}"/>
+                <a16:creationId xmlns:a16="http://schemas.microsoft.com/office/drawing/2014/main" id="{26A87885-D672-4CF9-A78D-CFE98385B03A}"/>
               </a:ext>
             </a:extLst>
           </p:cNvPr>
@@ -10164,87 +10072,87 @@
           <a:lstStyle/>
           <a:p>
             <a:r>
-              <a:rPr lang="ko-KR" altLang="en-US" dirty="0" smtClean="0"/>
+              <a:rPr lang="ko-KR" altLang="en-US" dirty="0"/>
               <a:t>페이지 이동 없는 리스트 페이지 구현</a:t>
             </a:r>
-            <a:endParaRPr lang="en-US" altLang="ko-KR" dirty="0" smtClean="0"/>
+            <a:endParaRPr lang="en-US" altLang="ko-KR" dirty="0"/>
           </a:p>
           <a:p>
             <a:pPr lvl="1"/>
             <a:r>
-              <a:rPr lang="ko-KR" altLang="en-US" dirty="0" smtClean="0"/>
+              <a:rPr lang="ko-KR" altLang="en-US" dirty="0"/>
               <a:t>자바스크립트 내 </a:t>
             </a:r>
             <a:r>
-              <a:rPr lang="en-US" altLang="ko-KR" dirty="0" err="1" smtClean="0"/>
+              <a:rPr lang="en-US" altLang="ko-KR" dirty="0" err="1"/>
               <a:t>XMLHttpRequest</a:t>
             </a:r>
             <a:r>
-              <a:rPr lang="en-US" altLang="ko-KR" dirty="0" smtClean="0"/>
+              <a:rPr lang="en-US" altLang="ko-KR" dirty="0"/>
               <a:t> </a:t>
             </a:r>
             <a:r>
-              <a:rPr lang="ko-KR" altLang="en-US" dirty="0" smtClean="0"/>
+              <a:rPr lang="ko-KR" altLang="en-US" dirty="0"/>
               <a:t>객체를 사용하여 </a:t>
             </a:r>
             <a:r>
-              <a:rPr lang="ko-KR" altLang="en-US" dirty="0" err="1" smtClean="0"/>
+              <a:rPr lang="ko-KR" altLang="en-US" dirty="0" err="1"/>
               <a:t>비동기</a:t>
             </a:r>
             <a:r>
-              <a:rPr lang="ko-KR" altLang="en-US" dirty="0" smtClean="0"/>
+              <a:rPr lang="ko-KR" altLang="en-US" dirty="0"/>
               <a:t> 통신으로 </a:t>
             </a:r>
             <a:r>
-              <a:rPr lang="en-US" altLang="ko-KR" dirty="0" smtClean="0"/>
+              <a:rPr lang="en-US" altLang="ko-KR" dirty="0"/>
               <a:t>Controller </a:t>
             </a:r>
             <a:r>
-              <a:rPr lang="ko-KR" altLang="en-US" dirty="0" smtClean="0"/>
+              <a:rPr lang="ko-KR" altLang="en-US" dirty="0"/>
               <a:t>단에 접근</a:t>
             </a:r>
             <a:r>
-              <a:rPr lang="en-US" altLang="ko-KR" dirty="0" smtClean="0"/>
+              <a:rPr lang="en-US" altLang="ko-KR" dirty="0"/>
               <a:t>, </a:t>
             </a:r>
             <a:r>
-              <a:rPr lang="ko-KR" altLang="en-US" dirty="0" smtClean="0"/>
+              <a:rPr lang="ko-KR" altLang="en-US" dirty="0"/>
               <a:t>데이터 베이스로 부터 </a:t>
             </a:r>
             <a:r>
-              <a:rPr lang="en-US" altLang="ko-KR" dirty="0" smtClean="0"/>
+              <a:rPr lang="en-US" altLang="ko-KR" dirty="0"/>
               <a:t>JSON </a:t>
             </a:r>
             <a:r>
-              <a:rPr lang="ko-KR" altLang="en-US" dirty="0" smtClean="0"/>
+              <a:rPr lang="ko-KR" altLang="en-US" dirty="0"/>
               <a:t>정보를 받아온 후</a:t>
             </a:r>
             <a:r>
-              <a:rPr lang="en-US" altLang="ko-KR" dirty="0" smtClean="0"/>
+              <a:rPr lang="en-US" altLang="ko-KR" dirty="0"/>
               <a:t>, </a:t>
             </a:r>
             <a:r>
-              <a:rPr lang="ko-KR" altLang="en-US" dirty="0" err="1" smtClean="0"/>
+              <a:rPr lang="ko-KR" altLang="en-US" dirty="0" err="1"/>
               <a:t>파싱하여</a:t>
             </a:r>
             <a:r>
-              <a:rPr lang="ko-KR" altLang="en-US" dirty="0" smtClean="0"/>
+              <a:rPr lang="ko-KR" altLang="en-US" dirty="0"/>
               <a:t> 리스트로 표시</a:t>
             </a:r>
-            <a:endParaRPr lang="en-US" altLang="ko-KR" dirty="0" smtClean="0"/>
+            <a:endParaRPr lang="en-US" altLang="ko-KR" dirty="0"/>
           </a:p>
           <a:p>
             <a:pPr lvl="1"/>
             <a:r>
-              <a:rPr lang="ko-KR" altLang="en-US" dirty="0" smtClean="0"/>
+              <a:rPr lang="ko-KR" altLang="en-US" dirty="0"/>
               <a:t>동일하게 총 데이터 개수를 받아와서 페이지 </a:t>
             </a:r>
             <a:r>
-              <a:rPr lang="ko-KR" altLang="en-US" dirty="0" err="1" smtClean="0"/>
+              <a:rPr lang="ko-KR" altLang="en-US" dirty="0" err="1"/>
               <a:t>네이션</a:t>
             </a:r>
             <a:r>
-              <a:rPr lang="ko-KR" altLang="en-US" dirty="0" smtClean="0"/>
+              <a:rPr lang="ko-KR" altLang="en-US" dirty="0"/>
               <a:t> 구현</a:t>
             </a:r>
             <a:endParaRPr lang="en-US" altLang="ko-KR" dirty="0"/>
@@ -10252,35 +10160,35 @@
           <a:p>
             <a:pPr lvl="1"/>
             <a:r>
-              <a:rPr lang="ko-KR" altLang="en-US" dirty="0" smtClean="0"/>
+              <a:rPr lang="ko-KR" altLang="en-US" dirty="0"/>
               <a:t>페이지 버튼 클릭 시</a:t>
             </a:r>
             <a:r>
-              <a:rPr lang="en-US" altLang="ko-KR" dirty="0" smtClean="0"/>
+              <a:rPr lang="en-US" altLang="ko-KR" dirty="0"/>
               <a:t>, </a:t>
             </a:r>
             <a:r>
-              <a:rPr lang="ko-KR" altLang="en-US" dirty="0" smtClean="0"/>
+              <a:rPr lang="ko-KR" altLang="en-US" dirty="0"/>
               <a:t>새로 페이지를 로딩하지 않고 </a:t>
             </a:r>
             <a:r>
-              <a:rPr lang="en-US" altLang="ko-KR" dirty="0" err="1" smtClean="0"/>
+              <a:rPr lang="en-US" altLang="ko-KR" dirty="0" err="1"/>
               <a:t>XMLHttpRequest</a:t>
             </a:r>
             <a:r>
-              <a:rPr lang="en-US" altLang="ko-KR" dirty="0" smtClean="0"/>
+              <a:rPr lang="en-US" altLang="ko-KR" dirty="0"/>
               <a:t> </a:t>
             </a:r>
             <a:r>
-              <a:rPr lang="ko-KR" altLang="en-US" dirty="0" smtClean="0"/>
+              <a:rPr lang="ko-KR" altLang="en-US" dirty="0"/>
               <a:t>객체를 이용하여</a:t>
             </a:r>
             <a:r>
-              <a:rPr lang="en-US" altLang="ko-KR" dirty="0" smtClean="0"/>
+              <a:rPr lang="en-US" altLang="ko-KR" dirty="0"/>
               <a:t>, </a:t>
             </a:r>
             <a:r>
-              <a:rPr lang="ko-KR" altLang="en-US" dirty="0" smtClean="0"/>
+              <a:rPr lang="ko-KR" altLang="en-US" dirty="0"/>
               <a:t>해당 리스트 변경</a:t>
             </a:r>
             <a:endParaRPr lang="en-US" altLang="ko-KR" dirty="0"/>
@@ -10288,46 +10196,34 @@
           <a:p>
             <a:pPr lvl="1"/>
             <a:r>
-              <a:rPr lang="ko-KR" altLang="en-US" dirty="0" smtClean="0"/>
+              <a:rPr lang="ko-KR" altLang="en-US" dirty="0"/>
               <a:t>리스트 구현 시 상세정보를 </a:t>
             </a:r>
             <a:r>
-              <a:rPr lang="ko-KR" altLang="en-US" dirty="0" err="1" smtClean="0"/>
+              <a:rPr lang="ko-KR" altLang="en-US" dirty="0" err="1"/>
               <a:t>클로저</a:t>
             </a:r>
             <a:r>
-              <a:rPr lang="ko-KR" altLang="en-US" dirty="0" smtClean="0"/>
+              <a:rPr lang="ko-KR" altLang="en-US" dirty="0"/>
               <a:t> 환경에 저장하여</a:t>
             </a:r>
             <a:r>
-              <a:rPr lang="en-US" altLang="ko-KR" dirty="0" smtClean="0"/>
+              <a:rPr lang="en-US" altLang="ko-KR" dirty="0"/>
               <a:t>, </a:t>
             </a:r>
             <a:r>
-              <a:rPr lang="ko-KR" altLang="en-US" dirty="0" smtClean="0"/>
+              <a:rPr lang="ko-KR" altLang="en-US" dirty="0"/>
               <a:t>클릭 시 </a:t>
             </a:r>
             <a:r>
-              <a:rPr lang="ko-KR" altLang="en-US" dirty="0" err="1" smtClean="0"/>
+              <a:rPr lang="ko-KR" altLang="en-US" dirty="0" err="1"/>
               <a:t>모달창을</a:t>
             </a:r>
             <a:r>
-              <a:rPr lang="ko-KR" altLang="en-US" dirty="0" smtClean="0"/>
+              <a:rPr lang="ko-KR" altLang="en-US" dirty="0"/>
               <a:t> 통해 상세정보 표시</a:t>
             </a:r>
-            <a:endParaRPr lang="en-US" altLang="ko-KR" dirty="0" smtClean="0"/>
-          </a:p>
-          <a:p>
-            <a:pPr marL="266700" lvl="1" indent="0">
-              <a:buNone/>
-            </a:pPr>
-            <a:endParaRPr lang="en-US" altLang="ko-KR" dirty="0" smtClean="0"/>
-          </a:p>
-          <a:p>
-            <a:pPr marL="266700" lvl="1" indent="0">
-              <a:buNone/>
-            </a:pPr>
-            <a:endParaRPr lang="en-US" altLang="ko-KR" dirty="0" smtClean="0"/>
+            <a:endParaRPr lang="en-US" altLang="ko-KR" dirty="0"/>
           </a:p>
           <a:p>
             <a:pPr marL="266700" lvl="1" indent="0">
@@ -10336,14 +10232,26 @@
             <a:endParaRPr lang="en-US" altLang="ko-KR" dirty="0"/>
           </a:p>
           <a:p>
-            <a:pPr lvl="1"/>
-            <a:endParaRPr lang="en-US" altLang="ko-KR" dirty="0"/>
-          </a:p>
-          <a:p>
             <a:pPr marL="266700" lvl="1" indent="0">
               <a:buNone/>
             </a:pPr>
-            <a:endParaRPr lang="en-US" dirty="0" smtClean="0"/>
+            <a:endParaRPr lang="en-US" altLang="ko-KR" dirty="0"/>
+          </a:p>
+          <a:p>
+            <a:pPr marL="266700" lvl="1" indent="0">
+              <a:buNone/>
+            </a:pPr>
+            <a:endParaRPr lang="en-US" altLang="ko-KR" dirty="0"/>
+          </a:p>
+          <a:p>
+            <a:pPr lvl="1"/>
+            <a:endParaRPr lang="en-US" altLang="ko-KR" dirty="0"/>
+          </a:p>
+          <a:p>
+            <a:pPr marL="266700" lvl="1" indent="0">
+              <a:buNone/>
+            </a:pPr>
+            <a:endParaRPr lang="en-US" dirty="0"/>
           </a:p>
         </p:txBody>
       </p:sp>
@@ -10392,13 +10300,6 @@
   <p:clrMapOvr>
     <a:masterClrMapping/>
   </p:clrMapOvr>
-  <p:timing>
-    <p:tnLst>
-      <p:par>
-        <p:cTn id="1" dur="indefinite" restart="never" nodeType="tmRoot"/>
-      </p:par>
-    </p:tnLst>
-  </p:timing>
 </p:sld>
 </file>
 
@@ -10424,7 +10325,7 @@
           <p:cNvPr id="2" name="Title 1">
             <a:extLst>
               <a:ext uri="{FF2B5EF4-FFF2-40B4-BE49-F238E27FC236}">
-                <a16:creationId xmlns="" xmlns:a16="http://schemas.microsoft.com/office/drawing/2014/main" id="{19304E83-A4F0-49C5-BB01-F5773509A2B3}"/>
+                <a16:creationId xmlns:a16="http://schemas.microsoft.com/office/drawing/2014/main" id="{19304E83-A4F0-49C5-BB01-F5773509A2B3}"/>
               </a:ext>
             </a:extLst>
           </p:cNvPr>
@@ -10446,19 +10347,19 @@
           <a:lstStyle/>
           <a:p>
             <a:r>
-              <a:rPr lang="ko-KR" altLang="en-US" dirty="0" err="1" smtClean="0"/>
+              <a:rPr lang="ko-KR" altLang="en-US" dirty="0" err="1"/>
               <a:t>마이페이지</a:t>
             </a:r>
             <a:r>
-              <a:rPr lang="en-US" altLang="ko-KR" dirty="0" smtClean="0"/>
+              <a:rPr lang="en-US" altLang="ko-KR" dirty="0"/>
               <a:t>(</a:t>
             </a:r>
             <a:r>
-              <a:rPr lang="ko-KR" altLang="en-US" dirty="0" smtClean="0"/>
+              <a:rPr lang="ko-KR" altLang="en-US" dirty="0"/>
               <a:t>세미나 예약리스트</a:t>
             </a:r>
             <a:r>
-              <a:rPr lang="en-US" altLang="ko-KR" dirty="0" smtClean="0"/>
+              <a:rPr lang="en-US" altLang="ko-KR" dirty="0"/>
               <a:t>)</a:t>
             </a:r>
             <a:endParaRPr lang="en-US" dirty="0"/>
@@ -10470,7 +10371,7 @@
           <p:cNvPr id="8" name="Slide Number Placeholder 7">
             <a:extLst>
               <a:ext uri="{FF2B5EF4-FFF2-40B4-BE49-F238E27FC236}">
-                <a16:creationId xmlns="" xmlns:a16="http://schemas.microsoft.com/office/drawing/2014/main" id="{E6AC9832-FB01-464A-9824-61887B77997E}"/>
+                <a16:creationId xmlns:a16="http://schemas.microsoft.com/office/drawing/2014/main" id="{E6AC9832-FB01-464A-9824-61887B77997E}"/>
               </a:ext>
             </a:extLst>
           </p:cNvPr>
@@ -10511,10 +10412,10 @@
           <p:cNvPr id="14" name="Rectangle 19">
             <a:extLst>
               <a:ext uri="{FF2B5EF4-FFF2-40B4-BE49-F238E27FC236}">
-                <a16:creationId xmlns="" xmlns:a16="http://schemas.microsoft.com/office/drawing/2014/main" id="{EFA08948-2B6F-46B1-9D2D-8D7B2B3FBD56}"/>
+                <a16:creationId xmlns:a16="http://schemas.microsoft.com/office/drawing/2014/main" id="{EFA08948-2B6F-46B1-9D2D-8D7B2B3FBD56}"/>
               </a:ext>
               <a:ext uri="{C183D7F6-B498-43B3-948B-1728B52AA6E4}">
-                <adec:decorative xmlns="" xmlns:adec="http://schemas.microsoft.com/office/drawing/2017/decorative" val="1"/>
+                <adec:decorative xmlns:adec="http://schemas.microsoft.com/office/drawing/2017/decorative" val="1"/>
               </a:ext>
             </a:extLst>
           </p:cNvPr>
@@ -10566,10 +10467,10 @@
           <p:cNvPr id="6" name="Rectangle 12">
             <a:extLst>
               <a:ext uri="{FF2B5EF4-FFF2-40B4-BE49-F238E27FC236}">
-                <a16:creationId xmlns="" xmlns:a16="http://schemas.microsoft.com/office/drawing/2014/main" id="{A7CD04AE-9A8B-4DED-855D-F51B510D0B69}"/>
+                <a16:creationId xmlns:a16="http://schemas.microsoft.com/office/drawing/2014/main" id="{A7CD04AE-9A8B-4DED-855D-F51B510D0B69}"/>
               </a:ext>
               <a:ext uri="{C183D7F6-B498-43B3-948B-1728B52AA6E4}">
-                <adec:decorative xmlns="" xmlns:adec="http://schemas.microsoft.com/office/drawing/2017/decorative" val="1"/>
+                <adec:decorative xmlns:adec="http://schemas.microsoft.com/office/drawing/2017/decorative" val="1"/>
               </a:ext>
             </a:extLst>
           </p:cNvPr>
@@ -10621,7 +10522,7 @@
           <p:cNvPr id="7" name="Text Placeholder 5">
             <a:extLst>
               <a:ext uri="{FF2B5EF4-FFF2-40B4-BE49-F238E27FC236}">
-                <a16:creationId xmlns="" xmlns:a16="http://schemas.microsoft.com/office/drawing/2014/main" id="{B237D1CA-B91A-410E-A968-D017BBE99F99}"/>
+                <a16:creationId xmlns:a16="http://schemas.microsoft.com/office/drawing/2014/main" id="{B237D1CA-B91A-410E-A968-D017BBE99F99}"/>
               </a:ext>
             </a:extLst>
           </p:cNvPr>
@@ -10643,7 +10544,7 @@
           <a:lstStyle/>
           <a:p>
             <a:r>
-              <a:rPr lang="ko-KR" altLang="en-US" dirty="0" smtClean="0"/>
+              <a:rPr lang="ko-KR" altLang="en-US" dirty="0"/>
               <a:t>구현 내용</a:t>
             </a:r>
             <a:endParaRPr lang="en-US" dirty="0"/>
@@ -10655,7 +10556,7 @@
           <p:cNvPr id="9" name="Text Placeholder 6">
             <a:extLst>
               <a:ext uri="{FF2B5EF4-FFF2-40B4-BE49-F238E27FC236}">
-                <a16:creationId xmlns="" xmlns:a16="http://schemas.microsoft.com/office/drawing/2014/main" id="{26A87885-D672-4CF9-A78D-CFE98385B03A}"/>
+                <a16:creationId xmlns:a16="http://schemas.microsoft.com/office/drawing/2014/main" id="{26A87885-D672-4CF9-A78D-CFE98385B03A}"/>
               </a:ext>
             </a:extLst>
           </p:cNvPr>
@@ -10677,50 +10578,49 @@
           <a:lstStyle/>
           <a:p>
             <a:r>
-              <a:rPr lang="ko-KR" altLang="en-US" dirty="0" err="1" smtClean="0"/>
+              <a:rPr lang="ko-KR" altLang="en-US" dirty="0" err="1"/>
               <a:t>모달창을</a:t>
             </a:r>
             <a:r>
-              <a:rPr lang="ko-KR" altLang="en-US" dirty="0" smtClean="0"/>
+              <a:rPr lang="ko-KR" altLang="en-US" dirty="0"/>
               <a:t> 통한 상세페이지 로드</a:t>
             </a:r>
-            <a:endParaRPr lang="en-US" altLang="ko-KR" dirty="0" smtClean="0"/>
+            <a:endParaRPr lang="en-US" altLang="ko-KR" dirty="0"/>
           </a:p>
           <a:p>
             <a:pPr lvl="1"/>
             <a:r>
-              <a:rPr lang="ko-KR" altLang="en-US" dirty="0" smtClean="0"/>
+              <a:rPr lang="ko-KR" altLang="en-US" dirty="0"/>
               <a:t>기존에 리스트를 구성하며 </a:t>
             </a:r>
             <a:r>
-              <a:rPr lang="ko-KR" altLang="en-US" dirty="0" err="1" smtClean="0"/>
+              <a:rPr lang="ko-KR" altLang="en-US" dirty="0" err="1"/>
               <a:t>클로저</a:t>
             </a:r>
             <a:r>
-              <a:rPr lang="ko-KR" altLang="en-US" dirty="0" smtClean="0"/>
+              <a:rPr lang="ko-KR" altLang="en-US" dirty="0"/>
               <a:t> 환경에 저장한 상세 데이터를 표시하여 상세페이지 구현</a:t>
             </a:r>
-            <a:endParaRPr lang="en-US" altLang="ko-KR" dirty="0" smtClean="0"/>
+            <a:endParaRPr lang="en-US" altLang="ko-KR" dirty="0"/>
           </a:p>
           <a:p>
             <a:pPr lvl="1"/>
             <a:r>
-              <a:rPr lang="ko-KR" altLang="en-US" dirty="0" smtClean="0"/>
+              <a:rPr lang="ko-KR" altLang="en-US" dirty="0"/>
               <a:t>수정</a:t>
             </a:r>
             <a:r>
-              <a:rPr lang="en-US" altLang="ko-KR" dirty="0" smtClean="0"/>
+              <a:rPr lang="en-US" altLang="ko-KR" dirty="0"/>
               <a:t>, </a:t>
             </a:r>
             <a:r>
-              <a:rPr lang="ko-KR" altLang="en-US" dirty="0" smtClean="0"/>
+              <a:rPr lang="ko-KR" altLang="en-US" dirty="0"/>
               <a:t>삭제 버튼을 클릭하여 해당 데이터 삭제 기능 구현</a:t>
             </a:r>
             <a:r>
-              <a:rPr lang="en-US" altLang="ko-KR" dirty="0" smtClean="0"/>
+              <a:rPr lang="en-US" altLang="ko-KR" dirty="0"/>
               <a:t>.</a:t>
             </a:r>
-            <a:endParaRPr lang="en-US" altLang="ko-KR" dirty="0" smtClean="0"/>
           </a:p>
           <a:p>
             <a:pPr marL="266700" lvl="1" indent="0">
@@ -10736,7 +10636,7 @@
             <a:pPr marL="266700" lvl="1" indent="0">
               <a:buNone/>
             </a:pPr>
-            <a:endParaRPr lang="en-US" dirty="0" smtClean="0"/>
+            <a:endParaRPr lang="en-US" dirty="0"/>
           </a:p>
         </p:txBody>
       </p:sp>
@@ -10785,13 +10685,6 @@
   <p:clrMapOvr>
     <a:masterClrMapping/>
   </p:clrMapOvr>
-  <p:timing>
-    <p:tnLst>
-      <p:par>
-        <p:cTn id="1" dur="indefinite" restart="never" nodeType="tmRoot"/>
-      </p:par>
-    </p:tnLst>
-  </p:timing>
 </p:sld>
 </file>
 
@@ -10817,7 +10710,7 @@
           <p:cNvPr id="2" name="Title 1">
             <a:extLst>
               <a:ext uri="{FF2B5EF4-FFF2-40B4-BE49-F238E27FC236}">
-                <a16:creationId xmlns="" xmlns:a16="http://schemas.microsoft.com/office/drawing/2014/main" id="{19304E83-A4F0-49C5-BB01-F5773509A2B3}"/>
+                <a16:creationId xmlns:a16="http://schemas.microsoft.com/office/drawing/2014/main" id="{19304E83-A4F0-49C5-BB01-F5773509A2B3}"/>
               </a:ext>
             </a:extLst>
           </p:cNvPr>
@@ -10839,7 +10732,7 @@
           <a:lstStyle/>
           <a:p>
             <a:r>
-              <a:rPr lang="ko-KR" altLang="en-US" dirty="0" smtClean="0"/>
+              <a:rPr lang="ko-KR" altLang="en-US" dirty="0"/>
               <a:t>세미나 예약</a:t>
             </a:r>
             <a:endParaRPr lang="en-US" dirty="0"/>
@@ -10851,7 +10744,7 @@
           <p:cNvPr id="8" name="Slide Number Placeholder 7">
             <a:extLst>
               <a:ext uri="{FF2B5EF4-FFF2-40B4-BE49-F238E27FC236}">
-                <a16:creationId xmlns="" xmlns:a16="http://schemas.microsoft.com/office/drawing/2014/main" id="{E6AC9832-FB01-464A-9824-61887B77997E}"/>
+                <a16:creationId xmlns:a16="http://schemas.microsoft.com/office/drawing/2014/main" id="{E6AC9832-FB01-464A-9824-61887B77997E}"/>
               </a:ext>
             </a:extLst>
           </p:cNvPr>
@@ -10892,10 +10785,10 @@
           <p:cNvPr id="14" name="Rectangle 19">
             <a:extLst>
               <a:ext uri="{FF2B5EF4-FFF2-40B4-BE49-F238E27FC236}">
-                <a16:creationId xmlns="" xmlns:a16="http://schemas.microsoft.com/office/drawing/2014/main" id="{EFA08948-2B6F-46B1-9D2D-8D7B2B3FBD56}"/>
+                <a16:creationId xmlns:a16="http://schemas.microsoft.com/office/drawing/2014/main" id="{EFA08948-2B6F-46B1-9D2D-8D7B2B3FBD56}"/>
               </a:ext>
               <a:ext uri="{C183D7F6-B498-43B3-948B-1728B52AA6E4}">
-                <adec:decorative xmlns="" xmlns:adec="http://schemas.microsoft.com/office/drawing/2017/decorative" val="1"/>
+                <adec:decorative xmlns:adec="http://schemas.microsoft.com/office/drawing/2017/decorative" val="1"/>
               </a:ext>
             </a:extLst>
           </p:cNvPr>
@@ -10947,10 +10840,10 @@
           <p:cNvPr id="6" name="Rectangle 12">
             <a:extLst>
               <a:ext uri="{FF2B5EF4-FFF2-40B4-BE49-F238E27FC236}">
-                <a16:creationId xmlns="" xmlns:a16="http://schemas.microsoft.com/office/drawing/2014/main" id="{A7CD04AE-9A8B-4DED-855D-F51B510D0B69}"/>
+                <a16:creationId xmlns:a16="http://schemas.microsoft.com/office/drawing/2014/main" id="{A7CD04AE-9A8B-4DED-855D-F51B510D0B69}"/>
               </a:ext>
               <a:ext uri="{C183D7F6-B498-43B3-948B-1728B52AA6E4}">
-                <adec:decorative xmlns="" xmlns:adec="http://schemas.microsoft.com/office/drawing/2017/decorative" val="1"/>
+                <adec:decorative xmlns:adec="http://schemas.microsoft.com/office/drawing/2017/decorative" val="1"/>
               </a:ext>
             </a:extLst>
           </p:cNvPr>
@@ -11002,7 +10895,7 @@
           <p:cNvPr id="7" name="Text Placeholder 5">
             <a:extLst>
               <a:ext uri="{FF2B5EF4-FFF2-40B4-BE49-F238E27FC236}">
-                <a16:creationId xmlns="" xmlns:a16="http://schemas.microsoft.com/office/drawing/2014/main" id="{B237D1CA-B91A-410E-A968-D017BBE99F99}"/>
+                <a16:creationId xmlns:a16="http://schemas.microsoft.com/office/drawing/2014/main" id="{B237D1CA-B91A-410E-A968-D017BBE99F99}"/>
               </a:ext>
             </a:extLst>
           </p:cNvPr>
@@ -11024,7 +10917,7 @@
           <a:lstStyle/>
           <a:p>
             <a:r>
-              <a:rPr lang="ko-KR" altLang="en-US" dirty="0" smtClean="0"/>
+              <a:rPr lang="ko-KR" altLang="en-US" dirty="0"/>
               <a:t>구현 내용</a:t>
             </a:r>
             <a:endParaRPr lang="en-US" dirty="0"/>
@@ -11036,7 +10929,7 @@
           <p:cNvPr id="9" name="Text Placeholder 6">
             <a:extLst>
               <a:ext uri="{FF2B5EF4-FFF2-40B4-BE49-F238E27FC236}">
-                <a16:creationId xmlns="" xmlns:a16="http://schemas.microsoft.com/office/drawing/2014/main" id="{26A87885-D672-4CF9-A78D-CFE98385B03A}"/>
+                <a16:creationId xmlns:a16="http://schemas.microsoft.com/office/drawing/2014/main" id="{26A87885-D672-4CF9-A78D-CFE98385B03A}"/>
               </a:ext>
             </a:extLst>
           </p:cNvPr>
@@ -11058,67 +10951,63 @@
           <a:lstStyle/>
           <a:p>
             <a:r>
-              <a:rPr lang="ko-KR" altLang="en-US" dirty="0" smtClean="0"/>
+              <a:rPr lang="ko-KR" altLang="en-US" dirty="0"/>
               <a:t>세미나 예약페이지</a:t>
             </a:r>
-            <a:endParaRPr lang="en-US" altLang="ko-KR" dirty="0" smtClean="0"/>
+            <a:endParaRPr lang="en-US" altLang="ko-KR" dirty="0"/>
           </a:p>
           <a:p>
             <a:pPr lvl="1"/>
             <a:r>
-              <a:rPr lang="ko-KR" altLang="en-US" dirty="0" smtClean="0"/>
+              <a:rPr lang="ko-KR" altLang="en-US" dirty="0"/>
               <a:t>장소와 날짜를 선택 시 해당 날짜에 예약된 시간을 타임 테이블에 표시</a:t>
             </a:r>
-            <a:endParaRPr lang="en-US" altLang="ko-KR" dirty="0" smtClean="0"/>
+            <a:endParaRPr lang="en-US" altLang="ko-KR" dirty="0"/>
           </a:p>
           <a:p>
             <a:pPr lvl="1"/>
             <a:r>
               <a:rPr lang="ko-KR" altLang="en-US" dirty="0"/>
-              <a:t>시간을 클릭하여 예약하고 싶은 시간 </a:t>
-            </a:r>
-            <a:r>
-              <a:rPr lang="ko-KR" altLang="en-US" dirty="0" smtClean="0"/>
-              <a:t>선택</a:t>
-            </a:r>
-            <a:endParaRPr lang="en-US" altLang="ko-KR" dirty="0" smtClean="0"/>
+              <a:t>시간을 클릭하여 예약하고 싶은 시간 선택</a:t>
+            </a:r>
+            <a:endParaRPr lang="en-US" altLang="ko-KR" dirty="0"/>
           </a:p>
           <a:p>
             <a:pPr lvl="1"/>
             <a:r>
-              <a:rPr lang="ko-KR" altLang="en-US" dirty="0" smtClean="0"/>
+              <a:rPr lang="ko-KR" altLang="en-US" dirty="0"/>
               <a:t>이미 예약된 시간을 선택 시</a:t>
             </a:r>
             <a:r>
-              <a:rPr lang="en-US" altLang="ko-KR" dirty="0" smtClean="0"/>
+              <a:rPr lang="en-US" altLang="ko-KR" dirty="0"/>
               <a:t>, </a:t>
             </a:r>
             <a:r>
-              <a:rPr lang="ko-KR" altLang="en-US" dirty="0" smtClean="0"/>
+              <a:rPr lang="ko-KR" altLang="en-US" dirty="0"/>
               <a:t>겹치는 시간이 존재한다는 </a:t>
             </a:r>
             <a:r>
-              <a:rPr lang="ko-KR" altLang="en-US" dirty="0" err="1" smtClean="0"/>
+              <a:rPr lang="ko-KR" altLang="en-US" dirty="0" err="1"/>
               <a:t>알림창</a:t>
             </a:r>
             <a:r>
-              <a:rPr lang="ko-KR" altLang="en-US" dirty="0" smtClean="0"/>
+              <a:rPr lang="ko-KR" altLang="en-US" dirty="0"/>
               <a:t> 호출</a:t>
             </a:r>
-            <a:endParaRPr lang="en-US" altLang="ko-KR" dirty="0" smtClean="0"/>
+            <a:endParaRPr lang="en-US" altLang="ko-KR" dirty="0"/>
           </a:p>
           <a:p>
             <a:pPr lvl="1"/>
             <a:r>
-              <a:rPr lang="ko-KR" altLang="en-US" dirty="0" smtClean="0"/>
+              <a:rPr lang="ko-KR" altLang="en-US" dirty="0"/>
               <a:t>세미나를 등록하는 도중에 해당 시간대가 예약되어 중복 예약되어 버리는 경우를 방지하기 위해 등록 바로 직전에 </a:t>
             </a:r>
             <a:r>
-              <a:rPr lang="en-US" altLang="ko-KR" dirty="0" smtClean="0"/>
+              <a:rPr lang="en-US" altLang="ko-KR" dirty="0"/>
               <a:t>AJAX</a:t>
             </a:r>
             <a:r>
-              <a:rPr lang="ko-KR" altLang="en-US" dirty="0" smtClean="0"/>
+              <a:rPr lang="ko-KR" altLang="en-US" dirty="0"/>
               <a:t>를 통해 시간 정보 비교</a:t>
             </a:r>
             <a:endParaRPr lang="en-US" altLang="ko-KR" dirty="0"/>
@@ -11137,7 +11026,7 @@
             <a:pPr marL="266700" lvl="1" indent="0">
               <a:buNone/>
             </a:pPr>
-            <a:endParaRPr lang="en-US" dirty="0" smtClean="0"/>
+            <a:endParaRPr lang="en-US" dirty="0"/>
           </a:p>
         </p:txBody>
       </p:sp>
@@ -11186,13 +11075,6 @@
   <p:clrMapOvr>
     <a:masterClrMapping/>
   </p:clrMapOvr>
-  <p:timing>
-    <p:tnLst>
-      <p:par>
-        <p:cTn id="1" dur="indefinite" restart="never" nodeType="tmRoot"/>
-      </p:par>
-    </p:tnLst>
-  </p:timing>
 </p:sld>
 </file>
 
@@ -11218,7 +11100,7 @@
           <p:cNvPr id="2" name="Title 1">
             <a:extLst>
               <a:ext uri="{FF2B5EF4-FFF2-40B4-BE49-F238E27FC236}">
-                <a16:creationId xmlns="" xmlns:a16="http://schemas.microsoft.com/office/drawing/2014/main" id="{19304E83-A4F0-49C5-BB01-F5773509A2B3}"/>
+                <a16:creationId xmlns:a16="http://schemas.microsoft.com/office/drawing/2014/main" id="{19304E83-A4F0-49C5-BB01-F5773509A2B3}"/>
               </a:ext>
             </a:extLst>
           </p:cNvPr>
@@ -11240,7 +11122,7 @@
           <a:lstStyle/>
           <a:p>
             <a:r>
-              <a:rPr lang="ko-KR" altLang="en-US" dirty="0" smtClean="0"/>
+              <a:rPr lang="ko-KR" altLang="en-US" dirty="0"/>
               <a:t>세미나 예약</a:t>
             </a:r>
             <a:endParaRPr lang="en-US" dirty="0"/>
@@ -11252,7 +11134,7 @@
           <p:cNvPr id="8" name="Slide Number Placeholder 7">
             <a:extLst>
               <a:ext uri="{FF2B5EF4-FFF2-40B4-BE49-F238E27FC236}">
-                <a16:creationId xmlns="" xmlns:a16="http://schemas.microsoft.com/office/drawing/2014/main" id="{E6AC9832-FB01-464A-9824-61887B77997E}"/>
+                <a16:creationId xmlns:a16="http://schemas.microsoft.com/office/drawing/2014/main" id="{E6AC9832-FB01-464A-9824-61887B77997E}"/>
               </a:ext>
             </a:extLst>
           </p:cNvPr>
@@ -11293,10 +11175,10 @@
           <p:cNvPr id="14" name="Rectangle 19">
             <a:extLst>
               <a:ext uri="{FF2B5EF4-FFF2-40B4-BE49-F238E27FC236}">
-                <a16:creationId xmlns="" xmlns:a16="http://schemas.microsoft.com/office/drawing/2014/main" id="{EFA08948-2B6F-46B1-9D2D-8D7B2B3FBD56}"/>
+                <a16:creationId xmlns:a16="http://schemas.microsoft.com/office/drawing/2014/main" id="{EFA08948-2B6F-46B1-9D2D-8D7B2B3FBD56}"/>
               </a:ext>
               <a:ext uri="{C183D7F6-B498-43B3-948B-1728B52AA6E4}">
-                <adec:decorative xmlns="" xmlns:adec="http://schemas.microsoft.com/office/drawing/2017/decorative" val="1"/>
+                <adec:decorative xmlns:adec="http://schemas.microsoft.com/office/drawing/2017/decorative" val="1"/>
               </a:ext>
             </a:extLst>
           </p:cNvPr>
@@ -11348,10 +11230,10 @@
           <p:cNvPr id="6" name="Rectangle 12">
             <a:extLst>
               <a:ext uri="{FF2B5EF4-FFF2-40B4-BE49-F238E27FC236}">
-                <a16:creationId xmlns="" xmlns:a16="http://schemas.microsoft.com/office/drawing/2014/main" id="{A7CD04AE-9A8B-4DED-855D-F51B510D0B69}"/>
+                <a16:creationId xmlns:a16="http://schemas.microsoft.com/office/drawing/2014/main" id="{A7CD04AE-9A8B-4DED-855D-F51B510D0B69}"/>
               </a:ext>
               <a:ext uri="{C183D7F6-B498-43B3-948B-1728B52AA6E4}">
-                <adec:decorative xmlns="" xmlns:adec="http://schemas.microsoft.com/office/drawing/2017/decorative" val="1"/>
+                <adec:decorative xmlns:adec="http://schemas.microsoft.com/office/drawing/2017/decorative" val="1"/>
               </a:ext>
             </a:extLst>
           </p:cNvPr>
@@ -11403,7 +11285,7 @@
           <p:cNvPr id="7" name="Text Placeholder 5">
             <a:extLst>
               <a:ext uri="{FF2B5EF4-FFF2-40B4-BE49-F238E27FC236}">
-                <a16:creationId xmlns="" xmlns:a16="http://schemas.microsoft.com/office/drawing/2014/main" id="{B237D1CA-B91A-410E-A968-D017BBE99F99}"/>
+                <a16:creationId xmlns:a16="http://schemas.microsoft.com/office/drawing/2014/main" id="{B237D1CA-B91A-410E-A968-D017BBE99F99}"/>
               </a:ext>
             </a:extLst>
           </p:cNvPr>
@@ -11425,7 +11307,7 @@
           <a:lstStyle/>
           <a:p>
             <a:r>
-              <a:rPr lang="ko-KR" altLang="en-US" dirty="0" smtClean="0"/>
+              <a:rPr lang="ko-KR" altLang="en-US" dirty="0"/>
               <a:t>구현 내용</a:t>
             </a:r>
             <a:endParaRPr lang="en-US" dirty="0"/>
@@ -11437,7 +11319,7 @@
           <p:cNvPr id="9" name="Text Placeholder 6">
             <a:extLst>
               <a:ext uri="{FF2B5EF4-FFF2-40B4-BE49-F238E27FC236}">
-                <a16:creationId xmlns="" xmlns:a16="http://schemas.microsoft.com/office/drawing/2014/main" id="{26A87885-D672-4CF9-A78D-CFE98385B03A}"/>
+                <a16:creationId xmlns:a16="http://schemas.microsoft.com/office/drawing/2014/main" id="{26A87885-D672-4CF9-A78D-CFE98385B03A}"/>
               </a:ext>
             </a:extLst>
           </p:cNvPr>
@@ -11459,23 +11341,23 @@
           <a:lstStyle/>
           <a:p>
             <a:r>
-              <a:rPr lang="ko-KR" altLang="en-US" dirty="0" smtClean="0"/>
+              <a:rPr lang="ko-KR" altLang="en-US" dirty="0"/>
               <a:t>장소</a:t>
             </a:r>
             <a:r>
-              <a:rPr lang="en-US" altLang="ko-KR" dirty="0" smtClean="0"/>
+              <a:rPr lang="en-US" altLang="ko-KR" dirty="0"/>
               <a:t>, </a:t>
             </a:r>
             <a:r>
-              <a:rPr lang="ko-KR" altLang="en-US" dirty="0" smtClean="0"/>
+              <a:rPr lang="ko-KR" altLang="en-US" dirty="0"/>
               <a:t>날짜 선택하여 시간정보 호출</a:t>
             </a:r>
-            <a:endParaRPr lang="en-US" altLang="ko-KR" dirty="0" smtClean="0"/>
+            <a:endParaRPr lang="en-US" altLang="ko-KR" dirty="0"/>
           </a:p>
           <a:p>
             <a:pPr lvl="1"/>
             <a:r>
-              <a:rPr lang="ko-KR" altLang="en-US" dirty="0" smtClean="0"/>
+              <a:rPr lang="ko-KR" altLang="en-US" dirty="0"/>
               <a:t>장소와 날짜를 선택 시 해당 날짜에 예약된 시간을 타임 테이블에 표시</a:t>
             </a:r>
             <a:endParaRPr lang="en-US" altLang="ko-KR" dirty="0"/>
@@ -11483,38 +11365,37 @@
           <a:p>
             <a:pPr lvl="1"/>
             <a:r>
-              <a:rPr lang="ko-KR" altLang="en-US" dirty="0" smtClean="0"/>
+              <a:rPr lang="ko-KR" altLang="en-US" dirty="0"/>
               <a:t>페이지 이동 없이 해당 시간정보를 불러와야 하므로 </a:t>
             </a:r>
             <a:r>
-              <a:rPr lang="en-US" altLang="ko-KR" dirty="0" smtClean="0"/>
+              <a:rPr lang="en-US" altLang="ko-KR" dirty="0"/>
               <a:t>AJAX</a:t>
             </a:r>
             <a:r>
-              <a:rPr lang="ko-KR" altLang="en-US" dirty="0" smtClean="0"/>
+              <a:rPr lang="ko-KR" altLang="en-US" dirty="0"/>
               <a:t>를 통해 시간정보 호출</a:t>
             </a:r>
-            <a:endParaRPr lang="en-US" altLang="ko-KR" dirty="0" smtClean="0"/>
+            <a:endParaRPr lang="en-US" altLang="ko-KR" dirty="0"/>
           </a:p>
           <a:p>
             <a:pPr lvl="1"/>
             <a:r>
-              <a:rPr lang="ko-KR" altLang="en-US" dirty="0" smtClean="0"/>
+              <a:rPr lang="ko-KR" altLang="en-US" dirty="0"/>
               <a:t>원하는 시간대를 마우스로 클릭하여 시간 선택</a:t>
             </a:r>
             <a:r>
-              <a:rPr lang="en-US" altLang="ko-KR" dirty="0" smtClean="0"/>
+              <a:rPr lang="en-US" altLang="ko-KR" dirty="0"/>
               <a:t>,</a:t>
             </a:r>
             <a:r>
-              <a:rPr lang="ko-KR" altLang="en-US" dirty="0" smtClean="0"/>
+              <a:rPr lang="ko-KR" altLang="en-US" dirty="0"/>
               <a:t> 자바스크립트를 통해 구현</a:t>
             </a:r>
             <a:r>
-              <a:rPr lang="en-US" altLang="ko-KR" dirty="0" smtClean="0"/>
+              <a:rPr lang="en-US" altLang="ko-KR" dirty="0"/>
               <a:t>.</a:t>
             </a:r>
-            <a:endParaRPr lang="en-US" altLang="ko-KR" dirty="0"/>
           </a:p>
           <a:p>
             <a:pPr lvl="1"/>
@@ -11524,7 +11405,7 @@
             <a:pPr marL="266700" lvl="1" indent="0">
               <a:buNone/>
             </a:pPr>
-            <a:endParaRPr lang="en-US" dirty="0" smtClean="0"/>
+            <a:endParaRPr lang="en-US" dirty="0"/>
           </a:p>
         </p:txBody>
       </p:sp>
@@ -11608,13 +11489,6 @@
   <p:clrMapOvr>
     <a:masterClrMapping/>
   </p:clrMapOvr>
-  <p:timing>
-    <p:tnLst>
-      <p:par>
-        <p:cTn id="1" dur="indefinite" restart="never" nodeType="tmRoot"/>
-      </p:par>
-    </p:tnLst>
-  </p:timing>
 </p:sld>
 </file>
 
@@ -11640,7 +11514,7 @@
           <p:cNvPr id="2" name="Title 1">
             <a:extLst>
               <a:ext uri="{FF2B5EF4-FFF2-40B4-BE49-F238E27FC236}">
-                <a16:creationId xmlns="" xmlns:a16="http://schemas.microsoft.com/office/drawing/2014/main" id="{19304E83-A4F0-49C5-BB01-F5773509A2B3}"/>
+                <a16:creationId xmlns:a16="http://schemas.microsoft.com/office/drawing/2014/main" id="{19304E83-A4F0-49C5-BB01-F5773509A2B3}"/>
               </a:ext>
             </a:extLst>
           </p:cNvPr>
@@ -11662,7 +11536,7 @@
           <a:lstStyle/>
           <a:p>
             <a:r>
-              <a:rPr lang="ko-KR" altLang="en-US" dirty="0" smtClean="0"/>
+              <a:rPr lang="ko-KR" altLang="en-US" dirty="0"/>
               <a:t>세미나 예약</a:t>
             </a:r>
             <a:endParaRPr lang="en-US" dirty="0"/>
@@ -11674,7 +11548,7 @@
           <p:cNvPr id="8" name="Slide Number Placeholder 7">
             <a:extLst>
               <a:ext uri="{FF2B5EF4-FFF2-40B4-BE49-F238E27FC236}">
-                <a16:creationId xmlns="" xmlns:a16="http://schemas.microsoft.com/office/drawing/2014/main" id="{E6AC9832-FB01-464A-9824-61887B77997E}"/>
+                <a16:creationId xmlns:a16="http://schemas.microsoft.com/office/drawing/2014/main" id="{E6AC9832-FB01-464A-9824-61887B77997E}"/>
               </a:ext>
             </a:extLst>
           </p:cNvPr>
@@ -11715,10 +11589,10 @@
           <p:cNvPr id="14" name="Rectangle 19">
             <a:extLst>
               <a:ext uri="{FF2B5EF4-FFF2-40B4-BE49-F238E27FC236}">
-                <a16:creationId xmlns="" xmlns:a16="http://schemas.microsoft.com/office/drawing/2014/main" id="{EFA08948-2B6F-46B1-9D2D-8D7B2B3FBD56}"/>
+                <a16:creationId xmlns:a16="http://schemas.microsoft.com/office/drawing/2014/main" id="{EFA08948-2B6F-46B1-9D2D-8D7B2B3FBD56}"/>
               </a:ext>
               <a:ext uri="{C183D7F6-B498-43B3-948B-1728B52AA6E4}">
-                <adec:decorative xmlns="" xmlns:adec="http://schemas.microsoft.com/office/drawing/2017/decorative" val="1"/>
+                <adec:decorative xmlns:adec="http://schemas.microsoft.com/office/drawing/2017/decorative" val="1"/>
               </a:ext>
             </a:extLst>
           </p:cNvPr>
@@ -11770,10 +11644,10 @@
           <p:cNvPr id="6" name="Rectangle 12">
             <a:extLst>
               <a:ext uri="{FF2B5EF4-FFF2-40B4-BE49-F238E27FC236}">
-                <a16:creationId xmlns="" xmlns:a16="http://schemas.microsoft.com/office/drawing/2014/main" id="{A7CD04AE-9A8B-4DED-855D-F51B510D0B69}"/>
+                <a16:creationId xmlns:a16="http://schemas.microsoft.com/office/drawing/2014/main" id="{A7CD04AE-9A8B-4DED-855D-F51B510D0B69}"/>
               </a:ext>
               <a:ext uri="{C183D7F6-B498-43B3-948B-1728B52AA6E4}">
-                <adec:decorative xmlns="" xmlns:adec="http://schemas.microsoft.com/office/drawing/2017/decorative" val="1"/>
+                <adec:decorative xmlns:adec="http://schemas.microsoft.com/office/drawing/2017/decorative" val="1"/>
               </a:ext>
             </a:extLst>
           </p:cNvPr>
@@ -11825,7 +11699,7 @@
           <p:cNvPr id="7" name="Text Placeholder 5">
             <a:extLst>
               <a:ext uri="{FF2B5EF4-FFF2-40B4-BE49-F238E27FC236}">
-                <a16:creationId xmlns="" xmlns:a16="http://schemas.microsoft.com/office/drawing/2014/main" id="{B237D1CA-B91A-410E-A968-D017BBE99F99}"/>
+                <a16:creationId xmlns:a16="http://schemas.microsoft.com/office/drawing/2014/main" id="{B237D1CA-B91A-410E-A968-D017BBE99F99}"/>
               </a:ext>
             </a:extLst>
           </p:cNvPr>
@@ -11847,7 +11721,7 @@
           <a:lstStyle/>
           <a:p>
             <a:r>
-              <a:rPr lang="ko-KR" altLang="en-US" dirty="0" smtClean="0"/>
+              <a:rPr lang="ko-KR" altLang="en-US" dirty="0"/>
               <a:t>구현 내용</a:t>
             </a:r>
             <a:endParaRPr lang="en-US" dirty="0"/>
@@ -11859,7 +11733,7 @@
           <p:cNvPr id="9" name="Text Placeholder 6">
             <a:extLst>
               <a:ext uri="{FF2B5EF4-FFF2-40B4-BE49-F238E27FC236}">
-                <a16:creationId xmlns="" xmlns:a16="http://schemas.microsoft.com/office/drawing/2014/main" id="{26A87885-D672-4CF9-A78D-CFE98385B03A}"/>
+                <a16:creationId xmlns:a16="http://schemas.microsoft.com/office/drawing/2014/main" id="{26A87885-D672-4CF9-A78D-CFE98385B03A}"/>
               </a:ext>
             </a:extLst>
           </p:cNvPr>
@@ -11881,7 +11755,7 @@
           <a:lstStyle/>
           <a:p>
             <a:r>
-              <a:rPr lang="ko-KR" altLang="en-US" dirty="0" smtClean="0"/>
+              <a:rPr lang="ko-KR" altLang="en-US" dirty="0"/>
               <a:t>중복된 시간 선택 시</a:t>
             </a:r>
             <a:r>
@@ -11889,51 +11763,51 @@
               <a:t> </a:t>
             </a:r>
             <a:r>
-              <a:rPr lang="ko-KR" altLang="en-US" dirty="0" smtClean="0"/>
+              <a:rPr lang="ko-KR" altLang="en-US" dirty="0"/>
               <a:t>알림</a:t>
             </a:r>
-            <a:endParaRPr lang="en-US" altLang="ko-KR" dirty="0" smtClean="0"/>
+            <a:endParaRPr lang="en-US" altLang="ko-KR" dirty="0"/>
           </a:p>
           <a:p>
             <a:pPr lvl="1"/>
             <a:r>
-              <a:rPr lang="ko-KR" altLang="en-US" dirty="0" smtClean="0"/>
+              <a:rPr lang="ko-KR" altLang="en-US" dirty="0"/>
               <a:t>이미 등록된 시간을 선택 시</a:t>
             </a:r>
             <a:r>
-              <a:rPr lang="en-US" altLang="ko-KR" dirty="0" smtClean="0"/>
+              <a:rPr lang="en-US" altLang="ko-KR" dirty="0"/>
               <a:t>, </a:t>
             </a:r>
             <a:r>
-              <a:rPr lang="ko-KR" altLang="en-US" dirty="0" smtClean="0"/>
+              <a:rPr lang="ko-KR" altLang="en-US" dirty="0"/>
               <a:t>겹치는 시간이 존재한다는 </a:t>
             </a:r>
             <a:r>
-              <a:rPr lang="ko-KR" altLang="en-US" dirty="0" err="1" smtClean="0"/>
+              <a:rPr lang="ko-KR" altLang="en-US" dirty="0" err="1"/>
               <a:t>알림창을</a:t>
             </a:r>
             <a:r>
-              <a:rPr lang="ko-KR" altLang="en-US" dirty="0" smtClean="0"/>
+              <a:rPr lang="ko-KR" altLang="en-US" dirty="0"/>
               <a:t> 표시하며</a:t>
             </a:r>
             <a:r>
-              <a:rPr lang="en-US" altLang="ko-KR" dirty="0" smtClean="0"/>
+              <a:rPr lang="en-US" altLang="ko-KR" dirty="0"/>
               <a:t>, </a:t>
             </a:r>
             <a:r>
-              <a:rPr lang="ko-KR" altLang="en-US" dirty="0" smtClean="0"/>
+              <a:rPr lang="ko-KR" altLang="en-US" dirty="0"/>
               <a:t>선택했던 시간정보를 초기화</a:t>
             </a:r>
             <a:r>
-              <a:rPr lang="en-US" altLang="ko-KR" dirty="0" smtClean="0"/>
+              <a:rPr lang="en-US" altLang="ko-KR" dirty="0"/>
               <a:t>, </a:t>
             </a:r>
             <a:r>
-              <a:rPr lang="ko-KR" altLang="en-US" dirty="0" smtClean="0"/>
+              <a:rPr lang="ko-KR" altLang="en-US" dirty="0"/>
               <a:t>미리 가져온 시간정보와 선택한 시간정보를 자바스크립트를 통해 비교하여 구현</a:t>
             </a:r>
             <a:r>
-              <a:rPr lang="en-US" altLang="ko-KR" dirty="0" smtClean="0"/>
+              <a:rPr lang="en-US" altLang="ko-KR" dirty="0"/>
               <a:t>.</a:t>
             </a:r>
           </a:p>
@@ -11941,27 +11815,27 @@
             <a:pPr marL="266700" lvl="1" indent="0">
               <a:buNone/>
             </a:pPr>
-            <a:endParaRPr lang="en-US" altLang="ko-KR" dirty="0" smtClean="0"/>
-          </a:p>
-          <a:p>
-            <a:r>
-              <a:rPr lang="ko-KR" altLang="en-US" dirty="0" smtClean="0"/>
+            <a:endParaRPr lang="en-US" altLang="ko-KR" dirty="0"/>
+          </a:p>
+          <a:p>
+            <a:r>
+              <a:rPr lang="ko-KR" altLang="en-US" dirty="0"/>
               <a:t>정보를 입력하고 등록하는 도중에 다른 사용자에 의해 해당 시간이 예약된 경우 처리</a:t>
             </a:r>
-            <a:endParaRPr lang="en-US" altLang="ko-KR" dirty="0" smtClean="0"/>
+            <a:endParaRPr lang="en-US" altLang="ko-KR" dirty="0"/>
           </a:p>
           <a:p>
             <a:pPr lvl="1"/>
             <a:r>
-              <a:rPr lang="ko-KR" altLang="en-US" dirty="0" smtClean="0"/>
+              <a:rPr lang="ko-KR" altLang="en-US" dirty="0"/>
               <a:t>등록버튼 클릭 시 이전에 받아온 시간정보와 새로 받아온 시간 정보를 자바스크립트를 통해 비교하여 시간 정보가 변경되었으면 시간을 재설정해달라는 </a:t>
             </a:r>
             <a:r>
-              <a:rPr lang="ko-KR" altLang="en-US" dirty="0" err="1" smtClean="0"/>
+              <a:rPr lang="ko-KR" altLang="en-US" dirty="0" err="1"/>
               <a:t>알람</a:t>
             </a:r>
             <a:r>
-              <a:rPr lang="ko-KR" altLang="en-US" dirty="0" smtClean="0"/>
+              <a:rPr lang="ko-KR" altLang="en-US" dirty="0"/>
               <a:t> 호출 및 선택한 시간정보 초기화</a:t>
             </a:r>
             <a:endParaRPr lang="en-US" altLang="ko-KR" dirty="0"/>
@@ -11974,7 +11848,7 @@
             <a:pPr marL="266700" lvl="1" indent="0">
               <a:buNone/>
             </a:pPr>
-            <a:endParaRPr lang="en-US" dirty="0" smtClean="0"/>
+            <a:endParaRPr lang="en-US" dirty="0"/>
           </a:p>
         </p:txBody>
       </p:sp>
@@ -12058,13 +11932,6 @@
   <p:clrMapOvr>
     <a:masterClrMapping/>
   </p:clrMapOvr>
-  <p:timing>
-    <p:tnLst>
-      <p:par>
-        <p:cTn id="1" dur="indefinite" restart="never" nodeType="tmRoot"/>
-      </p:par>
-    </p:tnLst>
-  </p:timing>
 </p:sld>
 </file>
 
@@ -12090,7 +11957,7 @@
           <p:cNvPr id="32" name="Picture Placeholder 31" descr="hand clapping">
             <a:extLst>
               <a:ext uri="{FF2B5EF4-FFF2-40B4-BE49-F238E27FC236}">
-                <a16:creationId xmlns="" xmlns:a16="http://schemas.microsoft.com/office/drawing/2014/main" id="{AAB6EE12-FEF8-FB41-A909-0DA61D7725C7}"/>
+                <a16:creationId xmlns:a16="http://schemas.microsoft.com/office/drawing/2014/main" id="{AAB6EE12-FEF8-FB41-A909-0DA61D7725C7}"/>
               </a:ext>
             </a:extLst>
           </p:cNvPr>
@@ -12121,7 +11988,7 @@
           <p:cNvPr id="14" name="Title 13">
             <a:extLst>
               <a:ext uri="{FF2B5EF4-FFF2-40B4-BE49-F238E27FC236}">
-                <a16:creationId xmlns="" xmlns:a16="http://schemas.microsoft.com/office/drawing/2014/main" id="{6C38D7A9-9299-4108-BB08-026F4B9CAE7B}"/>
+                <a16:creationId xmlns:a16="http://schemas.microsoft.com/office/drawing/2014/main" id="{6C38D7A9-9299-4108-BB08-026F4B9CAE7B}"/>
               </a:ext>
             </a:extLst>
           </p:cNvPr>
@@ -12149,7 +12016,7 @@
           <p:cNvPr id="4" name="Text Placeholder 3">
             <a:extLst>
               <a:ext uri="{FF2B5EF4-FFF2-40B4-BE49-F238E27FC236}">
-                <a16:creationId xmlns="" xmlns:a16="http://schemas.microsoft.com/office/drawing/2014/main" id="{60828E04-9C2A-4859-8050-C2DF67A249CB}"/>
+                <a16:creationId xmlns:a16="http://schemas.microsoft.com/office/drawing/2014/main" id="{60828E04-9C2A-4859-8050-C2DF67A249CB}"/>
               </a:ext>
             </a:extLst>
           </p:cNvPr>
@@ -12173,9 +12040,10 @@
           <a:lstStyle/>
           <a:p>
             <a:r>
-              <a:rPr lang="en-US" dirty="0"/>
-              <a:t>April Hansson</a:t>
-            </a:r>
+              <a:rPr lang="ko-KR" altLang="en-US" dirty="0"/>
+              <a:t>이형준</a:t>
+            </a:r>
+            <a:endParaRPr lang="en-US" dirty="0"/>
           </a:p>
         </p:txBody>
       </p:sp>
@@ -12184,7 +12052,7 @@
           <p:cNvPr id="8" name="Graphic 7" descr="User" title="Icon - Presenter Name">
             <a:extLst>
               <a:ext uri="{FF2B5EF4-FFF2-40B4-BE49-F238E27FC236}">
-                <a16:creationId xmlns="" xmlns:a16="http://schemas.microsoft.com/office/drawing/2014/main" id="{111541C4-DB03-4E53-994D-499C7D73C4DF}"/>
+                <a16:creationId xmlns:a16="http://schemas.microsoft.com/office/drawing/2014/main" id="{111541C4-DB03-4E53-994D-499C7D73C4DF}"/>
               </a:ext>
             </a:extLst>
           </p:cNvPr>
@@ -12200,7 +12068,7 @@
                 <a14:useLocalDpi xmlns:a14="http://schemas.microsoft.com/office/drawing/2010/main"/>
               </a:ext>
               <a:ext uri="{96DAC541-7B7A-43D3-8B79-37D633B846F1}">
-                <asvg:svgBlip xmlns="" xmlns:asvg="http://schemas.microsoft.com/office/drawing/2016/SVG/main" r:embed="rId4"/>
+                <asvg:svgBlip xmlns:asvg="http://schemas.microsoft.com/office/drawing/2016/SVG/main" r:embed="rId4"/>
               </a:ext>
             </a:extLst>
           </a:blip>
@@ -12223,7 +12091,7 @@
           <p:cNvPr id="5" name="Text Placeholder 4">
             <a:extLst>
               <a:ext uri="{FF2B5EF4-FFF2-40B4-BE49-F238E27FC236}">
-                <a16:creationId xmlns="" xmlns:a16="http://schemas.microsoft.com/office/drawing/2014/main" id="{11265965-2271-4C1C-BD0A-6F85F80FF9A6}"/>
+                <a16:creationId xmlns:a16="http://schemas.microsoft.com/office/drawing/2014/main" id="{11265965-2271-4C1C-BD0A-6F85F80FF9A6}"/>
               </a:ext>
             </a:extLst>
           </p:cNvPr>
@@ -12246,10 +12114,7 @@
           <a:bodyPr/>
           <a:lstStyle/>
           <a:p>
-            <a:r>
-              <a:rPr lang="en-US" dirty="0"/>
-              <a:t>+1 23 987 6554</a:t>
-            </a:r>
+            <a:endParaRPr lang="en-US" dirty="0"/>
           </a:p>
         </p:txBody>
       </p:sp>
@@ -12258,7 +12123,7 @@
           <p:cNvPr id="10" name="Graphic 9" descr="Smart Phone" title="Icon - Presenter Phone Number">
             <a:extLst>
               <a:ext uri="{FF2B5EF4-FFF2-40B4-BE49-F238E27FC236}">
-                <a16:creationId xmlns="" xmlns:a16="http://schemas.microsoft.com/office/drawing/2014/main" id="{A29DE31C-E099-4579-BB03-675E0A40C5F2}"/>
+                <a16:creationId xmlns:a16="http://schemas.microsoft.com/office/drawing/2014/main" id="{A29DE31C-E099-4579-BB03-675E0A40C5F2}"/>
               </a:ext>
             </a:extLst>
           </p:cNvPr>
@@ -12274,7 +12139,7 @@
                 <a14:useLocalDpi xmlns:a14="http://schemas.microsoft.com/office/drawing/2010/main"/>
               </a:ext>
               <a:ext uri="{96DAC541-7B7A-43D3-8B79-37D633B846F1}">
-                <asvg:svgBlip xmlns="" xmlns:asvg="http://schemas.microsoft.com/office/drawing/2016/SVG/main" r:embed="rId6"/>
+                <asvg:svgBlip xmlns:asvg="http://schemas.microsoft.com/office/drawing/2016/SVG/main" r:embed="rId6"/>
               </a:ext>
             </a:extLst>
           </a:blip>
@@ -12297,7 +12162,7 @@
           <p:cNvPr id="6" name="Text Placeholder 5">
             <a:extLst>
               <a:ext uri="{FF2B5EF4-FFF2-40B4-BE49-F238E27FC236}">
-                <a16:creationId xmlns="" xmlns:a16="http://schemas.microsoft.com/office/drawing/2014/main" id="{50A3BCC3-A277-4C0B-9EBA-EB53990D8EBD}"/>
+                <a16:creationId xmlns:a16="http://schemas.microsoft.com/office/drawing/2014/main" id="{50A3BCC3-A277-4C0B-9EBA-EB53990D8EBD}"/>
               </a:ext>
             </a:extLst>
           </p:cNvPr>
@@ -12322,7 +12187,7 @@
           <a:p>
             <a:r>
               <a:rPr lang="en-US" dirty="0"/>
-              <a:t>april@treyresearch.com</a:t>
+              <a:t>sky203614@gmail.com</a:t>
             </a:r>
           </a:p>
         </p:txBody>
@@ -12332,7 +12197,7 @@
           <p:cNvPr id="9" name="Graphic 8" descr="Envelope" title="Icon Presenter Email">
             <a:extLst>
               <a:ext uri="{FF2B5EF4-FFF2-40B4-BE49-F238E27FC236}">
-                <a16:creationId xmlns="" xmlns:a16="http://schemas.microsoft.com/office/drawing/2014/main" id="{773C1382-ACE1-460F-A1B6-AB761A7D2E6B}"/>
+                <a16:creationId xmlns:a16="http://schemas.microsoft.com/office/drawing/2014/main" id="{773C1382-ACE1-460F-A1B6-AB761A7D2E6B}"/>
               </a:ext>
             </a:extLst>
           </p:cNvPr>
@@ -12348,7 +12213,7 @@
                 <a14:useLocalDpi xmlns:a14="http://schemas.microsoft.com/office/drawing/2010/main"/>
               </a:ext>
               <a:ext uri="{96DAC541-7B7A-43D3-8B79-37D633B846F1}">
-                <asvg:svgBlip xmlns="" xmlns:asvg="http://schemas.microsoft.com/office/drawing/2016/SVG/main" r:embed="rId8"/>
+                <asvg:svgBlip xmlns:asvg="http://schemas.microsoft.com/office/drawing/2016/SVG/main" r:embed="rId8"/>
               </a:ext>
             </a:extLst>
           </a:blip>
@@ -12371,7 +12236,7 @@
           <p:cNvPr id="16" name="Text Placeholder 15">
             <a:extLst>
               <a:ext uri="{FF2B5EF4-FFF2-40B4-BE49-F238E27FC236}">
-                <a16:creationId xmlns="" xmlns:a16="http://schemas.microsoft.com/office/drawing/2014/main" id="{FD8A1232-50A8-4535-AAF9-7F4180EAA0DD}"/>
+                <a16:creationId xmlns:a16="http://schemas.microsoft.com/office/drawing/2014/main" id="{FD8A1232-50A8-4535-AAF9-7F4180EAA0DD}"/>
               </a:ext>
             </a:extLst>
           </p:cNvPr>
@@ -12394,10 +12259,7 @@
           <a:bodyPr/>
           <a:lstStyle/>
           <a:p>
-            <a:r>
-              <a:rPr lang="en-US" dirty="0"/>
-              <a:t>Trey Research</a:t>
-            </a:r>
+            <a:endParaRPr lang="en-US" dirty="0"/>
           </a:p>
         </p:txBody>
       </p:sp>
@@ -12406,7 +12268,7 @@
           <p:cNvPr id="11" name="Graphic 10" descr="Link">
             <a:extLst>
               <a:ext uri="{FF2B5EF4-FFF2-40B4-BE49-F238E27FC236}">
-                <a16:creationId xmlns="" xmlns:a16="http://schemas.microsoft.com/office/drawing/2014/main" id="{0718E6E0-05A2-479C-AEA8-1A385EB73474}"/>
+                <a16:creationId xmlns:a16="http://schemas.microsoft.com/office/drawing/2014/main" id="{0718E6E0-05A2-479C-AEA8-1A385EB73474}"/>
               </a:ext>
             </a:extLst>
           </p:cNvPr>
@@ -12422,7 +12284,7 @@
                 <a14:useLocalDpi xmlns:a14="http://schemas.microsoft.com/office/drawing/2010/main"/>
               </a:ext>
               <a:ext uri="{96DAC541-7B7A-43D3-8B79-37D633B846F1}">
-                <asvg:svgBlip xmlns="" xmlns:asvg="http://schemas.microsoft.com/office/drawing/2016/SVG/main" r:embed="rId10"/>
+                <asvg:svgBlip xmlns:asvg="http://schemas.microsoft.com/office/drawing/2016/SVG/main" r:embed="rId10"/>
               </a:ext>
             </a:extLst>
           </a:blip>
@@ -12445,7 +12307,7 @@
           <p:cNvPr id="12" name="Slide Number Placeholder 11">
             <a:extLst>
               <a:ext uri="{FF2B5EF4-FFF2-40B4-BE49-F238E27FC236}">
-                <a16:creationId xmlns="" xmlns:a16="http://schemas.microsoft.com/office/drawing/2014/main" id="{91814EC9-246A-4C6E-941E-5774FE72F08E}"/>
+                <a16:creationId xmlns:a16="http://schemas.microsoft.com/office/drawing/2014/main" id="{91814EC9-246A-4C6E-941E-5774FE72F08E}"/>
               </a:ext>
             </a:extLst>
           </p:cNvPr>
@@ -12487,13 +12349,6 @@
   <p:clrMapOvr>
     <a:masterClrMapping/>
   </p:clrMapOvr>
-  <p:timing>
-    <p:tnLst>
-      <p:par>
-        <p:cTn id="1" dur="indefinite" restart="never" nodeType="tmRoot"/>
-      </p:par>
-    </p:tnLst>
-  </p:timing>
 </p:sld>
 </file>
 
@@ -12519,7 +12374,7 @@
           <p:cNvPr id="4" name="Content Placeholder 3">
             <a:extLst>
               <a:ext uri="{FF2B5EF4-FFF2-40B4-BE49-F238E27FC236}">
-                <a16:creationId xmlns="" xmlns:a16="http://schemas.microsoft.com/office/drawing/2014/main" id="{D355C61F-C8F1-4977-8E1F-F16C0D9EA88C}"/>
+                <a16:creationId xmlns:a16="http://schemas.microsoft.com/office/drawing/2014/main" id="{D355C61F-C8F1-4977-8E1F-F16C0D9EA88C}"/>
               </a:ext>
             </a:extLst>
           </p:cNvPr>
@@ -12539,40 +12394,48 @@
               <a:buNone/>
             </a:pPr>
             <a:r>
-              <a:rPr lang="ko-KR" altLang="en-US" sz="2800" dirty="0" smtClean="0"/>
+              <a:rPr lang="ko-KR" altLang="en-US" sz="2800" dirty="0"/>
               <a:t>장소 대여와 참여자 모집을 한번에</a:t>
             </a:r>
             <a:endParaRPr lang="en-US" sz="2800" dirty="0"/>
           </a:p>
           <a:p>
             <a:r>
-              <a:rPr lang="ko-KR" altLang="en-US" dirty="0" smtClean="0"/>
-              <a:t>세미나를 주최하여 나의 지식을 공유하고 수익을 얻고 싶은 사람</a:t>
+              <a:rPr lang="ko-KR" altLang="en-US" dirty="0"/>
+              <a:t>세미나를 주최하여 지식을 공유하고 수익을 얻고 싶은 사람에게는 장소 대여와 세미나 개최 기능을</a:t>
+            </a:r>
+            <a:r>
+              <a:rPr lang="en-US" altLang="ko-KR" dirty="0"/>
+              <a:t> </a:t>
+            </a:r>
+            <a:r>
+              <a:rPr lang="ko-KR" altLang="en-US" dirty="0"/>
+              <a:t>제공</a:t>
             </a:r>
             <a:endParaRPr lang="en-US" dirty="0"/>
           </a:p>
           <a:p>
             <a:r>
-              <a:rPr lang="ko-KR" altLang="en-US" dirty="0" smtClean="0"/>
-              <a:t>관심 있는 주제의 세미나에 참여하여 쌍방향 소통을 통해 지식을 얻고 싶은 사람</a:t>
-            </a:r>
-            <a:endParaRPr lang="en-US" dirty="0" smtClean="0"/>
-          </a:p>
-          <a:p>
-            <a:r>
-              <a:rPr lang="ko-KR" altLang="en-US" dirty="0" smtClean="0"/>
+              <a:rPr lang="ko-KR" altLang="en-US" dirty="0"/>
+              <a:t>관심 있는 주제의 세미나에 참여하여 쌍방향 소통을 통해 지식을 얻고 싶은 사람에게는 세미나 참여 기회를 제공</a:t>
+            </a:r>
+            <a:endParaRPr lang="en-US" dirty="0"/>
+          </a:p>
+          <a:p>
+            <a:r>
+              <a:rPr lang="ko-KR" altLang="en-US" dirty="0"/>
               <a:t>세미나를 주최하고자 하는 사람에게는 장소 대여와 세미나를 홍보할 수 있도록 하고</a:t>
             </a:r>
             <a:r>
-              <a:rPr lang="en-US" altLang="ko-KR" dirty="0" smtClean="0"/>
+              <a:rPr lang="en-US" altLang="ko-KR" dirty="0"/>
               <a:t>, </a:t>
             </a:r>
             <a:r>
-              <a:rPr lang="ko-KR" altLang="en-US" dirty="0" smtClean="0"/>
+              <a:rPr lang="ko-KR" altLang="en-US" dirty="0"/>
               <a:t>세미나에 참여하고 싶은 사람에게는 다양한 세미나에 대한 정보와 참여 신청 기능을 제공합니다</a:t>
             </a:r>
             <a:r>
-              <a:rPr lang="en-US" altLang="ko-KR" dirty="0" smtClean="0"/>
+              <a:rPr lang="en-US" altLang="ko-KR" dirty="0"/>
               <a:t>.</a:t>
             </a:r>
             <a:endParaRPr lang="en-US" dirty="0"/>
@@ -12584,7 +12447,7 @@
           <p:cNvPr id="9" name="Picture Placeholder 8" descr="Handing touching mobile phone">
             <a:extLst>
               <a:ext uri="{FF2B5EF4-FFF2-40B4-BE49-F238E27FC236}">
-                <a16:creationId xmlns="" xmlns:a16="http://schemas.microsoft.com/office/drawing/2014/main" id="{A9A75888-22E3-1D43-9112-DA02186070B5}"/>
+                <a16:creationId xmlns:a16="http://schemas.microsoft.com/office/drawing/2014/main" id="{A9A75888-22E3-1D43-9112-DA02186070B5}"/>
               </a:ext>
             </a:extLst>
           </p:cNvPr>
@@ -12615,10 +12478,10 @@
           <p:cNvPr id="20" name="Rectangle 19">
             <a:extLst>
               <a:ext uri="{FF2B5EF4-FFF2-40B4-BE49-F238E27FC236}">
-                <a16:creationId xmlns="" xmlns:a16="http://schemas.microsoft.com/office/drawing/2014/main" id="{EFA08948-2B6F-46B1-9D2D-8D7B2B3FBD56}"/>
+                <a16:creationId xmlns:a16="http://schemas.microsoft.com/office/drawing/2014/main" id="{EFA08948-2B6F-46B1-9D2D-8D7B2B3FBD56}"/>
               </a:ext>
               <a:ext uri="{C183D7F6-B498-43B3-948B-1728B52AA6E4}">
-                <adec:decorative xmlns="" xmlns:adec="http://schemas.microsoft.com/office/drawing/2017/decorative" val="1"/>
+                <adec:decorative xmlns:adec="http://schemas.microsoft.com/office/drawing/2017/decorative" val="1"/>
               </a:ext>
             </a:extLst>
           </p:cNvPr>
@@ -12670,7 +12533,7 @@
           <p:cNvPr id="2" name="Title 1">
             <a:extLst>
               <a:ext uri="{FF2B5EF4-FFF2-40B4-BE49-F238E27FC236}">
-                <a16:creationId xmlns="" xmlns:a16="http://schemas.microsoft.com/office/drawing/2014/main" id="{3560F281-4FF6-4617-A809-AC9C15ECF18A}"/>
+                <a16:creationId xmlns:a16="http://schemas.microsoft.com/office/drawing/2014/main" id="{3560F281-4FF6-4617-A809-AC9C15ECF18A}"/>
               </a:ext>
             </a:extLst>
           </p:cNvPr>
@@ -12687,67 +12550,66 @@
           <a:lstStyle/>
           <a:p>
             <a:r>
-              <a:rPr lang="en-US" dirty="0" smtClean="0"/>
+              <a:rPr lang="en-US" dirty="0"/>
               <a:t>Concepts</a:t>
             </a:r>
+          </a:p>
+        </p:txBody>
+      </p:sp>
+      <p:sp>
+        <p:nvSpPr>
+          <p:cNvPr id="3" name="Text Placeholder 2">
+            <a:extLst>
+              <a:ext uri="{FF2B5EF4-FFF2-40B4-BE49-F238E27FC236}">
+                <a16:creationId xmlns:a16="http://schemas.microsoft.com/office/drawing/2014/main" id="{611DC577-0A95-47D0-95D9-5F8DA763D46B}"/>
+              </a:ext>
+            </a:extLst>
+          </p:cNvPr>
+          <p:cNvSpPr>
+            <a:spLocks noGrp="1"/>
+          </p:cNvSpPr>
+          <p:nvPr>
+            <p:ph type="body" sz="quarter" idx="32"/>
+          </p:nvPr>
+        </p:nvSpPr>
+        <p:spPr/>
+        <p:txBody>
+          <a:bodyPr/>
+          <a:lstStyle/>
+          <a:p>
+            <a:r>
+              <a:rPr lang="ko-KR" altLang="en-US" dirty="0"/>
+              <a:t>장소를 대여하고</a:t>
+            </a:r>
+            <a:r>
+              <a:rPr lang="en-US" altLang="ko-KR" dirty="0"/>
+              <a:t>, </a:t>
+            </a:r>
+            <a:r>
+              <a:rPr lang="ko-KR" altLang="en-US" dirty="0"/>
+              <a:t>모임을 알려</a:t>
+            </a:r>
+            <a:endParaRPr lang="en-US" altLang="ko-KR" dirty="0"/>
+          </a:p>
+          <a:p>
+            <a:r>
+              <a:rPr lang="ko-KR" altLang="en-US" dirty="0"/>
+              <a:t>참여자를 모집합니다</a:t>
+            </a:r>
+            <a:r>
+              <a:rPr lang="en-US" altLang="ko-KR" dirty="0"/>
+              <a:t>.</a:t>
+            </a:r>
             <a:endParaRPr lang="en-US" dirty="0"/>
           </a:p>
         </p:txBody>
       </p:sp>
       <p:sp>
         <p:nvSpPr>
-          <p:cNvPr id="3" name="Text Placeholder 2">
-            <a:extLst>
-              <a:ext uri="{FF2B5EF4-FFF2-40B4-BE49-F238E27FC236}">
-                <a16:creationId xmlns="" xmlns:a16="http://schemas.microsoft.com/office/drawing/2014/main" id="{611DC577-0A95-47D0-95D9-5F8DA763D46B}"/>
-              </a:ext>
-            </a:extLst>
-          </p:cNvPr>
-          <p:cNvSpPr>
-            <a:spLocks noGrp="1"/>
-          </p:cNvSpPr>
-          <p:nvPr>
-            <p:ph type="body" sz="quarter" idx="32"/>
-          </p:nvPr>
-        </p:nvSpPr>
-        <p:spPr/>
-        <p:txBody>
-          <a:bodyPr/>
-          <a:lstStyle/>
-          <a:p>
-            <a:r>
-              <a:rPr lang="ko-KR" altLang="en-US" dirty="0" smtClean="0"/>
-              <a:t>장소를 대여하고</a:t>
-            </a:r>
-            <a:r>
-              <a:rPr lang="en-US" altLang="ko-KR" dirty="0" smtClean="0"/>
-              <a:t>, </a:t>
-            </a:r>
-            <a:r>
-              <a:rPr lang="ko-KR" altLang="en-US" dirty="0" smtClean="0"/>
-              <a:t>모임을 알려</a:t>
-            </a:r>
-            <a:endParaRPr lang="en-US" altLang="ko-KR" dirty="0" smtClean="0"/>
-          </a:p>
-          <a:p>
-            <a:r>
-              <a:rPr lang="ko-KR" altLang="en-US" dirty="0" smtClean="0"/>
-              <a:t>참여자를 모집합니다</a:t>
-            </a:r>
-            <a:r>
-              <a:rPr lang="en-US" altLang="ko-KR" dirty="0" smtClean="0"/>
-              <a:t>.</a:t>
-            </a:r>
-            <a:endParaRPr lang="en-US" dirty="0"/>
-          </a:p>
-        </p:txBody>
-      </p:sp>
-      <p:sp>
-        <p:nvSpPr>
           <p:cNvPr id="6" name="Slide Number Placeholder 5">
             <a:extLst>
               <a:ext uri="{FF2B5EF4-FFF2-40B4-BE49-F238E27FC236}">
-                <a16:creationId xmlns="" xmlns:a16="http://schemas.microsoft.com/office/drawing/2014/main" id="{1C554D9F-1895-486E-BFBA-905BB2D29E08}"/>
+                <a16:creationId xmlns:a16="http://schemas.microsoft.com/office/drawing/2014/main" id="{1C554D9F-1895-486E-BFBA-905BB2D29E08}"/>
               </a:ext>
             </a:extLst>
           </p:cNvPr>
@@ -12771,10 +12633,9 @@
           <a:lstStyle/>
           <a:p>
             <a:r>
-              <a:rPr lang="en-US" sz="1800" dirty="0" smtClean="0"/>
+              <a:rPr lang="en-US" sz="1800" dirty="0"/>
               <a:t>2</a:t>
             </a:r>
-            <a:endParaRPr lang="en-US" sz="1800" dirty="0"/>
           </a:p>
         </p:txBody>
       </p:sp>
@@ -12788,13 +12649,6 @@
   <p:clrMapOvr>
     <a:masterClrMapping/>
   </p:clrMapOvr>
-  <p:timing>
-    <p:tnLst>
-      <p:par>
-        <p:cTn id="1" dur="indefinite" restart="never" nodeType="tmRoot"/>
-      </p:par>
-    </p:tnLst>
-  </p:timing>
 </p:sld>
 </file>
 
@@ -12820,10 +12674,10 @@
           <p:cNvPr id="15" name="Rectangle 19">
             <a:extLst>
               <a:ext uri="{FF2B5EF4-FFF2-40B4-BE49-F238E27FC236}">
-                <a16:creationId xmlns="" xmlns:a16="http://schemas.microsoft.com/office/drawing/2014/main" id="{EFA08948-2B6F-46B1-9D2D-8D7B2B3FBD56}"/>
+                <a16:creationId xmlns:a16="http://schemas.microsoft.com/office/drawing/2014/main" id="{EFA08948-2B6F-46B1-9D2D-8D7B2B3FBD56}"/>
               </a:ext>
               <a:ext uri="{C183D7F6-B498-43B3-948B-1728B52AA6E4}">
-                <adec:decorative xmlns="" xmlns:adec="http://schemas.microsoft.com/office/drawing/2017/decorative" val="1"/>
+                <adec:decorative xmlns:adec="http://schemas.microsoft.com/office/drawing/2017/decorative" val="1"/>
               </a:ext>
             </a:extLst>
           </p:cNvPr>
@@ -12875,7 +12729,7 @@
           <p:cNvPr id="16" name="Title 1">
             <a:extLst>
               <a:ext uri="{FF2B5EF4-FFF2-40B4-BE49-F238E27FC236}">
-                <a16:creationId xmlns="" xmlns:a16="http://schemas.microsoft.com/office/drawing/2014/main" id="{3560F281-4FF6-4617-A809-AC9C15ECF18A}"/>
+                <a16:creationId xmlns:a16="http://schemas.microsoft.com/office/drawing/2014/main" id="{3560F281-4FF6-4617-A809-AC9C15ECF18A}"/>
               </a:ext>
             </a:extLst>
           </p:cNvPr>
@@ -12919,10 +12773,9 @@
           </a:lstStyle>
           <a:p>
             <a:r>
-              <a:rPr lang="en-US" dirty="0" smtClean="0"/>
+              <a:rPr lang="en-US" dirty="0"/>
               <a:t>Use Flow</a:t>
             </a:r>
-            <a:endParaRPr lang="en-US" dirty="0"/>
           </a:p>
         </p:txBody>
       </p:sp>
@@ -12931,7 +12784,7 @@
           <p:cNvPr id="18" name="Slide Number Placeholder 5">
             <a:extLst>
               <a:ext uri="{FF2B5EF4-FFF2-40B4-BE49-F238E27FC236}">
-                <a16:creationId xmlns="" xmlns:a16="http://schemas.microsoft.com/office/drawing/2014/main" id="{1C554D9F-1895-486E-BFBA-905BB2D29E08}"/>
+                <a16:creationId xmlns:a16="http://schemas.microsoft.com/office/drawing/2014/main" id="{1C554D9F-1895-486E-BFBA-905BB2D29E08}"/>
               </a:ext>
             </a:extLst>
           </p:cNvPr>
@@ -12959,10 +12812,9 @@
           <a:lstStyle/>
           <a:p>
             <a:r>
-              <a:rPr lang="en-US" sz="1800" dirty="0" smtClean="0"/>
+              <a:rPr lang="en-US" sz="1800" dirty="0"/>
               <a:t>3</a:t>
             </a:r>
-            <a:endParaRPr lang="en-US" sz="1800" dirty="0"/>
           </a:p>
         </p:txBody>
       </p:sp>
@@ -13009,7 +12861,7 @@
           <a:p>
             <a:pPr algn="ctr"/>
             <a:r>
-              <a:rPr lang="en-US" altLang="ko-KR" dirty="0" smtClean="0">
+              <a:rPr lang="en-US" altLang="ko-KR" dirty="0">
                 <a:solidFill>
                   <a:schemeClr val="bg1"/>
                 </a:solidFill>
@@ -13068,7 +12920,7 @@
           <a:lstStyle/>
           <a:p>
             <a:r>
-              <a:rPr lang="en-US" altLang="ko-KR" dirty="0" smtClean="0">
+              <a:rPr lang="en-US" altLang="ko-KR" dirty="0">
                 <a:solidFill>
                   <a:schemeClr val="bg1"/>
                 </a:solidFill>
@@ -13129,10 +12981,9 @@
           <a:p>
             <a:pPr algn="ctr"/>
             <a:r>
-              <a:rPr lang="ko-KR" altLang="en-US" sz="1400" dirty="0" smtClean="0"/>
+              <a:rPr lang="ko-KR" altLang="en-US" sz="1400" dirty="0"/>
               <a:t>장소</a:t>
             </a:r>
-            <a:endParaRPr lang="ko-KR" altLang="en-US" sz="1400" dirty="0"/>
           </a:p>
         </p:txBody>
       </p:sp>
@@ -13182,10 +13033,9 @@
           <a:p>
             <a:pPr algn="ctr"/>
             <a:r>
-              <a:rPr lang="ko-KR" altLang="en-US" sz="1400" dirty="0" smtClean="0"/>
+              <a:rPr lang="ko-KR" altLang="en-US" sz="1400" dirty="0"/>
               <a:t>세미나</a:t>
             </a:r>
-            <a:endParaRPr lang="ko-KR" altLang="en-US" sz="1400" dirty="0"/>
           </a:p>
         </p:txBody>
       </p:sp>
@@ -13248,14 +13098,11 @@
           <a:lstStyle/>
           <a:p>
             <a:r>
-              <a:rPr lang="ko-KR" altLang="en-US" dirty="0" smtClean="0">
+              <a:rPr lang="ko-KR" altLang="en-US" dirty="0">
                 <a:latin typeface="+mj-lt"/>
               </a:rPr>
               <a:t>예약</a:t>
             </a:r>
-            <a:endParaRPr lang="ko-KR" altLang="en-US" dirty="0">
-              <a:latin typeface="+mj-lt"/>
-            </a:endParaRPr>
           </a:p>
         </p:txBody>
       </p:sp>
@@ -13318,14 +13165,11 @@
           <a:lstStyle/>
           <a:p>
             <a:r>
-              <a:rPr lang="ko-KR" altLang="en-US" dirty="0" smtClean="0">
+              <a:rPr lang="ko-KR" altLang="en-US" dirty="0">
                 <a:latin typeface="+mj-lt"/>
               </a:rPr>
               <a:t>등록</a:t>
             </a:r>
-            <a:endParaRPr lang="ko-KR" altLang="en-US" dirty="0">
-              <a:latin typeface="+mj-lt"/>
-            </a:endParaRPr>
           </a:p>
         </p:txBody>
       </p:sp>
@@ -13372,7 +13216,7 @@
           <a:p>
             <a:pPr algn="ctr"/>
             <a:r>
-              <a:rPr lang="en-US" altLang="ko-KR" dirty="0" smtClean="0">
+              <a:rPr lang="en-US" altLang="ko-KR" dirty="0">
                 <a:solidFill>
                   <a:schemeClr val="bg1"/>
                 </a:solidFill>
@@ -13446,10 +13290,9 @@
           <a:lstStyle/>
           <a:p>
             <a:r>
-              <a:rPr lang="ko-KR" altLang="en-US" smtClean="0"/>
+              <a:rPr lang="ko-KR" altLang="en-US"/>
               <a:t>참여</a:t>
             </a:r>
-            <a:endParaRPr lang="ko-KR" altLang="en-US"/>
           </a:p>
         </p:txBody>
       </p:sp>
@@ -13463,13 +13306,6 @@
   <p:clrMapOvr>
     <a:masterClrMapping/>
   </p:clrMapOvr>
-  <p:timing>
-    <p:tnLst>
-      <p:par>
-        <p:cTn id="1" dur="indefinite" restart="never" nodeType="tmRoot"/>
-      </p:par>
-    </p:tnLst>
-  </p:timing>
 </p:sld>
 </file>
 
@@ -13495,10 +13331,10 @@
           <p:cNvPr id="15" name="Rectangle 19">
             <a:extLst>
               <a:ext uri="{FF2B5EF4-FFF2-40B4-BE49-F238E27FC236}">
-                <a16:creationId xmlns="" xmlns:a16="http://schemas.microsoft.com/office/drawing/2014/main" id="{EFA08948-2B6F-46B1-9D2D-8D7B2B3FBD56}"/>
+                <a16:creationId xmlns:a16="http://schemas.microsoft.com/office/drawing/2014/main" id="{EFA08948-2B6F-46B1-9D2D-8D7B2B3FBD56}"/>
               </a:ext>
               <a:ext uri="{C183D7F6-B498-43B3-948B-1728B52AA6E4}">
-                <adec:decorative xmlns="" xmlns:adec="http://schemas.microsoft.com/office/drawing/2017/decorative" val="1"/>
+                <adec:decorative xmlns:adec="http://schemas.microsoft.com/office/drawing/2017/decorative" val="1"/>
               </a:ext>
             </a:extLst>
           </p:cNvPr>
@@ -13550,7 +13386,7 @@
           <p:cNvPr id="16" name="Title 1">
             <a:extLst>
               <a:ext uri="{FF2B5EF4-FFF2-40B4-BE49-F238E27FC236}">
-                <a16:creationId xmlns="" xmlns:a16="http://schemas.microsoft.com/office/drawing/2014/main" id="{3560F281-4FF6-4617-A809-AC9C15ECF18A}"/>
+                <a16:creationId xmlns:a16="http://schemas.microsoft.com/office/drawing/2014/main" id="{3560F281-4FF6-4617-A809-AC9C15ECF18A}"/>
               </a:ext>
             </a:extLst>
           </p:cNvPr>
@@ -13594,10 +13430,9 @@
           </a:lstStyle>
           <a:p>
             <a:r>
-              <a:rPr lang="en-US" dirty="0" smtClean="0"/>
+              <a:rPr lang="en-US" dirty="0"/>
               <a:t>Database Modeling</a:t>
             </a:r>
-            <a:endParaRPr lang="en-US" dirty="0"/>
           </a:p>
         </p:txBody>
       </p:sp>
@@ -13606,7 +13441,7 @@
           <p:cNvPr id="18" name="Slide Number Placeholder 5">
             <a:extLst>
               <a:ext uri="{FF2B5EF4-FFF2-40B4-BE49-F238E27FC236}">
-                <a16:creationId xmlns="" xmlns:a16="http://schemas.microsoft.com/office/drawing/2014/main" id="{1C554D9F-1895-486E-BFBA-905BB2D29E08}"/>
+                <a16:creationId xmlns:a16="http://schemas.microsoft.com/office/drawing/2014/main" id="{1C554D9F-1895-486E-BFBA-905BB2D29E08}"/>
               </a:ext>
             </a:extLst>
           </p:cNvPr>
@@ -13634,10 +13469,9 @@
           <a:lstStyle/>
           <a:p>
             <a:r>
-              <a:rPr lang="en-US" sz="1800" dirty="0" smtClean="0"/>
+              <a:rPr lang="en-US" sz="1800" dirty="0"/>
               <a:t>3</a:t>
             </a:r>
-            <a:endParaRPr lang="en-US" sz="1800" dirty="0"/>
           </a:p>
         </p:txBody>
       </p:sp>
@@ -13675,13 +13509,6 @@
   <p:clrMapOvr>
     <a:masterClrMapping/>
   </p:clrMapOvr>
-  <p:timing>
-    <p:tnLst>
-      <p:par>
-        <p:cTn id="1" dur="indefinite" restart="never" nodeType="tmRoot"/>
-      </p:par>
-    </p:tnLst>
-  </p:timing>
 </p:sld>
 </file>
 
@@ -13707,7 +13534,7 @@
           <p:cNvPr id="11" name="Picture Placeholder 10" descr="Desk with computer, phone, books, etc.">
             <a:extLst>
               <a:ext uri="{FF2B5EF4-FFF2-40B4-BE49-F238E27FC236}">
-                <a16:creationId xmlns="" xmlns:a16="http://schemas.microsoft.com/office/drawing/2014/main" id="{2E7ADBC3-DECA-9F4C-9289-9E43C727592F}"/>
+                <a16:creationId xmlns:a16="http://schemas.microsoft.com/office/drawing/2014/main" id="{2E7ADBC3-DECA-9F4C-9289-9E43C727592F}"/>
               </a:ext>
             </a:extLst>
           </p:cNvPr>
@@ -13738,7 +13565,7 @@
           <p:cNvPr id="3" name="Title 2">
             <a:extLst>
               <a:ext uri="{FF2B5EF4-FFF2-40B4-BE49-F238E27FC236}">
-                <a16:creationId xmlns="" xmlns:a16="http://schemas.microsoft.com/office/drawing/2014/main" id="{200B3D2B-613A-41BE-987D-E6A1324B456D}"/>
+                <a16:creationId xmlns:a16="http://schemas.microsoft.com/office/drawing/2014/main" id="{200B3D2B-613A-41BE-987D-E6A1324B456D}"/>
               </a:ext>
             </a:extLst>
           </p:cNvPr>
@@ -13755,55 +13582,54 @@
           <a:lstStyle/>
           <a:p>
             <a:r>
-              <a:rPr lang="en-US" dirty="0" smtClean="0"/>
+              <a:rPr lang="en-US" dirty="0"/>
               <a:t>Web</a:t>
             </a:r>
             <a:br>
-              <a:rPr lang="en-US" dirty="0" smtClean="0"/>
+              <a:rPr lang="en-US" dirty="0"/>
             </a:br>
             <a:r>
-              <a:rPr lang="en-US" dirty="0" smtClean="0"/>
+              <a:rPr lang="en-US" dirty="0"/>
               <a:t>Implementation</a:t>
             </a:r>
+          </a:p>
+        </p:txBody>
+      </p:sp>
+      <p:sp>
+        <p:nvSpPr>
+          <p:cNvPr id="14" name="Text Placeholder 13">
+            <a:extLst>
+              <a:ext uri="{FF2B5EF4-FFF2-40B4-BE49-F238E27FC236}">
+                <a16:creationId xmlns:a16="http://schemas.microsoft.com/office/drawing/2014/main" id="{F278402B-CA7D-4F5B-B3FA-ED74AB3CFB6C}"/>
+              </a:ext>
+            </a:extLst>
+          </p:cNvPr>
+          <p:cNvSpPr>
+            <a:spLocks noGrp="1"/>
+          </p:cNvSpPr>
+          <p:nvPr>
+            <p:ph type="body" sz="quarter" idx="13"/>
+          </p:nvPr>
+        </p:nvSpPr>
+        <p:spPr/>
+        <p:txBody>
+          <a:bodyPr/>
+          <a:lstStyle/>
+          <a:p>
+            <a:r>
+              <a:rPr lang="ko-KR" altLang="en-US" dirty="0"/>
+              <a:t>웹 구현</a:t>
+            </a:r>
             <a:endParaRPr lang="en-US" dirty="0"/>
           </a:p>
         </p:txBody>
       </p:sp>
       <p:sp>
         <p:nvSpPr>
-          <p:cNvPr id="14" name="Text Placeholder 13">
-            <a:extLst>
-              <a:ext uri="{FF2B5EF4-FFF2-40B4-BE49-F238E27FC236}">
-                <a16:creationId xmlns="" xmlns:a16="http://schemas.microsoft.com/office/drawing/2014/main" id="{F278402B-CA7D-4F5B-B3FA-ED74AB3CFB6C}"/>
-              </a:ext>
-            </a:extLst>
-          </p:cNvPr>
-          <p:cNvSpPr>
-            <a:spLocks noGrp="1"/>
-          </p:cNvSpPr>
-          <p:nvPr>
-            <p:ph type="body" sz="quarter" idx="13"/>
-          </p:nvPr>
-        </p:nvSpPr>
-        <p:spPr/>
-        <p:txBody>
-          <a:bodyPr/>
-          <a:lstStyle/>
-          <a:p>
-            <a:r>
-              <a:rPr lang="ko-KR" altLang="en-US" dirty="0" smtClean="0"/>
-              <a:t>웹 구현</a:t>
-            </a:r>
-            <a:endParaRPr lang="en-US" dirty="0"/>
-          </a:p>
-        </p:txBody>
-      </p:sp>
-      <p:sp>
-        <p:nvSpPr>
           <p:cNvPr id="5" name="Slide Number Placeholder 4">
             <a:extLst>
               <a:ext uri="{FF2B5EF4-FFF2-40B4-BE49-F238E27FC236}">
-                <a16:creationId xmlns="" xmlns:a16="http://schemas.microsoft.com/office/drawing/2014/main" id="{BDD5A594-D852-43BB-B591-E9D9027253BD}"/>
+                <a16:creationId xmlns:a16="http://schemas.microsoft.com/office/drawing/2014/main" id="{BDD5A594-D852-43BB-B591-E9D9027253BD}"/>
               </a:ext>
             </a:extLst>
           </p:cNvPr>
@@ -13845,13 +13671,6 @@
   <p:clrMapOvr>
     <a:masterClrMapping/>
   </p:clrMapOvr>
-  <p:timing>
-    <p:tnLst>
-      <p:par>
-        <p:cTn id="1" dur="indefinite" restart="never" nodeType="tmRoot"/>
-      </p:par>
-    </p:tnLst>
-  </p:timing>
 </p:sld>
 </file>
 
@@ -13877,7 +13696,7 @@
           <p:cNvPr id="2" name="Title 1">
             <a:extLst>
               <a:ext uri="{FF2B5EF4-FFF2-40B4-BE49-F238E27FC236}">
-                <a16:creationId xmlns="" xmlns:a16="http://schemas.microsoft.com/office/drawing/2014/main" id="{19304E83-A4F0-49C5-BB01-F5773509A2B3}"/>
+                <a16:creationId xmlns:a16="http://schemas.microsoft.com/office/drawing/2014/main" id="{19304E83-A4F0-49C5-BB01-F5773509A2B3}"/>
               </a:ext>
             </a:extLst>
           </p:cNvPr>
@@ -13899,7 +13718,7 @@
           <a:lstStyle/>
           <a:p>
             <a:r>
-              <a:rPr lang="ko-KR" altLang="en-US" dirty="0" smtClean="0"/>
+              <a:rPr lang="ko-KR" altLang="en-US" dirty="0"/>
               <a:t>담당 파트 및 사용 기술</a:t>
             </a:r>
             <a:endParaRPr lang="en-US" dirty="0"/>
@@ -13911,10 +13730,10 @@
           <p:cNvPr id="12" name="Rectangle 11">
             <a:extLst>
               <a:ext uri="{FF2B5EF4-FFF2-40B4-BE49-F238E27FC236}">
-                <a16:creationId xmlns="" xmlns:a16="http://schemas.microsoft.com/office/drawing/2014/main" id="{7F65E93D-09FF-42EE-B9DD-750638966686}"/>
+                <a16:creationId xmlns:a16="http://schemas.microsoft.com/office/drawing/2014/main" id="{7F65E93D-09FF-42EE-B9DD-750638966686}"/>
               </a:ext>
               <a:ext uri="{C183D7F6-B498-43B3-948B-1728B52AA6E4}">
-                <adec:decorative xmlns="" xmlns:adec="http://schemas.microsoft.com/office/drawing/2017/decorative" val="1"/>
+                <adec:decorative xmlns:adec="http://schemas.microsoft.com/office/drawing/2017/decorative" val="1"/>
               </a:ext>
             </a:extLst>
           </p:cNvPr>
@@ -13966,7 +13785,7 @@
           <p:cNvPr id="4" name="Text Placeholder 3">
             <a:extLst>
               <a:ext uri="{FF2B5EF4-FFF2-40B4-BE49-F238E27FC236}">
-                <a16:creationId xmlns="" xmlns:a16="http://schemas.microsoft.com/office/drawing/2014/main" id="{6AB259A0-0017-492F-A0DC-4B70C7052AE0}"/>
+                <a16:creationId xmlns:a16="http://schemas.microsoft.com/office/drawing/2014/main" id="{6AB259A0-0017-492F-A0DC-4B70C7052AE0}"/>
               </a:ext>
             </a:extLst>
           </p:cNvPr>
@@ -13988,7 +13807,7 @@
           <a:lstStyle/>
           <a:p>
             <a:r>
-              <a:rPr lang="ko-KR" altLang="en-US" dirty="0" smtClean="0"/>
+              <a:rPr lang="ko-KR" altLang="en-US" dirty="0"/>
               <a:t>담당 파트</a:t>
             </a:r>
             <a:endParaRPr lang="en-US" dirty="0"/>
@@ -14000,7 +13819,7 @@
           <p:cNvPr id="5" name="Content Placeholder 4">
             <a:extLst>
               <a:ext uri="{FF2B5EF4-FFF2-40B4-BE49-F238E27FC236}">
-                <a16:creationId xmlns="" xmlns:a16="http://schemas.microsoft.com/office/drawing/2014/main" id="{CEEB3BAE-C0B2-447C-B8BE-96C6BD84D658}"/>
+                <a16:creationId xmlns:a16="http://schemas.microsoft.com/office/drawing/2014/main" id="{CEEB3BAE-C0B2-447C-B8BE-96C6BD84D658}"/>
               </a:ext>
             </a:extLst>
           </p:cNvPr>
@@ -14022,15 +13841,15 @@
           <a:lstStyle/>
           <a:p>
             <a:r>
-              <a:rPr lang="ko-KR" altLang="en-US" dirty="0" smtClean="0"/>
+              <a:rPr lang="ko-KR" altLang="en-US" dirty="0"/>
               <a:t>회원 정보 관련</a:t>
             </a:r>
-            <a:endParaRPr lang="en-US" dirty="0" smtClean="0"/>
+            <a:endParaRPr lang="en-US" dirty="0"/>
           </a:p>
           <a:p>
             <a:pPr lvl="1"/>
             <a:r>
-              <a:rPr lang="ko-KR" altLang="en-US" dirty="0" smtClean="0"/>
+              <a:rPr lang="ko-KR" altLang="en-US" dirty="0"/>
               <a:t>회원가입</a:t>
             </a:r>
             <a:endParaRPr lang="en-US" altLang="ko-KR" dirty="0"/>
@@ -14038,10 +13857,10 @@
           <a:p>
             <a:pPr lvl="1"/>
             <a:r>
-              <a:rPr lang="ko-KR" altLang="en-US" dirty="0" smtClean="0"/>
+              <a:rPr lang="ko-KR" altLang="en-US" dirty="0"/>
               <a:t>마이 페이지</a:t>
             </a:r>
-            <a:endParaRPr lang="en-US" altLang="ko-KR" dirty="0" smtClean="0"/>
+            <a:endParaRPr lang="en-US" altLang="ko-KR" dirty="0"/>
           </a:p>
           <a:p>
             <a:pPr lvl="1"/>
@@ -14049,25 +13868,25 @@
           </a:p>
           <a:p>
             <a:r>
-              <a:rPr lang="ko-KR" altLang="en-US" dirty="0" smtClean="0"/>
+              <a:rPr lang="ko-KR" altLang="en-US" dirty="0"/>
               <a:t>세미나 등록</a:t>
             </a:r>
             <a:r>
-              <a:rPr lang="en-US" altLang="ko-KR" dirty="0" smtClean="0"/>
+              <a:rPr lang="en-US" altLang="ko-KR" dirty="0"/>
               <a:t>	</a:t>
             </a:r>
           </a:p>
           <a:p>
             <a:pPr lvl="1"/>
             <a:r>
-              <a:rPr lang="ko-KR" altLang="en-US" dirty="0" smtClean="0"/>
+              <a:rPr lang="ko-KR" altLang="en-US" dirty="0"/>
               <a:t>장소 예약 및 세미나 등록</a:t>
             </a:r>
-            <a:endParaRPr lang="en-US" altLang="ko-KR" dirty="0" smtClean="0"/>
+            <a:endParaRPr lang="en-US" altLang="ko-KR" dirty="0"/>
           </a:p>
           <a:p>
             <a:pPr lvl="1"/>
-            <a:endParaRPr lang="en-US" altLang="ko-KR" dirty="0" smtClean="0"/>
+            <a:endParaRPr lang="en-US" altLang="ko-KR" dirty="0"/>
           </a:p>
           <a:p>
             <a:pPr marL="266700" lvl="1" indent="0">
@@ -14088,10 +13907,10 @@
           <p:cNvPr id="11" name="Straight Connector 10">
             <a:extLst>
               <a:ext uri="{FF2B5EF4-FFF2-40B4-BE49-F238E27FC236}">
-                <a16:creationId xmlns="" xmlns:a16="http://schemas.microsoft.com/office/drawing/2014/main" id="{5A563457-1EC8-4978-BCCB-AFD88C9ED04C}"/>
+                <a16:creationId xmlns:a16="http://schemas.microsoft.com/office/drawing/2014/main" id="{5A563457-1EC8-4978-BCCB-AFD88C9ED04C}"/>
               </a:ext>
               <a:ext uri="{C183D7F6-B498-43B3-948B-1728B52AA6E4}">
-                <adec:decorative xmlns="" xmlns:adec="http://schemas.microsoft.com/office/drawing/2017/decorative" val="1"/>
+                <adec:decorative xmlns:adec="http://schemas.microsoft.com/office/drawing/2017/decorative" val="1"/>
               </a:ext>
             </a:extLst>
           </p:cNvPr>
@@ -14134,10 +13953,10 @@
           <p:cNvPr id="13" name="Rectangle 12">
             <a:extLst>
               <a:ext uri="{FF2B5EF4-FFF2-40B4-BE49-F238E27FC236}">
-                <a16:creationId xmlns="" xmlns:a16="http://schemas.microsoft.com/office/drawing/2014/main" id="{A7CD04AE-9A8B-4DED-855D-F51B510D0B69}"/>
+                <a16:creationId xmlns:a16="http://schemas.microsoft.com/office/drawing/2014/main" id="{A7CD04AE-9A8B-4DED-855D-F51B510D0B69}"/>
               </a:ext>
               <a:ext uri="{C183D7F6-B498-43B3-948B-1728B52AA6E4}">
-                <adec:decorative xmlns="" xmlns:adec="http://schemas.microsoft.com/office/drawing/2017/decorative" val="1"/>
+                <adec:decorative xmlns:adec="http://schemas.microsoft.com/office/drawing/2017/decorative" val="1"/>
               </a:ext>
             </a:extLst>
           </p:cNvPr>
@@ -14189,7 +14008,7 @@
           <p:cNvPr id="6" name="Text Placeholder 5">
             <a:extLst>
               <a:ext uri="{FF2B5EF4-FFF2-40B4-BE49-F238E27FC236}">
-                <a16:creationId xmlns="" xmlns:a16="http://schemas.microsoft.com/office/drawing/2014/main" id="{B237D1CA-B91A-410E-A968-D017BBE99F99}"/>
+                <a16:creationId xmlns:a16="http://schemas.microsoft.com/office/drawing/2014/main" id="{B237D1CA-B91A-410E-A968-D017BBE99F99}"/>
               </a:ext>
             </a:extLst>
           </p:cNvPr>
@@ -14211,7 +14030,7 @@
           <a:lstStyle/>
           <a:p>
             <a:r>
-              <a:rPr lang="ko-KR" altLang="en-US" dirty="0" smtClean="0"/>
+              <a:rPr lang="ko-KR" altLang="en-US" dirty="0"/>
               <a:t>사용 기술</a:t>
             </a:r>
             <a:endParaRPr lang="en-US" dirty="0"/>
@@ -14223,7 +14042,7 @@
           <p:cNvPr id="7" name="Text Placeholder 6">
             <a:extLst>
               <a:ext uri="{FF2B5EF4-FFF2-40B4-BE49-F238E27FC236}">
-                <a16:creationId xmlns="" xmlns:a16="http://schemas.microsoft.com/office/drawing/2014/main" id="{26A87885-D672-4CF9-A78D-CFE98385B03A}"/>
+                <a16:creationId xmlns:a16="http://schemas.microsoft.com/office/drawing/2014/main" id="{26A87885-D672-4CF9-A78D-CFE98385B03A}"/>
               </a:ext>
             </a:extLst>
           </p:cNvPr>
@@ -14245,55 +14064,55 @@
           <a:lstStyle/>
           <a:p>
             <a:r>
-              <a:rPr lang="ko-KR" altLang="en-US" dirty="0" smtClean="0"/>
+              <a:rPr lang="ko-KR" altLang="en-US" dirty="0"/>
               <a:t>웹 </a:t>
             </a:r>
             <a:r>
-              <a:rPr lang="en-US" altLang="ko-KR" dirty="0" smtClean="0"/>
+              <a:rPr lang="en-US" altLang="ko-KR" dirty="0"/>
               <a:t>UI &amp; UX</a:t>
             </a:r>
-            <a:endParaRPr lang="en-US" dirty="0" smtClean="0"/>
+            <a:endParaRPr lang="en-US" dirty="0"/>
           </a:p>
           <a:p>
             <a:pPr lvl="1"/>
             <a:r>
-              <a:rPr lang="en-US" dirty="0" smtClean="0"/>
+              <a:rPr lang="en-US" dirty="0"/>
               <a:t>HTML, CSS, </a:t>
             </a:r>
             <a:r>
-              <a:rPr lang="en-US" dirty="0" err="1" smtClean="0"/>
+              <a:rPr lang="en-US" dirty="0" err="1"/>
               <a:t>Javascript</a:t>
             </a:r>
-            <a:endParaRPr lang="en-US" dirty="0" smtClean="0"/>
+            <a:endParaRPr lang="en-US" dirty="0"/>
           </a:p>
           <a:p>
             <a:pPr lvl="1"/>
             <a:r>
-              <a:rPr lang="en-US" altLang="ko-KR" dirty="0" smtClean="0"/>
+              <a:rPr lang="en-US" altLang="ko-KR" dirty="0"/>
               <a:t>Third party library(</a:t>
             </a:r>
             <a:r>
-              <a:rPr lang="en-US" altLang="ko-KR" dirty="0" err="1" smtClean="0"/>
+              <a:rPr lang="en-US" altLang="ko-KR" dirty="0" err="1"/>
               <a:t>Toastr</a:t>
             </a:r>
             <a:r>
-              <a:rPr lang="en-US" altLang="ko-KR" dirty="0" smtClean="0"/>
+              <a:rPr lang="en-US" altLang="ko-KR" dirty="0"/>
               <a:t>, </a:t>
             </a:r>
             <a:r>
-              <a:rPr lang="en-US" altLang="ko-KR" dirty="0" err="1" smtClean="0"/>
+              <a:rPr lang="en-US" altLang="ko-KR" dirty="0" err="1"/>
               <a:t>Jquery</a:t>
             </a:r>
             <a:r>
-              <a:rPr lang="en-US" altLang="ko-KR" dirty="0" smtClean="0"/>
+              <a:rPr lang="en-US" altLang="ko-KR" dirty="0"/>
               <a:t>, </a:t>
             </a:r>
             <a:r>
-              <a:rPr lang="en-US" altLang="ko-KR" dirty="0" err="1" smtClean="0"/>
+              <a:rPr lang="en-US" altLang="ko-KR" dirty="0" err="1"/>
               <a:t>SweetAlert</a:t>
             </a:r>
             <a:r>
-              <a:rPr lang="en-US" altLang="ko-KR" dirty="0" smtClean="0"/>
+              <a:rPr lang="en-US" altLang="ko-KR" dirty="0"/>
               <a:t>,</a:t>
             </a:r>
           </a:p>
@@ -14302,7 +14121,7 @@
               <a:buNone/>
             </a:pPr>
             <a:r>
-              <a:rPr lang="en-US" altLang="ko-KR" dirty="0" smtClean="0"/>
+              <a:rPr lang="en-US" altLang="ko-KR" dirty="0"/>
               <a:t>Juso.go.kr API)</a:t>
             </a:r>
           </a:p>
@@ -14314,19 +14133,19 @@
           </a:p>
           <a:p>
             <a:r>
-              <a:rPr lang="ko-KR" altLang="en-US" dirty="0" smtClean="0"/>
+              <a:rPr lang="ko-KR" altLang="en-US" dirty="0"/>
               <a:t>서비스 </a:t>
             </a:r>
             <a:r>
-              <a:rPr lang="ko-KR" altLang="en-US" dirty="0" err="1" smtClean="0"/>
+              <a:rPr lang="ko-KR" altLang="en-US" dirty="0" err="1"/>
               <a:t>로직</a:t>
             </a:r>
             <a:r>
-              <a:rPr lang="en-US" altLang="ko-KR" dirty="0" smtClean="0"/>
+              <a:rPr lang="en-US" altLang="ko-KR" dirty="0"/>
               <a:t> </a:t>
             </a:r>
             <a:r>
-              <a:rPr lang="ko-KR" altLang="en-US" dirty="0" smtClean="0"/>
+              <a:rPr lang="ko-KR" altLang="en-US" dirty="0"/>
               <a:t>및 데이터베이스</a:t>
             </a:r>
             <a:endParaRPr lang="en-US" altLang="ko-KR" dirty="0"/>
@@ -14334,66 +14153,66 @@
           <a:p>
             <a:pPr lvl="1"/>
             <a:r>
-              <a:rPr lang="en-US" altLang="ko-KR" dirty="0" smtClean="0"/>
+              <a:rPr lang="en-US" altLang="ko-KR" dirty="0"/>
               <a:t>HTML, CSS, </a:t>
             </a:r>
             <a:r>
-              <a:rPr lang="en-US" altLang="ko-KR" dirty="0" err="1" smtClean="0"/>
+              <a:rPr lang="en-US" altLang="ko-KR" dirty="0" err="1"/>
               <a:t>Javascript</a:t>
             </a:r>
-            <a:endParaRPr lang="en-US" altLang="ko-KR" dirty="0" smtClean="0"/>
+            <a:endParaRPr lang="en-US" altLang="ko-KR" dirty="0"/>
           </a:p>
           <a:p>
             <a:pPr lvl="1"/>
             <a:r>
-              <a:rPr lang="en-US" altLang="ko-KR" dirty="0" smtClean="0"/>
+              <a:rPr lang="en-US" altLang="ko-KR" dirty="0"/>
               <a:t>Third party library(</a:t>
             </a:r>
             <a:r>
-              <a:rPr lang="en-US" altLang="ko-KR" dirty="0" err="1" smtClean="0"/>
+              <a:rPr lang="en-US" altLang="ko-KR" dirty="0" err="1"/>
               <a:t>Toastr</a:t>
             </a:r>
             <a:r>
-              <a:rPr lang="en-US" altLang="ko-KR" dirty="0" smtClean="0"/>
+              <a:rPr lang="en-US" altLang="ko-KR" dirty="0"/>
               <a:t>, </a:t>
             </a:r>
             <a:r>
-              <a:rPr lang="en-US" altLang="ko-KR" dirty="0" err="1" smtClean="0"/>
+              <a:rPr lang="en-US" altLang="ko-KR" dirty="0" err="1"/>
               <a:t>Jquery</a:t>
             </a:r>
             <a:r>
-              <a:rPr lang="en-US" altLang="ko-KR" dirty="0" smtClean="0"/>
+              <a:rPr lang="en-US" altLang="ko-KR" dirty="0"/>
               <a:t>, </a:t>
             </a:r>
             <a:r>
-              <a:rPr lang="en-US" altLang="ko-KR" dirty="0" err="1" smtClean="0"/>
+              <a:rPr lang="en-US" altLang="ko-KR" dirty="0" err="1"/>
               <a:t>SweetAlert</a:t>
             </a:r>
             <a:r>
-              <a:rPr lang="en-US" altLang="ko-KR" dirty="0" smtClean="0"/>
+              <a:rPr lang="en-US" altLang="ko-KR" dirty="0"/>
               <a:t>)</a:t>
             </a:r>
           </a:p>
           <a:p>
             <a:pPr lvl="1"/>
             <a:r>
-              <a:rPr lang="en-US" altLang="ko-KR" dirty="0" smtClean="0"/>
+              <a:rPr lang="en-US" altLang="ko-KR" dirty="0"/>
               <a:t>Controller(Java Servlet), View template(JSP), </a:t>
             </a:r>
             <a:r>
-              <a:rPr lang="en-US" altLang="ko-KR" dirty="0" err="1" smtClean="0"/>
+              <a:rPr lang="en-US" altLang="ko-KR" dirty="0" err="1"/>
               <a:t>Service&amp;Model</a:t>
             </a:r>
             <a:r>
-              <a:rPr lang="en-US" altLang="ko-KR" dirty="0" smtClean="0"/>
+              <a:rPr lang="en-US" altLang="ko-KR" dirty="0"/>
               <a:t>(</a:t>
             </a:r>
             <a:r>
-              <a:rPr lang="en-US" altLang="ko-KR" dirty="0" err="1" smtClean="0"/>
+              <a:rPr lang="en-US" altLang="ko-KR" dirty="0" err="1"/>
               <a:t>jdbc</a:t>
             </a:r>
             <a:r>
-              <a:rPr lang="en-US" altLang="ko-KR" dirty="0" smtClean="0"/>
+              <a:rPr lang="en-US" altLang="ko-KR" dirty="0"/>
               <a:t>, JAVA), Database(Oracle DB)</a:t>
             </a:r>
           </a:p>
@@ -14411,7 +14230,7 @@
             <a:pPr marL="266700" lvl="1" indent="0">
               <a:buNone/>
             </a:pPr>
-            <a:endParaRPr lang="en-US" dirty="0" smtClean="0"/>
+            <a:endParaRPr lang="en-US" dirty="0"/>
           </a:p>
         </p:txBody>
       </p:sp>
@@ -14420,7 +14239,7 @@
           <p:cNvPr id="8" name="Slide Number Placeholder 7">
             <a:extLst>
               <a:ext uri="{FF2B5EF4-FFF2-40B4-BE49-F238E27FC236}">
-                <a16:creationId xmlns="" xmlns:a16="http://schemas.microsoft.com/office/drawing/2014/main" id="{E6AC9832-FB01-464A-9824-61887B77997E}"/>
+                <a16:creationId xmlns:a16="http://schemas.microsoft.com/office/drawing/2014/main" id="{E6AC9832-FB01-464A-9824-61887B77997E}"/>
               </a:ext>
             </a:extLst>
           </p:cNvPr>
@@ -14461,10 +14280,10 @@
           <p:cNvPr id="14" name="Rectangle 19">
             <a:extLst>
               <a:ext uri="{FF2B5EF4-FFF2-40B4-BE49-F238E27FC236}">
-                <a16:creationId xmlns="" xmlns:a16="http://schemas.microsoft.com/office/drawing/2014/main" id="{EFA08948-2B6F-46B1-9D2D-8D7B2B3FBD56}"/>
+                <a16:creationId xmlns:a16="http://schemas.microsoft.com/office/drawing/2014/main" id="{EFA08948-2B6F-46B1-9D2D-8D7B2B3FBD56}"/>
               </a:ext>
               <a:ext uri="{C183D7F6-B498-43B3-948B-1728B52AA6E4}">
-                <adec:decorative xmlns="" xmlns:adec="http://schemas.microsoft.com/office/drawing/2017/decorative" val="1"/>
+                <adec:decorative xmlns:adec="http://schemas.microsoft.com/office/drawing/2017/decorative" val="1"/>
               </a:ext>
             </a:extLst>
           </p:cNvPr>
@@ -14521,13 +14340,6 @@
   <p:clrMapOvr>
     <a:masterClrMapping/>
   </p:clrMapOvr>
-  <p:timing>
-    <p:tnLst>
-      <p:par>
-        <p:cTn id="1" dur="indefinite" restart="never" nodeType="tmRoot"/>
-      </p:par>
-    </p:tnLst>
-  </p:timing>
 </p:sld>
 </file>
 
@@ -14553,7 +14365,7 @@
           <p:cNvPr id="2" name="Title 1">
             <a:extLst>
               <a:ext uri="{FF2B5EF4-FFF2-40B4-BE49-F238E27FC236}">
-                <a16:creationId xmlns="" xmlns:a16="http://schemas.microsoft.com/office/drawing/2014/main" id="{19304E83-A4F0-49C5-BB01-F5773509A2B3}"/>
+                <a16:creationId xmlns:a16="http://schemas.microsoft.com/office/drawing/2014/main" id="{19304E83-A4F0-49C5-BB01-F5773509A2B3}"/>
               </a:ext>
             </a:extLst>
           </p:cNvPr>
@@ -14575,7 +14387,7 @@
           <a:lstStyle/>
           <a:p>
             <a:r>
-              <a:rPr lang="ko-KR" altLang="en-US" dirty="0" smtClean="0"/>
+              <a:rPr lang="ko-KR" altLang="en-US" dirty="0"/>
               <a:t>회원가입</a:t>
             </a:r>
             <a:endParaRPr lang="en-US" dirty="0"/>
@@ -14587,7 +14399,7 @@
           <p:cNvPr id="8" name="Slide Number Placeholder 7">
             <a:extLst>
               <a:ext uri="{FF2B5EF4-FFF2-40B4-BE49-F238E27FC236}">
-                <a16:creationId xmlns="" xmlns:a16="http://schemas.microsoft.com/office/drawing/2014/main" id="{E6AC9832-FB01-464A-9824-61887B77997E}"/>
+                <a16:creationId xmlns:a16="http://schemas.microsoft.com/office/drawing/2014/main" id="{E6AC9832-FB01-464A-9824-61887B77997E}"/>
               </a:ext>
             </a:extLst>
           </p:cNvPr>
@@ -14628,10 +14440,10 @@
           <p:cNvPr id="14" name="Rectangle 19">
             <a:extLst>
               <a:ext uri="{FF2B5EF4-FFF2-40B4-BE49-F238E27FC236}">
-                <a16:creationId xmlns="" xmlns:a16="http://schemas.microsoft.com/office/drawing/2014/main" id="{EFA08948-2B6F-46B1-9D2D-8D7B2B3FBD56}"/>
+                <a16:creationId xmlns:a16="http://schemas.microsoft.com/office/drawing/2014/main" id="{EFA08948-2B6F-46B1-9D2D-8D7B2B3FBD56}"/>
               </a:ext>
               <a:ext uri="{C183D7F6-B498-43B3-948B-1728B52AA6E4}">
-                <adec:decorative xmlns="" xmlns:adec="http://schemas.microsoft.com/office/drawing/2017/decorative" val="1"/>
+                <adec:decorative xmlns:adec="http://schemas.microsoft.com/office/drawing/2017/decorative" val="1"/>
               </a:ext>
             </a:extLst>
           </p:cNvPr>
@@ -14718,10 +14530,10 @@
           <p:cNvPr id="6" name="Rectangle 12">
             <a:extLst>
               <a:ext uri="{FF2B5EF4-FFF2-40B4-BE49-F238E27FC236}">
-                <a16:creationId xmlns="" xmlns:a16="http://schemas.microsoft.com/office/drawing/2014/main" id="{A7CD04AE-9A8B-4DED-855D-F51B510D0B69}"/>
+                <a16:creationId xmlns:a16="http://schemas.microsoft.com/office/drawing/2014/main" id="{A7CD04AE-9A8B-4DED-855D-F51B510D0B69}"/>
               </a:ext>
               <a:ext uri="{C183D7F6-B498-43B3-948B-1728B52AA6E4}">
-                <adec:decorative xmlns="" xmlns:adec="http://schemas.microsoft.com/office/drawing/2017/decorative" val="1"/>
+                <adec:decorative xmlns:adec="http://schemas.microsoft.com/office/drawing/2017/decorative" val="1"/>
               </a:ext>
             </a:extLst>
           </p:cNvPr>
@@ -14773,7 +14585,7 @@
           <p:cNvPr id="7" name="Text Placeholder 5">
             <a:extLst>
               <a:ext uri="{FF2B5EF4-FFF2-40B4-BE49-F238E27FC236}">
-                <a16:creationId xmlns="" xmlns:a16="http://schemas.microsoft.com/office/drawing/2014/main" id="{B237D1CA-B91A-410E-A968-D017BBE99F99}"/>
+                <a16:creationId xmlns:a16="http://schemas.microsoft.com/office/drawing/2014/main" id="{B237D1CA-B91A-410E-A968-D017BBE99F99}"/>
               </a:ext>
             </a:extLst>
           </p:cNvPr>
@@ -14795,7 +14607,7 @@
           <a:lstStyle/>
           <a:p>
             <a:r>
-              <a:rPr lang="ko-KR" altLang="en-US" dirty="0" smtClean="0"/>
+              <a:rPr lang="ko-KR" altLang="en-US" dirty="0"/>
               <a:t>구현 내용</a:t>
             </a:r>
             <a:endParaRPr lang="en-US" dirty="0"/>
@@ -14807,7 +14619,7 @@
           <p:cNvPr id="9" name="Text Placeholder 6">
             <a:extLst>
               <a:ext uri="{FF2B5EF4-FFF2-40B4-BE49-F238E27FC236}">
-                <a16:creationId xmlns="" xmlns:a16="http://schemas.microsoft.com/office/drawing/2014/main" id="{26A87885-D672-4CF9-A78D-CFE98385B03A}"/>
+                <a16:creationId xmlns:a16="http://schemas.microsoft.com/office/drawing/2014/main" id="{26A87885-D672-4CF9-A78D-CFE98385B03A}"/>
               </a:ext>
             </a:extLst>
           </p:cNvPr>
@@ -14829,118 +14641,114 @@
           <a:lstStyle/>
           <a:p>
             <a:r>
-              <a:rPr lang="ko-KR" altLang="en-US" dirty="0" smtClean="0"/>
+              <a:rPr lang="ko-KR" altLang="en-US" dirty="0"/>
               <a:t>아이디 중복 확인</a:t>
             </a:r>
-            <a:endParaRPr lang="en-US" dirty="0" smtClean="0"/>
+            <a:endParaRPr lang="en-US" dirty="0"/>
           </a:p>
           <a:p>
             <a:pPr lvl="1"/>
             <a:r>
-              <a:rPr lang="ko-KR" altLang="en-US" dirty="0" smtClean="0"/>
+              <a:rPr lang="ko-KR" altLang="en-US" dirty="0"/>
               <a:t>아이디 </a:t>
             </a:r>
             <a:r>
-              <a:rPr lang="ko-KR" altLang="en-US" dirty="0" err="1" smtClean="0"/>
+              <a:rPr lang="ko-KR" altLang="en-US" dirty="0" err="1"/>
               <a:t>입력창</a:t>
             </a:r>
             <a:r>
-              <a:rPr lang="ko-KR" altLang="en-US" dirty="0" smtClean="0"/>
+              <a:rPr lang="ko-KR" altLang="en-US" dirty="0"/>
               <a:t> </a:t>
             </a:r>
             <a:r>
-              <a:rPr lang="en-US" altLang="ko-KR" dirty="0" err="1" smtClean="0"/>
+              <a:rPr lang="en-US" altLang="ko-KR" dirty="0" err="1"/>
               <a:t>FocusOut</a:t>
             </a:r>
             <a:r>
-              <a:rPr lang="en-US" altLang="ko-KR" dirty="0" smtClean="0"/>
+              <a:rPr lang="en-US" altLang="ko-KR" dirty="0"/>
               <a:t> </a:t>
             </a:r>
             <a:r>
-              <a:rPr lang="ko-KR" altLang="en-US" dirty="0" smtClean="0"/>
+              <a:rPr lang="ko-KR" altLang="en-US" dirty="0"/>
               <a:t>시 </a:t>
             </a:r>
             <a:r>
-              <a:rPr lang="en-US" altLang="ko-KR" dirty="0" smtClean="0"/>
+              <a:rPr lang="en-US" altLang="ko-KR" dirty="0"/>
               <a:t>AJAX</a:t>
             </a:r>
             <a:r>
-              <a:rPr lang="ko-KR" altLang="en-US" dirty="0" smtClean="0"/>
-              <a:t>를 통하여 데이터베이스에 접근하여 </a:t>
-            </a:r>
-            <a:r>
-              <a:rPr lang="ko-KR" altLang="en-US" dirty="0" smtClean="0"/>
-              <a:t>사용 가능한 아이디인지</a:t>
-            </a:r>
-            <a:r>
-              <a:rPr lang="en-US" altLang="ko-KR" dirty="0" smtClean="0"/>
+              <a:rPr lang="ko-KR" altLang="en-US" dirty="0"/>
+              <a:t>를 통하여 데이터베이스에 접근하여 사용 가능한 아이디인지</a:t>
+            </a:r>
+            <a:r>
+              <a:rPr lang="en-US" altLang="ko-KR" dirty="0"/>
               <a:t>, </a:t>
             </a:r>
             <a:r>
-              <a:rPr lang="ko-KR" altLang="en-US" dirty="0" smtClean="0"/>
+              <a:rPr lang="ko-KR" altLang="en-US" dirty="0"/>
               <a:t>이미 등록된 아이디인지 알림</a:t>
             </a:r>
             <a:r>
-              <a:rPr lang="en-US" altLang="ko-KR" dirty="0" smtClean="0"/>
+              <a:rPr lang="en-US" altLang="ko-KR" dirty="0"/>
               <a:t>.</a:t>
             </a:r>
             <a:endParaRPr lang="en-US" dirty="0"/>
           </a:p>
           <a:p>
             <a:r>
-              <a:rPr lang="ko-KR" altLang="en-US" dirty="0" smtClean="0"/>
+              <a:rPr lang="ko-KR" altLang="en-US" dirty="0"/>
               <a:t>비밀번호</a:t>
             </a:r>
             <a:r>
-              <a:rPr lang="en-US" altLang="ko-KR" dirty="0" smtClean="0"/>
+              <a:rPr lang="en-US" altLang="ko-KR" dirty="0"/>
               <a:t>, </a:t>
             </a:r>
             <a:r>
-              <a:rPr lang="ko-KR" altLang="en-US" dirty="0" err="1" smtClean="0"/>
+              <a:rPr lang="ko-KR" altLang="en-US" dirty="0" err="1"/>
               <a:t>이메일</a:t>
             </a:r>
             <a:r>
-              <a:rPr lang="en-US" altLang="ko-KR" dirty="0" smtClean="0"/>
+              <a:rPr lang="en-US" altLang="ko-KR" dirty="0"/>
               <a:t>, </a:t>
             </a:r>
             <a:r>
-              <a:rPr lang="ko-KR" altLang="en-US" dirty="0" smtClean="0"/>
+              <a:rPr lang="ko-KR" altLang="en-US" dirty="0"/>
               <a:t>전화번호 형식 검증</a:t>
             </a:r>
-            <a:endParaRPr lang="en-US" altLang="ko-KR" dirty="0" smtClean="0"/>
+            <a:endParaRPr lang="en-US" altLang="ko-KR" dirty="0"/>
           </a:p>
           <a:p>
             <a:pPr lvl="1"/>
             <a:r>
-              <a:rPr lang="ko-KR" altLang="en-US" dirty="0" smtClean="0"/>
+              <a:rPr lang="ko-KR" altLang="en-US" dirty="0"/>
               <a:t>정규 </a:t>
             </a:r>
             <a:r>
-              <a:rPr lang="ko-KR" altLang="en-US" dirty="0" err="1" smtClean="0"/>
+              <a:rPr lang="ko-KR" altLang="en-US" dirty="0" err="1"/>
               <a:t>표현식</a:t>
             </a:r>
             <a:r>
-              <a:rPr lang="ko-KR" altLang="en-US" dirty="0" smtClean="0"/>
+              <a:rPr lang="ko-KR" altLang="en-US" dirty="0"/>
               <a:t> 및 자바스크립트를 통하여 비밀번호</a:t>
             </a:r>
             <a:r>
-              <a:rPr lang="en-US" altLang="ko-KR" dirty="0" smtClean="0"/>
+              <a:rPr lang="en-US" altLang="ko-KR" dirty="0"/>
               <a:t>, </a:t>
             </a:r>
             <a:r>
-              <a:rPr lang="ko-KR" altLang="en-US" dirty="0" err="1" smtClean="0"/>
+              <a:rPr lang="ko-KR" altLang="en-US" dirty="0" err="1"/>
               <a:t>이메일</a:t>
             </a:r>
             <a:r>
-              <a:rPr lang="en-US" altLang="ko-KR" dirty="0" smtClean="0"/>
+              <a:rPr lang="en-US" altLang="ko-KR" dirty="0"/>
               <a:t>, </a:t>
             </a:r>
             <a:r>
-              <a:rPr lang="ko-KR" altLang="en-US" dirty="0" smtClean="0"/>
+              <a:rPr lang="ko-KR" altLang="en-US" dirty="0"/>
               <a:t>전화번호가 올바른 형식인지 검증</a:t>
             </a:r>
             <a:r>
-              <a:rPr lang="en-US" altLang="ko-KR" dirty="0" smtClean="0"/>
+              <a:rPr lang="en-US" altLang="ko-KR" dirty="0"/>
               <a:t>.</a:t>
             </a:r>
           </a:p>
@@ -14950,46 +14758,42 @@
           </a:p>
           <a:p>
             <a:r>
-              <a:rPr lang="en-US" altLang="ko-KR" dirty="0" smtClean="0"/>
+              <a:rPr lang="en-US" altLang="ko-KR" dirty="0"/>
               <a:t>Juso.go.kr API</a:t>
             </a:r>
             <a:r>
               <a:rPr lang="ko-KR" altLang="en-US" dirty="0"/>
-              <a:t> </a:t>
-            </a:r>
-            <a:r>
-              <a:rPr lang="ko-KR" altLang="en-US" dirty="0" smtClean="0"/>
-              <a:t>사용한 주소 정보 입력</a:t>
-            </a:r>
-            <a:endParaRPr lang="en-US" altLang="ko-KR" dirty="0" smtClean="0"/>
+              <a:t> 사용한 주소 정보 입력</a:t>
+            </a:r>
+            <a:endParaRPr lang="en-US" altLang="ko-KR" dirty="0"/>
           </a:p>
           <a:p>
             <a:pPr lvl="1"/>
             <a:r>
-              <a:rPr lang="en-US" altLang="ko-KR" dirty="0" smtClean="0"/>
+              <a:rPr lang="en-US" altLang="ko-KR" dirty="0"/>
               <a:t>Juso.go.kr</a:t>
             </a:r>
             <a:r>
-              <a:rPr lang="ko-KR" altLang="en-US" dirty="0" smtClean="0"/>
+              <a:rPr lang="ko-KR" altLang="en-US" dirty="0"/>
               <a:t>의 </a:t>
             </a:r>
             <a:r>
-              <a:rPr lang="en-US" altLang="ko-KR" dirty="0" err="1" smtClean="0"/>
+              <a:rPr lang="en-US" altLang="ko-KR" dirty="0" err="1"/>
               <a:t>api</a:t>
             </a:r>
             <a:r>
-              <a:rPr lang="ko-KR" altLang="en-US" dirty="0" err="1" smtClean="0"/>
+              <a:rPr lang="ko-KR" altLang="en-US" dirty="0" err="1"/>
               <a:t>를</a:t>
             </a:r>
             <a:r>
-              <a:rPr lang="ko-KR" altLang="en-US" dirty="0" smtClean="0"/>
+              <a:rPr lang="ko-KR" altLang="en-US" dirty="0"/>
               <a:t> 사용하여 실제 주소 정보 받아서 입력</a:t>
             </a:r>
-            <a:endParaRPr lang="en-US" altLang="ko-KR" dirty="0" smtClean="0"/>
-          </a:p>
-          <a:p>
-            <a:r>
-              <a:rPr lang="ko-KR" altLang="en-US" dirty="0" smtClean="0"/>
+            <a:endParaRPr lang="en-US" altLang="ko-KR" dirty="0"/>
+          </a:p>
+          <a:p>
+            <a:r>
+              <a:rPr lang="ko-KR" altLang="en-US" dirty="0"/>
               <a:t>회원정보 등록</a:t>
             </a:r>
             <a:endParaRPr lang="en-US" altLang="ko-KR" dirty="0"/>
@@ -15010,37 +14814,9 @@
             </a:r>
             <a:r>
               <a:rPr lang="ko-KR" altLang="en-US" dirty="0"/>
-              <a:t>를 </a:t>
-            </a:r>
-            <a:r>
-              <a:rPr lang="ko-KR" altLang="en-US" dirty="0" smtClean="0"/>
-              <a:t>통해 회원정보 등록</a:t>
+              <a:t>를 통해 회원정보 등록</a:t>
             </a:r>
             <a:endParaRPr lang="en-US" altLang="ko-KR" dirty="0"/>
-          </a:p>
-          <a:p>
-            <a:pPr marL="266700" lvl="1" indent="0">
-              <a:buNone/>
-            </a:pPr>
-            <a:endParaRPr lang="en-US" altLang="ko-KR" dirty="0" smtClean="0"/>
-          </a:p>
-          <a:p>
-            <a:pPr marL="266700" lvl="1" indent="0">
-              <a:buNone/>
-            </a:pPr>
-            <a:endParaRPr lang="en-US" altLang="ko-KR" dirty="0" smtClean="0"/>
-          </a:p>
-          <a:p>
-            <a:pPr marL="266700" lvl="1" indent="0">
-              <a:buNone/>
-            </a:pPr>
-            <a:endParaRPr lang="en-US" altLang="ko-KR" dirty="0" smtClean="0"/>
-          </a:p>
-          <a:p>
-            <a:pPr marL="266700" lvl="1" indent="0">
-              <a:buNone/>
-            </a:pPr>
-            <a:endParaRPr lang="en-US" altLang="ko-KR" dirty="0" smtClean="0"/>
           </a:p>
           <a:p>
             <a:pPr marL="266700" lvl="1" indent="0">
@@ -15049,14 +14825,38 @@
             <a:endParaRPr lang="en-US" altLang="ko-KR" dirty="0"/>
           </a:p>
           <a:p>
-            <a:pPr lvl="1"/>
-            <a:endParaRPr lang="en-US" altLang="ko-KR" dirty="0"/>
-          </a:p>
-          <a:p>
             <a:pPr marL="266700" lvl="1" indent="0">
               <a:buNone/>
             </a:pPr>
-            <a:endParaRPr lang="en-US" dirty="0" smtClean="0"/>
+            <a:endParaRPr lang="en-US" altLang="ko-KR" dirty="0"/>
+          </a:p>
+          <a:p>
+            <a:pPr marL="266700" lvl="1" indent="0">
+              <a:buNone/>
+            </a:pPr>
+            <a:endParaRPr lang="en-US" altLang="ko-KR" dirty="0"/>
+          </a:p>
+          <a:p>
+            <a:pPr marL="266700" lvl="1" indent="0">
+              <a:buNone/>
+            </a:pPr>
+            <a:endParaRPr lang="en-US" altLang="ko-KR" dirty="0"/>
+          </a:p>
+          <a:p>
+            <a:pPr marL="266700" lvl="1" indent="0">
+              <a:buNone/>
+            </a:pPr>
+            <a:endParaRPr lang="en-US" altLang="ko-KR" dirty="0"/>
+          </a:p>
+          <a:p>
+            <a:pPr lvl="1"/>
+            <a:endParaRPr lang="en-US" altLang="ko-KR" dirty="0"/>
+          </a:p>
+          <a:p>
+            <a:pPr marL="266700" lvl="1" indent="0">
+              <a:buNone/>
+            </a:pPr>
+            <a:endParaRPr lang="en-US" dirty="0"/>
           </a:p>
         </p:txBody>
       </p:sp>
@@ -15105,13 +14905,6 @@
   <p:clrMapOvr>
     <a:masterClrMapping/>
   </p:clrMapOvr>
-  <p:timing>
-    <p:tnLst>
-      <p:par>
-        <p:cTn id="1" dur="indefinite" restart="never" nodeType="tmRoot"/>
-      </p:par>
-    </p:tnLst>
-  </p:timing>
 </p:sld>
 </file>
 
@@ -15137,7 +14930,7 @@
           <p:cNvPr id="2" name="Title 1">
             <a:extLst>
               <a:ext uri="{FF2B5EF4-FFF2-40B4-BE49-F238E27FC236}">
-                <a16:creationId xmlns="" xmlns:a16="http://schemas.microsoft.com/office/drawing/2014/main" id="{19304E83-A4F0-49C5-BB01-F5773509A2B3}"/>
+                <a16:creationId xmlns:a16="http://schemas.microsoft.com/office/drawing/2014/main" id="{19304E83-A4F0-49C5-BB01-F5773509A2B3}"/>
               </a:ext>
             </a:extLst>
           </p:cNvPr>
@@ -15159,7 +14952,7 @@
           <a:lstStyle/>
           <a:p>
             <a:r>
-              <a:rPr lang="ko-KR" altLang="en-US" dirty="0" err="1" smtClean="0"/>
+              <a:rPr lang="ko-KR" altLang="en-US" dirty="0" err="1"/>
               <a:t>마이페이지</a:t>
             </a:r>
             <a:endParaRPr lang="en-US" dirty="0"/>
@@ -15171,7 +14964,7 @@
           <p:cNvPr id="8" name="Slide Number Placeholder 7">
             <a:extLst>
               <a:ext uri="{FF2B5EF4-FFF2-40B4-BE49-F238E27FC236}">
-                <a16:creationId xmlns="" xmlns:a16="http://schemas.microsoft.com/office/drawing/2014/main" id="{E6AC9832-FB01-464A-9824-61887B77997E}"/>
+                <a16:creationId xmlns:a16="http://schemas.microsoft.com/office/drawing/2014/main" id="{E6AC9832-FB01-464A-9824-61887B77997E}"/>
               </a:ext>
             </a:extLst>
           </p:cNvPr>
@@ -15212,10 +15005,10 @@
           <p:cNvPr id="14" name="Rectangle 19">
             <a:extLst>
               <a:ext uri="{FF2B5EF4-FFF2-40B4-BE49-F238E27FC236}">
-                <a16:creationId xmlns="" xmlns:a16="http://schemas.microsoft.com/office/drawing/2014/main" id="{EFA08948-2B6F-46B1-9D2D-8D7B2B3FBD56}"/>
+                <a16:creationId xmlns:a16="http://schemas.microsoft.com/office/drawing/2014/main" id="{EFA08948-2B6F-46B1-9D2D-8D7B2B3FBD56}"/>
               </a:ext>
               <a:ext uri="{C183D7F6-B498-43B3-948B-1728B52AA6E4}">
-                <adec:decorative xmlns="" xmlns:adec="http://schemas.microsoft.com/office/drawing/2017/decorative" val="1"/>
+                <adec:decorative xmlns:adec="http://schemas.microsoft.com/office/drawing/2017/decorative" val="1"/>
               </a:ext>
             </a:extLst>
           </p:cNvPr>
@@ -15267,10 +15060,10 @@
           <p:cNvPr id="6" name="Rectangle 12">
             <a:extLst>
               <a:ext uri="{FF2B5EF4-FFF2-40B4-BE49-F238E27FC236}">
-                <a16:creationId xmlns="" xmlns:a16="http://schemas.microsoft.com/office/drawing/2014/main" id="{A7CD04AE-9A8B-4DED-855D-F51B510D0B69}"/>
+                <a16:creationId xmlns:a16="http://schemas.microsoft.com/office/drawing/2014/main" id="{A7CD04AE-9A8B-4DED-855D-F51B510D0B69}"/>
               </a:ext>
               <a:ext uri="{C183D7F6-B498-43B3-948B-1728B52AA6E4}">
-                <adec:decorative xmlns="" xmlns:adec="http://schemas.microsoft.com/office/drawing/2017/decorative" val="1"/>
+                <adec:decorative xmlns:adec="http://schemas.microsoft.com/office/drawing/2017/decorative" val="1"/>
               </a:ext>
             </a:extLst>
           </p:cNvPr>
@@ -15322,7 +15115,7 @@
           <p:cNvPr id="7" name="Text Placeholder 5">
             <a:extLst>
               <a:ext uri="{FF2B5EF4-FFF2-40B4-BE49-F238E27FC236}">
-                <a16:creationId xmlns="" xmlns:a16="http://schemas.microsoft.com/office/drawing/2014/main" id="{B237D1CA-B91A-410E-A968-D017BBE99F99}"/>
+                <a16:creationId xmlns:a16="http://schemas.microsoft.com/office/drawing/2014/main" id="{B237D1CA-B91A-410E-A968-D017BBE99F99}"/>
               </a:ext>
             </a:extLst>
           </p:cNvPr>
@@ -15344,7 +15137,7 @@
           <a:lstStyle/>
           <a:p>
             <a:r>
-              <a:rPr lang="ko-KR" altLang="en-US" dirty="0" smtClean="0"/>
+              <a:rPr lang="ko-KR" altLang="en-US" dirty="0"/>
               <a:t>구현 내용</a:t>
             </a:r>
             <a:endParaRPr lang="en-US" dirty="0"/>
@@ -15356,7 +15149,7 @@
           <p:cNvPr id="9" name="Text Placeholder 6">
             <a:extLst>
               <a:ext uri="{FF2B5EF4-FFF2-40B4-BE49-F238E27FC236}">
-                <a16:creationId xmlns="" xmlns:a16="http://schemas.microsoft.com/office/drawing/2014/main" id="{26A87885-D672-4CF9-A78D-CFE98385B03A}"/>
+                <a16:creationId xmlns:a16="http://schemas.microsoft.com/office/drawing/2014/main" id="{26A87885-D672-4CF9-A78D-CFE98385B03A}"/>
               </a:ext>
             </a:extLst>
           </p:cNvPr>
@@ -15378,58 +15171,58 @@
           <a:lstStyle/>
           <a:p>
             <a:r>
-              <a:rPr lang="ko-KR" altLang="en-US" dirty="0" smtClean="0"/>
+              <a:rPr lang="ko-KR" altLang="en-US" dirty="0"/>
               <a:t>세션 객체를 이용하여 로그인 정보 사용</a:t>
             </a:r>
-            <a:endParaRPr lang="en-US" dirty="0" smtClean="0"/>
+            <a:endParaRPr lang="en-US" dirty="0"/>
           </a:p>
           <a:p>
             <a:pPr lvl="1"/>
             <a:r>
-              <a:rPr lang="ko-KR" altLang="en-US" dirty="0" smtClean="0"/>
+              <a:rPr lang="ko-KR" altLang="en-US" dirty="0"/>
               <a:t>세션 객체에 로그인 정보를 저장하여</a:t>
             </a:r>
             <a:r>
-              <a:rPr lang="en-US" altLang="ko-KR" dirty="0" smtClean="0"/>
+              <a:rPr lang="en-US" altLang="ko-KR" dirty="0"/>
               <a:t>, </a:t>
             </a:r>
             <a:r>
-              <a:rPr lang="ko-KR" altLang="en-US" dirty="0" smtClean="0"/>
+              <a:rPr lang="ko-KR" altLang="en-US" dirty="0"/>
               <a:t>해당하는 회원의 </a:t>
             </a:r>
             <a:r>
-              <a:rPr lang="ko-KR" altLang="en-US" dirty="0" err="1" smtClean="0"/>
+              <a:rPr lang="ko-KR" altLang="en-US" dirty="0" err="1"/>
               <a:t>마이페이지를</a:t>
             </a:r>
             <a:r>
-              <a:rPr lang="ko-KR" altLang="en-US" dirty="0" smtClean="0"/>
+              <a:rPr lang="ko-KR" altLang="en-US" dirty="0"/>
               <a:t> 표시</a:t>
             </a:r>
             <a:r>
-              <a:rPr lang="en-US" altLang="ko-KR" dirty="0" smtClean="0"/>
+              <a:rPr lang="en-US" altLang="ko-KR" dirty="0"/>
               <a:t>.</a:t>
             </a:r>
           </a:p>
           <a:p>
             <a:pPr lvl="1"/>
             <a:r>
-              <a:rPr lang="ko-KR" altLang="en-US" dirty="0" smtClean="0"/>
+              <a:rPr lang="ko-KR" altLang="en-US" dirty="0"/>
               <a:t>동일하게 로그인 정보를 사용하여 프로필 관리</a:t>
             </a:r>
             <a:r>
-              <a:rPr lang="en-US" altLang="ko-KR" dirty="0" smtClean="0"/>
+              <a:rPr lang="en-US" altLang="ko-KR" dirty="0"/>
               <a:t>(</a:t>
             </a:r>
             <a:r>
-              <a:rPr lang="ko-KR" altLang="en-US" dirty="0" smtClean="0"/>
+              <a:rPr lang="ko-KR" altLang="en-US" dirty="0"/>
               <a:t>회원정보수정</a:t>
             </a:r>
             <a:r>
-              <a:rPr lang="en-US" altLang="ko-KR" dirty="0" smtClean="0"/>
+              <a:rPr lang="en-US" altLang="ko-KR" dirty="0"/>
               <a:t>) </a:t>
             </a:r>
             <a:r>
-              <a:rPr lang="ko-KR" altLang="en-US" dirty="0" smtClean="0"/>
+              <a:rPr lang="ko-KR" altLang="en-US" dirty="0"/>
               <a:t>페이지 구현</a:t>
             </a:r>
             <a:endParaRPr lang="en-US" altLang="ko-KR" dirty="0"/>
@@ -15437,36 +15230,18 @@
           <a:p>
             <a:pPr lvl="1"/>
             <a:r>
-              <a:rPr lang="ko-KR" altLang="en-US" dirty="0" smtClean="0"/>
+              <a:rPr lang="ko-KR" altLang="en-US" dirty="0"/>
               <a:t>해당 회원의 세미나 예약리스트</a:t>
             </a:r>
             <a:r>
-              <a:rPr lang="en-US" altLang="ko-KR" dirty="0" smtClean="0"/>
+              <a:rPr lang="en-US" altLang="ko-KR" dirty="0"/>
               <a:t>, </a:t>
             </a:r>
             <a:r>
-              <a:rPr lang="ko-KR" altLang="en-US" dirty="0" smtClean="0"/>
+              <a:rPr lang="ko-KR" altLang="en-US" dirty="0"/>
               <a:t>문의사항 등의 페이지 구현</a:t>
             </a:r>
-            <a:endParaRPr lang="en-US" altLang="ko-KR" dirty="0" smtClean="0"/>
-          </a:p>
-          <a:p>
-            <a:pPr marL="266700" lvl="1" indent="0">
-              <a:buNone/>
-            </a:pPr>
-            <a:endParaRPr lang="en-US" altLang="ko-KR" dirty="0" smtClean="0"/>
-          </a:p>
-          <a:p>
-            <a:pPr marL="266700" lvl="1" indent="0">
-              <a:buNone/>
-            </a:pPr>
-            <a:endParaRPr lang="en-US" altLang="ko-KR" dirty="0" smtClean="0"/>
-          </a:p>
-          <a:p>
-            <a:pPr marL="266700" lvl="1" indent="0">
-              <a:buNone/>
-            </a:pPr>
-            <a:endParaRPr lang="en-US" altLang="ko-KR" dirty="0" smtClean="0"/>
+            <a:endParaRPr lang="en-US" altLang="ko-KR" dirty="0"/>
           </a:p>
           <a:p>
             <a:pPr marL="266700" lvl="1" indent="0">
@@ -15475,14 +15250,32 @@
             <a:endParaRPr lang="en-US" altLang="ko-KR" dirty="0"/>
           </a:p>
           <a:p>
-            <a:pPr lvl="1"/>
-            <a:endParaRPr lang="en-US" altLang="ko-KR" dirty="0"/>
-          </a:p>
-          <a:p>
             <a:pPr marL="266700" lvl="1" indent="0">
               <a:buNone/>
             </a:pPr>
-            <a:endParaRPr lang="en-US" dirty="0" smtClean="0"/>
+            <a:endParaRPr lang="en-US" altLang="ko-KR" dirty="0"/>
+          </a:p>
+          <a:p>
+            <a:pPr marL="266700" lvl="1" indent="0">
+              <a:buNone/>
+            </a:pPr>
+            <a:endParaRPr lang="en-US" altLang="ko-KR" dirty="0"/>
+          </a:p>
+          <a:p>
+            <a:pPr marL="266700" lvl="1" indent="0">
+              <a:buNone/>
+            </a:pPr>
+            <a:endParaRPr lang="en-US" altLang="ko-KR" dirty="0"/>
+          </a:p>
+          <a:p>
+            <a:pPr lvl="1"/>
+            <a:endParaRPr lang="en-US" altLang="ko-KR" dirty="0"/>
+          </a:p>
+          <a:p>
+            <a:pPr marL="266700" lvl="1" indent="0">
+              <a:buNone/>
+            </a:pPr>
+            <a:endParaRPr lang="en-US" dirty="0"/>
           </a:p>
         </p:txBody>
       </p:sp>
@@ -15531,13 +15324,6 @@
   <p:clrMapOvr>
     <a:masterClrMapping/>
   </p:clrMapOvr>
-  <p:timing>
-    <p:tnLst>
-      <p:par>
-        <p:cTn id="1" dur="indefinite" restart="never" nodeType="tmRoot"/>
-      </p:par>
-    </p:tnLst>
-  </p:timing>
 </p:sld>
 </file>
 
@@ -15563,7 +15349,7 @@
           <p:cNvPr id="2" name="Title 1">
             <a:extLst>
               <a:ext uri="{FF2B5EF4-FFF2-40B4-BE49-F238E27FC236}">
-                <a16:creationId xmlns="" xmlns:a16="http://schemas.microsoft.com/office/drawing/2014/main" id="{19304E83-A4F0-49C5-BB01-F5773509A2B3}"/>
+                <a16:creationId xmlns:a16="http://schemas.microsoft.com/office/drawing/2014/main" id="{19304E83-A4F0-49C5-BB01-F5773509A2B3}"/>
               </a:ext>
             </a:extLst>
           </p:cNvPr>
@@ -15585,19 +15371,19 @@
           <a:lstStyle/>
           <a:p>
             <a:r>
-              <a:rPr lang="ko-KR" altLang="en-US" dirty="0" err="1" smtClean="0"/>
+              <a:rPr lang="ko-KR" altLang="en-US" dirty="0" err="1"/>
               <a:t>마이페이지</a:t>
             </a:r>
             <a:r>
-              <a:rPr lang="en-US" altLang="ko-KR" dirty="0" smtClean="0"/>
+              <a:rPr lang="en-US" altLang="ko-KR" dirty="0"/>
               <a:t>(</a:t>
             </a:r>
             <a:r>
-              <a:rPr lang="ko-KR" altLang="en-US" dirty="0" smtClean="0"/>
+              <a:rPr lang="ko-KR" altLang="en-US" dirty="0"/>
               <a:t>회원정보수정</a:t>
             </a:r>
             <a:r>
-              <a:rPr lang="en-US" altLang="ko-KR" dirty="0" smtClean="0"/>
+              <a:rPr lang="en-US" altLang="ko-KR" dirty="0"/>
               <a:t>)</a:t>
             </a:r>
             <a:endParaRPr lang="en-US" dirty="0"/>
@@ -15609,7 +15395,7 @@
           <p:cNvPr id="8" name="Slide Number Placeholder 7">
             <a:extLst>
               <a:ext uri="{FF2B5EF4-FFF2-40B4-BE49-F238E27FC236}">
-                <a16:creationId xmlns="" xmlns:a16="http://schemas.microsoft.com/office/drawing/2014/main" id="{E6AC9832-FB01-464A-9824-61887B77997E}"/>
+                <a16:creationId xmlns:a16="http://schemas.microsoft.com/office/drawing/2014/main" id="{E6AC9832-FB01-464A-9824-61887B77997E}"/>
               </a:ext>
             </a:extLst>
           </p:cNvPr>
@@ -15650,10 +15436,10 @@
           <p:cNvPr id="14" name="Rectangle 19">
             <a:extLst>
               <a:ext uri="{FF2B5EF4-FFF2-40B4-BE49-F238E27FC236}">
-                <a16:creationId xmlns="" xmlns:a16="http://schemas.microsoft.com/office/drawing/2014/main" id="{EFA08948-2B6F-46B1-9D2D-8D7B2B3FBD56}"/>
+                <a16:creationId xmlns:a16="http://schemas.microsoft.com/office/drawing/2014/main" id="{EFA08948-2B6F-46B1-9D2D-8D7B2B3FBD56}"/>
               </a:ext>
               <a:ext uri="{C183D7F6-B498-43B3-948B-1728B52AA6E4}">
-                <adec:decorative xmlns="" xmlns:adec="http://schemas.microsoft.com/office/drawing/2017/decorative" val="1"/>
+                <adec:decorative xmlns:adec="http://schemas.microsoft.com/office/drawing/2017/decorative" val="1"/>
               </a:ext>
             </a:extLst>
           </p:cNvPr>
@@ -15705,10 +15491,10 @@
           <p:cNvPr id="6" name="Rectangle 12">
             <a:extLst>
               <a:ext uri="{FF2B5EF4-FFF2-40B4-BE49-F238E27FC236}">
-                <a16:creationId xmlns="" xmlns:a16="http://schemas.microsoft.com/office/drawing/2014/main" id="{A7CD04AE-9A8B-4DED-855D-F51B510D0B69}"/>
+                <a16:creationId xmlns:a16="http://schemas.microsoft.com/office/drawing/2014/main" id="{A7CD04AE-9A8B-4DED-855D-F51B510D0B69}"/>
               </a:ext>
               <a:ext uri="{C183D7F6-B498-43B3-948B-1728B52AA6E4}">
-                <adec:decorative xmlns="" xmlns:adec="http://schemas.microsoft.com/office/drawing/2017/decorative" val="1"/>
+                <adec:decorative xmlns:adec="http://schemas.microsoft.com/office/drawing/2017/decorative" val="1"/>
               </a:ext>
             </a:extLst>
           </p:cNvPr>
@@ -15760,7 +15546,7 @@
           <p:cNvPr id="7" name="Text Placeholder 5">
             <a:extLst>
               <a:ext uri="{FF2B5EF4-FFF2-40B4-BE49-F238E27FC236}">
-                <a16:creationId xmlns="" xmlns:a16="http://schemas.microsoft.com/office/drawing/2014/main" id="{B237D1CA-B91A-410E-A968-D017BBE99F99}"/>
+                <a16:creationId xmlns:a16="http://schemas.microsoft.com/office/drawing/2014/main" id="{B237D1CA-B91A-410E-A968-D017BBE99F99}"/>
               </a:ext>
             </a:extLst>
           </p:cNvPr>
@@ -15782,7 +15568,7 @@
           <a:lstStyle/>
           <a:p>
             <a:r>
-              <a:rPr lang="ko-KR" altLang="en-US" dirty="0" smtClean="0"/>
+              <a:rPr lang="ko-KR" altLang="en-US" dirty="0"/>
               <a:t>구현 내용</a:t>
             </a:r>
             <a:endParaRPr lang="en-US" dirty="0"/>
@@ -15794,7 +15580,7 @@
           <p:cNvPr id="9" name="Text Placeholder 6">
             <a:extLst>
               <a:ext uri="{FF2B5EF4-FFF2-40B4-BE49-F238E27FC236}">
-                <a16:creationId xmlns="" xmlns:a16="http://schemas.microsoft.com/office/drawing/2014/main" id="{26A87885-D672-4CF9-A78D-CFE98385B03A}"/>
+                <a16:creationId xmlns:a16="http://schemas.microsoft.com/office/drawing/2014/main" id="{26A87885-D672-4CF9-A78D-CFE98385B03A}"/>
               </a:ext>
             </a:extLst>
           </p:cNvPr>
@@ -15816,96 +15602,74 @@
           <a:lstStyle/>
           <a:p>
             <a:r>
-              <a:rPr lang="ko-KR" altLang="en-US" dirty="0" smtClean="0"/>
+              <a:rPr lang="ko-KR" altLang="en-US" dirty="0"/>
               <a:t>회원정보수정</a:t>
             </a:r>
-            <a:endParaRPr lang="en-US" altLang="ko-KR" dirty="0" smtClean="0"/>
+            <a:endParaRPr lang="en-US" altLang="ko-KR" dirty="0"/>
           </a:p>
           <a:p>
             <a:pPr lvl="1"/>
             <a:r>
-              <a:rPr lang="ko-KR" altLang="en-US" dirty="0" smtClean="0"/>
+              <a:rPr lang="ko-KR" altLang="en-US" dirty="0"/>
               <a:t>회원 정보를 </a:t>
             </a:r>
             <a:r>
-              <a:rPr lang="en-US" altLang="ko-KR" dirty="0" smtClean="0"/>
+              <a:rPr lang="en-US" altLang="ko-KR" dirty="0"/>
               <a:t>Controller </a:t>
             </a:r>
             <a:r>
-              <a:rPr lang="ko-KR" altLang="en-US" dirty="0" smtClean="0"/>
+              <a:rPr lang="ko-KR" altLang="en-US" dirty="0"/>
               <a:t>단에서 불러와 </a:t>
             </a:r>
             <a:r>
               <a:rPr lang="en-US" altLang="ko-KR" dirty="0"/>
-              <a:t> </a:t>
-            </a:r>
-            <a:r>
-              <a:rPr lang="en-US" altLang="ko-KR" dirty="0" smtClean="0"/>
-              <a:t>Request</a:t>
-            </a:r>
-            <a:r>
-              <a:rPr lang="ko-KR" altLang="en-US" dirty="0" smtClean="0"/>
+              <a:t> Request</a:t>
+            </a:r>
+            <a:r>
+              <a:rPr lang="ko-KR" altLang="en-US" dirty="0"/>
               <a:t>객체 속성에 저장하여</a:t>
             </a:r>
             <a:r>
-              <a:rPr lang="en-US" altLang="ko-KR" dirty="0" smtClean="0"/>
+              <a:rPr lang="en-US" altLang="ko-KR" dirty="0"/>
               <a:t>, JSP</a:t>
             </a:r>
             <a:r>
-              <a:rPr lang="ko-KR" altLang="en-US" dirty="0" smtClean="0"/>
+              <a:rPr lang="ko-KR" altLang="en-US" dirty="0"/>
               <a:t>페이지 내에서 </a:t>
             </a:r>
             <a:r>
-              <a:rPr lang="en-US" altLang="ko-KR" dirty="0" smtClean="0"/>
+              <a:rPr lang="en-US" altLang="ko-KR" dirty="0"/>
               <a:t>EL</a:t>
             </a:r>
             <a:r>
-              <a:rPr lang="ko-KR" altLang="en-US" dirty="0" smtClean="0"/>
+              <a:rPr lang="ko-KR" altLang="en-US" dirty="0"/>
               <a:t>태그를 통해서 표시</a:t>
             </a:r>
-            <a:endParaRPr lang="en-US" altLang="ko-KR" dirty="0" smtClean="0"/>
+            <a:endParaRPr lang="en-US" altLang="ko-KR" dirty="0"/>
           </a:p>
           <a:p>
             <a:pPr lvl="1"/>
             <a:r>
-              <a:rPr lang="ko-KR" altLang="en-US" dirty="0" smtClean="0"/>
+              <a:rPr lang="ko-KR" altLang="en-US" dirty="0"/>
               <a:t>수정버튼 클릭 시 </a:t>
             </a:r>
             <a:r>
-              <a:rPr lang="en-US" altLang="ko-KR" dirty="0" smtClean="0"/>
+              <a:rPr lang="en-US" altLang="ko-KR" dirty="0"/>
               <a:t>Controller </a:t>
             </a:r>
             <a:r>
-              <a:rPr lang="ko-KR" altLang="en-US" dirty="0" smtClean="0"/>
+              <a:rPr lang="ko-KR" altLang="en-US" dirty="0"/>
               <a:t>단에서 </a:t>
             </a:r>
             <a:r>
-              <a:rPr lang="en-US" altLang="ko-KR" dirty="0" smtClean="0"/>
+              <a:rPr lang="en-US" altLang="ko-KR" dirty="0"/>
               <a:t>DAO</a:t>
             </a:r>
             <a:r>
-              <a:rPr lang="ko-KR" altLang="en-US" dirty="0" smtClean="0"/>
+              <a:rPr lang="ko-KR" altLang="en-US" dirty="0"/>
               <a:t>를 호출하여 업데이트 실행</a:t>
             </a:r>
-            <a:endParaRPr lang="en-US" altLang="ko-KR" dirty="0" smtClean="0"/>
-          </a:p>
-          <a:p>
-            <a:pPr marL="266700" lvl="1" indent="0">
-              <a:buNone/>
-            </a:pPr>
-            <a:endParaRPr lang="en-US" altLang="ko-KR" dirty="0" smtClean="0"/>
-          </a:p>
-          <a:p>
-            <a:pPr marL="266700" lvl="1" indent="0">
-              <a:buNone/>
-            </a:pPr>
-            <a:endParaRPr lang="en-US" altLang="ko-KR" dirty="0" smtClean="0"/>
-          </a:p>
-          <a:p>
-            <a:pPr marL="266700" lvl="1" indent="0">
-              <a:buNone/>
-            </a:pPr>
-            <a:endParaRPr lang="en-US" altLang="ko-KR" dirty="0" smtClean="0"/>
+            <a:endParaRPr lang="en-US" altLang="ko-KR" dirty="0"/>
           </a:p>
           <a:p>
             <a:pPr marL="266700" lvl="1" indent="0">
@@ -15914,14 +15678,32 @@
             <a:endParaRPr lang="en-US" altLang="ko-KR" dirty="0"/>
           </a:p>
           <a:p>
-            <a:pPr lvl="1"/>
-            <a:endParaRPr lang="en-US" altLang="ko-KR" dirty="0"/>
-          </a:p>
-          <a:p>
             <a:pPr marL="266700" lvl="1" indent="0">
               <a:buNone/>
             </a:pPr>
-            <a:endParaRPr lang="en-US" dirty="0" smtClean="0"/>
+            <a:endParaRPr lang="en-US" altLang="ko-KR" dirty="0"/>
+          </a:p>
+          <a:p>
+            <a:pPr marL="266700" lvl="1" indent="0">
+              <a:buNone/>
+            </a:pPr>
+            <a:endParaRPr lang="en-US" altLang="ko-KR" dirty="0"/>
+          </a:p>
+          <a:p>
+            <a:pPr marL="266700" lvl="1" indent="0">
+              <a:buNone/>
+            </a:pPr>
+            <a:endParaRPr lang="en-US" altLang="ko-KR" dirty="0"/>
+          </a:p>
+          <a:p>
+            <a:pPr lvl="1"/>
+            <a:endParaRPr lang="en-US" altLang="ko-KR" dirty="0"/>
+          </a:p>
+          <a:p>
+            <a:pPr marL="266700" lvl="1" indent="0">
+              <a:buNone/>
+            </a:pPr>
+            <a:endParaRPr lang="en-US" dirty="0"/>
           </a:p>
         </p:txBody>
       </p:sp>
@@ -15970,13 +15752,6 @@
   <p:clrMapOvr>
     <a:masterClrMapping/>
   </p:clrMapOvr>
-  <p:timing>
-    <p:tnLst>
-      <p:par>
-        <p:cTn id="1" dur="indefinite" restart="never" nodeType="tmRoot"/>
-      </p:par>
-    </p:tnLst>
-  </p:timing>
 </p:sld>
 </file>
 
@@ -17013,20 +16788,20 @@
 </file>
 
 <file path=customXml/item2.xml><?xml version="1.0" encoding="utf-8"?>
+<p:properties xmlns:p="http://schemas.microsoft.com/office/2006/metadata/properties" xmlns:xsi="http://www.w3.org/2001/XMLSchema-instance" xmlns:pc="http://schemas.microsoft.com/office/infopath/2007/PartnerControls">
+  <documentManagement>
+    <MediaServiceKeyPoints xmlns="71af3243-3dd4-4a8d-8c0d-dd76da1f02a5" xsi:nil="true"/>
+  </documentManagement>
+</p:properties>
+</file>
+
+<file path=customXml/item3.xml><?xml version="1.0" encoding="utf-8"?>
 <?mso-contentType ?>
 <FormTemplates xmlns="http://schemas.microsoft.com/sharepoint/v3/contenttype/forms">
   <Display>DocumentLibraryForm</Display>
   <Edit>DocumentLibraryForm</Edit>
   <New>DocumentLibraryForm</New>
 </FormTemplates>
-</file>
-
-<file path=customXml/item3.xml><?xml version="1.0" encoding="utf-8"?>
-<p:properties xmlns:p="http://schemas.microsoft.com/office/2006/metadata/properties" xmlns:xsi="http://www.w3.org/2001/XMLSchema-instance" xmlns:pc="http://schemas.microsoft.com/office/infopath/2007/PartnerControls">
-  <documentManagement>
-    <MediaServiceKeyPoints xmlns="71af3243-3dd4-4a8d-8c0d-dd76da1f02a5" xsi:nil="true"/>
-  </documentManagement>
-</p:properties>
 </file>
 
 <file path=customXml/itemProps1.xml><?xml version="1.0" encoding="utf-8"?>
@@ -17049,14 +16824,6 @@
 </file>
 
 <file path=customXml/itemProps2.xml><?xml version="1.0" encoding="utf-8"?>
-<ds:datastoreItem xmlns:ds="http://schemas.openxmlformats.org/officeDocument/2006/customXml" ds:itemID="{B8E15EA0-2F38-456B-B156-038699A5D17F}">
-  <ds:schemaRefs>
-    <ds:schemaRef ds:uri="http://schemas.microsoft.com/sharepoint/v3/contenttype/forms"/>
-  </ds:schemaRefs>
-</ds:datastoreItem>
-</file>
-
-<file path=customXml/itemProps3.xml><?xml version="1.0" encoding="utf-8"?>
 <ds:datastoreItem xmlns:ds="http://schemas.openxmlformats.org/officeDocument/2006/customXml" ds:itemID="{BF90D0D0-7C1D-47FF-A2F0-9937AA567A3D}">
   <ds:schemaRefs>
     <ds:schemaRef ds:uri="http://schemas.microsoft.com/office/2006/metadata/properties"/>
@@ -17064,4 +16831,12 @@
     <ds:schemaRef ds:uri="71af3243-3dd4-4a8d-8c0d-dd76da1f02a5"/>
   </ds:schemaRefs>
 </ds:datastoreItem>
+</file>
+
+<file path=customXml/itemProps3.xml><?xml version="1.0" encoding="utf-8"?>
+<ds:datastoreItem xmlns:ds="http://schemas.openxmlformats.org/officeDocument/2006/customXml" ds:itemID="{B8E15EA0-2F38-456B-B156-038699A5D17F}">
+  <ds:schemaRefs>
+    <ds:schemaRef ds:uri="http://schemas.microsoft.com/sharepoint/v3/contenttype/forms"/>
+  </ds:schemaRefs>
+</ds:datastoreItem>
 </file>
--- a/이형준/my/E-zone.pptx
+++ b/이형준/my/E-zone.pptx
@@ -5,10 +5,10 @@
     <p:sldMasterId id="2147483648" r:id="rId4"/>
   </p:sldMasterIdLst>
   <p:notesMasterIdLst>
-    <p:notesMasterId r:id="rId20"/>
+    <p:notesMasterId r:id="rId34"/>
   </p:notesMasterIdLst>
   <p:handoutMasterIdLst>
-    <p:handoutMasterId r:id="rId21"/>
+    <p:handoutMasterId r:id="rId35"/>
   </p:handoutMasterIdLst>
   <p:sldIdLst>
     <p:sldId id="298" r:id="rId5"/>
@@ -25,7 +25,21 @@
     <p:sldId id="305" r:id="rId16"/>
     <p:sldId id="306" r:id="rId17"/>
     <p:sldId id="307" r:id="rId18"/>
-    <p:sldId id="296" r:id="rId19"/>
+    <p:sldId id="308" r:id="rId19"/>
+    <p:sldId id="309" r:id="rId20"/>
+    <p:sldId id="310" r:id="rId21"/>
+    <p:sldId id="311" r:id="rId22"/>
+    <p:sldId id="312" r:id="rId23"/>
+    <p:sldId id="313" r:id="rId24"/>
+    <p:sldId id="314" r:id="rId25"/>
+    <p:sldId id="315" r:id="rId26"/>
+    <p:sldId id="316" r:id="rId27"/>
+    <p:sldId id="317" r:id="rId28"/>
+    <p:sldId id="318" r:id="rId29"/>
+    <p:sldId id="319" r:id="rId30"/>
+    <p:sldId id="320" r:id="rId31"/>
+    <p:sldId id="321" r:id="rId32"/>
+    <p:sldId id="296" r:id="rId33"/>
   </p:sldIdLst>
   <p:sldSz cx="12192000" cy="6858000"/>
   <p:notesSz cx="6858000" cy="9144000"/>
@@ -162,7 +176,7 @@
           <p:cNvPr id="2" name="Header Placeholder 1">
             <a:extLst>
               <a:ext uri="{FF2B5EF4-FFF2-40B4-BE49-F238E27FC236}">
-                <a16:creationId xmlns:a16="http://schemas.microsoft.com/office/drawing/2014/main" id="{B76F666D-E0C2-435B-BAA8-9287F9E5D38A}"/>
+                <a16:creationId xmlns:a16="http://schemas.microsoft.com/office/drawing/2014/main" xmlns="" id="{B76F666D-E0C2-435B-BAA8-9287F9E5D38A}"/>
               </a:ext>
             </a:extLst>
           </p:cNvPr>
@@ -199,7 +213,7 @@
           <p:cNvPr id="3" name="Date Placeholder 2">
             <a:extLst>
               <a:ext uri="{FF2B5EF4-FFF2-40B4-BE49-F238E27FC236}">
-                <a16:creationId xmlns:a16="http://schemas.microsoft.com/office/drawing/2014/main" id="{19FEBCAF-CB3F-4928-91AA-D61472F880C0}"/>
+                <a16:creationId xmlns:a16="http://schemas.microsoft.com/office/drawing/2014/main" xmlns="" id="{19FEBCAF-CB3F-4928-91AA-D61472F880C0}"/>
               </a:ext>
             </a:extLst>
           </p:cNvPr>
@@ -229,7 +243,7 @@
           <a:p>
             <a:fld id="{EF1077DB-935E-4A0A-947A-D283B9F9F452}" type="datetimeFigureOut">
               <a:rPr lang="en-US" smtClean="0"/>
-              <a:t>5/10/2020</a:t>
+              <a:t>6/8/2020</a:t>
             </a:fld>
             <a:endParaRPr lang="en-US"/>
           </a:p>
@@ -240,7 +254,7 @@
           <p:cNvPr id="4" name="Footer Placeholder 3">
             <a:extLst>
               <a:ext uri="{FF2B5EF4-FFF2-40B4-BE49-F238E27FC236}">
-                <a16:creationId xmlns:a16="http://schemas.microsoft.com/office/drawing/2014/main" id="{69256698-63C6-4CCC-81CB-EA5604C30F1E}"/>
+                <a16:creationId xmlns:a16="http://schemas.microsoft.com/office/drawing/2014/main" xmlns="" id="{69256698-63C6-4CCC-81CB-EA5604C30F1E}"/>
               </a:ext>
             </a:extLst>
           </p:cNvPr>
@@ -277,7 +291,7 @@
           <p:cNvPr id="5" name="Slide Number Placeholder 4">
             <a:extLst>
               <a:ext uri="{FF2B5EF4-FFF2-40B4-BE49-F238E27FC236}">
-                <a16:creationId xmlns:a16="http://schemas.microsoft.com/office/drawing/2014/main" id="{B2467FDA-05D7-4760-A373-5D6AEAAF4278}"/>
+                <a16:creationId xmlns:a16="http://schemas.microsoft.com/office/drawing/2014/main" xmlns="" id="{B2467FDA-05D7-4760-A373-5D6AEAAF4278}"/>
               </a:ext>
             </a:extLst>
           </p:cNvPr>
@@ -406,7 +420,7 @@
           <a:p>
             <a:fld id="{2D9EC30E-1A71-4188-9BE7-E2A64929A436}" type="datetimeFigureOut">
               <a:rPr lang="en-US" noProof="0" smtClean="0"/>
-              <a:t>5/10/2020</a:t>
+              <a:t>6/8/2020</a:t>
             </a:fld>
             <a:endParaRPr lang="en-US" noProof="0"/>
           </a:p>
@@ -705,7 +719,7 @@
           <p:cNvPr id="41" name="Picture Placeholder 40">
             <a:extLst>
               <a:ext uri="{FF2B5EF4-FFF2-40B4-BE49-F238E27FC236}">
-                <a16:creationId xmlns:a16="http://schemas.microsoft.com/office/drawing/2014/main" id="{EB7F0EE8-BE52-4A79-8FC8-4A2487FA01FC}"/>
+                <a16:creationId xmlns:a16="http://schemas.microsoft.com/office/drawing/2014/main" xmlns="" id="{EB7F0EE8-BE52-4A79-8FC8-4A2487FA01FC}"/>
               </a:ext>
             </a:extLst>
           </p:cNvPr>
@@ -751,7 +765,7 @@
           <p:cNvPr id="2" name="Title 1">
             <a:extLst>
               <a:ext uri="{FF2B5EF4-FFF2-40B4-BE49-F238E27FC236}">
-                <a16:creationId xmlns:a16="http://schemas.microsoft.com/office/drawing/2014/main" id="{00F23EB7-E336-46EB-A4A0-3DB7A6BF4CE1}"/>
+                <a16:creationId xmlns:a16="http://schemas.microsoft.com/office/drawing/2014/main" xmlns="" id="{00F23EB7-E336-46EB-A4A0-3DB7A6BF4CE1}"/>
               </a:ext>
             </a:extLst>
           </p:cNvPr>
@@ -794,7 +808,7 @@
           <p:cNvPr id="3" name="Subtitle 2">
             <a:extLst>
               <a:ext uri="{FF2B5EF4-FFF2-40B4-BE49-F238E27FC236}">
-                <a16:creationId xmlns:a16="http://schemas.microsoft.com/office/drawing/2014/main" id="{C9980B88-3F4A-4688-9ED0-17EF37E62D93}"/>
+                <a16:creationId xmlns:a16="http://schemas.microsoft.com/office/drawing/2014/main" xmlns="" id="{C9980B88-3F4A-4688-9ED0-17EF37E62D93}"/>
               </a:ext>
             </a:extLst>
           </p:cNvPr>
@@ -845,7 +859,7 @@
           <p:cNvPr id="13" name="Rectangle 12">
             <a:extLst>
               <a:ext uri="{FF2B5EF4-FFF2-40B4-BE49-F238E27FC236}">
-                <a16:creationId xmlns:a16="http://schemas.microsoft.com/office/drawing/2014/main" id="{EC0FBB1B-4F0E-4365-BF27-3150FC6C3B90}"/>
+                <a16:creationId xmlns:a16="http://schemas.microsoft.com/office/drawing/2014/main" xmlns="" id="{EC0FBB1B-4F0E-4365-BF27-3150FC6C3B90}"/>
               </a:ext>
             </a:extLst>
           </p:cNvPr>
@@ -899,7 +913,7 @@
           <p:cNvPr id="14" name="Rectangle 13">
             <a:extLst>
               <a:ext uri="{FF2B5EF4-FFF2-40B4-BE49-F238E27FC236}">
-                <a16:creationId xmlns:a16="http://schemas.microsoft.com/office/drawing/2014/main" id="{7A13D8A8-6C3D-4527-959D-41C3213F7F02}"/>
+                <a16:creationId xmlns:a16="http://schemas.microsoft.com/office/drawing/2014/main" xmlns="" id="{7A13D8A8-6C3D-4527-959D-41C3213F7F02}"/>
               </a:ext>
             </a:extLst>
           </p:cNvPr>
@@ -951,7 +965,7 @@
           <p:cNvPr id="15" name="Rectangle 14">
             <a:extLst>
               <a:ext uri="{FF2B5EF4-FFF2-40B4-BE49-F238E27FC236}">
-                <a16:creationId xmlns:a16="http://schemas.microsoft.com/office/drawing/2014/main" id="{9504A767-1C0B-484E-BF7D-CD42D30A52EE}"/>
+                <a16:creationId xmlns:a16="http://schemas.microsoft.com/office/drawing/2014/main" xmlns="" id="{9504A767-1C0B-484E-BF7D-CD42D30A52EE}"/>
               </a:ext>
             </a:extLst>
           </p:cNvPr>
@@ -1033,7 +1047,7 @@
           <p:cNvPr id="2" name="Title 1">
             <a:extLst>
               <a:ext uri="{FF2B5EF4-FFF2-40B4-BE49-F238E27FC236}">
-                <a16:creationId xmlns:a16="http://schemas.microsoft.com/office/drawing/2014/main" id="{40EE479C-D1F6-4BAC-80D2-90EF74E3261A}"/>
+                <a16:creationId xmlns:a16="http://schemas.microsoft.com/office/drawing/2014/main" xmlns="" id="{40EE479C-D1F6-4BAC-80D2-90EF74E3261A}"/>
               </a:ext>
             </a:extLst>
           </p:cNvPr>
@@ -1077,7 +1091,7 @@
           <p:cNvPr id="7" name="Subtitle 2">
             <a:extLst>
               <a:ext uri="{FF2B5EF4-FFF2-40B4-BE49-F238E27FC236}">
-                <a16:creationId xmlns:a16="http://schemas.microsoft.com/office/drawing/2014/main" id="{7DEBF36F-ADC5-48FF-BFAF-3BED06924FD3}"/>
+                <a16:creationId xmlns:a16="http://schemas.microsoft.com/office/drawing/2014/main" xmlns="" id="{7DEBF36F-ADC5-48FF-BFAF-3BED06924FD3}"/>
               </a:ext>
             </a:extLst>
           </p:cNvPr>
@@ -1132,7 +1146,7 @@
           <p:cNvPr id="3" name="Content Placeholder 2">
             <a:extLst>
               <a:ext uri="{FF2B5EF4-FFF2-40B4-BE49-F238E27FC236}">
-                <a16:creationId xmlns:a16="http://schemas.microsoft.com/office/drawing/2014/main" id="{A22238F2-C6EC-476F-8371-119AECBA5622}"/>
+                <a16:creationId xmlns:a16="http://schemas.microsoft.com/office/drawing/2014/main" xmlns="" id="{A22238F2-C6EC-476F-8371-119AECBA5622}"/>
               </a:ext>
             </a:extLst>
           </p:cNvPr>
@@ -1246,7 +1260,7 @@
           <p:cNvPr id="6" name="Text Placeholder 4">
             <a:extLst>
               <a:ext uri="{FF2B5EF4-FFF2-40B4-BE49-F238E27FC236}">
-                <a16:creationId xmlns:a16="http://schemas.microsoft.com/office/drawing/2014/main" id="{7867C73D-EE16-41D1-B7CE-A35C765E3B8D}"/>
+                <a16:creationId xmlns:a16="http://schemas.microsoft.com/office/drawing/2014/main" xmlns="" id="{7867C73D-EE16-41D1-B7CE-A35C765E3B8D}"/>
               </a:ext>
             </a:extLst>
           </p:cNvPr>
@@ -1309,7 +1323,7 @@
           <p:cNvPr id="4" name="Footer Placeholder 3">
             <a:extLst>
               <a:ext uri="{FF2B5EF4-FFF2-40B4-BE49-F238E27FC236}">
-                <a16:creationId xmlns:a16="http://schemas.microsoft.com/office/drawing/2014/main" id="{57847F90-9DB6-4832-9EB7-393AADAE8B70}"/>
+                <a16:creationId xmlns:a16="http://schemas.microsoft.com/office/drawing/2014/main" xmlns="" id="{57847F90-9DB6-4832-9EB7-393AADAE8B70}"/>
               </a:ext>
             </a:extLst>
           </p:cNvPr>
@@ -1337,7 +1351,7 @@
           <p:cNvPr id="5" name="Slide Number Placeholder 4">
             <a:extLst>
               <a:ext uri="{FF2B5EF4-FFF2-40B4-BE49-F238E27FC236}">
-                <a16:creationId xmlns:a16="http://schemas.microsoft.com/office/drawing/2014/main" id="{F64CFC6C-1D8B-46C9-B0F7-A8BD88D8AB46}"/>
+                <a16:creationId xmlns:a16="http://schemas.microsoft.com/office/drawing/2014/main" xmlns="" id="{F64CFC6C-1D8B-46C9-B0F7-A8BD88D8AB46}"/>
               </a:ext>
             </a:extLst>
           </p:cNvPr>
@@ -1397,7 +1411,7 @@
           <p:cNvPr id="2" name="Title 1">
             <a:extLst>
               <a:ext uri="{FF2B5EF4-FFF2-40B4-BE49-F238E27FC236}">
-                <a16:creationId xmlns:a16="http://schemas.microsoft.com/office/drawing/2014/main" id="{5CFF4C50-933F-41F9-AD11-BD02410AA7D5}"/>
+                <a16:creationId xmlns:a16="http://schemas.microsoft.com/office/drawing/2014/main" xmlns="" id="{5CFF4C50-933F-41F9-AD11-BD02410AA7D5}"/>
               </a:ext>
             </a:extLst>
           </p:cNvPr>
@@ -1441,7 +1455,7 @@
           <p:cNvPr id="9" name="Subtitle 2">
             <a:extLst>
               <a:ext uri="{FF2B5EF4-FFF2-40B4-BE49-F238E27FC236}">
-                <a16:creationId xmlns:a16="http://schemas.microsoft.com/office/drawing/2014/main" id="{F94EB5D3-F8CB-4E76-8D7E-FF441818EECB}"/>
+                <a16:creationId xmlns:a16="http://schemas.microsoft.com/office/drawing/2014/main" xmlns="" id="{F94EB5D3-F8CB-4E76-8D7E-FF441818EECB}"/>
               </a:ext>
             </a:extLst>
           </p:cNvPr>
@@ -1496,7 +1510,7 @@
           <p:cNvPr id="3" name="Content Placeholder 2">
             <a:extLst>
               <a:ext uri="{FF2B5EF4-FFF2-40B4-BE49-F238E27FC236}">
-                <a16:creationId xmlns:a16="http://schemas.microsoft.com/office/drawing/2014/main" id="{B1948E38-8FB0-4E51-A01C-C88794372E50}"/>
+                <a16:creationId xmlns:a16="http://schemas.microsoft.com/office/drawing/2014/main" xmlns="" id="{B1948E38-8FB0-4E51-A01C-C88794372E50}"/>
               </a:ext>
             </a:extLst>
           </p:cNvPr>
@@ -1610,7 +1624,7 @@
           <p:cNvPr id="5" name="Text Placeholder 4">
             <a:extLst>
               <a:ext uri="{FF2B5EF4-FFF2-40B4-BE49-F238E27FC236}">
-                <a16:creationId xmlns:a16="http://schemas.microsoft.com/office/drawing/2014/main" id="{16A38E24-EB1C-472F-B631-5DF32F9C4CF5}"/>
+                <a16:creationId xmlns:a16="http://schemas.microsoft.com/office/drawing/2014/main" xmlns="" id="{16A38E24-EB1C-472F-B631-5DF32F9C4CF5}"/>
               </a:ext>
             </a:extLst>
           </p:cNvPr>
@@ -1673,7 +1687,7 @@
           <p:cNvPr id="11" name="Text Placeholder 5">
             <a:extLst>
               <a:ext uri="{FF2B5EF4-FFF2-40B4-BE49-F238E27FC236}">
-                <a16:creationId xmlns:a16="http://schemas.microsoft.com/office/drawing/2014/main" id="{5B4A252E-78C9-4F76-98A4-A4B580AD072A}"/>
+                <a16:creationId xmlns:a16="http://schemas.microsoft.com/office/drawing/2014/main" xmlns="" id="{5B4A252E-78C9-4F76-98A4-A4B580AD072A}"/>
               </a:ext>
             </a:extLst>
           </p:cNvPr>
@@ -1736,7 +1750,7 @@
           <p:cNvPr id="4" name="Footer Placeholder 3">
             <a:extLst>
               <a:ext uri="{FF2B5EF4-FFF2-40B4-BE49-F238E27FC236}">
-                <a16:creationId xmlns:a16="http://schemas.microsoft.com/office/drawing/2014/main" id="{6D4BCA97-F31B-451D-82F8-6E000DF2118A}"/>
+                <a16:creationId xmlns:a16="http://schemas.microsoft.com/office/drawing/2014/main" xmlns="" id="{6D4BCA97-F31B-451D-82F8-6E000DF2118A}"/>
               </a:ext>
             </a:extLst>
           </p:cNvPr>
@@ -1764,7 +1778,7 @@
           <p:cNvPr id="6" name="Slide Number Placeholder 5">
             <a:extLst>
               <a:ext uri="{FF2B5EF4-FFF2-40B4-BE49-F238E27FC236}">
-                <a16:creationId xmlns:a16="http://schemas.microsoft.com/office/drawing/2014/main" id="{0817AAC4-A657-4D75-A527-0307AFF2B17B}"/>
+                <a16:creationId xmlns:a16="http://schemas.microsoft.com/office/drawing/2014/main" xmlns="" id="{0817AAC4-A657-4D75-A527-0307AFF2B17B}"/>
               </a:ext>
             </a:extLst>
           </p:cNvPr>
@@ -1824,7 +1838,7 @@
           <p:cNvPr id="2" name="Title 1">
             <a:extLst>
               <a:ext uri="{FF2B5EF4-FFF2-40B4-BE49-F238E27FC236}">
-                <a16:creationId xmlns:a16="http://schemas.microsoft.com/office/drawing/2014/main" id="{5CFF4C50-933F-41F9-AD11-BD02410AA7D5}"/>
+                <a16:creationId xmlns:a16="http://schemas.microsoft.com/office/drawing/2014/main" xmlns="" id="{5CFF4C50-933F-41F9-AD11-BD02410AA7D5}"/>
               </a:ext>
             </a:extLst>
           </p:cNvPr>
@@ -1868,7 +1882,7 @@
           <p:cNvPr id="10" name="Subtitle 2">
             <a:extLst>
               <a:ext uri="{FF2B5EF4-FFF2-40B4-BE49-F238E27FC236}">
-                <a16:creationId xmlns:a16="http://schemas.microsoft.com/office/drawing/2014/main" id="{9D7ACCB5-9A86-4F46-89E2-B79F48C9EC1D}"/>
+                <a16:creationId xmlns:a16="http://schemas.microsoft.com/office/drawing/2014/main" xmlns="" id="{9D7ACCB5-9A86-4F46-89E2-B79F48C9EC1D}"/>
               </a:ext>
             </a:extLst>
           </p:cNvPr>
@@ -1923,7 +1937,7 @@
           <p:cNvPr id="3" name="Content Placeholder 2">
             <a:extLst>
               <a:ext uri="{FF2B5EF4-FFF2-40B4-BE49-F238E27FC236}">
-                <a16:creationId xmlns:a16="http://schemas.microsoft.com/office/drawing/2014/main" id="{B1948E38-8FB0-4E51-A01C-C88794372E50}"/>
+                <a16:creationId xmlns:a16="http://schemas.microsoft.com/office/drawing/2014/main" xmlns="" id="{B1948E38-8FB0-4E51-A01C-C88794372E50}"/>
               </a:ext>
             </a:extLst>
           </p:cNvPr>
@@ -2037,7 +2051,7 @@
           <p:cNvPr id="5" name="Text Placeholder 4">
             <a:extLst>
               <a:ext uri="{FF2B5EF4-FFF2-40B4-BE49-F238E27FC236}">
-                <a16:creationId xmlns:a16="http://schemas.microsoft.com/office/drawing/2014/main" id="{1F5B3657-F2AE-455A-BF81-1A0C2ACECD20}"/>
+                <a16:creationId xmlns:a16="http://schemas.microsoft.com/office/drawing/2014/main" xmlns="" id="{1F5B3657-F2AE-455A-BF81-1A0C2ACECD20}"/>
               </a:ext>
             </a:extLst>
           </p:cNvPr>
@@ -2100,7 +2114,7 @@
           <p:cNvPr id="13" name="Text Placeholder 5">
             <a:extLst>
               <a:ext uri="{FF2B5EF4-FFF2-40B4-BE49-F238E27FC236}">
-                <a16:creationId xmlns:a16="http://schemas.microsoft.com/office/drawing/2014/main" id="{6A983D98-E0AB-429A-9EC2-B50D4216D691}"/>
+                <a16:creationId xmlns:a16="http://schemas.microsoft.com/office/drawing/2014/main" xmlns="" id="{6A983D98-E0AB-429A-9EC2-B50D4216D691}"/>
               </a:ext>
             </a:extLst>
           </p:cNvPr>
@@ -2163,7 +2177,7 @@
           <p:cNvPr id="15" name="Text Placeholder 6">
             <a:extLst>
               <a:ext uri="{FF2B5EF4-FFF2-40B4-BE49-F238E27FC236}">
-                <a16:creationId xmlns:a16="http://schemas.microsoft.com/office/drawing/2014/main" id="{755213BF-EF6D-45DC-A01B-DE6C2F23A6D2}"/>
+                <a16:creationId xmlns:a16="http://schemas.microsoft.com/office/drawing/2014/main" xmlns="" id="{755213BF-EF6D-45DC-A01B-DE6C2F23A6D2}"/>
               </a:ext>
             </a:extLst>
           </p:cNvPr>
@@ -2226,7 +2240,7 @@
           <p:cNvPr id="17" name="Text Placeholder 7">
             <a:extLst>
               <a:ext uri="{FF2B5EF4-FFF2-40B4-BE49-F238E27FC236}">
-                <a16:creationId xmlns:a16="http://schemas.microsoft.com/office/drawing/2014/main" id="{77D6BBBA-F4A3-45D4-91BC-A405FFDC7C3D}"/>
+                <a16:creationId xmlns:a16="http://schemas.microsoft.com/office/drawing/2014/main" xmlns="" id="{77D6BBBA-F4A3-45D4-91BC-A405FFDC7C3D}"/>
               </a:ext>
             </a:extLst>
           </p:cNvPr>
@@ -2289,7 +2303,7 @@
           <p:cNvPr id="4" name="Footer Placeholder 3">
             <a:extLst>
               <a:ext uri="{FF2B5EF4-FFF2-40B4-BE49-F238E27FC236}">
-                <a16:creationId xmlns:a16="http://schemas.microsoft.com/office/drawing/2014/main" id="{2D09234E-176D-4BBF-9391-7B6F018C51AB}"/>
+                <a16:creationId xmlns:a16="http://schemas.microsoft.com/office/drawing/2014/main" xmlns="" id="{2D09234E-176D-4BBF-9391-7B6F018C51AB}"/>
               </a:ext>
             </a:extLst>
           </p:cNvPr>
@@ -2317,7 +2331,7 @@
           <p:cNvPr id="6" name="Slide Number Placeholder 5">
             <a:extLst>
               <a:ext uri="{FF2B5EF4-FFF2-40B4-BE49-F238E27FC236}">
-                <a16:creationId xmlns:a16="http://schemas.microsoft.com/office/drawing/2014/main" id="{009ABD5E-B8F1-4246-B167-09138760AD7D}"/>
+                <a16:creationId xmlns:a16="http://schemas.microsoft.com/office/drawing/2014/main" xmlns="" id="{009ABD5E-B8F1-4246-B167-09138760AD7D}"/>
               </a:ext>
             </a:extLst>
           </p:cNvPr>
@@ -2387,7 +2401,7 @@
           <p:cNvPr id="2" name="Title 1">
             <a:extLst>
               <a:ext uri="{FF2B5EF4-FFF2-40B4-BE49-F238E27FC236}">
-                <a16:creationId xmlns:a16="http://schemas.microsoft.com/office/drawing/2014/main" id="{00F23EB7-E336-46EB-A4A0-3DB7A6BF4CE1}"/>
+                <a16:creationId xmlns:a16="http://schemas.microsoft.com/office/drawing/2014/main" xmlns="" id="{00F23EB7-E336-46EB-A4A0-3DB7A6BF4CE1}"/>
               </a:ext>
             </a:extLst>
           </p:cNvPr>
@@ -2430,7 +2444,7 @@
           <p:cNvPr id="3" name="Subtitle 2">
             <a:extLst>
               <a:ext uri="{FF2B5EF4-FFF2-40B4-BE49-F238E27FC236}">
-                <a16:creationId xmlns:a16="http://schemas.microsoft.com/office/drawing/2014/main" id="{C9980B88-3F4A-4688-9ED0-17EF37E62D93}"/>
+                <a16:creationId xmlns:a16="http://schemas.microsoft.com/office/drawing/2014/main" xmlns="" id="{C9980B88-3F4A-4688-9ED0-17EF37E62D93}"/>
               </a:ext>
             </a:extLst>
           </p:cNvPr>
@@ -2481,7 +2495,7 @@
           <p:cNvPr id="13" name="Rectangle 12">
             <a:extLst>
               <a:ext uri="{FF2B5EF4-FFF2-40B4-BE49-F238E27FC236}">
-                <a16:creationId xmlns:a16="http://schemas.microsoft.com/office/drawing/2014/main" id="{EC0FBB1B-4F0E-4365-BF27-3150FC6C3B90}"/>
+                <a16:creationId xmlns:a16="http://schemas.microsoft.com/office/drawing/2014/main" xmlns="" id="{EC0FBB1B-4F0E-4365-BF27-3150FC6C3B90}"/>
               </a:ext>
             </a:extLst>
           </p:cNvPr>
@@ -2535,7 +2549,7 @@
           <p:cNvPr id="14" name="Rectangle 13">
             <a:extLst>
               <a:ext uri="{FF2B5EF4-FFF2-40B4-BE49-F238E27FC236}">
-                <a16:creationId xmlns:a16="http://schemas.microsoft.com/office/drawing/2014/main" id="{7A13D8A8-6C3D-4527-959D-41C3213F7F02}"/>
+                <a16:creationId xmlns:a16="http://schemas.microsoft.com/office/drawing/2014/main" xmlns="" id="{7A13D8A8-6C3D-4527-959D-41C3213F7F02}"/>
               </a:ext>
             </a:extLst>
           </p:cNvPr>
@@ -2587,7 +2601,7 @@
           <p:cNvPr id="15" name="Rectangle 14">
             <a:extLst>
               <a:ext uri="{FF2B5EF4-FFF2-40B4-BE49-F238E27FC236}">
-                <a16:creationId xmlns:a16="http://schemas.microsoft.com/office/drawing/2014/main" id="{9504A767-1C0B-484E-BF7D-CD42D30A52EE}"/>
+                <a16:creationId xmlns:a16="http://schemas.microsoft.com/office/drawing/2014/main" xmlns="" id="{9504A767-1C0B-484E-BF7D-CD42D30A52EE}"/>
               </a:ext>
             </a:extLst>
           </p:cNvPr>
@@ -2639,7 +2653,7 @@
           <p:cNvPr id="8" name="Rectangle 7">
             <a:extLst>
               <a:ext uri="{FF2B5EF4-FFF2-40B4-BE49-F238E27FC236}">
-                <a16:creationId xmlns:a16="http://schemas.microsoft.com/office/drawing/2014/main" id="{51DD44D8-4A8F-4693-B90A-166855B29D25}"/>
+                <a16:creationId xmlns:a16="http://schemas.microsoft.com/office/drawing/2014/main" xmlns="" id="{51DD44D8-4A8F-4693-B90A-166855B29D25}"/>
               </a:ext>
             </a:extLst>
           </p:cNvPr>
@@ -2729,7 +2743,7 @@
           <p:cNvPr id="3" name="Title 1">
             <a:extLst>
               <a:ext uri="{FF2B5EF4-FFF2-40B4-BE49-F238E27FC236}">
-                <a16:creationId xmlns:a16="http://schemas.microsoft.com/office/drawing/2014/main" id="{E473AB13-DFF9-4538-9907-E261659E0E01}"/>
+                <a16:creationId xmlns:a16="http://schemas.microsoft.com/office/drawing/2014/main" xmlns="" id="{E473AB13-DFF9-4538-9907-E261659E0E01}"/>
               </a:ext>
             </a:extLst>
           </p:cNvPr>
@@ -2777,7 +2791,7 @@
           <p:cNvPr id="4" name="Footer Placeholder 3">
             <a:extLst>
               <a:ext uri="{FF2B5EF4-FFF2-40B4-BE49-F238E27FC236}">
-                <a16:creationId xmlns:a16="http://schemas.microsoft.com/office/drawing/2014/main" id="{6816FE98-6A12-44EC-8485-8B5EFABDF9B2}"/>
+                <a16:creationId xmlns:a16="http://schemas.microsoft.com/office/drawing/2014/main" xmlns="" id="{6816FE98-6A12-44EC-8485-8B5EFABDF9B2}"/>
               </a:ext>
             </a:extLst>
           </p:cNvPr>
@@ -2805,7 +2819,7 @@
           <p:cNvPr id="8" name="Rectangle 7">
             <a:extLst>
               <a:ext uri="{FF2B5EF4-FFF2-40B4-BE49-F238E27FC236}">
-                <a16:creationId xmlns:a16="http://schemas.microsoft.com/office/drawing/2014/main" id="{51DD44D8-4A8F-4693-B90A-166855B29D25}"/>
+                <a16:creationId xmlns:a16="http://schemas.microsoft.com/office/drawing/2014/main" xmlns="" id="{51DD44D8-4A8F-4693-B90A-166855B29D25}"/>
               </a:ext>
             </a:extLst>
           </p:cNvPr>
@@ -2857,7 +2871,7 @@
           <p:cNvPr id="13" name="Rectangle 12">
             <a:extLst>
               <a:ext uri="{FF2B5EF4-FFF2-40B4-BE49-F238E27FC236}">
-                <a16:creationId xmlns:a16="http://schemas.microsoft.com/office/drawing/2014/main" id="{EC0FBB1B-4F0E-4365-BF27-3150FC6C3B90}"/>
+                <a16:creationId xmlns:a16="http://schemas.microsoft.com/office/drawing/2014/main" xmlns="" id="{EC0FBB1B-4F0E-4365-BF27-3150FC6C3B90}"/>
               </a:ext>
             </a:extLst>
           </p:cNvPr>
@@ -2911,7 +2925,7 @@
           <p:cNvPr id="14" name="Rectangle 13">
             <a:extLst>
               <a:ext uri="{FF2B5EF4-FFF2-40B4-BE49-F238E27FC236}">
-                <a16:creationId xmlns:a16="http://schemas.microsoft.com/office/drawing/2014/main" id="{7A13D8A8-6C3D-4527-959D-41C3213F7F02}"/>
+                <a16:creationId xmlns:a16="http://schemas.microsoft.com/office/drawing/2014/main" xmlns="" id="{7A13D8A8-6C3D-4527-959D-41C3213F7F02}"/>
               </a:ext>
             </a:extLst>
           </p:cNvPr>
@@ -2963,7 +2977,7 @@
           <p:cNvPr id="15" name="Rectangle 14">
             <a:extLst>
               <a:ext uri="{FF2B5EF4-FFF2-40B4-BE49-F238E27FC236}">
-                <a16:creationId xmlns:a16="http://schemas.microsoft.com/office/drawing/2014/main" id="{9504A767-1C0B-484E-BF7D-CD42D30A52EE}"/>
+                <a16:creationId xmlns:a16="http://schemas.microsoft.com/office/drawing/2014/main" xmlns="" id="{9504A767-1C0B-484E-BF7D-CD42D30A52EE}"/>
               </a:ext>
             </a:extLst>
           </p:cNvPr>
@@ -3015,7 +3029,7 @@
           <p:cNvPr id="5" name="Slide Number Placeholder 4">
             <a:extLst>
               <a:ext uri="{FF2B5EF4-FFF2-40B4-BE49-F238E27FC236}">
-                <a16:creationId xmlns:a16="http://schemas.microsoft.com/office/drawing/2014/main" id="{F50EF489-F21B-4E7C-9A44-D3CC8DC34F5F}"/>
+                <a16:creationId xmlns:a16="http://schemas.microsoft.com/office/drawing/2014/main" xmlns="" id="{F50EF489-F21B-4E7C-9A44-D3CC8DC34F5F}"/>
               </a:ext>
             </a:extLst>
           </p:cNvPr>
@@ -3045,7 +3059,7 @@
           <p:cNvPr id="11" name="Text Placeholder 2">
             <a:extLst>
               <a:ext uri="{FF2B5EF4-FFF2-40B4-BE49-F238E27FC236}">
-                <a16:creationId xmlns:a16="http://schemas.microsoft.com/office/drawing/2014/main" id="{14B95064-E6BF-43CD-ACBD-6363E8D9BF6A}"/>
+                <a16:creationId xmlns:a16="http://schemas.microsoft.com/office/drawing/2014/main" xmlns="" id="{14B95064-E6BF-43CD-ACBD-6363E8D9BF6A}"/>
               </a:ext>
             </a:extLst>
           </p:cNvPr>
@@ -3125,7 +3139,7 @@
           <p:cNvPr id="2" name="Title 1">
             <a:extLst>
               <a:ext uri="{FF2B5EF4-FFF2-40B4-BE49-F238E27FC236}">
-                <a16:creationId xmlns:a16="http://schemas.microsoft.com/office/drawing/2014/main" id="{5CFF4C50-933F-41F9-AD11-BD02410AA7D5}"/>
+                <a16:creationId xmlns:a16="http://schemas.microsoft.com/office/drawing/2014/main" xmlns="" id="{5CFF4C50-933F-41F9-AD11-BD02410AA7D5}"/>
               </a:ext>
             </a:extLst>
           </p:cNvPr>
@@ -3164,7 +3178,7 @@
           <p:cNvPr id="3" name="Content Placeholder 2">
             <a:extLst>
               <a:ext uri="{FF2B5EF4-FFF2-40B4-BE49-F238E27FC236}">
-                <a16:creationId xmlns:a16="http://schemas.microsoft.com/office/drawing/2014/main" id="{B1948E38-8FB0-4E51-A01C-C88794372E50}"/>
+                <a16:creationId xmlns:a16="http://schemas.microsoft.com/office/drawing/2014/main" xmlns="" id="{B1948E38-8FB0-4E51-A01C-C88794372E50}"/>
               </a:ext>
             </a:extLst>
           </p:cNvPr>
@@ -3278,7 +3292,7 @@
           <p:cNvPr id="4" name="Footer Placeholder 3">
             <a:extLst>
               <a:ext uri="{FF2B5EF4-FFF2-40B4-BE49-F238E27FC236}">
-                <a16:creationId xmlns:a16="http://schemas.microsoft.com/office/drawing/2014/main" id="{E8FE0EB3-0FF4-4285-B9D3-90A5751B7BBF}"/>
+                <a16:creationId xmlns:a16="http://schemas.microsoft.com/office/drawing/2014/main" xmlns="" id="{E8FE0EB3-0FF4-4285-B9D3-90A5751B7BBF}"/>
               </a:ext>
             </a:extLst>
           </p:cNvPr>
@@ -3306,7 +3320,7 @@
           <p:cNvPr id="5" name="Slide Number Placeholder 4">
             <a:extLst>
               <a:ext uri="{FF2B5EF4-FFF2-40B4-BE49-F238E27FC236}">
-                <a16:creationId xmlns:a16="http://schemas.microsoft.com/office/drawing/2014/main" id="{C8DE0AAD-6FBD-416B-A91A-21F2B737919E}"/>
+                <a16:creationId xmlns:a16="http://schemas.microsoft.com/office/drawing/2014/main" xmlns="" id="{C8DE0AAD-6FBD-416B-A91A-21F2B737919E}"/>
               </a:ext>
             </a:extLst>
           </p:cNvPr>
@@ -3366,7 +3380,7 @@
           <p:cNvPr id="2" name="Title 1">
             <a:extLst>
               <a:ext uri="{FF2B5EF4-FFF2-40B4-BE49-F238E27FC236}">
-                <a16:creationId xmlns:a16="http://schemas.microsoft.com/office/drawing/2014/main" id="{40EE479C-D1F6-4BAC-80D2-90EF74E3261A}"/>
+                <a16:creationId xmlns:a16="http://schemas.microsoft.com/office/drawing/2014/main" xmlns="" id="{40EE479C-D1F6-4BAC-80D2-90EF74E3261A}"/>
               </a:ext>
             </a:extLst>
           </p:cNvPr>
@@ -3410,7 +3424,7 @@
           <p:cNvPr id="4" name="Footer Placeholder 3">
             <a:extLst>
               <a:ext uri="{FF2B5EF4-FFF2-40B4-BE49-F238E27FC236}">
-                <a16:creationId xmlns:a16="http://schemas.microsoft.com/office/drawing/2014/main" id="{57847F90-9DB6-4832-9EB7-393AADAE8B70}"/>
+                <a16:creationId xmlns:a16="http://schemas.microsoft.com/office/drawing/2014/main" xmlns="" id="{57847F90-9DB6-4832-9EB7-393AADAE8B70}"/>
               </a:ext>
             </a:extLst>
           </p:cNvPr>
@@ -3438,7 +3452,7 @@
           <p:cNvPr id="5" name="Slide Number Placeholder 4">
             <a:extLst>
               <a:ext uri="{FF2B5EF4-FFF2-40B4-BE49-F238E27FC236}">
-                <a16:creationId xmlns:a16="http://schemas.microsoft.com/office/drawing/2014/main" id="{F64CFC6C-1D8B-46C9-B0F7-A8BD88D8AB46}"/>
+                <a16:creationId xmlns:a16="http://schemas.microsoft.com/office/drawing/2014/main" xmlns="" id="{F64CFC6C-1D8B-46C9-B0F7-A8BD88D8AB46}"/>
               </a:ext>
             </a:extLst>
           </p:cNvPr>
@@ -3468,7 +3482,7 @@
           <p:cNvPr id="9" name="Content Placeholder 3">
             <a:extLst>
               <a:ext uri="{FF2B5EF4-FFF2-40B4-BE49-F238E27FC236}">
-                <a16:creationId xmlns:a16="http://schemas.microsoft.com/office/drawing/2014/main" id="{EE1E0B79-3CC8-4DCF-8AEC-AC43BC9A3048}"/>
+                <a16:creationId xmlns:a16="http://schemas.microsoft.com/office/drawing/2014/main" xmlns="" id="{EE1E0B79-3CC8-4DCF-8AEC-AC43BC9A3048}"/>
               </a:ext>
             </a:extLst>
           </p:cNvPr>
@@ -3531,7 +3545,7 @@
           <p:cNvPr id="10" name="Content Placeholder 2">
             <a:extLst>
               <a:ext uri="{FF2B5EF4-FFF2-40B4-BE49-F238E27FC236}">
-                <a16:creationId xmlns:a16="http://schemas.microsoft.com/office/drawing/2014/main" id="{15546508-E26C-46CD-8939-D20E71BF4ED7}"/>
+                <a16:creationId xmlns:a16="http://schemas.microsoft.com/office/drawing/2014/main" xmlns="" id="{15546508-E26C-46CD-8939-D20E71BF4ED7}"/>
               </a:ext>
             </a:extLst>
           </p:cNvPr>
@@ -3624,7 +3638,7 @@
           <p:cNvPr id="2" name="Title 1">
             <a:extLst>
               <a:ext uri="{FF2B5EF4-FFF2-40B4-BE49-F238E27FC236}">
-                <a16:creationId xmlns:a16="http://schemas.microsoft.com/office/drawing/2014/main" id="{40EE479C-D1F6-4BAC-80D2-90EF74E3261A}"/>
+                <a16:creationId xmlns:a16="http://schemas.microsoft.com/office/drawing/2014/main" xmlns="" id="{40EE479C-D1F6-4BAC-80D2-90EF74E3261A}"/>
               </a:ext>
             </a:extLst>
           </p:cNvPr>
@@ -3668,7 +3682,7 @@
           <p:cNvPr id="4" name="Footer Placeholder 3">
             <a:extLst>
               <a:ext uri="{FF2B5EF4-FFF2-40B4-BE49-F238E27FC236}">
-                <a16:creationId xmlns:a16="http://schemas.microsoft.com/office/drawing/2014/main" id="{57847F90-9DB6-4832-9EB7-393AADAE8B70}"/>
+                <a16:creationId xmlns:a16="http://schemas.microsoft.com/office/drawing/2014/main" xmlns="" id="{57847F90-9DB6-4832-9EB7-393AADAE8B70}"/>
               </a:ext>
             </a:extLst>
           </p:cNvPr>
@@ -3696,7 +3710,7 @@
           <p:cNvPr id="5" name="Slide Number Placeholder 4">
             <a:extLst>
               <a:ext uri="{FF2B5EF4-FFF2-40B4-BE49-F238E27FC236}">
-                <a16:creationId xmlns:a16="http://schemas.microsoft.com/office/drawing/2014/main" id="{F64CFC6C-1D8B-46C9-B0F7-A8BD88D8AB46}"/>
+                <a16:creationId xmlns:a16="http://schemas.microsoft.com/office/drawing/2014/main" xmlns="" id="{F64CFC6C-1D8B-46C9-B0F7-A8BD88D8AB46}"/>
               </a:ext>
             </a:extLst>
           </p:cNvPr>
@@ -3726,10 +3740,10 @@
           <p:cNvPr id="11" name="Rectangle 10" descr="Accent block left">
             <a:extLst>
               <a:ext uri="{FF2B5EF4-FFF2-40B4-BE49-F238E27FC236}">
-                <a16:creationId xmlns:a16="http://schemas.microsoft.com/office/drawing/2014/main" id="{48A1A904-FE62-4BE3-BAE9-0EEAE7B1E38C}"/>
+                <a16:creationId xmlns:a16="http://schemas.microsoft.com/office/drawing/2014/main" xmlns="" id="{48A1A904-FE62-4BE3-BAE9-0EEAE7B1E38C}"/>
               </a:ext>
               <a:ext uri="{C183D7F6-B498-43B3-948B-1728B52AA6E4}">
-                <adec:decorative xmlns:adec="http://schemas.microsoft.com/office/drawing/2017/decorative" val="1"/>
+                <adec:decorative xmlns:adec="http://schemas.microsoft.com/office/drawing/2017/decorative" xmlns="" val="1"/>
               </a:ext>
             </a:extLst>
           </p:cNvPr>
@@ -3781,10 +3795,10 @@
           <p:cNvPr id="12" name="Rectangle 11" descr="Accent bar right&#10;">
             <a:extLst>
               <a:ext uri="{FF2B5EF4-FFF2-40B4-BE49-F238E27FC236}">
-                <a16:creationId xmlns:a16="http://schemas.microsoft.com/office/drawing/2014/main" id="{3E8A46E0-47C2-4441-B7DD-F621A80F1FC8}"/>
+                <a16:creationId xmlns:a16="http://schemas.microsoft.com/office/drawing/2014/main" xmlns="" id="{3E8A46E0-47C2-4441-B7DD-F621A80F1FC8}"/>
               </a:ext>
               <a:ext uri="{C183D7F6-B498-43B3-948B-1728B52AA6E4}">
-                <adec:decorative xmlns:adec="http://schemas.microsoft.com/office/drawing/2017/decorative" val="1"/>
+                <adec:decorative xmlns:adec="http://schemas.microsoft.com/office/drawing/2017/decorative" xmlns="" val="1"/>
               </a:ext>
             </a:extLst>
           </p:cNvPr>
@@ -3836,7 +3850,7 @@
           <p:cNvPr id="14" name="Text Placeholder 2">
             <a:extLst>
               <a:ext uri="{FF2B5EF4-FFF2-40B4-BE49-F238E27FC236}">
-                <a16:creationId xmlns:a16="http://schemas.microsoft.com/office/drawing/2014/main" id="{D902C307-6561-4E11-9899-1F34830AE8AB}"/>
+                <a16:creationId xmlns:a16="http://schemas.microsoft.com/office/drawing/2014/main" xmlns="" id="{D902C307-6561-4E11-9899-1F34830AE8AB}"/>
               </a:ext>
             </a:extLst>
           </p:cNvPr>
@@ -3907,7 +3921,7 @@
           <p:cNvPr id="16" name="Text Placeholder 4">
             <a:extLst>
               <a:ext uri="{FF2B5EF4-FFF2-40B4-BE49-F238E27FC236}">
-                <a16:creationId xmlns:a16="http://schemas.microsoft.com/office/drawing/2014/main" id="{CD73439B-6B1B-47C5-B2B0-409015FB3398}"/>
+                <a16:creationId xmlns:a16="http://schemas.microsoft.com/office/drawing/2014/main" xmlns="" id="{CD73439B-6B1B-47C5-B2B0-409015FB3398}"/>
               </a:ext>
             </a:extLst>
           </p:cNvPr>
@@ -3978,7 +3992,7 @@
           <p:cNvPr id="17" name="Content Placeholder 5">
             <a:extLst>
               <a:ext uri="{FF2B5EF4-FFF2-40B4-BE49-F238E27FC236}">
-                <a16:creationId xmlns:a16="http://schemas.microsoft.com/office/drawing/2014/main" id="{12AC6878-44C6-4445-A225-70C0DC482EDF}"/>
+                <a16:creationId xmlns:a16="http://schemas.microsoft.com/office/drawing/2014/main" xmlns="" id="{12AC6878-44C6-4445-A225-70C0DC482EDF}"/>
               </a:ext>
             </a:extLst>
           </p:cNvPr>
@@ -4041,7 +4055,7 @@
           <p:cNvPr id="18" name="Content Placeholder 3">
             <a:extLst>
               <a:ext uri="{FF2B5EF4-FFF2-40B4-BE49-F238E27FC236}">
-                <a16:creationId xmlns:a16="http://schemas.microsoft.com/office/drawing/2014/main" id="{6D675DA8-374F-4915-973A-53612A41FFC1}"/>
+                <a16:creationId xmlns:a16="http://schemas.microsoft.com/office/drawing/2014/main" xmlns="" id="{6D675DA8-374F-4915-973A-53612A41FFC1}"/>
               </a:ext>
             </a:extLst>
           </p:cNvPr>
@@ -4134,7 +4148,7 @@
           <p:cNvPr id="2" name="Title 1">
             <a:extLst>
               <a:ext uri="{FF2B5EF4-FFF2-40B4-BE49-F238E27FC236}">
-                <a16:creationId xmlns:a16="http://schemas.microsoft.com/office/drawing/2014/main" id="{40EE479C-D1F6-4BAC-80D2-90EF74E3261A}"/>
+                <a16:creationId xmlns:a16="http://schemas.microsoft.com/office/drawing/2014/main" xmlns="" id="{40EE479C-D1F6-4BAC-80D2-90EF74E3261A}"/>
               </a:ext>
             </a:extLst>
           </p:cNvPr>
@@ -4178,7 +4192,7 @@
           <p:cNvPr id="4" name="Footer Placeholder 3">
             <a:extLst>
               <a:ext uri="{FF2B5EF4-FFF2-40B4-BE49-F238E27FC236}">
-                <a16:creationId xmlns:a16="http://schemas.microsoft.com/office/drawing/2014/main" id="{57847F90-9DB6-4832-9EB7-393AADAE8B70}"/>
+                <a16:creationId xmlns:a16="http://schemas.microsoft.com/office/drawing/2014/main" xmlns="" id="{57847F90-9DB6-4832-9EB7-393AADAE8B70}"/>
               </a:ext>
             </a:extLst>
           </p:cNvPr>
@@ -4206,7 +4220,7 @@
           <p:cNvPr id="5" name="Slide Number Placeholder 4">
             <a:extLst>
               <a:ext uri="{FF2B5EF4-FFF2-40B4-BE49-F238E27FC236}">
-                <a16:creationId xmlns:a16="http://schemas.microsoft.com/office/drawing/2014/main" id="{F64CFC6C-1D8B-46C9-B0F7-A8BD88D8AB46}"/>
+                <a16:creationId xmlns:a16="http://schemas.microsoft.com/office/drawing/2014/main" xmlns="" id="{F64CFC6C-1D8B-46C9-B0F7-A8BD88D8AB46}"/>
               </a:ext>
             </a:extLst>
           </p:cNvPr>
@@ -4236,10 +4250,10 @@
           <p:cNvPr id="11" name="Rectangle 10" descr="Accent block left">
             <a:extLst>
               <a:ext uri="{FF2B5EF4-FFF2-40B4-BE49-F238E27FC236}">
-                <a16:creationId xmlns:a16="http://schemas.microsoft.com/office/drawing/2014/main" id="{48A1A904-FE62-4BE3-BAE9-0EEAE7B1E38C}"/>
+                <a16:creationId xmlns:a16="http://schemas.microsoft.com/office/drawing/2014/main" xmlns="" id="{48A1A904-FE62-4BE3-BAE9-0EEAE7B1E38C}"/>
               </a:ext>
               <a:ext uri="{C183D7F6-B498-43B3-948B-1728B52AA6E4}">
-                <adec:decorative xmlns:adec="http://schemas.microsoft.com/office/drawing/2017/decorative" val="1"/>
+                <adec:decorative xmlns:adec="http://schemas.microsoft.com/office/drawing/2017/decorative" xmlns="" val="1"/>
               </a:ext>
             </a:extLst>
           </p:cNvPr>
@@ -4291,7 +4305,7 @@
           <p:cNvPr id="14" name="Content Placeholder 2">
             <a:extLst>
               <a:ext uri="{FF2B5EF4-FFF2-40B4-BE49-F238E27FC236}">
-                <a16:creationId xmlns:a16="http://schemas.microsoft.com/office/drawing/2014/main" id="{85B68CA9-AC4C-4D15-9BA1-A9F1AC5606DA}"/>
+                <a16:creationId xmlns:a16="http://schemas.microsoft.com/office/drawing/2014/main" xmlns="" id="{85B68CA9-AC4C-4D15-9BA1-A9F1AC5606DA}"/>
               </a:ext>
             </a:extLst>
           </p:cNvPr>
@@ -4382,7 +4396,7 @@
           <p:cNvPr id="15" name="Text Placeholder 3">
             <a:extLst>
               <a:ext uri="{FF2B5EF4-FFF2-40B4-BE49-F238E27FC236}">
-                <a16:creationId xmlns:a16="http://schemas.microsoft.com/office/drawing/2014/main" id="{29B24D8A-D8A5-4F57-A260-A4CF75FCB3BD}"/>
+                <a16:creationId xmlns:a16="http://schemas.microsoft.com/office/drawing/2014/main" xmlns="" id="{29B24D8A-D8A5-4F57-A260-A4CF75FCB3BD}"/>
               </a:ext>
             </a:extLst>
           </p:cNvPr>
@@ -4483,7 +4497,7 @@
           <p:cNvPr id="2" name="Title 1">
             <a:extLst>
               <a:ext uri="{FF2B5EF4-FFF2-40B4-BE49-F238E27FC236}">
-                <a16:creationId xmlns:a16="http://schemas.microsoft.com/office/drawing/2014/main" id="{40EE479C-D1F6-4BAC-80D2-90EF74E3261A}"/>
+                <a16:creationId xmlns:a16="http://schemas.microsoft.com/office/drawing/2014/main" xmlns="" id="{40EE479C-D1F6-4BAC-80D2-90EF74E3261A}"/>
               </a:ext>
             </a:extLst>
           </p:cNvPr>
@@ -4527,7 +4541,7 @@
           <p:cNvPr id="4" name="Footer Placeholder 3">
             <a:extLst>
               <a:ext uri="{FF2B5EF4-FFF2-40B4-BE49-F238E27FC236}">
-                <a16:creationId xmlns:a16="http://schemas.microsoft.com/office/drawing/2014/main" id="{57847F90-9DB6-4832-9EB7-393AADAE8B70}"/>
+                <a16:creationId xmlns:a16="http://schemas.microsoft.com/office/drawing/2014/main" xmlns="" id="{57847F90-9DB6-4832-9EB7-393AADAE8B70}"/>
               </a:ext>
             </a:extLst>
           </p:cNvPr>
@@ -4555,7 +4569,7 @@
           <p:cNvPr id="5" name="Slide Number Placeholder 4">
             <a:extLst>
               <a:ext uri="{FF2B5EF4-FFF2-40B4-BE49-F238E27FC236}">
-                <a16:creationId xmlns:a16="http://schemas.microsoft.com/office/drawing/2014/main" id="{F64CFC6C-1D8B-46C9-B0F7-A8BD88D8AB46}"/>
+                <a16:creationId xmlns:a16="http://schemas.microsoft.com/office/drawing/2014/main" xmlns="" id="{F64CFC6C-1D8B-46C9-B0F7-A8BD88D8AB46}"/>
               </a:ext>
             </a:extLst>
           </p:cNvPr>
@@ -4585,10 +4599,10 @@
           <p:cNvPr id="11" name="Rectangle 10" descr="Accent block left">
             <a:extLst>
               <a:ext uri="{FF2B5EF4-FFF2-40B4-BE49-F238E27FC236}">
-                <a16:creationId xmlns:a16="http://schemas.microsoft.com/office/drawing/2014/main" id="{48A1A904-FE62-4BE3-BAE9-0EEAE7B1E38C}"/>
+                <a16:creationId xmlns:a16="http://schemas.microsoft.com/office/drawing/2014/main" xmlns="" id="{48A1A904-FE62-4BE3-BAE9-0EEAE7B1E38C}"/>
               </a:ext>
               <a:ext uri="{C183D7F6-B498-43B3-948B-1728B52AA6E4}">
-                <adec:decorative xmlns:adec="http://schemas.microsoft.com/office/drawing/2017/decorative" val="1"/>
+                <adec:decorative xmlns:adec="http://schemas.microsoft.com/office/drawing/2017/decorative" xmlns="" val="1"/>
               </a:ext>
             </a:extLst>
           </p:cNvPr>
@@ -4640,7 +4654,7 @@
           <p:cNvPr id="9" name="Text Placeholder 3">
             <a:extLst>
               <a:ext uri="{FF2B5EF4-FFF2-40B4-BE49-F238E27FC236}">
-                <a16:creationId xmlns:a16="http://schemas.microsoft.com/office/drawing/2014/main" id="{3E50A411-2E68-4F4D-B4BC-62E87C633658}"/>
+                <a16:creationId xmlns:a16="http://schemas.microsoft.com/office/drawing/2014/main" xmlns="" id="{3E50A411-2E68-4F4D-B4BC-62E87C633658}"/>
               </a:ext>
             </a:extLst>
           </p:cNvPr>
@@ -4711,7 +4725,7 @@
           <p:cNvPr id="10" name="Picture Placeholder 2">
             <a:extLst>
               <a:ext uri="{FF2B5EF4-FFF2-40B4-BE49-F238E27FC236}">
-                <a16:creationId xmlns:a16="http://schemas.microsoft.com/office/drawing/2014/main" id="{2FBF39A8-0BD5-48FD-9993-F595D4F727C1}"/>
+                <a16:creationId xmlns:a16="http://schemas.microsoft.com/office/drawing/2014/main" xmlns="" id="{2FBF39A8-0BD5-48FD-9993-F595D4F727C1}"/>
               </a:ext>
             </a:extLst>
           </p:cNvPr>
@@ -4822,7 +4836,7 @@
           <p:cNvPr id="41" name="Picture Placeholder 40">
             <a:extLst>
               <a:ext uri="{FF2B5EF4-FFF2-40B4-BE49-F238E27FC236}">
-                <a16:creationId xmlns:a16="http://schemas.microsoft.com/office/drawing/2014/main" id="{EB7F0EE8-BE52-4A79-8FC8-4A2487FA01FC}"/>
+                <a16:creationId xmlns:a16="http://schemas.microsoft.com/office/drawing/2014/main" xmlns="" id="{EB7F0EE8-BE52-4A79-8FC8-4A2487FA01FC}"/>
               </a:ext>
             </a:extLst>
           </p:cNvPr>
@@ -4875,7 +4889,7 @@
           <p:cNvPr id="2" name="Title 1">
             <a:extLst>
               <a:ext uri="{FF2B5EF4-FFF2-40B4-BE49-F238E27FC236}">
-                <a16:creationId xmlns:a16="http://schemas.microsoft.com/office/drawing/2014/main" id="{00F23EB7-E336-46EB-A4A0-3DB7A6BF4CE1}"/>
+                <a16:creationId xmlns:a16="http://schemas.microsoft.com/office/drawing/2014/main" xmlns="" id="{00F23EB7-E336-46EB-A4A0-3DB7A6BF4CE1}"/>
               </a:ext>
             </a:extLst>
           </p:cNvPr>
@@ -4918,7 +4932,7 @@
           <p:cNvPr id="7" name="Subtitle 2">
             <a:extLst>
               <a:ext uri="{FF2B5EF4-FFF2-40B4-BE49-F238E27FC236}">
-                <a16:creationId xmlns:a16="http://schemas.microsoft.com/office/drawing/2014/main" id="{9E4D4535-D519-40ED-B8A4-2EA1276BB652}"/>
+                <a16:creationId xmlns:a16="http://schemas.microsoft.com/office/drawing/2014/main" xmlns="" id="{9E4D4535-D519-40ED-B8A4-2EA1276BB652}"/>
               </a:ext>
             </a:extLst>
           </p:cNvPr>
@@ -4998,7 +5012,7 @@
           <p:cNvPr id="4" name="Footer Placeholder 3">
             <a:extLst>
               <a:ext uri="{FF2B5EF4-FFF2-40B4-BE49-F238E27FC236}">
-                <a16:creationId xmlns:a16="http://schemas.microsoft.com/office/drawing/2014/main" id="{6816FE98-6A12-44EC-8485-8B5EFABDF9B2}"/>
+                <a16:creationId xmlns:a16="http://schemas.microsoft.com/office/drawing/2014/main" xmlns="" id="{6816FE98-6A12-44EC-8485-8B5EFABDF9B2}"/>
               </a:ext>
             </a:extLst>
           </p:cNvPr>
@@ -5026,7 +5040,7 @@
           <p:cNvPr id="8" name="Rectangle 7">
             <a:extLst>
               <a:ext uri="{FF2B5EF4-FFF2-40B4-BE49-F238E27FC236}">
-                <a16:creationId xmlns:a16="http://schemas.microsoft.com/office/drawing/2014/main" id="{51DD44D8-4A8F-4693-B90A-166855B29D25}"/>
+                <a16:creationId xmlns:a16="http://schemas.microsoft.com/office/drawing/2014/main" xmlns="" id="{51DD44D8-4A8F-4693-B90A-166855B29D25}"/>
               </a:ext>
             </a:extLst>
           </p:cNvPr>
@@ -5075,7 +5089,7 @@
           <p:cNvPr id="13" name="Rectangle 12">
             <a:extLst>
               <a:ext uri="{FF2B5EF4-FFF2-40B4-BE49-F238E27FC236}">
-                <a16:creationId xmlns:a16="http://schemas.microsoft.com/office/drawing/2014/main" id="{EC0FBB1B-4F0E-4365-BF27-3150FC6C3B90}"/>
+                <a16:creationId xmlns:a16="http://schemas.microsoft.com/office/drawing/2014/main" xmlns="" id="{EC0FBB1B-4F0E-4365-BF27-3150FC6C3B90}"/>
               </a:ext>
             </a:extLst>
           </p:cNvPr>
@@ -5129,7 +5143,7 @@
           <p:cNvPr id="14" name="Rectangle 13">
             <a:extLst>
               <a:ext uri="{FF2B5EF4-FFF2-40B4-BE49-F238E27FC236}">
-                <a16:creationId xmlns:a16="http://schemas.microsoft.com/office/drawing/2014/main" id="{7A13D8A8-6C3D-4527-959D-41C3213F7F02}"/>
+                <a16:creationId xmlns:a16="http://schemas.microsoft.com/office/drawing/2014/main" xmlns="" id="{7A13D8A8-6C3D-4527-959D-41C3213F7F02}"/>
               </a:ext>
             </a:extLst>
           </p:cNvPr>
@@ -5181,7 +5195,7 @@
           <p:cNvPr id="15" name="Rectangle 14">
             <a:extLst>
               <a:ext uri="{FF2B5EF4-FFF2-40B4-BE49-F238E27FC236}">
-                <a16:creationId xmlns:a16="http://schemas.microsoft.com/office/drawing/2014/main" id="{9504A767-1C0B-484E-BF7D-CD42D30A52EE}"/>
+                <a16:creationId xmlns:a16="http://schemas.microsoft.com/office/drawing/2014/main" xmlns="" id="{9504A767-1C0B-484E-BF7D-CD42D30A52EE}"/>
               </a:ext>
             </a:extLst>
           </p:cNvPr>
@@ -5233,7 +5247,7 @@
           <p:cNvPr id="5" name="Slide Number Placeholder 4">
             <a:extLst>
               <a:ext uri="{FF2B5EF4-FFF2-40B4-BE49-F238E27FC236}">
-                <a16:creationId xmlns:a16="http://schemas.microsoft.com/office/drawing/2014/main" id="{F50EF489-F21B-4E7C-9A44-D3CC8DC34F5F}"/>
+                <a16:creationId xmlns:a16="http://schemas.microsoft.com/office/drawing/2014/main" xmlns="" id="{F50EF489-F21B-4E7C-9A44-D3CC8DC34F5F}"/>
               </a:ext>
             </a:extLst>
           </p:cNvPr>
@@ -5293,7 +5307,7 @@
           <p:cNvPr id="2" name="Title 1">
             <a:extLst>
               <a:ext uri="{FF2B5EF4-FFF2-40B4-BE49-F238E27FC236}">
-                <a16:creationId xmlns:a16="http://schemas.microsoft.com/office/drawing/2014/main" id="{5FC626A5-4FF6-42BD-858A-AE4B2C23A6BC}"/>
+                <a16:creationId xmlns:a16="http://schemas.microsoft.com/office/drawing/2014/main" xmlns="" id="{5FC626A5-4FF6-42BD-858A-AE4B2C23A6BC}"/>
               </a:ext>
             </a:extLst>
           </p:cNvPr>
@@ -5332,7 +5346,7 @@
           <p:cNvPr id="5" name="Subtitle 2">
             <a:extLst>
               <a:ext uri="{FF2B5EF4-FFF2-40B4-BE49-F238E27FC236}">
-                <a16:creationId xmlns:a16="http://schemas.microsoft.com/office/drawing/2014/main" id="{10727B06-56A8-44A2-B6C2-9ED183D107F3}"/>
+                <a16:creationId xmlns:a16="http://schemas.microsoft.com/office/drawing/2014/main" xmlns="" id="{10727B06-56A8-44A2-B6C2-9ED183D107F3}"/>
               </a:ext>
             </a:extLst>
           </p:cNvPr>
@@ -5387,7 +5401,7 @@
           <p:cNvPr id="3" name="Footer Placeholder 2">
             <a:extLst>
               <a:ext uri="{FF2B5EF4-FFF2-40B4-BE49-F238E27FC236}">
-                <a16:creationId xmlns:a16="http://schemas.microsoft.com/office/drawing/2014/main" id="{08CCB8C2-B6A2-4C69-8D3A-57420A034BA4}"/>
+                <a16:creationId xmlns:a16="http://schemas.microsoft.com/office/drawing/2014/main" xmlns="" id="{08CCB8C2-B6A2-4C69-8D3A-57420A034BA4}"/>
               </a:ext>
             </a:extLst>
           </p:cNvPr>
@@ -5415,7 +5429,7 @@
           <p:cNvPr id="4" name="Slide Number Placeholder 3">
             <a:extLst>
               <a:ext uri="{FF2B5EF4-FFF2-40B4-BE49-F238E27FC236}">
-                <a16:creationId xmlns:a16="http://schemas.microsoft.com/office/drawing/2014/main" id="{853CF994-8B2C-443F-B695-7378DD360DAA}"/>
+                <a16:creationId xmlns:a16="http://schemas.microsoft.com/office/drawing/2014/main" xmlns="" id="{853CF994-8B2C-443F-B695-7378DD360DAA}"/>
               </a:ext>
             </a:extLst>
           </p:cNvPr>
@@ -5475,7 +5489,7 @@
           <p:cNvPr id="2" name="Footer Placeholder 1">
             <a:extLst>
               <a:ext uri="{FF2B5EF4-FFF2-40B4-BE49-F238E27FC236}">
-                <a16:creationId xmlns:a16="http://schemas.microsoft.com/office/drawing/2014/main" id="{16D0504D-4610-4E9E-A2DB-8B701F044BBC}"/>
+                <a16:creationId xmlns:a16="http://schemas.microsoft.com/office/drawing/2014/main" xmlns="" id="{16D0504D-4610-4E9E-A2DB-8B701F044BBC}"/>
               </a:ext>
             </a:extLst>
           </p:cNvPr>
@@ -5503,7 +5517,7 @@
           <p:cNvPr id="3" name="Slide Number Placeholder 2">
             <a:extLst>
               <a:ext uri="{FF2B5EF4-FFF2-40B4-BE49-F238E27FC236}">
-                <a16:creationId xmlns:a16="http://schemas.microsoft.com/office/drawing/2014/main" id="{A95CDFA7-DEA3-4BBE-8D70-0AF654A1E6FF}"/>
+                <a16:creationId xmlns:a16="http://schemas.microsoft.com/office/drawing/2014/main" xmlns="" id="{A95CDFA7-DEA3-4BBE-8D70-0AF654A1E6FF}"/>
               </a:ext>
             </a:extLst>
           </p:cNvPr>
@@ -5533,7 +5547,7 @@
           <p:cNvPr id="4" name="Title 3">
             <a:extLst>
               <a:ext uri="{FF2B5EF4-FFF2-40B4-BE49-F238E27FC236}">
-                <a16:creationId xmlns:a16="http://schemas.microsoft.com/office/drawing/2014/main" id="{90694D9D-C633-4D52-965E-E5BBD9883037}"/>
+                <a16:creationId xmlns:a16="http://schemas.microsoft.com/office/drawing/2014/main" xmlns="" id="{90694D9D-C633-4D52-965E-E5BBD9883037}"/>
               </a:ext>
             </a:extLst>
           </p:cNvPr>
@@ -5592,7 +5606,7 @@
           <p:cNvPr id="2" name="Footer Placeholder 1">
             <a:extLst>
               <a:ext uri="{FF2B5EF4-FFF2-40B4-BE49-F238E27FC236}">
-                <a16:creationId xmlns:a16="http://schemas.microsoft.com/office/drawing/2014/main" id="{16D0504D-4610-4E9E-A2DB-8B701F044BBC}"/>
+                <a16:creationId xmlns:a16="http://schemas.microsoft.com/office/drawing/2014/main" xmlns="" id="{16D0504D-4610-4E9E-A2DB-8B701F044BBC}"/>
               </a:ext>
             </a:extLst>
           </p:cNvPr>
@@ -5620,7 +5634,7 @@
           <p:cNvPr id="3" name="Slide Number Placeholder 2">
             <a:extLst>
               <a:ext uri="{FF2B5EF4-FFF2-40B4-BE49-F238E27FC236}">
-                <a16:creationId xmlns:a16="http://schemas.microsoft.com/office/drawing/2014/main" id="{A95CDFA7-DEA3-4BBE-8D70-0AF654A1E6FF}"/>
+                <a16:creationId xmlns:a16="http://schemas.microsoft.com/office/drawing/2014/main" xmlns="" id="{A95CDFA7-DEA3-4BBE-8D70-0AF654A1E6FF}"/>
               </a:ext>
             </a:extLst>
           </p:cNvPr>
@@ -5650,7 +5664,7 @@
           <p:cNvPr id="4" name="Title 3">
             <a:extLst>
               <a:ext uri="{FF2B5EF4-FFF2-40B4-BE49-F238E27FC236}">
-                <a16:creationId xmlns:a16="http://schemas.microsoft.com/office/drawing/2014/main" id="{90694D9D-C633-4D52-965E-E5BBD9883037}"/>
+                <a16:creationId xmlns:a16="http://schemas.microsoft.com/office/drawing/2014/main" xmlns="" id="{90694D9D-C633-4D52-965E-E5BBD9883037}"/>
               </a:ext>
             </a:extLst>
           </p:cNvPr>
@@ -5679,7 +5693,7 @@
           <p:cNvPr id="6" name="Text Placeholder 5">
             <a:extLst>
               <a:ext uri="{FF2B5EF4-FFF2-40B4-BE49-F238E27FC236}">
-                <a16:creationId xmlns:a16="http://schemas.microsoft.com/office/drawing/2014/main" id="{0DB3A426-6D4A-4D91-ACD6-A2C25BAE44E3}"/>
+                <a16:creationId xmlns:a16="http://schemas.microsoft.com/office/drawing/2014/main" xmlns="" id="{0DB3A426-6D4A-4D91-ACD6-A2C25BAE44E3}"/>
               </a:ext>
             </a:extLst>
           </p:cNvPr>
@@ -5752,7 +5766,7 @@
           <p:cNvPr id="2" name="Footer Placeholder 1">
             <a:extLst>
               <a:ext uri="{FF2B5EF4-FFF2-40B4-BE49-F238E27FC236}">
-                <a16:creationId xmlns:a16="http://schemas.microsoft.com/office/drawing/2014/main" id="{16D0504D-4610-4E9E-A2DB-8B701F044BBC}"/>
+                <a16:creationId xmlns:a16="http://schemas.microsoft.com/office/drawing/2014/main" xmlns="" id="{16D0504D-4610-4E9E-A2DB-8B701F044BBC}"/>
               </a:ext>
             </a:extLst>
           </p:cNvPr>
@@ -5780,7 +5794,7 @@
           <p:cNvPr id="3" name="Slide Number Placeholder 2">
             <a:extLst>
               <a:ext uri="{FF2B5EF4-FFF2-40B4-BE49-F238E27FC236}">
-                <a16:creationId xmlns:a16="http://schemas.microsoft.com/office/drawing/2014/main" id="{A95CDFA7-DEA3-4BBE-8D70-0AF654A1E6FF}"/>
+                <a16:creationId xmlns:a16="http://schemas.microsoft.com/office/drawing/2014/main" xmlns="" id="{A95CDFA7-DEA3-4BBE-8D70-0AF654A1E6FF}"/>
               </a:ext>
             </a:extLst>
           </p:cNvPr>
@@ -5851,7 +5865,7 @@
           <p:cNvPr id="41" name="Picture Placeholder 40">
             <a:extLst>
               <a:ext uri="{FF2B5EF4-FFF2-40B4-BE49-F238E27FC236}">
-                <a16:creationId xmlns:a16="http://schemas.microsoft.com/office/drawing/2014/main" id="{EB7F0EE8-BE52-4A79-8FC8-4A2487FA01FC}"/>
+                <a16:creationId xmlns:a16="http://schemas.microsoft.com/office/drawing/2014/main" xmlns="" id="{EB7F0EE8-BE52-4A79-8FC8-4A2487FA01FC}"/>
               </a:ext>
             </a:extLst>
           </p:cNvPr>
@@ -5904,7 +5918,7 @@
           <p:cNvPr id="3" name="Title 1">
             <a:extLst>
               <a:ext uri="{FF2B5EF4-FFF2-40B4-BE49-F238E27FC236}">
-                <a16:creationId xmlns:a16="http://schemas.microsoft.com/office/drawing/2014/main" id="{E473AB13-DFF9-4538-9907-E261659E0E01}"/>
+                <a16:creationId xmlns:a16="http://schemas.microsoft.com/office/drawing/2014/main" xmlns="" id="{E473AB13-DFF9-4538-9907-E261659E0E01}"/>
               </a:ext>
             </a:extLst>
           </p:cNvPr>
@@ -5952,7 +5966,7 @@
           <p:cNvPr id="7" name="Subtitle 2">
             <a:extLst>
               <a:ext uri="{FF2B5EF4-FFF2-40B4-BE49-F238E27FC236}">
-                <a16:creationId xmlns:a16="http://schemas.microsoft.com/office/drawing/2014/main" id="{9E4D4535-D519-40ED-B8A4-2EA1276BB652}"/>
+                <a16:creationId xmlns:a16="http://schemas.microsoft.com/office/drawing/2014/main" xmlns="" id="{9E4D4535-D519-40ED-B8A4-2EA1276BB652}"/>
               </a:ext>
             </a:extLst>
           </p:cNvPr>
@@ -6032,7 +6046,7 @@
           <p:cNvPr id="4" name="Footer Placeholder 3">
             <a:extLst>
               <a:ext uri="{FF2B5EF4-FFF2-40B4-BE49-F238E27FC236}">
-                <a16:creationId xmlns:a16="http://schemas.microsoft.com/office/drawing/2014/main" id="{6816FE98-6A12-44EC-8485-8B5EFABDF9B2}"/>
+                <a16:creationId xmlns:a16="http://schemas.microsoft.com/office/drawing/2014/main" xmlns="" id="{6816FE98-6A12-44EC-8485-8B5EFABDF9B2}"/>
               </a:ext>
             </a:extLst>
           </p:cNvPr>
@@ -6060,7 +6074,7 @@
           <p:cNvPr id="8" name="Rectangle 7">
             <a:extLst>
               <a:ext uri="{FF2B5EF4-FFF2-40B4-BE49-F238E27FC236}">
-                <a16:creationId xmlns:a16="http://schemas.microsoft.com/office/drawing/2014/main" id="{51DD44D8-4A8F-4693-B90A-166855B29D25}"/>
+                <a16:creationId xmlns:a16="http://schemas.microsoft.com/office/drawing/2014/main" xmlns="" id="{51DD44D8-4A8F-4693-B90A-166855B29D25}"/>
               </a:ext>
             </a:extLst>
           </p:cNvPr>
@@ -6112,7 +6126,7 @@
           <p:cNvPr id="13" name="Rectangle 12">
             <a:extLst>
               <a:ext uri="{FF2B5EF4-FFF2-40B4-BE49-F238E27FC236}">
-                <a16:creationId xmlns:a16="http://schemas.microsoft.com/office/drawing/2014/main" id="{EC0FBB1B-4F0E-4365-BF27-3150FC6C3B90}"/>
+                <a16:creationId xmlns:a16="http://schemas.microsoft.com/office/drawing/2014/main" xmlns="" id="{EC0FBB1B-4F0E-4365-BF27-3150FC6C3B90}"/>
               </a:ext>
             </a:extLst>
           </p:cNvPr>
@@ -6166,7 +6180,7 @@
           <p:cNvPr id="14" name="Rectangle 13">
             <a:extLst>
               <a:ext uri="{FF2B5EF4-FFF2-40B4-BE49-F238E27FC236}">
-                <a16:creationId xmlns:a16="http://schemas.microsoft.com/office/drawing/2014/main" id="{7A13D8A8-6C3D-4527-959D-41C3213F7F02}"/>
+                <a16:creationId xmlns:a16="http://schemas.microsoft.com/office/drawing/2014/main" xmlns="" id="{7A13D8A8-6C3D-4527-959D-41C3213F7F02}"/>
               </a:ext>
             </a:extLst>
           </p:cNvPr>
@@ -6218,7 +6232,7 @@
           <p:cNvPr id="15" name="Rectangle 14">
             <a:extLst>
               <a:ext uri="{FF2B5EF4-FFF2-40B4-BE49-F238E27FC236}">
-                <a16:creationId xmlns:a16="http://schemas.microsoft.com/office/drawing/2014/main" id="{9504A767-1C0B-484E-BF7D-CD42D30A52EE}"/>
+                <a16:creationId xmlns:a16="http://schemas.microsoft.com/office/drawing/2014/main" xmlns="" id="{9504A767-1C0B-484E-BF7D-CD42D30A52EE}"/>
               </a:ext>
             </a:extLst>
           </p:cNvPr>
@@ -6270,7 +6284,7 @@
           <p:cNvPr id="5" name="Slide Number Placeholder 4">
             <a:extLst>
               <a:ext uri="{FF2B5EF4-FFF2-40B4-BE49-F238E27FC236}">
-                <a16:creationId xmlns:a16="http://schemas.microsoft.com/office/drawing/2014/main" id="{F50EF489-F21B-4E7C-9A44-D3CC8DC34F5F}"/>
+                <a16:creationId xmlns:a16="http://schemas.microsoft.com/office/drawing/2014/main" xmlns="" id="{F50EF489-F21B-4E7C-9A44-D3CC8DC34F5F}"/>
               </a:ext>
             </a:extLst>
           </p:cNvPr>
@@ -6330,7 +6344,7 @@
           <p:cNvPr id="7" name="Picture Placeholder 6">
             <a:extLst>
               <a:ext uri="{FF2B5EF4-FFF2-40B4-BE49-F238E27FC236}">
-                <a16:creationId xmlns:a16="http://schemas.microsoft.com/office/drawing/2014/main" id="{890ED7CE-A9D2-4D19-B978-56BFB74E657C}"/>
+                <a16:creationId xmlns:a16="http://schemas.microsoft.com/office/drawing/2014/main" xmlns="" id="{890ED7CE-A9D2-4D19-B978-56BFB74E657C}"/>
               </a:ext>
             </a:extLst>
           </p:cNvPr>
@@ -6376,7 +6390,7 @@
           <p:cNvPr id="2" name="Title 1">
             <a:extLst>
               <a:ext uri="{FF2B5EF4-FFF2-40B4-BE49-F238E27FC236}">
-                <a16:creationId xmlns:a16="http://schemas.microsoft.com/office/drawing/2014/main" id="{40EE479C-D1F6-4BAC-80D2-90EF74E3261A}"/>
+                <a16:creationId xmlns:a16="http://schemas.microsoft.com/office/drawing/2014/main" xmlns="" id="{40EE479C-D1F6-4BAC-80D2-90EF74E3261A}"/>
               </a:ext>
             </a:extLst>
           </p:cNvPr>
@@ -6423,7 +6437,7 @@
           <p:cNvPr id="10" name="Subtitle 2">
             <a:extLst>
               <a:ext uri="{FF2B5EF4-FFF2-40B4-BE49-F238E27FC236}">
-                <a16:creationId xmlns:a16="http://schemas.microsoft.com/office/drawing/2014/main" id="{3FAEED1D-0E66-4F74-9455-675F5CB7EAD4}"/>
+                <a16:creationId xmlns:a16="http://schemas.microsoft.com/office/drawing/2014/main" xmlns="" id="{3FAEED1D-0E66-4F74-9455-675F5CB7EAD4}"/>
               </a:ext>
             </a:extLst>
           </p:cNvPr>
@@ -6487,7 +6501,7 @@
           <p:cNvPr id="3" name="Content Placeholder 2">
             <a:extLst>
               <a:ext uri="{FF2B5EF4-FFF2-40B4-BE49-F238E27FC236}">
-                <a16:creationId xmlns:a16="http://schemas.microsoft.com/office/drawing/2014/main" id="{A22238F2-C6EC-476F-8371-119AECBA5622}"/>
+                <a16:creationId xmlns:a16="http://schemas.microsoft.com/office/drawing/2014/main" xmlns="" id="{A22238F2-C6EC-476F-8371-119AECBA5622}"/>
               </a:ext>
             </a:extLst>
           </p:cNvPr>
@@ -6601,7 +6615,7 @@
           <p:cNvPr id="4" name="Footer Placeholder 3">
             <a:extLst>
               <a:ext uri="{FF2B5EF4-FFF2-40B4-BE49-F238E27FC236}">
-                <a16:creationId xmlns:a16="http://schemas.microsoft.com/office/drawing/2014/main" id="{57847F90-9DB6-4832-9EB7-393AADAE8B70}"/>
+                <a16:creationId xmlns:a16="http://schemas.microsoft.com/office/drawing/2014/main" xmlns="" id="{57847F90-9DB6-4832-9EB7-393AADAE8B70}"/>
               </a:ext>
             </a:extLst>
           </p:cNvPr>
@@ -6629,7 +6643,7 @@
           <p:cNvPr id="5" name="Slide Number Placeholder 4">
             <a:extLst>
               <a:ext uri="{FF2B5EF4-FFF2-40B4-BE49-F238E27FC236}">
-                <a16:creationId xmlns:a16="http://schemas.microsoft.com/office/drawing/2014/main" id="{0505ED12-A431-4761-87A4-F05164BE0221}"/>
+                <a16:creationId xmlns:a16="http://schemas.microsoft.com/office/drawing/2014/main" xmlns="" id="{0505ED12-A431-4761-87A4-F05164BE0221}"/>
               </a:ext>
             </a:extLst>
           </p:cNvPr>
@@ -6659,7 +6673,7 @@
           <p:cNvPr id="8" name="Rectangle 7">
             <a:extLst>
               <a:ext uri="{FF2B5EF4-FFF2-40B4-BE49-F238E27FC236}">
-                <a16:creationId xmlns:a16="http://schemas.microsoft.com/office/drawing/2014/main" id="{1508F53F-6AA2-4060-904A-BC90211DC043}"/>
+                <a16:creationId xmlns:a16="http://schemas.microsoft.com/office/drawing/2014/main" xmlns="" id="{1508F53F-6AA2-4060-904A-BC90211DC043}"/>
               </a:ext>
             </a:extLst>
           </p:cNvPr>
@@ -6741,7 +6755,7 @@
           <p:cNvPr id="7" name="Picture Placeholder 6">
             <a:extLst>
               <a:ext uri="{FF2B5EF4-FFF2-40B4-BE49-F238E27FC236}">
-                <a16:creationId xmlns:a16="http://schemas.microsoft.com/office/drawing/2014/main" id="{890ED7CE-A9D2-4D19-B978-56BFB74E657C}"/>
+                <a16:creationId xmlns:a16="http://schemas.microsoft.com/office/drawing/2014/main" xmlns="" id="{890ED7CE-A9D2-4D19-B978-56BFB74E657C}"/>
               </a:ext>
             </a:extLst>
           </p:cNvPr>
@@ -6787,7 +6801,7 @@
           <p:cNvPr id="3" name="Content Placeholder 2">
             <a:extLst>
               <a:ext uri="{FF2B5EF4-FFF2-40B4-BE49-F238E27FC236}">
-                <a16:creationId xmlns:a16="http://schemas.microsoft.com/office/drawing/2014/main" id="{A22238F2-C6EC-476F-8371-119AECBA5622}"/>
+                <a16:creationId xmlns:a16="http://schemas.microsoft.com/office/drawing/2014/main" xmlns="" id="{A22238F2-C6EC-476F-8371-119AECBA5622}"/>
               </a:ext>
             </a:extLst>
           </p:cNvPr>
@@ -6901,7 +6915,7 @@
           <p:cNvPr id="4" name="Footer Placeholder 3">
             <a:extLst>
               <a:ext uri="{FF2B5EF4-FFF2-40B4-BE49-F238E27FC236}">
-                <a16:creationId xmlns:a16="http://schemas.microsoft.com/office/drawing/2014/main" id="{57847F90-9DB6-4832-9EB7-393AADAE8B70}"/>
+                <a16:creationId xmlns:a16="http://schemas.microsoft.com/office/drawing/2014/main" xmlns="" id="{57847F90-9DB6-4832-9EB7-393AADAE8B70}"/>
               </a:ext>
             </a:extLst>
           </p:cNvPr>
@@ -6929,7 +6943,7 @@
           <p:cNvPr id="5" name="Slide Number Placeholder 4">
             <a:extLst>
               <a:ext uri="{FF2B5EF4-FFF2-40B4-BE49-F238E27FC236}">
-                <a16:creationId xmlns:a16="http://schemas.microsoft.com/office/drawing/2014/main" id="{0505ED12-A431-4761-87A4-F05164BE0221}"/>
+                <a16:creationId xmlns:a16="http://schemas.microsoft.com/office/drawing/2014/main" xmlns="" id="{0505ED12-A431-4761-87A4-F05164BE0221}"/>
               </a:ext>
             </a:extLst>
           </p:cNvPr>
@@ -6989,7 +7003,7 @@
           <p:cNvPr id="2" name="Title 1">
             <a:extLst>
               <a:ext uri="{FF2B5EF4-FFF2-40B4-BE49-F238E27FC236}">
-                <a16:creationId xmlns:a16="http://schemas.microsoft.com/office/drawing/2014/main" id="{3F288DD7-6DAF-436D-B04A-EBCCAA36917C}"/>
+                <a16:creationId xmlns:a16="http://schemas.microsoft.com/office/drawing/2014/main" xmlns="" id="{3F288DD7-6DAF-436D-B04A-EBCCAA36917C}"/>
               </a:ext>
             </a:extLst>
           </p:cNvPr>
@@ -7033,7 +7047,7 @@
           <p:cNvPr id="9" name="Subtitle 2">
             <a:extLst>
               <a:ext uri="{FF2B5EF4-FFF2-40B4-BE49-F238E27FC236}">
-                <a16:creationId xmlns:a16="http://schemas.microsoft.com/office/drawing/2014/main" id="{E4633398-8EC3-417B-BEA6-101D8F224678}"/>
+                <a16:creationId xmlns:a16="http://schemas.microsoft.com/office/drawing/2014/main" xmlns="" id="{E4633398-8EC3-417B-BEA6-101D8F224678}"/>
               </a:ext>
             </a:extLst>
           </p:cNvPr>
@@ -7088,7 +7102,7 @@
           <p:cNvPr id="3" name="Comparison Left Placeholder 1">
             <a:extLst>
               <a:ext uri="{FF2B5EF4-FFF2-40B4-BE49-F238E27FC236}">
-                <a16:creationId xmlns:a16="http://schemas.microsoft.com/office/drawing/2014/main" id="{9322B50D-6A7D-41C6-BA57-613BC231DF36}"/>
+                <a16:creationId xmlns:a16="http://schemas.microsoft.com/office/drawing/2014/main" xmlns="" id="{9322B50D-6A7D-41C6-BA57-613BC231DF36}"/>
               </a:ext>
             </a:extLst>
           </p:cNvPr>
@@ -7166,7 +7180,7 @@
           <p:cNvPr id="4" name="Content Placeholder 2">
             <a:extLst>
               <a:ext uri="{FF2B5EF4-FFF2-40B4-BE49-F238E27FC236}">
-                <a16:creationId xmlns:a16="http://schemas.microsoft.com/office/drawing/2014/main" id="{9FD584DA-F775-47B8-A1D7-6556AD5FCBD2}"/>
+                <a16:creationId xmlns:a16="http://schemas.microsoft.com/office/drawing/2014/main" xmlns="" id="{9FD584DA-F775-47B8-A1D7-6556AD5FCBD2}"/>
               </a:ext>
             </a:extLst>
           </p:cNvPr>
@@ -7280,7 +7294,7 @@
           <p:cNvPr id="12" name="Comparison Left Placeholder 2">
             <a:extLst>
               <a:ext uri="{FF2B5EF4-FFF2-40B4-BE49-F238E27FC236}">
-                <a16:creationId xmlns:a16="http://schemas.microsoft.com/office/drawing/2014/main" id="{78A963F8-6F6E-440E-B3B3-DDE13C083A36}"/>
+                <a16:creationId xmlns:a16="http://schemas.microsoft.com/office/drawing/2014/main" xmlns="" id="{78A963F8-6F6E-440E-B3B3-DDE13C083A36}"/>
               </a:ext>
             </a:extLst>
           </p:cNvPr>
@@ -7319,7 +7333,7 @@
           <p:cNvPr id="8" name="Text Placeholder 4">
             <a:extLst>
               <a:ext uri="{FF2B5EF4-FFF2-40B4-BE49-F238E27FC236}">
-                <a16:creationId xmlns:a16="http://schemas.microsoft.com/office/drawing/2014/main" id="{DF0A5256-B267-47DA-858A-0F3867CB6139}"/>
+                <a16:creationId xmlns:a16="http://schemas.microsoft.com/office/drawing/2014/main" xmlns="" id="{DF0A5256-B267-47DA-858A-0F3867CB6139}"/>
               </a:ext>
             </a:extLst>
           </p:cNvPr>
@@ -7382,7 +7396,7 @@
           <p:cNvPr id="5" name="Footer Placeholder 4">
             <a:extLst>
               <a:ext uri="{FF2B5EF4-FFF2-40B4-BE49-F238E27FC236}">
-                <a16:creationId xmlns:a16="http://schemas.microsoft.com/office/drawing/2014/main" id="{646B8F99-FAB0-4B33-87ED-9FF46D11A907}"/>
+                <a16:creationId xmlns:a16="http://schemas.microsoft.com/office/drawing/2014/main" xmlns="" id="{646B8F99-FAB0-4B33-87ED-9FF46D11A907}"/>
               </a:ext>
             </a:extLst>
           </p:cNvPr>
@@ -7410,7 +7424,7 @@
           <p:cNvPr id="6" name="Slide Number Placeholder 5">
             <a:extLst>
               <a:ext uri="{FF2B5EF4-FFF2-40B4-BE49-F238E27FC236}">
-                <a16:creationId xmlns:a16="http://schemas.microsoft.com/office/drawing/2014/main" id="{18733E7E-50D2-4F6C-9DF2-CF4C98C4B847}"/>
+                <a16:creationId xmlns:a16="http://schemas.microsoft.com/office/drawing/2014/main" xmlns="" id="{18733E7E-50D2-4F6C-9DF2-CF4C98C4B847}"/>
               </a:ext>
             </a:extLst>
           </p:cNvPr>
@@ -7470,7 +7484,7 @@
           <p:cNvPr id="7" name="Picture Placeholder 6">
             <a:extLst>
               <a:ext uri="{FF2B5EF4-FFF2-40B4-BE49-F238E27FC236}">
-                <a16:creationId xmlns:a16="http://schemas.microsoft.com/office/drawing/2014/main" id="{890ED7CE-A9D2-4D19-B978-56BFB74E657C}"/>
+                <a16:creationId xmlns:a16="http://schemas.microsoft.com/office/drawing/2014/main" xmlns="" id="{890ED7CE-A9D2-4D19-B978-56BFB74E657C}"/>
               </a:ext>
             </a:extLst>
           </p:cNvPr>
@@ -7516,7 +7530,7 @@
           <p:cNvPr id="3" name="Content Placeholder 2">
             <a:extLst>
               <a:ext uri="{FF2B5EF4-FFF2-40B4-BE49-F238E27FC236}">
-                <a16:creationId xmlns:a16="http://schemas.microsoft.com/office/drawing/2014/main" id="{A22238F2-C6EC-476F-8371-119AECBA5622}"/>
+                <a16:creationId xmlns:a16="http://schemas.microsoft.com/office/drawing/2014/main" xmlns="" id="{A22238F2-C6EC-476F-8371-119AECBA5622}"/>
               </a:ext>
             </a:extLst>
           </p:cNvPr>
@@ -7602,7 +7616,7 @@
           <p:cNvPr id="4" name="Footer Placeholder 3">
             <a:extLst>
               <a:ext uri="{FF2B5EF4-FFF2-40B4-BE49-F238E27FC236}">
-                <a16:creationId xmlns:a16="http://schemas.microsoft.com/office/drawing/2014/main" id="{57847F90-9DB6-4832-9EB7-393AADAE8B70}"/>
+                <a16:creationId xmlns:a16="http://schemas.microsoft.com/office/drawing/2014/main" xmlns="" id="{57847F90-9DB6-4832-9EB7-393AADAE8B70}"/>
               </a:ext>
             </a:extLst>
           </p:cNvPr>
@@ -7630,7 +7644,7 @@
           <p:cNvPr id="2" name="Slide Number Placeholder 1">
             <a:extLst>
               <a:ext uri="{FF2B5EF4-FFF2-40B4-BE49-F238E27FC236}">
-                <a16:creationId xmlns:a16="http://schemas.microsoft.com/office/drawing/2014/main" id="{8B3D119C-DBF5-4B4F-BE38-7BD7B5C8A5D0}"/>
+                <a16:creationId xmlns:a16="http://schemas.microsoft.com/office/drawing/2014/main" xmlns="" id="{8B3D119C-DBF5-4B4F-BE38-7BD7B5C8A5D0}"/>
               </a:ext>
             </a:extLst>
           </p:cNvPr>
@@ -7660,7 +7674,7 @@
           <p:cNvPr id="5" name="Title 4">
             <a:extLst>
               <a:ext uri="{FF2B5EF4-FFF2-40B4-BE49-F238E27FC236}">
-                <a16:creationId xmlns:a16="http://schemas.microsoft.com/office/drawing/2014/main" id="{7F8E7C83-06D7-4C5B-85B7-0E5713B4FAB3}"/>
+                <a16:creationId xmlns:a16="http://schemas.microsoft.com/office/drawing/2014/main" xmlns="" id="{7F8E7C83-06D7-4C5B-85B7-0E5713B4FAB3}"/>
               </a:ext>
             </a:extLst>
           </p:cNvPr>
@@ -7729,7 +7743,7 @@
           <p:cNvPr id="41" name="Picture Placeholder 40">
             <a:extLst>
               <a:ext uri="{FF2B5EF4-FFF2-40B4-BE49-F238E27FC236}">
-                <a16:creationId xmlns:a16="http://schemas.microsoft.com/office/drawing/2014/main" id="{EB7F0EE8-BE52-4A79-8FC8-4A2487FA01FC}"/>
+                <a16:creationId xmlns:a16="http://schemas.microsoft.com/office/drawing/2014/main" xmlns="" id="{EB7F0EE8-BE52-4A79-8FC8-4A2487FA01FC}"/>
               </a:ext>
             </a:extLst>
           </p:cNvPr>
@@ -7775,7 +7789,7 @@
           <p:cNvPr id="2" name="Title 1">
             <a:extLst>
               <a:ext uri="{FF2B5EF4-FFF2-40B4-BE49-F238E27FC236}">
-                <a16:creationId xmlns:a16="http://schemas.microsoft.com/office/drawing/2014/main" id="{00F23EB7-E336-46EB-A4A0-3DB7A6BF4CE1}"/>
+                <a16:creationId xmlns:a16="http://schemas.microsoft.com/office/drawing/2014/main" xmlns="" id="{00F23EB7-E336-46EB-A4A0-3DB7A6BF4CE1}"/>
               </a:ext>
             </a:extLst>
           </p:cNvPr>
@@ -7818,7 +7832,7 @@
           <p:cNvPr id="9" name="Text Placeholder 5">
             <a:extLst>
               <a:ext uri="{FF2B5EF4-FFF2-40B4-BE49-F238E27FC236}">
-                <a16:creationId xmlns:a16="http://schemas.microsoft.com/office/drawing/2014/main" id="{52FA7FC9-E40E-4144-84E4-34E3722E9A6D}"/>
+                <a16:creationId xmlns:a16="http://schemas.microsoft.com/office/drawing/2014/main" xmlns="" id="{52FA7FC9-E40E-4144-84E4-34E3722E9A6D}"/>
               </a:ext>
             </a:extLst>
           </p:cNvPr>
@@ -7883,7 +7897,7 @@
           <p:cNvPr id="10" name="Text Placeholder 6">
             <a:extLst>
               <a:ext uri="{FF2B5EF4-FFF2-40B4-BE49-F238E27FC236}">
-                <a16:creationId xmlns:a16="http://schemas.microsoft.com/office/drawing/2014/main" id="{97289182-4FE6-4A18-9775-4588D5801CF6}"/>
+                <a16:creationId xmlns:a16="http://schemas.microsoft.com/office/drawing/2014/main" xmlns="" id="{97289182-4FE6-4A18-9775-4588D5801CF6}"/>
               </a:ext>
             </a:extLst>
           </p:cNvPr>
@@ -7948,7 +7962,7 @@
           <p:cNvPr id="11" name="Text Placeholder 7">
             <a:extLst>
               <a:ext uri="{FF2B5EF4-FFF2-40B4-BE49-F238E27FC236}">
-                <a16:creationId xmlns:a16="http://schemas.microsoft.com/office/drawing/2014/main" id="{BD4E94C7-6CAF-4FEE-9E02-D3D3A2AC5EAF}"/>
+                <a16:creationId xmlns:a16="http://schemas.microsoft.com/office/drawing/2014/main" xmlns="" id="{BD4E94C7-6CAF-4FEE-9E02-D3D3A2AC5EAF}"/>
               </a:ext>
             </a:extLst>
           </p:cNvPr>
@@ -8013,7 +8027,7 @@
           <p:cNvPr id="12" name="Text Placeholder 8">
             <a:extLst>
               <a:ext uri="{FF2B5EF4-FFF2-40B4-BE49-F238E27FC236}">
-                <a16:creationId xmlns:a16="http://schemas.microsoft.com/office/drawing/2014/main" id="{0DE421A3-3C59-48FC-BC3B-007ADFBEB4FE}"/>
+                <a16:creationId xmlns:a16="http://schemas.microsoft.com/office/drawing/2014/main" xmlns="" id="{0DE421A3-3C59-48FC-BC3B-007ADFBEB4FE}"/>
               </a:ext>
             </a:extLst>
           </p:cNvPr>
@@ -8078,7 +8092,7 @@
           <p:cNvPr id="15" name="Rectangle 14">
             <a:extLst>
               <a:ext uri="{FF2B5EF4-FFF2-40B4-BE49-F238E27FC236}">
-                <a16:creationId xmlns:a16="http://schemas.microsoft.com/office/drawing/2014/main" id="{9504A767-1C0B-484E-BF7D-CD42D30A52EE}"/>
+                <a16:creationId xmlns:a16="http://schemas.microsoft.com/office/drawing/2014/main" xmlns="" id="{9504A767-1C0B-484E-BF7D-CD42D30A52EE}"/>
               </a:ext>
             </a:extLst>
           </p:cNvPr>
@@ -8130,7 +8144,7 @@
           <p:cNvPr id="14" name="Rectangle 13">
             <a:extLst>
               <a:ext uri="{FF2B5EF4-FFF2-40B4-BE49-F238E27FC236}">
-                <a16:creationId xmlns:a16="http://schemas.microsoft.com/office/drawing/2014/main" id="{7A13D8A8-6C3D-4527-959D-41C3213F7F02}"/>
+                <a16:creationId xmlns:a16="http://schemas.microsoft.com/office/drawing/2014/main" xmlns="" id="{7A13D8A8-6C3D-4527-959D-41C3213F7F02}"/>
               </a:ext>
             </a:extLst>
           </p:cNvPr>
@@ -8182,7 +8196,7 @@
           <p:cNvPr id="13" name="Rectangle 12">
             <a:extLst>
               <a:ext uri="{FF2B5EF4-FFF2-40B4-BE49-F238E27FC236}">
-                <a16:creationId xmlns:a16="http://schemas.microsoft.com/office/drawing/2014/main" id="{EC0FBB1B-4F0E-4365-BF27-3150FC6C3B90}"/>
+                <a16:creationId xmlns:a16="http://schemas.microsoft.com/office/drawing/2014/main" xmlns="" id="{EC0FBB1B-4F0E-4365-BF27-3150FC6C3B90}"/>
               </a:ext>
             </a:extLst>
           </p:cNvPr>
@@ -8236,7 +8250,7 @@
           <p:cNvPr id="8" name="Rectangle 7">
             <a:extLst>
               <a:ext uri="{FF2B5EF4-FFF2-40B4-BE49-F238E27FC236}">
-                <a16:creationId xmlns:a16="http://schemas.microsoft.com/office/drawing/2014/main" id="{51DD44D8-4A8F-4693-B90A-166855B29D25}"/>
+                <a16:creationId xmlns:a16="http://schemas.microsoft.com/office/drawing/2014/main" xmlns="" id="{51DD44D8-4A8F-4693-B90A-166855B29D25}"/>
               </a:ext>
             </a:extLst>
           </p:cNvPr>
@@ -8285,7 +8299,7 @@
           <p:cNvPr id="5" name="Slide Number Placeholder 4">
             <a:extLst>
               <a:ext uri="{FF2B5EF4-FFF2-40B4-BE49-F238E27FC236}">
-                <a16:creationId xmlns:a16="http://schemas.microsoft.com/office/drawing/2014/main" id="{222FB6A7-1E80-487C-93E6-DCAA8751EF21}"/>
+                <a16:creationId xmlns:a16="http://schemas.microsoft.com/office/drawing/2014/main" xmlns="" id="{222FB6A7-1E80-487C-93E6-DCAA8751EF21}"/>
               </a:ext>
             </a:extLst>
           </p:cNvPr>
@@ -8345,7 +8359,7 @@
           <p:cNvPr id="2" name="Title 1">
             <a:extLst>
               <a:ext uri="{FF2B5EF4-FFF2-40B4-BE49-F238E27FC236}">
-                <a16:creationId xmlns:a16="http://schemas.microsoft.com/office/drawing/2014/main" id="{5CFF4C50-933F-41F9-AD11-BD02410AA7D5}"/>
+                <a16:creationId xmlns:a16="http://schemas.microsoft.com/office/drawing/2014/main" xmlns="" id="{5CFF4C50-933F-41F9-AD11-BD02410AA7D5}"/>
               </a:ext>
             </a:extLst>
           </p:cNvPr>
@@ -8384,7 +8398,7 @@
           <p:cNvPr id="7" name="Subtitle 2">
             <a:extLst>
               <a:ext uri="{FF2B5EF4-FFF2-40B4-BE49-F238E27FC236}">
-                <a16:creationId xmlns:a16="http://schemas.microsoft.com/office/drawing/2014/main" id="{E97A9A62-1AA6-47A9-A1A0-54196823744C}"/>
+                <a16:creationId xmlns:a16="http://schemas.microsoft.com/office/drawing/2014/main" xmlns="" id="{E97A9A62-1AA6-47A9-A1A0-54196823744C}"/>
               </a:ext>
             </a:extLst>
           </p:cNvPr>
@@ -8439,7 +8453,7 @@
           <p:cNvPr id="3" name="Content Placeholder 2">
             <a:extLst>
               <a:ext uri="{FF2B5EF4-FFF2-40B4-BE49-F238E27FC236}">
-                <a16:creationId xmlns:a16="http://schemas.microsoft.com/office/drawing/2014/main" id="{B1948E38-8FB0-4E51-A01C-C88794372E50}"/>
+                <a16:creationId xmlns:a16="http://schemas.microsoft.com/office/drawing/2014/main" xmlns="" id="{B1948E38-8FB0-4E51-A01C-C88794372E50}"/>
               </a:ext>
             </a:extLst>
           </p:cNvPr>
@@ -8548,7 +8562,7 @@
           <p:cNvPr id="4" name="Footer Placeholder 3">
             <a:extLst>
               <a:ext uri="{FF2B5EF4-FFF2-40B4-BE49-F238E27FC236}">
-                <a16:creationId xmlns:a16="http://schemas.microsoft.com/office/drawing/2014/main" id="{E8FE0EB3-0FF4-4285-B9D3-90A5751B7BBF}"/>
+                <a16:creationId xmlns:a16="http://schemas.microsoft.com/office/drawing/2014/main" xmlns="" id="{E8FE0EB3-0FF4-4285-B9D3-90A5751B7BBF}"/>
               </a:ext>
             </a:extLst>
           </p:cNvPr>
@@ -8576,7 +8590,7 @@
           <p:cNvPr id="5" name="Slide Number Placeholder 4">
             <a:extLst>
               <a:ext uri="{FF2B5EF4-FFF2-40B4-BE49-F238E27FC236}">
-                <a16:creationId xmlns:a16="http://schemas.microsoft.com/office/drawing/2014/main" id="{C8DE0AAD-6FBD-416B-A91A-21F2B737919E}"/>
+                <a16:creationId xmlns:a16="http://schemas.microsoft.com/office/drawing/2014/main" xmlns="" id="{C8DE0AAD-6FBD-416B-A91A-21F2B737919E}"/>
               </a:ext>
             </a:extLst>
           </p:cNvPr>
@@ -8641,7 +8655,7 @@
           <p:cNvPr id="7" name="Rectangle 6">
             <a:extLst>
               <a:ext uri="{FF2B5EF4-FFF2-40B4-BE49-F238E27FC236}">
-                <a16:creationId xmlns:a16="http://schemas.microsoft.com/office/drawing/2014/main" id="{3EB0D177-9AA4-42F4-9CD7-CD206217CA6D}"/>
+                <a16:creationId xmlns:a16="http://schemas.microsoft.com/office/drawing/2014/main" xmlns="" id="{3EB0D177-9AA4-42F4-9CD7-CD206217CA6D}"/>
               </a:ext>
             </a:extLst>
           </p:cNvPr>
@@ -8693,7 +8707,7 @@
           <p:cNvPr id="28" name="Rectangle 27">
             <a:extLst>
               <a:ext uri="{FF2B5EF4-FFF2-40B4-BE49-F238E27FC236}">
-                <a16:creationId xmlns:a16="http://schemas.microsoft.com/office/drawing/2014/main" id="{C825DB53-D610-4A40-AFDC-EBC47DB613CE}"/>
+                <a16:creationId xmlns:a16="http://schemas.microsoft.com/office/drawing/2014/main" xmlns="" id="{C825DB53-D610-4A40-AFDC-EBC47DB613CE}"/>
               </a:ext>
             </a:extLst>
           </p:cNvPr>
@@ -8747,7 +8761,7 @@
           <p:cNvPr id="31" name="Freeform: Shape 30">
             <a:extLst>
               <a:ext uri="{FF2B5EF4-FFF2-40B4-BE49-F238E27FC236}">
-                <a16:creationId xmlns:a16="http://schemas.microsoft.com/office/drawing/2014/main" id="{C2B9A6A4-83D0-40B1-8B15-964C84BF0705}"/>
+                <a16:creationId xmlns:a16="http://schemas.microsoft.com/office/drawing/2014/main" xmlns="" id="{C2B9A6A4-83D0-40B1-8B15-964C84BF0705}"/>
               </a:ext>
             </a:extLst>
           </p:cNvPr>
@@ -8844,7 +8858,7 @@
           <p:cNvPr id="2" name="Title Placeholder 1">
             <a:extLst>
               <a:ext uri="{FF2B5EF4-FFF2-40B4-BE49-F238E27FC236}">
-                <a16:creationId xmlns:a16="http://schemas.microsoft.com/office/drawing/2014/main" id="{090F41A2-6535-4CA6-81E4-026A5B56D9D7}"/>
+                <a16:creationId xmlns:a16="http://schemas.microsoft.com/office/drawing/2014/main" xmlns="" id="{090F41A2-6535-4CA6-81E4-026A5B56D9D7}"/>
               </a:ext>
             </a:extLst>
           </p:cNvPr>
@@ -8882,7 +8896,7 @@
           <p:cNvPr id="3" name="Text Placeholder 2">
             <a:extLst>
               <a:ext uri="{FF2B5EF4-FFF2-40B4-BE49-F238E27FC236}">
-                <a16:creationId xmlns:a16="http://schemas.microsoft.com/office/drawing/2014/main" id="{213AB95C-7DD4-4796-80E4-1B7466A2A037}"/>
+                <a16:creationId xmlns:a16="http://schemas.microsoft.com/office/drawing/2014/main" xmlns="" id="{213AB95C-7DD4-4796-80E4-1B7466A2A037}"/>
               </a:ext>
             </a:extLst>
           </p:cNvPr>
@@ -8950,7 +8964,7 @@
           <p:cNvPr id="5" name="Footer Placeholder 4">
             <a:extLst>
               <a:ext uri="{FF2B5EF4-FFF2-40B4-BE49-F238E27FC236}">
-                <a16:creationId xmlns:a16="http://schemas.microsoft.com/office/drawing/2014/main" id="{58879C91-B77F-4273-9A27-A3535FB889DB}"/>
+                <a16:creationId xmlns:a16="http://schemas.microsoft.com/office/drawing/2014/main" xmlns="" id="{58879C91-B77F-4273-9A27-A3535FB889DB}"/>
               </a:ext>
             </a:extLst>
           </p:cNvPr>
@@ -8998,7 +9012,7 @@
           <p:cNvPr id="6" name="Slide Number Placeholder 5">
             <a:extLst>
               <a:ext uri="{FF2B5EF4-FFF2-40B4-BE49-F238E27FC236}">
-                <a16:creationId xmlns:a16="http://schemas.microsoft.com/office/drawing/2014/main" id="{5ECA3099-A94F-4C3E-BC29-780EDD38F722}"/>
+                <a16:creationId xmlns:a16="http://schemas.microsoft.com/office/drawing/2014/main" xmlns="" id="{5ECA3099-A94F-4C3E-BC29-780EDD38F722}"/>
               </a:ext>
             </a:extLst>
           </p:cNvPr>
@@ -9051,7 +9065,7 @@
           <p:cNvPr id="9" name="Rectangle 8">
             <a:extLst>
               <a:ext uri="{FF2B5EF4-FFF2-40B4-BE49-F238E27FC236}">
-                <a16:creationId xmlns:a16="http://schemas.microsoft.com/office/drawing/2014/main" id="{4BC39664-EB8B-4A32-915A-D4308F792772}"/>
+                <a16:creationId xmlns:a16="http://schemas.microsoft.com/office/drawing/2014/main" xmlns="" id="{4BC39664-EB8B-4A32-915A-D4308F792772}"/>
               </a:ext>
             </a:extLst>
           </p:cNvPr>
@@ -9103,7 +9117,7 @@
           <p:cNvPr id="29" name="Rectangle 28">
             <a:extLst>
               <a:ext uri="{FF2B5EF4-FFF2-40B4-BE49-F238E27FC236}">
-                <a16:creationId xmlns:a16="http://schemas.microsoft.com/office/drawing/2014/main" id="{9B49670D-8F18-44A8-B217-67B412095C0D}"/>
+                <a16:creationId xmlns:a16="http://schemas.microsoft.com/office/drawing/2014/main" xmlns="" id="{9B49670D-8F18-44A8-B217-67B412095C0D}"/>
               </a:ext>
             </a:extLst>
           </p:cNvPr>
@@ -9155,7 +9169,7 @@
           <p:cNvPr id="18" name="Straight Connector 17">
             <a:extLst>
               <a:ext uri="{FF2B5EF4-FFF2-40B4-BE49-F238E27FC236}">
-                <a16:creationId xmlns:a16="http://schemas.microsoft.com/office/drawing/2014/main" id="{030FA059-EC32-4FFF-9673-48849B2FA43A}"/>
+                <a16:creationId xmlns:a16="http://schemas.microsoft.com/office/drawing/2014/main" xmlns="" id="{030FA059-EC32-4FFF-9673-48849B2FA43A}"/>
               </a:ext>
             </a:extLst>
           </p:cNvPr>
@@ -9552,7 +9566,7 @@
           <p:cNvPr id="12" name="Picture Placeholder 11" descr="Hands coming together in circle">
             <a:extLst>
               <a:ext uri="{FF2B5EF4-FFF2-40B4-BE49-F238E27FC236}">
-                <a16:creationId xmlns:a16="http://schemas.microsoft.com/office/drawing/2014/main" id="{AA8A1CBA-9BB5-2246-9F4B-98EAD7C90158}"/>
+                <a16:creationId xmlns:a16="http://schemas.microsoft.com/office/drawing/2014/main" xmlns="" id="{AA8A1CBA-9BB5-2246-9F4B-98EAD7C90158}"/>
               </a:ext>
             </a:extLst>
           </p:cNvPr>
@@ -9583,7 +9597,7 @@
           <p:cNvPr id="3" name="Title 2">
             <a:extLst>
               <a:ext uri="{FF2B5EF4-FFF2-40B4-BE49-F238E27FC236}">
-                <a16:creationId xmlns:a16="http://schemas.microsoft.com/office/drawing/2014/main" id="{200B3D2B-613A-41BE-987D-E6A1324B456D}"/>
+                <a16:creationId xmlns:a16="http://schemas.microsoft.com/office/drawing/2014/main" xmlns="" id="{200B3D2B-613A-41BE-987D-E6A1324B456D}"/>
               </a:ext>
             </a:extLst>
           </p:cNvPr>
@@ -9605,9 +9619,10 @@
           <a:lstStyle/>
           <a:p>
             <a:r>
-              <a:rPr lang="en-US" dirty="0"/>
-              <a:t>E-zone</a:t>
-            </a:r>
+              <a:rPr lang="en-US" dirty="0" smtClean="0"/>
+              <a:t>Project 1. E-zone</a:t>
+            </a:r>
+            <a:endParaRPr lang="en-US" dirty="0"/>
           </a:p>
         </p:txBody>
       </p:sp>
@@ -9616,7 +9631,7 @@
           <p:cNvPr id="4" name="Subtitle 3">
             <a:extLst>
               <a:ext uri="{FF2B5EF4-FFF2-40B4-BE49-F238E27FC236}">
-                <a16:creationId xmlns:a16="http://schemas.microsoft.com/office/drawing/2014/main" id="{4772945D-CA91-4CFE-8EB7-941C7618C994}"/>
+                <a16:creationId xmlns:a16="http://schemas.microsoft.com/office/drawing/2014/main" xmlns="" id="{4772945D-CA91-4CFE-8EB7-941C7618C994}"/>
               </a:ext>
             </a:extLst>
           </p:cNvPr>
@@ -9650,7 +9665,7 @@
           <p:cNvPr id="10" name="Slide Number Placeholder 5">
             <a:extLst>
               <a:ext uri="{FF2B5EF4-FFF2-40B4-BE49-F238E27FC236}">
-                <a16:creationId xmlns:a16="http://schemas.microsoft.com/office/drawing/2014/main" id="{1C554D9F-1895-486E-BFBA-905BB2D29E08}"/>
+                <a16:creationId xmlns:a16="http://schemas.microsoft.com/office/drawing/2014/main" xmlns="" id="{1C554D9F-1895-486E-BFBA-905BB2D29E08}"/>
               </a:ext>
             </a:extLst>
           </p:cNvPr>
@@ -9819,7 +9834,7 @@
           <p:cNvPr id="2" name="Title 1">
             <a:extLst>
               <a:ext uri="{FF2B5EF4-FFF2-40B4-BE49-F238E27FC236}">
-                <a16:creationId xmlns:a16="http://schemas.microsoft.com/office/drawing/2014/main" id="{19304E83-A4F0-49C5-BB01-F5773509A2B3}"/>
+                <a16:creationId xmlns:a16="http://schemas.microsoft.com/office/drawing/2014/main" xmlns="" id="{19304E83-A4F0-49C5-BB01-F5773509A2B3}"/>
               </a:ext>
             </a:extLst>
           </p:cNvPr>
@@ -9865,7 +9880,7 @@
           <p:cNvPr id="8" name="Slide Number Placeholder 7">
             <a:extLst>
               <a:ext uri="{FF2B5EF4-FFF2-40B4-BE49-F238E27FC236}">
-                <a16:creationId xmlns:a16="http://schemas.microsoft.com/office/drawing/2014/main" id="{E6AC9832-FB01-464A-9824-61887B77997E}"/>
+                <a16:creationId xmlns:a16="http://schemas.microsoft.com/office/drawing/2014/main" xmlns="" id="{E6AC9832-FB01-464A-9824-61887B77997E}"/>
               </a:ext>
             </a:extLst>
           </p:cNvPr>
@@ -9906,10 +9921,10 @@
           <p:cNvPr id="14" name="Rectangle 19">
             <a:extLst>
               <a:ext uri="{FF2B5EF4-FFF2-40B4-BE49-F238E27FC236}">
-                <a16:creationId xmlns:a16="http://schemas.microsoft.com/office/drawing/2014/main" id="{EFA08948-2B6F-46B1-9D2D-8D7B2B3FBD56}"/>
+                <a16:creationId xmlns:a16="http://schemas.microsoft.com/office/drawing/2014/main" xmlns="" id="{EFA08948-2B6F-46B1-9D2D-8D7B2B3FBD56}"/>
               </a:ext>
               <a:ext uri="{C183D7F6-B498-43B3-948B-1728B52AA6E4}">
-                <adec:decorative xmlns:adec="http://schemas.microsoft.com/office/drawing/2017/decorative" val="1"/>
+                <adec:decorative xmlns:adec="http://schemas.microsoft.com/office/drawing/2017/decorative" xmlns="" val="1"/>
               </a:ext>
             </a:extLst>
           </p:cNvPr>
@@ -9961,10 +9976,10 @@
           <p:cNvPr id="6" name="Rectangle 12">
             <a:extLst>
               <a:ext uri="{FF2B5EF4-FFF2-40B4-BE49-F238E27FC236}">
-                <a16:creationId xmlns:a16="http://schemas.microsoft.com/office/drawing/2014/main" id="{A7CD04AE-9A8B-4DED-855D-F51B510D0B69}"/>
+                <a16:creationId xmlns:a16="http://schemas.microsoft.com/office/drawing/2014/main" xmlns="" id="{A7CD04AE-9A8B-4DED-855D-F51B510D0B69}"/>
               </a:ext>
               <a:ext uri="{C183D7F6-B498-43B3-948B-1728B52AA6E4}">
-                <adec:decorative xmlns:adec="http://schemas.microsoft.com/office/drawing/2017/decorative" val="1"/>
+                <adec:decorative xmlns:adec="http://schemas.microsoft.com/office/drawing/2017/decorative" xmlns="" val="1"/>
               </a:ext>
             </a:extLst>
           </p:cNvPr>
@@ -10016,7 +10031,7 @@
           <p:cNvPr id="7" name="Text Placeholder 5">
             <a:extLst>
               <a:ext uri="{FF2B5EF4-FFF2-40B4-BE49-F238E27FC236}">
-                <a16:creationId xmlns:a16="http://schemas.microsoft.com/office/drawing/2014/main" id="{B237D1CA-B91A-410E-A968-D017BBE99F99}"/>
+                <a16:creationId xmlns:a16="http://schemas.microsoft.com/office/drawing/2014/main" xmlns="" id="{B237D1CA-B91A-410E-A968-D017BBE99F99}"/>
               </a:ext>
             </a:extLst>
           </p:cNvPr>
@@ -10050,7 +10065,7 @@
           <p:cNvPr id="9" name="Text Placeholder 6">
             <a:extLst>
               <a:ext uri="{FF2B5EF4-FFF2-40B4-BE49-F238E27FC236}">
-                <a16:creationId xmlns:a16="http://schemas.microsoft.com/office/drawing/2014/main" id="{26A87885-D672-4CF9-A78D-CFE98385B03A}"/>
+                <a16:creationId xmlns:a16="http://schemas.microsoft.com/office/drawing/2014/main" xmlns="" id="{26A87885-D672-4CF9-A78D-CFE98385B03A}"/>
               </a:ext>
             </a:extLst>
           </p:cNvPr>
@@ -10325,7 +10340,7 @@
           <p:cNvPr id="2" name="Title 1">
             <a:extLst>
               <a:ext uri="{FF2B5EF4-FFF2-40B4-BE49-F238E27FC236}">
-                <a16:creationId xmlns:a16="http://schemas.microsoft.com/office/drawing/2014/main" id="{19304E83-A4F0-49C5-BB01-F5773509A2B3}"/>
+                <a16:creationId xmlns:a16="http://schemas.microsoft.com/office/drawing/2014/main" xmlns="" id="{19304E83-A4F0-49C5-BB01-F5773509A2B3}"/>
               </a:ext>
             </a:extLst>
           </p:cNvPr>
@@ -10371,7 +10386,7 @@
           <p:cNvPr id="8" name="Slide Number Placeholder 7">
             <a:extLst>
               <a:ext uri="{FF2B5EF4-FFF2-40B4-BE49-F238E27FC236}">
-                <a16:creationId xmlns:a16="http://schemas.microsoft.com/office/drawing/2014/main" id="{E6AC9832-FB01-464A-9824-61887B77997E}"/>
+                <a16:creationId xmlns:a16="http://schemas.microsoft.com/office/drawing/2014/main" xmlns="" id="{E6AC9832-FB01-464A-9824-61887B77997E}"/>
               </a:ext>
             </a:extLst>
           </p:cNvPr>
@@ -10412,10 +10427,10 @@
           <p:cNvPr id="14" name="Rectangle 19">
             <a:extLst>
               <a:ext uri="{FF2B5EF4-FFF2-40B4-BE49-F238E27FC236}">
-                <a16:creationId xmlns:a16="http://schemas.microsoft.com/office/drawing/2014/main" id="{EFA08948-2B6F-46B1-9D2D-8D7B2B3FBD56}"/>
+                <a16:creationId xmlns:a16="http://schemas.microsoft.com/office/drawing/2014/main" xmlns="" id="{EFA08948-2B6F-46B1-9D2D-8D7B2B3FBD56}"/>
               </a:ext>
               <a:ext uri="{C183D7F6-B498-43B3-948B-1728B52AA6E4}">
-                <adec:decorative xmlns:adec="http://schemas.microsoft.com/office/drawing/2017/decorative" val="1"/>
+                <adec:decorative xmlns:adec="http://schemas.microsoft.com/office/drawing/2017/decorative" xmlns="" val="1"/>
               </a:ext>
             </a:extLst>
           </p:cNvPr>
@@ -10467,10 +10482,10 @@
           <p:cNvPr id="6" name="Rectangle 12">
             <a:extLst>
               <a:ext uri="{FF2B5EF4-FFF2-40B4-BE49-F238E27FC236}">
-                <a16:creationId xmlns:a16="http://schemas.microsoft.com/office/drawing/2014/main" id="{A7CD04AE-9A8B-4DED-855D-F51B510D0B69}"/>
+                <a16:creationId xmlns:a16="http://schemas.microsoft.com/office/drawing/2014/main" xmlns="" id="{A7CD04AE-9A8B-4DED-855D-F51B510D0B69}"/>
               </a:ext>
               <a:ext uri="{C183D7F6-B498-43B3-948B-1728B52AA6E4}">
-                <adec:decorative xmlns:adec="http://schemas.microsoft.com/office/drawing/2017/decorative" val="1"/>
+                <adec:decorative xmlns:adec="http://schemas.microsoft.com/office/drawing/2017/decorative" xmlns="" val="1"/>
               </a:ext>
             </a:extLst>
           </p:cNvPr>
@@ -10522,7 +10537,7 @@
           <p:cNvPr id="7" name="Text Placeholder 5">
             <a:extLst>
               <a:ext uri="{FF2B5EF4-FFF2-40B4-BE49-F238E27FC236}">
-                <a16:creationId xmlns:a16="http://schemas.microsoft.com/office/drawing/2014/main" id="{B237D1CA-B91A-410E-A968-D017BBE99F99}"/>
+                <a16:creationId xmlns:a16="http://schemas.microsoft.com/office/drawing/2014/main" xmlns="" id="{B237D1CA-B91A-410E-A968-D017BBE99F99}"/>
               </a:ext>
             </a:extLst>
           </p:cNvPr>
@@ -10556,7 +10571,7 @@
           <p:cNvPr id="9" name="Text Placeholder 6">
             <a:extLst>
               <a:ext uri="{FF2B5EF4-FFF2-40B4-BE49-F238E27FC236}">
-                <a16:creationId xmlns:a16="http://schemas.microsoft.com/office/drawing/2014/main" id="{26A87885-D672-4CF9-A78D-CFE98385B03A}"/>
+                <a16:creationId xmlns:a16="http://schemas.microsoft.com/office/drawing/2014/main" xmlns="" id="{26A87885-D672-4CF9-A78D-CFE98385B03A}"/>
               </a:ext>
             </a:extLst>
           </p:cNvPr>
@@ -10710,7 +10725,7 @@
           <p:cNvPr id="2" name="Title 1">
             <a:extLst>
               <a:ext uri="{FF2B5EF4-FFF2-40B4-BE49-F238E27FC236}">
-                <a16:creationId xmlns:a16="http://schemas.microsoft.com/office/drawing/2014/main" id="{19304E83-A4F0-49C5-BB01-F5773509A2B3}"/>
+                <a16:creationId xmlns:a16="http://schemas.microsoft.com/office/drawing/2014/main" xmlns="" id="{19304E83-A4F0-49C5-BB01-F5773509A2B3}"/>
               </a:ext>
             </a:extLst>
           </p:cNvPr>
@@ -10744,7 +10759,7 @@
           <p:cNvPr id="8" name="Slide Number Placeholder 7">
             <a:extLst>
               <a:ext uri="{FF2B5EF4-FFF2-40B4-BE49-F238E27FC236}">
-                <a16:creationId xmlns:a16="http://schemas.microsoft.com/office/drawing/2014/main" id="{E6AC9832-FB01-464A-9824-61887B77997E}"/>
+                <a16:creationId xmlns:a16="http://schemas.microsoft.com/office/drawing/2014/main" xmlns="" id="{E6AC9832-FB01-464A-9824-61887B77997E}"/>
               </a:ext>
             </a:extLst>
           </p:cNvPr>
@@ -10785,10 +10800,10 @@
           <p:cNvPr id="14" name="Rectangle 19">
             <a:extLst>
               <a:ext uri="{FF2B5EF4-FFF2-40B4-BE49-F238E27FC236}">
-                <a16:creationId xmlns:a16="http://schemas.microsoft.com/office/drawing/2014/main" id="{EFA08948-2B6F-46B1-9D2D-8D7B2B3FBD56}"/>
+                <a16:creationId xmlns:a16="http://schemas.microsoft.com/office/drawing/2014/main" xmlns="" id="{EFA08948-2B6F-46B1-9D2D-8D7B2B3FBD56}"/>
               </a:ext>
               <a:ext uri="{C183D7F6-B498-43B3-948B-1728B52AA6E4}">
-                <adec:decorative xmlns:adec="http://schemas.microsoft.com/office/drawing/2017/decorative" val="1"/>
+                <adec:decorative xmlns:adec="http://schemas.microsoft.com/office/drawing/2017/decorative" xmlns="" val="1"/>
               </a:ext>
             </a:extLst>
           </p:cNvPr>
@@ -10840,10 +10855,10 @@
           <p:cNvPr id="6" name="Rectangle 12">
             <a:extLst>
               <a:ext uri="{FF2B5EF4-FFF2-40B4-BE49-F238E27FC236}">
-                <a16:creationId xmlns:a16="http://schemas.microsoft.com/office/drawing/2014/main" id="{A7CD04AE-9A8B-4DED-855D-F51B510D0B69}"/>
+                <a16:creationId xmlns:a16="http://schemas.microsoft.com/office/drawing/2014/main" xmlns="" id="{A7CD04AE-9A8B-4DED-855D-F51B510D0B69}"/>
               </a:ext>
               <a:ext uri="{C183D7F6-B498-43B3-948B-1728B52AA6E4}">
-                <adec:decorative xmlns:adec="http://schemas.microsoft.com/office/drawing/2017/decorative" val="1"/>
+                <adec:decorative xmlns:adec="http://schemas.microsoft.com/office/drawing/2017/decorative" xmlns="" val="1"/>
               </a:ext>
             </a:extLst>
           </p:cNvPr>
@@ -10895,7 +10910,7 @@
           <p:cNvPr id="7" name="Text Placeholder 5">
             <a:extLst>
               <a:ext uri="{FF2B5EF4-FFF2-40B4-BE49-F238E27FC236}">
-                <a16:creationId xmlns:a16="http://schemas.microsoft.com/office/drawing/2014/main" id="{B237D1CA-B91A-410E-A968-D017BBE99F99}"/>
+                <a16:creationId xmlns:a16="http://schemas.microsoft.com/office/drawing/2014/main" xmlns="" id="{B237D1CA-B91A-410E-A968-D017BBE99F99}"/>
               </a:ext>
             </a:extLst>
           </p:cNvPr>
@@ -10929,7 +10944,7 @@
           <p:cNvPr id="9" name="Text Placeholder 6">
             <a:extLst>
               <a:ext uri="{FF2B5EF4-FFF2-40B4-BE49-F238E27FC236}">
-                <a16:creationId xmlns:a16="http://schemas.microsoft.com/office/drawing/2014/main" id="{26A87885-D672-4CF9-A78D-CFE98385B03A}"/>
+                <a16:creationId xmlns:a16="http://schemas.microsoft.com/office/drawing/2014/main" xmlns="" id="{26A87885-D672-4CF9-A78D-CFE98385B03A}"/>
               </a:ext>
             </a:extLst>
           </p:cNvPr>
@@ -11100,7 +11115,7 @@
           <p:cNvPr id="2" name="Title 1">
             <a:extLst>
               <a:ext uri="{FF2B5EF4-FFF2-40B4-BE49-F238E27FC236}">
-                <a16:creationId xmlns:a16="http://schemas.microsoft.com/office/drawing/2014/main" id="{19304E83-A4F0-49C5-BB01-F5773509A2B3}"/>
+                <a16:creationId xmlns:a16="http://schemas.microsoft.com/office/drawing/2014/main" xmlns="" id="{19304E83-A4F0-49C5-BB01-F5773509A2B3}"/>
               </a:ext>
             </a:extLst>
           </p:cNvPr>
@@ -11134,7 +11149,7 @@
           <p:cNvPr id="8" name="Slide Number Placeholder 7">
             <a:extLst>
               <a:ext uri="{FF2B5EF4-FFF2-40B4-BE49-F238E27FC236}">
-                <a16:creationId xmlns:a16="http://schemas.microsoft.com/office/drawing/2014/main" id="{E6AC9832-FB01-464A-9824-61887B77997E}"/>
+                <a16:creationId xmlns:a16="http://schemas.microsoft.com/office/drawing/2014/main" xmlns="" id="{E6AC9832-FB01-464A-9824-61887B77997E}"/>
               </a:ext>
             </a:extLst>
           </p:cNvPr>
@@ -11175,10 +11190,10 @@
           <p:cNvPr id="14" name="Rectangle 19">
             <a:extLst>
               <a:ext uri="{FF2B5EF4-FFF2-40B4-BE49-F238E27FC236}">
-                <a16:creationId xmlns:a16="http://schemas.microsoft.com/office/drawing/2014/main" id="{EFA08948-2B6F-46B1-9D2D-8D7B2B3FBD56}"/>
+                <a16:creationId xmlns:a16="http://schemas.microsoft.com/office/drawing/2014/main" xmlns="" id="{EFA08948-2B6F-46B1-9D2D-8D7B2B3FBD56}"/>
               </a:ext>
               <a:ext uri="{C183D7F6-B498-43B3-948B-1728B52AA6E4}">
-                <adec:decorative xmlns:adec="http://schemas.microsoft.com/office/drawing/2017/decorative" val="1"/>
+                <adec:decorative xmlns:adec="http://schemas.microsoft.com/office/drawing/2017/decorative" xmlns="" val="1"/>
               </a:ext>
             </a:extLst>
           </p:cNvPr>
@@ -11230,10 +11245,10 @@
           <p:cNvPr id="6" name="Rectangle 12">
             <a:extLst>
               <a:ext uri="{FF2B5EF4-FFF2-40B4-BE49-F238E27FC236}">
-                <a16:creationId xmlns:a16="http://schemas.microsoft.com/office/drawing/2014/main" id="{A7CD04AE-9A8B-4DED-855D-F51B510D0B69}"/>
+                <a16:creationId xmlns:a16="http://schemas.microsoft.com/office/drawing/2014/main" xmlns="" id="{A7CD04AE-9A8B-4DED-855D-F51B510D0B69}"/>
               </a:ext>
               <a:ext uri="{C183D7F6-B498-43B3-948B-1728B52AA6E4}">
-                <adec:decorative xmlns:adec="http://schemas.microsoft.com/office/drawing/2017/decorative" val="1"/>
+                <adec:decorative xmlns:adec="http://schemas.microsoft.com/office/drawing/2017/decorative" xmlns="" val="1"/>
               </a:ext>
             </a:extLst>
           </p:cNvPr>
@@ -11285,7 +11300,7 @@
           <p:cNvPr id="7" name="Text Placeholder 5">
             <a:extLst>
               <a:ext uri="{FF2B5EF4-FFF2-40B4-BE49-F238E27FC236}">
-                <a16:creationId xmlns:a16="http://schemas.microsoft.com/office/drawing/2014/main" id="{B237D1CA-B91A-410E-A968-D017BBE99F99}"/>
+                <a16:creationId xmlns:a16="http://schemas.microsoft.com/office/drawing/2014/main" xmlns="" id="{B237D1CA-B91A-410E-A968-D017BBE99F99}"/>
               </a:ext>
             </a:extLst>
           </p:cNvPr>
@@ -11319,7 +11334,7 @@
           <p:cNvPr id="9" name="Text Placeholder 6">
             <a:extLst>
               <a:ext uri="{FF2B5EF4-FFF2-40B4-BE49-F238E27FC236}">
-                <a16:creationId xmlns:a16="http://schemas.microsoft.com/office/drawing/2014/main" id="{26A87885-D672-4CF9-A78D-CFE98385B03A}"/>
+                <a16:creationId xmlns:a16="http://schemas.microsoft.com/office/drawing/2014/main" xmlns="" id="{26A87885-D672-4CF9-A78D-CFE98385B03A}"/>
               </a:ext>
             </a:extLst>
           </p:cNvPr>
@@ -11514,7 +11529,7 @@
           <p:cNvPr id="2" name="Title 1">
             <a:extLst>
               <a:ext uri="{FF2B5EF4-FFF2-40B4-BE49-F238E27FC236}">
-                <a16:creationId xmlns:a16="http://schemas.microsoft.com/office/drawing/2014/main" id="{19304E83-A4F0-49C5-BB01-F5773509A2B3}"/>
+                <a16:creationId xmlns:a16="http://schemas.microsoft.com/office/drawing/2014/main" xmlns="" id="{19304E83-A4F0-49C5-BB01-F5773509A2B3}"/>
               </a:ext>
             </a:extLst>
           </p:cNvPr>
@@ -11548,7 +11563,7 @@
           <p:cNvPr id="8" name="Slide Number Placeholder 7">
             <a:extLst>
               <a:ext uri="{FF2B5EF4-FFF2-40B4-BE49-F238E27FC236}">
-                <a16:creationId xmlns:a16="http://schemas.microsoft.com/office/drawing/2014/main" id="{E6AC9832-FB01-464A-9824-61887B77997E}"/>
+                <a16:creationId xmlns:a16="http://schemas.microsoft.com/office/drawing/2014/main" xmlns="" id="{E6AC9832-FB01-464A-9824-61887B77997E}"/>
               </a:ext>
             </a:extLst>
           </p:cNvPr>
@@ -11589,10 +11604,10 @@
           <p:cNvPr id="14" name="Rectangle 19">
             <a:extLst>
               <a:ext uri="{FF2B5EF4-FFF2-40B4-BE49-F238E27FC236}">
-                <a16:creationId xmlns:a16="http://schemas.microsoft.com/office/drawing/2014/main" id="{EFA08948-2B6F-46B1-9D2D-8D7B2B3FBD56}"/>
+                <a16:creationId xmlns:a16="http://schemas.microsoft.com/office/drawing/2014/main" xmlns="" id="{EFA08948-2B6F-46B1-9D2D-8D7B2B3FBD56}"/>
               </a:ext>
               <a:ext uri="{C183D7F6-B498-43B3-948B-1728B52AA6E4}">
-                <adec:decorative xmlns:adec="http://schemas.microsoft.com/office/drawing/2017/decorative" val="1"/>
+                <adec:decorative xmlns:adec="http://schemas.microsoft.com/office/drawing/2017/decorative" xmlns="" val="1"/>
               </a:ext>
             </a:extLst>
           </p:cNvPr>
@@ -11644,10 +11659,10 @@
           <p:cNvPr id="6" name="Rectangle 12">
             <a:extLst>
               <a:ext uri="{FF2B5EF4-FFF2-40B4-BE49-F238E27FC236}">
-                <a16:creationId xmlns:a16="http://schemas.microsoft.com/office/drawing/2014/main" id="{A7CD04AE-9A8B-4DED-855D-F51B510D0B69}"/>
+                <a16:creationId xmlns:a16="http://schemas.microsoft.com/office/drawing/2014/main" xmlns="" id="{A7CD04AE-9A8B-4DED-855D-F51B510D0B69}"/>
               </a:ext>
               <a:ext uri="{C183D7F6-B498-43B3-948B-1728B52AA6E4}">
-                <adec:decorative xmlns:adec="http://schemas.microsoft.com/office/drawing/2017/decorative" val="1"/>
+                <adec:decorative xmlns:adec="http://schemas.microsoft.com/office/drawing/2017/decorative" xmlns="" val="1"/>
               </a:ext>
             </a:extLst>
           </p:cNvPr>
@@ -11699,7 +11714,7 @@
           <p:cNvPr id="7" name="Text Placeholder 5">
             <a:extLst>
               <a:ext uri="{FF2B5EF4-FFF2-40B4-BE49-F238E27FC236}">
-                <a16:creationId xmlns:a16="http://schemas.microsoft.com/office/drawing/2014/main" id="{B237D1CA-B91A-410E-A968-D017BBE99F99}"/>
+                <a16:creationId xmlns:a16="http://schemas.microsoft.com/office/drawing/2014/main" xmlns="" id="{B237D1CA-B91A-410E-A968-D017BBE99F99}"/>
               </a:ext>
             </a:extLst>
           </p:cNvPr>
@@ -11733,7 +11748,7 @@
           <p:cNvPr id="9" name="Text Placeholder 6">
             <a:extLst>
               <a:ext uri="{FF2B5EF4-FFF2-40B4-BE49-F238E27FC236}">
-                <a16:creationId xmlns:a16="http://schemas.microsoft.com/office/drawing/2014/main" id="{26A87885-D672-4CF9-A78D-CFE98385B03A}"/>
+                <a16:creationId xmlns:a16="http://schemas.microsoft.com/office/drawing/2014/main" xmlns="" id="{26A87885-D672-4CF9-A78D-CFE98385B03A}"/>
               </a:ext>
             </a:extLst>
           </p:cNvPr>
@@ -11954,10 +11969,10 @@
       </p:grpSpPr>
       <p:pic>
         <p:nvPicPr>
-          <p:cNvPr id="32" name="Picture Placeholder 31" descr="hand clapping">
-            <a:extLst>
-              <a:ext uri="{FF2B5EF4-FFF2-40B4-BE49-F238E27FC236}">
-                <a16:creationId xmlns:a16="http://schemas.microsoft.com/office/drawing/2014/main" id="{AAB6EE12-FEF8-FB41-A909-0DA61D7725C7}"/>
+          <p:cNvPr id="12" name="Picture Placeholder 11" descr="Hands coming together in circle">
+            <a:extLst>
+              <a:ext uri="{FF2B5EF4-FFF2-40B4-BE49-F238E27FC236}">
+                <a16:creationId xmlns:a16="http://schemas.microsoft.com/office/drawing/2014/main" xmlns="" id="{AA8A1CBA-9BB5-2246-9F4B-98EAD7C90158}"/>
               </a:ext>
             </a:extLst>
           </p:cNvPr>
@@ -11985,10 +12000,10 @@
       </p:pic>
       <p:sp>
         <p:nvSpPr>
-          <p:cNvPr id="14" name="Title 13">
-            <a:extLst>
-              <a:ext uri="{FF2B5EF4-FFF2-40B4-BE49-F238E27FC236}">
-                <a16:creationId xmlns:a16="http://schemas.microsoft.com/office/drawing/2014/main" id="{6C38D7A9-9299-4108-BB08-026F4B9CAE7B}"/>
+          <p:cNvPr id="3" name="Title 2">
+            <a:extLst>
+              <a:ext uri="{FF2B5EF4-FFF2-40B4-BE49-F238E27FC236}">
+                <a16:creationId xmlns:a16="http://schemas.microsoft.com/office/drawing/2014/main" xmlns="" id="{200B3D2B-613A-41BE-987D-E6A1324B456D}"/>
               </a:ext>
             </a:extLst>
           </p:cNvPr>
@@ -11999,49 +12014,315 @@
             <p:ph type="ctrTitle"/>
           </p:nvPr>
         </p:nvSpPr>
-        <p:spPr/>
+        <p:spPr>
+          <a:xfrm>
+            <a:off x="3200400" y="2811053"/>
+            <a:ext cx="8991600" cy="1261295"/>
+          </a:xfrm>
+        </p:spPr>
         <p:txBody>
           <a:bodyPr/>
           <a:lstStyle/>
           <a:p>
             <a:r>
-              <a:rPr lang="en-US" dirty="0"/>
-              <a:t>Thank You</a:t>
-            </a:r>
-          </a:p>
-        </p:txBody>
-      </p:sp>
-      <p:sp>
-        <p:nvSpPr>
-          <p:cNvPr id="4" name="Text Placeholder 3">
-            <a:extLst>
-              <a:ext uri="{FF2B5EF4-FFF2-40B4-BE49-F238E27FC236}">
-                <a16:creationId xmlns:a16="http://schemas.microsoft.com/office/drawing/2014/main" id="{60828E04-9C2A-4859-8050-C2DF67A249CB}"/>
-              </a:ext>
-            </a:extLst>
-          </p:cNvPr>
-          <p:cNvSpPr>
-            <a:spLocks noGrp="1"/>
-          </p:cNvSpPr>
-          <p:nvPr>
-            <p:ph type="body" sz="quarter" idx="15"/>
-          </p:nvPr>
-        </p:nvSpPr>
-        <p:spPr>
+              <a:rPr lang="en-US" dirty="0" smtClean="0"/>
+              <a:t>Project 2. </a:t>
+            </a:r>
+            <a:r>
+              <a:rPr lang="en-US" dirty="0" err="1" smtClean="0"/>
+              <a:t>FunFun</a:t>
+            </a:r>
+            <a:endParaRPr lang="en-US" dirty="0"/>
+          </a:p>
+        </p:txBody>
+      </p:sp>
+      <p:sp>
+        <p:nvSpPr>
+          <p:cNvPr id="4" name="Subtitle 3">
+            <a:extLst>
+              <a:ext uri="{FF2B5EF4-FFF2-40B4-BE49-F238E27FC236}">
+                <a16:creationId xmlns:a16="http://schemas.microsoft.com/office/drawing/2014/main" xmlns="" id="{4772945D-CA91-4CFE-8EB7-941C7618C994}"/>
+              </a:ext>
+            </a:extLst>
+          </p:cNvPr>
+          <p:cNvSpPr>
+            <a:spLocks noGrp="1"/>
+          </p:cNvSpPr>
+          <p:nvPr>
+            <p:ph type="subTitle" idx="1"/>
+          </p:nvPr>
+        </p:nvSpPr>
+        <p:spPr>
+          <a:xfrm>
+            <a:off x="3200400" y="4061039"/>
+            <a:ext cx="6580188" cy="580921"/>
+          </a:xfrm>
+        </p:spPr>
+        <p:txBody>
+          <a:bodyPr/>
+          <a:lstStyle/>
+          <a:p>
+            <a:r>
+              <a:rPr lang="ko-KR" altLang="en-US" dirty="0" err="1" smtClean="0"/>
+              <a:t>크라우드</a:t>
+            </a:r>
+            <a:r>
+              <a:rPr lang="ko-KR" altLang="en-US" dirty="0" smtClean="0"/>
+              <a:t> </a:t>
+            </a:r>
+            <a:r>
+              <a:rPr lang="ko-KR" altLang="en-US" dirty="0" err="1" smtClean="0"/>
+              <a:t>펀딩</a:t>
+            </a:r>
+            <a:r>
+              <a:rPr lang="ko-KR" altLang="en-US" dirty="0" smtClean="0"/>
+              <a:t> 플랫폼 </a:t>
+            </a:r>
+            <a:r>
+              <a:rPr lang="ko-KR" altLang="en-US" dirty="0" err="1" smtClean="0"/>
+              <a:t>펀펀</a:t>
+            </a:r>
+            <a:endParaRPr lang="en-US" dirty="0"/>
+          </a:p>
+        </p:txBody>
+      </p:sp>
+      <p:sp>
+        <p:nvSpPr>
+          <p:cNvPr id="10" name="Slide Number Placeholder 5">
+            <a:extLst>
+              <a:ext uri="{FF2B5EF4-FFF2-40B4-BE49-F238E27FC236}">
+                <a16:creationId xmlns:a16="http://schemas.microsoft.com/office/drawing/2014/main" xmlns="" id="{1C554D9F-1895-486E-BFBA-905BB2D29E08}"/>
+              </a:ext>
+            </a:extLst>
+          </p:cNvPr>
+          <p:cNvSpPr txBox="1">
+            <a:spLocks/>
+          </p:cNvSpPr>
+          <p:nvPr/>
+        </p:nvSpPr>
+        <p:spPr>
+          <a:xfrm>
+            <a:off x="11760000" y="6371351"/>
+            <a:ext cx="432000" cy="432000"/>
+          </a:xfrm>
+          <a:prstGeom prst="rect">
+            <a:avLst/>
+          </a:prstGeom>
           <a:solidFill>
             <a:schemeClr val="tx1">
-              <a:lumMod val="75000"/>
-              <a:lumOff val="25000"/>
+              <a:lumMod val="95000"/>
+              <a:lumOff val="5000"/>
             </a:schemeClr>
           </a:solidFill>
         </p:spPr>
         <p:txBody>
           <a:bodyPr/>
-          <a:lstStyle/>
-          <a:p>
-            <a:r>
-              <a:rPr lang="ko-KR" altLang="en-US" dirty="0"/>
-              <a:t>이형준</a:t>
+          <a:lstStyle>
+            <a:defPPr>
+              <a:defRPr lang="en-US"/>
+            </a:defPPr>
+            <a:lvl1pPr marL="0" algn="l" defTabSz="914400" rtl="0" eaLnBrk="1" latinLnBrk="0" hangingPunct="1">
+              <a:defRPr sz="1800" kern="1200">
+                <a:solidFill>
+                  <a:schemeClr val="tx1"/>
+                </a:solidFill>
+                <a:latin typeface="+mn-lt"/>
+                <a:ea typeface="+mn-ea"/>
+                <a:cs typeface="+mn-cs"/>
+              </a:defRPr>
+            </a:lvl1pPr>
+            <a:lvl2pPr marL="457200" algn="l" defTabSz="914400" rtl="0" eaLnBrk="1" latinLnBrk="0" hangingPunct="1">
+              <a:defRPr sz="1800" kern="1200">
+                <a:solidFill>
+                  <a:schemeClr val="tx1"/>
+                </a:solidFill>
+                <a:latin typeface="+mn-lt"/>
+                <a:ea typeface="+mn-ea"/>
+                <a:cs typeface="+mn-cs"/>
+              </a:defRPr>
+            </a:lvl2pPr>
+            <a:lvl3pPr marL="914400" algn="l" defTabSz="914400" rtl="0" eaLnBrk="1" latinLnBrk="0" hangingPunct="1">
+              <a:defRPr sz="1800" kern="1200">
+                <a:solidFill>
+                  <a:schemeClr val="tx1"/>
+                </a:solidFill>
+                <a:latin typeface="+mn-lt"/>
+                <a:ea typeface="+mn-ea"/>
+                <a:cs typeface="+mn-cs"/>
+              </a:defRPr>
+            </a:lvl3pPr>
+            <a:lvl4pPr marL="1371600" algn="l" defTabSz="914400" rtl="0" eaLnBrk="1" latinLnBrk="0" hangingPunct="1">
+              <a:defRPr sz="1800" kern="1200">
+                <a:solidFill>
+                  <a:schemeClr val="tx1"/>
+                </a:solidFill>
+                <a:latin typeface="+mn-lt"/>
+                <a:ea typeface="+mn-ea"/>
+                <a:cs typeface="+mn-cs"/>
+              </a:defRPr>
+            </a:lvl4pPr>
+            <a:lvl5pPr marL="1828800" algn="l" defTabSz="914400" rtl="0" eaLnBrk="1" latinLnBrk="0" hangingPunct="1">
+              <a:defRPr sz="1800" kern="1200">
+                <a:solidFill>
+                  <a:schemeClr val="tx1"/>
+                </a:solidFill>
+                <a:latin typeface="+mn-lt"/>
+                <a:ea typeface="+mn-ea"/>
+                <a:cs typeface="+mn-cs"/>
+              </a:defRPr>
+            </a:lvl5pPr>
+            <a:lvl6pPr marL="2286000" algn="l" defTabSz="914400" rtl="0" eaLnBrk="1" latinLnBrk="0" hangingPunct="1">
+              <a:defRPr sz="1800" kern="1200">
+                <a:solidFill>
+                  <a:schemeClr val="tx1"/>
+                </a:solidFill>
+                <a:latin typeface="+mn-lt"/>
+                <a:ea typeface="+mn-ea"/>
+                <a:cs typeface="+mn-cs"/>
+              </a:defRPr>
+            </a:lvl6pPr>
+            <a:lvl7pPr marL="2743200" algn="l" defTabSz="914400" rtl="0" eaLnBrk="1" latinLnBrk="0" hangingPunct="1">
+              <a:defRPr sz="1800" kern="1200">
+                <a:solidFill>
+                  <a:schemeClr val="tx1"/>
+                </a:solidFill>
+                <a:latin typeface="+mn-lt"/>
+                <a:ea typeface="+mn-ea"/>
+                <a:cs typeface="+mn-cs"/>
+              </a:defRPr>
+            </a:lvl7pPr>
+            <a:lvl8pPr marL="3200400" algn="l" defTabSz="914400" rtl="0" eaLnBrk="1" latinLnBrk="0" hangingPunct="1">
+              <a:defRPr sz="1800" kern="1200">
+                <a:solidFill>
+                  <a:schemeClr val="tx1"/>
+                </a:solidFill>
+                <a:latin typeface="+mn-lt"/>
+                <a:ea typeface="+mn-ea"/>
+                <a:cs typeface="+mn-cs"/>
+              </a:defRPr>
+            </a:lvl8pPr>
+            <a:lvl9pPr marL="3657600" algn="l" defTabSz="914400" rtl="0" eaLnBrk="1" latinLnBrk="0" hangingPunct="1">
+              <a:defRPr sz="1800" kern="1200">
+                <a:solidFill>
+                  <a:schemeClr val="tx1"/>
+                </a:solidFill>
+                <a:latin typeface="+mn-lt"/>
+                <a:ea typeface="+mn-ea"/>
+                <a:cs typeface="+mn-cs"/>
+              </a:defRPr>
+            </a:lvl9pPr>
+          </a:lstStyle>
+          <a:p>
+            <a:pPr algn="ctr"/>
+            <a:r>
+              <a:rPr lang="en-US" dirty="0">
+                <a:solidFill>
+                  <a:schemeClr val="bg1"/>
+                </a:solidFill>
+              </a:rPr>
+              <a:t>1</a:t>
+            </a:r>
+          </a:p>
+        </p:txBody>
+      </p:sp>
+    </p:spTree>
+    <p:extLst>
+      <p:ext uri="{BB962C8B-B14F-4D97-AF65-F5344CB8AC3E}">
+        <p14:creationId xmlns:p14="http://schemas.microsoft.com/office/powerpoint/2010/main" val="2851658015"/>
+      </p:ext>
+    </p:extLst>
+  </p:cSld>
+  <p:clrMapOvr>
+    <a:masterClrMapping/>
+  </p:clrMapOvr>
+</p:sld>
+</file>
+
+<file path=ppt/slides/slide16.xml><?xml version="1.0" encoding="utf-8"?>
+<p:sld xmlns:a="http://schemas.openxmlformats.org/drawingml/2006/main" xmlns:r="http://schemas.openxmlformats.org/officeDocument/2006/relationships" xmlns:p="http://schemas.openxmlformats.org/presentationml/2006/main">
+  <p:cSld>
+    <p:spTree>
+      <p:nvGrpSpPr>
+        <p:cNvPr id="1" name=""/>
+        <p:cNvGrpSpPr/>
+        <p:nvPr/>
+      </p:nvGrpSpPr>
+      <p:grpSpPr>
+        <a:xfrm>
+          <a:off x="0" y="0"/>
+          <a:ext cx="0" cy="0"/>
+          <a:chOff x="0" y="0"/>
+          <a:chExt cx="0" cy="0"/>
+        </a:xfrm>
+      </p:grpSpPr>
+      <p:sp>
+        <p:nvSpPr>
+          <p:cNvPr id="4" name="Content Placeholder 3">
+            <a:extLst>
+              <a:ext uri="{FF2B5EF4-FFF2-40B4-BE49-F238E27FC236}">
+                <a16:creationId xmlns:a16="http://schemas.microsoft.com/office/drawing/2014/main" xmlns="" id="{D355C61F-C8F1-4977-8E1F-F16C0D9EA88C}"/>
+              </a:ext>
+            </a:extLst>
+          </p:cNvPr>
+          <p:cNvSpPr>
+            <a:spLocks noGrp="1"/>
+          </p:cNvSpPr>
+          <p:nvPr>
+            <p:ph sz="half" idx="1"/>
+          </p:nvPr>
+        </p:nvSpPr>
+        <p:spPr/>
+        <p:txBody>
+          <a:bodyPr/>
+          <a:lstStyle/>
+          <a:p>
+            <a:pPr marL="0" indent="0">
+              <a:buNone/>
+            </a:pPr>
+            <a:r>
+              <a:rPr lang="ko-KR" altLang="en-US" sz="2800" dirty="0"/>
+              <a:t>장소 대여와 참여자 모집을 한번에</a:t>
+            </a:r>
+            <a:endParaRPr lang="en-US" sz="2800" dirty="0"/>
+          </a:p>
+          <a:p>
+            <a:r>
+              <a:rPr lang="ko-KR" altLang="en-US" dirty="0"/>
+              <a:t>세미나를 주최하여 지식을 공유하고 수익을 얻고 싶은 사람에게는 장소 대여와 세미나 개최 기능을</a:t>
+            </a:r>
+            <a:r>
+              <a:rPr lang="en-US" altLang="ko-KR" dirty="0"/>
+              <a:t> </a:t>
+            </a:r>
+            <a:r>
+              <a:rPr lang="ko-KR" altLang="en-US" dirty="0"/>
+              <a:t>제공</a:t>
+            </a:r>
+            <a:endParaRPr lang="en-US" dirty="0"/>
+          </a:p>
+          <a:p>
+            <a:r>
+              <a:rPr lang="ko-KR" altLang="en-US" dirty="0"/>
+              <a:t>관심 있는 주제의 세미나에 참여하여 쌍방향 소통을 통해 지식을 얻고 싶은 사람에게는 세미나 참여 기회를 제공</a:t>
+            </a:r>
+            <a:endParaRPr lang="en-US" dirty="0"/>
+          </a:p>
+          <a:p>
+            <a:r>
+              <a:rPr lang="ko-KR" altLang="en-US" dirty="0"/>
+              <a:t>세미나를 주최하고자 하는 사람에게는 장소 대여와 세미나를 홍보할 수 있도록 하고</a:t>
+            </a:r>
+            <a:r>
+              <a:rPr lang="en-US" altLang="ko-KR" dirty="0"/>
+              <a:t>, </a:t>
+            </a:r>
+            <a:r>
+              <a:rPr lang="ko-KR" altLang="en-US" dirty="0"/>
+              <a:t>세미나에 참여하고 싶은 사람에게는 다양한 세미나에 대한 정보와 참여 신청 기능을 제공합니다</a:t>
+            </a:r>
+            <a:r>
+              <a:rPr lang="en-US" altLang="ko-KR" dirty="0"/>
+              <a:t>.</a:t>
             </a:r>
             <a:endParaRPr lang="en-US" dirty="0"/>
           </a:p>
@@ -12049,273 +12330,1200 @@
       </p:sp>
       <p:pic>
         <p:nvPicPr>
-          <p:cNvPr id="8" name="Graphic 7" descr="User" title="Icon - Presenter Name">
-            <a:extLst>
-              <a:ext uri="{FF2B5EF4-FFF2-40B4-BE49-F238E27FC236}">
-                <a16:creationId xmlns:a16="http://schemas.microsoft.com/office/drawing/2014/main" id="{111541C4-DB03-4E53-994D-499C7D73C4DF}"/>
-              </a:ext>
-            </a:extLst>
-          </p:cNvPr>
+          <p:cNvPr id="9" name="Picture Placeholder 8" descr="Handing touching mobile phone">
+            <a:extLst>
+              <a:ext uri="{FF2B5EF4-FFF2-40B4-BE49-F238E27FC236}">
+                <a16:creationId xmlns:a16="http://schemas.microsoft.com/office/drawing/2014/main" xmlns="" id="{A9A75888-22E3-1D43-9112-DA02186070B5}"/>
+              </a:ext>
+            </a:extLst>
+          </p:cNvPr>
+          <p:cNvPicPr>
+            <a:picLocks noGrp="1" noChangeAspect="1"/>
+          </p:cNvPicPr>
+          <p:nvPr>
+            <p:ph type="pic" sz="quarter" idx="14"/>
+          </p:nvPr>
+        </p:nvPicPr>
+        <p:blipFill>
+          <a:blip r:embed="rId2" cstate="screen">
+            <a:extLst>
+              <a:ext uri="{28A0092B-C50C-407E-A947-70E740481C1C}">
+                <a14:useLocalDpi xmlns:a14="http://schemas.microsoft.com/office/drawing/2010/main"/>
+              </a:ext>
+            </a:extLst>
+          </a:blip>
+          <a:srcRect/>
+          <a:stretch>
+            <a:fillRect/>
+          </a:stretch>
+        </p:blipFill>
+        <p:spPr/>
+      </p:pic>
+      <p:sp>
+        <p:nvSpPr>
+          <p:cNvPr id="20" name="Rectangle 19">
+            <a:extLst>
+              <a:ext uri="{FF2B5EF4-FFF2-40B4-BE49-F238E27FC236}">
+                <a16:creationId xmlns:a16="http://schemas.microsoft.com/office/drawing/2014/main" xmlns="" id="{EFA08948-2B6F-46B1-9D2D-8D7B2B3FBD56}"/>
+              </a:ext>
+              <a:ext uri="{C183D7F6-B498-43B3-948B-1728B52AA6E4}">
+                <adec:decorative xmlns:adec="http://schemas.microsoft.com/office/drawing/2017/decorative" xmlns="" val="1"/>
+              </a:ext>
+            </a:extLst>
+          </p:cNvPr>
+          <p:cNvSpPr/>
+          <p:nvPr/>
+        </p:nvSpPr>
+        <p:spPr>
+          <a:xfrm>
+            <a:off x="9348588" y="3688075"/>
+            <a:ext cx="2411412" cy="114824"/>
+          </a:xfrm>
+          <a:prstGeom prst="rect">
+            <a:avLst/>
+          </a:prstGeom>
+          <a:solidFill>
+            <a:schemeClr val="accent1"/>
+          </a:solidFill>
+          <a:ln>
+            <a:noFill/>
+          </a:ln>
+        </p:spPr>
+        <p:style>
+          <a:lnRef idx="2">
+            <a:schemeClr val="accent1">
+              <a:shade val="50000"/>
+            </a:schemeClr>
+          </a:lnRef>
+          <a:fillRef idx="1">
+            <a:schemeClr val="accent1"/>
+          </a:fillRef>
+          <a:effectRef idx="0">
+            <a:schemeClr val="accent1"/>
+          </a:effectRef>
+          <a:fontRef idx="minor">
+            <a:schemeClr val="lt1"/>
+          </a:fontRef>
+        </p:style>
+        <p:txBody>
+          <a:bodyPr rtlCol="0" anchor="ctr"/>
+          <a:lstStyle/>
+          <a:p>
+            <a:pPr algn="l"/>
+            <a:endParaRPr lang="en-US" dirty="0"/>
+          </a:p>
+        </p:txBody>
+      </p:sp>
+      <p:sp>
+        <p:nvSpPr>
+          <p:cNvPr id="2" name="Title 1">
+            <a:extLst>
+              <a:ext uri="{FF2B5EF4-FFF2-40B4-BE49-F238E27FC236}">
+                <a16:creationId xmlns:a16="http://schemas.microsoft.com/office/drawing/2014/main" xmlns="" id="{3560F281-4FF6-4617-A809-AC9C15ECF18A}"/>
+              </a:ext>
+            </a:extLst>
+          </p:cNvPr>
+          <p:cNvSpPr>
+            <a:spLocks noGrp="1"/>
+          </p:cNvSpPr>
+          <p:nvPr>
+            <p:ph type="title"/>
+          </p:nvPr>
+        </p:nvSpPr>
+        <p:spPr/>
+        <p:txBody>
+          <a:bodyPr/>
+          <a:lstStyle/>
+          <a:p>
+            <a:r>
+              <a:rPr lang="en-US" dirty="0"/>
+              <a:t>Concepts</a:t>
+            </a:r>
+          </a:p>
+        </p:txBody>
+      </p:sp>
+      <p:sp>
+        <p:nvSpPr>
+          <p:cNvPr id="3" name="Text Placeholder 2">
+            <a:extLst>
+              <a:ext uri="{FF2B5EF4-FFF2-40B4-BE49-F238E27FC236}">
+                <a16:creationId xmlns:a16="http://schemas.microsoft.com/office/drawing/2014/main" xmlns="" id="{611DC577-0A95-47D0-95D9-5F8DA763D46B}"/>
+              </a:ext>
+            </a:extLst>
+          </p:cNvPr>
+          <p:cNvSpPr>
+            <a:spLocks noGrp="1"/>
+          </p:cNvSpPr>
+          <p:nvPr>
+            <p:ph type="body" sz="quarter" idx="32"/>
+          </p:nvPr>
+        </p:nvSpPr>
+        <p:spPr/>
+        <p:txBody>
+          <a:bodyPr/>
+          <a:lstStyle/>
+          <a:p>
+            <a:r>
+              <a:rPr lang="ko-KR" altLang="en-US" dirty="0"/>
+              <a:t>장소를 대여하고</a:t>
+            </a:r>
+            <a:r>
+              <a:rPr lang="en-US" altLang="ko-KR" dirty="0"/>
+              <a:t>, </a:t>
+            </a:r>
+            <a:r>
+              <a:rPr lang="ko-KR" altLang="en-US" dirty="0"/>
+              <a:t>모임을 알려</a:t>
+            </a:r>
+            <a:endParaRPr lang="en-US" altLang="ko-KR" dirty="0"/>
+          </a:p>
+          <a:p>
+            <a:r>
+              <a:rPr lang="ko-KR" altLang="en-US" dirty="0"/>
+              <a:t>참여자를 모집합니다</a:t>
+            </a:r>
+            <a:r>
+              <a:rPr lang="en-US" altLang="ko-KR" dirty="0"/>
+              <a:t>.</a:t>
+            </a:r>
+            <a:endParaRPr lang="en-US" dirty="0"/>
+          </a:p>
+        </p:txBody>
+      </p:sp>
+      <p:sp>
+        <p:nvSpPr>
+          <p:cNvPr id="6" name="Slide Number Placeholder 5">
+            <a:extLst>
+              <a:ext uri="{FF2B5EF4-FFF2-40B4-BE49-F238E27FC236}">
+                <a16:creationId xmlns:a16="http://schemas.microsoft.com/office/drawing/2014/main" xmlns="" id="{1C554D9F-1895-486E-BFBA-905BB2D29E08}"/>
+              </a:ext>
+            </a:extLst>
+          </p:cNvPr>
+          <p:cNvSpPr>
+            <a:spLocks noGrp="1"/>
+          </p:cNvSpPr>
+          <p:nvPr>
+            <p:ph type="sldNum" sz="quarter" idx="33"/>
+          </p:nvPr>
+        </p:nvSpPr>
+        <p:spPr>
+          <a:solidFill>
+            <a:schemeClr val="tx1">
+              <a:lumMod val="95000"/>
+              <a:lumOff val="5000"/>
+            </a:schemeClr>
+          </a:solidFill>
+        </p:spPr>
+        <p:txBody>
+          <a:bodyPr/>
+          <a:lstStyle/>
+          <a:p>
+            <a:r>
+              <a:rPr lang="en-US" sz="1800" dirty="0"/>
+              <a:t>2</a:t>
+            </a:r>
+          </a:p>
+        </p:txBody>
+      </p:sp>
+    </p:spTree>
+    <p:extLst>
+      <p:ext uri="{BB962C8B-B14F-4D97-AF65-F5344CB8AC3E}">
+        <p14:creationId xmlns:p14="http://schemas.microsoft.com/office/powerpoint/2010/main" val="535562533"/>
+      </p:ext>
+    </p:extLst>
+  </p:cSld>
+  <p:clrMapOvr>
+    <a:masterClrMapping/>
+  </p:clrMapOvr>
+</p:sld>
+</file>
+
+<file path=ppt/slides/slide17.xml><?xml version="1.0" encoding="utf-8"?>
+<p:sld xmlns:a="http://schemas.openxmlformats.org/drawingml/2006/main" xmlns:r="http://schemas.openxmlformats.org/officeDocument/2006/relationships" xmlns:p="http://schemas.openxmlformats.org/presentationml/2006/main">
+  <p:cSld>
+    <p:spTree>
+      <p:nvGrpSpPr>
+        <p:cNvPr id="1" name=""/>
+        <p:cNvGrpSpPr/>
+        <p:nvPr/>
+      </p:nvGrpSpPr>
+      <p:grpSpPr>
+        <a:xfrm>
+          <a:off x="0" y="0"/>
+          <a:ext cx="0" cy="0"/>
+          <a:chOff x="0" y="0"/>
+          <a:chExt cx="0" cy="0"/>
+        </a:xfrm>
+      </p:grpSpPr>
+      <p:sp>
+        <p:nvSpPr>
+          <p:cNvPr id="15" name="Rectangle 19">
+            <a:extLst>
+              <a:ext uri="{FF2B5EF4-FFF2-40B4-BE49-F238E27FC236}">
+                <a16:creationId xmlns:a16="http://schemas.microsoft.com/office/drawing/2014/main" xmlns="" id="{EFA08948-2B6F-46B1-9D2D-8D7B2B3FBD56}"/>
+              </a:ext>
+              <a:ext uri="{C183D7F6-B498-43B3-948B-1728B52AA6E4}">
+                <adec:decorative xmlns:adec="http://schemas.microsoft.com/office/drawing/2017/decorative" xmlns="" val="1"/>
+              </a:ext>
+            </a:extLst>
+          </p:cNvPr>
+          <p:cNvSpPr/>
+          <p:nvPr/>
+        </p:nvSpPr>
+        <p:spPr>
+          <a:xfrm>
+            <a:off x="0" y="0"/>
+            <a:ext cx="1984175" cy="114824"/>
+          </a:xfrm>
+          <a:prstGeom prst="rect">
+            <a:avLst/>
+          </a:prstGeom>
+          <a:solidFill>
+            <a:schemeClr val="accent1"/>
+          </a:solidFill>
+          <a:ln>
+            <a:noFill/>
+          </a:ln>
+        </p:spPr>
+        <p:style>
+          <a:lnRef idx="2">
+            <a:schemeClr val="accent1">
+              <a:shade val="50000"/>
+            </a:schemeClr>
+          </a:lnRef>
+          <a:fillRef idx="1">
+            <a:schemeClr val="accent1"/>
+          </a:fillRef>
+          <a:effectRef idx="0">
+            <a:schemeClr val="accent1"/>
+          </a:effectRef>
+          <a:fontRef idx="minor">
+            <a:schemeClr val="lt1"/>
+          </a:fontRef>
+        </p:style>
+        <p:txBody>
+          <a:bodyPr rtlCol="0" anchor="ctr"/>
+          <a:lstStyle/>
+          <a:p>
+            <a:pPr algn="l"/>
+            <a:endParaRPr lang="en-US" dirty="0"/>
+          </a:p>
+        </p:txBody>
+      </p:sp>
+      <p:sp>
+        <p:nvSpPr>
+          <p:cNvPr id="16" name="Title 1">
+            <a:extLst>
+              <a:ext uri="{FF2B5EF4-FFF2-40B4-BE49-F238E27FC236}">
+                <a16:creationId xmlns:a16="http://schemas.microsoft.com/office/drawing/2014/main" xmlns="" id="{3560F281-4FF6-4617-A809-AC9C15ECF18A}"/>
+              </a:ext>
+            </a:extLst>
+          </p:cNvPr>
+          <p:cNvSpPr txBox="1">
+            <a:spLocks/>
+          </p:cNvSpPr>
+          <p:nvPr/>
+        </p:nvSpPr>
+        <p:spPr>
+          <a:xfrm>
+            <a:off x="234" y="152525"/>
+            <a:ext cx="1983941" cy="444375"/>
+          </a:xfrm>
+          <a:prstGeom prst="rect">
+            <a:avLst/>
+          </a:prstGeom>
+        </p:spPr>
+        <p:txBody>
+          <a:bodyPr/>
+          <a:lstStyle>
+            <a:lvl1pPr algn="l" defTabSz="914400" rtl="0" eaLnBrk="1" latinLnBrk="1" hangingPunct="1">
+              <a:lnSpc>
+                <a:spcPct val="90000"/>
+              </a:lnSpc>
+              <a:spcBef>
+                <a:spcPct val="0"/>
+              </a:spcBef>
+              <a:buNone/>
+              <a:defRPr sz="3200" b="1" kern="1200" spc="-150">
+                <a:solidFill>
+                  <a:schemeClr val="tx1">
+                    <a:lumMod val="75000"/>
+                    <a:lumOff val="25000"/>
+                  </a:schemeClr>
+                </a:solidFill>
+                <a:latin typeface="+mj-lt"/>
+                <a:ea typeface="+mj-ea"/>
+                <a:cs typeface="+mj-cs"/>
+              </a:defRPr>
+            </a:lvl1pPr>
+          </a:lstStyle>
+          <a:p>
+            <a:r>
+              <a:rPr lang="en-US" dirty="0"/>
+              <a:t>Use Flow</a:t>
+            </a:r>
+          </a:p>
+        </p:txBody>
+      </p:sp>
+      <p:sp>
+        <p:nvSpPr>
+          <p:cNvPr id="18" name="Slide Number Placeholder 5">
+            <a:extLst>
+              <a:ext uri="{FF2B5EF4-FFF2-40B4-BE49-F238E27FC236}">
+                <a16:creationId xmlns:a16="http://schemas.microsoft.com/office/drawing/2014/main" xmlns="" id="{1C554D9F-1895-486E-BFBA-905BB2D29E08}"/>
+              </a:ext>
+            </a:extLst>
+          </p:cNvPr>
+          <p:cNvSpPr>
+            <a:spLocks noGrp="1"/>
+          </p:cNvSpPr>
+          <p:nvPr>
+            <p:ph type="sldNum" sz="quarter" idx="33"/>
+          </p:nvPr>
+        </p:nvSpPr>
+        <p:spPr>
+          <a:xfrm>
+            <a:off x="11760000" y="6371351"/>
+            <a:ext cx="432000" cy="432000"/>
+          </a:xfrm>
+          <a:solidFill>
+            <a:schemeClr val="tx1">
+              <a:lumMod val="95000"/>
+              <a:lumOff val="5000"/>
+            </a:schemeClr>
+          </a:solidFill>
+        </p:spPr>
+        <p:txBody>
+          <a:bodyPr/>
+          <a:lstStyle/>
+          <a:p>
+            <a:r>
+              <a:rPr lang="en-US" sz="1800" dirty="0"/>
+              <a:t>3</a:t>
+            </a:r>
+          </a:p>
+        </p:txBody>
+      </p:sp>
+      <p:sp>
+        <p:nvSpPr>
+          <p:cNvPr id="12" name="직사각형 11"/>
+          <p:cNvSpPr/>
+          <p:nvPr/>
+        </p:nvSpPr>
+        <p:spPr>
+          <a:xfrm>
+            <a:off x="2074561" y="1708150"/>
+            <a:ext cx="1193800" cy="698500"/>
+          </a:xfrm>
+          <a:prstGeom prst="rect">
+            <a:avLst/>
+          </a:prstGeom>
+          <a:solidFill>
+            <a:srgbClr val="25C6E3"/>
+          </a:solidFill>
+          <a:ln>
+            <a:noFill/>
+          </a:ln>
+        </p:spPr>
+        <p:style>
+          <a:lnRef idx="2">
+            <a:schemeClr val="accent1">
+              <a:shade val="50000"/>
+            </a:schemeClr>
+          </a:lnRef>
+          <a:fillRef idx="1">
+            <a:schemeClr val="accent1"/>
+          </a:fillRef>
+          <a:effectRef idx="0">
+            <a:schemeClr val="accent1"/>
+          </a:effectRef>
+          <a:fontRef idx="minor">
+            <a:schemeClr val="lt1"/>
+          </a:fontRef>
+        </p:style>
+        <p:txBody>
+          <a:bodyPr rtlCol="0" anchor="ctr"/>
+          <a:lstStyle/>
+          <a:p>
+            <a:pPr algn="ctr"/>
+            <a:r>
+              <a:rPr lang="en-US" altLang="ko-KR" dirty="0">
+                <a:solidFill>
+                  <a:schemeClr val="bg1"/>
+                </a:solidFill>
+              </a:rPr>
+              <a:t>Host User</a:t>
+            </a:r>
+            <a:endParaRPr lang="ko-KR" altLang="en-US" dirty="0">
+              <a:solidFill>
+                <a:schemeClr val="bg1"/>
+              </a:solidFill>
+            </a:endParaRPr>
+          </a:p>
+        </p:txBody>
+      </p:sp>
+      <p:sp>
+        <p:nvSpPr>
+          <p:cNvPr id="19" name="직사각형 18"/>
+          <p:cNvSpPr/>
+          <p:nvPr/>
+        </p:nvSpPr>
+        <p:spPr>
+          <a:xfrm>
+            <a:off x="4143174" y="1155700"/>
+            <a:ext cx="4835725" cy="3048000"/>
+          </a:xfrm>
+          <a:prstGeom prst="rect">
+            <a:avLst/>
+          </a:prstGeom>
+          <a:solidFill>
+            <a:srgbClr val="25C6E3"/>
+          </a:solidFill>
+          <a:ln>
+            <a:solidFill>
+              <a:schemeClr val="accent1"/>
+            </a:solidFill>
+          </a:ln>
+        </p:spPr>
+        <p:style>
+          <a:lnRef idx="2">
+            <a:schemeClr val="accent1">
+              <a:shade val="50000"/>
+            </a:schemeClr>
+          </a:lnRef>
+          <a:fillRef idx="1">
+            <a:schemeClr val="accent1"/>
+          </a:fillRef>
+          <a:effectRef idx="0">
+            <a:schemeClr val="accent1"/>
+          </a:effectRef>
+          <a:fontRef idx="minor">
+            <a:schemeClr val="lt1"/>
+          </a:fontRef>
+        </p:style>
+        <p:txBody>
+          <a:bodyPr rtlCol="0" anchor="t"/>
+          <a:lstStyle/>
+          <a:p>
+            <a:r>
+              <a:rPr lang="en-US" altLang="ko-KR" dirty="0">
+                <a:solidFill>
+                  <a:schemeClr val="bg1"/>
+                </a:solidFill>
+              </a:rPr>
+              <a:t>E-zone</a:t>
+            </a:r>
+            <a:endParaRPr lang="ko-KR" altLang="en-US" dirty="0">
+              <a:solidFill>
+                <a:schemeClr val="bg1"/>
+              </a:solidFill>
+            </a:endParaRPr>
+          </a:p>
+        </p:txBody>
+      </p:sp>
+      <p:sp>
+        <p:nvSpPr>
+          <p:cNvPr id="13" name="직사각형 12"/>
+          <p:cNvSpPr/>
+          <p:nvPr/>
+        </p:nvSpPr>
+        <p:spPr>
+          <a:xfrm flipH="1">
+            <a:off x="4699000" y="2178050"/>
+            <a:ext cx="1143000" cy="1003300"/>
+          </a:xfrm>
+          <a:prstGeom prst="rect">
+            <a:avLst/>
+          </a:prstGeom>
+          <a:solidFill>
+            <a:schemeClr val="accent1">
+              <a:lumMod val="60000"/>
+              <a:lumOff val="40000"/>
+            </a:schemeClr>
+          </a:solidFill>
+          <a:ln>
+            <a:noFill/>
+          </a:ln>
+        </p:spPr>
+        <p:style>
+          <a:lnRef idx="2">
+            <a:schemeClr val="accent1">
+              <a:shade val="50000"/>
+            </a:schemeClr>
+          </a:lnRef>
+          <a:fillRef idx="1">
+            <a:schemeClr val="accent1"/>
+          </a:fillRef>
+          <a:effectRef idx="0">
+            <a:schemeClr val="accent1"/>
+          </a:effectRef>
+          <a:fontRef idx="minor">
+            <a:schemeClr val="lt1"/>
+          </a:fontRef>
+        </p:style>
+        <p:txBody>
+          <a:bodyPr rtlCol="0" anchor="ctr"/>
+          <a:lstStyle/>
+          <a:p>
+            <a:pPr algn="ctr"/>
+            <a:r>
+              <a:rPr lang="ko-KR" altLang="en-US" sz="1400" dirty="0"/>
+              <a:t>장소</a:t>
+            </a:r>
+          </a:p>
+        </p:txBody>
+      </p:sp>
+      <p:sp>
+        <p:nvSpPr>
+          <p:cNvPr id="21" name="직사각형 20"/>
+          <p:cNvSpPr/>
+          <p:nvPr/>
+        </p:nvSpPr>
+        <p:spPr>
+          <a:xfrm flipH="1">
+            <a:off x="6978649" y="2178050"/>
+            <a:ext cx="1143000" cy="1003300"/>
+          </a:xfrm>
+          <a:prstGeom prst="rect">
+            <a:avLst/>
+          </a:prstGeom>
+          <a:solidFill>
+            <a:schemeClr val="accent1">
+              <a:lumMod val="60000"/>
+              <a:lumOff val="40000"/>
+            </a:schemeClr>
+          </a:solidFill>
+          <a:ln>
+            <a:noFill/>
+          </a:ln>
+        </p:spPr>
+        <p:style>
+          <a:lnRef idx="2">
+            <a:schemeClr val="accent1">
+              <a:shade val="50000"/>
+            </a:schemeClr>
+          </a:lnRef>
+          <a:fillRef idx="1">
+            <a:schemeClr val="accent1"/>
+          </a:fillRef>
+          <a:effectRef idx="0">
+            <a:schemeClr val="accent1"/>
+          </a:effectRef>
+          <a:fontRef idx="minor">
+            <a:schemeClr val="lt1"/>
+          </a:fontRef>
+        </p:style>
+        <p:txBody>
+          <a:bodyPr rtlCol="0" anchor="ctr"/>
+          <a:lstStyle/>
+          <a:p>
+            <a:pPr algn="ctr"/>
+            <a:r>
+              <a:rPr lang="ko-KR" altLang="en-US" sz="1400" dirty="0"/>
+              <a:t>세미나</a:t>
+            </a:r>
+          </a:p>
+        </p:txBody>
+      </p:sp>
+      <p:cxnSp>
+        <p:nvCxnSpPr>
+          <p:cNvPr id="29" name="구부러진 연결선 28"/>
+          <p:cNvCxnSpPr>
+            <a:stCxn id="12" idx="3"/>
+            <a:endCxn id="13" idx="3"/>
+          </p:cNvCxnSpPr>
+          <p:nvPr/>
+        </p:nvCxnSpPr>
+        <p:spPr>
+          <a:xfrm>
+            <a:off x="3268361" y="2057400"/>
+            <a:ext cx="1430639" cy="622300"/>
+          </a:xfrm>
+          <a:prstGeom prst="curvedConnector3">
+            <a:avLst/>
+          </a:prstGeom>
+          <a:ln>
+            <a:tailEnd type="triangle"/>
+          </a:ln>
+        </p:spPr>
+        <p:style>
+          <a:lnRef idx="1">
+            <a:schemeClr val="dk1"/>
+          </a:lnRef>
+          <a:fillRef idx="0">
+            <a:schemeClr val="dk1"/>
+          </a:fillRef>
+          <a:effectRef idx="0">
+            <a:schemeClr val="dk1"/>
+          </a:effectRef>
+          <a:fontRef idx="minor">
+            <a:schemeClr val="tx1"/>
+          </a:fontRef>
+        </p:style>
+      </p:cxnSp>
+      <p:sp>
+        <p:nvSpPr>
+          <p:cNvPr id="31" name="TextBox 30"/>
+          <p:cNvSpPr txBox="1"/>
+          <p:nvPr/>
+        </p:nvSpPr>
+        <p:spPr>
+          <a:xfrm>
+            <a:off x="3465413" y="1808718"/>
+            <a:ext cx="726874" cy="369332"/>
+          </a:xfrm>
+          <a:prstGeom prst="rect">
+            <a:avLst/>
+          </a:prstGeom>
+          <a:noFill/>
+        </p:spPr>
+        <p:txBody>
+          <a:bodyPr wrap="square" rtlCol="0">
+            <a:spAutoFit/>
+          </a:bodyPr>
+          <a:lstStyle/>
+          <a:p>
+            <a:r>
+              <a:rPr lang="ko-KR" altLang="en-US" dirty="0">
+                <a:latin typeface="+mj-lt"/>
+              </a:rPr>
+              <a:t>예약</a:t>
+            </a:r>
+          </a:p>
+        </p:txBody>
+      </p:sp>
+      <p:cxnSp>
+        <p:nvCxnSpPr>
+          <p:cNvPr id="33" name="구부러진 연결선 32"/>
+          <p:cNvCxnSpPr>
+            <a:stCxn id="13" idx="1"/>
+            <a:endCxn id="21" idx="3"/>
+          </p:cNvCxnSpPr>
+          <p:nvPr/>
+        </p:nvCxnSpPr>
+        <p:spPr>
+          <a:xfrm>
+            <a:off x="5842000" y="2679700"/>
+            <a:ext cx="1136649" cy="12700"/>
+          </a:xfrm>
+          <a:prstGeom prst="curvedConnector3">
+            <a:avLst/>
+          </a:prstGeom>
+          <a:ln>
+            <a:tailEnd type="triangle"/>
+          </a:ln>
+        </p:spPr>
+        <p:style>
+          <a:lnRef idx="1">
+            <a:schemeClr val="dk1"/>
+          </a:lnRef>
+          <a:fillRef idx="0">
+            <a:schemeClr val="dk1"/>
+          </a:fillRef>
+          <a:effectRef idx="0">
+            <a:schemeClr val="dk1"/>
+          </a:effectRef>
+          <a:fontRef idx="minor">
+            <a:schemeClr val="tx1"/>
+          </a:fontRef>
+        </p:style>
+      </p:cxnSp>
+      <p:sp>
+        <p:nvSpPr>
+          <p:cNvPr id="35" name="TextBox 34"/>
+          <p:cNvSpPr txBox="1"/>
+          <p:nvPr/>
+        </p:nvSpPr>
+        <p:spPr>
+          <a:xfrm>
+            <a:off x="6010274" y="2263259"/>
+            <a:ext cx="800100" cy="369332"/>
+          </a:xfrm>
+          <a:prstGeom prst="rect">
+            <a:avLst/>
+          </a:prstGeom>
+          <a:noFill/>
+        </p:spPr>
+        <p:txBody>
+          <a:bodyPr wrap="square" rtlCol="0">
+            <a:spAutoFit/>
+          </a:bodyPr>
+          <a:lstStyle/>
+          <a:p>
+            <a:r>
+              <a:rPr lang="ko-KR" altLang="en-US" dirty="0">
+                <a:latin typeface="+mj-lt"/>
+              </a:rPr>
+              <a:t>등록</a:t>
+            </a:r>
+          </a:p>
+        </p:txBody>
+      </p:sp>
+      <p:sp>
+        <p:nvSpPr>
+          <p:cNvPr id="36" name="직사각형 35"/>
+          <p:cNvSpPr/>
+          <p:nvPr/>
+        </p:nvSpPr>
+        <p:spPr>
+          <a:xfrm>
+            <a:off x="5207000" y="4705350"/>
+            <a:ext cx="1536700" cy="698500"/>
+          </a:xfrm>
+          <a:prstGeom prst="rect">
+            <a:avLst/>
+          </a:prstGeom>
+          <a:solidFill>
+            <a:srgbClr val="25C6E3"/>
+          </a:solidFill>
+          <a:ln>
+            <a:noFill/>
+          </a:ln>
+        </p:spPr>
+        <p:style>
+          <a:lnRef idx="2">
+            <a:schemeClr val="accent1">
+              <a:shade val="50000"/>
+            </a:schemeClr>
+          </a:lnRef>
+          <a:fillRef idx="1">
+            <a:schemeClr val="accent1"/>
+          </a:fillRef>
+          <a:effectRef idx="0">
+            <a:schemeClr val="accent1"/>
+          </a:effectRef>
+          <a:fontRef idx="minor">
+            <a:schemeClr val="lt1"/>
+          </a:fontRef>
+        </p:style>
+        <p:txBody>
+          <a:bodyPr rtlCol="0" anchor="ctr"/>
+          <a:lstStyle/>
+          <a:p>
+            <a:pPr algn="ctr"/>
+            <a:r>
+              <a:rPr lang="en-US" altLang="ko-KR" dirty="0">
+                <a:solidFill>
+                  <a:schemeClr val="bg1"/>
+                </a:solidFill>
+              </a:rPr>
+              <a:t>Guest User</a:t>
+            </a:r>
+            <a:endParaRPr lang="ko-KR" altLang="en-US" dirty="0">
+              <a:solidFill>
+                <a:schemeClr val="bg1"/>
+              </a:solidFill>
+            </a:endParaRPr>
+          </a:p>
+        </p:txBody>
+      </p:sp>
+      <p:cxnSp>
+        <p:nvCxnSpPr>
+          <p:cNvPr id="38" name="구부러진 연결선 37"/>
+          <p:cNvCxnSpPr>
+            <a:stCxn id="36" idx="0"/>
+            <a:endCxn id="21" idx="2"/>
+          </p:cNvCxnSpPr>
+          <p:nvPr/>
+        </p:nvCxnSpPr>
+        <p:spPr>
+          <a:xfrm rot="5400000" flipH="1" flipV="1">
+            <a:off x="6000749" y="3155951"/>
+            <a:ext cx="1524000" cy="1574799"/>
+          </a:xfrm>
+          <a:prstGeom prst="curvedConnector3">
+            <a:avLst/>
+          </a:prstGeom>
+          <a:ln>
+            <a:tailEnd type="triangle"/>
+          </a:ln>
+        </p:spPr>
+        <p:style>
+          <a:lnRef idx="1">
+            <a:schemeClr val="dk1"/>
+          </a:lnRef>
+          <a:fillRef idx="0">
+            <a:schemeClr val="dk1"/>
+          </a:fillRef>
+          <a:effectRef idx="0">
+            <a:schemeClr val="dk1"/>
+          </a:effectRef>
+          <a:fontRef idx="minor">
+            <a:schemeClr val="tx1"/>
+          </a:fontRef>
+        </p:style>
+      </p:cxnSp>
+      <p:sp>
+        <p:nvSpPr>
+          <p:cNvPr id="40" name="TextBox 39"/>
+          <p:cNvSpPr txBox="1"/>
+          <p:nvPr/>
+        </p:nvSpPr>
+        <p:spPr>
+          <a:xfrm>
+            <a:off x="6410324" y="3574018"/>
+            <a:ext cx="841376" cy="369332"/>
+          </a:xfrm>
+          <a:prstGeom prst="rect">
+            <a:avLst/>
+          </a:prstGeom>
+          <a:noFill/>
+        </p:spPr>
+        <p:txBody>
+          <a:bodyPr wrap="square" rtlCol="0">
+            <a:spAutoFit/>
+          </a:bodyPr>
+          <a:lstStyle/>
+          <a:p>
+            <a:r>
+              <a:rPr lang="ko-KR" altLang="en-US"/>
+              <a:t>참여</a:t>
+            </a:r>
+          </a:p>
+        </p:txBody>
+      </p:sp>
+    </p:spTree>
+    <p:extLst>
+      <p:ext uri="{BB962C8B-B14F-4D97-AF65-F5344CB8AC3E}">
+        <p14:creationId xmlns:p14="http://schemas.microsoft.com/office/powerpoint/2010/main" val="2121143950"/>
+      </p:ext>
+    </p:extLst>
+  </p:cSld>
+  <p:clrMapOvr>
+    <a:masterClrMapping/>
+  </p:clrMapOvr>
+</p:sld>
+</file>
+
+<file path=ppt/slides/slide18.xml><?xml version="1.0" encoding="utf-8"?>
+<p:sld xmlns:a="http://schemas.openxmlformats.org/drawingml/2006/main" xmlns:r="http://schemas.openxmlformats.org/officeDocument/2006/relationships" xmlns:p="http://schemas.openxmlformats.org/presentationml/2006/main">
+  <p:cSld>
+    <p:spTree>
+      <p:nvGrpSpPr>
+        <p:cNvPr id="1" name=""/>
+        <p:cNvGrpSpPr/>
+        <p:nvPr/>
+      </p:nvGrpSpPr>
+      <p:grpSpPr>
+        <a:xfrm>
+          <a:off x="0" y="0"/>
+          <a:ext cx="0" cy="0"/>
+          <a:chOff x="0" y="0"/>
+          <a:chExt cx="0" cy="0"/>
+        </a:xfrm>
+      </p:grpSpPr>
+      <p:sp>
+        <p:nvSpPr>
+          <p:cNvPr id="15" name="Rectangle 19">
+            <a:extLst>
+              <a:ext uri="{FF2B5EF4-FFF2-40B4-BE49-F238E27FC236}">
+                <a16:creationId xmlns:a16="http://schemas.microsoft.com/office/drawing/2014/main" xmlns="" id="{EFA08948-2B6F-46B1-9D2D-8D7B2B3FBD56}"/>
+              </a:ext>
+              <a:ext uri="{C183D7F6-B498-43B3-948B-1728B52AA6E4}">
+                <adec:decorative xmlns:adec="http://schemas.microsoft.com/office/drawing/2017/decorative" xmlns="" val="1"/>
+              </a:ext>
+            </a:extLst>
+          </p:cNvPr>
+          <p:cNvSpPr/>
+          <p:nvPr/>
+        </p:nvSpPr>
+        <p:spPr>
+          <a:xfrm>
+            <a:off x="0" y="0"/>
+            <a:ext cx="1984175" cy="114824"/>
+          </a:xfrm>
+          <a:prstGeom prst="rect">
+            <a:avLst/>
+          </a:prstGeom>
+          <a:solidFill>
+            <a:schemeClr val="accent1"/>
+          </a:solidFill>
+          <a:ln>
+            <a:noFill/>
+          </a:ln>
+        </p:spPr>
+        <p:style>
+          <a:lnRef idx="2">
+            <a:schemeClr val="accent1">
+              <a:shade val="50000"/>
+            </a:schemeClr>
+          </a:lnRef>
+          <a:fillRef idx="1">
+            <a:schemeClr val="accent1"/>
+          </a:fillRef>
+          <a:effectRef idx="0">
+            <a:schemeClr val="accent1"/>
+          </a:effectRef>
+          <a:fontRef idx="minor">
+            <a:schemeClr val="lt1"/>
+          </a:fontRef>
+        </p:style>
+        <p:txBody>
+          <a:bodyPr rtlCol="0" anchor="ctr"/>
+          <a:lstStyle/>
+          <a:p>
+            <a:pPr algn="l"/>
+            <a:endParaRPr lang="en-US" dirty="0"/>
+          </a:p>
+        </p:txBody>
+      </p:sp>
+      <p:sp>
+        <p:nvSpPr>
+          <p:cNvPr id="16" name="Title 1">
+            <a:extLst>
+              <a:ext uri="{FF2B5EF4-FFF2-40B4-BE49-F238E27FC236}">
+                <a16:creationId xmlns:a16="http://schemas.microsoft.com/office/drawing/2014/main" xmlns="" id="{3560F281-4FF6-4617-A809-AC9C15ECF18A}"/>
+              </a:ext>
+            </a:extLst>
+          </p:cNvPr>
+          <p:cNvSpPr txBox="1">
+            <a:spLocks/>
+          </p:cNvSpPr>
+          <p:nvPr/>
+        </p:nvSpPr>
+        <p:spPr>
+          <a:xfrm>
+            <a:off x="234" y="152525"/>
+            <a:ext cx="3465179" cy="444375"/>
+          </a:xfrm>
+          <a:prstGeom prst="rect">
+            <a:avLst/>
+          </a:prstGeom>
+        </p:spPr>
+        <p:txBody>
+          <a:bodyPr/>
+          <a:lstStyle>
+            <a:lvl1pPr algn="l" defTabSz="914400" rtl="0" eaLnBrk="1" latinLnBrk="1" hangingPunct="1">
+              <a:lnSpc>
+                <a:spcPct val="90000"/>
+              </a:lnSpc>
+              <a:spcBef>
+                <a:spcPct val="0"/>
+              </a:spcBef>
+              <a:buNone/>
+              <a:defRPr sz="3200" b="1" kern="1200" spc="-150">
+                <a:solidFill>
+                  <a:schemeClr val="tx1">
+                    <a:lumMod val="75000"/>
+                    <a:lumOff val="25000"/>
+                  </a:schemeClr>
+                </a:solidFill>
+                <a:latin typeface="+mj-lt"/>
+                <a:ea typeface="+mj-ea"/>
+                <a:cs typeface="+mj-cs"/>
+              </a:defRPr>
+            </a:lvl1pPr>
+          </a:lstStyle>
+          <a:p>
+            <a:r>
+              <a:rPr lang="en-US" dirty="0"/>
+              <a:t>Database Modeling</a:t>
+            </a:r>
+          </a:p>
+        </p:txBody>
+      </p:sp>
+      <p:sp>
+        <p:nvSpPr>
+          <p:cNvPr id="18" name="Slide Number Placeholder 5">
+            <a:extLst>
+              <a:ext uri="{FF2B5EF4-FFF2-40B4-BE49-F238E27FC236}">
+                <a16:creationId xmlns:a16="http://schemas.microsoft.com/office/drawing/2014/main" xmlns="" id="{1C554D9F-1895-486E-BFBA-905BB2D29E08}"/>
+              </a:ext>
+            </a:extLst>
+          </p:cNvPr>
+          <p:cNvSpPr>
+            <a:spLocks noGrp="1"/>
+          </p:cNvSpPr>
+          <p:nvPr>
+            <p:ph type="sldNum" sz="quarter" idx="33"/>
+          </p:nvPr>
+        </p:nvSpPr>
+        <p:spPr>
+          <a:xfrm>
+            <a:off x="11760000" y="6371351"/>
+            <a:ext cx="432000" cy="432000"/>
+          </a:xfrm>
+          <a:solidFill>
+            <a:schemeClr val="tx1">
+              <a:lumMod val="95000"/>
+              <a:lumOff val="5000"/>
+            </a:schemeClr>
+          </a:solidFill>
+        </p:spPr>
+        <p:txBody>
+          <a:bodyPr/>
+          <a:lstStyle/>
+          <a:p>
+            <a:r>
+              <a:rPr lang="en-US" sz="1800" dirty="0"/>
+              <a:t>3</a:t>
+            </a:r>
+          </a:p>
+        </p:txBody>
+      </p:sp>
+      <p:pic>
+        <p:nvPicPr>
+          <p:cNvPr id="2" name="그림 1"/>
           <p:cNvPicPr>
             <a:picLocks noChangeAspect="1"/>
           </p:cNvPicPr>
           <p:nvPr/>
         </p:nvPicPr>
         <p:blipFill>
-          <a:blip r:embed="rId3" cstate="screen">
-            <a:extLst>
-              <a:ext uri="{28A0092B-C50C-407E-A947-70E740481C1C}">
-                <a14:useLocalDpi xmlns:a14="http://schemas.microsoft.com/office/drawing/2010/main"/>
-              </a:ext>
-              <a:ext uri="{96DAC541-7B7A-43D3-8B79-37D633B846F1}">
-                <asvg:svgBlip xmlns:asvg="http://schemas.microsoft.com/office/drawing/2016/SVG/main" r:embed="rId4"/>
-              </a:ext>
-            </a:extLst>
-          </a:blip>
+          <a:blip r:embed="rId2"/>
           <a:stretch>
             <a:fillRect/>
           </a:stretch>
         </p:blipFill>
         <p:spPr>
           <a:xfrm>
-            <a:off x="11485495" y="4006655"/>
-            <a:ext cx="218900" cy="218900"/>
+            <a:off x="1609725" y="845189"/>
+            <a:ext cx="8677275" cy="5425436"/>
           </a:xfrm>
           <a:prstGeom prst="rect">
             <a:avLst/>
           </a:prstGeom>
         </p:spPr>
       </p:pic>
-      <p:sp>
-        <p:nvSpPr>
-          <p:cNvPr id="5" name="Text Placeholder 4">
-            <a:extLst>
-              <a:ext uri="{FF2B5EF4-FFF2-40B4-BE49-F238E27FC236}">
-                <a16:creationId xmlns:a16="http://schemas.microsoft.com/office/drawing/2014/main" id="{11265965-2271-4C1C-BD0A-6F85F80FF9A6}"/>
-              </a:ext>
-            </a:extLst>
-          </p:cNvPr>
-          <p:cNvSpPr>
-            <a:spLocks noGrp="1"/>
-          </p:cNvSpPr>
-          <p:nvPr>
-            <p:ph type="body" sz="quarter" idx="16"/>
-          </p:nvPr>
-        </p:nvSpPr>
-        <p:spPr>
-          <a:solidFill>
-            <a:schemeClr val="tx1">
-              <a:lumMod val="75000"/>
-              <a:lumOff val="25000"/>
-            </a:schemeClr>
-          </a:solidFill>
-        </p:spPr>
-        <p:txBody>
-          <a:bodyPr/>
-          <a:lstStyle/>
-          <a:p>
-            <a:endParaRPr lang="en-US" dirty="0"/>
-          </a:p>
-        </p:txBody>
-      </p:sp>
+    </p:spTree>
+    <p:extLst>
+      <p:ext uri="{BB962C8B-B14F-4D97-AF65-F5344CB8AC3E}">
+        <p14:creationId xmlns:p14="http://schemas.microsoft.com/office/powerpoint/2010/main" val="1466031860"/>
+      </p:ext>
+    </p:extLst>
+  </p:cSld>
+  <p:clrMapOvr>
+    <a:masterClrMapping/>
+  </p:clrMapOvr>
+</p:sld>
+</file>
+
+<file path=ppt/slides/slide19.xml><?xml version="1.0" encoding="utf-8"?>
+<p:sld xmlns:a="http://schemas.openxmlformats.org/drawingml/2006/main" xmlns:r="http://schemas.openxmlformats.org/officeDocument/2006/relationships" xmlns:p="http://schemas.openxmlformats.org/presentationml/2006/main">
+  <p:cSld>
+    <p:spTree>
+      <p:nvGrpSpPr>
+        <p:cNvPr id="1" name=""/>
+        <p:cNvGrpSpPr/>
+        <p:nvPr/>
+      </p:nvGrpSpPr>
+      <p:grpSpPr>
+        <a:xfrm>
+          <a:off x="0" y="0"/>
+          <a:ext cx="0" cy="0"/>
+          <a:chOff x="0" y="0"/>
+          <a:chExt cx="0" cy="0"/>
+        </a:xfrm>
+      </p:grpSpPr>
       <p:pic>
         <p:nvPicPr>
-          <p:cNvPr id="10" name="Graphic 9" descr="Smart Phone" title="Icon - Presenter Phone Number">
-            <a:extLst>
-              <a:ext uri="{FF2B5EF4-FFF2-40B4-BE49-F238E27FC236}">
-                <a16:creationId xmlns:a16="http://schemas.microsoft.com/office/drawing/2014/main" id="{A29DE31C-E099-4579-BB03-675E0A40C5F2}"/>
+          <p:cNvPr id="11" name="Picture Placeholder 10" descr="Desk with computer, phone, books, etc.">
+            <a:extLst>
+              <a:ext uri="{FF2B5EF4-FFF2-40B4-BE49-F238E27FC236}">
+                <a16:creationId xmlns:a16="http://schemas.microsoft.com/office/drawing/2014/main" xmlns="" id="{2E7ADBC3-DECA-9F4C-9289-9E43C727592F}"/>
               </a:ext>
             </a:extLst>
           </p:cNvPr>
           <p:cNvPicPr>
-            <a:picLocks noChangeAspect="1"/>
+            <a:picLocks noGrp="1" noChangeAspect="1"/>
           </p:cNvPicPr>
-          <p:nvPr/>
+          <p:nvPr>
+            <p:ph type="pic" sz="quarter" idx="10"/>
+          </p:nvPr>
         </p:nvPicPr>
         <p:blipFill>
-          <a:blip r:embed="rId5" cstate="screen">
+          <a:blip r:embed="rId2" cstate="screen">
             <a:extLst>
               <a:ext uri="{28A0092B-C50C-407E-A947-70E740481C1C}">
                 <a14:useLocalDpi xmlns:a14="http://schemas.microsoft.com/office/drawing/2010/main"/>
               </a:ext>
-              <a:ext uri="{96DAC541-7B7A-43D3-8B79-37D633B846F1}">
-                <asvg:svgBlip xmlns:asvg="http://schemas.microsoft.com/office/drawing/2016/SVG/main" r:embed="rId6"/>
-              </a:ext>
             </a:extLst>
           </a:blip>
+          <a:srcRect/>
           <a:stretch>
             <a:fillRect/>
           </a:stretch>
         </p:blipFill>
-        <p:spPr>
-          <a:xfrm>
-            <a:off x="11485495" y="4355103"/>
-            <a:ext cx="218900" cy="218900"/>
-          </a:xfrm>
-          <a:prstGeom prst="rect">
-            <a:avLst/>
-          </a:prstGeom>
-        </p:spPr>
+        <p:spPr/>
       </p:pic>
       <p:sp>
         <p:nvSpPr>
-          <p:cNvPr id="6" name="Text Placeholder 5">
-            <a:extLst>
-              <a:ext uri="{FF2B5EF4-FFF2-40B4-BE49-F238E27FC236}">
-                <a16:creationId xmlns:a16="http://schemas.microsoft.com/office/drawing/2014/main" id="{50A3BCC3-A277-4C0B-9EBA-EB53990D8EBD}"/>
-              </a:ext>
-            </a:extLst>
-          </p:cNvPr>
-          <p:cNvSpPr>
-            <a:spLocks noGrp="1"/>
-          </p:cNvSpPr>
-          <p:nvPr>
-            <p:ph type="body" sz="quarter" idx="17"/>
-          </p:nvPr>
-        </p:nvSpPr>
-        <p:spPr>
-          <a:solidFill>
-            <a:schemeClr val="tx1">
-              <a:lumMod val="75000"/>
-              <a:lumOff val="25000"/>
-            </a:schemeClr>
-          </a:solidFill>
-        </p:spPr>
+          <p:cNvPr id="3" name="Title 2">
+            <a:extLst>
+              <a:ext uri="{FF2B5EF4-FFF2-40B4-BE49-F238E27FC236}">
+                <a16:creationId xmlns:a16="http://schemas.microsoft.com/office/drawing/2014/main" xmlns="" id="{200B3D2B-613A-41BE-987D-E6A1324B456D}"/>
+              </a:ext>
+            </a:extLst>
+          </p:cNvPr>
+          <p:cNvSpPr>
+            <a:spLocks noGrp="1"/>
+          </p:cNvSpPr>
+          <p:nvPr>
+            <p:ph type="ctrTitle"/>
+          </p:nvPr>
+        </p:nvSpPr>
+        <p:spPr/>
         <p:txBody>
           <a:bodyPr/>
           <a:lstStyle/>
           <a:p>
             <a:r>
               <a:rPr lang="en-US" dirty="0"/>
-              <a:t>sky203614@gmail.com</a:t>
-            </a:r>
-          </a:p>
-        </p:txBody>
-      </p:sp>
-      <p:pic>
-        <p:nvPicPr>
-          <p:cNvPr id="9" name="Graphic 8" descr="Envelope" title="Icon Presenter Email">
-            <a:extLst>
-              <a:ext uri="{FF2B5EF4-FFF2-40B4-BE49-F238E27FC236}">
-                <a16:creationId xmlns:a16="http://schemas.microsoft.com/office/drawing/2014/main" id="{773C1382-ACE1-460F-A1B6-AB761A7D2E6B}"/>
-              </a:ext>
-            </a:extLst>
-          </p:cNvPr>
-          <p:cNvPicPr>
-            <a:picLocks noChangeAspect="1"/>
-          </p:cNvPicPr>
-          <p:nvPr/>
-        </p:nvPicPr>
-        <p:blipFill>
-          <a:blip r:embed="rId7" cstate="screen">
-            <a:extLst>
-              <a:ext uri="{28A0092B-C50C-407E-A947-70E740481C1C}">
-                <a14:useLocalDpi xmlns:a14="http://schemas.microsoft.com/office/drawing/2010/main"/>
-              </a:ext>
-              <a:ext uri="{96DAC541-7B7A-43D3-8B79-37D633B846F1}">
-                <asvg:svgBlip xmlns:asvg="http://schemas.microsoft.com/office/drawing/2016/SVG/main" r:embed="rId8"/>
-              </a:ext>
-            </a:extLst>
-          </a:blip>
-          <a:stretch>
-            <a:fillRect/>
-          </a:stretch>
-        </p:blipFill>
-        <p:spPr>
-          <a:xfrm>
-            <a:off x="11485495" y="4703551"/>
-            <a:ext cx="218900" cy="218900"/>
-          </a:xfrm>
-          <a:prstGeom prst="rect">
-            <a:avLst/>
-          </a:prstGeom>
-        </p:spPr>
-      </p:pic>
-      <p:sp>
-        <p:nvSpPr>
-          <p:cNvPr id="16" name="Text Placeholder 15">
-            <a:extLst>
-              <a:ext uri="{FF2B5EF4-FFF2-40B4-BE49-F238E27FC236}">
-                <a16:creationId xmlns:a16="http://schemas.microsoft.com/office/drawing/2014/main" id="{FD8A1232-50A8-4535-AAF9-7F4180EAA0DD}"/>
-              </a:ext>
-            </a:extLst>
-          </p:cNvPr>
-          <p:cNvSpPr>
-            <a:spLocks noGrp="1"/>
-          </p:cNvSpPr>
-          <p:nvPr>
-            <p:ph type="body" sz="quarter" idx="18"/>
-          </p:nvPr>
-        </p:nvSpPr>
-        <p:spPr>
-          <a:solidFill>
-            <a:schemeClr val="tx1">
-              <a:lumMod val="75000"/>
-              <a:lumOff val="25000"/>
-            </a:schemeClr>
-          </a:solidFill>
-        </p:spPr>
+              <a:t>Web</a:t>
+            </a:r>
+            <a:br>
+              <a:rPr lang="en-US" dirty="0"/>
+            </a:br>
+            <a:r>
+              <a:rPr lang="en-US" dirty="0"/>
+              <a:t>Implementation</a:t>
+            </a:r>
+          </a:p>
+        </p:txBody>
+      </p:sp>
+      <p:sp>
+        <p:nvSpPr>
+          <p:cNvPr id="14" name="Text Placeholder 13">
+            <a:extLst>
+              <a:ext uri="{FF2B5EF4-FFF2-40B4-BE49-F238E27FC236}">
+                <a16:creationId xmlns:a16="http://schemas.microsoft.com/office/drawing/2014/main" xmlns="" id="{F278402B-CA7D-4F5B-B3FA-ED74AB3CFB6C}"/>
+              </a:ext>
+            </a:extLst>
+          </p:cNvPr>
+          <p:cNvSpPr>
+            <a:spLocks noGrp="1"/>
+          </p:cNvSpPr>
+          <p:nvPr>
+            <p:ph type="body" sz="quarter" idx="13"/>
+          </p:nvPr>
+        </p:nvSpPr>
+        <p:spPr/>
         <p:txBody>
           <a:bodyPr/>
           <a:lstStyle/>
           <a:p>
+            <a:r>
+              <a:rPr lang="ko-KR" altLang="en-US" dirty="0"/>
+              <a:t>웹 구현</a:t>
+            </a:r>
             <a:endParaRPr lang="en-US" dirty="0"/>
           </a:p>
         </p:txBody>
       </p:sp>
-      <p:pic>
-        <p:nvPicPr>
-          <p:cNvPr id="11" name="Graphic 10" descr="Link">
-            <a:extLst>
-              <a:ext uri="{FF2B5EF4-FFF2-40B4-BE49-F238E27FC236}">
-                <a16:creationId xmlns:a16="http://schemas.microsoft.com/office/drawing/2014/main" id="{0718E6E0-05A2-479C-AEA8-1A385EB73474}"/>
-              </a:ext>
-            </a:extLst>
-          </p:cNvPr>
-          <p:cNvPicPr>
-            <a:picLocks noChangeAspect="1"/>
-          </p:cNvPicPr>
-          <p:nvPr/>
-        </p:nvPicPr>
-        <p:blipFill>
-          <a:blip r:embed="rId9" cstate="screen">
-            <a:extLst>
-              <a:ext uri="{28A0092B-C50C-407E-A947-70E740481C1C}">
-                <a14:useLocalDpi xmlns:a14="http://schemas.microsoft.com/office/drawing/2010/main"/>
-              </a:ext>
-              <a:ext uri="{96DAC541-7B7A-43D3-8B79-37D633B846F1}">
-                <asvg:svgBlip xmlns:asvg="http://schemas.microsoft.com/office/drawing/2016/SVG/main" r:embed="rId10"/>
-              </a:ext>
-            </a:extLst>
-          </a:blip>
-          <a:stretch>
-            <a:fillRect/>
-          </a:stretch>
-        </p:blipFill>
-        <p:spPr>
-          <a:xfrm>
-            <a:off x="11472552" y="5040763"/>
-            <a:ext cx="244786" cy="244786"/>
-          </a:xfrm>
-          <a:prstGeom prst="rect">
-            <a:avLst/>
-          </a:prstGeom>
-        </p:spPr>
-      </p:pic>
-      <p:sp>
-        <p:nvSpPr>
-          <p:cNvPr id="12" name="Slide Number Placeholder 11">
-            <a:extLst>
-              <a:ext uri="{FF2B5EF4-FFF2-40B4-BE49-F238E27FC236}">
-                <a16:creationId xmlns:a16="http://schemas.microsoft.com/office/drawing/2014/main" id="{91814EC9-246A-4C6E-941E-5774FE72F08E}"/>
-              </a:ext>
-            </a:extLst>
-          </p:cNvPr>
-          <p:cNvSpPr>
-            <a:spLocks noGrp="1"/>
-          </p:cNvSpPr>
-          <p:nvPr>
-            <p:ph type="sldNum" sz="quarter" idx="20"/>
+      <p:sp>
+        <p:nvSpPr>
+          <p:cNvPr id="5" name="Slide Number Placeholder 4">
+            <a:extLst>
+              <a:ext uri="{FF2B5EF4-FFF2-40B4-BE49-F238E27FC236}">
+                <a16:creationId xmlns:a16="http://schemas.microsoft.com/office/drawing/2014/main" xmlns="" id="{BDD5A594-D852-43BB-B591-E9D9027253BD}"/>
+              </a:ext>
+            </a:extLst>
+          </p:cNvPr>
+          <p:cNvSpPr>
+            <a:spLocks noGrp="1"/>
+          </p:cNvSpPr>
+          <p:nvPr>
+            <p:ph type="sldNum" sz="quarter" idx="12"/>
           </p:nvPr>
         </p:nvSpPr>
         <p:spPr>
@@ -12333,7 +13541,7 @@
             <a:fld id="{19B51A1E-902D-48AF-9020-955120F399B6}" type="slidenum">
               <a:rPr lang="en-US" smtClean="0"/>
               <a:pPr/>
-              <a:t>15</a:t>
+              <a:t>19</a:t>
             </a:fld>
             <a:endParaRPr lang="en-US" dirty="0"/>
           </a:p>
@@ -12342,7 +13550,7 @@
     </p:spTree>
     <p:extLst>
       <p:ext uri="{BB962C8B-B14F-4D97-AF65-F5344CB8AC3E}">
-        <p14:creationId xmlns:p14="http://schemas.microsoft.com/office/powerpoint/2010/main" val="4153678306"/>
+        <p14:creationId xmlns:p14="http://schemas.microsoft.com/office/powerpoint/2010/main" val="1092828734"/>
       </p:ext>
     </p:extLst>
   </p:cSld>
@@ -12374,7 +13582,7 @@
           <p:cNvPr id="4" name="Content Placeholder 3">
             <a:extLst>
               <a:ext uri="{FF2B5EF4-FFF2-40B4-BE49-F238E27FC236}">
-                <a16:creationId xmlns:a16="http://schemas.microsoft.com/office/drawing/2014/main" id="{D355C61F-C8F1-4977-8E1F-F16C0D9EA88C}"/>
+                <a16:creationId xmlns:a16="http://schemas.microsoft.com/office/drawing/2014/main" xmlns="" id="{D355C61F-C8F1-4977-8E1F-F16C0D9EA88C}"/>
               </a:ext>
             </a:extLst>
           </p:cNvPr>
@@ -12447,7 +13655,7 @@
           <p:cNvPr id="9" name="Picture Placeholder 8" descr="Handing touching mobile phone">
             <a:extLst>
               <a:ext uri="{FF2B5EF4-FFF2-40B4-BE49-F238E27FC236}">
-                <a16:creationId xmlns:a16="http://schemas.microsoft.com/office/drawing/2014/main" id="{A9A75888-22E3-1D43-9112-DA02186070B5}"/>
+                <a16:creationId xmlns:a16="http://schemas.microsoft.com/office/drawing/2014/main" xmlns="" id="{A9A75888-22E3-1D43-9112-DA02186070B5}"/>
               </a:ext>
             </a:extLst>
           </p:cNvPr>
@@ -12478,10 +13686,10 @@
           <p:cNvPr id="20" name="Rectangle 19">
             <a:extLst>
               <a:ext uri="{FF2B5EF4-FFF2-40B4-BE49-F238E27FC236}">
-                <a16:creationId xmlns:a16="http://schemas.microsoft.com/office/drawing/2014/main" id="{EFA08948-2B6F-46B1-9D2D-8D7B2B3FBD56}"/>
+                <a16:creationId xmlns:a16="http://schemas.microsoft.com/office/drawing/2014/main" xmlns="" id="{EFA08948-2B6F-46B1-9D2D-8D7B2B3FBD56}"/>
               </a:ext>
               <a:ext uri="{C183D7F6-B498-43B3-948B-1728B52AA6E4}">
-                <adec:decorative xmlns:adec="http://schemas.microsoft.com/office/drawing/2017/decorative" val="1"/>
+                <adec:decorative xmlns:adec="http://schemas.microsoft.com/office/drawing/2017/decorative" xmlns="" val="1"/>
               </a:ext>
             </a:extLst>
           </p:cNvPr>
@@ -12533,7 +13741,7 @@
           <p:cNvPr id="2" name="Title 1">
             <a:extLst>
               <a:ext uri="{FF2B5EF4-FFF2-40B4-BE49-F238E27FC236}">
-                <a16:creationId xmlns:a16="http://schemas.microsoft.com/office/drawing/2014/main" id="{3560F281-4FF6-4617-A809-AC9C15ECF18A}"/>
+                <a16:creationId xmlns:a16="http://schemas.microsoft.com/office/drawing/2014/main" xmlns="" id="{3560F281-4FF6-4617-A809-AC9C15ECF18A}"/>
               </a:ext>
             </a:extLst>
           </p:cNvPr>
@@ -12561,7 +13769,7 @@
           <p:cNvPr id="3" name="Text Placeholder 2">
             <a:extLst>
               <a:ext uri="{FF2B5EF4-FFF2-40B4-BE49-F238E27FC236}">
-                <a16:creationId xmlns:a16="http://schemas.microsoft.com/office/drawing/2014/main" id="{611DC577-0A95-47D0-95D9-5F8DA763D46B}"/>
+                <a16:creationId xmlns:a16="http://schemas.microsoft.com/office/drawing/2014/main" xmlns="" id="{611DC577-0A95-47D0-95D9-5F8DA763D46B}"/>
               </a:ext>
             </a:extLst>
           </p:cNvPr>
@@ -12609,7 +13817,7 @@
           <p:cNvPr id="6" name="Slide Number Placeholder 5">
             <a:extLst>
               <a:ext uri="{FF2B5EF4-FFF2-40B4-BE49-F238E27FC236}">
-                <a16:creationId xmlns:a16="http://schemas.microsoft.com/office/drawing/2014/main" id="{1C554D9F-1895-486E-BFBA-905BB2D29E08}"/>
+                <a16:creationId xmlns:a16="http://schemas.microsoft.com/office/drawing/2014/main" xmlns="" id="{1C554D9F-1895-486E-BFBA-905BB2D29E08}"/>
               </a:ext>
             </a:extLst>
           </p:cNvPr>
@@ -12643,6 +13851,4642 @@
     <p:extLst>
       <p:ext uri="{BB962C8B-B14F-4D97-AF65-F5344CB8AC3E}">
         <p14:creationId xmlns:p14="http://schemas.microsoft.com/office/powerpoint/2010/main" val="1329746698"/>
+      </p:ext>
+    </p:extLst>
+  </p:cSld>
+  <p:clrMapOvr>
+    <a:masterClrMapping/>
+  </p:clrMapOvr>
+</p:sld>
+</file>
+
+<file path=ppt/slides/slide20.xml><?xml version="1.0" encoding="utf-8"?>
+<p:sld xmlns:a="http://schemas.openxmlformats.org/drawingml/2006/main" xmlns:r="http://schemas.openxmlformats.org/officeDocument/2006/relationships" xmlns:p="http://schemas.openxmlformats.org/presentationml/2006/main">
+  <p:cSld>
+    <p:spTree>
+      <p:nvGrpSpPr>
+        <p:cNvPr id="1" name=""/>
+        <p:cNvGrpSpPr/>
+        <p:nvPr/>
+      </p:nvGrpSpPr>
+      <p:grpSpPr>
+        <a:xfrm>
+          <a:off x="0" y="0"/>
+          <a:ext cx="0" cy="0"/>
+          <a:chOff x="0" y="0"/>
+          <a:chExt cx="0" cy="0"/>
+        </a:xfrm>
+      </p:grpSpPr>
+      <p:sp>
+        <p:nvSpPr>
+          <p:cNvPr id="2" name="Title 1">
+            <a:extLst>
+              <a:ext uri="{FF2B5EF4-FFF2-40B4-BE49-F238E27FC236}">
+                <a16:creationId xmlns:a16="http://schemas.microsoft.com/office/drawing/2014/main" xmlns="" id="{19304E83-A4F0-49C5-BB01-F5773509A2B3}"/>
+              </a:ext>
+            </a:extLst>
+          </p:cNvPr>
+          <p:cNvSpPr>
+            <a:spLocks noGrp="1"/>
+          </p:cNvSpPr>
+          <p:nvPr>
+            <p:ph type="title"/>
+          </p:nvPr>
+        </p:nvSpPr>
+        <p:spPr>
+          <a:xfrm>
+            <a:off x="90532" y="260049"/>
+            <a:ext cx="11340000" cy="432000"/>
+          </a:xfrm>
+        </p:spPr>
+        <p:txBody>
+          <a:bodyPr/>
+          <a:lstStyle/>
+          <a:p>
+            <a:r>
+              <a:rPr lang="ko-KR" altLang="en-US" dirty="0"/>
+              <a:t>담당 파트 및 사용 기술</a:t>
+            </a:r>
+            <a:endParaRPr lang="en-US" dirty="0"/>
+          </a:p>
+        </p:txBody>
+      </p:sp>
+      <p:sp>
+        <p:nvSpPr>
+          <p:cNvPr id="12" name="Rectangle 11">
+            <a:extLst>
+              <a:ext uri="{FF2B5EF4-FFF2-40B4-BE49-F238E27FC236}">
+                <a16:creationId xmlns:a16="http://schemas.microsoft.com/office/drawing/2014/main" xmlns="" id="{7F65E93D-09FF-42EE-B9DD-750638966686}"/>
+              </a:ext>
+              <a:ext uri="{C183D7F6-B498-43B3-948B-1728B52AA6E4}">
+                <adec:decorative xmlns:adec="http://schemas.microsoft.com/office/drawing/2017/decorative" xmlns="" val="1"/>
+              </a:ext>
+            </a:extLst>
+          </p:cNvPr>
+          <p:cNvSpPr/>
+          <p:nvPr/>
+        </p:nvSpPr>
+        <p:spPr>
+          <a:xfrm>
+            <a:off x="431800" y="2125717"/>
+            <a:ext cx="1984175" cy="114824"/>
+          </a:xfrm>
+          <a:prstGeom prst="rect">
+            <a:avLst/>
+          </a:prstGeom>
+          <a:solidFill>
+            <a:schemeClr val="accent1"/>
+          </a:solidFill>
+          <a:ln>
+            <a:noFill/>
+          </a:ln>
+        </p:spPr>
+        <p:style>
+          <a:lnRef idx="2">
+            <a:schemeClr val="accent1">
+              <a:shade val="50000"/>
+            </a:schemeClr>
+          </a:lnRef>
+          <a:fillRef idx="1">
+            <a:schemeClr val="accent1"/>
+          </a:fillRef>
+          <a:effectRef idx="0">
+            <a:schemeClr val="accent1"/>
+          </a:effectRef>
+          <a:fontRef idx="minor">
+            <a:schemeClr val="lt1"/>
+          </a:fontRef>
+        </p:style>
+        <p:txBody>
+          <a:bodyPr rtlCol="0" anchor="ctr"/>
+          <a:lstStyle/>
+          <a:p>
+            <a:pPr algn="l"/>
+            <a:endParaRPr lang="en-US" dirty="0"/>
+          </a:p>
+        </p:txBody>
+      </p:sp>
+      <p:sp>
+        <p:nvSpPr>
+          <p:cNvPr id="4" name="Text Placeholder 3">
+            <a:extLst>
+              <a:ext uri="{FF2B5EF4-FFF2-40B4-BE49-F238E27FC236}">
+                <a16:creationId xmlns:a16="http://schemas.microsoft.com/office/drawing/2014/main" xmlns="" id="{6AB259A0-0017-492F-A0DC-4B70C7052AE0}"/>
+              </a:ext>
+            </a:extLst>
+          </p:cNvPr>
+          <p:cNvSpPr>
+            <a:spLocks noGrp="1"/>
+          </p:cNvSpPr>
+          <p:nvPr>
+            <p:ph type="body" idx="1"/>
+          </p:nvPr>
+        </p:nvSpPr>
+        <p:spPr>
+          <a:xfrm>
+            <a:off x="432000" y="2468334"/>
+            <a:ext cx="5472000" cy="360000"/>
+          </a:xfrm>
+        </p:spPr>
+        <p:txBody>
+          <a:bodyPr/>
+          <a:lstStyle/>
+          <a:p>
+            <a:r>
+              <a:rPr lang="ko-KR" altLang="en-US" dirty="0"/>
+              <a:t>담당 파트</a:t>
+            </a:r>
+            <a:endParaRPr lang="en-US" dirty="0"/>
+          </a:p>
+        </p:txBody>
+      </p:sp>
+      <p:sp>
+        <p:nvSpPr>
+          <p:cNvPr id="5" name="Content Placeholder 4">
+            <a:extLst>
+              <a:ext uri="{FF2B5EF4-FFF2-40B4-BE49-F238E27FC236}">
+                <a16:creationId xmlns:a16="http://schemas.microsoft.com/office/drawing/2014/main" xmlns="" id="{CEEB3BAE-C0B2-447C-B8BE-96C6BD84D658}"/>
+              </a:ext>
+            </a:extLst>
+          </p:cNvPr>
+          <p:cNvSpPr>
+            <a:spLocks noGrp="1"/>
+          </p:cNvSpPr>
+          <p:nvPr>
+            <p:ph sz="half" idx="2"/>
+          </p:nvPr>
+        </p:nvSpPr>
+        <p:spPr>
+          <a:xfrm>
+            <a:off x="432000" y="2976168"/>
+            <a:ext cx="5472000" cy="2002232"/>
+          </a:xfrm>
+        </p:spPr>
+        <p:txBody>
+          <a:bodyPr/>
+          <a:lstStyle/>
+          <a:p>
+            <a:r>
+              <a:rPr lang="ko-KR" altLang="en-US" dirty="0"/>
+              <a:t>회원 정보 관련</a:t>
+            </a:r>
+            <a:endParaRPr lang="en-US" dirty="0"/>
+          </a:p>
+          <a:p>
+            <a:pPr lvl="1"/>
+            <a:r>
+              <a:rPr lang="ko-KR" altLang="en-US" dirty="0"/>
+              <a:t>회원가입</a:t>
+            </a:r>
+            <a:endParaRPr lang="en-US" altLang="ko-KR" dirty="0"/>
+          </a:p>
+          <a:p>
+            <a:pPr lvl="1"/>
+            <a:r>
+              <a:rPr lang="ko-KR" altLang="en-US" dirty="0"/>
+              <a:t>마이 페이지</a:t>
+            </a:r>
+            <a:endParaRPr lang="en-US" altLang="ko-KR" dirty="0"/>
+          </a:p>
+          <a:p>
+            <a:pPr lvl="1"/>
+            <a:endParaRPr lang="en-US" altLang="ko-KR" dirty="0"/>
+          </a:p>
+          <a:p>
+            <a:r>
+              <a:rPr lang="ko-KR" altLang="en-US" dirty="0"/>
+              <a:t>세미나 등록</a:t>
+            </a:r>
+            <a:r>
+              <a:rPr lang="en-US" altLang="ko-KR" dirty="0"/>
+              <a:t>	</a:t>
+            </a:r>
+          </a:p>
+          <a:p>
+            <a:pPr lvl="1"/>
+            <a:r>
+              <a:rPr lang="ko-KR" altLang="en-US" dirty="0"/>
+              <a:t>장소 예약 및 세미나 등록</a:t>
+            </a:r>
+            <a:endParaRPr lang="en-US" altLang="ko-KR" dirty="0"/>
+          </a:p>
+          <a:p>
+            <a:pPr lvl="1"/>
+            <a:endParaRPr lang="en-US" altLang="ko-KR" dirty="0"/>
+          </a:p>
+          <a:p>
+            <a:pPr marL="266700" lvl="1" indent="0">
+              <a:buNone/>
+            </a:pPr>
+            <a:endParaRPr lang="en-US" altLang="ko-KR" dirty="0"/>
+          </a:p>
+          <a:p>
+            <a:pPr marL="266700" lvl="1" indent="0">
+              <a:buNone/>
+            </a:pPr>
+            <a:endParaRPr lang="en-US" dirty="0"/>
+          </a:p>
+        </p:txBody>
+      </p:sp>
+      <p:cxnSp>
+        <p:nvCxnSpPr>
+          <p:cNvPr id="11" name="Straight Connector 10">
+            <a:extLst>
+              <a:ext uri="{FF2B5EF4-FFF2-40B4-BE49-F238E27FC236}">
+                <a16:creationId xmlns:a16="http://schemas.microsoft.com/office/drawing/2014/main" xmlns="" id="{5A563457-1EC8-4978-BCCB-AFD88C9ED04C}"/>
+              </a:ext>
+              <a:ext uri="{C183D7F6-B498-43B3-948B-1728B52AA6E4}">
+                <adec:decorative xmlns:adec="http://schemas.microsoft.com/office/drawing/2017/decorative" xmlns="" val="1"/>
+              </a:ext>
+            </a:extLst>
+          </p:cNvPr>
+          <p:cNvCxnSpPr/>
+          <p:nvPr/>
+        </p:nvCxnSpPr>
+        <p:spPr>
+          <a:xfrm>
+            <a:off x="6096000" y="2388435"/>
+            <a:ext cx="0" cy="2411330"/>
+          </a:xfrm>
+          <a:prstGeom prst="line">
+            <a:avLst/>
+          </a:prstGeom>
+          <a:ln>
+            <a:solidFill>
+              <a:schemeClr val="bg1">
+                <a:lumMod val="95000"/>
+              </a:schemeClr>
+            </a:solidFill>
+          </a:ln>
+        </p:spPr>
+        <p:style>
+          <a:lnRef idx="1">
+            <a:schemeClr val="accent1"/>
+          </a:lnRef>
+          <a:fillRef idx="0">
+            <a:schemeClr val="accent1"/>
+          </a:fillRef>
+          <a:effectRef idx="0">
+            <a:schemeClr val="accent1"/>
+          </a:effectRef>
+          <a:fontRef idx="minor">
+            <a:schemeClr val="tx1"/>
+          </a:fontRef>
+        </p:style>
+      </p:cxnSp>
+      <p:sp>
+        <p:nvSpPr>
+          <p:cNvPr id="13" name="Rectangle 12">
+            <a:extLst>
+              <a:ext uri="{FF2B5EF4-FFF2-40B4-BE49-F238E27FC236}">
+                <a16:creationId xmlns:a16="http://schemas.microsoft.com/office/drawing/2014/main" xmlns="" id="{A7CD04AE-9A8B-4DED-855D-F51B510D0B69}"/>
+              </a:ext>
+              <a:ext uri="{C183D7F6-B498-43B3-948B-1728B52AA6E4}">
+                <adec:decorative xmlns:adec="http://schemas.microsoft.com/office/drawing/2017/decorative" xmlns="" val="1"/>
+              </a:ext>
+            </a:extLst>
+          </p:cNvPr>
+          <p:cNvSpPr/>
+          <p:nvPr/>
+        </p:nvSpPr>
+        <p:spPr>
+          <a:xfrm>
+            <a:off x="6299887" y="2125717"/>
+            <a:ext cx="1984175" cy="114824"/>
+          </a:xfrm>
+          <a:prstGeom prst="rect">
+            <a:avLst/>
+          </a:prstGeom>
+          <a:solidFill>
+            <a:schemeClr val="accent3"/>
+          </a:solidFill>
+          <a:ln>
+            <a:noFill/>
+          </a:ln>
+        </p:spPr>
+        <p:style>
+          <a:lnRef idx="2">
+            <a:schemeClr val="accent1">
+              <a:shade val="50000"/>
+            </a:schemeClr>
+          </a:lnRef>
+          <a:fillRef idx="1">
+            <a:schemeClr val="accent1"/>
+          </a:fillRef>
+          <a:effectRef idx="0">
+            <a:schemeClr val="accent1"/>
+          </a:effectRef>
+          <a:fontRef idx="minor">
+            <a:schemeClr val="lt1"/>
+          </a:fontRef>
+        </p:style>
+        <p:txBody>
+          <a:bodyPr rtlCol="0" anchor="ctr"/>
+          <a:lstStyle/>
+          <a:p>
+            <a:pPr algn="l"/>
+            <a:endParaRPr lang="en-US" dirty="0"/>
+          </a:p>
+        </p:txBody>
+      </p:sp>
+      <p:sp>
+        <p:nvSpPr>
+          <p:cNvPr id="6" name="Text Placeholder 5">
+            <a:extLst>
+              <a:ext uri="{FF2B5EF4-FFF2-40B4-BE49-F238E27FC236}">
+                <a16:creationId xmlns:a16="http://schemas.microsoft.com/office/drawing/2014/main" xmlns="" id="{B237D1CA-B91A-410E-A968-D017BBE99F99}"/>
+              </a:ext>
+            </a:extLst>
+          </p:cNvPr>
+          <p:cNvSpPr>
+            <a:spLocks noGrp="1"/>
+          </p:cNvSpPr>
+          <p:nvPr>
+            <p:ph type="body" sz="quarter" idx="13"/>
+          </p:nvPr>
+        </p:nvSpPr>
+        <p:spPr>
+          <a:xfrm>
+            <a:off x="6300000" y="2468859"/>
+            <a:ext cx="5472000" cy="358775"/>
+          </a:xfrm>
+        </p:spPr>
+        <p:txBody>
+          <a:bodyPr/>
+          <a:lstStyle/>
+          <a:p>
+            <a:r>
+              <a:rPr lang="ko-KR" altLang="en-US" dirty="0"/>
+              <a:t>사용 기술</a:t>
+            </a:r>
+            <a:endParaRPr lang="en-US" dirty="0"/>
+          </a:p>
+        </p:txBody>
+      </p:sp>
+      <p:sp>
+        <p:nvSpPr>
+          <p:cNvPr id="7" name="Text Placeholder 6">
+            <a:extLst>
+              <a:ext uri="{FF2B5EF4-FFF2-40B4-BE49-F238E27FC236}">
+                <a16:creationId xmlns:a16="http://schemas.microsoft.com/office/drawing/2014/main" xmlns="" id="{26A87885-D672-4CF9-A78D-CFE98385B03A}"/>
+              </a:ext>
+            </a:extLst>
+          </p:cNvPr>
+          <p:cNvSpPr>
+            <a:spLocks noGrp="1"/>
+          </p:cNvSpPr>
+          <p:nvPr>
+            <p:ph type="body" sz="quarter" idx="12"/>
+          </p:nvPr>
+        </p:nvSpPr>
+        <p:spPr>
+          <a:xfrm>
+            <a:off x="6299887" y="2972859"/>
+            <a:ext cx="5472113" cy="3148541"/>
+          </a:xfrm>
+        </p:spPr>
+        <p:txBody>
+          <a:bodyPr/>
+          <a:lstStyle/>
+          <a:p>
+            <a:r>
+              <a:rPr lang="ko-KR" altLang="en-US" dirty="0"/>
+              <a:t>웹 </a:t>
+            </a:r>
+            <a:r>
+              <a:rPr lang="en-US" altLang="ko-KR" dirty="0"/>
+              <a:t>UI &amp; UX</a:t>
+            </a:r>
+            <a:endParaRPr lang="en-US" dirty="0"/>
+          </a:p>
+          <a:p>
+            <a:pPr lvl="1"/>
+            <a:r>
+              <a:rPr lang="en-US" dirty="0"/>
+              <a:t>HTML, CSS, </a:t>
+            </a:r>
+            <a:r>
+              <a:rPr lang="en-US" dirty="0" err="1"/>
+              <a:t>Javascript</a:t>
+            </a:r>
+            <a:endParaRPr lang="en-US" dirty="0"/>
+          </a:p>
+          <a:p>
+            <a:pPr lvl="1"/>
+            <a:r>
+              <a:rPr lang="en-US" altLang="ko-KR" dirty="0"/>
+              <a:t>Third party library(</a:t>
+            </a:r>
+            <a:r>
+              <a:rPr lang="en-US" altLang="ko-KR" dirty="0" err="1"/>
+              <a:t>Toastr</a:t>
+            </a:r>
+            <a:r>
+              <a:rPr lang="en-US" altLang="ko-KR" dirty="0"/>
+              <a:t>, </a:t>
+            </a:r>
+            <a:r>
+              <a:rPr lang="en-US" altLang="ko-KR" dirty="0" err="1"/>
+              <a:t>Jquery</a:t>
+            </a:r>
+            <a:r>
+              <a:rPr lang="en-US" altLang="ko-KR" dirty="0"/>
+              <a:t>, </a:t>
+            </a:r>
+            <a:r>
+              <a:rPr lang="en-US" altLang="ko-KR" dirty="0" err="1"/>
+              <a:t>SweetAlert</a:t>
+            </a:r>
+            <a:r>
+              <a:rPr lang="en-US" altLang="ko-KR" dirty="0"/>
+              <a:t>,</a:t>
+            </a:r>
+          </a:p>
+          <a:p>
+            <a:pPr marL="266700" lvl="1" indent="0">
+              <a:buNone/>
+            </a:pPr>
+            <a:r>
+              <a:rPr lang="en-US" altLang="ko-KR" dirty="0"/>
+              <a:t>Juso.go.kr API)</a:t>
+            </a:r>
+          </a:p>
+          <a:p>
+            <a:pPr marL="266700" lvl="1" indent="0">
+              <a:buNone/>
+            </a:pPr>
+            <a:endParaRPr lang="en-US" dirty="0"/>
+          </a:p>
+          <a:p>
+            <a:r>
+              <a:rPr lang="ko-KR" altLang="en-US" dirty="0"/>
+              <a:t>서비스 </a:t>
+            </a:r>
+            <a:r>
+              <a:rPr lang="ko-KR" altLang="en-US" dirty="0" err="1"/>
+              <a:t>로직</a:t>
+            </a:r>
+            <a:r>
+              <a:rPr lang="en-US" altLang="ko-KR" dirty="0"/>
+              <a:t> </a:t>
+            </a:r>
+            <a:r>
+              <a:rPr lang="ko-KR" altLang="en-US" dirty="0"/>
+              <a:t>및 데이터베이스</a:t>
+            </a:r>
+            <a:endParaRPr lang="en-US" altLang="ko-KR" dirty="0"/>
+          </a:p>
+          <a:p>
+            <a:pPr lvl="1"/>
+            <a:r>
+              <a:rPr lang="en-US" altLang="ko-KR" dirty="0"/>
+              <a:t>HTML, CSS, </a:t>
+            </a:r>
+            <a:r>
+              <a:rPr lang="en-US" altLang="ko-KR" dirty="0" err="1"/>
+              <a:t>Javascript</a:t>
+            </a:r>
+            <a:endParaRPr lang="en-US" altLang="ko-KR" dirty="0"/>
+          </a:p>
+          <a:p>
+            <a:pPr lvl="1"/>
+            <a:r>
+              <a:rPr lang="en-US" altLang="ko-KR" dirty="0"/>
+              <a:t>Third party library(</a:t>
+            </a:r>
+            <a:r>
+              <a:rPr lang="en-US" altLang="ko-KR" dirty="0" err="1"/>
+              <a:t>Toastr</a:t>
+            </a:r>
+            <a:r>
+              <a:rPr lang="en-US" altLang="ko-KR" dirty="0"/>
+              <a:t>, </a:t>
+            </a:r>
+            <a:r>
+              <a:rPr lang="en-US" altLang="ko-KR" dirty="0" err="1"/>
+              <a:t>Jquery</a:t>
+            </a:r>
+            <a:r>
+              <a:rPr lang="en-US" altLang="ko-KR" dirty="0"/>
+              <a:t>, </a:t>
+            </a:r>
+            <a:r>
+              <a:rPr lang="en-US" altLang="ko-KR" dirty="0" err="1"/>
+              <a:t>SweetAlert</a:t>
+            </a:r>
+            <a:r>
+              <a:rPr lang="en-US" altLang="ko-KR" dirty="0"/>
+              <a:t>)</a:t>
+            </a:r>
+          </a:p>
+          <a:p>
+            <a:pPr lvl="1"/>
+            <a:r>
+              <a:rPr lang="en-US" altLang="ko-KR" dirty="0"/>
+              <a:t>Controller(Java Servlet), View template(JSP), </a:t>
+            </a:r>
+            <a:r>
+              <a:rPr lang="en-US" altLang="ko-KR" dirty="0" err="1"/>
+              <a:t>Service&amp;Model</a:t>
+            </a:r>
+            <a:r>
+              <a:rPr lang="en-US" altLang="ko-KR" dirty="0"/>
+              <a:t>(</a:t>
+            </a:r>
+            <a:r>
+              <a:rPr lang="en-US" altLang="ko-KR" dirty="0" err="1"/>
+              <a:t>jdbc</a:t>
+            </a:r>
+            <a:r>
+              <a:rPr lang="en-US" altLang="ko-KR" dirty="0"/>
+              <a:t>, JAVA), Database(Oracle DB)</a:t>
+            </a:r>
+          </a:p>
+          <a:p>
+            <a:pPr marL="266700" lvl="1" indent="0">
+              <a:buNone/>
+            </a:pPr>
+            <a:endParaRPr lang="en-US" altLang="ko-KR" dirty="0"/>
+          </a:p>
+          <a:p>
+            <a:pPr lvl="1"/>
+            <a:endParaRPr lang="en-US" altLang="ko-KR" dirty="0"/>
+          </a:p>
+          <a:p>
+            <a:pPr marL="266700" lvl="1" indent="0">
+              <a:buNone/>
+            </a:pPr>
+            <a:endParaRPr lang="en-US" dirty="0"/>
+          </a:p>
+        </p:txBody>
+      </p:sp>
+      <p:sp>
+        <p:nvSpPr>
+          <p:cNvPr id="8" name="Slide Number Placeholder 7">
+            <a:extLst>
+              <a:ext uri="{FF2B5EF4-FFF2-40B4-BE49-F238E27FC236}">
+                <a16:creationId xmlns:a16="http://schemas.microsoft.com/office/drawing/2014/main" xmlns="" id="{E6AC9832-FB01-464A-9824-61887B77997E}"/>
+              </a:ext>
+            </a:extLst>
+          </p:cNvPr>
+          <p:cNvSpPr>
+            <a:spLocks noGrp="1"/>
+          </p:cNvSpPr>
+          <p:nvPr>
+            <p:ph type="sldNum" sz="quarter" idx="33"/>
+          </p:nvPr>
+        </p:nvSpPr>
+        <p:spPr>
+          <a:xfrm>
+            <a:off x="11760000" y="6371351"/>
+            <a:ext cx="432000" cy="432000"/>
+          </a:xfrm>
+          <a:solidFill>
+            <a:schemeClr val="tx1">
+              <a:lumMod val="95000"/>
+              <a:lumOff val="5000"/>
+            </a:schemeClr>
+          </a:solidFill>
+        </p:spPr>
+        <p:txBody>
+          <a:bodyPr/>
+          <a:lstStyle/>
+          <a:p>
+            <a:fld id="{19B51A1E-902D-48AF-9020-955120F399B6}" type="slidenum">
+              <a:rPr lang="en-US" smtClean="0"/>
+              <a:pPr/>
+              <a:t>20</a:t>
+            </a:fld>
+            <a:endParaRPr lang="en-US" dirty="0"/>
+          </a:p>
+        </p:txBody>
+      </p:sp>
+      <p:sp>
+        <p:nvSpPr>
+          <p:cNvPr id="14" name="Rectangle 19">
+            <a:extLst>
+              <a:ext uri="{FF2B5EF4-FFF2-40B4-BE49-F238E27FC236}">
+                <a16:creationId xmlns:a16="http://schemas.microsoft.com/office/drawing/2014/main" xmlns="" id="{EFA08948-2B6F-46B1-9D2D-8D7B2B3FBD56}"/>
+              </a:ext>
+              <a:ext uri="{C183D7F6-B498-43B3-948B-1728B52AA6E4}">
+                <adec:decorative xmlns:adec="http://schemas.microsoft.com/office/drawing/2017/decorative" xmlns="" val="1"/>
+              </a:ext>
+            </a:extLst>
+          </p:cNvPr>
+          <p:cNvSpPr/>
+          <p:nvPr/>
+        </p:nvSpPr>
+        <p:spPr>
+          <a:xfrm>
+            <a:off x="0" y="0"/>
+            <a:ext cx="1984175" cy="114824"/>
+          </a:xfrm>
+          <a:prstGeom prst="rect">
+            <a:avLst/>
+          </a:prstGeom>
+          <a:solidFill>
+            <a:schemeClr val="accent1"/>
+          </a:solidFill>
+          <a:ln>
+            <a:noFill/>
+          </a:ln>
+        </p:spPr>
+        <p:style>
+          <a:lnRef idx="2">
+            <a:schemeClr val="accent1">
+              <a:shade val="50000"/>
+            </a:schemeClr>
+          </a:lnRef>
+          <a:fillRef idx="1">
+            <a:schemeClr val="accent1"/>
+          </a:fillRef>
+          <a:effectRef idx="0">
+            <a:schemeClr val="accent1"/>
+          </a:effectRef>
+          <a:fontRef idx="minor">
+            <a:schemeClr val="lt1"/>
+          </a:fontRef>
+        </p:style>
+        <p:txBody>
+          <a:bodyPr rtlCol="0" anchor="ctr"/>
+          <a:lstStyle/>
+          <a:p>
+            <a:pPr algn="l"/>
+            <a:endParaRPr lang="en-US" dirty="0"/>
+          </a:p>
+        </p:txBody>
+      </p:sp>
+    </p:spTree>
+    <p:extLst>
+      <p:ext uri="{BB962C8B-B14F-4D97-AF65-F5344CB8AC3E}">
+        <p14:creationId xmlns:p14="http://schemas.microsoft.com/office/powerpoint/2010/main" val="1261455898"/>
+      </p:ext>
+    </p:extLst>
+  </p:cSld>
+  <p:clrMapOvr>
+    <a:masterClrMapping/>
+  </p:clrMapOvr>
+</p:sld>
+</file>
+
+<file path=ppt/slides/slide21.xml><?xml version="1.0" encoding="utf-8"?>
+<p:sld xmlns:a="http://schemas.openxmlformats.org/drawingml/2006/main" xmlns:r="http://schemas.openxmlformats.org/officeDocument/2006/relationships" xmlns:p="http://schemas.openxmlformats.org/presentationml/2006/main">
+  <p:cSld>
+    <p:spTree>
+      <p:nvGrpSpPr>
+        <p:cNvPr id="1" name=""/>
+        <p:cNvGrpSpPr/>
+        <p:nvPr/>
+      </p:nvGrpSpPr>
+      <p:grpSpPr>
+        <a:xfrm>
+          <a:off x="0" y="0"/>
+          <a:ext cx="0" cy="0"/>
+          <a:chOff x="0" y="0"/>
+          <a:chExt cx="0" cy="0"/>
+        </a:xfrm>
+      </p:grpSpPr>
+      <p:sp>
+        <p:nvSpPr>
+          <p:cNvPr id="2" name="Title 1">
+            <a:extLst>
+              <a:ext uri="{FF2B5EF4-FFF2-40B4-BE49-F238E27FC236}">
+                <a16:creationId xmlns:a16="http://schemas.microsoft.com/office/drawing/2014/main" xmlns="" id="{19304E83-A4F0-49C5-BB01-F5773509A2B3}"/>
+              </a:ext>
+            </a:extLst>
+          </p:cNvPr>
+          <p:cNvSpPr>
+            <a:spLocks noGrp="1"/>
+          </p:cNvSpPr>
+          <p:nvPr>
+            <p:ph type="title"/>
+          </p:nvPr>
+        </p:nvSpPr>
+        <p:spPr>
+          <a:xfrm>
+            <a:off x="117701" y="260049"/>
+            <a:ext cx="11340000" cy="432000"/>
+          </a:xfrm>
+        </p:spPr>
+        <p:txBody>
+          <a:bodyPr/>
+          <a:lstStyle/>
+          <a:p>
+            <a:r>
+              <a:rPr lang="ko-KR" altLang="en-US" dirty="0"/>
+              <a:t>회원가입</a:t>
+            </a:r>
+            <a:endParaRPr lang="en-US" dirty="0"/>
+          </a:p>
+        </p:txBody>
+      </p:sp>
+      <p:sp>
+        <p:nvSpPr>
+          <p:cNvPr id="8" name="Slide Number Placeholder 7">
+            <a:extLst>
+              <a:ext uri="{FF2B5EF4-FFF2-40B4-BE49-F238E27FC236}">
+                <a16:creationId xmlns:a16="http://schemas.microsoft.com/office/drawing/2014/main" xmlns="" id="{E6AC9832-FB01-464A-9824-61887B77997E}"/>
+              </a:ext>
+            </a:extLst>
+          </p:cNvPr>
+          <p:cNvSpPr>
+            <a:spLocks noGrp="1"/>
+          </p:cNvSpPr>
+          <p:nvPr>
+            <p:ph type="sldNum" sz="quarter" idx="33"/>
+          </p:nvPr>
+        </p:nvSpPr>
+        <p:spPr>
+          <a:xfrm>
+            <a:off x="11760000" y="6371351"/>
+            <a:ext cx="432000" cy="432000"/>
+          </a:xfrm>
+          <a:solidFill>
+            <a:schemeClr val="tx1">
+              <a:lumMod val="95000"/>
+              <a:lumOff val="5000"/>
+            </a:schemeClr>
+          </a:solidFill>
+        </p:spPr>
+        <p:txBody>
+          <a:bodyPr/>
+          <a:lstStyle/>
+          <a:p>
+            <a:fld id="{19B51A1E-902D-48AF-9020-955120F399B6}" type="slidenum">
+              <a:rPr lang="en-US" smtClean="0"/>
+              <a:pPr/>
+              <a:t>21</a:t>
+            </a:fld>
+            <a:endParaRPr lang="en-US" dirty="0"/>
+          </a:p>
+        </p:txBody>
+      </p:sp>
+      <p:sp>
+        <p:nvSpPr>
+          <p:cNvPr id="14" name="Rectangle 19">
+            <a:extLst>
+              <a:ext uri="{FF2B5EF4-FFF2-40B4-BE49-F238E27FC236}">
+                <a16:creationId xmlns:a16="http://schemas.microsoft.com/office/drawing/2014/main" xmlns="" id="{EFA08948-2B6F-46B1-9D2D-8D7B2B3FBD56}"/>
+              </a:ext>
+              <a:ext uri="{C183D7F6-B498-43B3-948B-1728B52AA6E4}">
+                <adec:decorative xmlns:adec="http://schemas.microsoft.com/office/drawing/2017/decorative" xmlns="" val="1"/>
+              </a:ext>
+            </a:extLst>
+          </p:cNvPr>
+          <p:cNvSpPr/>
+          <p:nvPr/>
+        </p:nvSpPr>
+        <p:spPr>
+          <a:xfrm>
+            <a:off x="9053" y="0"/>
+            <a:ext cx="1984175" cy="114824"/>
+          </a:xfrm>
+          <a:prstGeom prst="rect">
+            <a:avLst/>
+          </a:prstGeom>
+          <a:solidFill>
+            <a:schemeClr val="accent1"/>
+          </a:solidFill>
+          <a:ln>
+            <a:noFill/>
+          </a:ln>
+        </p:spPr>
+        <p:style>
+          <a:lnRef idx="2">
+            <a:schemeClr val="accent1">
+              <a:shade val="50000"/>
+            </a:schemeClr>
+          </a:lnRef>
+          <a:fillRef idx="1">
+            <a:schemeClr val="accent1"/>
+          </a:fillRef>
+          <a:effectRef idx="0">
+            <a:schemeClr val="accent1"/>
+          </a:effectRef>
+          <a:fontRef idx="minor">
+            <a:schemeClr val="lt1"/>
+          </a:fontRef>
+        </p:style>
+        <p:txBody>
+          <a:bodyPr rtlCol="0" anchor="ctr"/>
+          <a:lstStyle/>
+          <a:p>
+            <a:pPr algn="l"/>
+            <a:endParaRPr lang="en-US" dirty="0"/>
+          </a:p>
+        </p:txBody>
+      </p:sp>
+      <p:pic>
+        <p:nvPicPr>
+          <p:cNvPr id="3" name="그림 2"/>
+          <p:cNvPicPr>
+            <a:picLocks noChangeAspect="1"/>
+          </p:cNvPicPr>
+          <p:nvPr/>
+        </p:nvPicPr>
+        <p:blipFill>
+          <a:blip r:embed="rId2">
+            <a:extLst>
+              <a:ext uri="{28A0092B-C50C-407E-A947-70E740481C1C}">
+                <a14:useLocalDpi xmlns:a14="http://schemas.microsoft.com/office/drawing/2010/main" val="0"/>
+              </a:ext>
+            </a:extLst>
+          </a:blip>
+          <a:stretch>
+            <a:fillRect/>
+          </a:stretch>
+        </p:blipFill>
+        <p:spPr>
+          <a:xfrm>
+            <a:off x="321924" y="815767"/>
+            <a:ext cx="3506135" cy="5555584"/>
+          </a:xfrm>
+          <a:prstGeom prst="rect">
+            <a:avLst/>
+          </a:prstGeom>
+          <a:ln>
+            <a:solidFill>
+              <a:schemeClr val="tx1"/>
+            </a:solidFill>
+          </a:ln>
+        </p:spPr>
+      </p:pic>
+      <p:sp>
+        <p:nvSpPr>
+          <p:cNvPr id="6" name="Rectangle 12">
+            <a:extLst>
+              <a:ext uri="{FF2B5EF4-FFF2-40B4-BE49-F238E27FC236}">
+                <a16:creationId xmlns:a16="http://schemas.microsoft.com/office/drawing/2014/main" xmlns="" id="{A7CD04AE-9A8B-4DED-855D-F51B510D0B69}"/>
+              </a:ext>
+              <a:ext uri="{C183D7F6-B498-43B3-948B-1728B52AA6E4}">
+                <adec:decorative xmlns:adec="http://schemas.microsoft.com/office/drawing/2017/decorative" xmlns="" val="1"/>
+              </a:ext>
+            </a:extLst>
+          </p:cNvPr>
+          <p:cNvSpPr/>
+          <p:nvPr/>
+        </p:nvSpPr>
+        <p:spPr>
+          <a:xfrm>
+            <a:off x="6928425" y="815767"/>
+            <a:ext cx="1774936" cy="114824"/>
+          </a:xfrm>
+          <a:prstGeom prst="rect">
+            <a:avLst/>
+          </a:prstGeom>
+          <a:solidFill>
+            <a:schemeClr val="accent3"/>
+          </a:solidFill>
+          <a:ln>
+            <a:noFill/>
+          </a:ln>
+        </p:spPr>
+        <p:style>
+          <a:lnRef idx="2">
+            <a:schemeClr val="accent1">
+              <a:shade val="50000"/>
+            </a:schemeClr>
+          </a:lnRef>
+          <a:fillRef idx="1">
+            <a:schemeClr val="accent1"/>
+          </a:fillRef>
+          <a:effectRef idx="0">
+            <a:schemeClr val="accent1"/>
+          </a:effectRef>
+          <a:fontRef idx="minor">
+            <a:schemeClr val="lt1"/>
+          </a:fontRef>
+        </p:style>
+        <p:txBody>
+          <a:bodyPr rtlCol="0" anchor="ctr"/>
+          <a:lstStyle/>
+          <a:p>
+            <a:pPr algn="l"/>
+            <a:endParaRPr lang="en-US" dirty="0"/>
+          </a:p>
+        </p:txBody>
+      </p:sp>
+      <p:sp>
+        <p:nvSpPr>
+          <p:cNvPr id="7" name="Text Placeholder 5">
+            <a:extLst>
+              <a:ext uri="{FF2B5EF4-FFF2-40B4-BE49-F238E27FC236}">
+                <a16:creationId xmlns:a16="http://schemas.microsoft.com/office/drawing/2014/main" xmlns="" id="{B237D1CA-B91A-410E-A968-D017BBE99F99}"/>
+              </a:ext>
+            </a:extLst>
+          </p:cNvPr>
+          <p:cNvSpPr>
+            <a:spLocks noGrp="1"/>
+          </p:cNvSpPr>
+          <p:nvPr>
+            <p:ph type="body" sz="quarter" idx="13"/>
+          </p:nvPr>
+        </p:nvSpPr>
+        <p:spPr>
+          <a:xfrm>
+            <a:off x="6928424" y="1054309"/>
+            <a:ext cx="4894956" cy="358775"/>
+          </a:xfrm>
+        </p:spPr>
+        <p:txBody>
+          <a:bodyPr/>
+          <a:lstStyle/>
+          <a:p>
+            <a:r>
+              <a:rPr lang="ko-KR" altLang="en-US" dirty="0"/>
+              <a:t>구현 내용</a:t>
+            </a:r>
+            <a:endParaRPr lang="en-US" dirty="0"/>
+          </a:p>
+        </p:txBody>
+      </p:sp>
+      <p:sp>
+        <p:nvSpPr>
+          <p:cNvPr id="9" name="Text Placeholder 6">
+            <a:extLst>
+              <a:ext uri="{FF2B5EF4-FFF2-40B4-BE49-F238E27FC236}">
+                <a16:creationId xmlns:a16="http://schemas.microsoft.com/office/drawing/2014/main" xmlns="" id="{26A87885-D672-4CF9-A78D-CFE98385B03A}"/>
+              </a:ext>
+            </a:extLst>
+          </p:cNvPr>
+          <p:cNvSpPr>
+            <a:spLocks noGrp="1"/>
+          </p:cNvSpPr>
+          <p:nvPr>
+            <p:ph type="body" sz="quarter" idx="12"/>
+          </p:nvPr>
+        </p:nvSpPr>
+        <p:spPr>
+          <a:xfrm>
+            <a:off x="6928311" y="1536802"/>
+            <a:ext cx="4895057" cy="4510913"/>
+          </a:xfrm>
+        </p:spPr>
+        <p:txBody>
+          <a:bodyPr/>
+          <a:lstStyle/>
+          <a:p>
+            <a:r>
+              <a:rPr lang="ko-KR" altLang="en-US" dirty="0"/>
+              <a:t>아이디 중복 확인</a:t>
+            </a:r>
+            <a:endParaRPr lang="en-US" dirty="0"/>
+          </a:p>
+          <a:p>
+            <a:pPr lvl="1"/>
+            <a:r>
+              <a:rPr lang="ko-KR" altLang="en-US" dirty="0"/>
+              <a:t>아이디 </a:t>
+            </a:r>
+            <a:r>
+              <a:rPr lang="ko-KR" altLang="en-US" dirty="0" err="1"/>
+              <a:t>입력창</a:t>
+            </a:r>
+            <a:r>
+              <a:rPr lang="ko-KR" altLang="en-US" dirty="0"/>
+              <a:t> </a:t>
+            </a:r>
+            <a:r>
+              <a:rPr lang="en-US" altLang="ko-KR" dirty="0" err="1"/>
+              <a:t>FocusOut</a:t>
+            </a:r>
+            <a:r>
+              <a:rPr lang="en-US" altLang="ko-KR" dirty="0"/>
+              <a:t> </a:t>
+            </a:r>
+            <a:r>
+              <a:rPr lang="ko-KR" altLang="en-US" dirty="0"/>
+              <a:t>시 </a:t>
+            </a:r>
+            <a:r>
+              <a:rPr lang="en-US" altLang="ko-KR" dirty="0"/>
+              <a:t>AJAX</a:t>
+            </a:r>
+            <a:r>
+              <a:rPr lang="ko-KR" altLang="en-US" dirty="0"/>
+              <a:t>를 통하여 데이터베이스에 접근하여 사용 가능한 아이디인지</a:t>
+            </a:r>
+            <a:r>
+              <a:rPr lang="en-US" altLang="ko-KR" dirty="0"/>
+              <a:t>, </a:t>
+            </a:r>
+            <a:r>
+              <a:rPr lang="ko-KR" altLang="en-US" dirty="0"/>
+              <a:t>이미 등록된 아이디인지 알림</a:t>
+            </a:r>
+            <a:r>
+              <a:rPr lang="en-US" altLang="ko-KR" dirty="0"/>
+              <a:t>.</a:t>
+            </a:r>
+            <a:endParaRPr lang="en-US" dirty="0"/>
+          </a:p>
+          <a:p>
+            <a:r>
+              <a:rPr lang="ko-KR" altLang="en-US" dirty="0"/>
+              <a:t>비밀번호</a:t>
+            </a:r>
+            <a:r>
+              <a:rPr lang="en-US" altLang="ko-KR" dirty="0"/>
+              <a:t>, </a:t>
+            </a:r>
+            <a:r>
+              <a:rPr lang="ko-KR" altLang="en-US" dirty="0" err="1"/>
+              <a:t>이메일</a:t>
+            </a:r>
+            <a:r>
+              <a:rPr lang="en-US" altLang="ko-KR" dirty="0"/>
+              <a:t>, </a:t>
+            </a:r>
+            <a:r>
+              <a:rPr lang="ko-KR" altLang="en-US" dirty="0"/>
+              <a:t>전화번호 형식 검증</a:t>
+            </a:r>
+            <a:endParaRPr lang="en-US" altLang="ko-KR" dirty="0"/>
+          </a:p>
+          <a:p>
+            <a:pPr lvl="1"/>
+            <a:r>
+              <a:rPr lang="ko-KR" altLang="en-US" dirty="0"/>
+              <a:t>정규 </a:t>
+            </a:r>
+            <a:r>
+              <a:rPr lang="ko-KR" altLang="en-US" dirty="0" err="1"/>
+              <a:t>표현식</a:t>
+            </a:r>
+            <a:r>
+              <a:rPr lang="ko-KR" altLang="en-US" dirty="0"/>
+              <a:t> 및 자바스크립트를 통하여 비밀번호</a:t>
+            </a:r>
+            <a:r>
+              <a:rPr lang="en-US" altLang="ko-KR" dirty="0"/>
+              <a:t>, </a:t>
+            </a:r>
+            <a:r>
+              <a:rPr lang="ko-KR" altLang="en-US" dirty="0" err="1"/>
+              <a:t>이메일</a:t>
+            </a:r>
+            <a:r>
+              <a:rPr lang="en-US" altLang="ko-KR" dirty="0"/>
+              <a:t>, </a:t>
+            </a:r>
+            <a:r>
+              <a:rPr lang="ko-KR" altLang="en-US" dirty="0"/>
+              <a:t>전화번호가 올바른 형식인지 검증</a:t>
+            </a:r>
+            <a:r>
+              <a:rPr lang="en-US" altLang="ko-KR" dirty="0"/>
+              <a:t>.</a:t>
+            </a:r>
+          </a:p>
+          <a:p>
+            <a:pPr lvl="1"/>
+            <a:endParaRPr lang="en-US" altLang="ko-KR" dirty="0"/>
+          </a:p>
+          <a:p>
+            <a:r>
+              <a:rPr lang="en-US" altLang="ko-KR" dirty="0"/>
+              <a:t>Juso.go.kr API</a:t>
+            </a:r>
+            <a:r>
+              <a:rPr lang="ko-KR" altLang="en-US" dirty="0"/>
+              <a:t> 사용한 주소 정보 입력</a:t>
+            </a:r>
+            <a:endParaRPr lang="en-US" altLang="ko-KR" dirty="0"/>
+          </a:p>
+          <a:p>
+            <a:pPr lvl="1"/>
+            <a:r>
+              <a:rPr lang="en-US" altLang="ko-KR" dirty="0"/>
+              <a:t>Juso.go.kr</a:t>
+            </a:r>
+            <a:r>
+              <a:rPr lang="ko-KR" altLang="en-US" dirty="0"/>
+              <a:t>의 </a:t>
+            </a:r>
+            <a:r>
+              <a:rPr lang="en-US" altLang="ko-KR" dirty="0" err="1"/>
+              <a:t>api</a:t>
+            </a:r>
+            <a:r>
+              <a:rPr lang="ko-KR" altLang="en-US" dirty="0" err="1"/>
+              <a:t>를</a:t>
+            </a:r>
+            <a:r>
+              <a:rPr lang="ko-KR" altLang="en-US" dirty="0"/>
+              <a:t> 사용하여 실제 주소 정보 받아서 입력</a:t>
+            </a:r>
+            <a:endParaRPr lang="en-US" altLang="ko-KR" dirty="0"/>
+          </a:p>
+          <a:p>
+            <a:r>
+              <a:rPr lang="ko-KR" altLang="en-US" dirty="0"/>
+              <a:t>회원정보 등록</a:t>
+            </a:r>
+            <a:endParaRPr lang="en-US" altLang="ko-KR" dirty="0"/>
+          </a:p>
+          <a:p>
+            <a:pPr lvl="1"/>
+            <a:r>
+              <a:rPr lang="en-US" altLang="ko-KR" dirty="0" err="1"/>
+              <a:t>Jdbc</a:t>
+            </a:r>
+            <a:r>
+              <a:rPr lang="ko-KR" altLang="en-US" dirty="0"/>
+              <a:t>를 통하여 구현한 </a:t>
+            </a:r>
+            <a:r>
+              <a:rPr lang="en-US" altLang="ko-KR" dirty="0"/>
+              <a:t>DAO</a:t>
+            </a:r>
+            <a:r>
+              <a:rPr lang="ko-KR" altLang="en-US" dirty="0"/>
+              <a:t>를 통해 회원정보 등록</a:t>
+            </a:r>
+            <a:endParaRPr lang="en-US" altLang="ko-KR" dirty="0"/>
+          </a:p>
+          <a:p>
+            <a:pPr marL="266700" lvl="1" indent="0">
+              <a:buNone/>
+            </a:pPr>
+            <a:endParaRPr lang="en-US" altLang="ko-KR" dirty="0"/>
+          </a:p>
+          <a:p>
+            <a:pPr marL="266700" lvl="1" indent="0">
+              <a:buNone/>
+            </a:pPr>
+            <a:endParaRPr lang="en-US" altLang="ko-KR" dirty="0"/>
+          </a:p>
+          <a:p>
+            <a:pPr marL="266700" lvl="1" indent="0">
+              <a:buNone/>
+            </a:pPr>
+            <a:endParaRPr lang="en-US" altLang="ko-KR" dirty="0"/>
+          </a:p>
+          <a:p>
+            <a:pPr marL="266700" lvl="1" indent="0">
+              <a:buNone/>
+            </a:pPr>
+            <a:endParaRPr lang="en-US" altLang="ko-KR" dirty="0"/>
+          </a:p>
+          <a:p>
+            <a:pPr marL="266700" lvl="1" indent="0">
+              <a:buNone/>
+            </a:pPr>
+            <a:endParaRPr lang="en-US" altLang="ko-KR" dirty="0"/>
+          </a:p>
+          <a:p>
+            <a:pPr lvl="1"/>
+            <a:endParaRPr lang="en-US" altLang="ko-KR" dirty="0"/>
+          </a:p>
+          <a:p>
+            <a:pPr marL="266700" lvl="1" indent="0">
+              <a:buNone/>
+            </a:pPr>
+            <a:endParaRPr lang="en-US" dirty="0"/>
+          </a:p>
+        </p:txBody>
+      </p:sp>
+      <p:pic>
+        <p:nvPicPr>
+          <p:cNvPr id="5" name="그림 4"/>
+          <p:cNvPicPr>
+            <a:picLocks noChangeAspect="1"/>
+          </p:cNvPicPr>
+          <p:nvPr/>
+        </p:nvPicPr>
+        <p:blipFill>
+          <a:blip r:embed="rId3">
+            <a:extLst>
+              <a:ext uri="{28A0092B-C50C-407E-A947-70E740481C1C}">
+                <a14:useLocalDpi xmlns:a14="http://schemas.microsoft.com/office/drawing/2010/main" val="0"/>
+              </a:ext>
+            </a:extLst>
+          </a:blip>
+          <a:stretch>
+            <a:fillRect/>
+          </a:stretch>
+        </p:blipFill>
+        <p:spPr>
+          <a:xfrm>
+            <a:off x="2880972" y="815767"/>
+            <a:ext cx="3567506" cy="5555584"/>
+          </a:xfrm>
+          <a:prstGeom prst="rect">
+            <a:avLst/>
+          </a:prstGeom>
+          <a:ln>
+            <a:solidFill>
+              <a:schemeClr val="tx1"/>
+            </a:solidFill>
+          </a:ln>
+        </p:spPr>
+      </p:pic>
+    </p:spTree>
+    <p:extLst>
+      <p:ext uri="{BB962C8B-B14F-4D97-AF65-F5344CB8AC3E}">
+        <p14:creationId xmlns:p14="http://schemas.microsoft.com/office/powerpoint/2010/main" val="2083481733"/>
+      </p:ext>
+    </p:extLst>
+  </p:cSld>
+  <p:clrMapOvr>
+    <a:masterClrMapping/>
+  </p:clrMapOvr>
+</p:sld>
+</file>
+
+<file path=ppt/slides/slide22.xml><?xml version="1.0" encoding="utf-8"?>
+<p:sld xmlns:a="http://schemas.openxmlformats.org/drawingml/2006/main" xmlns:r="http://schemas.openxmlformats.org/officeDocument/2006/relationships" xmlns:p="http://schemas.openxmlformats.org/presentationml/2006/main">
+  <p:cSld>
+    <p:spTree>
+      <p:nvGrpSpPr>
+        <p:cNvPr id="1" name=""/>
+        <p:cNvGrpSpPr/>
+        <p:nvPr/>
+      </p:nvGrpSpPr>
+      <p:grpSpPr>
+        <a:xfrm>
+          <a:off x="0" y="0"/>
+          <a:ext cx="0" cy="0"/>
+          <a:chOff x="0" y="0"/>
+          <a:chExt cx="0" cy="0"/>
+        </a:xfrm>
+      </p:grpSpPr>
+      <p:sp>
+        <p:nvSpPr>
+          <p:cNvPr id="2" name="Title 1">
+            <a:extLst>
+              <a:ext uri="{FF2B5EF4-FFF2-40B4-BE49-F238E27FC236}">
+                <a16:creationId xmlns:a16="http://schemas.microsoft.com/office/drawing/2014/main" xmlns="" id="{19304E83-A4F0-49C5-BB01-F5773509A2B3}"/>
+              </a:ext>
+            </a:extLst>
+          </p:cNvPr>
+          <p:cNvSpPr>
+            <a:spLocks noGrp="1"/>
+          </p:cNvSpPr>
+          <p:nvPr>
+            <p:ph type="title"/>
+          </p:nvPr>
+        </p:nvSpPr>
+        <p:spPr>
+          <a:xfrm>
+            <a:off x="117701" y="260049"/>
+            <a:ext cx="11340000" cy="432000"/>
+          </a:xfrm>
+        </p:spPr>
+        <p:txBody>
+          <a:bodyPr/>
+          <a:lstStyle/>
+          <a:p>
+            <a:r>
+              <a:rPr lang="ko-KR" altLang="en-US" dirty="0" err="1"/>
+              <a:t>마이페이지</a:t>
+            </a:r>
+            <a:endParaRPr lang="en-US" dirty="0"/>
+          </a:p>
+        </p:txBody>
+      </p:sp>
+      <p:sp>
+        <p:nvSpPr>
+          <p:cNvPr id="8" name="Slide Number Placeholder 7">
+            <a:extLst>
+              <a:ext uri="{FF2B5EF4-FFF2-40B4-BE49-F238E27FC236}">
+                <a16:creationId xmlns:a16="http://schemas.microsoft.com/office/drawing/2014/main" xmlns="" id="{E6AC9832-FB01-464A-9824-61887B77997E}"/>
+              </a:ext>
+            </a:extLst>
+          </p:cNvPr>
+          <p:cNvSpPr>
+            <a:spLocks noGrp="1"/>
+          </p:cNvSpPr>
+          <p:nvPr>
+            <p:ph type="sldNum" sz="quarter" idx="33"/>
+          </p:nvPr>
+        </p:nvSpPr>
+        <p:spPr>
+          <a:xfrm>
+            <a:off x="11760000" y="6371351"/>
+            <a:ext cx="432000" cy="432000"/>
+          </a:xfrm>
+          <a:solidFill>
+            <a:schemeClr val="tx1">
+              <a:lumMod val="95000"/>
+              <a:lumOff val="5000"/>
+            </a:schemeClr>
+          </a:solidFill>
+        </p:spPr>
+        <p:txBody>
+          <a:bodyPr/>
+          <a:lstStyle/>
+          <a:p>
+            <a:fld id="{19B51A1E-902D-48AF-9020-955120F399B6}" type="slidenum">
+              <a:rPr lang="en-US" smtClean="0"/>
+              <a:pPr/>
+              <a:t>22</a:t>
+            </a:fld>
+            <a:endParaRPr lang="en-US" dirty="0"/>
+          </a:p>
+        </p:txBody>
+      </p:sp>
+      <p:sp>
+        <p:nvSpPr>
+          <p:cNvPr id="14" name="Rectangle 19">
+            <a:extLst>
+              <a:ext uri="{FF2B5EF4-FFF2-40B4-BE49-F238E27FC236}">
+                <a16:creationId xmlns:a16="http://schemas.microsoft.com/office/drawing/2014/main" xmlns="" id="{EFA08948-2B6F-46B1-9D2D-8D7B2B3FBD56}"/>
+              </a:ext>
+              <a:ext uri="{C183D7F6-B498-43B3-948B-1728B52AA6E4}">
+                <adec:decorative xmlns:adec="http://schemas.microsoft.com/office/drawing/2017/decorative" xmlns="" val="1"/>
+              </a:ext>
+            </a:extLst>
+          </p:cNvPr>
+          <p:cNvSpPr/>
+          <p:nvPr/>
+        </p:nvSpPr>
+        <p:spPr>
+          <a:xfrm>
+            <a:off x="9053" y="0"/>
+            <a:ext cx="1984175" cy="114824"/>
+          </a:xfrm>
+          <a:prstGeom prst="rect">
+            <a:avLst/>
+          </a:prstGeom>
+          <a:solidFill>
+            <a:schemeClr val="accent1"/>
+          </a:solidFill>
+          <a:ln>
+            <a:noFill/>
+          </a:ln>
+        </p:spPr>
+        <p:style>
+          <a:lnRef idx="2">
+            <a:schemeClr val="accent1">
+              <a:shade val="50000"/>
+            </a:schemeClr>
+          </a:lnRef>
+          <a:fillRef idx="1">
+            <a:schemeClr val="accent1"/>
+          </a:fillRef>
+          <a:effectRef idx="0">
+            <a:schemeClr val="accent1"/>
+          </a:effectRef>
+          <a:fontRef idx="minor">
+            <a:schemeClr val="lt1"/>
+          </a:fontRef>
+        </p:style>
+        <p:txBody>
+          <a:bodyPr rtlCol="0" anchor="ctr"/>
+          <a:lstStyle/>
+          <a:p>
+            <a:pPr algn="l"/>
+            <a:endParaRPr lang="en-US" dirty="0"/>
+          </a:p>
+        </p:txBody>
+      </p:sp>
+      <p:sp>
+        <p:nvSpPr>
+          <p:cNvPr id="6" name="Rectangle 12">
+            <a:extLst>
+              <a:ext uri="{FF2B5EF4-FFF2-40B4-BE49-F238E27FC236}">
+                <a16:creationId xmlns:a16="http://schemas.microsoft.com/office/drawing/2014/main" xmlns="" id="{A7CD04AE-9A8B-4DED-855D-F51B510D0B69}"/>
+              </a:ext>
+              <a:ext uri="{C183D7F6-B498-43B3-948B-1728B52AA6E4}">
+                <adec:decorative xmlns:adec="http://schemas.microsoft.com/office/drawing/2017/decorative" xmlns="" val="1"/>
+              </a:ext>
+            </a:extLst>
+          </p:cNvPr>
+          <p:cNvSpPr/>
+          <p:nvPr/>
+        </p:nvSpPr>
+        <p:spPr>
+          <a:xfrm>
+            <a:off x="6928425" y="815767"/>
+            <a:ext cx="1774936" cy="114824"/>
+          </a:xfrm>
+          <a:prstGeom prst="rect">
+            <a:avLst/>
+          </a:prstGeom>
+          <a:solidFill>
+            <a:schemeClr val="accent3"/>
+          </a:solidFill>
+          <a:ln>
+            <a:noFill/>
+          </a:ln>
+        </p:spPr>
+        <p:style>
+          <a:lnRef idx="2">
+            <a:schemeClr val="accent1">
+              <a:shade val="50000"/>
+            </a:schemeClr>
+          </a:lnRef>
+          <a:fillRef idx="1">
+            <a:schemeClr val="accent1"/>
+          </a:fillRef>
+          <a:effectRef idx="0">
+            <a:schemeClr val="accent1"/>
+          </a:effectRef>
+          <a:fontRef idx="minor">
+            <a:schemeClr val="lt1"/>
+          </a:fontRef>
+        </p:style>
+        <p:txBody>
+          <a:bodyPr rtlCol="0" anchor="ctr"/>
+          <a:lstStyle/>
+          <a:p>
+            <a:pPr algn="l"/>
+            <a:endParaRPr lang="en-US" dirty="0"/>
+          </a:p>
+        </p:txBody>
+      </p:sp>
+      <p:sp>
+        <p:nvSpPr>
+          <p:cNvPr id="7" name="Text Placeholder 5">
+            <a:extLst>
+              <a:ext uri="{FF2B5EF4-FFF2-40B4-BE49-F238E27FC236}">
+                <a16:creationId xmlns:a16="http://schemas.microsoft.com/office/drawing/2014/main" xmlns="" id="{B237D1CA-B91A-410E-A968-D017BBE99F99}"/>
+              </a:ext>
+            </a:extLst>
+          </p:cNvPr>
+          <p:cNvSpPr>
+            <a:spLocks noGrp="1"/>
+          </p:cNvSpPr>
+          <p:nvPr>
+            <p:ph type="body" sz="quarter" idx="13"/>
+          </p:nvPr>
+        </p:nvSpPr>
+        <p:spPr>
+          <a:xfrm>
+            <a:off x="6928424" y="1054309"/>
+            <a:ext cx="4894956" cy="358775"/>
+          </a:xfrm>
+        </p:spPr>
+        <p:txBody>
+          <a:bodyPr/>
+          <a:lstStyle/>
+          <a:p>
+            <a:r>
+              <a:rPr lang="ko-KR" altLang="en-US" dirty="0"/>
+              <a:t>구현 내용</a:t>
+            </a:r>
+            <a:endParaRPr lang="en-US" dirty="0"/>
+          </a:p>
+        </p:txBody>
+      </p:sp>
+      <p:sp>
+        <p:nvSpPr>
+          <p:cNvPr id="9" name="Text Placeholder 6">
+            <a:extLst>
+              <a:ext uri="{FF2B5EF4-FFF2-40B4-BE49-F238E27FC236}">
+                <a16:creationId xmlns:a16="http://schemas.microsoft.com/office/drawing/2014/main" xmlns="" id="{26A87885-D672-4CF9-A78D-CFE98385B03A}"/>
+              </a:ext>
+            </a:extLst>
+          </p:cNvPr>
+          <p:cNvSpPr>
+            <a:spLocks noGrp="1"/>
+          </p:cNvSpPr>
+          <p:nvPr>
+            <p:ph type="body" sz="quarter" idx="12"/>
+          </p:nvPr>
+        </p:nvSpPr>
+        <p:spPr>
+          <a:xfrm>
+            <a:off x="6928311" y="1536802"/>
+            <a:ext cx="4895057" cy="4510913"/>
+          </a:xfrm>
+        </p:spPr>
+        <p:txBody>
+          <a:bodyPr/>
+          <a:lstStyle/>
+          <a:p>
+            <a:r>
+              <a:rPr lang="ko-KR" altLang="en-US" dirty="0"/>
+              <a:t>세션 객체를 이용하여 로그인 정보 사용</a:t>
+            </a:r>
+            <a:endParaRPr lang="en-US" dirty="0"/>
+          </a:p>
+          <a:p>
+            <a:pPr lvl="1"/>
+            <a:r>
+              <a:rPr lang="ko-KR" altLang="en-US" dirty="0"/>
+              <a:t>세션 객체에 로그인 정보를 저장하여</a:t>
+            </a:r>
+            <a:r>
+              <a:rPr lang="en-US" altLang="ko-KR" dirty="0"/>
+              <a:t>, </a:t>
+            </a:r>
+            <a:r>
+              <a:rPr lang="ko-KR" altLang="en-US" dirty="0"/>
+              <a:t>해당하는 회원의 </a:t>
+            </a:r>
+            <a:r>
+              <a:rPr lang="ko-KR" altLang="en-US" dirty="0" err="1"/>
+              <a:t>마이페이지를</a:t>
+            </a:r>
+            <a:r>
+              <a:rPr lang="ko-KR" altLang="en-US" dirty="0"/>
+              <a:t> 표시</a:t>
+            </a:r>
+            <a:r>
+              <a:rPr lang="en-US" altLang="ko-KR" dirty="0"/>
+              <a:t>.</a:t>
+            </a:r>
+          </a:p>
+          <a:p>
+            <a:pPr lvl="1"/>
+            <a:r>
+              <a:rPr lang="ko-KR" altLang="en-US" dirty="0"/>
+              <a:t>동일하게 로그인 정보를 사용하여 프로필 관리</a:t>
+            </a:r>
+            <a:r>
+              <a:rPr lang="en-US" altLang="ko-KR" dirty="0"/>
+              <a:t>(</a:t>
+            </a:r>
+            <a:r>
+              <a:rPr lang="ko-KR" altLang="en-US" dirty="0"/>
+              <a:t>회원정보수정</a:t>
+            </a:r>
+            <a:r>
+              <a:rPr lang="en-US" altLang="ko-KR" dirty="0"/>
+              <a:t>) </a:t>
+            </a:r>
+            <a:r>
+              <a:rPr lang="ko-KR" altLang="en-US" dirty="0"/>
+              <a:t>페이지 구현</a:t>
+            </a:r>
+            <a:endParaRPr lang="en-US" altLang="ko-KR" dirty="0"/>
+          </a:p>
+          <a:p>
+            <a:pPr lvl="1"/>
+            <a:r>
+              <a:rPr lang="ko-KR" altLang="en-US" dirty="0"/>
+              <a:t>해당 회원의 세미나 예약리스트</a:t>
+            </a:r>
+            <a:r>
+              <a:rPr lang="en-US" altLang="ko-KR" dirty="0"/>
+              <a:t>, </a:t>
+            </a:r>
+            <a:r>
+              <a:rPr lang="ko-KR" altLang="en-US" dirty="0"/>
+              <a:t>문의사항 등의 페이지 구현</a:t>
+            </a:r>
+            <a:endParaRPr lang="en-US" altLang="ko-KR" dirty="0"/>
+          </a:p>
+          <a:p>
+            <a:pPr marL="266700" lvl="1" indent="0">
+              <a:buNone/>
+            </a:pPr>
+            <a:endParaRPr lang="en-US" altLang="ko-KR" dirty="0"/>
+          </a:p>
+          <a:p>
+            <a:pPr marL="266700" lvl="1" indent="0">
+              <a:buNone/>
+            </a:pPr>
+            <a:endParaRPr lang="en-US" altLang="ko-KR" dirty="0"/>
+          </a:p>
+          <a:p>
+            <a:pPr marL="266700" lvl="1" indent="0">
+              <a:buNone/>
+            </a:pPr>
+            <a:endParaRPr lang="en-US" altLang="ko-KR" dirty="0"/>
+          </a:p>
+          <a:p>
+            <a:pPr marL="266700" lvl="1" indent="0">
+              <a:buNone/>
+            </a:pPr>
+            <a:endParaRPr lang="en-US" altLang="ko-KR" dirty="0"/>
+          </a:p>
+          <a:p>
+            <a:pPr lvl="1"/>
+            <a:endParaRPr lang="en-US" altLang="ko-KR" dirty="0"/>
+          </a:p>
+          <a:p>
+            <a:pPr marL="266700" lvl="1" indent="0">
+              <a:buNone/>
+            </a:pPr>
+            <a:endParaRPr lang="en-US" dirty="0"/>
+          </a:p>
+        </p:txBody>
+      </p:sp>
+      <p:pic>
+        <p:nvPicPr>
+          <p:cNvPr id="10" name="그림 9"/>
+          <p:cNvPicPr>
+            <a:picLocks noChangeAspect="1"/>
+          </p:cNvPicPr>
+          <p:nvPr/>
+        </p:nvPicPr>
+        <p:blipFill>
+          <a:blip r:embed="rId2">
+            <a:extLst>
+              <a:ext uri="{28A0092B-C50C-407E-A947-70E740481C1C}">
+                <a14:useLocalDpi xmlns:a14="http://schemas.microsoft.com/office/drawing/2010/main" val="0"/>
+              </a:ext>
+            </a:extLst>
+          </a:blip>
+          <a:stretch>
+            <a:fillRect/>
+          </a:stretch>
+        </p:blipFill>
+        <p:spPr>
+          <a:xfrm>
+            <a:off x="117701" y="837274"/>
+            <a:ext cx="6640630" cy="3134377"/>
+          </a:xfrm>
+          <a:prstGeom prst="rect">
+            <a:avLst/>
+          </a:prstGeom>
+          <a:ln>
+            <a:solidFill>
+              <a:schemeClr val="tx1"/>
+            </a:solidFill>
+          </a:ln>
+        </p:spPr>
+      </p:pic>
+    </p:spTree>
+    <p:extLst>
+      <p:ext uri="{BB962C8B-B14F-4D97-AF65-F5344CB8AC3E}">
+        <p14:creationId xmlns:p14="http://schemas.microsoft.com/office/powerpoint/2010/main" val="3723507557"/>
+      </p:ext>
+    </p:extLst>
+  </p:cSld>
+  <p:clrMapOvr>
+    <a:masterClrMapping/>
+  </p:clrMapOvr>
+</p:sld>
+</file>
+
+<file path=ppt/slides/slide23.xml><?xml version="1.0" encoding="utf-8"?>
+<p:sld xmlns:a="http://schemas.openxmlformats.org/drawingml/2006/main" xmlns:r="http://schemas.openxmlformats.org/officeDocument/2006/relationships" xmlns:p="http://schemas.openxmlformats.org/presentationml/2006/main">
+  <p:cSld>
+    <p:spTree>
+      <p:nvGrpSpPr>
+        <p:cNvPr id="1" name=""/>
+        <p:cNvGrpSpPr/>
+        <p:nvPr/>
+      </p:nvGrpSpPr>
+      <p:grpSpPr>
+        <a:xfrm>
+          <a:off x="0" y="0"/>
+          <a:ext cx="0" cy="0"/>
+          <a:chOff x="0" y="0"/>
+          <a:chExt cx="0" cy="0"/>
+        </a:xfrm>
+      </p:grpSpPr>
+      <p:sp>
+        <p:nvSpPr>
+          <p:cNvPr id="2" name="Title 1">
+            <a:extLst>
+              <a:ext uri="{FF2B5EF4-FFF2-40B4-BE49-F238E27FC236}">
+                <a16:creationId xmlns:a16="http://schemas.microsoft.com/office/drawing/2014/main" xmlns="" id="{19304E83-A4F0-49C5-BB01-F5773509A2B3}"/>
+              </a:ext>
+            </a:extLst>
+          </p:cNvPr>
+          <p:cNvSpPr>
+            <a:spLocks noGrp="1"/>
+          </p:cNvSpPr>
+          <p:nvPr>
+            <p:ph type="title"/>
+          </p:nvPr>
+        </p:nvSpPr>
+        <p:spPr>
+          <a:xfrm>
+            <a:off x="117701" y="260049"/>
+            <a:ext cx="11340000" cy="432000"/>
+          </a:xfrm>
+        </p:spPr>
+        <p:txBody>
+          <a:bodyPr/>
+          <a:lstStyle/>
+          <a:p>
+            <a:r>
+              <a:rPr lang="ko-KR" altLang="en-US" dirty="0" err="1"/>
+              <a:t>마이페이지</a:t>
+            </a:r>
+            <a:r>
+              <a:rPr lang="en-US" altLang="ko-KR" dirty="0"/>
+              <a:t>(</a:t>
+            </a:r>
+            <a:r>
+              <a:rPr lang="ko-KR" altLang="en-US" dirty="0"/>
+              <a:t>회원정보수정</a:t>
+            </a:r>
+            <a:r>
+              <a:rPr lang="en-US" altLang="ko-KR" dirty="0"/>
+              <a:t>)</a:t>
+            </a:r>
+            <a:endParaRPr lang="en-US" dirty="0"/>
+          </a:p>
+        </p:txBody>
+      </p:sp>
+      <p:sp>
+        <p:nvSpPr>
+          <p:cNvPr id="8" name="Slide Number Placeholder 7">
+            <a:extLst>
+              <a:ext uri="{FF2B5EF4-FFF2-40B4-BE49-F238E27FC236}">
+                <a16:creationId xmlns:a16="http://schemas.microsoft.com/office/drawing/2014/main" xmlns="" id="{E6AC9832-FB01-464A-9824-61887B77997E}"/>
+              </a:ext>
+            </a:extLst>
+          </p:cNvPr>
+          <p:cNvSpPr>
+            <a:spLocks noGrp="1"/>
+          </p:cNvSpPr>
+          <p:nvPr>
+            <p:ph type="sldNum" sz="quarter" idx="33"/>
+          </p:nvPr>
+        </p:nvSpPr>
+        <p:spPr>
+          <a:xfrm>
+            <a:off x="11760000" y="6371351"/>
+            <a:ext cx="432000" cy="432000"/>
+          </a:xfrm>
+          <a:solidFill>
+            <a:schemeClr val="tx1">
+              <a:lumMod val="95000"/>
+              <a:lumOff val="5000"/>
+            </a:schemeClr>
+          </a:solidFill>
+        </p:spPr>
+        <p:txBody>
+          <a:bodyPr/>
+          <a:lstStyle/>
+          <a:p>
+            <a:fld id="{19B51A1E-902D-48AF-9020-955120F399B6}" type="slidenum">
+              <a:rPr lang="en-US" smtClean="0"/>
+              <a:pPr/>
+              <a:t>23</a:t>
+            </a:fld>
+            <a:endParaRPr lang="en-US" dirty="0"/>
+          </a:p>
+        </p:txBody>
+      </p:sp>
+      <p:sp>
+        <p:nvSpPr>
+          <p:cNvPr id="14" name="Rectangle 19">
+            <a:extLst>
+              <a:ext uri="{FF2B5EF4-FFF2-40B4-BE49-F238E27FC236}">
+                <a16:creationId xmlns:a16="http://schemas.microsoft.com/office/drawing/2014/main" xmlns="" id="{EFA08948-2B6F-46B1-9D2D-8D7B2B3FBD56}"/>
+              </a:ext>
+              <a:ext uri="{C183D7F6-B498-43B3-948B-1728B52AA6E4}">
+                <adec:decorative xmlns:adec="http://schemas.microsoft.com/office/drawing/2017/decorative" xmlns="" val="1"/>
+              </a:ext>
+            </a:extLst>
+          </p:cNvPr>
+          <p:cNvSpPr/>
+          <p:nvPr/>
+        </p:nvSpPr>
+        <p:spPr>
+          <a:xfrm>
+            <a:off x="9053" y="0"/>
+            <a:ext cx="1984175" cy="114824"/>
+          </a:xfrm>
+          <a:prstGeom prst="rect">
+            <a:avLst/>
+          </a:prstGeom>
+          <a:solidFill>
+            <a:schemeClr val="accent1"/>
+          </a:solidFill>
+          <a:ln>
+            <a:noFill/>
+          </a:ln>
+        </p:spPr>
+        <p:style>
+          <a:lnRef idx="2">
+            <a:schemeClr val="accent1">
+              <a:shade val="50000"/>
+            </a:schemeClr>
+          </a:lnRef>
+          <a:fillRef idx="1">
+            <a:schemeClr val="accent1"/>
+          </a:fillRef>
+          <a:effectRef idx="0">
+            <a:schemeClr val="accent1"/>
+          </a:effectRef>
+          <a:fontRef idx="minor">
+            <a:schemeClr val="lt1"/>
+          </a:fontRef>
+        </p:style>
+        <p:txBody>
+          <a:bodyPr rtlCol="0" anchor="ctr"/>
+          <a:lstStyle/>
+          <a:p>
+            <a:pPr algn="l"/>
+            <a:endParaRPr lang="en-US" dirty="0"/>
+          </a:p>
+        </p:txBody>
+      </p:sp>
+      <p:sp>
+        <p:nvSpPr>
+          <p:cNvPr id="6" name="Rectangle 12">
+            <a:extLst>
+              <a:ext uri="{FF2B5EF4-FFF2-40B4-BE49-F238E27FC236}">
+                <a16:creationId xmlns:a16="http://schemas.microsoft.com/office/drawing/2014/main" xmlns="" id="{A7CD04AE-9A8B-4DED-855D-F51B510D0B69}"/>
+              </a:ext>
+              <a:ext uri="{C183D7F6-B498-43B3-948B-1728B52AA6E4}">
+                <adec:decorative xmlns:adec="http://schemas.microsoft.com/office/drawing/2017/decorative" xmlns="" val="1"/>
+              </a:ext>
+            </a:extLst>
+          </p:cNvPr>
+          <p:cNvSpPr/>
+          <p:nvPr/>
+        </p:nvSpPr>
+        <p:spPr>
+          <a:xfrm>
+            <a:off x="6928425" y="815767"/>
+            <a:ext cx="1774936" cy="114824"/>
+          </a:xfrm>
+          <a:prstGeom prst="rect">
+            <a:avLst/>
+          </a:prstGeom>
+          <a:solidFill>
+            <a:schemeClr val="accent3"/>
+          </a:solidFill>
+          <a:ln>
+            <a:noFill/>
+          </a:ln>
+        </p:spPr>
+        <p:style>
+          <a:lnRef idx="2">
+            <a:schemeClr val="accent1">
+              <a:shade val="50000"/>
+            </a:schemeClr>
+          </a:lnRef>
+          <a:fillRef idx="1">
+            <a:schemeClr val="accent1"/>
+          </a:fillRef>
+          <a:effectRef idx="0">
+            <a:schemeClr val="accent1"/>
+          </a:effectRef>
+          <a:fontRef idx="minor">
+            <a:schemeClr val="lt1"/>
+          </a:fontRef>
+        </p:style>
+        <p:txBody>
+          <a:bodyPr rtlCol="0" anchor="ctr"/>
+          <a:lstStyle/>
+          <a:p>
+            <a:pPr algn="l"/>
+            <a:endParaRPr lang="en-US" dirty="0"/>
+          </a:p>
+        </p:txBody>
+      </p:sp>
+      <p:sp>
+        <p:nvSpPr>
+          <p:cNvPr id="7" name="Text Placeholder 5">
+            <a:extLst>
+              <a:ext uri="{FF2B5EF4-FFF2-40B4-BE49-F238E27FC236}">
+                <a16:creationId xmlns:a16="http://schemas.microsoft.com/office/drawing/2014/main" xmlns="" id="{B237D1CA-B91A-410E-A968-D017BBE99F99}"/>
+              </a:ext>
+            </a:extLst>
+          </p:cNvPr>
+          <p:cNvSpPr>
+            <a:spLocks noGrp="1"/>
+          </p:cNvSpPr>
+          <p:nvPr>
+            <p:ph type="body" sz="quarter" idx="13"/>
+          </p:nvPr>
+        </p:nvSpPr>
+        <p:spPr>
+          <a:xfrm>
+            <a:off x="6928424" y="1054309"/>
+            <a:ext cx="4894956" cy="358775"/>
+          </a:xfrm>
+        </p:spPr>
+        <p:txBody>
+          <a:bodyPr/>
+          <a:lstStyle/>
+          <a:p>
+            <a:r>
+              <a:rPr lang="ko-KR" altLang="en-US" dirty="0"/>
+              <a:t>구현 내용</a:t>
+            </a:r>
+            <a:endParaRPr lang="en-US" dirty="0"/>
+          </a:p>
+        </p:txBody>
+      </p:sp>
+      <p:sp>
+        <p:nvSpPr>
+          <p:cNvPr id="9" name="Text Placeholder 6">
+            <a:extLst>
+              <a:ext uri="{FF2B5EF4-FFF2-40B4-BE49-F238E27FC236}">
+                <a16:creationId xmlns:a16="http://schemas.microsoft.com/office/drawing/2014/main" xmlns="" id="{26A87885-D672-4CF9-A78D-CFE98385B03A}"/>
+              </a:ext>
+            </a:extLst>
+          </p:cNvPr>
+          <p:cNvSpPr>
+            <a:spLocks noGrp="1"/>
+          </p:cNvSpPr>
+          <p:nvPr>
+            <p:ph type="body" sz="quarter" idx="12"/>
+          </p:nvPr>
+        </p:nvSpPr>
+        <p:spPr>
+          <a:xfrm>
+            <a:off x="6928311" y="1536802"/>
+            <a:ext cx="4895057" cy="4510913"/>
+          </a:xfrm>
+        </p:spPr>
+        <p:txBody>
+          <a:bodyPr/>
+          <a:lstStyle/>
+          <a:p>
+            <a:r>
+              <a:rPr lang="ko-KR" altLang="en-US" dirty="0"/>
+              <a:t>회원정보수정</a:t>
+            </a:r>
+            <a:endParaRPr lang="en-US" altLang="ko-KR" dirty="0"/>
+          </a:p>
+          <a:p>
+            <a:pPr lvl="1"/>
+            <a:r>
+              <a:rPr lang="ko-KR" altLang="en-US" dirty="0"/>
+              <a:t>회원 정보를 </a:t>
+            </a:r>
+            <a:r>
+              <a:rPr lang="en-US" altLang="ko-KR" dirty="0"/>
+              <a:t>Controller </a:t>
+            </a:r>
+            <a:r>
+              <a:rPr lang="ko-KR" altLang="en-US" dirty="0"/>
+              <a:t>단에서 불러와 </a:t>
+            </a:r>
+            <a:r>
+              <a:rPr lang="en-US" altLang="ko-KR" dirty="0"/>
+              <a:t> Request</a:t>
+            </a:r>
+            <a:r>
+              <a:rPr lang="ko-KR" altLang="en-US" dirty="0"/>
+              <a:t>객체 속성에 저장하여</a:t>
+            </a:r>
+            <a:r>
+              <a:rPr lang="en-US" altLang="ko-KR" dirty="0"/>
+              <a:t>, JSP</a:t>
+            </a:r>
+            <a:r>
+              <a:rPr lang="ko-KR" altLang="en-US" dirty="0"/>
+              <a:t>페이지 내에서 </a:t>
+            </a:r>
+            <a:r>
+              <a:rPr lang="en-US" altLang="ko-KR" dirty="0"/>
+              <a:t>EL</a:t>
+            </a:r>
+            <a:r>
+              <a:rPr lang="ko-KR" altLang="en-US" dirty="0"/>
+              <a:t>태그를 통해서 표시</a:t>
+            </a:r>
+            <a:endParaRPr lang="en-US" altLang="ko-KR" dirty="0"/>
+          </a:p>
+          <a:p>
+            <a:pPr lvl="1"/>
+            <a:r>
+              <a:rPr lang="ko-KR" altLang="en-US" dirty="0"/>
+              <a:t>수정버튼 클릭 시 </a:t>
+            </a:r>
+            <a:r>
+              <a:rPr lang="en-US" altLang="ko-KR" dirty="0"/>
+              <a:t>Controller </a:t>
+            </a:r>
+            <a:r>
+              <a:rPr lang="ko-KR" altLang="en-US" dirty="0"/>
+              <a:t>단에서 </a:t>
+            </a:r>
+            <a:r>
+              <a:rPr lang="en-US" altLang="ko-KR" dirty="0"/>
+              <a:t>DAO</a:t>
+            </a:r>
+            <a:r>
+              <a:rPr lang="ko-KR" altLang="en-US" dirty="0"/>
+              <a:t>를 호출하여 업데이트 실행</a:t>
+            </a:r>
+            <a:endParaRPr lang="en-US" altLang="ko-KR" dirty="0"/>
+          </a:p>
+          <a:p>
+            <a:pPr marL="266700" lvl="1" indent="0">
+              <a:buNone/>
+            </a:pPr>
+            <a:endParaRPr lang="en-US" altLang="ko-KR" dirty="0"/>
+          </a:p>
+          <a:p>
+            <a:pPr marL="266700" lvl="1" indent="0">
+              <a:buNone/>
+            </a:pPr>
+            <a:endParaRPr lang="en-US" altLang="ko-KR" dirty="0"/>
+          </a:p>
+          <a:p>
+            <a:pPr marL="266700" lvl="1" indent="0">
+              <a:buNone/>
+            </a:pPr>
+            <a:endParaRPr lang="en-US" altLang="ko-KR" dirty="0"/>
+          </a:p>
+          <a:p>
+            <a:pPr marL="266700" lvl="1" indent="0">
+              <a:buNone/>
+            </a:pPr>
+            <a:endParaRPr lang="en-US" altLang="ko-KR" dirty="0"/>
+          </a:p>
+          <a:p>
+            <a:pPr lvl="1"/>
+            <a:endParaRPr lang="en-US" altLang="ko-KR" dirty="0"/>
+          </a:p>
+          <a:p>
+            <a:pPr marL="266700" lvl="1" indent="0">
+              <a:buNone/>
+            </a:pPr>
+            <a:endParaRPr lang="en-US" dirty="0"/>
+          </a:p>
+        </p:txBody>
+      </p:sp>
+      <p:pic>
+        <p:nvPicPr>
+          <p:cNvPr id="3" name="그림 2"/>
+          <p:cNvPicPr>
+            <a:picLocks noChangeAspect="1"/>
+          </p:cNvPicPr>
+          <p:nvPr/>
+        </p:nvPicPr>
+        <p:blipFill>
+          <a:blip r:embed="rId2">
+            <a:extLst>
+              <a:ext uri="{28A0092B-C50C-407E-A947-70E740481C1C}">
+                <a14:useLocalDpi xmlns:a14="http://schemas.microsoft.com/office/drawing/2010/main" val="0"/>
+              </a:ext>
+            </a:extLst>
+          </a:blip>
+          <a:stretch>
+            <a:fillRect/>
+          </a:stretch>
+        </p:blipFill>
+        <p:spPr>
+          <a:xfrm>
+            <a:off x="556266" y="815767"/>
+            <a:ext cx="3634670" cy="5555584"/>
+          </a:xfrm>
+          <a:prstGeom prst="rect">
+            <a:avLst/>
+          </a:prstGeom>
+          <a:ln>
+            <a:solidFill>
+              <a:schemeClr val="tx1"/>
+            </a:solidFill>
+          </a:ln>
+        </p:spPr>
+      </p:pic>
+    </p:spTree>
+    <p:extLst>
+      <p:ext uri="{BB962C8B-B14F-4D97-AF65-F5344CB8AC3E}">
+        <p14:creationId xmlns:p14="http://schemas.microsoft.com/office/powerpoint/2010/main" val="1285818414"/>
+      </p:ext>
+    </p:extLst>
+  </p:cSld>
+  <p:clrMapOvr>
+    <a:masterClrMapping/>
+  </p:clrMapOvr>
+</p:sld>
+</file>
+
+<file path=ppt/slides/slide24.xml><?xml version="1.0" encoding="utf-8"?>
+<p:sld xmlns:a="http://schemas.openxmlformats.org/drawingml/2006/main" xmlns:r="http://schemas.openxmlformats.org/officeDocument/2006/relationships" xmlns:p="http://schemas.openxmlformats.org/presentationml/2006/main">
+  <p:cSld>
+    <p:spTree>
+      <p:nvGrpSpPr>
+        <p:cNvPr id="1" name=""/>
+        <p:cNvGrpSpPr/>
+        <p:nvPr/>
+      </p:nvGrpSpPr>
+      <p:grpSpPr>
+        <a:xfrm>
+          <a:off x="0" y="0"/>
+          <a:ext cx="0" cy="0"/>
+          <a:chOff x="0" y="0"/>
+          <a:chExt cx="0" cy="0"/>
+        </a:xfrm>
+      </p:grpSpPr>
+      <p:sp>
+        <p:nvSpPr>
+          <p:cNvPr id="2" name="Title 1">
+            <a:extLst>
+              <a:ext uri="{FF2B5EF4-FFF2-40B4-BE49-F238E27FC236}">
+                <a16:creationId xmlns:a16="http://schemas.microsoft.com/office/drawing/2014/main" xmlns="" id="{19304E83-A4F0-49C5-BB01-F5773509A2B3}"/>
+              </a:ext>
+            </a:extLst>
+          </p:cNvPr>
+          <p:cNvSpPr>
+            <a:spLocks noGrp="1"/>
+          </p:cNvSpPr>
+          <p:nvPr>
+            <p:ph type="title"/>
+          </p:nvPr>
+        </p:nvSpPr>
+        <p:spPr>
+          <a:xfrm>
+            <a:off x="117701" y="260049"/>
+            <a:ext cx="11340000" cy="432000"/>
+          </a:xfrm>
+        </p:spPr>
+        <p:txBody>
+          <a:bodyPr/>
+          <a:lstStyle/>
+          <a:p>
+            <a:r>
+              <a:rPr lang="ko-KR" altLang="en-US" dirty="0" err="1"/>
+              <a:t>마이페이지</a:t>
+            </a:r>
+            <a:r>
+              <a:rPr lang="en-US" altLang="ko-KR" dirty="0"/>
+              <a:t>(</a:t>
+            </a:r>
+            <a:r>
+              <a:rPr lang="ko-KR" altLang="en-US" dirty="0"/>
+              <a:t>세미나 예약리스트</a:t>
+            </a:r>
+            <a:r>
+              <a:rPr lang="en-US" altLang="ko-KR" dirty="0"/>
+              <a:t>)</a:t>
+            </a:r>
+            <a:endParaRPr lang="en-US" dirty="0"/>
+          </a:p>
+        </p:txBody>
+      </p:sp>
+      <p:sp>
+        <p:nvSpPr>
+          <p:cNvPr id="8" name="Slide Number Placeholder 7">
+            <a:extLst>
+              <a:ext uri="{FF2B5EF4-FFF2-40B4-BE49-F238E27FC236}">
+                <a16:creationId xmlns:a16="http://schemas.microsoft.com/office/drawing/2014/main" xmlns="" id="{E6AC9832-FB01-464A-9824-61887B77997E}"/>
+              </a:ext>
+            </a:extLst>
+          </p:cNvPr>
+          <p:cNvSpPr>
+            <a:spLocks noGrp="1"/>
+          </p:cNvSpPr>
+          <p:nvPr>
+            <p:ph type="sldNum" sz="quarter" idx="33"/>
+          </p:nvPr>
+        </p:nvSpPr>
+        <p:spPr>
+          <a:xfrm>
+            <a:off x="11760000" y="6371351"/>
+            <a:ext cx="432000" cy="432000"/>
+          </a:xfrm>
+          <a:solidFill>
+            <a:schemeClr val="tx1">
+              <a:lumMod val="95000"/>
+              <a:lumOff val="5000"/>
+            </a:schemeClr>
+          </a:solidFill>
+        </p:spPr>
+        <p:txBody>
+          <a:bodyPr/>
+          <a:lstStyle/>
+          <a:p>
+            <a:fld id="{19B51A1E-902D-48AF-9020-955120F399B6}" type="slidenum">
+              <a:rPr lang="en-US" smtClean="0"/>
+              <a:pPr/>
+              <a:t>24</a:t>
+            </a:fld>
+            <a:endParaRPr lang="en-US" dirty="0"/>
+          </a:p>
+        </p:txBody>
+      </p:sp>
+      <p:sp>
+        <p:nvSpPr>
+          <p:cNvPr id="14" name="Rectangle 19">
+            <a:extLst>
+              <a:ext uri="{FF2B5EF4-FFF2-40B4-BE49-F238E27FC236}">
+                <a16:creationId xmlns:a16="http://schemas.microsoft.com/office/drawing/2014/main" xmlns="" id="{EFA08948-2B6F-46B1-9D2D-8D7B2B3FBD56}"/>
+              </a:ext>
+              <a:ext uri="{C183D7F6-B498-43B3-948B-1728B52AA6E4}">
+                <adec:decorative xmlns:adec="http://schemas.microsoft.com/office/drawing/2017/decorative" xmlns="" val="1"/>
+              </a:ext>
+            </a:extLst>
+          </p:cNvPr>
+          <p:cNvSpPr/>
+          <p:nvPr/>
+        </p:nvSpPr>
+        <p:spPr>
+          <a:xfrm>
+            <a:off x="9053" y="0"/>
+            <a:ext cx="1984175" cy="114824"/>
+          </a:xfrm>
+          <a:prstGeom prst="rect">
+            <a:avLst/>
+          </a:prstGeom>
+          <a:solidFill>
+            <a:schemeClr val="accent1"/>
+          </a:solidFill>
+          <a:ln>
+            <a:noFill/>
+          </a:ln>
+        </p:spPr>
+        <p:style>
+          <a:lnRef idx="2">
+            <a:schemeClr val="accent1">
+              <a:shade val="50000"/>
+            </a:schemeClr>
+          </a:lnRef>
+          <a:fillRef idx="1">
+            <a:schemeClr val="accent1"/>
+          </a:fillRef>
+          <a:effectRef idx="0">
+            <a:schemeClr val="accent1"/>
+          </a:effectRef>
+          <a:fontRef idx="minor">
+            <a:schemeClr val="lt1"/>
+          </a:fontRef>
+        </p:style>
+        <p:txBody>
+          <a:bodyPr rtlCol="0" anchor="ctr"/>
+          <a:lstStyle/>
+          <a:p>
+            <a:pPr algn="l"/>
+            <a:endParaRPr lang="en-US" dirty="0"/>
+          </a:p>
+        </p:txBody>
+      </p:sp>
+      <p:sp>
+        <p:nvSpPr>
+          <p:cNvPr id="6" name="Rectangle 12">
+            <a:extLst>
+              <a:ext uri="{FF2B5EF4-FFF2-40B4-BE49-F238E27FC236}">
+                <a16:creationId xmlns:a16="http://schemas.microsoft.com/office/drawing/2014/main" xmlns="" id="{A7CD04AE-9A8B-4DED-855D-F51B510D0B69}"/>
+              </a:ext>
+              <a:ext uri="{C183D7F6-B498-43B3-948B-1728B52AA6E4}">
+                <adec:decorative xmlns:adec="http://schemas.microsoft.com/office/drawing/2017/decorative" xmlns="" val="1"/>
+              </a:ext>
+            </a:extLst>
+          </p:cNvPr>
+          <p:cNvSpPr/>
+          <p:nvPr/>
+        </p:nvSpPr>
+        <p:spPr>
+          <a:xfrm>
+            <a:off x="6928425" y="815767"/>
+            <a:ext cx="1774936" cy="114824"/>
+          </a:xfrm>
+          <a:prstGeom prst="rect">
+            <a:avLst/>
+          </a:prstGeom>
+          <a:solidFill>
+            <a:schemeClr val="accent3"/>
+          </a:solidFill>
+          <a:ln>
+            <a:noFill/>
+          </a:ln>
+        </p:spPr>
+        <p:style>
+          <a:lnRef idx="2">
+            <a:schemeClr val="accent1">
+              <a:shade val="50000"/>
+            </a:schemeClr>
+          </a:lnRef>
+          <a:fillRef idx="1">
+            <a:schemeClr val="accent1"/>
+          </a:fillRef>
+          <a:effectRef idx="0">
+            <a:schemeClr val="accent1"/>
+          </a:effectRef>
+          <a:fontRef idx="minor">
+            <a:schemeClr val="lt1"/>
+          </a:fontRef>
+        </p:style>
+        <p:txBody>
+          <a:bodyPr rtlCol="0" anchor="ctr"/>
+          <a:lstStyle/>
+          <a:p>
+            <a:pPr algn="l"/>
+            <a:endParaRPr lang="en-US" dirty="0"/>
+          </a:p>
+        </p:txBody>
+      </p:sp>
+      <p:sp>
+        <p:nvSpPr>
+          <p:cNvPr id="7" name="Text Placeholder 5">
+            <a:extLst>
+              <a:ext uri="{FF2B5EF4-FFF2-40B4-BE49-F238E27FC236}">
+                <a16:creationId xmlns:a16="http://schemas.microsoft.com/office/drawing/2014/main" xmlns="" id="{B237D1CA-B91A-410E-A968-D017BBE99F99}"/>
+              </a:ext>
+            </a:extLst>
+          </p:cNvPr>
+          <p:cNvSpPr>
+            <a:spLocks noGrp="1"/>
+          </p:cNvSpPr>
+          <p:nvPr>
+            <p:ph type="body" sz="quarter" idx="13"/>
+          </p:nvPr>
+        </p:nvSpPr>
+        <p:spPr>
+          <a:xfrm>
+            <a:off x="6928424" y="1054309"/>
+            <a:ext cx="4894956" cy="358775"/>
+          </a:xfrm>
+        </p:spPr>
+        <p:txBody>
+          <a:bodyPr/>
+          <a:lstStyle/>
+          <a:p>
+            <a:r>
+              <a:rPr lang="ko-KR" altLang="en-US" dirty="0"/>
+              <a:t>구현 내용</a:t>
+            </a:r>
+            <a:endParaRPr lang="en-US" dirty="0"/>
+          </a:p>
+        </p:txBody>
+      </p:sp>
+      <p:sp>
+        <p:nvSpPr>
+          <p:cNvPr id="9" name="Text Placeholder 6">
+            <a:extLst>
+              <a:ext uri="{FF2B5EF4-FFF2-40B4-BE49-F238E27FC236}">
+                <a16:creationId xmlns:a16="http://schemas.microsoft.com/office/drawing/2014/main" xmlns="" id="{26A87885-D672-4CF9-A78D-CFE98385B03A}"/>
+              </a:ext>
+            </a:extLst>
+          </p:cNvPr>
+          <p:cNvSpPr>
+            <a:spLocks noGrp="1"/>
+          </p:cNvSpPr>
+          <p:nvPr>
+            <p:ph type="body" sz="quarter" idx="12"/>
+          </p:nvPr>
+        </p:nvSpPr>
+        <p:spPr>
+          <a:xfrm>
+            <a:off x="6928311" y="1536802"/>
+            <a:ext cx="4895057" cy="4510913"/>
+          </a:xfrm>
+        </p:spPr>
+        <p:txBody>
+          <a:bodyPr/>
+          <a:lstStyle/>
+          <a:p>
+            <a:r>
+              <a:rPr lang="ko-KR" altLang="en-US" dirty="0"/>
+              <a:t>페이지 이동 없는 리스트 페이지 구현</a:t>
+            </a:r>
+            <a:endParaRPr lang="en-US" altLang="ko-KR" dirty="0"/>
+          </a:p>
+          <a:p>
+            <a:pPr lvl="1"/>
+            <a:r>
+              <a:rPr lang="ko-KR" altLang="en-US" dirty="0"/>
+              <a:t>자바스크립트 내 </a:t>
+            </a:r>
+            <a:r>
+              <a:rPr lang="en-US" altLang="ko-KR" dirty="0" err="1"/>
+              <a:t>XMLHttpRequest</a:t>
+            </a:r>
+            <a:r>
+              <a:rPr lang="en-US" altLang="ko-KR" dirty="0"/>
+              <a:t> </a:t>
+            </a:r>
+            <a:r>
+              <a:rPr lang="ko-KR" altLang="en-US" dirty="0"/>
+              <a:t>객체를 사용하여 </a:t>
+            </a:r>
+            <a:r>
+              <a:rPr lang="ko-KR" altLang="en-US" dirty="0" err="1"/>
+              <a:t>비동기</a:t>
+            </a:r>
+            <a:r>
+              <a:rPr lang="ko-KR" altLang="en-US" dirty="0"/>
+              <a:t> 통신으로 </a:t>
+            </a:r>
+            <a:r>
+              <a:rPr lang="en-US" altLang="ko-KR" dirty="0"/>
+              <a:t>Controller </a:t>
+            </a:r>
+            <a:r>
+              <a:rPr lang="ko-KR" altLang="en-US" dirty="0"/>
+              <a:t>단에 접근</a:t>
+            </a:r>
+            <a:r>
+              <a:rPr lang="en-US" altLang="ko-KR" dirty="0"/>
+              <a:t>, </a:t>
+            </a:r>
+            <a:r>
+              <a:rPr lang="ko-KR" altLang="en-US" dirty="0"/>
+              <a:t>데이터 베이스로 부터 </a:t>
+            </a:r>
+            <a:r>
+              <a:rPr lang="en-US" altLang="ko-KR" dirty="0"/>
+              <a:t>JSON </a:t>
+            </a:r>
+            <a:r>
+              <a:rPr lang="ko-KR" altLang="en-US" dirty="0"/>
+              <a:t>정보를 받아온 후</a:t>
+            </a:r>
+            <a:r>
+              <a:rPr lang="en-US" altLang="ko-KR" dirty="0"/>
+              <a:t>, </a:t>
+            </a:r>
+            <a:r>
+              <a:rPr lang="ko-KR" altLang="en-US" dirty="0" err="1"/>
+              <a:t>파싱하여</a:t>
+            </a:r>
+            <a:r>
+              <a:rPr lang="ko-KR" altLang="en-US" dirty="0"/>
+              <a:t> 리스트로 표시</a:t>
+            </a:r>
+            <a:endParaRPr lang="en-US" altLang="ko-KR" dirty="0"/>
+          </a:p>
+          <a:p>
+            <a:pPr lvl="1"/>
+            <a:r>
+              <a:rPr lang="ko-KR" altLang="en-US" dirty="0"/>
+              <a:t>동일하게 총 데이터 개수를 받아와서 페이지 </a:t>
+            </a:r>
+            <a:r>
+              <a:rPr lang="ko-KR" altLang="en-US" dirty="0" err="1"/>
+              <a:t>네이션</a:t>
+            </a:r>
+            <a:r>
+              <a:rPr lang="ko-KR" altLang="en-US" dirty="0"/>
+              <a:t> 구현</a:t>
+            </a:r>
+            <a:endParaRPr lang="en-US" altLang="ko-KR" dirty="0"/>
+          </a:p>
+          <a:p>
+            <a:pPr lvl="1"/>
+            <a:r>
+              <a:rPr lang="ko-KR" altLang="en-US" dirty="0"/>
+              <a:t>페이지 버튼 클릭 시</a:t>
+            </a:r>
+            <a:r>
+              <a:rPr lang="en-US" altLang="ko-KR" dirty="0"/>
+              <a:t>, </a:t>
+            </a:r>
+            <a:r>
+              <a:rPr lang="ko-KR" altLang="en-US" dirty="0"/>
+              <a:t>새로 페이지를 로딩하지 않고 </a:t>
+            </a:r>
+            <a:r>
+              <a:rPr lang="en-US" altLang="ko-KR" dirty="0" err="1"/>
+              <a:t>XMLHttpRequest</a:t>
+            </a:r>
+            <a:r>
+              <a:rPr lang="en-US" altLang="ko-KR" dirty="0"/>
+              <a:t> </a:t>
+            </a:r>
+            <a:r>
+              <a:rPr lang="ko-KR" altLang="en-US" dirty="0"/>
+              <a:t>객체를 이용하여</a:t>
+            </a:r>
+            <a:r>
+              <a:rPr lang="en-US" altLang="ko-KR" dirty="0"/>
+              <a:t>, </a:t>
+            </a:r>
+            <a:r>
+              <a:rPr lang="ko-KR" altLang="en-US" dirty="0"/>
+              <a:t>해당 리스트 변경</a:t>
+            </a:r>
+            <a:endParaRPr lang="en-US" altLang="ko-KR" dirty="0"/>
+          </a:p>
+          <a:p>
+            <a:pPr lvl="1"/>
+            <a:r>
+              <a:rPr lang="ko-KR" altLang="en-US" dirty="0"/>
+              <a:t>리스트 구현 시 상세정보를 </a:t>
+            </a:r>
+            <a:r>
+              <a:rPr lang="ko-KR" altLang="en-US" dirty="0" err="1"/>
+              <a:t>클로저</a:t>
+            </a:r>
+            <a:r>
+              <a:rPr lang="ko-KR" altLang="en-US" dirty="0"/>
+              <a:t> 환경에 저장하여</a:t>
+            </a:r>
+            <a:r>
+              <a:rPr lang="en-US" altLang="ko-KR" dirty="0"/>
+              <a:t>, </a:t>
+            </a:r>
+            <a:r>
+              <a:rPr lang="ko-KR" altLang="en-US" dirty="0"/>
+              <a:t>클릭 시 </a:t>
+            </a:r>
+            <a:r>
+              <a:rPr lang="ko-KR" altLang="en-US" dirty="0" err="1"/>
+              <a:t>모달창을</a:t>
+            </a:r>
+            <a:r>
+              <a:rPr lang="ko-KR" altLang="en-US" dirty="0"/>
+              <a:t> 통해 상세정보 표시</a:t>
+            </a:r>
+            <a:endParaRPr lang="en-US" altLang="ko-KR" dirty="0"/>
+          </a:p>
+          <a:p>
+            <a:pPr marL="266700" lvl="1" indent="0">
+              <a:buNone/>
+            </a:pPr>
+            <a:endParaRPr lang="en-US" altLang="ko-KR" dirty="0"/>
+          </a:p>
+          <a:p>
+            <a:pPr marL="266700" lvl="1" indent="0">
+              <a:buNone/>
+            </a:pPr>
+            <a:endParaRPr lang="en-US" altLang="ko-KR" dirty="0"/>
+          </a:p>
+          <a:p>
+            <a:pPr marL="266700" lvl="1" indent="0">
+              <a:buNone/>
+            </a:pPr>
+            <a:endParaRPr lang="en-US" altLang="ko-KR" dirty="0"/>
+          </a:p>
+          <a:p>
+            <a:pPr lvl="1"/>
+            <a:endParaRPr lang="en-US" altLang="ko-KR" dirty="0"/>
+          </a:p>
+          <a:p>
+            <a:pPr marL="266700" lvl="1" indent="0">
+              <a:buNone/>
+            </a:pPr>
+            <a:endParaRPr lang="en-US" dirty="0"/>
+          </a:p>
+        </p:txBody>
+      </p:sp>
+      <p:pic>
+        <p:nvPicPr>
+          <p:cNvPr id="4" name="그림 3"/>
+          <p:cNvPicPr>
+            <a:picLocks noChangeAspect="1"/>
+          </p:cNvPicPr>
+          <p:nvPr/>
+        </p:nvPicPr>
+        <p:blipFill>
+          <a:blip r:embed="rId2">
+            <a:extLst>
+              <a:ext uri="{28A0092B-C50C-407E-A947-70E740481C1C}">
+                <a14:useLocalDpi xmlns:a14="http://schemas.microsoft.com/office/drawing/2010/main" val="0"/>
+              </a:ext>
+            </a:extLst>
+          </a:blip>
+          <a:stretch>
+            <a:fillRect/>
+          </a:stretch>
+        </p:blipFill>
+        <p:spPr>
+          <a:xfrm>
+            <a:off x="117701" y="815767"/>
+            <a:ext cx="6506536" cy="3845069"/>
+          </a:xfrm>
+          <a:prstGeom prst="rect">
+            <a:avLst/>
+          </a:prstGeom>
+          <a:ln>
+            <a:solidFill>
+              <a:schemeClr val="tx1"/>
+            </a:solidFill>
+          </a:ln>
+        </p:spPr>
+      </p:pic>
+    </p:spTree>
+    <p:extLst>
+      <p:ext uri="{BB962C8B-B14F-4D97-AF65-F5344CB8AC3E}">
+        <p14:creationId xmlns:p14="http://schemas.microsoft.com/office/powerpoint/2010/main" val="967724706"/>
+      </p:ext>
+    </p:extLst>
+  </p:cSld>
+  <p:clrMapOvr>
+    <a:masterClrMapping/>
+  </p:clrMapOvr>
+</p:sld>
+</file>
+
+<file path=ppt/slides/slide25.xml><?xml version="1.0" encoding="utf-8"?>
+<p:sld xmlns:a="http://schemas.openxmlformats.org/drawingml/2006/main" xmlns:r="http://schemas.openxmlformats.org/officeDocument/2006/relationships" xmlns:p="http://schemas.openxmlformats.org/presentationml/2006/main">
+  <p:cSld>
+    <p:spTree>
+      <p:nvGrpSpPr>
+        <p:cNvPr id="1" name=""/>
+        <p:cNvGrpSpPr/>
+        <p:nvPr/>
+      </p:nvGrpSpPr>
+      <p:grpSpPr>
+        <a:xfrm>
+          <a:off x="0" y="0"/>
+          <a:ext cx="0" cy="0"/>
+          <a:chOff x="0" y="0"/>
+          <a:chExt cx="0" cy="0"/>
+        </a:xfrm>
+      </p:grpSpPr>
+      <p:sp>
+        <p:nvSpPr>
+          <p:cNvPr id="2" name="Title 1">
+            <a:extLst>
+              <a:ext uri="{FF2B5EF4-FFF2-40B4-BE49-F238E27FC236}">
+                <a16:creationId xmlns:a16="http://schemas.microsoft.com/office/drawing/2014/main" xmlns="" id="{19304E83-A4F0-49C5-BB01-F5773509A2B3}"/>
+              </a:ext>
+            </a:extLst>
+          </p:cNvPr>
+          <p:cNvSpPr>
+            <a:spLocks noGrp="1"/>
+          </p:cNvSpPr>
+          <p:nvPr>
+            <p:ph type="title"/>
+          </p:nvPr>
+        </p:nvSpPr>
+        <p:spPr>
+          <a:xfrm>
+            <a:off x="117701" y="260049"/>
+            <a:ext cx="11340000" cy="432000"/>
+          </a:xfrm>
+        </p:spPr>
+        <p:txBody>
+          <a:bodyPr/>
+          <a:lstStyle/>
+          <a:p>
+            <a:r>
+              <a:rPr lang="ko-KR" altLang="en-US" dirty="0" err="1"/>
+              <a:t>마이페이지</a:t>
+            </a:r>
+            <a:r>
+              <a:rPr lang="en-US" altLang="ko-KR" dirty="0"/>
+              <a:t>(</a:t>
+            </a:r>
+            <a:r>
+              <a:rPr lang="ko-KR" altLang="en-US" dirty="0"/>
+              <a:t>세미나 예약리스트</a:t>
+            </a:r>
+            <a:r>
+              <a:rPr lang="en-US" altLang="ko-KR" dirty="0"/>
+              <a:t>)</a:t>
+            </a:r>
+            <a:endParaRPr lang="en-US" dirty="0"/>
+          </a:p>
+        </p:txBody>
+      </p:sp>
+      <p:sp>
+        <p:nvSpPr>
+          <p:cNvPr id="8" name="Slide Number Placeholder 7">
+            <a:extLst>
+              <a:ext uri="{FF2B5EF4-FFF2-40B4-BE49-F238E27FC236}">
+                <a16:creationId xmlns:a16="http://schemas.microsoft.com/office/drawing/2014/main" xmlns="" id="{E6AC9832-FB01-464A-9824-61887B77997E}"/>
+              </a:ext>
+            </a:extLst>
+          </p:cNvPr>
+          <p:cNvSpPr>
+            <a:spLocks noGrp="1"/>
+          </p:cNvSpPr>
+          <p:nvPr>
+            <p:ph type="sldNum" sz="quarter" idx="33"/>
+          </p:nvPr>
+        </p:nvSpPr>
+        <p:spPr>
+          <a:xfrm>
+            <a:off x="11760000" y="6371351"/>
+            <a:ext cx="432000" cy="432000"/>
+          </a:xfrm>
+          <a:solidFill>
+            <a:schemeClr val="tx1">
+              <a:lumMod val="95000"/>
+              <a:lumOff val="5000"/>
+            </a:schemeClr>
+          </a:solidFill>
+        </p:spPr>
+        <p:txBody>
+          <a:bodyPr/>
+          <a:lstStyle/>
+          <a:p>
+            <a:fld id="{19B51A1E-902D-48AF-9020-955120F399B6}" type="slidenum">
+              <a:rPr lang="en-US" smtClean="0"/>
+              <a:pPr/>
+              <a:t>25</a:t>
+            </a:fld>
+            <a:endParaRPr lang="en-US" dirty="0"/>
+          </a:p>
+        </p:txBody>
+      </p:sp>
+      <p:sp>
+        <p:nvSpPr>
+          <p:cNvPr id="14" name="Rectangle 19">
+            <a:extLst>
+              <a:ext uri="{FF2B5EF4-FFF2-40B4-BE49-F238E27FC236}">
+                <a16:creationId xmlns:a16="http://schemas.microsoft.com/office/drawing/2014/main" xmlns="" id="{EFA08948-2B6F-46B1-9D2D-8D7B2B3FBD56}"/>
+              </a:ext>
+              <a:ext uri="{C183D7F6-B498-43B3-948B-1728B52AA6E4}">
+                <adec:decorative xmlns:adec="http://schemas.microsoft.com/office/drawing/2017/decorative" xmlns="" val="1"/>
+              </a:ext>
+            </a:extLst>
+          </p:cNvPr>
+          <p:cNvSpPr/>
+          <p:nvPr/>
+        </p:nvSpPr>
+        <p:spPr>
+          <a:xfrm>
+            <a:off x="9053" y="0"/>
+            <a:ext cx="1984175" cy="114824"/>
+          </a:xfrm>
+          <a:prstGeom prst="rect">
+            <a:avLst/>
+          </a:prstGeom>
+          <a:solidFill>
+            <a:schemeClr val="accent1"/>
+          </a:solidFill>
+          <a:ln>
+            <a:noFill/>
+          </a:ln>
+        </p:spPr>
+        <p:style>
+          <a:lnRef idx="2">
+            <a:schemeClr val="accent1">
+              <a:shade val="50000"/>
+            </a:schemeClr>
+          </a:lnRef>
+          <a:fillRef idx="1">
+            <a:schemeClr val="accent1"/>
+          </a:fillRef>
+          <a:effectRef idx="0">
+            <a:schemeClr val="accent1"/>
+          </a:effectRef>
+          <a:fontRef idx="minor">
+            <a:schemeClr val="lt1"/>
+          </a:fontRef>
+        </p:style>
+        <p:txBody>
+          <a:bodyPr rtlCol="0" anchor="ctr"/>
+          <a:lstStyle/>
+          <a:p>
+            <a:pPr algn="l"/>
+            <a:endParaRPr lang="en-US" dirty="0"/>
+          </a:p>
+        </p:txBody>
+      </p:sp>
+      <p:sp>
+        <p:nvSpPr>
+          <p:cNvPr id="6" name="Rectangle 12">
+            <a:extLst>
+              <a:ext uri="{FF2B5EF4-FFF2-40B4-BE49-F238E27FC236}">
+                <a16:creationId xmlns:a16="http://schemas.microsoft.com/office/drawing/2014/main" xmlns="" id="{A7CD04AE-9A8B-4DED-855D-F51B510D0B69}"/>
+              </a:ext>
+              <a:ext uri="{C183D7F6-B498-43B3-948B-1728B52AA6E4}">
+                <adec:decorative xmlns:adec="http://schemas.microsoft.com/office/drawing/2017/decorative" xmlns="" val="1"/>
+              </a:ext>
+            </a:extLst>
+          </p:cNvPr>
+          <p:cNvSpPr/>
+          <p:nvPr/>
+        </p:nvSpPr>
+        <p:spPr>
+          <a:xfrm>
+            <a:off x="6928425" y="815767"/>
+            <a:ext cx="1774936" cy="114824"/>
+          </a:xfrm>
+          <a:prstGeom prst="rect">
+            <a:avLst/>
+          </a:prstGeom>
+          <a:solidFill>
+            <a:schemeClr val="accent3"/>
+          </a:solidFill>
+          <a:ln>
+            <a:noFill/>
+          </a:ln>
+        </p:spPr>
+        <p:style>
+          <a:lnRef idx="2">
+            <a:schemeClr val="accent1">
+              <a:shade val="50000"/>
+            </a:schemeClr>
+          </a:lnRef>
+          <a:fillRef idx="1">
+            <a:schemeClr val="accent1"/>
+          </a:fillRef>
+          <a:effectRef idx="0">
+            <a:schemeClr val="accent1"/>
+          </a:effectRef>
+          <a:fontRef idx="minor">
+            <a:schemeClr val="lt1"/>
+          </a:fontRef>
+        </p:style>
+        <p:txBody>
+          <a:bodyPr rtlCol="0" anchor="ctr"/>
+          <a:lstStyle/>
+          <a:p>
+            <a:pPr algn="l"/>
+            <a:endParaRPr lang="en-US" dirty="0"/>
+          </a:p>
+        </p:txBody>
+      </p:sp>
+      <p:sp>
+        <p:nvSpPr>
+          <p:cNvPr id="7" name="Text Placeholder 5">
+            <a:extLst>
+              <a:ext uri="{FF2B5EF4-FFF2-40B4-BE49-F238E27FC236}">
+                <a16:creationId xmlns:a16="http://schemas.microsoft.com/office/drawing/2014/main" xmlns="" id="{B237D1CA-B91A-410E-A968-D017BBE99F99}"/>
+              </a:ext>
+            </a:extLst>
+          </p:cNvPr>
+          <p:cNvSpPr>
+            <a:spLocks noGrp="1"/>
+          </p:cNvSpPr>
+          <p:nvPr>
+            <p:ph type="body" sz="quarter" idx="13"/>
+          </p:nvPr>
+        </p:nvSpPr>
+        <p:spPr>
+          <a:xfrm>
+            <a:off x="6928424" y="1054309"/>
+            <a:ext cx="4894956" cy="358775"/>
+          </a:xfrm>
+        </p:spPr>
+        <p:txBody>
+          <a:bodyPr/>
+          <a:lstStyle/>
+          <a:p>
+            <a:r>
+              <a:rPr lang="ko-KR" altLang="en-US" dirty="0"/>
+              <a:t>구현 내용</a:t>
+            </a:r>
+            <a:endParaRPr lang="en-US" dirty="0"/>
+          </a:p>
+        </p:txBody>
+      </p:sp>
+      <p:sp>
+        <p:nvSpPr>
+          <p:cNvPr id="9" name="Text Placeholder 6">
+            <a:extLst>
+              <a:ext uri="{FF2B5EF4-FFF2-40B4-BE49-F238E27FC236}">
+                <a16:creationId xmlns:a16="http://schemas.microsoft.com/office/drawing/2014/main" xmlns="" id="{26A87885-D672-4CF9-A78D-CFE98385B03A}"/>
+              </a:ext>
+            </a:extLst>
+          </p:cNvPr>
+          <p:cNvSpPr>
+            <a:spLocks noGrp="1"/>
+          </p:cNvSpPr>
+          <p:nvPr>
+            <p:ph type="body" sz="quarter" idx="12"/>
+          </p:nvPr>
+        </p:nvSpPr>
+        <p:spPr>
+          <a:xfrm>
+            <a:off x="6928311" y="1536802"/>
+            <a:ext cx="4895057" cy="4510913"/>
+          </a:xfrm>
+        </p:spPr>
+        <p:txBody>
+          <a:bodyPr/>
+          <a:lstStyle/>
+          <a:p>
+            <a:r>
+              <a:rPr lang="ko-KR" altLang="en-US" dirty="0" err="1"/>
+              <a:t>모달창을</a:t>
+            </a:r>
+            <a:r>
+              <a:rPr lang="ko-KR" altLang="en-US" dirty="0"/>
+              <a:t> 통한 상세페이지 로드</a:t>
+            </a:r>
+            <a:endParaRPr lang="en-US" altLang="ko-KR" dirty="0"/>
+          </a:p>
+          <a:p>
+            <a:pPr lvl="1"/>
+            <a:r>
+              <a:rPr lang="ko-KR" altLang="en-US" dirty="0"/>
+              <a:t>기존에 리스트를 구성하며 </a:t>
+            </a:r>
+            <a:r>
+              <a:rPr lang="ko-KR" altLang="en-US" dirty="0" err="1"/>
+              <a:t>클로저</a:t>
+            </a:r>
+            <a:r>
+              <a:rPr lang="ko-KR" altLang="en-US" dirty="0"/>
+              <a:t> 환경에 저장한 상세 데이터를 표시하여 상세페이지 구현</a:t>
+            </a:r>
+            <a:endParaRPr lang="en-US" altLang="ko-KR" dirty="0"/>
+          </a:p>
+          <a:p>
+            <a:pPr lvl="1"/>
+            <a:r>
+              <a:rPr lang="ko-KR" altLang="en-US" dirty="0"/>
+              <a:t>수정</a:t>
+            </a:r>
+            <a:r>
+              <a:rPr lang="en-US" altLang="ko-KR" dirty="0"/>
+              <a:t>, </a:t>
+            </a:r>
+            <a:r>
+              <a:rPr lang="ko-KR" altLang="en-US" dirty="0"/>
+              <a:t>삭제 버튼을 클릭하여 해당 데이터 삭제 기능 구현</a:t>
+            </a:r>
+            <a:r>
+              <a:rPr lang="en-US" altLang="ko-KR" dirty="0"/>
+              <a:t>.</a:t>
+            </a:r>
+          </a:p>
+          <a:p>
+            <a:pPr marL="266700" lvl="1" indent="0">
+              <a:buNone/>
+            </a:pPr>
+            <a:endParaRPr lang="en-US" altLang="ko-KR" dirty="0"/>
+          </a:p>
+          <a:p>
+            <a:pPr lvl="1"/>
+            <a:endParaRPr lang="en-US" altLang="ko-KR" dirty="0"/>
+          </a:p>
+          <a:p>
+            <a:pPr marL="266700" lvl="1" indent="0">
+              <a:buNone/>
+            </a:pPr>
+            <a:endParaRPr lang="en-US" dirty="0"/>
+          </a:p>
+        </p:txBody>
+      </p:sp>
+      <p:pic>
+        <p:nvPicPr>
+          <p:cNvPr id="3" name="그림 2"/>
+          <p:cNvPicPr>
+            <a:picLocks noChangeAspect="1"/>
+          </p:cNvPicPr>
+          <p:nvPr/>
+        </p:nvPicPr>
+        <p:blipFill>
+          <a:blip r:embed="rId2">
+            <a:extLst>
+              <a:ext uri="{28A0092B-C50C-407E-A947-70E740481C1C}">
+                <a14:useLocalDpi xmlns:a14="http://schemas.microsoft.com/office/drawing/2010/main" val="0"/>
+              </a:ext>
+            </a:extLst>
+          </a:blip>
+          <a:stretch>
+            <a:fillRect/>
+          </a:stretch>
+        </p:blipFill>
+        <p:spPr>
+          <a:xfrm>
+            <a:off x="117701" y="815767"/>
+            <a:ext cx="6113766" cy="5133837"/>
+          </a:xfrm>
+          <a:prstGeom prst="rect">
+            <a:avLst/>
+          </a:prstGeom>
+          <a:ln>
+            <a:solidFill>
+              <a:schemeClr val="tx1"/>
+            </a:solidFill>
+          </a:ln>
+        </p:spPr>
+      </p:pic>
+    </p:spTree>
+    <p:extLst>
+      <p:ext uri="{BB962C8B-B14F-4D97-AF65-F5344CB8AC3E}">
+        <p14:creationId xmlns:p14="http://schemas.microsoft.com/office/powerpoint/2010/main" val="874762563"/>
+      </p:ext>
+    </p:extLst>
+  </p:cSld>
+  <p:clrMapOvr>
+    <a:masterClrMapping/>
+  </p:clrMapOvr>
+</p:sld>
+</file>
+
+<file path=ppt/slides/slide26.xml><?xml version="1.0" encoding="utf-8"?>
+<p:sld xmlns:a="http://schemas.openxmlformats.org/drawingml/2006/main" xmlns:r="http://schemas.openxmlformats.org/officeDocument/2006/relationships" xmlns:p="http://schemas.openxmlformats.org/presentationml/2006/main">
+  <p:cSld>
+    <p:spTree>
+      <p:nvGrpSpPr>
+        <p:cNvPr id="1" name=""/>
+        <p:cNvGrpSpPr/>
+        <p:nvPr/>
+      </p:nvGrpSpPr>
+      <p:grpSpPr>
+        <a:xfrm>
+          <a:off x="0" y="0"/>
+          <a:ext cx="0" cy="0"/>
+          <a:chOff x="0" y="0"/>
+          <a:chExt cx="0" cy="0"/>
+        </a:xfrm>
+      </p:grpSpPr>
+      <p:sp>
+        <p:nvSpPr>
+          <p:cNvPr id="2" name="Title 1">
+            <a:extLst>
+              <a:ext uri="{FF2B5EF4-FFF2-40B4-BE49-F238E27FC236}">
+                <a16:creationId xmlns:a16="http://schemas.microsoft.com/office/drawing/2014/main" xmlns="" id="{19304E83-A4F0-49C5-BB01-F5773509A2B3}"/>
+              </a:ext>
+            </a:extLst>
+          </p:cNvPr>
+          <p:cNvSpPr>
+            <a:spLocks noGrp="1"/>
+          </p:cNvSpPr>
+          <p:nvPr>
+            <p:ph type="title"/>
+          </p:nvPr>
+        </p:nvSpPr>
+        <p:spPr>
+          <a:xfrm>
+            <a:off x="117701" y="260049"/>
+            <a:ext cx="11340000" cy="432000"/>
+          </a:xfrm>
+        </p:spPr>
+        <p:txBody>
+          <a:bodyPr/>
+          <a:lstStyle/>
+          <a:p>
+            <a:r>
+              <a:rPr lang="ko-KR" altLang="en-US" dirty="0"/>
+              <a:t>세미나 예약</a:t>
+            </a:r>
+            <a:endParaRPr lang="en-US" dirty="0"/>
+          </a:p>
+        </p:txBody>
+      </p:sp>
+      <p:sp>
+        <p:nvSpPr>
+          <p:cNvPr id="8" name="Slide Number Placeholder 7">
+            <a:extLst>
+              <a:ext uri="{FF2B5EF4-FFF2-40B4-BE49-F238E27FC236}">
+                <a16:creationId xmlns:a16="http://schemas.microsoft.com/office/drawing/2014/main" xmlns="" id="{E6AC9832-FB01-464A-9824-61887B77997E}"/>
+              </a:ext>
+            </a:extLst>
+          </p:cNvPr>
+          <p:cNvSpPr>
+            <a:spLocks noGrp="1"/>
+          </p:cNvSpPr>
+          <p:nvPr>
+            <p:ph type="sldNum" sz="quarter" idx="33"/>
+          </p:nvPr>
+        </p:nvSpPr>
+        <p:spPr>
+          <a:xfrm>
+            <a:off x="11760000" y="6371351"/>
+            <a:ext cx="432000" cy="432000"/>
+          </a:xfrm>
+          <a:solidFill>
+            <a:schemeClr val="tx1">
+              <a:lumMod val="95000"/>
+              <a:lumOff val="5000"/>
+            </a:schemeClr>
+          </a:solidFill>
+        </p:spPr>
+        <p:txBody>
+          <a:bodyPr/>
+          <a:lstStyle/>
+          <a:p>
+            <a:fld id="{19B51A1E-902D-48AF-9020-955120F399B6}" type="slidenum">
+              <a:rPr lang="en-US" smtClean="0"/>
+              <a:pPr/>
+              <a:t>26</a:t>
+            </a:fld>
+            <a:endParaRPr lang="en-US" dirty="0"/>
+          </a:p>
+        </p:txBody>
+      </p:sp>
+      <p:sp>
+        <p:nvSpPr>
+          <p:cNvPr id="14" name="Rectangle 19">
+            <a:extLst>
+              <a:ext uri="{FF2B5EF4-FFF2-40B4-BE49-F238E27FC236}">
+                <a16:creationId xmlns:a16="http://schemas.microsoft.com/office/drawing/2014/main" xmlns="" id="{EFA08948-2B6F-46B1-9D2D-8D7B2B3FBD56}"/>
+              </a:ext>
+              <a:ext uri="{C183D7F6-B498-43B3-948B-1728B52AA6E4}">
+                <adec:decorative xmlns:adec="http://schemas.microsoft.com/office/drawing/2017/decorative" xmlns="" val="1"/>
+              </a:ext>
+            </a:extLst>
+          </p:cNvPr>
+          <p:cNvSpPr/>
+          <p:nvPr/>
+        </p:nvSpPr>
+        <p:spPr>
+          <a:xfrm>
+            <a:off x="9053" y="0"/>
+            <a:ext cx="1984175" cy="114824"/>
+          </a:xfrm>
+          <a:prstGeom prst="rect">
+            <a:avLst/>
+          </a:prstGeom>
+          <a:solidFill>
+            <a:schemeClr val="accent1"/>
+          </a:solidFill>
+          <a:ln>
+            <a:noFill/>
+          </a:ln>
+        </p:spPr>
+        <p:style>
+          <a:lnRef idx="2">
+            <a:schemeClr val="accent1">
+              <a:shade val="50000"/>
+            </a:schemeClr>
+          </a:lnRef>
+          <a:fillRef idx="1">
+            <a:schemeClr val="accent1"/>
+          </a:fillRef>
+          <a:effectRef idx="0">
+            <a:schemeClr val="accent1"/>
+          </a:effectRef>
+          <a:fontRef idx="minor">
+            <a:schemeClr val="lt1"/>
+          </a:fontRef>
+        </p:style>
+        <p:txBody>
+          <a:bodyPr rtlCol="0" anchor="ctr"/>
+          <a:lstStyle/>
+          <a:p>
+            <a:pPr algn="l"/>
+            <a:endParaRPr lang="en-US" dirty="0"/>
+          </a:p>
+        </p:txBody>
+      </p:sp>
+      <p:sp>
+        <p:nvSpPr>
+          <p:cNvPr id="6" name="Rectangle 12">
+            <a:extLst>
+              <a:ext uri="{FF2B5EF4-FFF2-40B4-BE49-F238E27FC236}">
+                <a16:creationId xmlns:a16="http://schemas.microsoft.com/office/drawing/2014/main" xmlns="" id="{A7CD04AE-9A8B-4DED-855D-F51B510D0B69}"/>
+              </a:ext>
+              <a:ext uri="{C183D7F6-B498-43B3-948B-1728B52AA6E4}">
+                <adec:decorative xmlns:adec="http://schemas.microsoft.com/office/drawing/2017/decorative" xmlns="" val="1"/>
+              </a:ext>
+            </a:extLst>
+          </p:cNvPr>
+          <p:cNvSpPr/>
+          <p:nvPr/>
+        </p:nvSpPr>
+        <p:spPr>
+          <a:xfrm>
+            <a:off x="6928425" y="815767"/>
+            <a:ext cx="1774936" cy="114824"/>
+          </a:xfrm>
+          <a:prstGeom prst="rect">
+            <a:avLst/>
+          </a:prstGeom>
+          <a:solidFill>
+            <a:schemeClr val="accent3"/>
+          </a:solidFill>
+          <a:ln>
+            <a:noFill/>
+          </a:ln>
+        </p:spPr>
+        <p:style>
+          <a:lnRef idx="2">
+            <a:schemeClr val="accent1">
+              <a:shade val="50000"/>
+            </a:schemeClr>
+          </a:lnRef>
+          <a:fillRef idx="1">
+            <a:schemeClr val="accent1"/>
+          </a:fillRef>
+          <a:effectRef idx="0">
+            <a:schemeClr val="accent1"/>
+          </a:effectRef>
+          <a:fontRef idx="minor">
+            <a:schemeClr val="lt1"/>
+          </a:fontRef>
+        </p:style>
+        <p:txBody>
+          <a:bodyPr rtlCol="0" anchor="ctr"/>
+          <a:lstStyle/>
+          <a:p>
+            <a:pPr algn="l"/>
+            <a:endParaRPr lang="en-US" dirty="0"/>
+          </a:p>
+        </p:txBody>
+      </p:sp>
+      <p:sp>
+        <p:nvSpPr>
+          <p:cNvPr id="7" name="Text Placeholder 5">
+            <a:extLst>
+              <a:ext uri="{FF2B5EF4-FFF2-40B4-BE49-F238E27FC236}">
+                <a16:creationId xmlns:a16="http://schemas.microsoft.com/office/drawing/2014/main" xmlns="" id="{B237D1CA-B91A-410E-A968-D017BBE99F99}"/>
+              </a:ext>
+            </a:extLst>
+          </p:cNvPr>
+          <p:cNvSpPr>
+            <a:spLocks noGrp="1"/>
+          </p:cNvSpPr>
+          <p:nvPr>
+            <p:ph type="body" sz="quarter" idx="13"/>
+          </p:nvPr>
+        </p:nvSpPr>
+        <p:spPr>
+          <a:xfrm>
+            <a:off x="6928424" y="1054309"/>
+            <a:ext cx="4894956" cy="358775"/>
+          </a:xfrm>
+        </p:spPr>
+        <p:txBody>
+          <a:bodyPr/>
+          <a:lstStyle/>
+          <a:p>
+            <a:r>
+              <a:rPr lang="ko-KR" altLang="en-US" dirty="0"/>
+              <a:t>구현 내용</a:t>
+            </a:r>
+            <a:endParaRPr lang="en-US" dirty="0"/>
+          </a:p>
+        </p:txBody>
+      </p:sp>
+      <p:sp>
+        <p:nvSpPr>
+          <p:cNvPr id="9" name="Text Placeholder 6">
+            <a:extLst>
+              <a:ext uri="{FF2B5EF4-FFF2-40B4-BE49-F238E27FC236}">
+                <a16:creationId xmlns:a16="http://schemas.microsoft.com/office/drawing/2014/main" xmlns="" id="{26A87885-D672-4CF9-A78D-CFE98385B03A}"/>
+              </a:ext>
+            </a:extLst>
+          </p:cNvPr>
+          <p:cNvSpPr>
+            <a:spLocks noGrp="1"/>
+          </p:cNvSpPr>
+          <p:nvPr>
+            <p:ph type="body" sz="quarter" idx="12"/>
+          </p:nvPr>
+        </p:nvSpPr>
+        <p:spPr>
+          <a:xfrm>
+            <a:off x="6928311" y="1536802"/>
+            <a:ext cx="4895057" cy="4510913"/>
+          </a:xfrm>
+        </p:spPr>
+        <p:txBody>
+          <a:bodyPr/>
+          <a:lstStyle/>
+          <a:p>
+            <a:r>
+              <a:rPr lang="ko-KR" altLang="en-US" dirty="0"/>
+              <a:t>세미나 예약페이지</a:t>
+            </a:r>
+            <a:endParaRPr lang="en-US" altLang="ko-KR" dirty="0"/>
+          </a:p>
+          <a:p>
+            <a:pPr lvl="1"/>
+            <a:r>
+              <a:rPr lang="ko-KR" altLang="en-US" dirty="0"/>
+              <a:t>장소와 날짜를 선택 시 해당 날짜에 예약된 시간을 타임 테이블에 표시</a:t>
+            </a:r>
+            <a:endParaRPr lang="en-US" altLang="ko-KR" dirty="0"/>
+          </a:p>
+          <a:p>
+            <a:pPr lvl="1"/>
+            <a:r>
+              <a:rPr lang="ko-KR" altLang="en-US" dirty="0"/>
+              <a:t>시간을 클릭하여 예약하고 싶은 시간 선택</a:t>
+            </a:r>
+            <a:endParaRPr lang="en-US" altLang="ko-KR" dirty="0"/>
+          </a:p>
+          <a:p>
+            <a:pPr lvl="1"/>
+            <a:r>
+              <a:rPr lang="ko-KR" altLang="en-US" dirty="0"/>
+              <a:t>이미 예약된 시간을 선택 시</a:t>
+            </a:r>
+            <a:r>
+              <a:rPr lang="en-US" altLang="ko-KR" dirty="0"/>
+              <a:t>, </a:t>
+            </a:r>
+            <a:r>
+              <a:rPr lang="ko-KR" altLang="en-US" dirty="0"/>
+              <a:t>겹치는 시간이 존재한다는 </a:t>
+            </a:r>
+            <a:r>
+              <a:rPr lang="ko-KR" altLang="en-US" dirty="0" err="1"/>
+              <a:t>알림창</a:t>
+            </a:r>
+            <a:r>
+              <a:rPr lang="ko-KR" altLang="en-US" dirty="0"/>
+              <a:t> 호출</a:t>
+            </a:r>
+            <a:endParaRPr lang="en-US" altLang="ko-KR" dirty="0"/>
+          </a:p>
+          <a:p>
+            <a:pPr lvl="1"/>
+            <a:r>
+              <a:rPr lang="ko-KR" altLang="en-US" dirty="0"/>
+              <a:t>세미나를 등록하는 도중에 해당 시간대가 예약되어 중복 예약되어 버리는 경우를 방지하기 위해 등록 바로 직전에 </a:t>
+            </a:r>
+            <a:r>
+              <a:rPr lang="en-US" altLang="ko-KR" dirty="0"/>
+              <a:t>AJAX</a:t>
+            </a:r>
+            <a:r>
+              <a:rPr lang="ko-KR" altLang="en-US" dirty="0"/>
+              <a:t>를 통해 시간 정보 비교</a:t>
+            </a:r>
+            <a:endParaRPr lang="en-US" altLang="ko-KR" dirty="0"/>
+          </a:p>
+          <a:p>
+            <a:pPr marL="266700" lvl="1" indent="0">
+              <a:buNone/>
+            </a:pPr>
+            <a:endParaRPr lang="en-US" altLang="ko-KR" dirty="0"/>
+          </a:p>
+          <a:p>
+            <a:pPr lvl="1"/>
+            <a:endParaRPr lang="en-US" altLang="ko-KR" dirty="0"/>
+          </a:p>
+          <a:p>
+            <a:pPr marL="266700" lvl="1" indent="0">
+              <a:buNone/>
+            </a:pPr>
+            <a:endParaRPr lang="en-US" dirty="0"/>
+          </a:p>
+        </p:txBody>
+      </p:sp>
+      <p:pic>
+        <p:nvPicPr>
+          <p:cNvPr id="4" name="그림 3"/>
+          <p:cNvPicPr>
+            <a:picLocks noChangeAspect="1"/>
+          </p:cNvPicPr>
+          <p:nvPr/>
+        </p:nvPicPr>
+        <p:blipFill>
+          <a:blip r:embed="rId2">
+            <a:extLst>
+              <a:ext uri="{28A0092B-C50C-407E-A947-70E740481C1C}">
+                <a14:useLocalDpi xmlns:a14="http://schemas.microsoft.com/office/drawing/2010/main" val="0"/>
+              </a:ext>
+            </a:extLst>
+          </a:blip>
+          <a:stretch>
+            <a:fillRect/>
+          </a:stretch>
+        </p:blipFill>
+        <p:spPr>
+          <a:xfrm>
+            <a:off x="343479" y="815767"/>
+            <a:ext cx="4996166" cy="5539884"/>
+          </a:xfrm>
+          <a:prstGeom prst="rect">
+            <a:avLst/>
+          </a:prstGeom>
+          <a:ln>
+            <a:solidFill>
+              <a:schemeClr val="tx1"/>
+            </a:solidFill>
+          </a:ln>
+        </p:spPr>
+      </p:pic>
+    </p:spTree>
+    <p:extLst>
+      <p:ext uri="{BB962C8B-B14F-4D97-AF65-F5344CB8AC3E}">
+        <p14:creationId xmlns:p14="http://schemas.microsoft.com/office/powerpoint/2010/main" val="1024787477"/>
+      </p:ext>
+    </p:extLst>
+  </p:cSld>
+  <p:clrMapOvr>
+    <a:masterClrMapping/>
+  </p:clrMapOvr>
+</p:sld>
+</file>
+
+<file path=ppt/slides/slide27.xml><?xml version="1.0" encoding="utf-8"?>
+<p:sld xmlns:a="http://schemas.openxmlformats.org/drawingml/2006/main" xmlns:r="http://schemas.openxmlformats.org/officeDocument/2006/relationships" xmlns:p="http://schemas.openxmlformats.org/presentationml/2006/main">
+  <p:cSld>
+    <p:spTree>
+      <p:nvGrpSpPr>
+        <p:cNvPr id="1" name=""/>
+        <p:cNvGrpSpPr/>
+        <p:nvPr/>
+      </p:nvGrpSpPr>
+      <p:grpSpPr>
+        <a:xfrm>
+          <a:off x="0" y="0"/>
+          <a:ext cx="0" cy="0"/>
+          <a:chOff x="0" y="0"/>
+          <a:chExt cx="0" cy="0"/>
+        </a:xfrm>
+      </p:grpSpPr>
+      <p:sp>
+        <p:nvSpPr>
+          <p:cNvPr id="2" name="Title 1">
+            <a:extLst>
+              <a:ext uri="{FF2B5EF4-FFF2-40B4-BE49-F238E27FC236}">
+                <a16:creationId xmlns:a16="http://schemas.microsoft.com/office/drawing/2014/main" xmlns="" id="{19304E83-A4F0-49C5-BB01-F5773509A2B3}"/>
+              </a:ext>
+            </a:extLst>
+          </p:cNvPr>
+          <p:cNvSpPr>
+            <a:spLocks noGrp="1"/>
+          </p:cNvSpPr>
+          <p:nvPr>
+            <p:ph type="title"/>
+          </p:nvPr>
+        </p:nvSpPr>
+        <p:spPr>
+          <a:xfrm>
+            <a:off x="117701" y="260049"/>
+            <a:ext cx="11340000" cy="432000"/>
+          </a:xfrm>
+        </p:spPr>
+        <p:txBody>
+          <a:bodyPr/>
+          <a:lstStyle/>
+          <a:p>
+            <a:r>
+              <a:rPr lang="ko-KR" altLang="en-US" dirty="0"/>
+              <a:t>세미나 예약</a:t>
+            </a:r>
+            <a:endParaRPr lang="en-US" dirty="0"/>
+          </a:p>
+        </p:txBody>
+      </p:sp>
+      <p:sp>
+        <p:nvSpPr>
+          <p:cNvPr id="8" name="Slide Number Placeholder 7">
+            <a:extLst>
+              <a:ext uri="{FF2B5EF4-FFF2-40B4-BE49-F238E27FC236}">
+                <a16:creationId xmlns:a16="http://schemas.microsoft.com/office/drawing/2014/main" xmlns="" id="{E6AC9832-FB01-464A-9824-61887B77997E}"/>
+              </a:ext>
+            </a:extLst>
+          </p:cNvPr>
+          <p:cNvSpPr>
+            <a:spLocks noGrp="1"/>
+          </p:cNvSpPr>
+          <p:nvPr>
+            <p:ph type="sldNum" sz="quarter" idx="33"/>
+          </p:nvPr>
+        </p:nvSpPr>
+        <p:spPr>
+          <a:xfrm>
+            <a:off x="11760000" y="6371351"/>
+            <a:ext cx="432000" cy="432000"/>
+          </a:xfrm>
+          <a:solidFill>
+            <a:schemeClr val="tx1">
+              <a:lumMod val="95000"/>
+              <a:lumOff val="5000"/>
+            </a:schemeClr>
+          </a:solidFill>
+        </p:spPr>
+        <p:txBody>
+          <a:bodyPr/>
+          <a:lstStyle/>
+          <a:p>
+            <a:fld id="{19B51A1E-902D-48AF-9020-955120F399B6}" type="slidenum">
+              <a:rPr lang="en-US" smtClean="0"/>
+              <a:pPr/>
+              <a:t>27</a:t>
+            </a:fld>
+            <a:endParaRPr lang="en-US" dirty="0"/>
+          </a:p>
+        </p:txBody>
+      </p:sp>
+      <p:sp>
+        <p:nvSpPr>
+          <p:cNvPr id="14" name="Rectangle 19">
+            <a:extLst>
+              <a:ext uri="{FF2B5EF4-FFF2-40B4-BE49-F238E27FC236}">
+                <a16:creationId xmlns:a16="http://schemas.microsoft.com/office/drawing/2014/main" xmlns="" id="{EFA08948-2B6F-46B1-9D2D-8D7B2B3FBD56}"/>
+              </a:ext>
+              <a:ext uri="{C183D7F6-B498-43B3-948B-1728B52AA6E4}">
+                <adec:decorative xmlns:adec="http://schemas.microsoft.com/office/drawing/2017/decorative" xmlns="" val="1"/>
+              </a:ext>
+            </a:extLst>
+          </p:cNvPr>
+          <p:cNvSpPr/>
+          <p:nvPr/>
+        </p:nvSpPr>
+        <p:spPr>
+          <a:xfrm>
+            <a:off x="9053" y="0"/>
+            <a:ext cx="1984175" cy="114824"/>
+          </a:xfrm>
+          <a:prstGeom prst="rect">
+            <a:avLst/>
+          </a:prstGeom>
+          <a:solidFill>
+            <a:schemeClr val="accent1"/>
+          </a:solidFill>
+          <a:ln>
+            <a:noFill/>
+          </a:ln>
+        </p:spPr>
+        <p:style>
+          <a:lnRef idx="2">
+            <a:schemeClr val="accent1">
+              <a:shade val="50000"/>
+            </a:schemeClr>
+          </a:lnRef>
+          <a:fillRef idx="1">
+            <a:schemeClr val="accent1"/>
+          </a:fillRef>
+          <a:effectRef idx="0">
+            <a:schemeClr val="accent1"/>
+          </a:effectRef>
+          <a:fontRef idx="minor">
+            <a:schemeClr val="lt1"/>
+          </a:fontRef>
+        </p:style>
+        <p:txBody>
+          <a:bodyPr rtlCol="0" anchor="ctr"/>
+          <a:lstStyle/>
+          <a:p>
+            <a:pPr algn="l"/>
+            <a:endParaRPr lang="en-US" dirty="0"/>
+          </a:p>
+        </p:txBody>
+      </p:sp>
+      <p:sp>
+        <p:nvSpPr>
+          <p:cNvPr id="6" name="Rectangle 12">
+            <a:extLst>
+              <a:ext uri="{FF2B5EF4-FFF2-40B4-BE49-F238E27FC236}">
+                <a16:creationId xmlns:a16="http://schemas.microsoft.com/office/drawing/2014/main" xmlns="" id="{A7CD04AE-9A8B-4DED-855D-F51B510D0B69}"/>
+              </a:ext>
+              <a:ext uri="{C183D7F6-B498-43B3-948B-1728B52AA6E4}">
+                <adec:decorative xmlns:adec="http://schemas.microsoft.com/office/drawing/2017/decorative" xmlns="" val="1"/>
+              </a:ext>
+            </a:extLst>
+          </p:cNvPr>
+          <p:cNvSpPr/>
+          <p:nvPr/>
+        </p:nvSpPr>
+        <p:spPr>
+          <a:xfrm>
+            <a:off x="6928425" y="815767"/>
+            <a:ext cx="1774936" cy="114824"/>
+          </a:xfrm>
+          <a:prstGeom prst="rect">
+            <a:avLst/>
+          </a:prstGeom>
+          <a:solidFill>
+            <a:schemeClr val="accent3"/>
+          </a:solidFill>
+          <a:ln>
+            <a:noFill/>
+          </a:ln>
+        </p:spPr>
+        <p:style>
+          <a:lnRef idx="2">
+            <a:schemeClr val="accent1">
+              <a:shade val="50000"/>
+            </a:schemeClr>
+          </a:lnRef>
+          <a:fillRef idx="1">
+            <a:schemeClr val="accent1"/>
+          </a:fillRef>
+          <a:effectRef idx="0">
+            <a:schemeClr val="accent1"/>
+          </a:effectRef>
+          <a:fontRef idx="minor">
+            <a:schemeClr val="lt1"/>
+          </a:fontRef>
+        </p:style>
+        <p:txBody>
+          <a:bodyPr rtlCol="0" anchor="ctr"/>
+          <a:lstStyle/>
+          <a:p>
+            <a:pPr algn="l"/>
+            <a:endParaRPr lang="en-US" dirty="0"/>
+          </a:p>
+        </p:txBody>
+      </p:sp>
+      <p:sp>
+        <p:nvSpPr>
+          <p:cNvPr id="7" name="Text Placeholder 5">
+            <a:extLst>
+              <a:ext uri="{FF2B5EF4-FFF2-40B4-BE49-F238E27FC236}">
+                <a16:creationId xmlns:a16="http://schemas.microsoft.com/office/drawing/2014/main" xmlns="" id="{B237D1CA-B91A-410E-A968-D017BBE99F99}"/>
+              </a:ext>
+            </a:extLst>
+          </p:cNvPr>
+          <p:cNvSpPr>
+            <a:spLocks noGrp="1"/>
+          </p:cNvSpPr>
+          <p:nvPr>
+            <p:ph type="body" sz="quarter" idx="13"/>
+          </p:nvPr>
+        </p:nvSpPr>
+        <p:spPr>
+          <a:xfrm>
+            <a:off x="6928424" y="1054309"/>
+            <a:ext cx="4894956" cy="358775"/>
+          </a:xfrm>
+        </p:spPr>
+        <p:txBody>
+          <a:bodyPr/>
+          <a:lstStyle/>
+          <a:p>
+            <a:r>
+              <a:rPr lang="ko-KR" altLang="en-US" dirty="0"/>
+              <a:t>구현 내용</a:t>
+            </a:r>
+            <a:endParaRPr lang="en-US" dirty="0"/>
+          </a:p>
+        </p:txBody>
+      </p:sp>
+      <p:sp>
+        <p:nvSpPr>
+          <p:cNvPr id="9" name="Text Placeholder 6">
+            <a:extLst>
+              <a:ext uri="{FF2B5EF4-FFF2-40B4-BE49-F238E27FC236}">
+                <a16:creationId xmlns:a16="http://schemas.microsoft.com/office/drawing/2014/main" xmlns="" id="{26A87885-D672-4CF9-A78D-CFE98385B03A}"/>
+              </a:ext>
+            </a:extLst>
+          </p:cNvPr>
+          <p:cNvSpPr>
+            <a:spLocks noGrp="1"/>
+          </p:cNvSpPr>
+          <p:nvPr>
+            <p:ph type="body" sz="quarter" idx="12"/>
+          </p:nvPr>
+        </p:nvSpPr>
+        <p:spPr>
+          <a:xfrm>
+            <a:off x="6928311" y="1536802"/>
+            <a:ext cx="4895057" cy="4510913"/>
+          </a:xfrm>
+        </p:spPr>
+        <p:txBody>
+          <a:bodyPr/>
+          <a:lstStyle/>
+          <a:p>
+            <a:r>
+              <a:rPr lang="ko-KR" altLang="en-US" dirty="0"/>
+              <a:t>장소</a:t>
+            </a:r>
+            <a:r>
+              <a:rPr lang="en-US" altLang="ko-KR" dirty="0"/>
+              <a:t>, </a:t>
+            </a:r>
+            <a:r>
+              <a:rPr lang="ko-KR" altLang="en-US" dirty="0"/>
+              <a:t>날짜 선택하여 시간정보 호출</a:t>
+            </a:r>
+            <a:endParaRPr lang="en-US" altLang="ko-KR" dirty="0"/>
+          </a:p>
+          <a:p>
+            <a:pPr lvl="1"/>
+            <a:r>
+              <a:rPr lang="ko-KR" altLang="en-US" dirty="0"/>
+              <a:t>장소와 날짜를 선택 시 해당 날짜에 예약된 시간을 타임 테이블에 표시</a:t>
+            </a:r>
+            <a:endParaRPr lang="en-US" altLang="ko-KR" dirty="0"/>
+          </a:p>
+          <a:p>
+            <a:pPr lvl="1"/>
+            <a:r>
+              <a:rPr lang="ko-KR" altLang="en-US" dirty="0"/>
+              <a:t>페이지 이동 없이 해당 시간정보를 불러와야 하므로 </a:t>
+            </a:r>
+            <a:r>
+              <a:rPr lang="en-US" altLang="ko-KR" dirty="0"/>
+              <a:t>AJAX</a:t>
+            </a:r>
+            <a:r>
+              <a:rPr lang="ko-KR" altLang="en-US" dirty="0"/>
+              <a:t>를 통해 시간정보 호출</a:t>
+            </a:r>
+            <a:endParaRPr lang="en-US" altLang="ko-KR" dirty="0"/>
+          </a:p>
+          <a:p>
+            <a:pPr lvl="1"/>
+            <a:r>
+              <a:rPr lang="ko-KR" altLang="en-US" dirty="0"/>
+              <a:t>원하는 시간대를 마우스로 클릭하여 시간 선택</a:t>
+            </a:r>
+            <a:r>
+              <a:rPr lang="en-US" altLang="ko-KR" dirty="0"/>
+              <a:t>,</a:t>
+            </a:r>
+            <a:r>
+              <a:rPr lang="ko-KR" altLang="en-US" dirty="0"/>
+              <a:t> 자바스크립트를 통해 구현</a:t>
+            </a:r>
+            <a:r>
+              <a:rPr lang="en-US" altLang="ko-KR" dirty="0"/>
+              <a:t>.</a:t>
+            </a:r>
+          </a:p>
+          <a:p>
+            <a:pPr lvl="1"/>
+            <a:endParaRPr lang="en-US" altLang="ko-KR" dirty="0"/>
+          </a:p>
+          <a:p>
+            <a:pPr marL="266700" lvl="1" indent="0">
+              <a:buNone/>
+            </a:pPr>
+            <a:endParaRPr lang="en-US" dirty="0"/>
+          </a:p>
+        </p:txBody>
+      </p:sp>
+      <p:pic>
+        <p:nvPicPr>
+          <p:cNvPr id="3" name="그림 2"/>
+          <p:cNvPicPr>
+            <a:picLocks noChangeAspect="1"/>
+          </p:cNvPicPr>
+          <p:nvPr/>
+        </p:nvPicPr>
+        <p:blipFill>
+          <a:blip r:embed="rId2">
+            <a:extLst>
+              <a:ext uri="{28A0092B-C50C-407E-A947-70E740481C1C}">
+                <a14:useLocalDpi xmlns:a14="http://schemas.microsoft.com/office/drawing/2010/main" val="0"/>
+              </a:ext>
+            </a:extLst>
+          </a:blip>
+          <a:stretch>
+            <a:fillRect/>
+          </a:stretch>
+        </p:blipFill>
+        <p:spPr>
+          <a:xfrm>
+            <a:off x="117701" y="815767"/>
+            <a:ext cx="6113766" cy="2977390"/>
+          </a:xfrm>
+          <a:prstGeom prst="rect">
+            <a:avLst/>
+          </a:prstGeom>
+          <a:ln>
+            <a:solidFill>
+              <a:schemeClr val="tx1"/>
+            </a:solidFill>
+          </a:ln>
+        </p:spPr>
+      </p:pic>
+      <p:pic>
+        <p:nvPicPr>
+          <p:cNvPr id="5" name="그림 4"/>
+          <p:cNvPicPr>
+            <a:picLocks noChangeAspect="1"/>
+          </p:cNvPicPr>
+          <p:nvPr/>
+        </p:nvPicPr>
+        <p:blipFill>
+          <a:blip r:embed="rId3">
+            <a:extLst>
+              <a:ext uri="{28A0092B-C50C-407E-A947-70E740481C1C}">
+                <a14:useLocalDpi xmlns:a14="http://schemas.microsoft.com/office/drawing/2010/main" val="0"/>
+              </a:ext>
+            </a:extLst>
+          </a:blip>
+          <a:stretch>
+            <a:fillRect/>
+          </a:stretch>
+        </p:blipFill>
+        <p:spPr>
+          <a:xfrm>
+            <a:off x="117701" y="3307643"/>
+            <a:ext cx="6230190" cy="3063707"/>
+          </a:xfrm>
+          <a:prstGeom prst="rect">
+            <a:avLst/>
+          </a:prstGeom>
+          <a:ln>
+            <a:solidFill>
+              <a:schemeClr val="tx1"/>
+            </a:solidFill>
+          </a:ln>
+        </p:spPr>
+      </p:pic>
+    </p:spTree>
+    <p:extLst>
+      <p:ext uri="{BB962C8B-B14F-4D97-AF65-F5344CB8AC3E}">
+        <p14:creationId xmlns:p14="http://schemas.microsoft.com/office/powerpoint/2010/main" val="4099721445"/>
+      </p:ext>
+    </p:extLst>
+  </p:cSld>
+  <p:clrMapOvr>
+    <a:masterClrMapping/>
+  </p:clrMapOvr>
+</p:sld>
+</file>
+
+<file path=ppt/slides/slide28.xml><?xml version="1.0" encoding="utf-8"?>
+<p:sld xmlns:a="http://schemas.openxmlformats.org/drawingml/2006/main" xmlns:r="http://schemas.openxmlformats.org/officeDocument/2006/relationships" xmlns:p="http://schemas.openxmlformats.org/presentationml/2006/main">
+  <p:cSld>
+    <p:spTree>
+      <p:nvGrpSpPr>
+        <p:cNvPr id="1" name=""/>
+        <p:cNvGrpSpPr/>
+        <p:nvPr/>
+      </p:nvGrpSpPr>
+      <p:grpSpPr>
+        <a:xfrm>
+          <a:off x="0" y="0"/>
+          <a:ext cx="0" cy="0"/>
+          <a:chOff x="0" y="0"/>
+          <a:chExt cx="0" cy="0"/>
+        </a:xfrm>
+      </p:grpSpPr>
+      <p:sp>
+        <p:nvSpPr>
+          <p:cNvPr id="2" name="Title 1">
+            <a:extLst>
+              <a:ext uri="{FF2B5EF4-FFF2-40B4-BE49-F238E27FC236}">
+                <a16:creationId xmlns:a16="http://schemas.microsoft.com/office/drawing/2014/main" xmlns="" id="{19304E83-A4F0-49C5-BB01-F5773509A2B3}"/>
+              </a:ext>
+            </a:extLst>
+          </p:cNvPr>
+          <p:cNvSpPr>
+            <a:spLocks noGrp="1"/>
+          </p:cNvSpPr>
+          <p:nvPr>
+            <p:ph type="title"/>
+          </p:nvPr>
+        </p:nvSpPr>
+        <p:spPr>
+          <a:xfrm>
+            <a:off x="117701" y="260049"/>
+            <a:ext cx="11340000" cy="432000"/>
+          </a:xfrm>
+        </p:spPr>
+        <p:txBody>
+          <a:bodyPr/>
+          <a:lstStyle/>
+          <a:p>
+            <a:r>
+              <a:rPr lang="ko-KR" altLang="en-US" dirty="0"/>
+              <a:t>세미나 예약</a:t>
+            </a:r>
+            <a:endParaRPr lang="en-US" dirty="0"/>
+          </a:p>
+        </p:txBody>
+      </p:sp>
+      <p:sp>
+        <p:nvSpPr>
+          <p:cNvPr id="8" name="Slide Number Placeholder 7">
+            <a:extLst>
+              <a:ext uri="{FF2B5EF4-FFF2-40B4-BE49-F238E27FC236}">
+                <a16:creationId xmlns:a16="http://schemas.microsoft.com/office/drawing/2014/main" xmlns="" id="{E6AC9832-FB01-464A-9824-61887B77997E}"/>
+              </a:ext>
+            </a:extLst>
+          </p:cNvPr>
+          <p:cNvSpPr>
+            <a:spLocks noGrp="1"/>
+          </p:cNvSpPr>
+          <p:nvPr>
+            <p:ph type="sldNum" sz="quarter" idx="33"/>
+          </p:nvPr>
+        </p:nvSpPr>
+        <p:spPr>
+          <a:xfrm>
+            <a:off x="11760000" y="6371351"/>
+            <a:ext cx="432000" cy="432000"/>
+          </a:xfrm>
+          <a:solidFill>
+            <a:schemeClr val="tx1">
+              <a:lumMod val="95000"/>
+              <a:lumOff val="5000"/>
+            </a:schemeClr>
+          </a:solidFill>
+        </p:spPr>
+        <p:txBody>
+          <a:bodyPr/>
+          <a:lstStyle/>
+          <a:p>
+            <a:fld id="{19B51A1E-902D-48AF-9020-955120F399B6}" type="slidenum">
+              <a:rPr lang="en-US" smtClean="0"/>
+              <a:pPr/>
+              <a:t>28</a:t>
+            </a:fld>
+            <a:endParaRPr lang="en-US" dirty="0"/>
+          </a:p>
+        </p:txBody>
+      </p:sp>
+      <p:sp>
+        <p:nvSpPr>
+          <p:cNvPr id="14" name="Rectangle 19">
+            <a:extLst>
+              <a:ext uri="{FF2B5EF4-FFF2-40B4-BE49-F238E27FC236}">
+                <a16:creationId xmlns:a16="http://schemas.microsoft.com/office/drawing/2014/main" xmlns="" id="{EFA08948-2B6F-46B1-9D2D-8D7B2B3FBD56}"/>
+              </a:ext>
+              <a:ext uri="{C183D7F6-B498-43B3-948B-1728B52AA6E4}">
+                <adec:decorative xmlns:adec="http://schemas.microsoft.com/office/drawing/2017/decorative" xmlns="" val="1"/>
+              </a:ext>
+            </a:extLst>
+          </p:cNvPr>
+          <p:cNvSpPr/>
+          <p:nvPr/>
+        </p:nvSpPr>
+        <p:spPr>
+          <a:xfrm>
+            <a:off x="9053" y="0"/>
+            <a:ext cx="1984175" cy="114824"/>
+          </a:xfrm>
+          <a:prstGeom prst="rect">
+            <a:avLst/>
+          </a:prstGeom>
+          <a:solidFill>
+            <a:schemeClr val="accent1"/>
+          </a:solidFill>
+          <a:ln>
+            <a:noFill/>
+          </a:ln>
+        </p:spPr>
+        <p:style>
+          <a:lnRef idx="2">
+            <a:schemeClr val="accent1">
+              <a:shade val="50000"/>
+            </a:schemeClr>
+          </a:lnRef>
+          <a:fillRef idx="1">
+            <a:schemeClr val="accent1"/>
+          </a:fillRef>
+          <a:effectRef idx="0">
+            <a:schemeClr val="accent1"/>
+          </a:effectRef>
+          <a:fontRef idx="minor">
+            <a:schemeClr val="lt1"/>
+          </a:fontRef>
+        </p:style>
+        <p:txBody>
+          <a:bodyPr rtlCol="0" anchor="ctr"/>
+          <a:lstStyle/>
+          <a:p>
+            <a:pPr algn="l"/>
+            <a:endParaRPr lang="en-US" dirty="0"/>
+          </a:p>
+        </p:txBody>
+      </p:sp>
+      <p:sp>
+        <p:nvSpPr>
+          <p:cNvPr id="6" name="Rectangle 12">
+            <a:extLst>
+              <a:ext uri="{FF2B5EF4-FFF2-40B4-BE49-F238E27FC236}">
+                <a16:creationId xmlns:a16="http://schemas.microsoft.com/office/drawing/2014/main" xmlns="" id="{A7CD04AE-9A8B-4DED-855D-F51B510D0B69}"/>
+              </a:ext>
+              <a:ext uri="{C183D7F6-B498-43B3-948B-1728B52AA6E4}">
+                <adec:decorative xmlns:adec="http://schemas.microsoft.com/office/drawing/2017/decorative" xmlns="" val="1"/>
+              </a:ext>
+            </a:extLst>
+          </p:cNvPr>
+          <p:cNvSpPr/>
+          <p:nvPr/>
+        </p:nvSpPr>
+        <p:spPr>
+          <a:xfrm>
+            <a:off x="6928425" y="815767"/>
+            <a:ext cx="1774936" cy="114824"/>
+          </a:xfrm>
+          <a:prstGeom prst="rect">
+            <a:avLst/>
+          </a:prstGeom>
+          <a:solidFill>
+            <a:schemeClr val="accent3"/>
+          </a:solidFill>
+          <a:ln>
+            <a:noFill/>
+          </a:ln>
+        </p:spPr>
+        <p:style>
+          <a:lnRef idx="2">
+            <a:schemeClr val="accent1">
+              <a:shade val="50000"/>
+            </a:schemeClr>
+          </a:lnRef>
+          <a:fillRef idx="1">
+            <a:schemeClr val="accent1"/>
+          </a:fillRef>
+          <a:effectRef idx="0">
+            <a:schemeClr val="accent1"/>
+          </a:effectRef>
+          <a:fontRef idx="minor">
+            <a:schemeClr val="lt1"/>
+          </a:fontRef>
+        </p:style>
+        <p:txBody>
+          <a:bodyPr rtlCol="0" anchor="ctr"/>
+          <a:lstStyle/>
+          <a:p>
+            <a:pPr algn="l"/>
+            <a:endParaRPr lang="en-US" dirty="0"/>
+          </a:p>
+        </p:txBody>
+      </p:sp>
+      <p:sp>
+        <p:nvSpPr>
+          <p:cNvPr id="7" name="Text Placeholder 5">
+            <a:extLst>
+              <a:ext uri="{FF2B5EF4-FFF2-40B4-BE49-F238E27FC236}">
+                <a16:creationId xmlns:a16="http://schemas.microsoft.com/office/drawing/2014/main" xmlns="" id="{B237D1CA-B91A-410E-A968-D017BBE99F99}"/>
+              </a:ext>
+            </a:extLst>
+          </p:cNvPr>
+          <p:cNvSpPr>
+            <a:spLocks noGrp="1"/>
+          </p:cNvSpPr>
+          <p:nvPr>
+            <p:ph type="body" sz="quarter" idx="13"/>
+          </p:nvPr>
+        </p:nvSpPr>
+        <p:spPr>
+          <a:xfrm>
+            <a:off x="6928424" y="1054309"/>
+            <a:ext cx="4894956" cy="358775"/>
+          </a:xfrm>
+        </p:spPr>
+        <p:txBody>
+          <a:bodyPr/>
+          <a:lstStyle/>
+          <a:p>
+            <a:r>
+              <a:rPr lang="ko-KR" altLang="en-US" dirty="0"/>
+              <a:t>구현 내용</a:t>
+            </a:r>
+            <a:endParaRPr lang="en-US" dirty="0"/>
+          </a:p>
+        </p:txBody>
+      </p:sp>
+      <p:sp>
+        <p:nvSpPr>
+          <p:cNvPr id="9" name="Text Placeholder 6">
+            <a:extLst>
+              <a:ext uri="{FF2B5EF4-FFF2-40B4-BE49-F238E27FC236}">
+                <a16:creationId xmlns:a16="http://schemas.microsoft.com/office/drawing/2014/main" xmlns="" id="{26A87885-D672-4CF9-A78D-CFE98385B03A}"/>
+              </a:ext>
+            </a:extLst>
+          </p:cNvPr>
+          <p:cNvSpPr>
+            <a:spLocks noGrp="1"/>
+          </p:cNvSpPr>
+          <p:nvPr>
+            <p:ph type="body" sz="quarter" idx="12"/>
+          </p:nvPr>
+        </p:nvSpPr>
+        <p:spPr>
+          <a:xfrm>
+            <a:off x="6928311" y="1536802"/>
+            <a:ext cx="4895057" cy="4510913"/>
+          </a:xfrm>
+        </p:spPr>
+        <p:txBody>
+          <a:bodyPr/>
+          <a:lstStyle/>
+          <a:p>
+            <a:r>
+              <a:rPr lang="ko-KR" altLang="en-US" dirty="0"/>
+              <a:t>중복된 시간 선택 시</a:t>
+            </a:r>
+            <a:r>
+              <a:rPr lang="en-US" altLang="ko-KR" dirty="0"/>
+              <a:t> </a:t>
+            </a:r>
+            <a:r>
+              <a:rPr lang="ko-KR" altLang="en-US" dirty="0"/>
+              <a:t>알림</a:t>
+            </a:r>
+            <a:endParaRPr lang="en-US" altLang="ko-KR" dirty="0"/>
+          </a:p>
+          <a:p>
+            <a:pPr lvl="1"/>
+            <a:r>
+              <a:rPr lang="ko-KR" altLang="en-US" dirty="0"/>
+              <a:t>이미 등록된 시간을 선택 시</a:t>
+            </a:r>
+            <a:r>
+              <a:rPr lang="en-US" altLang="ko-KR" dirty="0"/>
+              <a:t>, </a:t>
+            </a:r>
+            <a:r>
+              <a:rPr lang="ko-KR" altLang="en-US" dirty="0"/>
+              <a:t>겹치는 시간이 존재한다는 </a:t>
+            </a:r>
+            <a:r>
+              <a:rPr lang="ko-KR" altLang="en-US" dirty="0" err="1"/>
+              <a:t>알림창을</a:t>
+            </a:r>
+            <a:r>
+              <a:rPr lang="ko-KR" altLang="en-US" dirty="0"/>
+              <a:t> 표시하며</a:t>
+            </a:r>
+            <a:r>
+              <a:rPr lang="en-US" altLang="ko-KR" dirty="0"/>
+              <a:t>, </a:t>
+            </a:r>
+            <a:r>
+              <a:rPr lang="ko-KR" altLang="en-US" dirty="0"/>
+              <a:t>선택했던 시간정보를 초기화</a:t>
+            </a:r>
+            <a:r>
+              <a:rPr lang="en-US" altLang="ko-KR" dirty="0"/>
+              <a:t>, </a:t>
+            </a:r>
+            <a:r>
+              <a:rPr lang="ko-KR" altLang="en-US" dirty="0"/>
+              <a:t>미리 가져온 시간정보와 선택한 시간정보를 자바스크립트를 통해 비교하여 구현</a:t>
+            </a:r>
+            <a:r>
+              <a:rPr lang="en-US" altLang="ko-KR" dirty="0"/>
+              <a:t>.</a:t>
+            </a:r>
+          </a:p>
+          <a:p>
+            <a:pPr marL="266700" lvl="1" indent="0">
+              <a:buNone/>
+            </a:pPr>
+            <a:endParaRPr lang="en-US" altLang="ko-KR" dirty="0"/>
+          </a:p>
+          <a:p>
+            <a:r>
+              <a:rPr lang="ko-KR" altLang="en-US" dirty="0"/>
+              <a:t>정보를 입력하고 등록하는 도중에 다른 사용자에 의해 해당 시간이 예약된 경우 처리</a:t>
+            </a:r>
+            <a:endParaRPr lang="en-US" altLang="ko-KR" dirty="0"/>
+          </a:p>
+          <a:p>
+            <a:pPr lvl="1"/>
+            <a:r>
+              <a:rPr lang="ko-KR" altLang="en-US" dirty="0"/>
+              <a:t>등록버튼 클릭 시 이전에 받아온 시간정보와 새로 받아온 시간 정보를 자바스크립트를 통해 비교하여 시간 정보가 변경되었으면 시간을 재설정해달라는 </a:t>
+            </a:r>
+            <a:r>
+              <a:rPr lang="ko-KR" altLang="en-US" dirty="0" err="1"/>
+              <a:t>알람</a:t>
+            </a:r>
+            <a:r>
+              <a:rPr lang="ko-KR" altLang="en-US" dirty="0"/>
+              <a:t> 호출 및 선택한 시간정보 초기화</a:t>
+            </a:r>
+            <a:endParaRPr lang="en-US" altLang="ko-KR" dirty="0"/>
+          </a:p>
+          <a:p>
+            <a:pPr lvl="1"/>
+            <a:endParaRPr lang="en-US" altLang="ko-KR" dirty="0"/>
+          </a:p>
+          <a:p>
+            <a:pPr marL="266700" lvl="1" indent="0">
+              <a:buNone/>
+            </a:pPr>
+            <a:endParaRPr lang="en-US" dirty="0"/>
+          </a:p>
+        </p:txBody>
+      </p:sp>
+      <p:pic>
+        <p:nvPicPr>
+          <p:cNvPr id="4" name="그림 3"/>
+          <p:cNvPicPr>
+            <a:picLocks noChangeAspect="1"/>
+          </p:cNvPicPr>
+          <p:nvPr/>
+        </p:nvPicPr>
+        <p:blipFill>
+          <a:blip r:embed="rId2">
+            <a:extLst>
+              <a:ext uri="{28A0092B-C50C-407E-A947-70E740481C1C}">
+                <a14:useLocalDpi xmlns:a14="http://schemas.microsoft.com/office/drawing/2010/main" val="0"/>
+              </a:ext>
+            </a:extLst>
+          </a:blip>
+          <a:stretch>
+            <a:fillRect/>
+          </a:stretch>
+        </p:blipFill>
+        <p:spPr>
+          <a:xfrm>
+            <a:off x="117701" y="815766"/>
+            <a:ext cx="6526460" cy="3677211"/>
+          </a:xfrm>
+          <a:prstGeom prst="rect">
+            <a:avLst/>
+          </a:prstGeom>
+          <a:ln>
+            <a:solidFill>
+              <a:schemeClr val="tx1"/>
+            </a:solidFill>
+          </a:ln>
+        </p:spPr>
+      </p:pic>
+      <p:pic>
+        <p:nvPicPr>
+          <p:cNvPr id="10" name="그림 9"/>
+          <p:cNvPicPr>
+            <a:picLocks noChangeAspect="1"/>
+          </p:cNvPicPr>
+          <p:nvPr/>
+        </p:nvPicPr>
+        <p:blipFill>
+          <a:blip r:embed="rId3">
+            <a:extLst>
+              <a:ext uri="{28A0092B-C50C-407E-A947-70E740481C1C}">
+                <a14:useLocalDpi xmlns:a14="http://schemas.microsoft.com/office/drawing/2010/main" val="0"/>
+              </a:ext>
+            </a:extLst>
+          </a:blip>
+          <a:stretch>
+            <a:fillRect/>
+          </a:stretch>
+        </p:blipFill>
+        <p:spPr>
+          <a:xfrm>
+            <a:off x="117701" y="3328084"/>
+            <a:ext cx="6526460" cy="3043267"/>
+          </a:xfrm>
+          <a:prstGeom prst="rect">
+            <a:avLst/>
+          </a:prstGeom>
+          <a:ln>
+            <a:solidFill>
+              <a:schemeClr val="tx1"/>
+            </a:solidFill>
+          </a:ln>
+        </p:spPr>
+      </p:pic>
+    </p:spTree>
+    <p:extLst>
+      <p:ext uri="{BB962C8B-B14F-4D97-AF65-F5344CB8AC3E}">
+        <p14:creationId xmlns:p14="http://schemas.microsoft.com/office/powerpoint/2010/main" val="2613569174"/>
+      </p:ext>
+    </p:extLst>
+  </p:cSld>
+  <p:clrMapOvr>
+    <a:masterClrMapping/>
+  </p:clrMapOvr>
+</p:sld>
+</file>
+
+<file path=ppt/slides/slide29.xml><?xml version="1.0" encoding="utf-8"?>
+<p:sld xmlns:a="http://schemas.openxmlformats.org/drawingml/2006/main" xmlns:r="http://schemas.openxmlformats.org/officeDocument/2006/relationships" xmlns:p="http://schemas.openxmlformats.org/presentationml/2006/main">
+  <p:cSld>
+    <p:spTree>
+      <p:nvGrpSpPr>
+        <p:cNvPr id="1" name=""/>
+        <p:cNvGrpSpPr/>
+        <p:nvPr/>
+      </p:nvGrpSpPr>
+      <p:grpSpPr>
+        <a:xfrm>
+          <a:off x="0" y="0"/>
+          <a:ext cx="0" cy="0"/>
+          <a:chOff x="0" y="0"/>
+          <a:chExt cx="0" cy="0"/>
+        </a:xfrm>
+      </p:grpSpPr>
+      <p:pic>
+        <p:nvPicPr>
+          <p:cNvPr id="32" name="Picture Placeholder 31" descr="hand clapping">
+            <a:extLst>
+              <a:ext uri="{FF2B5EF4-FFF2-40B4-BE49-F238E27FC236}">
+                <a16:creationId xmlns:a16="http://schemas.microsoft.com/office/drawing/2014/main" xmlns="" id="{AAB6EE12-FEF8-FB41-A909-0DA61D7725C7}"/>
+              </a:ext>
+            </a:extLst>
+          </p:cNvPr>
+          <p:cNvPicPr>
+            <a:picLocks noGrp="1" noChangeAspect="1"/>
+          </p:cNvPicPr>
+          <p:nvPr>
+            <p:ph type="pic" sz="quarter" idx="10"/>
+          </p:nvPr>
+        </p:nvPicPr>
+        <p:blipFill>
+          <a:blip r:embed="rId2" cstate="screen">
+            <a:extLst>
+              <a:ext uri="{28A0092B-C50C-407E-A947-70E740481C1C}">
+                <a14:useLocalDpi xmlns:a14="http://schemas.microsoft.com/office/drawing/2010/main"/>
+              </a:ext>
+            </a:extLst>
+          </a:blip>
+          <a:srcRect/>
+          <a:stretch>
+            <a:fillRect/>
+          </a:stretch>
+        </p:blipFill>
+        <p:spPr/>
+      </p:pic>
+      <p:sp>
+        <p:nvSpPr>
+          <p:cNvPr id="14" name="Title 13">
+            <a:extLst>
+              <a:ext uri="{FF2B5EF4-FFF2-40B4-BE49-F238E27FC236}">
+                <a16:creationId xmlns:a16="http://schemas.microsoft.com/office/drawing/2014/main" xmlns="" id="{6C38D7A9-9299-4108-BB08-026F4B9CAE7B}"/>
+              </a:ext>
+            </a:extLst>
+          </p:cNvPr>
+          <p:cNvSpPr>
+            <a:spLocks noGrp="1"/>
+          </p:cNvSpPr>
+          <p:nvPr>
+            <p:ph type="ctrTitle"/>
+          </p:nvPr>
+        </p:nvSpPr>
+        <p:spPr/>
+        <p:txBody>
+          <a:bodyPr/>
+          <a:lstStyle/>
+          <a:p>
+            <a:r>
+              <a:rPr lang="en-US" dirty="0"/>
+              <a:t>Thank You</a:t>
+            </a:r>
+          </a:p>
+        </p:txBody>
+      </p:sp>
+      <p:sp>
+        <p:nvSpPr>
+          <p:cNvPr id="4" name="Text Placeholder 3">
+            <a:extLst>
+              <a:ext uri="{FF2B5EF4-FFF2-40B4-BE49-F238E27FC236}">
+                <a16:creationId xmlns:a16="http://schemas.microsoft.com/office/drawing/2014/main" xmlns="" id="{60828E04-9C2A-4859-8050-C2DF67A249CB}"/>
+              </a:ext>
+            </a:extLst>
+          </p:cNvPr>
+          <p:cNvSpPr>
+            <a:spLocks noGrp="1"/>
+          </p:cNvSpPr>
+          <p:nvPr>
+            <p:ph type="body" sz="quarter" idx="15"/>
+          </p:nvPr>
+        </p:nvSpPr>
+        <p:spPr>
+          <a:solidFill>
+            <a:schemeClr val="tx1">
+              <a:lumMod val="75000"/>
+              <a:lumOff val="25000"/>
+            </a:schemeClr>
+          </a:solidFill>
+        </p:spPr>
+        <p:txBody>
+          <a:bodyPr/>
+          <a:lstStyle/>
+          <a:p>
+            <a:r>
+              <a:rPr lang="ko-KR" altLang="en-US" dirty="0"/>
+              <a:t>이형준</a:t>
+            </a:r>
+            <a:endParaRPr lang="en-US" dirty="0"/>
+          </a:p>
+        </p:txBody>
+      </p:sp>
+      <p:pic>
+        <p:nvPicPr>
+          <p:cNvPr id="8" name="Graphic 7" descr="User" title="Icon - Presenter Name">
+            <a:extLst>
+              <a:ext uri="{FF2B5EF4-FFF2-40B4-BE49-F238E27FC236}">
+                <a16:creationId xmlns:a16="http://schemas.microsoft.com/office/drawing/2014/main" xmlns="" id="{111541C4-DB03-4E53-994D-499C7D73C4DF}"/>
+              </a:ext>
+            </a:extLst>
+          </p:cNvPr>
+          <p:cNvPicPr>
+            <a:picLocks noChangeAspect="1"/>
+          </p:cNvPicPr>
+          <p:nvPr/>
+        </p:nvPicPr>
+        <p:blipFill>
+          <a:blip r:embed="rId3" cstate="screen">
+            <a:extLst>
+              <a:ext uri="{28A0092B-C50C-407E-A947-70E740481C1C}">
+                <a14:useLocalDpi xmlns:a14="http://schemas.microsoft.com/office/drawing/2010/main"/>
+              </a:ext>
+              <a:ext uri="{96DAC541-7B7A-43D3-8B79-37D633B846F1}">
+                <asvg:svgBlip xmlns:asvg="http://schemas.microsoft.com/office/drawing/2016/SVG/main" xmlns="" r:embed="rId4"/>
+              </a:ext>
+            </a:extLst>
+          </a:blip>
+          <a:stretch>
+            <a:fillRect/>
+          </a:stretch>
+        </p:blipFill>
+        <p:spPr>
+          <a:xfrm>
+            <a:off x="11485495" y="4006655"/>
+            <a:ext cx="218900" cy="218900"/>
+          </a:xfrm>
+          <a:prstGeom prst="rect">
+            <a:avLst/>
+          </a:prstGeom>
+        </p:spPr>
+      </p:pic>
+      <p:sp>
+        <p:nvSpPr>
+          <p:cNvPr id="5" name="Text Placeholder 4">
+            <a:extLst>
+              <a:ext uri="{FF2B5EF4-FFF2-40B4-BE49-F238E27FC236}">
+                <a16:creationId xmlns:a16="http://schemas.microsoft.com/office/drawing/2014/main" xmlns="" id="{11265965-2271-4C1C-BD0A-6F85F80FF9A6}"/>
+              </a:ext>
+            </a:extLst>
+          </p:cNvPr>
+          <p:cNvSpPr>
+            <a:spLocks noGrp="1"/>
+          </p:cNvSpPr>
+          <p:nvPr>
+            <p:ph type="body" sz="quarter" idx="16"/>
+          </p:nvPr>
+        </p:nvSpPr>
+        <p:spPr>
+          <a:solidFill>
+            <a:schemeClr val="tx1">
+              <a:lumMod val="75000"/>
+              <a:lumOff val="25000"/>
+            </a:schemeClr>
+          </a:solidFill>
+        </p:spPr>
+        <p:txBody>
+          <a:bodyPr/>
+          <a:lstStyle/>
+          <a:p>
+            <a:endParaRPr lang="en-US" dirty="0"/>
+          </a:p>
+        </p:txBody>
+      </p:sp>
+      <p:pic>
+        <p:nvPicPr>
+          <p:cNvPr id="10" name="Graphic 9" descr="Smart Phone" title="Icon - Presenter Phone Number">
+            <a:extLst>
+              <a:ext uri="{FF2B5EF4-FFF2-40B4-BE49-F238E27FC236}">
+                <a16:creationId xmlns:a16="http://schemas.microsoft.com/office/drawing/2014/main" xmlns="" id="{A29DE31C-E099-4579-BB03-675E0A40C5F2}"/>
+              </a:ext>
+            </a:extLst>
+          </p:cNvPr>
+          <p:cNvPicPr>
+            <a:picLocks noChangeAspect="1"/>
+          </p:cNvPicPr>
+          <p:nvPr/>
+        </p:nvPicPr>
+        <p:blipFill>
+          <a:blip r:embed="rId5" cstate="screen">
+            <a:extLst>
+              <a:ext uri="{28A0092B-C50C-407E-A947-70E740481C1C}">
+                <a14:useLocalDpi xmlns:a14="http://schemas.microsoft.com/office/drawing/2010/main"/>
+              </a:ext>
+              <a:ext uri="{96DAC541-7B7A-43D3-8B79-37D633B846F1}">
+                <asvg:svgBlip xmlns:asvg="http://schemas.microsoft.com/office/drawing/2016/SVG/main" xmlns="" r:embed="rId6"/>
+              </a:ext>
+            </a:extLst>
+          </a:blip>
+          <a:stretch>
+            <a:fillRect/>
+          </a:stretch>
+        </p:blipFill>
+        <p:spPr>
+          <a:xfrm>
+            <a:off x="11485495" y="4355103"/>
+            <a:ext cx="218900" cy="218900"/>
+          </a:xfrm>
+          <a:prstGeom prst="rect">
+            <a:avLst/>
+          </a:prstGeom>
+        </p:spPr>
+      </p:pic>
+      <p:sp>
+        <p:nvSpPr>
+          <p:cNvPr id="6" name="Text Placeholder 5">
+            <a:extLst>
+              <a:ext uri="{FF2B5EF4-FFF2-40B4-BE49-F238E27FC236}">
+                <a16:creationId xmlns:a16="http://schemas.microsoft.com/office/drawing/2014/main" xmlns="" id="{50A3BCC3-A277-4C0B-9EBA-EB53990D8EBD}"/>
+              </a:ext>
+            </a:extLst>
+          </p:cNvPr>
+          <p:cNvSpPr>
+            <a:spLocks noGrp="1"/>
+          </p:cNvSpPr>
+          <p:nvPr>
+            <p:ph type="body" sz="quarter" idx="17"/>
+          </p:nvPr>
+        </p:nvSpPr>
+        <p:spPr>
+          <a:solidFill>
+            <a:schemeClr val="tx1">
+              <a:lumMod val="75000"/>
+              <a:lumOff val="25000"/>
+            </a:schemeClr>
+          </a:solidFill>
+        </p:spPr>
+        <p:txBody>
+          <a:bodyPr/>
+          <a:lstStyle/>
+          <a:p>
+            <a:r>
+              <a:rPr lang="en-US" dirty="0"/>
+              <a:t>sky203614@gmail.com</a:t>
+            </a:r>
+          </a:p>
+        </p:txBody>
+      </p:sp>
+      <p:pic>
+        <p:nvPicPr>
+          <p:cNvPr id="9" name="Graphic 8" descr="Envelope" title="Icon Presenter Email">
+            <a:extLst>
+              <a:ext uri="{FF2B5EF4-FFF2-40B4-BE49-F238E27FC236}">
+                <a16:creationId xmlns:a16="http://schemas.microsoft.com/office/drawing/2014/main" xmlns="" id="{773C1382-ACE1-460F-A1B6-AB761A7D2E6B}"/>
+              </a:ext>
+            </a:extLst>
+          </p:cNvPr>
+          <p:cNvPicPr>
+            <a:picLocks noChangeAspect="1"/>
+          </p:cNvPicPr>
+          <p:nvPr/>
+        </p:nvPicPr>
+        <p:blipFill>
+          <a:blip r:embed="rId7" cstate="screen">
+            <a:extLst>
+              <a:ext uri="{28A0092B-C50C-407E-A947-70E740481C1C}">
+                <a14:useLocalDpi xmlns:a14="http://schemas.microsoft.com/office/drawing/2010/main"/>
+              </a:ext>
+              <a:ext uri="{96DAC541-7B7A-43D3-8B79-37D633B846F1}">
+                <asvg:svgBlip xmlns:asvg="http://schemas.microsoft.com/office/drawing/2016/SVG/main" xmlns="" r:embed="rId8"/>
+              </a:ext>
+            </a:extLst>
+          </a:blip>
+          <a:stretch>
+            <a:fillRect/>
+          </a:stretch>
+        </p:blipFill>
+        <p:spPr>
+          <a:xfrm>
+            <a:off x="11485495" y="4703551"/>
+            <a:ext cx="218900" cy="218900"/>
+          </a:xfrm>
+          <a:prstGeom prst="rect">
+            <a:avLst/>
+          </a:prstGeom>
+        </p:spPr>
+      </p:pic>
+      <p:sp>
+        <p:nvSpPr>
+          <p:cNvPr id="16" name="Text Placeholder 15">
+            <a:extLst>
+              <a:ext uri="{FF2B5EF4-FFF2-40B4-BE49-F238E27FC236}">
+                <a16:creationId xmlns:a16="http://schemas.microsoft.com/office/drawing/2014/main" xmlns="" id="{FD8A1232-50A8-4535-AAF9-7F4180EAA0DD}"/>
+              </a:ext>
+            </a:extLst>
+          </p:cNvPr>
+          <p:cNvSpPr>
+            <a:spLocks noGrp="1"/>
+          </p:cNvSpPr>
+          <p:nvPr>
+            <p:ph type="body" sz="quarter" idx="18"/>
+          </p:nvPr>
+        </p:nvSpPr>
+        <p:spPr>
+          <a:solidFill>
+            <a:schemeClr val="tx1">
+              <a:lumMod val="75000"/>
+              <a:lumOff val="25000"/>
+            </a:schemeClr>
+          </a:solidFill>
+        </p:spPr>
+        <p:txBody>
+          <a:bodyPr/>
+          <a:lstStyle/>
+          <a:p>
+            <a:endParaRPr lang="en-US" dirty="0"/>
+          </a:p>
+        </p:txBody>
+      </p:sp>
+      <p:pic>
+        <p:nvPicPr>
+          <p:cNvPr id="11" name="Graphic 10" descr="Link">
+            <a:extLst>
+              <a:ext uri="{FF2B5EF4-FFF2-40B4-BE49-F238E27FC236}">
+                <a16:creationId xmlns:a16="http://schemas.microsoft.com/office/drawing/2014/main" xmlns="" id="{0718E6E0-05A2-479C-AEA8-1A385EB73474}"/>
+              </a:ext>
+            </a:extLst>
+          </p:cNvPr>
+          <p:cNvPicPr>
+            <a:picLocks noChangeAspect="1"/>
+          </p:cNvPicPr>
+          <p:nvPr/>
+        </p:nvPicPr>
+        <p:blipFill>
+          <a:blip r:embed="rId9" cstate="screen">
+            <a:extLst>
+              <a:ext uri="{28A0092B-C50C-407E-A947-70E740481C1C}">
+                <a14:useLocalDpi xmlns:a14="http://schemas.microsoft.com/office/drawing/2010/main"/>
+              </a:ext>
+              <a:ext uri="{96DAC541-7B7A-43D3-8B79-37D633B846F1}">
+                <asvg:svgBlip xmlns:asvg="http://schemas.microsoft.com/office/drawing/2016/SVG/main" xmlns="" r:embed="rId10"/>
+              </a:ext>
+            </a:extLst>
+          </a:blip>
+          <a:stretch>
+            <a:fillRect/>
+          </a:stretch>
+        </p:blipFill>
+        <p:spPr>
+          <a:xfrm>
+            <a:off x="11472552" y="5040763"/>
+            <a:ext cx="244786" cy="244786"/>
+          </a:xfrm>
+          <a:prstGeom prst="rect">
+            <a:avLst/>
+          </a:prstGeom>
+        </p:spPr>
+      </p:pic>
+      <p:sp>
+        <p:nvSpPr>
+          <p:cNvPr id="12" name="Slide Number Placeholder 11">
+            <a:extLst>
+              <a:ext uri="{FF2B5EF4-FFF2-40B4-BE49-F238E27FC236}">
+                <a16:creationId xmlns:a16="http://schemas.microsoft.com/office/drawing/2014/main" xmlns="" id="{91814EC9-246A-4C6E-941E-5774FE72F08E}"/>
+              </a:ext>
+            </a:extLst>
+          </p:cNvPr>
+          <p:cNvSpPr>
+            <a:spLocks noGrp="1"/>
+          </p:cNvSpPr>
+          <p:nvPr>
+            <p:ph type="sldNum" sz="quarter" idx="20"/>
+          </p:nvPr>
+        </p:nvSpPr>
+        <p:spPr>
+          <a:solidFill>
+            <a:schemeClr val="tx1">
+              <a:lumMod val="95000"/>
+              <a:lumOff val="5000"/>
+            </a:schemeClr>
+          </a:solidFill>
+        </p:spPr>
+        <p:txBody>
+          <a:bodyPr/>
+          <a:lstStyle/>
+          <a:p>
+            <a:fld id="{19B51A1E-902D-48AF-9020-955120F399B6}" type="slidenum">
+              <a:rPr lang="en-US" smtClean="0"/>
+              <a:pPr/>
+              <a:t>29</a:t>
+            </a:fld>
+            <a:endParaRPr lang="en-US" dirty="0"/>
+          </a:p>
+        </p:txBody>
+      </p:sp>
+    </p:spTree>
+    <p:extLst>
+      <p:ext uri="{BB962C8B-B14F-4D97-AF65-F5344CB8AC3E}">
+        <p14:creationId xmlns:p14="http://schemas.microsoft.com/office/powerpoint/2010/main" val="4153678306"/>
       </p:ext>
     </p:extLst>
   </p:cSld>
@@ -12674,10 +18518,10 @@
           <p:cNvPr id="15" name="Rectangle 19">
             <a:extLst>
               <a:ext uri="{FF2B5EF4-FFF2-40B4-BE49-F238E27FC236}">
-                <a16:creationId xmlns:a16="http://schemas.microsoft.com/office/drawing/2014/main" id="{EFA08948-2B6F-46B1-9D2D-8D7B2B3FBD56}"/>
+                <a16:creationId xmlns:a16="http://schemas.microsoft.com/office/drawing/2014/main" xmlns="" id="{EFA08948-2B6F-46B1-9D2D-8D7B2B3FBD56}"/>
               </a:ext>
               <a:ext uri="{C183D7F6-B498-43B3-948B-1728B52AA6E4}">
-                <adec:decorative xmlns:adec="http://schemas.microsoft.com/office/drawing/2017/decorative" val="1"/>
+                <adec:decorative xmlns:adec="http://schemas.microsoft.com/office/drawing/2017/decorative" xmlns="" val="1"/>
               </a:ext>
             </a:extLst>
           </p:cNvPr>
@@ -12729,7 +18573,7 @@
           <p:cNvPr id="16" name="Title 1">
             <a:extLst>
               <a:ext uri="{FF2B5EF4-FFF2-40B4-BE49-F238E27FC236}">
-                <a16:creationId xmlns:a16="http://schemas.microsoft.com/office/drawing/2014/main" id="{3560F281-4FF6-4617-A809-AC9C15ECF18A}"/>
+                <a16:creationId xmlns:a16="http://schemas.microsoft.com/office/drawing/2014/main" xmlns="" id="{3560F281-4FF6-4617-A809-AC9C15ECF18A}"/>
               </a:ext>
             </a:extLst>
           </p:cNvPr>
@@ -12784,7 +18628,7 @@
           <p:cNvPr id="18" name="Slide Number Placeholder 5">
             <a:extLst>
               <a:ext uri="{FF2B5EF4-FFF2-40B4-BE49-F238E27FC236}">
-                <a16:creationId xmlns:a16="http://schemas.microsoft.com/office/drawing/2014/main" id="{1C554D9F-1895-486E-BFBA-905BB2D29E08}"/>
+                <a16:creationId xmlns:a16="http://schemas.microsoft.com/office/drawing/2014/main" xmlns="" id="{1C554D9F-1895-486E-BFBA-905BB2D29E08}"/>
               </a:ext>
             </a:extLst>
           </p:cNvPr>
@@ -13331,10 +19175,10 @@
           <p:cNvPr id="15" name="Rectangle 19">
             <a:extLst>
               <a:ext uri="{FF2B5EF4-FFF2-40B4-BE49-F238E27FC236}">
-                <a16:creationId xmlns:a16="http://schemas.microsoft.com/office/drawing/2014/main" id="{EFA08948-2B6F-46B1-9D2D-8D7B2B3FBD56}"/>
+                <a16:creationId xmlns:a16="http://schemas.microsoft.com/office/drawing/2014/main" xmlns="" id="{EFA08948-2B6F-46B1-9D2D-8D7B2B3FBD56}"/>
               </a:ext>
               <a:ext uri="{C183D7F6-B498-43B3-948B-1728B52AA6E4}">
-                <adec:decorative xmlns:adec="http://schemas.microsoft.com/office/drawing/2017/decorative" val="1"/>
+                <adec:decorative xmlns:adec="http://schemas.microsoft.com/office/drawing/2017/decorative" xmlns="" val="1"/>
               </a:ext>
             </a:extLst>
           </p:cNvPr>
@@ -13386,7 +19230,7 @@
           <p:cNvPr id="16" name="Title 1">
             <a:extLst>
               <a:ext uri="{FF2B5EF4-FFF2-40B4-BE49-F238E27FC236}">
-                <a16:creationId xmlns:a16="http://schemas.microsoft.com/office/drawing/2014/main" id="{3560F281-4FF6-4617-A809-AC9C15ECF18A}"/>
+                <a16:creationId xmlns:a16="http://schemas.microsoft.com/office/drawing/2014/main" xmlns="" id="{3560F281-4FF6-4617-A809-AC9C15ECF18A}"/>
               </a:ext>
             </a:extLst>
           </p:cNvPr>
@@ -13441,7 +19285,7 @@
           <p:cNvPr id="18" name="Slide Number Placeholder 5">
             <a:extLst>
               <a:ext uri="{FF2B5EF4-FFF2-40B4-BE49-F238E27FC236}">
-                <a16:creationId xmlns:a16="http://schemas.microsoft.com/office/drawing/2014/main" id="{1C554D9F-1895-486E-BFBA-905BB2D29E08}"/>
+                <a16:creationId xmlns:a16="http://schemas.microsoft.com/office/drawing/2014/main" xmlns="" id="{1C554D9F-1895-486E-BFBA-905BB2D29E08}"/>
               </a:ext>
             </a:extLst>
           </p:cNvPr>
@@ -13534,7 +19378,7 @@
           <p:cNvPr id="11" name="Picture Placeholder 10" descr="Desk with computer, phone, books, etc.">
             <a:extLst>
               <a:ext uri="{FF2B5EF4-FFF2-40B4-BE49-F238E27FC236}">
-                <a16:creationId xmlns:a16="http://schemas.microsoft.com/office/drawing/2014/main" id="{2E7ADBC3-DECA-9F4C-9289-9E43C727592F}"/>
+                <a16:creationId xmlns:a16="http://schemas.microsoft.com/office/drawing/2014/main" xmlns="" id="{2E7ADBC3-DECA-9F4C-9289-9E43C727592F}"/>
               </a:ext>
             </a:extLst>
           </p:cNvPr>
@@ -13565,7 +19409,7 @@
           <p:cNvPr id="3" name="Title 2">
             <a:extLst>
               <a:ext uri="{FF2B5EF4-FFF2-40B4-BE49-F238E27FC236}">
-                <a16:creationId xmlns:a16="http://schemas.microsoft.com/office/drawing/2014/main" id="{200B3D2B-613A-41BE-987D-E6A1324B456D}"/>
+                <a16:creationId xmlns:a16="http://schemas.microsoft.com/office/drawing/2014/main" xmlns="" id="{200B3D2B-613A-41BE-987D-E6A1324B456D}"/>
               </a:ext>
             </a:extLst>
           </p:cNvPr>
@@ -13600,7 +19444,7 @@
           <p:cNvPr id="14" name="Text Placeholder 13">
             <a:extLst>
               <a:ext uri="{FF2B5EF4-FFF2-40B4-BE49-F238E27FC236}">
-                <a16:creationId xmlns:a16="http://schemas.microsoft.com/office/drawing/2014/main" id="{F278402B-CA7D-4F5B-B3FA-ED74AB3CFB6C}"/>
+                <a16:creationId xmlns:a16="http://schemas.microsoft.com/office/drawing/2014/main" xmlns="" id="{F278402B-CA7D-4F5B-B3FA-ED74AB3CFB6C}"/>
               </a:ext>
             </a:extLst>
           </p:cNvPr>
@@ -13629,7 +19473,7 @@
           <p:cNvPr id="5" name="Slide Number Placeholder 4">
             <a:extLst>
               <a:ext uri="{FF2B5EF4-FFF2-40B4-BE49-F238E27FC236}">
-                <a16:creationId xmlns:a16="http://schemas.microsoft.com/office/drawing/2014/main" id="{BDD5A594-D852-43BB-B591-E9D9027253BD}"/>
+                <a16:creationId xmlns:a16="http://schemas.microsoft.com/office/drawing/2014/main" xmlns="" id="{BDD5A594-D852-43BB-B591-E9D9027253BD}"/>
               </a:ext>
             </a:extLst>
           </p:cNvPr>
@@ -13696,7 +19540,7 @@
           <p:cNvPr id="2" name="Title 1">
             <a:extLst>
               <a:ext uri="{FF2B5EF4-FFF2-40B4-BE49-F238E27FC236}">
-                <a16:creationId xmlns:a16="http://schemas.microsoft.com/office/drawing/2014/main" id="{19304E83-A4F0-49C5-BB01-F5773509A2B3}"/>
+                <a16:creationId xmlns:a16="http://schemas.microsoft.com/office/drawing/2014/main" xmlns="" id="{19304E83-A4F0-49C5-BB01-F5773509A2B3}"/>
               </a:ext>
             </a:extLst>
           </p:cNvPr>
@@ -13730,10 +19574,10 @@
           <p:cNvPr id="12" name="Rectangle 11">
             <a:extLst>
               <a:ext uri="{FF2B5EF4-FFF2-40B4-BE49-F238E27FC236}">
-                <a16:creationId xmlns:a16="http://schemas.microsoft.com/office/drawing/2014/main" id="{7F65E93D-09FF-42EE-B9DD-750638966686}"/>
+                <a16:creationId xmlns:a16="http://schemas.microsoft.com/office/drawing/2014/main" xmlns="" id="{7F65E93D-09FF-42EE-B9DD-750638966686}"/>
               </a:ext>
               <a:ext uri="{C183D7F6-B498-43B3-948B-1728B52AA6E4}">
-                <adec:decorative xmlns:adec="http://schemas.microsoft.com/office/drawing/2017/decorative" val="1"/>
+                <adec:decorative xmlns:adec="http://schemas.microsoft.com/office/drawing/2017/decorative" xmlns="" val="1"/>
               </a:ext>
             </a:extLst>
           </p:cNvPr>
@@ -13785,7 +19629,7 @@
           <p:cNvPr id="4" name="Text Placeholder 3">
             <a:extLst>
               <a:ext uri="{FF2B5EF4-FFF2-40B4-BE49-F238E27FC236}">
-                <a16:creationId xmlns:a16="http://schemas.microsoft.com/office/drawing/2014/main" id="{6AB259A0-0017-492F-A0DC-4B70C7052AE0}"/>
+                <a16:creationId xmlns:a16="http://schemas.microsoft.com/office/drawing/2014/main" xmlns="" id="{6AB259A0-0017-492F-A0DC-4B70C7052AE0}"/>
               </a:ext>
             </a:extLst>
           </p:cNvPr>
@@ -13819,7 +19663,7 @@
           <p:cNvPr id="5" name="Content Placeholder 4">
             <a:extLst>
               <a:ext uri="{FF2B5EF4-FFF2-40B4-BE49-F238E27FC236}">
-                <a16:creationId xmlns:a16="http://schemas.microsoft.com/office/drawing/2014/main" id="{CEEB3BAE-C0B2-447C-B8BE-96C6BD84D658}"/>
+                <a16:creationId xmlns:a16="http://schemas.microsoft.com/office/drawing/2014/main" xmlns="" id="{CEEB3BAE-C0B2-447C-B8BE-96C6BD84D658}"/>
               </a:ext>
             </a:extLst>
           </p:cNvPr>
@@ -13907,10 +19751,10 @@
           <p:cNvPr id="11" name="Straight Connector 10">
             <a:extLst>
               <a:ext uri="{FF2B5EF4-FFF2-40B4-BE49-F238E27FC236}">
-                <a16:creationId xmlns:a16="http://schemas.microsoft.com/office/drawing/2014/main" id="{5A563457-1EC8-4978-BCCB-AFD88C9ED04C}"/>
+                <a16:creationId xmlns:a16="http://schemas.microsoft.com/office/drawing/2014/main" xmlns="" id="{5A563457-1EC8-4978-BCCB-AFD88C9ED04C}"/>
               </a:ext>
               <a:ext uri="{C183D7F6-B498-43B3-948B-1728B52AA6E4}">
-                <adec:decorative xmlns:adec="http://schemas.microsoft.com/office/drawing/2017/decorative" val="1"/>
+                <adec:decorative xmlns:adec="http://schemas.microsoft.com/office/drawing/2017/decorative" xmlns="" val="1"/>
               </a:ext>
             </a:extLst>
           </p:cNvPr>
@@ -13953,10 +19797,10 @@
           <p:cNvPr id="13" name="Rectangle 12">
             <a:extLst>
               <a:ext uri="{FF2B5EF4-FFF2-40B4-BE49-F238E27FC236}">
-                <a16:creationId xmlns:a16="http://schemas.microsoft.com/office/drawing/2014/main" id="{A7CD04AE-9A8B-4DED-855D-F51B510D0B69}"/>
+                <a16:creationId xmlns:a16="http://schemas.microsoft.com/office/drawing/2014/main" xmlns="" id="{A7CD04AE-9A8B-4DED-855D-F51B510D0B69}"/>
               </a:ext>
               <a:ext uri="{C183D7F6-B498-43B3-948B-1728B52AA6E4}">
-                <adec:decorative xmlns:adec="http://schemas.microsoft.com/office/drawing/2017/decorative" val="1"/>
+                <adec:decorative xmlns:adec="http://schemas.microsoft.com/office/drawing/2017/decorative" xmlns="" val="1"/>
               </a:ext>
             </a:extLst>
           </p:cNvPr>
@@ -14008,7 +19852,7 @@
           <p:cNvPr id="6" name="Text Placeholder 5">
             <a:extLst>
               <a:ext uri="{FF2B5EF4-FFF2-40B4-BE49-F238E27FC236}">
-                <a16:creationId xmlns:a16="http://schemas.microsoft.com/office/drawing/2014/main" id="{B237D1CA-B91A-410E-A968-D017BBE99F99}"/>
+                <a16:creationId xmlns:a16="http://schemas.microsoft.com/office/drawing/2014/main" xmlns="" id="{B237D1CA-B91A-410E-A968-D017BBE99F99}"/>
               </a:ext>
             </a:extLst>
           </p:cNvPr>
@@ -14042,7 +19886,7 @@
           <p:cNvPr id="7" name="Text Placeholder 6">
             <a:extLst>
               <a:ext uri="{FF2B5EF4-FFF2-40B4-BE49-F238E27FC236}">
-                <a16:creationId xmlns:a16="http://schemas.microsoft.com/office/drawing/2014/main" id="{26A87885-D672-4CF9-A78D-CFE98385B03A}"/>
+                <a16:creationId xmlns:a16="http://schemas.microsoft.com/office/drawing/2014/main" xmlns="" id="{26A87885-D672-4CF9-A78D-CFE98385B03A}"/>
               </a:ext>
             </a:extLst>
           </p:cNvPr>
@@ -14239,7 +20083,7 @@
           <p:cNvPr id="8" name="Slide Number Placeholder 7">
             <a:extLst>
               <a:ext uri="{FF2B5EF4-FFF2-40B4-BE49-F238E27FC236}">
-                <a16:creationId xmlns:a16="http://schemas.microsoft.com/office/drawing/2014/main" id="{E6AC9832-FB01-464A-9824-61887B77997E}"/>
+                <a16:creationId xmlns:a16="http://schemas.microsoft.com/office/drawing/2014/main" xmlns="" id="{E6AC9832-FB01-464A-9824-61887B77997E}"/>
               </a:ext>
             </a:extLst>
           </p:cNvPr>
@@ -14280,10 +20124,10 @@
           <p:cNvPr id="14" name="Rectangle 19">
             <a:extLst>
               <a:ext uri="{FF2B5EF4-FFF2-40B4-BE49-F238E27FC236}">
-                <a16:creationId xmlns:a16="http://schemas.microsoft.com/office/drawing/2014/main" id="{EFA08948-2B6F-46B1-9D2D-8D7B2B3FBD56}"/>
+                <a16:creationId xmlns:a16="http://schemas.microsoft.com/office/drawing/2014/main" xmlns="" id="{EFA08948-2B6F-46B1-9D2D-8D7B2B3FBD56}"/>
               </a:ext>
               <a:ext uri="{C183D7F6-B498-43B3-948B-1728B52AA6E4}">
-                <adec:decorative xmlns:adec="http://schemas.microsoft.com/office/drawing/2017/decorative" val="1"/>
+                <adec:decorative xmlns:adec="http://schemas.microsoft.com/office/drawing/2017/decorative" xmlns="" val="1"/>
               </a:ext>
             </a:extLst>
           </p:cNvPr>
@@ -14365,7 +20209,7 @@
           <p:cNvPr id="2" name="Title 1">
             <a:extLst>
               <a:ext uri="{FF2B5EF4-FFF2-40B4-BE49-F238E27FC236}">
-                <a16:creationId xmlns:a16="http://schemas.microsoft.com/office/drawing/2014/main" id="{19304E83-A4F0-49C5-BB01-F5773509A2B3}"/>
+                <a16:creationId xmlns:a16="http://schemas.microsoft.com/office/drawing/2014/main" xmlns="" id="{19304E83-A4F0-49C5-BB01-F5773509A2B3}"/>
               </a:ext>
             </a:extLst>
           </p:cNvPr>
@@ -14399,7 +20243,7 @@
           <p:cNvPr id="8" name="Slide Number Placeholder 7">
             <a:extLst>
               <a:ext uri="{FF2B5EF4-FFF2-40B4-BE49-F238E27FC236}">
-                <a16:creationId xmlns:a16="http://schemas.microsoft.com/office/drawing/2014/main" id="{E6AC9832-FB01-464A-9824-61887B77997E}"/>
+                <a16:creationId xmlns:a16="http://schemas.microsoft.com/office/drawing/2014/main" xmlns="" id="{E6AC9832-FB01-464A-9824-61887B77997E}"/>
               </a:ext>
             </a:extLst>
           </p:cNvPr>
@@ -14440,10 +20284,10 @@
           <p:cNvPr id="14" name="Rectangle 19">
             <a:extLst>
               <a:ext uri="{FF2B5EF4-FFF2-40B4-BE49-F238E27FC236}">
-                <a16:creationId xmlns:a16="http://schemas.microsoft.com/office/drawing/2014/main" id="{EFA08948-2B6F-46B1-9D2D-8D7B2B3FBD56}"/>
+                <a16:creationId xmlns:a16="http://schemas.microsoft.com/office/drawing/2014/main" xmlns="" id="{EFA08948-2B6F-46B1-9D2D-8D7B2B3FBD56}"/>
               </a:ext>
               <a:ext uri="{C183D7F6-B498-43B3-948B-1728B52AA6E4}">
-                <adec:decorative xmlns:adec="http://schemas.microsoft.com/office/drawing/2017/decorative" val="1"/>
+                <adec:decorative xmlns:adec="http://schemas.microsoft.com/office/drawing/2017/decorative" xmlns="" val="1"/>
               </a:ext>
             </a:extLst>
           </p:cNvPr>
@@ -14530,10 +20374,10 @@
           <p:cNvPr id="6" name="Rectangle 12">
             <a:extLst>
               <a:ext uri="{FF2B5EF4-FFF2-40B4-BE49-F238E27FC236}">
-                <a16:creationId xmlns:a16="http://schemas.microsoft.com/office/drawing/2014/main" id="{A7CD04AE-9A8B-4DED-855D-F51B510D0B69}"/>
+                <a16:creationId xmlns:a16="http://schemas.microsoft.com/office/drawing/2014/main" xmlns="" id="{A7CD04AE-9A8B-4DED-855D-F51B510D0B69}"/>
               </a:ext>
               <a:ext uri="{C183D7F6-B498-43B3-948B-1728B52AA6E4}">
-                <adec:decorative xmlns:adec="http://schemas.microsoft.com/office/drawing/2017/decorative" val="1"/>
+                <adec:decorative xmlns:adec="http://schemas.microsoft.com/office/drawing/2017/decorative" xmlns="" val="1"/>
               </a:ext>
             </a:extLst>
           </p:cNvPr>
@@ -14585,7 +20429,7 @@
           <p:cNvPr id="7" name="Text Placeholder 5">
             <a:extLst>
               <a:ext uri="{FF2B5EF4-FFF2-40B4-BE49-F238E27FC236}">
-                <a16:creationId xmlns:a16="http://schemas.microsoft.com/office/drawing/2014/main" id="{B237D1CA-B91A-410E-A968-D017BBE99F99}"/>
+                <a16:creationId xmlns:a16="http://schemas.microsoft.com/office/drawing/2014/main" xmlns="" id="{B237D1CA-B91A-410E-A968-D017BBE99F99}"/>
               </a:ext>
             </a:extLst>
           </p:cNvPr>
@@ -14619,7 +20463,7 @@
           <p:cNvPr id="9" name="Text Placeholder 6">
             <a:extLst>
               <a:ext uri="{FF2B5EF4-FFF2-40B4-BE49-F238E27FC236}">
-                <a16:creationId xmlns:a16="http://schemas.microsoft.com/office/drawing/2014/main" id="{26A87885-D672-4CF9-A78D-CFE98385B03A}"/>
+                <a16:creationId xmlns:a16="http://schemas.microsoft.com/office/drawing/2014/main" xmlns="" id="{26A87885-D672-4CF9-A78D-CFE98385B03A}"/>
               </a:ext>
             </a:extLst>
           </p:cNvPr>
@@ -14930,7 +20774,7 @@
           <p:cNvPr id="2" name="Title 1">
             <a:extLst>
               <a:ext uri="{FF2B5EF4-FFF2-40B4-BE49-F238E27FC236}">
-                <a16:creationId xmlns:a16="http://schemas.microsoft.com/office/drawing/2014/main" id="{19304E83-A4F0-49C5-BB01-F5773509A2B3}"/>
+                <a16:creationId xmlns:a16="http://schemas.microsoft.com/office/drawing/2014/main" xmlns="" id="{19304E83-A4F0-49C5-BB01-F5773509A2B3}"/>
               </a:ext>
             </a:extLst>
           </p:cNvPr>
@@ -14964,7 +20808,7 @@
           <p:cNvPr id="8" name="Slide Number Placeholder 7">
             <a:extLst>
               <a:ext uri="{FF2B5EF4-FFF2-40B4-BE49-F238E27FC236}">
-                <a16:creationId xmlns:a16="http://schemas.microsoft.com/office/drawing/2014/main" id="{E6AC9832-FB01-464A-9824-61887B77997E}"/>
+                <a16:creationId xmlns:a16="http://schemas.microsoft.com/office/drawing/2014/main" xmlns="" id="{E6AC9832-FB01-464A-9824-61887B77997E}"/>
               </a:ext>
             </a:extLst>
           </p:cNvPr>
@@ -15005,10 +20849,10 @@
           <p:cNvPr id="14" name="Rectangle 19">
             <a:extLst>
               <a:ext uri="{FF2B5EF4-FFF2-40B4-BE49-F238E27FC236}">
-                <a16:creationId xmlns:a16="http://schemas.microsoft.com/office/drawing/2014/main" id="{EFA08948-2B6F-46B1-9D2D-8D7B2B3FBD56}"/>
+                <a16:creationId xmlns:a16="http://schemas.microsoft.com/office/drawing/2014/main" xmlns="" id="{EFA08948-2B6F-46B1-9D2D-8D7B2B3FBD56}"/>
               </a:ext>
               <a:ext uri="{C183D7F6-B498-43B3-948B-1728B52AA6E4}">
-                <adec:decorative xmlns:adec="http://schemas.microsoft.com/office/drawing/2017/decorative" val="1"/>
+                <adec:decorative xmlns:adec="http://schemas.microsoft.com/office/drawing/2017/decorative" xmlns="" val="1"/>
               </a:ext>
             </a:extLst>
           </p:cNvPr>
@@ -15060,10 +20904,10 @@
           <p:cNvPr id="6" name="Rectangle 12">
             <a:extLst>
               <a:ext uri="{FF2B5EF4-FFF2-40B4-BE49-F238E27FC236}">
-                <a16:creationId xmlns:a16="http://schemas.microsoft.com/office/drawing/2014/main" id="{A7CD04AE-9A8B-4DED-855D-F51B510D0B69}"/>
+                <a16:creationId xmlns:a16="http://schemas.microsoft.com/office/drawing/2014/main" xmlns="" id="{A7CD04AE-9A8B-4DED-855D-F51B510D0B69}"/>
               </a:ext>
               <a:ext uri="{C183D7F6-B498-43B3-948B-1728B52AA6E4}">
-                <adec:decorative xmlns:adec="http://schemas.microsoft.com/office/drawing/2017/decorative" val="1"/>
+                <adec:decorative xmlns:adec="http://schemas.microsoft.com/office/drawing/2017/decorative" xmlns="" val="1"/>
               </a:ext>
             </a:extLst>
           </p:cNvPr>
@@ -15115,7 +20959,7 @@
           <p:cNvPr id="7" name="Text Placeholder 5">
             <a:extLst>
               <a:ext uri="{FF2B5EF4-FFF2-40B4-BE49-F238E27FC236}">
-                <a16:creationId xmlns:a16="http://schemas.microsoft.com/office/drawing/2014/main" id="{B237D1CA-B91A-410E-A968-D017BBE99F99}"/>
+                <a16:creationId xmlns:a16="http://schemas.microsoft.com/office/drawing/2014/main" xmlns="" id="{B237D1CA-B91A-410E-A968-D017BBE99F99}"/>
               </a:ext>
             </a:extLst>
           </p:cNvPr>
@@ -15149,7 +20993,7 @@
           <p:cNvPr id="9" name="Text Placeholder 6">
             <a:extLst>
               <a:ext uri="{FF2B5EF4-FFF2-40B4-BE49-F238E27FC236}">
-                <a16:creationId xmlns:a16="http://schemas.microsoft.com/office/drawing/2014/main" id="{26A87885-D672-4CF9-A78D-CFE98385B03A}"/>
+                <a16:creationId xmlns:a16="http://schemas.microsoft.com/office/drawing/2014/main" xmlns="" id="{26A87885-D672-4CF9-A78D-CFE98385B03A}"/>
               </a:ext>
             </a:extLst>
           </p:cNvPr>
@@ -15349,7 +21193,7 @@
           <p:cNvPr id="2" name="Title 1">
             <a:extLst>
               <a:ext uri="{FF2B5EF4-FFF2-40B4-BE49-F238E27FC236}">
-                <a16:creationId xmlns:a16="http://schemas.microsoft.com/office/drawing/2014/main" id="{19304E83-A4F0-49C5-BB01-F5773509A2B3}"/>
+                <a16:creationId xmlns:a16="http://schemas.microsoft.com/office/drawing/2014/main" xmlns="" id="{19304E83-A4F0-49C5-BB01-F5773509A2B3}"/>
               </a:ext>
             </a:extLst>
           </p:cNvPr>
@@ -15395,7 +21239,7 @@
           <p:cNvPr id="8" name="Slide Number Placeholder 7">
             <a:extLst>
               <a:ext uri="{FF2B5EF4-FFF2-40B4-BE49-F238E27FC236}">
-                <a16:creationId xmlns:a16="http://schemas.microsoft.com/office/drawing/2014/main" id="{E6AC9832-FB01-464A-9824-61887B77997E}"/>
+                <a16:creationId xmlns:a16="http://schemas.microsoft.com/office/drawing/2014/main" xmlns="" id="{E6AC9832-FB01-464A-9824-61887B77997E}"/>
               </a:ext>
             </a:extLst>
           </p:cNvPr>
@@ -15436,10 +21280,10 @@
           <p:cNvPr id="14" name="Rectangle 19">
             <a:extLst>
               <a:ext uri="{FF2B5EF4-FFF2-40B4-BE49-F238E27FC236}">
-                <a16:creationId xmlns:a16="http://schemas.microsoft.com/office/drawing/2014/main" id="{EFA08948-2B6F-46B1-9D2D-8D7B2B3FBD56}"/>
+                <a16:creationId xmlns:a16="http://schemas.microsoft.com/office/drawing/2014/main" xmlns="" id="{EFA08948-2B6F-46B1-9D2D-8D7B2B3FBD56}"/>
               </a:ext>
               <a:ext uri="{C183D7F6-B498-43B3-948B-1728B52AA6E4}">
-                <adec:decorative xmlns:adec="http://schemas.microsoft.com/office/drawing/2017/decorative" val="1"/>
+                <adec:decorative xmlns:adec="http://schemas.microsoft.com/office/drawing/2017/decorative" xmlns="" val="1"/>
               </a:ext>
             </a:extLst>
           </p:cNvPr>
@@ -15491,10 +21335,10 @@
           <p:cNvPr id="6" name="Rectangle 12">
             <a:extLst>
               <a:ext uri="{FF2B5EF4-FFF2-40B4-BE49-F238E27FC236}">
-                <a16:creationId xmlns:a16="http://schemas.microsoft.com/office/drawing/2014/main" id="{A7CD04AE-9A8B-4DED-855D-F51B510D0B69}"/>
+                <a16:creationId xmlns:a16="http://schemas.microsoft.com/office/drawing/2014/main" xmlns="" id="{A7CD04AE-9A8B-4DED-855D-F51B510D0B69}"/>
               </a:ext>
               <a:ext uri="{C183D7F6-B498-43B3-948B-1728B52AA6E4}">
-                <adec:decorative xmlns:adec="http://schemas.microsoft.com/office/drawing/2017/decorative" val="1"/>
+                <adec:decorative xmlns:adec="http://schemas.microsoft.com/office/drawing/2017/decorative" xmlns="" val="1"/>
               </a:ext>
             </a:extLst>
           </p:cNvPr>
@@ -15546,7 +21390,7 @@
           <p:cNvPr id="7" name="Text Placeholder 5">
             <a:extLst>
               <a:ext uri="{FF2B5EF4-FFF2-40B4-BE49-F238E27FC236}">
-                <a16:creationId xmlns:a16="http://schemas.microsoft.com/office/drawing/2014/main" id="{B237D1CA-B91A-410E-A968-D017BBE99F99}"/>
+                <a16:creationId xmlns:a16="http://schemas.microsoft.com/office/drawing/2014/main" xmlns="" id="{B237D1CA-B91A-410E-A968-D017BBE99F99}"/>
               </a:ext>
             </a:extLst>
           </p:cNvPr>
@@ -15580,7 +21424,7 @@
           <p:cNvPr id="9" name="Text Placeholder 6">
             <a:extLst>
               <a:ext uri="{FF2B5EF4-FFF2-40B4-BE49-F238E27FC236}">
-                <a16:creationId xmlns:a16="http://schemas.microsoft.com/office/drawing/2014/main" id="{26A87885-D672-4CF9-A78D-CFE98385B03A}"/>
+                <a16:creationId xmlns:a16="http://schemas.microsoft.com/office/drawing/2014/main" xmlns="" id="{26A87885-D672-4CF9-A78D-CFE98385B03A}"/>
               </a:ext>
             </a:extLst>
           </p:cNvPr>
@@ -16577,6 +22421,14 @@
 </file>
 
 <file path=customXml/item1.xml><?xml version="1.0" encoding="utf-8"?>
+<p:properties xmlns:p="http://schemas.microsoft.com/office/2006/metadata/properties" xmlns:xsi="http://www.w3.org/2001/XMLSchema-instance" xmlns:pc="http://schemas.microsoft.com/office/infopath/2007/PartnerControls">
+  <documentManagement>
+    <MediaServiceKeyPoints xmlns="71af3243-3dd4-4a8d-8c0d-dd76da1f02a5" xsi:nil="true"/>
+  </documentManagement>
+</p:properties>
+</file>
+
+<file path=customXml/item2.xml><?xml version="1.0" encoding="utf-8"?>
 <ct:contentTypeSchema xmlns:ct="http://schemas.microsoft.com/office/2006/metadata/contentType" xmlns:ma="http://schemas.microsoft.com/office/2006/metadata/properties/metaAttributes" ct:_="" ma:_="" ma:contentTypeName="Document" ma:contentTypeID="0x01010079F111ED35F8CC479449609E8A0923A6" ma:contentTypeVersion="11" ma:contentTypeDescription="Create a new document." ma:contentTypeScope="" ma:versionID="96291512c1ee715ab617f4c07df79fc1">
   <xsd:schema xmlns:xsd="http://www.w3.org/2001/XMLSchema" xmlns:xs="http://www.w3.org/2001/XMLSchema" xmlns:p="http://schemas.microsoft.com/office/2006/metadata/properties" xmlns:ns2="71af3243-3dd4-4a8d-8c0d-dd76da1f02a5" xmlns:ns3="16c05727-aa75-4e4a-9b5f-8a80a1165891" targetNamespace="http://schemas.microsoft.com/office/2006/metadata/properties" ma:root="true" ma:fieldsID="8256c27c40ca5c40ce1cf6c44f0205df" ns2:_="" ns3:_="">
     <xsd:import namespace="71af3243-3dd4-4a8d-8c0d-dd76da1f02a5"/>
@@ -16787,14 +22639,6 @@
 </ct:contentTypeSchema>
 </file>
 
-<file path=customXml/item2.xml><?xml version="1.0" encoding="utf-8"?>
-<p:properties xmlns:p="http://schemas.microsoft.com/office/2006/metadata/properties" xmlns:xsi="http://www.w3.org/2001/XMLSchema-instance" xmlns:pc="http://schemas.microsoft.com/office/infopath/2007/PartnerControls">
-  <documentManagement>
-    <MediaServiceKeyPoints xmlns="71af3243-3dd4-4a8d-8c0d-dd76da1f02a5" xsi:nil="true"/>
-  </documentManagement>
-</p:properties>
-</file>
-
 <file path=customXml/item3.xml><?xml version="1.0" encoding="utf-8"?>
 <?mso-contentType ?>
 <FormTemplates xmlns="http://schemas.microsoft.com/sharepoint/v3/contenttype/forms">
@@ -16805,6 +22649,16 @@
 </file>
 
 <file path=customXml/itemProps1.xml><?xml version="1.0" encoding="utf-8"?>
+<ds:datastoreItem xmlns:ds="http://schemas.openxmlformats.org/officeDocument/2006/customXml" ds:itemID="{BF90D0D0-7C1D-47FF-A2F0-9937AA567A3D}">
+  <ds:schemaRefs>
+    <ds:schemaRef ds:uri="http://schemas.microsoft.com/office/2006/metadata/properties"/>
+    <ds:schemaRef ds:uri="http://schemas.microsoft.com/office/infopath/2007/PartnerControls"/>
+    <ds:schemaRef ds:uri="71af3243-3dd4-4a8d-8c0d-dd76da1f02a5"/>
+  </ds:schemaRefs>
+</ds:datastoreItem>
+</file>
+
+<file path=customXml/itemProps2.xml><?xml version="1.0" encoding="utf-8"?>
 <ds:datastoreItem xmlns:ds="http://schemas.openxmlformats.org/officeDocument/2006/customXml" ds:itemID="{2EDB5DD7-8DCC-4069-9EB3-5D098186652E}">
   <ds:schemaRefs>
     <ds:schemaRef ds:uri="http://schemas.microsoft.com/office/2006/metadata/contentType"/>
@@ -16823,16 +22677,6 @@
 </ds:datastoreItem>
 </file>
 
-<file path=customXml/itemProps2.xml><?xml version="1.0" encoding="utf-8"?>
-<ds:datastoreItem xmlns:ds="http://schemas.openxmlformats.org/officeDocument/2006/customXml" ds:itemID="{BF90D0D0-7C1D-47FF-A2F0-9937AA567A3D}">
-  <ds:schemaRefs>
-    <ds:schemaRef ds:uri="http://schemas.microsoft.com/office/2006/metadata/properties"/>
-    <ds:schemaRef ds:uri="http://schemas.microsoft.com/office/infopath/2007/PartnerControls"/>
-    <ds:schemaRef ds:uri="71af3243-3dd4-4a8d-8c0d-dd76da1f02a5"/>
-  </ds:schemaRefs>
-</ds:datastoreItem>
-</file>
-
 <file path=customXml/itemProps3.xml><?xml version="1.0" encoding="utf-8"?>
 <ds:datastoreItem xmlns:ds="http://schemas.openxmlformats.org/officeDocument/2006/customXml" ds:itemID="{B8E15EA0-2F38-456B-B156-038699A5D17F}">
   <ds:schemaRefs>
